--- a/Report/1612888_1612892.pptx
+++ b/Report/1612888_1612892.pptx
@@ -26,8 +26,8 @@
     <p:sldId id="267" r:id="rId14"/>
     <p:sldId id="272" r:id="rId15"/>
     <p:sldId id="273" r:id="rId16"/>
-    <p:sldId id="274" r:id="rId17"/>
-    <p:sldId id="268" r:id="rId18"/>
+    <p:sldId id="268" r:id="rId17"/>
+    <p:sldId id="274" r:id="rId18"/>
     <p:sldId id="269" r:id="rId19"/>
     <p:sldId id="270" r:id="rId20"/>
   </p:sldIdLst>
@@ -230,7 +230,7 @@
           <a:p>
             <a:fld id="{801B51A1-33F2-43BF-B88B-CA2517E2224B}" type="datetimeFigureOut">
               <a:rPr lang="en-GB" smtClean="0"/>
-              <a:t>07/01/2020</a:t>
+              <a:t>08/01/2020</a:t>
             </a:fld>
             <a:endParaRPr lang="en-GB"/>
           </a:p>
@@ -408,7 +408,7 @@
           <a:p>
             <a:fld id="{E5382C3E-BB42-4C5A-8E33-9F085A012E47}" type="datetimeFigureOut">
               <a:rPr lang="en-GB" smtClean="0"/>
-              <a:t>07/01/2020</a:t>
+              <a:t>08/01/2020</a:t>
             </a:fld>
             <a:endParaRPr lang="en-GB"/>
           </a:p>
@@ -826,7 +826,7 @@
           <a:p>
             <a:fld id="{818962B4-994D-4EF0-B9A1-08C2EDF0B033}" type="datetime1">
               <a:rPr lang="en-GB" smtClean="0"/>
-              <a:t>07/01/2020</a:t>
+              <a:t>08/01/2020</a:t>
             </a:fld>
             <a:endParaRPr lang="en-GB"/>
           </a:p>
@@ -1026,7 +1026,7 @@
           <a:p>
             <a:fld id="{1B5D31E8-AE45-42FD-BAAC-810F33557163}" type="datetime1">
               <a:rPr lang="en-GB" smtClean="0"/>
-              <a:t>07/01/2020</a:t>
+              <a:t>08/01/2020</a:t>
             </a:fld>
             <a:endParaRPr lang="en-GB"/>
           </a:p>
@@ -1236,7 +1236,7 @@
           <a:p>
             <a:fld id="{69EDC7B6-7CEE-4FEF-8116-282F52D1CF9B}" type="datetime1">
               <a:rPr lang="en-GB" smtClean="0"/>
-              <a:t>07/01/2020</a:t>
+              <a:t>08/01/2020</a:t>
             </a:fld>
             <a:endParaRPr lang="en-GB"/>
           </a:p>
@@ -1436,7 +1436,7 @@
           <a:p>
             <a:fld id="{779ACF13-8E6D-45A1-A115-02E4A8AE7AC2}" type="datetime1">
               <a:rPr lang="en-GB" smtClean="0"/>
-              <a:t>07/01/2020</a:t>
+              <a:t>08/01/2020</a:t>
             </a:fld>
             <a:endParaRPr lang="en-GB"/>
           </a:p>
@@ -1712,7 +1712,7 @@
           <a:p>
             <a:fld id="{61432607-8660-4B1A-AF25-5BA9EFBAA24A}" type="datetime1">
               <a:rPr lang="en-GB" smtClean="0"/>
-              <a:t>07/01/2020</a:t>
+              <a:t>08/01/2020</a:t>
             </a:fld>
             <a:endParaRPr lang="en-GB"/>
           </a:p>
@@ -1980,7 +1980,7 @@
           <a:p>
             <a:fld id="{58C3425D-39D3-4BBE-A8CF-80CA2A5B9E11}" type="datetime1">
               <a:rPr lang="en-GB" smtClean="0"/>
-              <a:t>07/01/2020</a:t>
+              <a:t>08/01/2020</a:t>
             </a:fld>
             <a:endParaRPr lang="en-GB"/>
           </a:p>
@@ -2395,7 +2395,7 @@
           <a:p>
             <a:fld id="{B2F77189-148C-4AB6-A3EF-F877C67B133B}" type="datetime1">
               <a:rPr lang="en-GB" smtClean="0"/>
-              <a:t>07/01/2020</a:t>
+              <a:t>08/01/2020</a:t>
             </a:fld>
             <a:endParaRPr lang="en-GB"/>
           </a:p>
@@ -2537,7 +2537,7 @@
           <a:p>
             <a:fld id="{0F2C9431-73BF-4B93-AAD1-FEA4D7D7B612}" type="datetime1">
               <a:rPr lang="en-GB" smtClean="0"/>
-              <a:t>07/01/2020</a:t>
+              <a:t>08/01/2020</a:t>
             </a:fld>
             <a:endParaRPr lang="en-GB"/>
           </a:p>
@@ -2650,7 +2650,7 @@
           <a:p>
             <a:fld id="{3EF196F2-FB64-4A87-B7DB-9C7A17082C3C}" type="datetime1">
               <a:rPr lang="en-GB" smtClean="0"/>
-              <a:t>07/01/2020</a:t>
+              <a:t>08/01/2020</a:t>
             </a:fld>
             <a:endParaRPr lang="en-GB"/>
           </a:p>
@@ -2963,7 +2963,7 @@
           <a:p>
             <a:fld id="{3CB3DB07-7B6E-4B6C-87C2-74C5345FAE74}" type="datetime1">
               <a:rPr lang="en-GB" smtClean="0"/>
-              <a:t>07/01/2020</a:t>
+              <a:t>08/01/2020</a:t>
             </a:fld>
             <a:endParaRPr lang="en-GB"/>
           </a:p>
@@ -3252,7 +3252,7 @@
           <a:p>
             <a:fld id="{289D0E9F-E97C-4C56-B4F3-7FBD2DEDF26E}" type="datetime1">
               <a:rPr lang="en-GB" smtClean="0"/>
-              <a:t>07/01/2020</a:t>
+              <a:t>08/01/2020</a:t>
             </a:fld>
             <a:endParaRPr lang="en-GB"/>
           </a:p>
@@ -3495,7 +3495,7 @@
           <a:p>
             <a:fld id="{4BC6CE1E-3D9F-4A51-9EE4-7C6DD4633E40}" type="datetime1">
               <a:rPr lang="en-GB" smtClean="0"/>
-              <a:t>07/01/2020</a:t>
+              <a:t>08/01/2020</a:t>
             </a:fld>
             <a:endParaRPr lang="en-GB"/>
           </a:p>
@@ -6276,7 +6276,7 @@
           <p:cNvPr id="2" name="Title 1">
             <a:extLst>
               <a:ext uri="{FF2B5EF4-FFF2-40B4-BE49-F238E27FC236}">
-                <a16:creationId xmlns:a16="http://schemas.microsoft.com/office/drawing/2014/main" id="{1D93F1A6-3F6E-4AAE-87E7-4A5E17E10228}"/>
+                <a16:creationId xmlns:a16="http://schemas.microsoft.com/office/drawing/2014/main" id="{39BC34D7-950C-4BDB-A6E2-BBB15415760A}"/>
               </a:ext>
             </a:extLst>
           </p:cNvPr>
@@ -6294,17 +6294,717 @@
           <a:p>
             <a:r>
               <a:rPr lang="en-GB" b="1" dirty="0"/>
-              <a:t>HỌC – KIỂM THỬ VÀ KẾT QUẢ</a:t>
-            </a:r>
-          </a:p>
-        </p:txBody>
-      </p:sp>
-      <p:sp>
-        <p:nvSpPr>
-          <p:cNvPr id="3" name="Slide Number Placeholder 2">
-            <a:extLst>
-              <a:ext uri="{FF2B5EF4-FFF2-40B4-BE49-F238E27FC236}">
-                <a16:creationId xmlns:a16="http://schemas.microsoft.com/office/drawing/2014/main" id="{F3CCCA9D-FD58-4B08-8D27-1D15436AB67D}"/>
+              <a:t>ĐÁNH GIÁ</a:t>
+            </a:r>
+          </a:p>
+        </p:txBody>
+      </p:sp>
+      <p:sp>
+        <p:nvSpPr>
+          <p:cNvPr id="3" name="Content Placeholder 2">
+            <a:extLst>
+              <a:ext uri="{FF2B5EF4-FFF2-40B4-BE49-F238E27FC236}">
+                <a16:creationId xmlns:a16="http://schemas.microsoft.com/office/drawing/2014/main" id="{A6DD4D32-1255-4CB5-9090-D1E449BD0624}"/>
+              </a:ext>
+            </a:extLst>
+          </p:cNvPr>
+          <p:cNvSpPr>
+            <a:spLocks noGrp="1"/>
+          </p:cNvSpPr>
+          <p:nvPr>
+            <p:ph sz="half" idx="1"/>
+          </p:nvPr>
+        </p:nvSpPr>
+        <p:spPr/>
+        <p:txBody>
+          <a:bodyPr>
+            <a:normAutofit/>
+          </a:bodyPr>
+          <a:lstStyle/>
+          <a:p>
+            <a:pPr marL="0" indent="0">
+              <a:buNone/>
+            </a:pPr>
+            <a:r>
+              <a:rPr lang="en-GB" sz="3200" dirty="0" err="1">
+                <a:latin typeface="Tahoma" panose="020B0604030504040204" pitchFamily="34" charset="0"/>
+                <a:ea typeface="Tahoma" panose="020B0604030504040204" pitchFamily="34" charset="0"/>
+                <a:cs typeface="Tahoma" panose="020B0604030504040204" pitchFamily="34" charset="0"/>
+              </a:rPr>
+              <a:t>Dữ</a:t>
+            </a:r>
+            <a:r>
+              <a:rPr lang="en-GB" sz="3200" dirty="0">
+                <a:latin typeface="Tahoma" panose="020B0604030504040204" pitchFamily="34" charset="0"/>
+                <a:ea typeface="Tahoma" panose="020B0604030504040204" pitchFamily="34" charset="0"/>
+                <a:cs typeface="Tahoma" panose="020B0604030504040204" pitchFamily="34" charset="0"/>
+              </a:rPr>
+              <a:t> </a:t>
+            </a:r>
+            <a:r>
+              <a:rPr lang="en-GB" sz="3200" dirty="0" err="1">
+                <a:latin typeface="Tahoma" panose="020B0604030504040204" pitchFamily="34" charset="0"/>
+                <a:ea typeface="Tahoma" panose="020B0604030504040204" pitchFamily="34" charset="0"/>
+                <a:cs typeface="Tahoma" panose="020B0604030504040204" pitchFamily="34" charset="0"/>
+              </a:rPr>
+              <a:t>liệu</a:t>
+            </a:r>
+            <a:r>
+              <a:rPr lang="en-GB" sz="3200" dirty="0">
+                <a:latin typeface="Tahoma" panose="020B0604030504040204" pitchFamily="34" charset="0"/>
+                <a:ea typeface="Tahoma" panose="020B0604030504040204" pitchFamily="34" charset="0"/>
+                <a:cs typeface="Tahoma" panose="020B0604030504040204" pitchFamily="34" charset="0"/>
+              </a:rPr>
+              <a:t>:</a:t>
+            </a:r>
+          </a:p>
+          <a:p>
+            <a:r>
+              <a:rPr lang="en-GB" sz="3200" dirty="0" err="1">
+                <a:latin typeface="Tahoma" panose="020B0604030504040204" pitchFamily="34" charset="0"/>
+                <a:ea typeface="Tahoma" panose="020B0604030504040204" pitchFamily="34" charset="0"/>
+                <a:cs typeface="Tahoma" panose="020B0604030504040204" pitchFamily="34" charset="0"/>
+              </a:rPr>
+              <a:t>Nguồn</a:t>
+            </a:r>
+            <a:r>
+              <a:rPr lang="en-GB" sz="3200" dirty="0">
+                <a:latin typeface="Tahoma" panose="020B0604030504040204" pitchFamily="34" charset="0"/>
+                <a:ea typeface="Tahoma" panose="020B0604030504040204" pitchFamily="34" charset="0"/>
+                <a:cs typeface="Tahoma" panose="020B0604030504040204" pitchFamily="34" charset="0"/>
+              </a:rPr>
+              <a:t> </a:t>
+            </a:r>
+            <a:r>
+              <a:rPr lang="en-GB" sz="3200" dirty="0" err="1">
+                <a:latin typeface="Tahoma" panose="020B0604030504040204" pitchFamily="34" charset="0"/>
+                <a:ea typeface="Tahoma" panose="020B0604030504040204" pitchFamily="34" charset="0"/>
+                <a:cs typeface="Tahoma" panose="020B0604030504040204" pitchFamily="34" charset="0"/>
+              </a:rPr>
+              <a:t>dữ</a:t>
+            </a:r>
+            <a:r>
+              <a:rPr lang="en-GB" sz="3200" dirty="0">
+                <a:latin typeface="Tahoma" panose="020B0604030504040204" pitchFamily="34" charset="0"/>
+                <a:ea typeface="Tahoma" panose="020B0604030504040204" pitchFamily="34" charset="0"/>
+                <a:cs typeface="Tahoma" panose="020B0604030504040204" pitchFamily="34" charset="0"/>
+              </a:rPr>
+              <a:t> </a:t>
+            </a:r>
+            <a:r>
+              <a:rPr lang="en-GB" sz="3200" dirty="0" err="1">
+                <a:latin typeface="Tahoma" panose="020B0604030504040204" pitchFamily="34" charset="0"/>
+                <a:ea typeface="Tahoma" panose="020B0604030504040204" pitchFamily="34" charset="0"/>
+                <a:cs typeface="Tahoma" panose="020B0604030504040204" pitchFamily="34" charset="0"/>
+              </a:rPr>
+              <a:t>liệu</a:t>
+            </a:r>
+            <a:r>
+              <a:rPr lang="en-GB" sz="3200" dirty="0">
+                <a:latin typeface="Tahoma" panose="020B0604030504040204" pitchFamily="34" charset="0"/>
+                <a:ea typeface="Tahoma" panose="020B0604030504040204" pitchFamily="34" charset="0"/>
+                <a:cs typeface="Tahoma" panose="020B0604030504040204" pitchFamily="34" charset="0"/>
+              </a:rPr>
+              <a:t> </a:t>
+            </a:r>
+            <a:r>
+              <a:rPr lang="en-GB" sz="3200" dirty="0" err="1">
+                <a:latin typeface="Tahoma" panose="020B0604030504040204" pitchFamily="34" charset="0"/>
+                <a:ea typeface="Tahoma" panose="020B0604030504040204" pitchFamily="34" charset="0"/>
+                <a:cs typeface="Tahoma" panose="020B0604030504040204" pitchFamily="34" charset="0"/>
+              </a:rPr>
+              <a:t>khó</a:t>
+            </a:r>
+            <a:r>
+              <a:rPr lang="en-GB" sz="3200" dirty="0">
+                <a:latin typeface="Tahoma" panose="020B0604030504040204" pitchFamily="34" charset="0"/>
+                <a:ea typeface="Tahoma" panose="020B0604030504040204" pitchFamily="34" charset="0"/>
+                <a:cs typeface="Tahoma" panose="020B0604030504040204" pitchFamily="34" charset="0"/>
+              </a:rPr>
+              <a:t> </a:t>
+            </a:r>
+            <a:r>
+              <a:rPr lang="en-GB" sz="3200" dirty="0" err="1">
+                <a:latin typeface="Tahoma" panose="020B0604030504040204" pitchFamily="34" charset="0"/>
+                <a:ea typeface="Tahoma" panose="020B0604030504040204" pitchFamily="34" charset="0"/>
+                <a:cs typeface="Tahoma" panose="020B0604030504040204" pitchFamily="34" charset="0"/>
+              </a:rPr>
+              <a:t>kiếm</a:t>
+            </a:r>
+            <a:r>
+              <a:rPr lang="en-GB" sz="3200" dirty="0">
+                <a:latin typeface="Tahoma" panose="020B0604030504040204" pitchFamily="34" charset="0"/>
+                <a:ea typeface="Tahoma" panose="020B0604030504040204" pitchFamily="34" charset="0"/>
+                <a:cs typeface="Tahoma" panose="020B0604030504040204" pitchFamily="34" charset="0"/>
+              </a:rPr>
+              <a:t>.</a:t>
+            </a:r>
+          </a:p>
+          <a:p>
+            <a:r>
+              <a:rPr lang="en-GB" sz="3200" dirty="0" err="1">
+                <a:latin typeface="Tahoma" panose="020B0604030504040204" pitchFamily="34" charset="0"/>
+                <a:ea typeface="Tahoma" panose="020B0604030504040204" pitchFamily="34" charset="0"/>
+                <a:cs typeface="Tahoma" panose="020B0604030504040204" pitchFamily="34" charset="0"/>
+              </a:rPr>
+              <a:t>Còn</a:t>
+            </a:r>
+            <a:r>
+              <a:rPr lang="en-GB" sz="3200" dirty="0">
+                <a:latin typeface="Tahoma" panose="020B0604030504040204" pitchFamily="34" charset="0"/>
+                <a:ea typeface="Tahoma" panose="020B0604030504040204" pitchFamily="34" charset="0"/>
+                <a:cs typeface="Tahoma" panose="020B0604030504040204" pitchFamily="34" charset="0"/>
+              </a:rPr>
+              <a:t> </a:t>
+            </a:r>
+            <a:r>
+              <a:rPr lang="en-GB" sz="3200" dirty="0" err="1">
+                <a:latin typeface="Tahoma" panose="020B0604030504040204" pitchFamily="34" charset="0"/>
+                <a:ea typeface="Tahoma" panose="020B0604030504040204" pitchFamily="34" charset="0"/>
+                <a:cs typeface="Tahoma" panose="020B0604030504040204" pitchFamily="34" charset="0"/>
+              </a:rPr>
+              <a:t>gặp</a:t>
+            </a:r>
+            <a:r>
+              <a:rPr lang="en-GB" sz="3200" dirty="0">
+                <a:latin typeface="Tahoma" panose="020B0604030504040204" pitchFamily="34" charset="0"/>
+                <a:ea typeface="Tahoma" panose="020B0604030504040204" pitchFamily="34" charset="0"/>
+                <a:cs typeface="Tahoma" panose="020B0604030504040204" pitchFamily="34" charset="0"/>
+              </a:rPr>
+              <a:t> </a:t>
+            </a:r>
+            <a:r>
+              <a:rPr lang="en-GB" sz="3200" dirty="0" err="1">
+                <a:latin typeface="Tahoma" panose="020B0604030504040204" pitchFamily="34" charset="0"/>
+                <a:ea typeface="Tahoma" panose="020B0604030504040204" pitchFamily="34" charset="0"/>
+                <a:cs typeface="Tahoma" panose="020B0604030504040204" pitchFamily="34" charset="0"/>
+              </a:rPr>
+              <a:t>vấn</a:t>
+            </a:r>
+            <a:r>
+              <a:rPr lang="en-GB" sz="3200" dirty="0">
+                <a:latin typeface="Tahoma" panose="020B0604030504040204" pitchFamily="34" charset="0"/>
+                <a:ea typeface="Tahoma" panose="020B0604030504040204" pitchFamily="34" charset="0"/>
+                <a:cs typeface="Tahoma" panose="020B0604030504040204" pitchFamily="34" charset="0"/>
+              </a:rPr>
+              <a:t> </a:t>
+            </a:r>
+            <a:r>
+              <a:rPr lang="en-GB" sz="3200" dirty="0" err="1">
+                <a:latin typeface="Tahoma" panose="020B0604030504040204" pitchFamily="34" charset="0"/>
+                <a:ea typeface="Tahoma" panose="020B0604030504040204" pitchFamily="34" charset="0"/>
+                <a:cs typeface="Tahoma" panose="020B0604030504040204" pitchFamily="34" charset="0"/>
+              </a:rPr>
+              <a:t>đề</a:t>
+            </a:r>
+            <a:r>
+              <a:rPr lang="en-GB" sz="3200" dirty="0">
+                <a:latin typeface="Tahoma" panose="020B0604030504040204" pitchFamily="34" charset="0"/>
+                <a:ea typeface="Tahoma" panose="020B0604030504040204" pitchFamily="34" charset="0"/>
+                <a:cs typeface="Tahoma" panose="020B0604030504040204" pitchFamily="34" charset="0"/>
+              </a:rPr>
+              <a:t> </a:t>
+            </a:r>
+            <a:r>
+              <a:rPr lang="en-GB" sz="3200" dirty="0" err="1">
+                <a:latin typeface="Tahoma" panose="020B0604030504040204" pitchFamily="34" charset="0"/>
+                <a:ea typeface="Tahoma" panose="020B0604030504040204" pitchFamily="34" charset="0"/>
+                <a:cs typeface="Tahoma" panose="020B0604030504040204" pitchFamily="34" charset="0"/>
+              </a:rPr>
+              <a:t>về</a:t>
+            </a:r>
+            <a:r>
+              <a:rPr lang="en-GB" sz="3200" dirty="0">
+                <a:latin typeface="Tahoma" panose="020B0604030504040204" pitchFamily="34" charset="0"/>
+                <a:ea typeface="Tahoma" panose="020B0604030504040204" pitchFamily="34" charset="0"/>
+                <a:cs typeface="Tahoma" panose="020B0604030504040204" pitchFamily="34" charset="0"/>
+              </a:rPr>
+              <a:t> 3 </a:t>
+            </a:r>
+            <a:r>
+              <a:rPr lang="en-GB" sz="3200" dirty="0" err="1">
+                <a:latin typeface="Tahoma" panose="020B0604030504040204" pitchFamily="34" charset="0"/>
+                <a:ea typeface="Tahoma" panose="020B0604030504040204" pitchFamily="34" charset="0"/>
+                <a:cs typeface="Tahoma" panose="020B0604030504040204" pitchFamily="34" charset="0"/>
+              </a:rPr>
+              <a:t>thuộc</a:t>
+            </a:r>
+            <a:r>
+              <a:rPr lang="en-GB" sz="3200" dirty="0">
+                <a:latin typeface="Tahoma" panose="020B0604030504040204" pitchFamily="34" charset="0"/>
+                <a:ea typeface="Tahoma" panose="020B0604030504040204" pitchFamily="34" charset="0"/>
+                <a:cs typeface="Tahoma" panose="020B0604030504040204" pitchFamily="34" charset="0"/>
+              </a:rPr>
+              <a:t> </a:t>
+            </a:r>
+            <a:r>
+              <a:rPr lang="en-GB" sz="3200" dirty="0" err="1">
+                <a:latin typeface="Tahoma" panose="020B0604030504040204" pitchFamily="34" charset="0"/>
+                <a:ea typeface="Tahoma" panose="020B0604030504040204" pitchFamily="34" charset="0"/>
+                <a:cs typeface="Tahoma" panose="020B0604030504040204" pitchFamily="34" charset="0"/>
+              </a:rPr>
+              <a:t>tính</a:t>
+            </a:r>
+            <a:r>
+              <a:rPr lang="en-GB" sz="3200" dirty="0">
+                <a:latin typeface="Tahoma" panose="020B0604030504040204" pitchFamily="34" charset="0"/>
+                <a:ea typeface="Tahoma" panose="020B0604030504040204" pitchFamily="34" charset="0"/>
+                <a:cs typeface="Tahoma" panose="020B0604030504040204" pitchFamily="34" charset="0"/>
+              </a:rPr>
+              <a:t> (</a:t>
+            </a:r>
+            <a:r>
+              <a:rPr lang="en-GB" sz="3200" dirty="0" err="1">
+                <a:latin typeface="Tahoma" panose="020B0604030504040204" pitchFamily="34" charset="0"/>
+                <a:ea typeface="Tahoma" panose="020B0604030504040204" pitchFamily="34" charset="0"/>
+                <a:cs typeface="Tahoma" panose="020B0604030504040204" pitchFamily="34" charset="0"/>
+              </a:rPr>
+              <a:t>RAM,storage,price</a:t>
+            </a:r>
+            <a:r>
+              <a:rPr lang="en-GB" sz="3200" dirty="0">
+                <a:latin typeface="Tahoma" panose="020B0604030504040204" pitchFamily="34" charset="0"/>
+                <a:ea typeface="Tahoma" panose="020B0604030504040204" pitchFamily="34" charset="0"/>
+                <a:cs typeface="Tahoma" panose="020B0604030504040204" pitchFamily="34" charset="0"/>
+              </a:rPr>
+              <a:t>).</a:t>
+            </a:r>
+          </a:p>
+          <a:p>
+            <a:r>
+              <a:rPr lang="en-GB" sz="3200" dirty="0" err="1">
+                <a:latin typeface="Tahoma" panose="020B0604030504040204" pitchFamily="34" charset="0"/>
+                <a:ea typeface="Tahoma" panose="020B0604030504040204" pitchFamily="34" charset="0"/>
+                <a:cs typeface="Tahoma" panose="020B0604030504040204" pitchFamily="34" charset="0"/>
+              </a:rPr>
+              <a:t>Xử</a:t>
+            </a:r>
+            <a:r>
+              <a:rPr lang="en-GB" sz="3200" dirty="0">
+                <a:latin typeface="Tahoma" panose="020B0604030504040204" pitchFamily="34" charset="0"/>
+                <a:ea typeface="Tahoma" panose="020B0604030504040204" pitchFamily="34" charset="0"/>
+                <a:cs typeface="Tahoma" panose="020B0604030504040204" pitchFamily="34" charset="0"/>
+              </a:rPr>
+              <a:t> </a:t>
+            </a:r>
+            <a:r>
+              <a:rPr lang="en-GB" sz="3200" dirty="0" err="1">
+                <a:latin typeface="Tahoma" panose="020B0604030504040204" pitchFamily="34" charset="0"/>
+                <a:ea typeface="Tahoma" panose="020B0604030504040204" pitchFamily="34" charset="0"/>
+                <a:cs typeface="Tahoma" panose="020B0604030504040204" pitchFamily="34" charset="0"/>
+              </a:rPr>
+              <a:t>lí</a:t>
+            </a:r>
+            <a:r>
+              <a:rPr lang="en-GB" sz="3200" dirty="0">
+                <a:latin typeface="Tahoma" panose="020B0604030504040204" pitchFamily="34" charset="0"/>
+                <a:ea typeface="Tahoma" panose="020B0604030504040204" pitchFamily="34" charset="0"/>
+                <a:cs typeface="Tahoma" panose="020B0604030504040204" pitchFamily="34" charset="0"/>
+              </a:rPr>
+              <a:t> </a:t>
+            </a:r>
+            <a:r>
+              <a:rPr lang="en-GB" sz="3200" dirty="0" err="1">
+                <a:latin typeface="Tahoma" panose="020B0604030504040204" pitchFamily="34" charset="0"/>
+                <a:ea typeface="Tahoma" panose="020B0604030504040204" pitchFamily="34" charset="0"/>
+                <a:cs typeface="Tahoma" panose="020B0604030504040204" pitchFamily="34" charset="0"/>
+              </a:rPr>
+              <a:t>dữ</a:t>
+            </a:r>
+            <a:r>
+              <a:rPr lang="en-GB" sz="3200" dirty="0">
+                <a:latin typeface="Tahoma" panose="020B0604030504040204" pitchFamily="34" charset="0"/>
+                <a:ea typeface="Tahoma" panose="020B0604030504040204" pitchFamily="34" charset="0"/>
+                <a:cs typeface="Tahoma" panose="020B0604030504040204" pitchFamily="34" charset="0"/>
+              </a:rPr>
+              <a:t> </a:t>
+            </a:r>
+            <a:r>
+              <a:rPr lang="en-GB" sz="3200" dirty="0" err="1">
+                <a:latin typeface="Tahoma" panose="020B0604030504040204" pitchFamily="34" charset="0"/>
+                <a:ea typeface="Tahoma" panose="020B0604030504040204" pitchFamily="34" charset="0"/>
+                <a:cs typeface="Tahoma" panose="020B0604030504040204" pitchFamily="34" charset="0"/>
+              </a:rPr>
+              <a:t>liệu</a:t>
+            </a:r>
+            <a:r>
+              <a:rPr lang="en-GB" sz="3200" dirty="0">
+                <a:latin typeface="Tahoma" panose="020B0604030504040204" pitchFamily="34" charset="0"/>
+                <a:ea typeface="Tahoma" panose="020B0604030504040204" pitchFamily="34" charset="0"/>
+                <a:cs typeface="Tahoma" panose="020B0604030504040204" pitchFamily="34" charset="0"/>
+              </a:rPr>
+              <a:t> </a:t>
+            </a:r>
+            <a:r>
+              <a:rPr lang="en-GB" sz="3200" dirty="0" err="1">
+                <a:latin typeface="Tahoma" panose="020B0604030504040204" pitchFamily="34" charset="0"/>
+                <a:ea typeface="Tahoma" panose="020B0604030504040204" pitchFamily="34" charset="0"/>
+                <a:cs typeface="Tahoma" panose="020B0604030504040204" pitchFamily="34" charset="0"/>
+              </a:rPr>
+              <a:t>thiếu</a:t>
+            </a:r>
+            <a:r>
+              <a:rPr lang="en-GB" sz="3200" dirty="0">
+                <a:latin typeface="Tahoma" panose="020B0604030504040204" pitchFamily="34" charset="0"/>
+                <a:ea typeface="Tahoma" panose="020B0604030504040204" pitchFamily="34" charset="0"/>
+                <a:cs typeface="Tahoma" panose="020B0604030504040204" pitchFamily="34" charset="0"/>
+              </a:rPr>
+              <a:t>.</a:t>
+            </a:r>
+          </a:p>
+        </p:txBody>
+      </p:sp>
+      <p:sp>
+        <p:nvSpPr>
+          <p:cNvPr id="4" name="Content Placeholder 3">
+            <a:extLst>
+              <a:ext uri="{FF2B5EF4-FFF2-40B4-BE49-F238E27FC236}">
+                <a16:creationId xmlns:a16="http://schemas.microsoft.com/office/drawing/2014/main" id="{5B579535-C902-409D-97B8-ED72A6F5DA67}"/>
+              </a:ext>
+            </a:extLst>
+          </p:cNvPr>
+          <p:cNvSpPr>
+            <a:spLocks noGrp="1"/>
+          </p:cNvSpPr>
+          <p:nvPr>
+            <p:ph sz="half" idx="2"/>
+          </p:nvPr>
+        </p:nvSpPr>
+        <p:spPr/>
+        <p:txBody>
+          <a:bodyPr>
+            <a:normAutofit/>
+          </a:bodyPr>
+          <a:lstStyle/>
+          <a:p>
+            <a:pPr marL="0" indent="0">
+              <a:buNone/>
+            </a:pPr>
+            <a:r>
+              <a:rPr lang="en-GB" sz="3200" dirty="0" err="1">
+                <a:latin typeface="Tahoma" panose="020B0604030504040204" pitchFamily="34" charset="0"/>
+                <a:ea typeface="Tahoma" panose="020B0604030504040204" pitchFamily="34" charset="0"/>
+                <a:cs typeface="Tahoma" panose="020B0604030504040204" pitchFamily="34" charset="0"/>
+              </a:rPr>
+              <a:t>Học</a:t>
+            </a:r>
+            <a:r>
+              <a:rPr lang="en-GB" sz="3200" dirty="0">
+                <a:latin typeface="Tahoma" panose="020B0604030504040204" pitchFamily="34" charset="0"/>
+                <a:ea typeface="Tahoma" panose="020B0604030504040204" pitchFamily="34" charset="0"/>
+                <a:cs typeface="Tahoma" panose="020B0604030504040204" pitchFamily="34" charset="0"/>
+              </a:rPr>
+              <a:t> - </a:t>
+            </a:r>
+            <a:r>
+              <a:rPr lang="en-GB" sz="3200" dirty="0" err="1">
+                <a:latin typeface="Tahoma" panose="020B0604030504040204" pitchFamily="34" charset="0"/>
+                <a:ea typeface="Tahoma" panose="020B0604030504040204" pitchFamily="34" charset="0"/>
+                <a:cs typeface="Tahoma" panose="020B0604030504040204" pitchFamily="34" charset="0"/>
+              </a:rPr>
+              <a:t>Kiểm</a:t>
+            </a:r>
+            <a:r>
+              <a:rPr lang="en-GB" sz="3200" dirty="0">
+                <a:latin typeface="Tahoma" panose="020B0604030504040204" pitchFamily="34" charset="0"/>
+                <a:ea typeface="Tahoma" panose="020B0604030504040204" pitchFamily="34" charset="0"/>
+                <a:cs typeface="Tahoma" panose="020B0604030504040204" pitchFamily="34" charset="0"/>
+              </a:rPr>
+              <a:t> </a:t>
+            </a:r>
+            <a:r>
+              <a:rPr lang="en-GB" sz="3200" dirty="0" err="1">
+                <a:latin typeface="Tahoma" panose="020B0604030504040204" pitchFamily="34" charset="0"/>
+                <a:ea typeface="Tahoma" panose="020B0604030504040204" pitchFamily="34" charset="0"/>
+                <a:cs typeface="Tahoma" panose="020B0604030504040204" pitchFamily="34" charset="0"/>
+              </a:rPr>
+              <a:t>thử</a:t>
+            </a:r>
+            <a:r>
+              <a:rPr lang="en-GB" sz="3200" dirty="0">
+                <a:latin typeface="Tahoma" panose="020B0604030504040204" pitchFamily="34" charset="0"/>
+                <a:ea typeface="Tahoma" panose="020B0604030504040204" pitchFamily="34" charset="0"/>
+                <a:cs typeface="Tahoma" panose="020B0604030504040204" pitchFamily="34" charset="0"/>
+              </a:rPr>
+              <a:t> </a:t>
+            </a:r>
+            <a:r>
+              <a:rPr lang="en-GB" sz="3200" dirty="0" err="1">
+                <a:latin typeface="Tahoma" panose="020B0604030504040204" pitchFamily="34" charset="0"/>
+                <a:ea typeface="Tahoma" panose="020B0604030504040204" pitchFamily="34" charset="0"/>
+                <a:cs typeface="Tahoma" panose="020B0604030504040204" pitchFamily="34" charset="0"/>
+              </a:rPr>
+              <a:t>và</a:t>
+            </a:r>
+            <a:r>
+              <a:rPr lang="en-GB" sz="3200" dirty="0">
+                <a:latin typeface="Tahoma" panose="020B0604030504040204" pitchFamily="34" charset="0"/>
+                <a:ea typeface="Tahoma" panose="020B0604030504040204" pitchFamily="34" charset="0"/>
+                <a:cs typeface="Tahoma" panose="020B0604030504040204" pitchFamily="34" charset="0"/>
+              </a:rPr>
+              <a:t> </a:t>
+            </a:r>
+            <a:r>
+              <a:rPr lang="en-GB" sz="3200" dirty="0" err="1">
+                <a:latin typeface="Tahoma" panose="020B0604030504040204" pitchFamily="34" charset="0"/>
+                <a:ea typeface="Tahoma" panose="020B0604030504040204" pitchFamily="34" charset="0"/>
+                <a:cs typeface="Tahoma" panose="020B0604030504040204" pitchFamily="34" charset="0"/>
+              </a:rPr>
+              <a:t>kết</a:t>
+            </a:r>
+            <a:r>
+              <a:rPr lang="en-GB" sz="3200" dirty="0">
+                <a:latin typeface="Tahoma" panose="020B0604030504040204" pitchFamily="34" charset="0"/>
+                <a:ea typeface="Tahoma" panose="020B0604030504040204" pitchFamily="34" charset="0"/>
+                <a:cs typeface="Tahoma" panose="020B0604030504040204" pitchFamily="34" charset="0"/>
+              </a:rPr>
+              <a:t> </a:t>
+            </a:r>
+            <a:r>
+              <a:rPr lang="en-GB" sz="3200" dirty="0" err="1">
+                <a:latin typeface="Tahoma" panose="020B0604030504040204" pitchFamily="34" charset="0"/>
+                <a:ea typeface="Tahoma" panose="020B0604030504040204" pitchFamily="34" charset="0"/>
+                <a:cs typeface="Tahoma" panose="020B0604030504040204" pitchFamily="34" charset="0"/>
+              </a:rPr>
+              <a:t>quả</a:t>
+            </a:r>
+            <a:r>
+              <a:rPr lang="en-GB" sz="3200" dirty="0">
+                <a:latin typeface="Tahoma" panose="020B0604030504040204" pitchFamily="34" charset="0"/>
+                <a:ea typeface="Tahoma" panose="020B0604030504040204" pitchFamily="34" charset="0"/>
+                <a:cs typeface="Tahoma" panose="020B0604030504040204" pitchFamily="34" charset="0"/>
+              </a:rPr>
+              <a:t>:</a:t>
+            </a:r>
+          </a:p>
+          <a:p>
+            <a:r>
+              <a:rPr lang="en-GB" sz="3200" dirty="0" err="1">
+                <a:latin typeface="Tahoma" panose="020B0604030504040204" pitchFamily="34" charset="0"/>
+                <a:ea typeface="Tahoma" panose="020B0604030504040204" pitchFamily="34" charset="0"/>
+                <a:cs typeface="Tahoma" panose="020B0604030504040204" pitchFamily="34" charset="0"/>
+              </a:rPr>
+              <a:t>Sử</a:t>
+            </a:r>
+            <a:r>
+              <a:rPr lang="en-GB" sz="3200" dirty="0">
+                <a:latin typeface="Tahoma" panose="020B0604030504040204" pitchFamily="34" charset="0"/>
+                <a:ea typeface="Tahoma" panose="020B0604030504040204" pitchFamily="34" charset="0"/>
+                <a:cs typeface="Tahoma" panose="020B0604030504040204" pitchFamily="34" charset="0"/>
+              </a:rPr>
+              <a:t> </a:t>
+            </a:r>
+            <a:r>
+              <a:rPr lang="en-GB" sz="3200" dirty="0" err="1">
+                <a:latin typeface="Tahoma" panose="020B0604030504040204" pitchFamily="34" charset="0"/>
+                <a:ea typeface="Tahoma" panose="020B0604030504040204" pitchFamily="34" charset="0"/>
+                <a:cs typeface="Tahoma" panose="020B0604030504040204" pitchFamily="34" charset="0"/>
+              </a:rPr>
+              <a:t>dụng</a:t>
+            </a:r>
+            <a:r>
+              <a:rPr lang="en-GB" sz="3200" dirty="0">
+                <a:latin typeface="Tahoma" panose="020B0604030504040204" pitchFamily="34" charset="0"/>
+                <a:ea typeface="Tahoma" panose="020B0604030504040204" pitchFamily="34" charset="0"/>
+                <a:cs typeface="Tahoma" panose="020B0604030504040204" pitchFamily="34" charset="0"/>
+              </a:rPr>
+              <a:t> đ</a:t>
+            </a:r>
+            <a:r>
+              <a:rPr lang="vi-VN" sz="3200" dirty="0">
+                <a:latin typeface="Tahoma" panose="020B0604030504040204" pitchFamily="34" charset="0"/>
+                <a:ea typeface="Tahoma" panose="020B0604030504040204" pitchFamily="34" charset="0"/>
+                <a:cs typeface="Tahoma" panose="020B0604030504040204" pitchFamily="34" charset="0"/>
+              </a:rPr>
+              <a:t>ư</a:t>
+            </a:r>
+            <a:r>
+              <a:rPr lang="en-GB" sz="3200" dirty="0" err="1">
+                <a:latin typeface="Tahoma" panose="020B0604030504040204" pitchFamily="34" charset="0"/>
+                <a:ea typeface="Tahoma" panose="020B0604030504040204" pitchFamily="34" charset="0"/>
+                <a:cs typeface="Tahoma" panose="020B0604030504040204" pitchFamily="34" charset="0"/>
+              </a:rPr>
+              <a:t>ợc</a:t>
+            </a:r>
+            <a:r>
+              <a:rPr lang="en-GB" sz="3200" dirty="0">
+                <a:latin typeface="Tahoma" panose="020B0604030504040204" pitchFamily="34" charset="0"/>
+                <a:ea typeface="Tahoma" panose="020B0604030504040204" pitchFamily="34" charset="0"/>
+                <a:cs typeface="Tahoma" panose="020B0604030504040204" pitchFamily="34" charset="0"/>
+              </a:rPr>
+              <a:t> </a:t>
+            </a:r>
+            <a:r>
+              <a:rPr lang="en-GB" sz="3200" dirty="0" err="1">
+                <a:latin typeface="Tahoma" panose="020B0604030504040204" pitchFamily="34" charset="0"/>
+                <a:ea typeface="Tahoma" panose="020B0604030504040204" pitchFamily="34" charset="0"/>
+                <a:cs typeface="Tahoma" panose="020B0604030504040204" pitchFamily="34" charset="0"/>
+              </a:rPr>
+              <a:t>nhiều</a:t>
+            </a:r>
+            <a:r>
+              <a:rPr lang="en-GB" sz="3200" dirty="0">
+                <a:latin typeface="Tahoma" panose="020B0604030504040204" pitchFamily="34" charset="0"/>
+                <a:ea typeface="Tahoma" panose="020B0604030504040204" pitchFamily="34" charset="0"/>
+                <a:cs typeface="Tahoma" panose="020B0604030504040204" pitchFamily="34" charset="0"/>
+              </a:rPr>
+              <a:t> </a:t>
+            </a:r>
+            <a:r>
+              <a:rPr lang="en-GB" sz="3200" dirty="0" err="1">
+                <a:latin typeface="Tahoma" panose="020B0604030504040204" pitchFamily="34" charset="0"/>
+                <a:ea typeface="Tahoma" panose="020B0604030504040204" pitchFamily="34" charset="0"/>
+                <a:cs typeface="Tahoma" panose="020B0604030504040204" pitchFamily="34" charset="0"/>
+              </a:rPr>
+              <a:t>thuật</a:t>
+            </a:r>
+            <a:r>
+              <a:rPr lang="en-GB" sz="3200" dirty="0">
+                <a:latin typeface="Tahoma" panose="020B0604030504040204" pitchFamily="34" charset="0"/>
+                <a:ea typeface="Tahoma" panose="020B0604030504040204" pitchFamily="34" charset="0"/>
+                <a:cs typeface="Tahoma" panose="020B0604030504040204" pitchFamily="34" charset="0"/>
+              </a:rPr>
+              <a:t> </a:t>
+            </a:r>
+            <a:r>
+              <a:rPr lang="en-GB" sz="3200" dirty="0" err="1">
+                <a:latin typeface="Tahoma" panose="020B0604030504040204" pitchFamily="34" charset="0"/>
+                <a:ea typeface="Tahoma" panose="020B0604030504040204" pitchFamily="34" charset="0"/>
+                <a:cs typeface="Tahoma" panose="020B0604030504040204" pitchFamily="34" charset="0"/>
+              </a:rPr>
+              <a:t>toán</a:t>
+            </a:r>
+            <a:r>
+              <a:rPr lang="en-GB" sz="3200" dirty="0">
+                <a:latin typeface="Tahoma" panose="020B0604030504040204" pitchFamily="34" charset="0"/>
+                <a:ea typeface="Tahoma" panose="020B0604030504040204" pitchFamily="34" charset="0"/>
+                <a:cs typeface="Tahoma" panose="020B0604030504040204" pitchFamily="34" charset="0"/>
+              </a:rPr>
+              <a:t> classification.</a:t>
+            </a:r>
+          </a:p>
+          <a:p>
+            <a:r>
+              <a:rPr lang="en-GB" sz="3200" dirty="0" err="1">
+                <a:latin typeface="Tahoma" panose="020B0604030504040204" pitchFamily="34" charset="0"/>
+                <a:ea typeface="Tahoma" panose="020B0604030504040204" pitchFamily="34" charset="0"/>
+                <a:cs typeface="Tahoma" panose="020B0604030504040204" pitchFamily="34" charset="0"/>
+              </a:rPr>
+              <a:t>Kết</a:t>
+            </a:r>
+            <a:r>
+              <a:rPr lang="en-GB" sz="3200" dirty="0">
+                <a:latin typeface="Tahoma" panose="020B0604030504040204" pitchFamily="34" charset="0"/>
+                <a:ea typeface="Tahoma" panose="020B0604030504040204" pitchFamily="34" charset="0"/>
+                <a:cs typeface="Tahoma" panose="020B0604030504040204" pitchFamily="34" charset="0"/>
+              </a:rPr>
+              <a:t> </a:t>
+            </a:r>
+            <a:r>
+              <a:rPr lang="en-GB" sz="3200" dirty="0" err="1">
+                <a:latin typeface="Tahoma" panose="020B0604030504040204" pitchFamily="34" charset="0"/>
+                <a:ea typeface="Tahoma" panose="020B0604030504040204" pitchFamily="34" charset="0"/>
+                <a:cs typeface="Tahoma" panose="020B0604030504040204" pitchFamily="34" charset="0"/>
+              </a:rPr>
+              <a:t>quả</a:t>
+            </a:r>
+            <a:r>
+              <a:rPr lang="en-GB" sz="3200" dirty="0">
+                <a:latin typeface="Tahoma" panose="020B0604030504040204" pitchFamily="34" charset="0"/>
+                <a:ea typeface="Tahoma" panose="020B0604030504040204" pitchFamily="34" charset="0"/>
+                <a:cs typeface="Tahoma" panose="020B0604030504040204" pitchFamily="34" charset="0"/>
+              </a:rPr>
+              <a:t> </a:t>
+            </a:r>
+            <a:r>
+              <a:rPr lang="en-GB" sz="3200" dirty="0" err="1">
+                <a:latin typeface="Tahoma" panose="020B0604030504040204" pitchFamily="34" charset="0"/>
+                <a:ea typeface="Tahoma" panose="020B0604030504040204" pitchFamily="34" charset="0"/>
+                <a:cs typeface="Tahoma" panose="020B0604030504040204" pitchFamily="34" charset="0"/>
+              </a:rPr>
+              <a:t>khá</a:t>
+            </a:r>
+            <a:r>
+              <a:rPr lang="en-GB" sz="3200" dirty="0">
+                <a:latin typeface="Tahoma" panose="020B0604030504040204" pitchFamily="34" charset="0"/>
+                <a:ea typeface="Tahoma" panose="020B0604030504040204" pitchFamily="34" charset="0"/>
+                <a:cs typeface="Tahoma" panose="020B0604030504040204" pitchFamily="34" charset="0"/>
+              </a:rPr>
+              <a:t> </a:t>
+            </a:r>
+            <a:r>
+              <a:rPr lang="en-GB" sz="3200" dirty="0" err="1">
+                <a:latin typeface="Tahoma" panose="020B0604030504040204" pitchFamily="34" charset="0"/>
+                <a:ea typeface="Tahoma" panose="020B0604030504040204" pitchFamily="34" charset="0"/>
+                <a:cs typeface="Tahoma" panose="020B0604030504040204" pitchFamily="34" charset="0"/>
+              </a:rPr>
+              <a:t>nh</a:t>
+            </a:r>
+            <a:r>
+              <a:rPr lang="vi-VN" sz="3200" dirty="0">
+                <a:latin typeface="Tahoma" panose="020B0604030504040204" pitchFamily="34" charset="0"/>
+                <a:ea typeface="Tahoma" panose="020B0604030504040204" pitchFamily="34" charset="0"/>
+                <a:cs typeface="Tahoma" panose="020B0604030504040204" pitchFamily="34" charset="0"/>
+              </a:rPr>
+              <a:t>ư</a:t>
+            </a:r>
+            <a:r>
+              <a:rPr lang="en-GB" sz="3200" dirty="0">
+                <a:latin typeface="Tahoma" panose="020B0604030504040204" pitchFamily="34" charset="0"/>
+                <a:ea typeface="Tahoma" panose="020B0604030504040204" pitchFamily="34" charset="0"/>
+                <a:cs typeface="Tahoma" panose="020B0604030504040204" pitchFamily="34" charset="0"/>
+              </a:rPr>
+              <a:t>ng </a:t>
+            </a:r>
+            <a:r>
+              <a:rPr lang="en-GB" sz="3200" dirty="0" err="1">
+                <a:latin typeface="Tahoma" panose="020B0604030504040204" pitchFamily="34" charset="0"/>
+                <a:ea typeface="Tahoma" panose="020B0604030504040204" pitchFamily="34" charset="0"/>
+                <a:cs typeface="Tahoma" panose="020B0604030504040204" pitchFamily="34" charset="0"/>
+              </a:rPr>
+              <a:t>ch</a:t>
+            </a:r>
+            <a:r>
+              <a:rPr lang="vi-VN" sz="3200" dirty="0">
+                <a:latin typeface="Tahoma" panose="020B0604030504040204" pitchFamily="34" charset="0"/>
+                <a:ea typeface="Tahoma" panose="020B0604030504040204" pitchFamily="34" charset="0"/>
+                <a:cs typeface="Tahoma" panose="020B0604030504040204" pitchFamily="34" charset="0"/>
+              </a:rPr>
+              <a:t>ư</a:t>
+            </a:r>
+            <a:r>
+              <a:rPr lang="en-GB" sz="3200" dirty="0">
+                <a:latin typeface="Tahoma" panose="020B0604030504040204" pitchFamily="34" charset="0"/>
+                <a:ea typeface="Tahoma" panose="020B0604030504040204" pitchFamily="34" charset="0"/>
+                <a:cs typeface="Tahoma" panose="020B0604030504040204" pitchFamily="34" charset="0"/>
+              </a:rPr>
+              <a:t>a </a:t>
+            </a:r>
+            <a:r>
+              <a:rPr lang="en-GB" sz="3200" dirty="0" err="1">
+                <a:latin typeface="Tahoma" panose="020B0604030504040204" pitchFamily="34" charset="0"/>
+                <a:ea typeface="Tahoma" panose="020B0604030504040204" pitchFamily="34" charset="0"/>
+                <a:cs typeface="Tahoma" panose="020B0604030504040204" pitchFamily="34" charset="0"/>
+              </a:rPr>
+              <a:t>tốt</a:t>
+            </a:r>
+            <a:r>
+              <a:rPr lang="en-GB" sz="3200" dirty="0">
+                <a:latin typeface="Tahoma" panose="020B0604030504040204" pitchFamily="34" charset="0"/>
+                <a:ea typeface="Tahoma" panose="020B0604030504040204" pitchFamily="34" charset="0"/>
+                <a:cs typeface="Tahoma" panose="020B0604030504040204" pitchFamily="34" charset="0"/>
+              </a:rPr>
+              <a:t>.</a:t>
+            </a:r>
+          </a:p>
+        </p:txBody>
+      </p:sp>
+      <p:sp>
+        <p:nvSpPr>
+          <p:cNvPr id="5" name="Slide Number Placeholder 4">
+            <a:extLst>
+              <a:ext uri="{FF2B5EF4-FFF2-40B4-BE49-F238E27FC236}">
+                <a16:creationId xmlns:a16="http://schemas.microsoft.com/office/drawing/2014/main" id="{627B2603-498E-41ED-BF96-D092A6055A4C}"/>
               </a:ext>
             </a:extLst>
           </p:cNvPr>
@@ -6328,70 +7028,10 @@
           </a:p>
         </p:txBody>
       </p:sp>
-      <p:pic>
-        <p:nvPicPr>
-          <p:cNvPr id="6" name="Picture 5">
-            <a:extLst>
-              <a:ext uri="{FF2B5EF4-FFF2-40B4-BE49-F238E27FC236}">
-                <a16:creationId xmlns:a16="http://schemas.microsoft.com/office/drawing/2014/main" id="{640C84E3-FDD7-4136-B1B2-BCCEB59B2EC9}"/>
-              </a:ext>
-            </a:extLst>
-          </p:cNvPr>
-          <p:cNvPicPr>
-            <a:picLocks noChangeAspect="1"/>
-          </p:cNvPicPr>
-          <p:nvPr/>
-        </p:nvPicPr>
-        <p:blipFill>
-          <a:blip r:embed="rId2"/>
-          <a:stretch>
-            <a:fillRect/>
-          </a:stretch>
-        </p:blipFill>
-        <p:spPr>
-          <a:xfrm>
-            <a:off x="233868" y="1690688"/>
-            <a:ext cx="5709731" cy="3684768"/>
-          </a:xfrm>
-          <a:prstGeom prst="rect">
-            <a:avLst/>
-          </a:prstGeom>
-        </p:spPr>
-      </p:pic>
-      <p:pic>
-        <p:nvPicPr>
-          <p:cNvPr id="7" name="Picture 6">
-            <a:extLst>
-              <a:ext uri="{FF2B5EF4-FFF2-40B4-BE49-F238E27FC236}">
-                <a16:creationId xmlns:a16="http://schemas.microsoft.com/office/drawing/2014/main" id="{B4A886A9-3165-4A4D-A54A-8F766FA558D6}"/>
-              </a:ext>
-            </a:extLst>
-          </p:cNvPr>
-          <p:cNvPicPr>
-            <a:picLocks noChangeAspect="1"/>
-          </p:cNvPicPr>
-          <p:nvPr/>
-        </p:nvPicPr>
-        <p:blipFill>
-          <a:blip r:embed="rId3"/>
-          <a:stretch>
-            <a:fillRect/>
-          </a:stretch>
-        </p:blipFill>
-        <p:spPr>
-          <a:xfrm>
-            <a:off x="6096000" y="1714601"/>
-            <a:ext cx="5781472" cy="3660855"/>
-          </a:xfrm>
-          <a:prstGeom prst="rect">
-            <a:avLst/>
-          </a:prstGeom>
-        </p:spPr>
-      </p:pic>
     </p:spTree>
     <p:extLst>
       <p:ext uri="{BB962C8B-B14F-4D97-AF65-F5344CB8AC3E}">
-        <p14:creationId xmlns:p14="http://schemas.microsoft.com/office/powerpoint/2010/main" val="644631325"/>
+        <p14:creationId xmlns:p14="http://schemas.microsoft.com/office/powerpoint/2010/main" val="692421785"/>
       </p:ext>
     </p:extLst>
   </p:cSld>
@@ -6478,7 +7118,113 @@
                 <a:ea typeface="Tahoma" panose="020B0604030504040204" pitchFamily="34" charset="0"/>
                 <a:cs typeface="Tahoma" panose="020B0604030504040204" pitchFamily="34" charset="0"/>
               </a:rPr>
-              <a:t>Dữ</a:t>
+              <a:t>Đã</a:t>
+            </a:r>
+            <a:r>
+              <a:rPr lang="en-GB" sz="3200" dirty="0">
+                <a:latin typeface="Tahoma" panose="020B0604030504040204" pitchFamily="34" charset="0"/>
+                <a:ea typeface="Tahoma" panose="020B0604030504040204" pitchFamily="34" charset="0"/>
+                <a:cs typeface="Tahoma" panose="020B0604030504040204" pitchFamily="34" charset="0"/>
+              </a:rPr>
+              <a:t> </a:t>
+            </a:r>
+            <a:r>
+              <a:rPr lang="en-GB" sz="3200" dirty="0" err="1">
+                <a:latin typeface="Tahoma" panose="020B0604030504040204" pitchFamily="34" charset="0"/>
+                <a:ea typeface="Tahoma" panose="020B0604030504040204" pitchFamily="34" charset="0"/>
+                <a:cs typeface="Tahoma" panose="020B0604030504040204" pitchFamily="34" charset="0"/>
+              </a:rPr>
+              <a:t>học</a:t>
+            </a:r>
+            <a:r>
+              <a:rPr lang="en-GB" sz="3200" dirty="0">
+                <a:latin typeface="Tahoma" panose="020B0604030504040204" pitchFamily="34" charset="0"/>
+                <a:ea typeface="Tahoma" panose="020B0604030504040204" pitchFamily="34" charset="0"/>
+                <a:cs typeface="Tahoma" panose="020B0604030504040204" pitchFamily="34" charset="0"/>
+              </a:rPr>
+              <a:t> đ</a:t>
+            </a:r>
+            <a:r>
+              <a:rPr lang="vi-VN" sz="3200" dirty="0">
+                <a:latin typeface="Tahoma" panose="020B0604030504040204" pitchFamily="34" charset="0"/>
+                <a:ea typeface="Tahoma" panose="020B0604030504040204" pitchFamily="34" charset="0"/>
+                <a:cs typeface="Tahoma" panose="020B0604030504040204" pitchFamily="34" charset="0"/>
+              </a:rPr>
+              <a:t>ư</a:t>
+            </a:r>
+            <a:r>
+              <a:rPr lang="en-GB" sz="3200" dirty="0" err="1">
+                <a:latin typeface="Tahoma" panose="020B0604030504040204" pitchFamily="34" charset="0"/>
+                <a:ea typeface="Tahoma" panose="020B0604030504040204" pitchFamily="34" charset="0"/>
+                <a:cs typeface="Tahoma" panose="020B0604030504040204" pitchFamily="34" charset="0"/>
+              </a:rPr>
+              <a:t>ợc</a:t>
+            </a:r>
+            <a:r>
+              <a:rPr lang="en-GB" sz="3200" dirty="0">
+                <a:latin typeface="Tahoma" panose="020B0604030504040204" pitchFamily="34" charset="0"/>
+                <a:ea typeface="Tahoma" panose="020B0604030504040204" pitchFamily="34" charset="0"/>
+                <a:cs typeface="Tahoma" panose="020B0604030504040204" pitchFamily="34" charset="0"/>
+              </a:rPr>
+              <a:t>:</a:t>
+            </a:r>
+          </a:p>
+          <a:p>
+            <a:r>
+              <a:rPr lang="en-GB" sz="3200" dirty="0" err="1">
+                <a:latin typeface="Tahoma" panose="020B0604030504040204" pitchFamily="34" charset="0"/>
+                <a:ea typeface="Tahoma" panose="020B0604030504040204" pitchFamily="34" charset="0"/>
+                <a:cs typeface="Tahoma" panose="020B0604030504040204" pitchFamily="34" charset="0"/>
+              </a:rPr>
+              <a:t>Cách</a:t>
+            </a:r>
+            <a:r>
+              <a:rPr lang="en-GB" sz="3200" dirty="0">
+                <a:latin typeface="Tahoma" panose="020B0604030504040204" pitchFamily="34" charset="0"/>
+                <a:ea typeface="Tahoma" panose="020B0604030504040204" pitchFamily="34" charset="0"/>
+                <a:cs typeface="Tahoma" panose="020B0604030504040204" pitchFamily="34" charset="0"/>
+              </a:rPr>
+              <a:t> </a:t>
+            </a:r>
+            <a:r>
+              <a:rPr lang="en-GB" sz="3200" dirty="0" err="1">
+                <a:latin typeface="Tahoma" panose="020B0604030504040204" pitchFamily="34" charset="0"/>
+                <a:ea typeface="Tahoma" panose="020B0604030504040204" pitchFamily="34" charset="0"/>
+                <a:cs typeface="Tahoma" panose="020B0604030504040204" pitchFamily="34" charset="0"/>
+              </a:rPr>
+              <a:t>thu</a:t>
+            </a:r>
+            <a:r>
+              <a:rPr lang="en-GB" sz="3200" dirty="0">
+                <a:latin typeface="Tahoma" panose="020B0604030504040204" pitchFamily="34" charset="0"/>
+                <a:ea typeface="Tahoma" panose="020B0604030504040204" pitchFamily="34" charset="0"/>
+                <a:cs typeface="Tahoma" panose="020B0604030504040204" pitchFamily="34" charset="0"/>
+              </a:rPr>
+              <a:t> </a:t>
+            </a:r>
+            <a:r>
+              <a:rPr lang="en-GB" sz="3200" dirty="0" err="1">
+                <a:latin typeface="Tahoma" panose="020B0604030504040204" pitchFamily="34" charset="0"/>
+                <a:ea typeface="Tahoma" panose="020B0604030504040204" pitchFamily="34" charset="0"/>
+                <a:cs typeface="Tahoma" panose="020B0604030504040204" pitchFamily="34" charset="0"/>
+              </a:rPr>
+              <a:t>thập</a:t>
+            </a:r>
+            <a:r>
+              <a:rPr lang="en-GB" sz="3200" dirty="0">
+                <a:latin typeface="Tahoma" panose="020B0604030504040204" pitchFamily="34" charset="0"/>
+                <a:ea typeface="Tahoma" panose="020B0604030504040204" pitchFamily="34" charset="0"/>
+                <a:cs typeface="Tahoma" panose="020B0604030504040204" pitchFamily="34" charset="0"/>
+              </a:rPr>
+              <a:t> </a:t>
+            </a:r>
+            <a:r>
+              <a:rPr lang="en-GB" sz="3200" dirty="0" err="1">
+                <a:latin typeface="Tahoma" panose="020B0604030504040204" pitchFamily="34" charset="0"/>
+                <a:ea typeface="Tahoma" panose="020B0604030504040204" pitchFamily="34" charset="0"/>
+                <a:cs typeface="Tahoma" panose="020B0604030504040204" pitchFamily="34" charset="0"/>
+              </a:rPr>
+              <a:t>dữ</a:t>
             </a:r>
             <a:r>
               <a:rPr lang="en-GB" sz="3200" dirty="0">
@@ -6502,17 +7248,33 @@
                 <a:ea typeface="Tahoma" panose="020B0604030504040204" pitchFamily="34" charset="0"/>
                 <a:cs typeface="Tahoma" panose="020B0604030504040204" pitchFamily="34" charset="0"/>
               </a:rPr>
-              <a:t>:</a:t>
-            </a:r>
-          </a:p>
-          <a:p>
-            <a:r>
-              <a:rPr lang="en-GB" sz="3200" dirty="0" err="1">
-                <a:latin typeface="Tahoma" panose="020B0604030504040204" pitchFamily="34" charset="0"/>
-                <a:ea typeface="Tahoma" panose="020B0604030504040204" pitchFamily="34" charset="0"/>
-                <a:cs typeface="Tahoma" panose="020B0604030504040204" pitchFamily="34" charset="0"/>
-              </a:rPr>
-              <a:t>Nguồn</a:t>
+              <a:t>.</a:t>
+            </a:r>
+          </a:p>
+          <a:p>
+            <a:r>
+              <a:rPr lang="en-GB" sz="3200" dirty="0" err="1">
+                <a:latin typeface="Tahoma" panose="020B0604030504040204" pitchFamily="34" charset="0"/>
+                <a:ea typeface="Tahoma" panose="020B0604030504040204" pitchFamily="34" charset="0"/>
+                <a:cs typeface="Tahoma" panose="020B0604030504040204" pitchFamily="34" charset="0"/>
+              </a:rPr>
+              <a:t>Xử</a:t>
+            </a:r>
+            <a:r>
+              <a:rPr lang="en-GB" sz="3200" dirty="0">
+                <a:latin typeface="Tahoma" panose="020B0604030504040204" pitchFamily="34" charset="0"/>
+                <a:ea typeface="Tahoma" panose="020B0604030504040204" pitchFamily="34" charset="0"/>
+                <a:cs typeface="Tahoma" panose="020B0604030504040204" pitchFamily="34" charset="0"/>
+              </a:rPr>
+              <a:t> </a:t>
+            </a:r>
+            <a:r>
+              <a:rPr lang="en-GB" sz="3200" dirty="0" err="1">
+                <a:latin typeface="Tahoma" panose="020B0604030504040204" pitchFamily="34" charset="0"/>
+                <a:ea typeface="Tahoma" panose="020B0604030504040204" pitchFamily="34" charset="0"/>
+                <a:cs typeface="Tahoma" panose="020B0604030504040204" pitchFamily="34" charset="0"/>
+              </a:rPr>
+              <a:t>lý</a:t>
             </a:r>
             <a:r>
               <a:rPr lang="en-GB" sz="3200" dirty="0">
@@ -6552,38 +7314,6 @@
                 <a:ea typeface="Tahoma" panose="020B0604030504040204" pitchFamily="34" charset="0"/>
                 <a:cs typeface="Tahoma" panose="020B0604030504040204" pitchFamily="34" charset="0"/>
               </a:rPr>
-              <a:t> </a:t>
-            </a:r>
-            <a:r>
-              <a:rPr lang="en-GB" sz="3200" dirty="0" err="1">
-                <a:latin typeface="Tahoma" panose="020B0604030504040204" pitchFamily="34" charset="0"/>
-                <a:ea typeface="Tahoma" panose="020B0604030504040204" pitchFamily="34" charset="0"/>
-                <a:cs typeface="Tahoma" panose="020B0604030504040204" pitchFamily="34" charset="0"/>
-              </a:rPr>
-              <a:t>khó</a:t>
-            </a:r>
-            <a:r>
-              <a:rPr lang="en-GB" sz="3200" dirty="0">
-                <a:latin typeface="Tahoma" panose="020B0604030504040204" pitchFamily="34" charset="0"/>
-                <a:ea typeface="Tahoma" panose="020B0604030504040204" pitchFamily="34" charset="0"/>
-                <a:cs typeface="Tahoma" panose="020B0604030504040204" pitchFamily="34" charset="0"/>
-              </a:rPr>
-              <a:t> </a:t>
-            </a:r>
-            <a:r>
-              <a:rPr lang="en-GB" sz="3200" dirty="0" err="1">
-                <a:latin typeface="Tahoma" panose="020B0604030504040204" pitchFamily="34" charset="0"/>
-                <a:ea typeface="Tahoma" panose="020B0604030504040204" pitchFamily="34" charset="0"/>
-                <a:cs typeface="Tahoma" panose="020B0604030504040204" pitchFamily="34" charset="0"/>
-              </a:rPr>
-              <a:t>kiếm</a:t>
-            </a:r>
-            <a:r>
-              <a:rPr lang="en-GB" sz="3200" dirty="0">
-                <a:latin typeface="Tahoma" panose="020B0604030504040204" pitchFamily="34" charset="0"/>
-                <a:ea typeface="Tahoma" panose="020B0604030504040204" pitchFamily="34" charset="0"/>
-                <a:cs typeface="Tahoma" panose="020B0604030504040204" pitchFamily="34" charset="0"/>
-              </a:rPr>
               <a:t>.</a:t>
             </a:r>
           </a:p>
@@ -6594,201 +7324,103 @@
                 <a:ea typeface="Tahoma" panose="020B0604030504040204" pitchFamily="34" charset="0"/>
                 <a:cs typeface="Tahoma" panose="020B0604030504040204" pitchFamily="34" charset="0"/>
               </a:rPr>
-              <a:t>Còn</a:t>
-            </a:r>
-            <a:r>
-              <a:rPr lang="en-GB" sz="3200" dirty="0">
-                <a:latin typeface="Tahoma" panose="020B0604030504040204" pitchFamily="34" charset="0"/>
-                <a:ea typeface="Tahoma" panose="020B0604030504040204" pitchFamily="34" charset="0"/>
-                <a:cs typeface="Tahoma" panose="020B0604030504040204" pitchFamily="34" charset="0"/>
-              </a:rPr>
-              <a:t> </a:t>
-            </a:r>
-            <a:r>
-              <a:rPr lang="en-GB" sz="3200" dirty="0" err="1">
-                <a:latin typeface="Tahoma" panose="020B0604030504040204" pitchFamily="34" charset="0"/>
-                <a:ea typeface="Tahoma" panose="020B0604030504040204" pitchFamily="34" charset="0"/>
-                <a:cs typeface="Tahoma" panose="020B0604030504040204" pitchFamily="34" charset="0"/>
-              </a:rPr>
-              <a:t>gặp</a:t>
-            </a:r>
-            <a:r>
-              <a:rPr lang="en-GB" sz="3200" dirty="0">
-                <a:latin typeface="Tahoma" panose="020B0604030504040204" pitchFamily="34" charset="0"/>
-                <a:ea typeface="Tahoma" panose="020B0604030504040204" pitchFamily="34" charset="0"/>
-                <a:cs typeface="Tahoma" panose="020B0604030504040204" pitchFamily="34" charset="0"/>
-              </a:rPr>
-              <a:t> </a:t>
-            </a:r>
-            <a:r>
-              <a:rPr lang="en-GB" sz="3200" dirty="0" err="1">
-                <a:latin typeface="Tahoma" panose="020B0604030504040204" pitchFamily="34" charset="0"/>
-                <a:ea typeface="Tahoma" panose="020B0604030504040204" pitchFamily="34" charset="0"/>
-                <a:cs typeface="Tahoma" panose="020B0604030504040204" pitchFamily="34" charset="0"/>
-              </a:rPr>
-              <a:t>vấn</a:t>
-            </a:r>
-            <a:r>
-              <a:rPr lang="en-GB" sz="3200" dirty="0">
-                <a:latin typeface="Tahoma" panose="020B0604030504040204" pitchFamily="34" charset="0"/>
-                <a:ea typeface="Tahoma" panose="020B0604030504040204" pitchFamily="34" charset="0"/>
-                <a:cs typeface="Tahoma" panose="020B0604030504040204" pitchFamily="34" charset="0"/>
-              </a:rPr>
-              <a:t> </a:t>
-            </a:r>
-            <a:r>
-              <a:rPr lang="en-GB" sz="3200" dirty="0" err="1">
-                <a:latin typeface="Tahoma" panose="020B0604030504040204" pitchFamily="34" charset="0"/>
-                <a:ea typeface="Tahoma" panose="020B0604030504040204" pitchFamily="34" charset="0"/>
-                <a:cs typeface="Tahoma" panose="020B0604030504040204" pitchFamily="34" charset="0"/>
-              </a:rPr>
-              <a:t>đề</a:t>
-            </a:r>
-            <a:r>
-              <a:rPr lang="en-GB" sz="3200" dirty="0">
-                <a:latin typeface="Tahoma" panose="020B0604030504040204" pitchFamily="34" charset="0"/>
-                <a:ea typeface="Tahoma" panose="020B0604030504040204" pitchFamily="34" charset="0"/>
-                <a:cs typeface="Tahoma" panose="020B0604030504040204" pitchFamily="34" charset="0"/>
-              </a:rPr>
-              <a:t> </a:t>
-            </a:r>
-            <a:r>
-              <a:rPr lang="en-GB" sz="3200" dirty="0" err="1">
-                <a:latin typeface="Tahoma" panose="020B0604030504040204" pitchFamily="34" charset="0"/>
-                <a:ea typeface="Tahoma" panose="020B0604030504040204" pitchFamily="34" charset="0"/>
-                <a:cs typeface="Tahoma" panose="020B0604030504040204" pitchFamily="34" charset="0"/>
-              </a:rPr>
-              <a:t>về</a:t>
-            </a:r>
-            <a:r>
-              <a:rPr lang="en-GB" sz="3200" dirty="0">
-                <a:latin typeface="Tahoma" panose="020B0604030504040204" pitchFamily="34" charset="0"/>
-                <a:ea typeface="Tahoma" panose="020B0604030504040204" pitchFamily="34" charset="0"/>
-                <a:cs typeface="Tahoma" panose="020B0604030504040204" pitchFamily="34" charset="0"/>
-              </a:rPr>
-              <a:t> 3 </a:t>
-            </a:r>
-            <a:r>
-              <a:rPr lang="en-GB" sz="3200" dirty="0" err="1">
-                <a:latin typeface="Tahoma" panose="020B0604030504040204" pitchFamily="34" charset="0"/>
-                <a:ea typeface="Tahoma" panose="020B0604030504040204" pitchFamily="34" charset="0"/>
-                <a:cs typeface="Tahoma" panose="020B0604030504040204" pitchFamily="34" charset="0"/>
-              </a:rPr>
-              <a:t>thuộc</a:t>
-            </a:r>
-            <a:r>
-              <a:rPr lang="en-GB" sz="3200" dirty="0">
-                <a:latin typeface="Tahoma" panose="020B0604030504040204" pitchFamily="34" charset="0"/>
-                <a:ea typeface="Tahoma" panose="020B0604030504040204" pitchFamily="34" charset="0"/>
-                <a:cs typeface="Tahoma" panose="020B0604030504040204" pitchFamily="34" charset="0"/>
-              </a:rPr>
-              <a:t> </a:t>
-            </a:r>
-            <a:r>
-              <a:rPr lang="en-GB" sz="3200" dirty="0" err="1">
-                <a:latin typeface="Tahoma" panose="020B0604030504040204" pitchFamily="34" charset="0"/>
-                <a:ea typeface="Tahoma" panose="020B0604030504040204" pitchFamily="34" charset="0"/>
-                <a:cs typeface="Tahoma" panose="020B0604030504040204" pitchFamily="34" charset="0"/>
-              </a:rPr>
-              <a:t>tính</a:t>
-            </a:r>
-            <a:r>
-              <a:rPr lang="en-GB" sz="3200" dirty="0">
-                <a:latin typeface="Tahoma" panose="020B0604030504040204" pitchFamily="34" charset="0"/>
-                <a:ea typeface="Tahoma" panose="020B0604030504040204" pitchFamily="34" charset="0"/>
-                <a:cs typeface="Tahoma" panose="020B0604030504040204" pitchFamily="34" charset="0"/>
-              </a:rPr>
-              <a:t> (</a:t>
-            </a:r>
-            <a:r>
-              <a:rPr lang="en-GB" sz="3200" dirty="0" err="1">
-                <a:latin typeface="Tahoma" panose="020B0604030504040204" pitchFamily="34" charset="0"/>
-                <a:ea typeface="Tahoma" panose="020B0604030504040204" pitchFamily="34" charset="0"/>
-                <a:cs typeface="Tahoma" panose="020B0604030504040204" pitchFamily="34" charset="0"/>
-              </a:rPr>
-              <a:t>RAM,storage,price</a:t>
-            </a:r>
-            <a:r>
-              <a:rPr lang="en-GB" sz="3200" dirty="0">
-                <a:latin typeface="Tahoma" panose="020B0604030504040204" pitchFamily="34" charset="0"/>
-                <a:ea typeface="Tahoma" panose="020B0604030504040204" pitchFamily="34" charset="0"/>
-                <a:cs typeface="Tahoma" panose="020B0604030504040204" pitchFamily="34" charset="0"/>
-              </a:rPr>
-              <a:t>).</a:t>
-            </a:r>
-          </a:p>
-          <a:p>
-            <a:r>
-              <a:rPr lang="en-GB" sz="3200" dirty="0" err="1">
-                <a:latin typeface="Tahoma" panose="020B0604030504040204" pitchFamily="34" charset="0"/>
-                <a:ea typeface="Tahoma" panose="020B0604030504040204" pitchFamily="34" charset="0"/>
-                <a:cs typeface="Tahoma" panose="020B0604030504040204" pitchFamily="34" charset="0"/>
-              </a:rPr>
-              <a:t>Xử</a:t>
-            </a:r>
-            <a:r>
-              <a:rPr lang="en-GB" sz="3200" dirty="0">
-                <a:latin typeface="Tahoma" panose="020B0604030504040204" pitchFamily="34" charset="0"/>
-                <a:ea typeface="Tahoma" panose="020B0604030504040204" pitchFamily="34" charset="0"/>
-                <a:cs typeface="Tahoma" panose="020B0604030504040204" pitchFamily="34" charset="0"/>
-              </a:rPr>
-              <a:t> </a:t>
-            </a:r>
-            <a:r>
-              <a:rPr lang="en-GB" sz="3200" dirty="0" err="1">
-                <a:latin typeface="Tahoma" panose="020B0604030504040204" pitchFamily="34" charset="0"/>
-                <a:ea typeface="Tahoma" panose="020B0604030504040204" pitchFamily="34" charset="0"/>
-                <a:cs typeface="Tahoma" panose="020B0604030504040204" pitchFamily="34" charset="0"/>
-              </a:rPr>
-              <a:t>lí</a:t>
-            </a:r>
-            <a:r>
-              <a:rPr lang="en-GB" sz="3200" dirty="0">
-                <a:latin typeface="Tahoma" panose="020B0604030504040204" pitchFamily="34" charset="0"/>
-                <a:ea typeface="Tahoma" panose="020B0604030504040204" pitchFamily="34" charset="0"/>
-                <a:cs typeface="Tahoma" panose="020B0604030504040204" pitchFamily="34" charset="0"/>
-              </a:rPr>
-              <a:t> </a:t>
-            </a:r>
-            <a:r>
-              <a:rPr lang="en-GB" sz="3200" dirty="0" err="1">
-                <a:latin typeface="Tahoma" panose="020B0604030504040204" pitchFamily="34" charset="0"/>
-                <a:ea typeface="Tahoma" panose="020B0604030504040204" pitchFamily="34" charset="0"/>
-                <a:cs typeface="Tahoma" panose="020B0604030504040204" pitchFamily="34" charset="0"/>
-              </a:rPr>
-              <a:t>dữ</a:t>
-            </a:r>
-            <a:r>
-              <a:rPr lang="en-GB" sz="3200" dirty="0">
-                <a:latin typeface="Tahoma" panose="020B0604030504040204" pitchFamily="34" charset="0"/>
-                <a:ea typeface="Tahoma" panose="020B0604030504040204" pitchFamily="34" charset="0"/>
-                <a:cs typeface="Tahoma" panose="020B0604030504040204" pitchFamily="34" charset="0"/>
-              </a:rPr>
-              <a:t> </a:t>
-            </a:r>
-            <a:r>
-              <a:rPr lang="en-GB" sz="3200" dirty="0" err="1">
-                <a:latin typeface="Tahoma" panose="020B0604030504040204" pitchFamily="34" charset="0"/>
-                <a:ea typeface="Tahoma" panose="020B0604030504040204" pitchFamily="34" charset="0"/>
-                <a:cs typeface="Tahoma" panose="020B0604030504040204" pitchFamily="34" charset="0"/>
-              </a:rPr>
-              <a:t>liệu</a:t>
-            </a:r>
-            <a:r>
-              <a:rPr lang="en-GB" sz="3200" dirty="0">
-                <a:latin typeface="Tahoma" panose="020B0604030504040204" pitchFamily="34" charset="0"/>
-                <a:ea typeface="Tahoma" panose="020B0604030504040204" pitchFamily="34" charset="0"/>
-                <a:cs typeface="Tahoma" panose="020B0604030504040204" pitchFamily="34" charset="0"/>
-              </a:rPr>
-              <a:t> </a:t>
-            </a:r>
-            <a:r>
-              <a:rPr lang="en-GB" sz="3200" dirty="0" err="1">
-                <a:latin typeface="Tahoma" panose="020B0604030504040204" pitchFamily="34" charset="0"/>
-                <a:ea typeface="Tahoma" panose="020B0604030504040204" pitchFamily="34" charset="0"/>
-                <a:cs typeface="Tahoma" panose="020B0604030504040204" pitchFamily="34" charset="0"/>
-              </a:rPr>
-              <a:t>thiếu</a:t>
+              <a:t>Sử</a:t>
+            </a:r>
+            <a:r>
+              <a:rPr lang="en-GB" sz="3200" dirty="0">
+                <a:latin typeface="Tahoma" panose="020B0604030504040204" pitchFamily="34" charset="0"/>
+                <a:ea typeface="Tahoma" panose="020B0604030504040204" pitchFamily="34" charset="0"/>
+                <a:cs typeface="Tahoma" panose="020B0604030504040204" pitchFamily="34" charset="0"/>
+              </a:rPr>
+              <a:t> </a:t>
+            </a:r>
+            <a:r>
+              <a:rPr lang="en-GB" sz="3200" dirty="0" err="1">
+                <a:latin typeface="Tahoma" panose="020B0604030504040204" pitchFamily="34" charset="0"/>
+                <a:ea typeface="Tahoma" panose="020B0604030504040204" pitchFamily="34" charset="0"/>
+                <a:cs typeface="Tahoma" panose="020B0604030504040204" pitchFamily="34" charset="0"/>
+              </a:rPr>
+              <a:t>dụng</a:t>
+            </a:r>
+            <a:r>
+              <a:rPr lang="en-GB" sz="3200" dirty="0">
+                <a:latin typeface="Tahoma" panose="020B0604030504040204" pitchFamily="34" charset="0"/>
+                <a:ea typeface="Tahoma" panose="020B0604030504040204" pitchFamily="34" charset="0"/>
+                <a:cs typeface="Tahoma" panose="020B0604030504040204" pitchFamily="34" charset="0"/>
+              </a:rPr>
+              <a:t> </a:t>
+            </a:r>
+            <a:r>
+              <a:rPr lang="en-GB" sz="3200" dirty="0" err="1">
+                <a:latin typeface="Tahoma" panose="020B0604030504040204" pitchFamily="34" charset="0"/>
+                <a:ea typeface="Tahoma" panose="020B0604030504040204" pitchFamily="34" charset="0"/>
+                <a:cs typeface="Tahoma" panose="020B0604030504040204" pitchFamily="34" charset="0"/>
+              </a:rPr>
+              <a:t>các</a:t>
+            </a:r>
+            <a:r>
+              <a:rPr lang="en-GB" sz="3200" dirty="0">
+                <a:latin typeface="Tahoma" panose="020B0604030504040204" pitchFamily="34" charset="0"/>
+                <a:ea typeface="Tahoma" panose="020B0604030504040204" pitchFamily="34" charset="0"/>
+                <a:cs typeface="Tahoma" panose="020B0604030504040204" pitchFamily="34" charset="0"/>
+              </a:rPr>
+              <a:t> </a:t>
+            </a:r>
+            <a:r>
+              <a:rPr lang="en-GB" sz="3200" dirty="0" err="1">
+                <a:latin typeface="Tahoma" panose="020B0604030504040204" pitchFamily="34" charset="0"/>
+                <a:ea typeface="Tahoma" panose="020B0604030504040204" pitchFamily="34" charset="0"/>
+                <a:cs typeface="Tahoma" panose="020B0604030504040204" pitchFamily="34" charset="0"/>
+              </a:rPr>
+              <a:t>mô</a:t>
+            </a:r>
+            <a:r>
+              <a:rPr lang="en-GB" sz="3200" dirty="0">
+                <a:latin typeface="Tahoma" panose="020B0604030504040204" pitchFamily="34" charset="0"/>
+                <a:ea typeface="Tahoma" panose="020B0604030504040204" pitchFamily="34" charset="0"/>
+                <a:cs typeface="Tahoma" panose="020B0604030504040204" pitchFamily="34" charset="0"/>
+              </a:rPr>
+              <a:t> </a:t>
+            </a:r>
+            <a:r>
+              <a:rPr lang="en-GB" sz="3200" dirty="0" err="1">
+                <a:latin typeface="Tahoma" panose="020B0604030504040204" pitchFamily="34" charset="0"/>
+                <a:ea typeface="Tahoma" panose="020B0604030504040204" pitchFamily="34" charset="0"/>
+                <a:cs typeface="Tahoma" panose="020B0604030504040204" pitchFamily="34" charset="0"/>
+              </a:rPr>
+              <a:t>hình</a:t>
+            </a:r>
+            <a:r>
+              <a:rPr lang="en-GB" sz="3200" dirty="0">
+                <a:latin typeface="Tahoma" panose="020B0604030504040204" pitchFamily="34" charset="0"/>
+                <a:ea typeface="Tahoma" panose="020B0604030504040204" pitchFamily="34" charset="0"/>
+                <a:cs typeface="Tahoma" panose="020B0604030504040204" pitchFamily="34" charset="0"/>
+              </a:rPr>
+              <a:t> </a:t>
+            </a:r>
+            <a:r>
+              <a:rPr lang="en-GB" sz="3200" dirty="0" err="1">
+                <a:latin typeface="Tahoma" panose="020B0604030504040204" pitchFamily="34" charset="0"/>
+                <a:ea typeface="Tahoma" panose="020B0604030504040204" pitchFamily="34" charset="0"/>
+                <a:cs typeface="Tahoma" panose="020B0604030504040204" pitchFamily="34" charset="0"/>
+              </a:rPr>
+              <a:t>khác</a:t>
+            </a:r>
+            <a:r>
+              <a:rPr lang="en-GB" sz="3200" dirty="0">
+                <a:latin typeface="Tahoma" panose="020B0604030504040204" pitchFamily="34" charset="0"/>
+                <a:ea typeface="Tahoma" panose="020B0604030504040204" pitchFamily="34" charset="0"/>
+                <a:cs typeface="Tahoma" panose="020B0604030504040204" pitchFamily="34" charset="0"/>
+              </a:rPr>
+              <a:t> </a:t>
+            </a:r>
+            <a:r>
+              <a:rPr lang="en-GB" sz="3200" dirty="0" err="1">
+                <a:latin typeface="Tahoma" panose="020B0604030504040204" pitchFamily="34" charset="0"/>
+                <a:ea typeface="Tahoma" panose="020B0604030504040204" pitchFamily="34" charset="0"/>
+                <a:cs typeface="Tahoma" panose="020B0604030504040204" pitchFamily="34" charset="0"/>
+              </a:rPr>
+              <a:t>nhau</a:t>
             </a:r>
             <a:r>
               <a:rPr lang="en-GB" sz="3200" dirty="0">
@@ -6833,87 +7465,23 @@
                 <a:ea typeface="Tahoma" panose="020B0604030504040204" pitchFamily="34" charset="0"/>
                 <a:cs typeface="Tahoma" panose="020B0604030504040204" pitchFamily="34" charset="0"/>
               </a:rPr>
-              <a:t>Học</a:t>
-            </a:r>
-            <a:r>
-              <a:rPr lang="en-GB" sz="3200" dirty="0">
-                <a:latin typeface="Tahoma" panose="020B0604030504040204" pitchFamily="34" charset="0"/>
-                <a:ea typeface="Tahoma" panose="020B0604030504040204" pitchFamily="34" charset="0"/>
-                <a:cs typeface="Tahoma" panose="020B0604030504040204" pitchFamily="34" charset="0"/>
-              </a:rPr>
-              <a:t> - </a:t>
-            </a:r>
-            <a:r>
-              <a:rPr lang="en-GB" sz="3200" dirty="0" err="1">
-                <a:latin typeface="Tahoma" panose="020B0604030504040204" pitchFamily="34" charset="0"/>
-                <a:ea typeface="Tahoma" panose="020B0604030504040204" pitchFamily="34" charset="0"/>
-                <a:cs typeface="Tahoma" panose="020B0604030504040204" pitchFamily="34" charset="0"/>
-              </a:rPr>
-              <a:t>Kiểm</a:t>
-            </a:r>
-            <a:r>
-              <a:rPr lang="en-GB" sz="3200" dirty="0">
-                <a:latin typeface="Tahoma" panose="020B0604030504040204" pitchFamily="34" charset="0"/>
-                <a:ea typeface="Tahoma" panose="020B0604030504040204" pitchFamily="34" charset="0"/>
-                <a:cs typeface="Tahoma" panose="020B0604030504040204" pitchFamily="34" charset="0"/>
-              </a:rPr>
-              <a:t> </a:t>
-            </a:r>
-            <a:r>
-              <a:rPr lang="en-GB" sz="3200" dirty="0" err="1">
-                <a:latin typeface="Tahoma" panose="020B0604030504040204" pitchFamily="34" charset="0"/>
-                <a:ea typeface="Tahoma" panose="020B0604030504040204" pitchFamily="34" charset="0"/>
-                <a:cs typeface="Tahoma" panose="020B0604030504040204" pitchFamily="34" charset="0"/>
-              </a:rPr>
-              <a:t>thử</a:t>
-            </a:r>
-            <a:r>
-              <a:rPr lang="en-GB" sz="3200" dirty="0">
-                <a:latin typeface="Tahoma" panose="020B0604030504040204" pitchFamily="34" charset="0"/>
-                <a:ea typeface="Tahoma" panose="020B0604030504040204" pitchFamily="34" charset="0"/>
-                <a:cs typeface="Tahoma" panose="020B0604030504040204" pitchFamily="34" charset="0"/>
-              </a:rPr>
-              <a:t> </a:t>
-            </a:r>
-            <a:r>
-              <a:rPr lang="en-GB" sz="3200" dirty="0" err="1">
-                <a:latin typeface="Tahoma" panose="020B0604030504040204" pitchFamily="34" charset="0"/>
-                <a:ea typeface="Tahoma" panose="020B0604030504040204" pitchFamily="34" charset="0"/>
-                <a:cs typeface="Tahoma" panose="020B0604030504040204" pitchFamily="34" charset="0"/>
-              </a:rPr>
-              <a:t>và</a:t>
-            </a:r>
-            <a:r>
-              <a:rPr lang="en-GB" sz="3200" dirty="0">
-                <a:latin typeface="Tahoma" panose="020B0604030504040204" pitchFamily="34" charset="0"/>
-                <a:ea typeface="Tahoma" panose="020B0604030504040204" pitchFamily="34" charset="0"/>
-                <a:cs typeface="Tahoma" panose="020B0604030504040204" pitchFamily="34" charset="0"/>
-              </a:rPr>
-              <a:t> </a:t>
-            </a:r>
-            <a:r>
-              <a:rPr lang="en-GB" sz="3200" dirty="0" err="1">
-                <a:latin typeface="Tahoma" panose="020B0604030504040204" pitchFamily="34" charset="0"/>
-                <a:ea typeface="Tahoma" panose="020B0604030504040204" pitchFamily="34" charset="0"/>
-                <a:cs typeface="Tahoma" panose="020B0604030504040204" pitchFamily="34" charset="0"/>
-              </a:rPr>
-              <a:t>kết</a:t>
-            </a:r>
-            <a:r>
-              <a:rPr lang="en-GB" sz="3200" dirty="0">
-                <a:latin typeface="Tahoma" panose="020B0604030504040204" pitchFamily="34" charset="0"/>
-                <a:ea typeface="Tahoma" panose="020B0604030504040204" pitchFamily="34" charset="0"/>
-                <a:cs typeface="Tahoma" panose="020B0604030504040204" pitchFamily="34" charset="0"/>
-              </a:rPr>
-              <a:t> </a:t>
-            </a:r>
-            <a:r>
-              <a:rPr lang="en-GB" sz="3200" dirty="0" err="1">
-                <a:latin typeface="Tahoma" panose="020B0604030504040204" pitchFamily="34" charset="0"/>
-                <a:ea typeface="Tahoma" panose="020B0604030504040204" pitchFamily="34" charset="0"/>
-                <a:cs typeface="Tahoma" panose="020B0604030504040204" pitchFamily="34" charset="0"/>
-              </a:rPr>
-              <a:t>quả</a:t>
+              <a:t>Câu</a:t>
+            </a:r>
+            <a:r>
+              <a:rPr lang="en-GB" sz="3200" dirty="0">
+                <a:latin typeface="Tahoma" panose="020B0604030504040204" pitchFamily="34" charset="0"/>
+                <a:ea typeface="Tahoma" panose="020B0604030504040204" pitchFamily="34" charset="0"/>
+                <a:cs typeface="Tahoma" panose="020B0604030504040204" pitchFamily="34" charset="0"/>
+              </a:rPr>
+              <a:t> </a:t>
+            </a:r>
+            <a:r>
+              <a:rPr lang="en-GB" sz="3200" dirty="0" err="1">
+                <a:latin typeface="Tahoma" panose="020B0604030504040204" pitchFamily="34" charset="0"/>
+                <a:ea typeface="Tahoma" panose="020B0604030504040204" pitchFamily="34" charset="0"/>
+                <a:cs typeface="Tahoma" panose="020B0604030504040204" pitchFamily="34" charset="0"/>
+              </a:rPr>
+              <a:t>hỏi</a:t>
             </a:r>
             <a:r>
               <a:rPr lang="en-GB" sz="3200" dirty="0">
@@ -6931,31 +7499,241 @@
                 <a:ea typeface="Tahoma" panose="020B0604030504040204" pitchFamily="34" charset="0"/>
                 <a:cs typeface="Tahoma" panose="020B0604030504040204" pitchFamily="34" charset="0"/>
               </a:rPr>
-              <a:t>Sử</a:t>
-            </a:r>
-            <a:r>
-              <a:rPr lang="en-GB" sz="3200" dirty="0">
-                <a:latin typeface="Tahoma" panose="020B0604030504040204" pitchFamily="34" charset="0"/>
-                <a:ea typeface="Tahoma" panose="020B0604030504040204" pitchFamily="34" charset="0"/>
-                <a:cs typeface="Tahoma" panose="020B0604030504040204" pitchFamily="34" charset="0"/>
-              </a:rPr>
-              <a:t> </a:t>
-            </a:r>
-            <a:r>
-              <a:rPr lang="en-GB" sz="3200" dirty="0" err="1">
-                <a:latin typeface="Tahoma" panose="020B0604030504040204" pitchFamily="34" charset="0"/>
-                <a:ea typeface="Tahoma" panose="020B0604030504040204" pitchFamily="34" charset="0"/>
-                <a:cs typeface="Tahoma" panose="020B0604030504040204" pitchFamily="34" charset="0"/>
-              </a:rPr>
-              <a:t>dụng</a:t>
-            </a:r>
-            <a:r>
-              <a:rPr lang="en-GB" sz="3200" dirty="0">
-                <a:latin typeface="Tahoma" panose="020B0604030504040204" pitchFamily="34" charset="0"/>
-                <a:ea typeface="Tahoma" panose="020B0604030504040204" pitchFamily="34" charset="0"/>
-                <a:cs typeface="Tahoma" panose="020B0604030504040204" pitchFamily="34" charset="0"/>
-              </a:rPr>
-              <a:t> đ</a:t>
+              <a:t>Các</a:t>
+            </a:r>
+            <a:r>
+              <a:rPr lang="en-GB" sz="3200" dirty="0">
+                <a:latin typeface="Tahoma" panose="020B0604030504040204" pitchFamily="34" charset="0"/>
+                <a:ea typeface="Tahoma" panose="020B0604030504040204" pitchFamily="34" charset="0"/>
+                <a:cs typeface="Tahoma" panose="020B0604030504040204" pitchFamily="34" charset="0"/>
+              </a:rPr>
+              <a:t> </a:t>
+            </a:r>
+            <a:r>
+              <a:rPr lang="en-GB" sz="3200" dirty="0" err="1">
+                <a:latin typeface="Tahoma" panose="020B0604030504040204" pitchFamily="34" charset="0"/>
+                <a:ea typeface="Tahoma" panose="020B0604030504040204" pitchFamily="34" charset="0"/>
+                <a:cs typeface="Tahoma" panose="020B0604030504040204" pitchFamily="34" charset="0"/>
+              </a:rPr>
+              <a:t>mô</a:t>
+            </a:r>
+            <a:r>
+              <a:rPr lang="en-GB" sz="3200" dirty="0">
+                <a:latin typeface="Tahoma" panose="020B0604030504040204" pitchFamily="34" charset="0"/>
+                <a:ea typeface="Tahoma" panose="020B0604030504040204" pitchFamily="34" charset="0"/>
+                <a:cs typeface="Tahoma" panose="020B0604030504040204" pitchFamily="34" charset="0"/>
+              </a:rPr>
+              <a:t> </a:t>
+            </a:r>
+            <a:r>
+              <a:rPr lang="en-GB" sz="3200" dirty="0" err="1">
+                <a:latin typeface="Tahoma" panose="020B0604030504040204" pitchFamily="34" charset="0"/>
+                <a:ea typeface="Tahoma" panose="020B0604030504040204" pitchFamily="34" charset="0"/>
+                <a:cs typeface="Tahoma" panose="020B0604030504040204" pitchFamily="34" charset="0"/>
+              </a:rPr>
+              <a:t>hình</a:t>
+            </a:r>
+            <a:r>
+              <a:rPr lang="en-GB" sz="3200" dirty="0">
+                <a:latin typeface="Tahoma" panose="020B0604030504040204" pitchFamily="34" charset="0"/>
+                <a:ea typeface="Tahoma" panose="020B0604030504040204" pitchFamily="34" charset="0"/>
+                <a:cs typeface="Tahoma" panose="020B0604030504040204" pitchFamily="34" charset="0"/>
+              </a:rPr>
+              <a:t>, </a:t>
+            </a:r>
+            <a:r>
+              <a:rPr lang="en-GB" sz="3200" dirty="0" err="1">
+                <a:latin typeface="Tahoma" panose="020B0604030504040204" pitchFamily="34" charset="0"/>
+                <a:ea typeface="Tahoma" panose="020B0604030504040204" pitchFamily="34" charset="0"/>
+                <a:cs typeface="Tahoma" panose="020B0604030504040204" pitchFamily="34" charset="0"/>
+              </a:rPr>
+              <a:t>giải</a:t>
+            </a:r>
+            <a:r>
+              <a:rPr lang="en-GB" sz="3200" dirty="0">
+                <a:latin typeface="Tahoma" panose="020B0604030504040204" pitchFamily="34" charset="0"/>
+                <a:ea typeface="Tahoma" panose="020B0604030504040204" pitchFamily="34" charset="0"/>
+                <a:cs typeface="Tahoma" panose="020B0604030504040204" pitchFamily="34" charset="0"/>
+              </a:rPr>
+              <a:t> </a:t>
+            </a:r>
+            <a:r>
+              <a:rPr lang="en-GB" sz="3200" dirty="0" err="1">
+                <a:latin typeface="Tahoma" panose="020B0604030504040204" pitchFamily="34" charset="0"/>
+                <a:ea typeface="Tahoma" panose="020B0604030504040204" pitchFamily="34" charset="0"/>
+                <a:cs typeface="Tahoma" panose="020B0604030504040204" pitchFamily="34" charset="0"/>
+              </a:rPr>
+              <a:t>pháp</a:t>
+            </a:r>
+            <a:r>
+              <a:rPr lang="en-GB" sz="3200" dirty="0">
+                <a:latin typeface="Tahoma" panose="020B0604030504040204" pitchFamily="34" charset="0"/>
+                <a:ea typeface="Tahoma" panose="020B0604030504040204" pitchFamily="34" charset="0"/>
+                <a:cs typeface="Tahoma" panose="020B0604030504040204" pitchFamily="34" charset="0"/>
+              </a:rPr>
+              <a:t> </a:t>
+            </a:r>
+            <a:r>
+              <a:rPr lang="en-GB" sz="3200" dirty="0" err="1">
+                <a:latin typeface="Tahoma" panose="020B0604030504040204" pitchFamily="34" charset="0"/>
+                <a:ea typeface="Tahoma" panose="020B0604030504040204" pitchFamily="34" charset="0"/>
+                <a:cs typeface="Tahoma" panose="020B0604030504040204" pitchFamily="34" charset="0"/>
+              </a:rPr>
+              <a:t>nào</a:t>
+            </a:r>
+            <a:r>
+              <a:rPr lang="en-GB" sz="3200" dirty="0">
+                <a:latin typeface="Tahoma" panose="020B0604030504040204" pitchFamily="34" charset="0"/>
+                <a:ea typeface="Tahoma" panose="020B0604030504040204" pitchFamily="34" charset="0"/>
+                <a:cs typeface="Tahoma" panose="020B0604030504040204" pitchFamily="34" charset="0"/>
+              </a:rPr>
+              <a:t> </a:t>
+            </a:r>
+            <a:r>
+              <a:rPr lang="en-GB" sz="3200" dirty="0" err="1">
+                <a:latin typeface="Tahoma" panose="020B0604030504040204" pitchFamily="34" charset="0"/>
+                <a:ea typeface="Tahoma" panose="020B0604030504040204" pitchFamily="34" charset="0"/>
+                <a:cs typeface="Tahoma" panose="020B0604030504040204" pitchFamily="34" charset="0"/>
+              </a:rPr>
+              <a:t>đáp</a:t>
+            </a:r>
+            <a:r>
+              <a:rPr lang="en-GB" sz="3200" dirty="0">
+                <a:latin typeface="Tahoma" panose="020B0604030504040204" pitchFamily="34" charset="0"/>
+                <a:ea typeface="Tahoma" panose="020B0604030504040204" pitchFamily="34" charset="0"/>
+                <a:cs typeface="Tahoma" panose="020B0604030504040204" pitchFamily="34" charset="0"/>
+              </a:rPr>
+              <a:t> </a:t>
+            </a:r>
+            <a:r>
+              <a:rPr lang="en-GB" sz="3200" dirty="0" err="1">
+                <a:latin typeface="Tahoma" panose="020B0604030504040204" pitchFamily="34" charset="0"/>
+                <a:ea typeface="Tahoma" panose="020B0604030504040204" pitchFamily="34" charset="0"/>
+                <a:cs typeface="Tahoma" panose="020B0604030504040204" pitchFamily="34" charset="0"/>
+              </a:rPr>
+              <a:t>ứng</a:t>
+            </a:r>
+            <a:r>
+              <a:rPr lang="en-GB" sz="3200" dirty="0">
+                <a:latin typeface="Tahoma" panose="020B0604030504040204" pitchFamily="34" charset="0"/>
+                <a:ea typeface="Tahoma" panose="020B0604030504040204" pitchFamily="34" charset="0"/>
+                <a:cs typeface="Tahoma" panose="020B0604030504040204" pitchFamily="34" charset="0"/>
+              </a:rPr>
+              <a:t> </a:t>
+            </a:r>
+            <a:r>
+              <a:rPr lang="en-GB" sz="3200" dirty="0" err="1">
+                <a:latin typeface="Tahoma" panose="020B0604030504040204" pitchFamily="34" charset="0"/>
+                <a:ea typeface="Tahoma" panose="020B0604030504040204" pitchFamily="34" charset="0"/>
+                <a:cs typeface="Tahoma" panose="020B0604030504040204" pitchFamily="34" charset="0"/>
+              </a:rPr>
+              <a:t>vấn</a:t>
+            </a:r>
+            <a:r>
+              <a:rPr lang="en-GB" sz="3200" dirty="0">
+                <a:latin typeface="Tahoma" panose="020B0604030504040204" pitchFamily="34" charset="0"/>
+                <a:ea typeface="Tahoma" panose="020B0604030504040204" pitchFamily="34" charset="0"/>
+                <a:cs typeface="Tahoma" panose="020B0604030504040204" pitchFamily="34" charset="0"/>
+              </a:rPr>
+              <a:t> </a:t>
+            </a:r>
+            <a:r>
+              <a:rPr lang="en-GB" sz="3200" dirty="0" err="1">
+                <a:latin typeface="Tahoma" panose="020B0604030504040204" pitchFamily="34" charset="0"/>
+                <a:ea typeface="Tahoma" panose="020B0604030504040204" pitchFamily="34" charset="0"/>
+                <a:cs typeface="Tahoma" panose="020B0604030504040204" pitchFamily="34" charset="0"/>
+              </a:rPr>
+              <a:t>đề</a:t>
+            </a:r>
+            <a:r>
+              <a:rPr lang="en-GB" sz="3200" dirty="0">
+                <a:latin typeface="Tahoma" panose="020B0604030504040204" pitchFamily="34" charset="0"/>
+                <a:ea typeface="Tahoma" panose="020B0604030504040204" pitchFamily="34" charset="0"/>
+                <a:cs typeface="Tahoma" panose="020B0604030504040204" pitchFamily="34" charset="0"/>
+              </a:rPr>
+              <a:t> regression </a:t>
+            </a:r>
+            <a:r>
+              <a:rPr lang="en-GB" sz="3200" dirty="0" err="1">
+                <a:latin typeface="Tahoma" panose="020B0604030504040204" pitchFamily="34" charset="0"/>
+                <a:ea typeface="Tahoma" panose="020B0604030504040204" pitchFamily="34" charset="0"/>
+                <a:cs typeface="Tahoma" panose="020B0604030504040204" pitchFamily="34" charset="0"/>
+              </a:rPr>
+              <a:t>cho</a:t>
+            </a:r>
+            <a:r>
+              <a:rPr lang="en-GB" sz="3200" dirty="0">
+                <a:latin typeface="Tahoma" panose="020B0604030504040204" pitchFamily="34" charset="0"/>
+                <a:ea typeface="Tahoma" panose="020B0604030504040204" pitchFamily="34" charset="0"/>
+                <a:cs typeface="Tahoma" panose="020B0604030504040204" pitchFamily="34" charset="0"/>
+              </a:rPr>
+              <a:t> </a:t>
+            </a:r>
+            <a:r>
+              <a:rPr lang="en-GB" sz="3200" dirty="0" err="1">
+                <a:latin typeface="Tahoma" panose="020B0604030504040204" pitchFamily="34" charset="0"/>
+                <a:ea typeface="Tahoma" panose="020B0604030504040204" pitchFamily="34" charset="0"/>
+                <a:cs typeface="Tahoma" panose="020B0604030504040204" pitchFamily="34" charset="0"/>
+              </a:rPr>
+              <a:t>bài</a:t>
+            </a:r>
+            <a:r>
+              <a:rPr lang="en-GB" sz="3200" dirty="0">
+                <a:latin typeface="Tahoma" panose="020B0604030504040204" pitchFamily="34" charset="0"/>
+                <a:ea typeface="Tahoma" panose="020B0604030504040204" pitchFamily="34" charset="0"/>
+                <a:cs typeface="Tahoma" panose="020B0604030504040204" pitchFamily="34" charset="0"/>
+              </a:rPr>
+              <a:t> </a:t>
+            </a:r>
+            <a:r>
+              <a:rPr lang="en-GB" sz="3200" dirty="0" err="1">
+                <a:latin typeface="Tahoma" panose="020B0604030504040204" pitchFamily="34" charset="0"/>
+                <a:ea typeface="Tahoma" panose="020B0604030504040204" pitchFamily="34" charset="0"/>
+                <a:cs typeface="Tahoma" panose="020B0604030504040204" pitchFamily="34" charset="0"/>
+              </a:rPr>
+              <a:t>toán</a:t>
+            </a:r>
+            <a:r>
+              <a:rPr lang="en-GB" sz="3200" dirty="0">
+                <a:latin typeface="Tahoma" panose="020B0604030504040204" pitchFamily="34" charset="0"/>
+                <a:ea typeface="Tahoma" panose="020B0604030504040204" pitchFamily="34" charset="0"/>
+                <a:cs typeface="Tahoma" panose="020B0604030504040204" pitchFamily="34" charset="0"/>
+              </a:rPr>
+              <a:t> </a:t>
+            </a:r>
+            <a:r>
+              <a:rPr lang="en-GB" sz="3200" dirty="0" err="1">
+                <a:latin typeface="Tahoma" panose="020B0604030504040204" pitchFamily="34" charset="0"/>
+                <a:ea typeface="Tahoma" panose="020B0604030504040204" pitchFamily="34" charset="0"/>
+                <a:cs typeface="Tahoma" panose="020B0604030504040204" pitchFamily="34" charset="0"/>
+              </a:rPr>
+              <a:t>này</a:t>
+            </a:r>
+            <a:r>
+              <a:rPr lang="en-GB" sz="3200" dirty="0">
+                <a:latin typeface="Tahoma" panose="020B0604030504040204" pitchFamily="34" charset="0"/>
+                <a:ea typeface="Tahoma" panose="020B0604030504040204" pitchFamily="34" charset="0"/>
+                <a:cs typeface="Tahoma" panose="020B0604030504040204" pitchFamily="34" charset="0"/>
+              </a:rPr>
+              <a:t>.</a:t>
+            </a:r>
+          </a:p>
+          <a:p>
+            <a:r>
+              <a:rPr lang="en-GB" sz="3200" dirty="0" err="1">
+                <a:latin typeface="Tahoma" panose="020B0604030504040204" pitchFamily="34" charset="0"/>
+                <a:ea typeface="Tahoma" panose="020B0604030504040204" pitchFamily="34" charset="0"/>
+                <a:cs typeface="Tahoma" panose="020B0604030504040204" pitchFamily="34" charset="0"/>
+              </a:rPr>
+              <a:t>Chiến</a:t>
+            </a:r>
+            <a:r>
+              <a:rPr lang="en-GB" sz="3200" dirty="0">
+                <a:latin typeface="Tahoma" panose="020B0604030504040204" pitchFamily="34" charset="0"/>
+                <a:ea typeface="Tahoma" panose="020B0604030504040204" pitchFamily="34" charset="0"/>
+                <a:cs typeface="Tahoma" panose="020B0604030504040204" pitchFamily="34" charset="0"/>
+              </a:rPr>
+              <a:t> l</a:t>
             </a:r>
             <a:r>
               <a:rPr lang="vi-VN" sz="3200" dirty="0">
@@ -6987,105 +7765,95 @@
                 <a:ea typeface="Tahoma" panose="020B0604030504040204" pitchFamily="34" charset="0"/>
                 <a:cs typeface="Tahoma" panose="020B0604030504040204" pitchFamily="34" charset="0"/>
               </a:rPr>
-              <a:t>nhiều</a:t>
-            </a:r>
-            <a:r>
-              <a:rPr lang="en-GB" sz="3200" dirty="0">
-                <a:latin typeface="Tahoma" panose="020B0604030504040204" pitchFamily="34" charset="0"/>
-                <a:ea typeface="Tahoma" panose="020B0604030504040204" pitchFamily="34" charset="0"/>
-                <a:cs typeface="Tahoma" panose="020B0604030504040204" pitchFamily="34" charset="0"/>
-              </a:rPr>
-              <a:t> </a:t>
-            </a:r>
-            <a:r>
-              <a:rPr lang="en-GB" sz="3200" dirty="0" err="1">
-                <a:latin typeface="Tahoma" panose="020B0604030504040204" pitchFamily="34" charset="0"/>
-                <a:ea typeface="Tahoma" panose="020B0604030504040204" pitchFamily="34" charset="0"/>
-                <a:cs typeface="Tahoma" panose="020B0604030504040204" pitchFamily="34" charset="0"/>
-              </a:rPr>
-              <a:t>thuật</a:t>
-            </a:r>
-            <a:r>
-              <a:rPr lang="en-GB" sz="3200" dirty="0">
-                <a:latin typeface="Tahoma" panose="020B0604030504040204" pitchFamily="34" charset="0"/>
-                <a:ea typeface="Tahoma" panose="020B0604030504040204" pitchFamily="34" charset="0"/>
-                <a:cs typeface="Tahoma" panose="020B0604030504040204" pitchFamily="34" charset="0"/>
-              </a:rPr>
-              <a:t> </a:t>
-            </a:r>
-            <a:r>
-              <a:rPr lang="en-GB" sz="3200" dirty="0" err="1">
-                <a:latin typeface="Tahoma" panose="020B0604030504040204" pitchFamily="34" charset="0"/>
-                <a:ea typeface="Tahoma" panose="020B0604030504040204" pitchFamily="34" charset="0"/>
-                <a:cs typeface="Tahoma" panose="020B0604030504040204" pitchFamily="34" charset="0"/>
-              </a:rPr>
-              <a:t>toán</a:t>
-            </a:r>
-            <a:r>
-              <a:rPr lang="en-GB" sz="3200" dirty="0">
-                <a:latin typeface="Tahoma" panose="020B0604030504040204" pitchFamily="34" charset="0"/>
-                <a:ea typeface="Tahoma" panose="020B0604030504040204" pitchFamily="34" charset="0"/>
-                <a:cs typeface="Tahoma" panose="020B0604030504040204" pitchFamily="34" charset="0"/>
-              </a:rPr>
-              <a:t> classification.</a:t>
-            </a:r>
-          </a:p>
-          <a:p>
-            <a:r>
-              <a:rPr lang="en-GB" sz="3200" dirty="0" err="1">
-                <a:latin typeface="Tahoma" panose="020B0604030504040204" pitchFamily="34" charset="0"/>
-                <a:ea typeface="Tahoma" panose="020B0604030504040204" pitchFamily="34" charset="0"/>
-                <a:cs typeface="Tahoma" panose="020B0604030504040204" pitchFamily="34" charset="0"/>
-              </a:rPr>
-              <a:t>Kết</a:t>
-            </a:r>
-            <a:r>
-              <a:rPr lang="en-GB" sz="3200" dirty="0">
-                <a:latin typeface="Tahoma" panose="020B0604030504040204" pitchFamily="34" charset="0"/>
-                <a:ea typeface="Tahoma" panose="020B0604030504040204" pitchFamily="34" charset="0"/>
-                <a:cs typeface="Tahoma" panose="020B0604030504040204" pitchFamily="34" charset="0"/>
-              </a:rPr>
-              <a:t> </a:t>
-            </a:r>
-            <a:r>
-              <a:rPr lang="en-GB" sz="3200" dirty="0" err="1">
-                <a:latin typeface="Tahoma" panose="020B0604030504040204" pitchFamily="34" charset="0"/>
-                <a:ea typeface="Tahoma" panose="020B0604030504040204" pitchFamily="34" charset="0"/>
-                <a:cs typeface="Tahoma" panose="020B0604030504040204" pitchFamily="34" charset="0"/>
-              </a:rPr>
-              <a:t>quả</a:t>
-            </a:r>
-            <a:r>
-              <a:rPr lang="en-GB" sz="3200" dirty="0">
-                <a:latin typeface="Tahoma" panose="020B0604030504040204" pitchFamily="34" charset="0"/>
-                <a:ea typeface="Tahoma" panose="020B0604030504040204" pitchFamily="34" charset="0"/>
-                <a:cs typeface="Tahoma" panose="020B0604030504040204" pitchFamily="34" charset="0"/>
-              </a:rPr>
-              <a:t> </a:t>
-            </a:r>
-            <a:r>
-              <a:rPr lang="en-GB" sz="3200" dirty="0" err="1">
-                <a:latin typeface="Tahoma" panose="020B0604030504040204" pitchFamily="34" charset="0"/>
-                <a:ea typeface="Tahoma" panose="020B0604030504040204" pitchFamily="34" charset="0"/>
-                <a:cs typeface="Tahoma" panose="020B0604030504040204" pitchFamily="34" charset="0"/>
-              </a:rPr>
-              <a:t>khá</a:t>
-            </a:r>
-            <a:r>
-              <a:rPr lang="en-GB" sz="3200" dirty="0">
-                <a:latin typeface="Tahoma" panose="020B0604030504040204" pitchFamily="34" charset="0"/>
-                <a:ea typeface="Tahoma" panose="020B0604030504040204" pitchFamily="34" charset="0"/>
-                <a:cs typeface="Tahoma" panose="020B0604030504040204" pitchFamily="34" charset="0"/>
-              </a:rPr>
-              <a:t> </a:t>
-            </a:r>
-            <a:r>
-              <a:rPr lang="en-GB" sz="3200" dirty="0" err="1">
-                <a:latin typeface="Tahoma" panose="020B0604030504040204" pitchFamily="34" charset="0"/>
-                <a:ea typeface="Tahoma" panose="020B0604030504040204" pitchFamily="34" charset="0"/>
-                <a:cs typeface="Tahoma" panose="020B0604030504040204" pitchFamily="34" charset="0"/>
-              </a:rPr>
-              <a:t>nh</a:t>
+              <a:t>để</a:t>
+            </a:r>
+            <a:r>
+              <a:rPr lang="en-GB" sz="3200" dirty="0">
+                <a:latin typeface="Tahoma" panose="020B0604030504040204" pitchFamily="34" charset="0"/>
+                <a:ea typeface="Tahoma" panose="020B0604030504040204" pitchFamily="34" charset="0"/>
+                <a:cs typeface="Tahoma" panose="020B0604030504040204" pitchFamily="34" charset="0"/>
+              </a:rPr>
+              <a:t> </a:t>
+            </a:r>
+            <a:r>
+              <a:rPr lang="en-GB" sz="3200" dirty="0" err="1">
+                <a:latin typeface="Tahoma" panose="020B0604030504040204" pitchFamily="34" charset="0"/>
+                <a:ea typeface="Tahoma" panose="020B0604030504040204" pitchFamily="34" charset="0"/>
+                <a:cs typeface="Tahoma" panose="020B0604030504040204" pitchFamily="34" charset="0"/>
+              </a:rPr>
+              <a:t>chọn</a:t>
+            </a:r>
+            <a:r>
+              <a:rPr lang="en-GB" sz="3200" dirty="0">
+                <a:latin typeface="Tahoma" panose="020B0604030504040204" pitchFamily="34" charset="0"/>
+                <a:ea typeface="Tahoma" panose="020B0604030504040204" pitchFamily="34" charset="0"/>
+                <a:cs typeface="Tahoma" panose="020B0604030504040204" pitchFamily="34" charset="0"/>
+              </a:rPr>
+              <a:t> </a:t>
+            </a:r>
+            <a:r>
+              <a:rPr lang="en-GB" sz="3200" dirty="0" err="1">
+                <a:latin typeface="Tahoma" panose="020B0604030504040204" pitchFamily="34" charset="0"/>
+                <a:ea typeface="Tahoma" panose="020B0604030504040204" pitchFamily="34" charset="0"/>
+                <a:cs typeface="Tahoma" panose="020B0604030504040204" pitchFamily="34" charset="0"/>
+              </a:rPr>
+              <a:t>ra</a:t>
+            </a:r>
+            <a:r>
+              <a:rPr lang="en-GB" sz="3200" dirty="0">
+                <a:latin typeface="Tahoma" panose="020B0604030504040204" pitchFamily="34" charset="0"/>
+                <a:ea typeface="Tahoma" panose="020B0604030504040204" pitchFamily="34" charset="0"/>
+                <a:cs typeface="Tahoma" panose="020B0604030504040204" pitchFamily="34" charset="0"/>
+              </a:rPr>
+              <a:t> </a:t>
+            </a:r>
+            <a:r>
+              <a:rPr lang="en-GB" sz="3200" dirty="0" err="1">
+                <a:latin typeface="Tahoma" panose="020B0604030504040204" pitchFamily="34" charset="0"/>
+                <a:ea typeface="Tahoma" panose="020B0604030504040204" pitchFamily="34" charset="0"/>
+                <a:cs typeface="Tahoma" panose="020B0604030504040204" pitchFamily="34" charset="0"/>
+              </a:rPr>
+              <a:t>mô</a:t>
+            </a:r>
+            <a:r>
+              <a:rPr lang="en-GB" sz="3200" dirty="0">
+                <a:latin typeface="Tahoma" panose="020B0604030504040204" pitchFamily="34" charset="0"/>
+                <a:ea typeface="Tahoma" panose="020B0604030504040204" pitchFamily="34" charset="0"/>
+                <a:cs typeface="Tahoma" panose="020B0604030504040204" pitchFamily="34" charset="0"/>
+              </a:rPr>
+              <a:t> </a:t>
+            </a:r>
+            <a:r>
+              <a:rPr lang="en-GB" sz="3200" dirty="0" err="1">
+                <a:latin typeface="Tahoma" panose="020B0604030504040204" pitchFamily="34" charset="0"/>
+                <a:ea typeface="Tahoma" panose="020B0604030504040204" pitchFamily="34" charset="0"/>
+                <a:cs typeface="Tahoma" panose="020B0604030504040204" pitchFamily="34" charset="0"/>
+              </a:rPr>
+              <a:t>hình</a:t>
+            </a:r>
+            <a:r>
+              <a:rPr lang="en-GB" sz="3200" dirty="0">
+                <a:latin typeface="Tahoma" panose="020B0604030504040204" pitchFamily="34" charset="0"/>
+                <a:ea typeface="Tahoma" panose="020B0604030504040204" pitchFamily="34" charset="0"/>
+                <a:cs typeface="Tahoma" panose="020B0604030504040204" pitchFamily="34" charset="0"/>
+              </a:rPr>
+              <a:t> </a:t>
+            </a:r>
+            <a:r>
+              <a:rPr lang="en-GB" sz="3200" dirty="0" err="1">
+                <a:latin typeface="Tahoma" panose="020B0604030504040204" pitchFamily="34" charset="0"/>
+                <a:ea typeface="Tahoma" panose="020B0604030504040204" pitchFamily="34" charset="0"/>
+                <a:cs typeface="Tahoma" panose="020B0604030504040204" pitchFamily="34" charset="0"/>
+              </a:rPr>
+              <a:t>tối</a:t>
+            </a:r>
+            <a:r>
+              <a:rPr lang="en-GB" sz="3200" dirty="0">
+                <a:latin typeface="Tahoma" panose="020B0604030504040204" pitchFamily="34" charset="0"/>
+                <a:ea typeface="Tahoma" panose="020B0604030504040204" pitchFamily="34" charset="0"/>
+                <a:cs typeface="Tahoma" panose="020B0604030504040204" pitchFamily="34" charset="0"/>
+              </a:rPr>
+              <a:t> </a:t>
             </a:r>
             <a:r>
               <a:rPr lang="vi-VN" sz="3200" dirty="0">
@@ -7096,53 +7864,18 @@
               <a:t>ư</a:t>
             </a:r>
             <a:r>
-              <a:rPr lang="en-GB" sz="3200" dirty="0">
-                <a:latin typeface="Tahoma" panose="020B0604030504040204" pitchFamily="34" charset="0"/>
-                <a:ea typeface="Tahoma" panose="020B0604030504040204" pitchFamily="34" charset="0"/>
-                <a:cs typeface="Tahoma" panose="020B0604030504040204" pitchFamily="34" charset="0"/>
-              </a:rPr>
-              <a:t>ng </a:t>
-            </a:r>
-            <a:r>
-              <a:rPr lang="en-GB" sz="3200" dirty="0" err="1">
-                <a:latin typeface="Tahoma" panose="020B0604030504040204" pitchFamily="34" charset="0"/>
-                <a:ea typeface="Tahoma" panose="020B0604030504040204" pitchFamily="34" charset="0"/>
-                <a:cs typeface="Tahoma" panose="020B0604030504040204" pitchFamily="34" charset="0"/>
-              </a:rPr>
-              <a:t>ch</a:t>
-            </a:r>
-            <a:r>
-              <a:rPr lang="vi-VN" sz="3200" dirty="0">
-                <a:latin typeface="Tahoma" panose="020B0604030504040204" pitchFamily="34" charset="0"/>
-                <a:ea typeface="Tahoma" panose="020B0604030504040204" pitchFamily="34" charset="0"/>
-                <a:cs typeface="Tahoma" panose="020B0604030504040204" pitchFamily="34" charset="0"/>
-              </a:rPr>
-              <a:t>ư</a:t>
-            </a:r>
-            <a:r>
-              <a:rPr lang="en-GB" sz="3200" dirty="0">
-                <a:latin typeface="Tahoma" panose="020B0604030504040204" pitchFamily="34" charset="0"/>
-                <a:ea typeface="Tahoma" panose="020B0604030504040204" pitchFamily="34" charset="0"/>
-                <a:cs typeface="Tahoma" panose="020B0604030504040204" pitchFamily="34" charset="0"/>
-              </a:rPr>
-              <a:t>a </a:t>
-            </a:r>
-            <a:r>
-              <a:rPr lang="en-GB" sz="3200" dirty="0" err="1">
-                <a:latin typeface="Tahoma" panose="020B0604030504040204" pitchFamily="34" charset="0"/>
-                <a:ea typeface="Tahoma" panose="020B0604030504040204" pitchFamily="34" charset="0"/>
-                <a:cs typeface="Tahoma" panose="020B0604030504040204" pitchFamily="34" charset="0"/>
-              </a:rPr>
-              <a:t>tốt</a:t>
-            </a:r>
-            <a:r>
-              <a:rPr lang="en-GB" sz="3200" dirty="0">
-                <a:latin typeface="Tahoma" panose="020B0604030504040204" pitchFamily="34" charset="0"/>
-                <a:ea typeface="Tahoma" panose="020B0604030504040204" pitchFamily="34" charset="0"/>
-                <a:cs typeface="Tahoma" panose="020B0604030504040204" pitchFamily="34" charset="0"/>
-              </a:rPr>
-              <a:t>.</a:t>
-            </a:r>
+              <a:rPr lang="en-GB" sz="3200">
+                <a:latin typeface="Tahoma" panose="020B0604030504040204" pitchFamily="34" charset="0"/>
+                <a:ea typeface="Tahoma" panose="020B0604030504040204" pitchFamily="34" charset="0"/>
+                <a:cs typeface="Tahoma" panose="020B0604030504040204" pitchFamily="34" charset="0"/>
+              </a:rPr>
+              <a:t>u.</a:t>
+            </a:r>
+            <a:endParaRPr lang="en-GB" sz="3200" dirty="0">
+              <a:latin typeface="Tahoma" panose="020B0604030504040204" pitchFamily="34" charset="0"/>
+              <a:ea typeface="Tahoma" panose="020B0604030504040204" pitchFamily="34" charset="0"/>
+              <a:cs typeface="Tahoma" panose="020B0604030504040204" pitchFamily="34" charset="0"/>
+            </a:endParaRPr>
           </a:p>
         </p:txBody>
       </p:sp>
@@ -7178,7 +7911,7 @@
     </p:spTree>
     <p:extLst>
       <p:ext uri="{BB962C8B-B14F-4D97-AF65-F5344CB8AC3E}">
-        <p14:creationId xmlns:p14="http://schemas.microsoft.com/office/powerpoint/2010/main" val="692421785"/>
+        <p14:creationId xmlns:p14="http://schemas.microsoft.com/office/powerpoint/2010/main" val="908176585"/>
       </p:ext>
     </p:extLst>
   </p:cSld>
@@ -9401,7 +10134,7 @@
         <p:spPr>
           <a:xfrm>
             <a:off x="822537" y="1690688"/>
-            <a:ext cx="2786425" cy="584775"/>
+            <a:ext cx="3108440" cy="584775"/>
           </a:xfrm>
           <a:prstGeom prst="rect">
             <a:avLst/>
@@ -9446,11 +10179,14 @@
               </a:rPr>
               <a:t>tính</a:t>
             </a:r>
-            <a:endParaRPr lang="en-GB" sz="3200" dirty="0">
-              <a:latin typeface="Tahoma" panose="020B0604030504040204" pitchFamily="34" charset="0"/>
-              <a:ea typeface="Tahoma" panose="020B0604030504040204" pitchFamily="34" charset="0"/>
-              <a:cs typeface="Tahoma" panose="020B0604030504040204" pitchFamily="34" charset="0"/>
-            </a:endParaRPr>
+            <a:r>
+              <a:rPr lang="en-GB" sz="3200" dirty="0">
+                <a:latin typeface="Tahoma" panose="020B0604030504040204" pitchFamily="34" charset="0"/>
+                <a:ea typeface="Tahoma" panose="020B0604030504040204" pitchFamily="34" charset="0"/>
+                <a:cs typeface="Tahoma" panose="020B0604030504040204" pitchFamily="34" charset="0"/>
+              </a:rPr>
+              <a:t>:</a:t>
+            </a:r>
           </a:p>
         </p:txBody>
       </p:sp>

--- a/Report/1612888_1612892.pptx
+++ b/Report/1612888_1612892.pptx
@@ -5,10 +5,10 @@
     <p:sldMasterId id="2147483732" r:id="rId1"/>
   </p:sldMasterIdLst>
   <p:notesMasterIdLst>
-    <p:notesMasterId r:id="rId21"/>
+    <p:notesMasterId r:id="rId22"/>
   </p:notesMasterIdLst>
   <p:handoutMasterIdLst>
-    <p:handoutMasterId r:id="rId22"/>
+    <p:handoutMasterId r:id="rId23"/>
   </p:handoutMasterIdLst>
   <p:sldIdLst>
     <p:sldId id="256" r:id="rId2"/>
@@ -17,19 +17,20 @@
     <p:sldId id="259" r:id="rId5"/>
     <p:sldId id="260" r:id="rId6"/>
     <p:sldId id="271" r:id="rId7"/>
-    <p:sldId id="261" r:id="rId8"/>
-    <p:sldId id="262" r:id="rId9"/>
-    <p:sldId id="263" r:id="rId10"/>
-    <p:sldId id="264" r:id="rId11"/>
-    <p:sldId id="265" r:id="rId12"/>
-    <p:sldId id="266" r:id="rId13"/>
-    <p:sldId id="267" r:id="rId14"/>
-    <p:sldId id="272" r:id="rId15"/>
-    <p:sldId id="273" r:id="rId16"/>
-    <p:sldId id="268" r:id="rId17"/>
-    <p:sldId id="274" r:id="rId18"/>
-    <p:sldId id="269" r:id="rId19"/>
-    <p:sldId id="270" r:id="rId20"/>
+    <p:sldId id="275" r:id="rId8"/>
+    <p:sldId id="261" r:id="rId9"/>
+    <p:sldId id="262" r:id="rId10"/>
+    <p:sldId id="263" r:id="rId11"/>
+    <p:sldId id="264" r:id="rId12"/>
+    <p:sldId id="265" r:id="rId13"/>
+    <p:sldId id="266" r:id="rId14"/>
+    <p:sldId id="267" r:id="rId15"/>
+    <p:sldId id="272" r:id="rId16"/>
+    <p:sldId id="273" r:id="rId17"/>
+    <p:sldId id="268" r:id="rId18"/>
+    <p:sldId id="274" r:id="rId19"/>
+    <p:sldId id="269" r:id="rId20"/>
+    <p:sldId id="270" r:id="rId21"/>
   </p:sldIdLst>
   <p:sldSz cx="12192000" cy="6858000"/>
   <p:notesSz cx="6858000" cy="9144000"/>
@@ -230,7 +231,7 @@
           <a:p>
             <a:fld id="{801B51A1-33F2-43BF-B88B-CA2517E2224B}" type="datetimeFigureOut">
               <a:rPr lang="en-GB" smtClean="0"/>
-              <a:t>08/01/2020</a:t>
+              <a:t>10/01/2020</a:t>
             </a:fld>
             <a:endParaRPr lang="en-GB"/>
           </a:p>
@@ -408,7 +409,7 @@
           <a:p>
             <a:fld id="{E5382C3E-BB42-4C5A-8E33-9F085A012E47}" type="datetimeFigureOut">
               <a:rPr lang="en-GB" smtClean="0"/>
-              <a:t>08/01/2020</a:t>
+              <a:t>10/01/2020</a:t>
             </a:fld>
             <a:endParaRPr lang="en-GB"/>
           </a:p>
@@ -826,7 +827,7 @@
           <a:p>
             <a:fld id="{818962B4-994D-4EF0-B9A1-08C2EDF0B033}" type="datetime1">
               <a:rPr lang="en-GB" smtClean="0"/>
-              <a:t>08/01/2020</a:t>
+              <a:t>10/01/2020</a:t>
             </a:fld>
             <a:endParaRPr lang="en-GB"/>
           </a:p>
@@ -1026,7 +1027,7 @@
           <a:p>
             <a:fld id="{1B5D31E8-AE45-42FD-BAAC-810F33557163}" type="datetime1">
               <a:rPr lang="en-GB" smtClean="0"/>
-              <a:t>08/01/2020</a:t>
+              <a:t>10/01/2020</a:t>
             </a:fld>
             <a:endParaRPr lang="en-GB"/>
           </a:p>
@@ -1236,7 +1237,7 @@
           <a:p>
             <a:fld id="{69EDC7B6-7CEE-4FEF-8116-282F52D1CF9B}" type="datetime1">
               <a:rPr lang="en-GB" smtClean="0"/>
-              <a:t>08/01/2020</a:t>
+              <a:t>10/01/2020</a:t>
             </a:fld>
             <a:endParaRPr lang="en-GB"/>
           </a:p>
@@ -1436,7 +1437,7 @@
           <a:p>
             <a:fld id="{779ACF13-8E6D-45A1-A115-02E4A8AE7AC2}" type="datetime1">
               <a:rPr lang="en-GB" smtClean="0"/>
-              <a:t>08/01/2020</a:t>
+              <a:t>10/01/2020</a:t>
             </a:fld>
             <a:endParaRPr lang="en-GB"/>
           </a:p>
@@ -1712,7 +1713,7 @@
           <a:p>
             <a:fld id="{61432607-8660-4B1A-AF25-5BA9EFBAA24A}" type="datetime1">
               <a:rPr lang="en-GB" smtClean="0"/>
-              <a:t>08/01/2020</a:t>
+              <a:t>10/01/2020</a:t>
             </a:fld>
             <a:endParaRPr lang="en-GB"/>
           </a:p>
@@ -1980,7 +1981,7 @@
           <a:p>
             <a:fld id="{58C3425D-39D3-4BBE-A8CF-80CA2A5B9E11}" type="datetime1">
               <a:rPr lang="en-GB" smtClean="0"/>
-              <a:t>08/01/2020</a:t>
+              <a:t>10/01/2020</a:t>
             </a:fld>
             <a:endParaRPr lang="en-GB"/>
           </a:p>
@@ -2395,7 +2396,7 @@
           <a:p>
             <a:fld id="{B2F77189-148C-4AB6-A3EF-F877C67B133B}" type="datetime1">
               <a:rPr lang="en-GB" smtClean="0"/>
-              <a:t>08/01/2020</a:t>
+              <a:t>10/01/2020</a:t>
             </a:fld>
             <a:endParaRPr lang="en-GB"/>
           </a:p>
@@ -2537,7 +2538,7 @@
           <a:p>
             <a:fld id="{0F2C9431-73BF-4B93-AAD1-FEA4D7D7B612}" type="datetime1">
               <a:rPr lang="en-GB" smtClean="0"/>
-              <a:t>08/01/2020</a:t>
+              <a:t>10/01/2020</a:t>
             </a:fld>
             <a:endParaRPr lang="en-GB"/>
           </a:p>
@@ -2650,7 +2651,7 @@
           <a:p>
             <a:fld id="{3EF196F2-FB64-4A87-B7DB-9C7A17082C3C}" type="datetime1">
               <a:rPr lang="en-GB" smtClean="0"/>
-              <a:t>08/01/2020</a:t>
+              <a:t>10/01/2020</a:t>
             </a:fld>
             <a:endParaRPr lang="en-GB"/>
           </a:p>
@@ -2963,7 +2964,7 @@
           <a:p>
             <a:fld id="{3CB3DB07-7B6E-4B6C-87C2-74C5345FAE74}" type="datetime1">
               <a:rPr lang="en-GB" smtClean="0"/>
-              <a:t>08/01/2020</a:t>
+              <a:t>10/01/2020</a:t>
             </a:fld>
             <a:endParaRPr lang="en-GB"/>
           </a:p>
@@ -3252,7 +3253,7 @@
           <a:p>
             <a:fld id="{289D0E9F-E97C-4C56-B4F3-7FBD2DEDF26E}" type="datetime1">
               <a:rPr lang="en-GB" smtClean="0"/>
-              <a:t>08/01/2020</a:t>
+              <a:t>10/01/2020</a:t>
             </a:fld>
             <a:endParaRPr lang="en-GB"/>
           </a:p>
@@ -3495,7 +3496,7 @@
           <a:p>
             <a:fld id="{4BC6CE1E-3D9F-4A51-9EE4-7C6DD4633E40}" type="datetime1">
               <a:rPr lang="en-GB" smtClean="0"/>
-              <a:t>08/01/2020</a:t>
+              <a:t>10/01/2020</a:t>
             </a:fld>
             <a:endParaRPr lang="en-GB"/>
           </a:p>
@@ -4299,7 +4300,7 @@
                 <a:ea typeface="Tahoma" panose="020B0604030504040204" pitchFamily="34" charset="0"/>
                 <a:cs typeface="Tahoma" panose="020B0604030504040204" pitchFamily="34" charset="0"/>
               </a:rPr>
-              <a:t>Decision Tree</a:t>
+              <a:t>Logistic Regression</a:t>
             </a:r>
           </a:p>
         </p:txBody>
@@ -4309,7 +4310,7 @@
           <p:cNvPr id="5" name="Picture 4">
             <a:extLst>
               <a:ext uri="{FF2B5EF4-FFF2-40B4-BE49-F238E27FC236}">
-                <a16:creationId xmlns:a16="http://schemas.microsoft.com/office/drawing/2014/main" id="{A47C9792-765C-4A48-A070-24FD34B9FD6C}"/>
+                <a16:creationId xmlns:a16="http://schemas.microsoft.com/office/drawing/2014/main" id="{04D878C6-8988-428D-BB58-1B2D6AEF88AE}"/>
               </a:ext>
             </a:extLst>
           </p:cNvPr>
@@ -4324,8 +4325,8 @@
         </p:blipFill>
         <p:spPr>
           <a:xfrm>
-            <a:off x="1722457" y="2570243"/>
-            <a:ext cx="9007151" cy="2945339"/>
+            <a:off x="1488992" y="2650849"/>
+            <a:ext cx="9658906" cy="3059288"/>
           </a:xfrm>
           <a:prstGeom prst="rect">
             <a:avLst/>
@@ -4337,7 +4338,7 @@
           <p:cNvPr id="4" name="Slide Number Placeholder 3">
             <a:extLst>
               <a:ext uri="{FF2B5EF4-FFF2-40B4-BE49-F238E27FC236}">
-                <a16:creationId xmlns:a16="http://schemas.microsoft.com/office/drawing/2014/main" id="{7DE1C572-35DD-4576-925B-DC43294D656E}"/>
+                <a16:creationId xmlns:a16="http://schemas.microsoft.com/office/drawing/2014/main" id="{A6A2CF8B-6222-4BDD-98FB-7B72D7D9707D}"/>
               </a:ext>
             </a:extLst>
           </p:cNvPr>
@@ -4364,7 +4365,7 @@
     </p:spTree>
     <p:extLst>
       <p:ext uri="{BB962C8B-B14F-4D97-AF65-F5344CB8AC3E}">
-        <p14:creationId xmlns:p14="http://schemas.microsoft.com/office/powerpoint/2010/main" val="651505526"/>
+        <p14:creationId xmlns:p14="http://schemas.microsoft.com/office/powerpoint/2010/main" val="1759306614"/>
       </p:ext>
     </p:extLst>
   </p:cSld>
@@ -4448,17 +4449,17 @@
                 <a:ea typeface="Tahoma" panose="020B0604030504040204" pitchFamily="34" charset="0"/>
                 <a:cs typeface="Tahoma" panose="020B0604030504040204" pitchFamily="34" charset="0"/>
               </a:rPr>
-              <a:t>Random Forest</a:t>
+              <a:t>Decision Tree</a:t>
             </a:r>
           </a:p>
         </p:txBody>
       </p:sp>
       <p:pic>
         <p:nvPicPr>
-          <p:cNvPr id="4" name="Picture 3">
-            <a:extLst>
-              <a:ext uri="{FF2B5EF4-FFF2-40B4-BE49-F238E27FC236}">
-                <a16:creationId xmlns:a16="http://schemas.microsoft.com/office/drawing/2014/main" id="{8842C511-1850-4596-A2F2-E74B584DB827}"/>
+          <p:cNvPr id="5" name="Picture 4">
+            <a:extLst>
+              <a:ext uri="{FF2B5EF4-FFF2-40B4-BE49-F238E27FC236}">
+                <a16:creationId xmlns:a16="http://schemas.microsoft.com/office/drawing/2014/main" id="{A47C9792-765C-4A48-A070-24FD34B9FD6C}"/>
               </a:ext>
             </a:extLst>
           </p:cNvPr>
@@ -4473,8 +4474,8 @@
         </p:blipFill>
         <p:spPr>
           <a:xfrm>
-            <a:off x="1936465" y="2315231"/>
-            <a:ext cx="8511041" cy="3861732"/>
+            <a:off x="1722457" y="2570243"/>
+            <a:ext cx="9007151" cy="2945339"/>
           </a:xfrm>
           <a:prstGeom prst="rect">
             <a:avLst/>
@@ -4483,10 +4484,10 @@
       </p:pic>
       <p:sp>
         <p:nvSpPr>
-          <p:cNvPr id="5" name="Slide Number Placeholder 4">
-            <a:extLst>
-              <a:ext uri="{FF2B5EF4-FFF2-40B4-BE49-F238E27FC236}">
-                <a16:creationId xmlns:a16="http://schemas.microsoft.com/office/drawing/2014/main" id="{07613489-4D56-4BEE-AD67-BC4350B4CC5C}"/>
+          <p:cNvPr id="4" name="Slide Number Placeholder 3">
+            <a:extLst>
+              <a:ext uri="{FF2B5EF4-FFF2-40B4-BE49-F238E27FC236}">
+                <a16:creationId xmlns:a16="http://schemas.microsoft.com/office/drawing/2014/main" id="{7DE1C572-35DD-4576-925B-DC43294D656E}"/>
               </a:ext>
             </a:extLst>
           </p:cNvPr>
@@ -4513,7 +4514,7 @@
     </p:spTree>
     <p:extLst>
       <p:ext uri="{BB962C8B-B14F-4D97-AF65-F5344CB8AC3E}">
-        <p14:creationId xmlns:p14="http://schemas.microsoft.com/office/powerpoint/2010/main" val="1379172860"/>
+        <p14:creationId xmlns:p14="http://schemas.microsoft.com/office/powerpoint/2010/main" val="651505526"/>
       </p:ext>
     </p:extLst>
   </p:cSld>
@@ -4597,17 +4598,17 @@
                 <a:ea typeface="Tahoma" panose="020B0604030504040204" pitchFamily="34" charset="0"/>
                 <a:cs typeface="Tahoma" panose="020B0604030504040204" pitchFamily="34" charset="0"/>
               </a:rPr>
-              <a:t>KNN</a:t>
+              <a:t>Random Forest</a:t>
             </a:r>
           </a:p>
         </p:txBody>
       </p:sp>
       <p:pic>
         <p:nvPicPr>
-          <p:cNvPr id="5" name="Picture 4">
-            <a:extLst>
-              <a:ext uri="{FF2B5EF4-FFF2-40B4-BE49-F238E27FC236}">
-                <a16:creationId xmlns:a16="http://schemas.microsoft.com/office/drawing/2014/main" id="{45B70EEA-0BCE-418E-852F-3662342D5785}"/>
+          <p:cNvPr id="4" name="Picture 3">
+            <a:extLst>
+              <a:ext uri="{FF2B5EF4-FFF2-40B4-BE49-F238E27FC236}">
+                <a16:creationId xmlns:a16="http://schemas.microsoft.com/office/drawing/2014/main" id="{8842C511-1850-4596-A2F2-E74B584DB827}"/>
               </a:ext>
             </a:extLst>
           </p:cNvPr>
@@ -4622,8 +4623,8 @@
         </p:blipFill>
         <p:spPr>
           <a:xfrm>
-            <a:off x="1835616" y="2561414"/>
-            <a:ext cx="8520768" cy="2730432"/>
+            <a:off x="1936465" y="2315231"/>
+            <a:ext cx="8511041" cy="3861732"/>
           </a:xfrm>
           <a:prstGeom prst="rect">
             <a:avLst/>
@@ -4632,10 +4633,10 @@
       </p:pic>
       <p:sp>
         <p:nvSpPr>
-          <p:cNvPr id="4" name="Slide Number Placeholder 3">
-            <a:extLst>
-              <a:ext uri="{FF2B5EF4-FFF2-40B4-BE49-F238E27FC236}">
-                <a16:creationId xmlns:a16="http://schemas.microsoft.com/office/drawing/2014/main" id="{2F317875-4D16-45AF-9A42-2FF4BF9EF0A4}"/>
+          <p:cNvPr id="5" name="Slide Number Placeholder 4">
+            <a:extLst>
+              <a:ext uri="{FF2B5EF4-FFF2-40B4-BE49-F238E27FC236}">
+                <a16:creationId xmlns:a16="http://schemas.microsoft.com/office/drawing/2014/main" id="{07613489-4D56-4BEE-AD67-BC4350B4CC5C}"/>
               </a:ext>
             </a:extLst>
           </p:cNvPr>
@@ -4662,7 +4663,7 @@
     </p:spTree>
     <p:extLst>
       <p:ext uri="{BB962C8B-B14F-4D97-AF65-F5344CB8AC3E}">
-        <p14:creationId xmlns:p14="http://schemas.microsoft.com/office/powerpoint/2010/main" val="433576665"/>
+        <p14:creationId xmlns:p14="http://schemas.microsoft.com/office/powerpoint/2010/main" val="1379172860"/>
       </p:ext>
     </p:extLst>
   </p:cSld>
@@ -4730,15 +4731,10 @@
             <a:spLocks noGrp="1"/>
           </p:cNvSpPr>
           <p:nvPr>
-            <p:ph sz="half" idx="1"/>
-          </p:nvPr>
-        </p:nvSpPr>
-        <p:spPr>
-          <a:xfrm>
-            <a:off x="838200" y="1825625"/>
-            <a:ext cx="4969213" cy="4351338"/>
-          </a:xfrm>
-        </p:spPr>
+            <p:ph idx="1"/>
+          </p:nvPr>
+        </p:nvSpPr>
+        <p:spPr/>
         <p:txBody>
           <a:bodyPr>
             <a:normAutofit/>
@@ -4751,332 +4747,17 @@
                 <a:ea typeface="Tahoma" panose="020B0604030504040204" pitchFamily="34" charset="0"/>
                 <a:cs typeface="Tahoma" panose="020B0604030504040204" pitchFamily="34" charset="0"/>
               </a:rPr>
-              <a:t>Random Forest </a:t>
-            </a:r>
-            <a:r>
-              <a:rPr lang="en-GB" sz="3200" dirty="0" err="1">
-                <a:latin typeface="Tahoma" panose="020B0604030504040204" pitchFamily="34" charset="0"/>
-                <a:ea typeface="Tahoma" panose="020B0604030504040204" pitchFamily="34" charset="0"/>
-                <a:cs typeface="Tahoma" panose="020B0604030504040204" pitchFamily="34" charset="0"/>
-              </a:rPr>
-              <a:t>cho</a:t>
-            </a:r>
-            <a:r>
-              <a:rPr lang="en-GB" sz="3200" dirty="0">
-                <a:latin typeface="Tahoma" panose="020B0604030504040204" pitchFamily="34" charset="0"/>
-                <a:ea typeface="Tahoma" panose="020B0604030504040204" pitchFamily="34" charset="0"/>
-                <a:cs typeface="Tahoma" panose="020B0604030504040204" pitchFamily="34" charset="0"/>
-              </a:rPr>
-              <a:t> </a:t>
-            </a:r>
-            <a:r>
-              <a:rPr lang="en-GB" sz="3200" dirty="0" err="1">
-                <a:latin typeface="Tahoma" panose="020B0604030504040204" pitchFamily="34" charset="0"/>
-                <a:ea typeface="Tahoma" panose="020B0604030504040204" pitchFamily="34" charset="0"/>
-                <a:cs typeface="Tahoma" panose="020B0604030504040204" pitchFamily="34" charset="0"/>
-              </a:rPr>
-              <a:t>kết</a:t>
-            </a:r>
-            <a:r>
-              <a:rPr lang="en-GB" sz="3200" dirty="0">
-                <a:latin typeface="Tahoma" panose="020B0604030504040204" pitchFamily="34" charset="0"/>
-                <a:ea typeface="Tahoma" panose="020B0604030504040204" pitchFamily="34" charset="0"/>
-                <a:cs typeface="Tahoma" panose="020B0604030504040204" pitchFamily="34" charset="0"/>
-              </a:rPr>
-              <a:t> </a:t>
-            </a:r>
-            <a:r>
-              <a:rPr lang="en-GB" sz="3200" dirty="0" err="1">
-                <a:latin typeface="Tahoma" panose="020B0604030504040204" pitchFamily="34" charset="0"/>
-                <a:ea typeface="Tahoma" panose="020B0604030504040204" pitchFamily="34" charset="0"/>
-                <a:cs typeface="Tahoma" panose="020B0604030504040204" pitchFamily="34" charset="0"/>
-              </a:rPr>
-              <a:t>quả</a:t>
-            </a:r>
-            <a:r>
-              <a:rPr lang="en-GB" sz="3200" dirty="0">
-                <a:latin typeface="Tahoma" panose="020B0604030504040204" pitchFamily="34" charset="0"/>
-                <a:ea typeface="Tahoma" panose="020B0604030504040204" pitchFamily="34" charset="0"/>
-                <a:cs typeface="Tahoma" panose="020B0604030504040204" pitchFamily="34" charset="0"/>
-              </a:rPr>
-              <a:t> </a:t>
-            </a:r>
-            <a:r>
-              <a:rPr lang="en-GB" sz="3200" dirty="0" err="1">
-                <a:latin typeface="Tahoma" panose="020B0604030504040204" pitchFamily="34" charset="0"/>
-                <a:ea typeface="Tahoma" panose="020B0604030504040204" pitchFamily="34" charset="0"/>
-                <a:cs typeface="Tahoma" panose="020B0604030504040204" pitchFamily="34" charset="0"/>
-              </a:rPr>
-              <a:t>tốt</a:t>
-            </a:r>
-            <a:r>
-              <a:rPr lang="en-GB" sz="3200" dirty="0">
-                <a:latin typeface="Tahoma" panose="020B0604030504040204" pitchFamily="34" charset="0"/>
-                <a:ea typeface="Tahoma" panose="020B0604030504040204" pitchFamily="34" charset="0"/>
-                <a:cs typeface="Tahoma" panose="020B0604030504040204" pitchFamily="34" charset="0"/>
-              </a:rPr>
-              <a:t> </a:t>
-            </a:r>
-            <a:r>
-              <a:rPr lang="en-GB" sz="3200" dirty="0" err="1">
-                <a:latin typeface="Tahoma" panose="020B0604030504040204" pitchFamily="34" charset="0"/>
-                <a:ea typeface="Tahoma" panose="020B0604030504040204" pitchFamily="34" charset="0"/>
-                <a:cs typeface="Tahoma" panose="020B0604030504040204" pitchFamily="34" charset="0"/>
-              </a:rPr>
-              <a:t>nhất</a:t>
-            </a:r>
-            <a:r>
-              <a:rPr lang="en-GB" sz="3200" dirty="0">
-                <a:latin typeface="Tahoma" panose="020B0604030504040204" pitchFamily="34" charset="0"/>
-                <a:ea typeface="Tahoma" panose="020B0604030504040204" pitchFamily="34" charset="0"/>
-                <a:cs typeface="Tahoma" panose="020B0604030504040204" pitchFamily="34" charset="0"/>
-              </a:rPr>
-              <a:t>.</a:t>
-            </a:r>
-          </a:p>
-          <a:p>
-            <a:r>
-              <a:rPr lang="en-GB" sz="3200" dirty="0" err="1">
-                <a:latin typeface="Tahoma" panose="020B0604030504040204" pitchFamily="34" charset="0"/>
-                <a:ea typeface="Tahoma" panose="020B0604030504040204" pitchFamily="34" charset="0"/>
-                <a:cs typeface="Tahoma" panose="020B0604030504040204" pitchFamily="34" charset="0"/>
-              </a:rPr>
-              <a:t>Tùy</a:t>
-            </a:r>
-            <a:r>
-              <a:rPr lang="en-GB" sz="3200" dirty="0">
-                <a:latin typeface="Tahoma" panose="020B0604030504040204" pitchFamily="34" charset="0"/>
-                <a:ea typeface="Tahoma" panose="020B0604030504040204" pitchFamily="34" charset="0"/>
-                <a:cs typeface="Tahoma" panose="020B0604030504040204" pitchFamily="34" charset="0"/>
-              </a:rPr>
-              <a:t> </a:t>
-            </a:r>
-            <a:r>
-              <a:rPr lang="en-GB" sz="3200" dirty="0" err="1">
-                <a:latin typeface="Tahoma" panose="020B0604030504040204" pitchFamily="34" charset="0"/>
-                <a:ea typeface="Tahoma" panose="020B0604030504040204" pitchFamily="34" charset="0"/>
-                <a:cs typeface="Tahoma" panose="020B0604030504040204" pitchFamily="34" charset="0"/>
-              </a:rPr>
-              <a:t>chỉnh</a:t>
-            </a:r>
-            <a:r>
-              <a:rPr lang="en-GB" sz="3200" dirty="0">
-                <a:latin typeface="Tahoma" panose="020B0604030504040204" pitchFamily="34" charset="0"/>
-                <a:ea typeface="Tahoma" panose="020B0604030504040204" pitchFamily="34" charset="0"/>
-                <a:cs typeface="Tahoma" panose="020B0604030504040204" pitchFamily="34" charset="0"/>
-              </a:rPr>
-              <a:t> </a:t>
-            </a:r>
-            <a:r>
-              <a:rPr lang="en-GB" sz="3200" dirty="0" err="1">
-                <a:latin typeface="Tahoma" panose="020B0604030504040204" pitchFamily="34" charset="0"/>
-                <a:ea typeface="Tahoma" panose="020B0604030504040204" pitchFamily="34" charset="0"/>
-                <a:cs typeface="Tahoma" panose="020B0604030504040204" pitchFamily="34" charset="0"/>
-              </a:rPr>
-              <a:t>các</a:t>
-            </a:r>
-            <a:r>
-              <a:rPr lang="en-GB" sz="3200" dirty="0">
-                <a:latin typeface="Tahoma" panose="020B0604030504040204" pitchFamily="34" charset="0"/>
-                <a:ea typeface="Tahoma" panose="020B0604030504040204" pitchFamily="34" charset="0"/>
-                <a:cs typeface="Tahoma" panose="020B0604030504040204" pitchFamily="34" charset="0"/>
-              </a:rPr>
-              <a:t> </a:t>
-            </a:r>
-            <a:r>
-              <a:rPr lang="en-GB" sz="3200" dirty="0" err="1">
-                <a:latin typeface="Tahoma" panose="020B0604030504040204" pitchFamily="34" charset="0"/>
-                <a:ea typeface="Tahoma" panose="020B0604030504040204" pitchFamily="34" charset="0"/>
-                <a:cs typeface="Tahoma" panose="020B0604030504040204" pitchFamily="34" charset="0"/>
-              </a:rPr>
-              <a:t>giá</a:t>
-            </a:r>
-            <a:r>
-              <a:rPr lang="en-GB" sz="3200" dirty="0">
-                <a:latin typeface="Tahoma" panose="020B0604030504040204" pitchFamily="34" charset="0"/>
-                <a:ea typeface="Tahoma" panose="020B0604030504040204" pitchFamily="34" charset="0"/>
-                <a:cs typeface="Tahoma" panose="020B0604030504040204" pitchFamily="34" charset="0"/>
-              </a:rPr>
-              <a:t> </a:t>
-            </a:r>
-            <a:r>
-              <a:rPr lang="en-GB" sz="3200" dirty="0" err="1">
-                <a:latin typeface="Tahoma" panose="020B0604030504040204" pitchFamily="34" charset="0"/>
-                <a:ea typeface="Tahoma" panose="020B0604030504040204" pitchFamily="34" charset="0"/>
-                <a:cs typeface="Tahoma" panose="020B0604030504040204" pitchFamily="34" charset="0"/>
-              </a:rPr>
-              <a:t>trị</a:t>
-            </a:r>
-            <a:r>
-              <a:rPr lang="en-GB" sz="3200" dirty="0">
-                <a:latin typeface="Tahoma" panose="020B0604030504040204" pitchFamily="34" charset="0"/>
-                <a:ea typeface="Tahoma" panose="020B0604030504040204" pitchFamily="34" charset="0"/>
-                <a:cs typeface="Tahoma" panose="020B0604030504040204" pitchFamily="34" charset="0"/>
-              </a:rPr>
-              <a:t> </a:t>
-            </a:r>
-            <a:r>
-              <a:rPr lang="en-GB" sz="3200" dirty="0" err="1">
-                <a:latin typeface="Tahoma" panose="020B0604030504040204" pitchFamily="34" charset="0"/>
-                <a:ea typeface="Tahoma" panose="020B0604030504040204" pitchFamily="34" charset="0"/>
-                <a:cs typeface="Tahoma" panose="020B0604030504040204" pitchFamily="34" charset="0"/>
-              </a:rPr>
-              <a:t>tham</a:t>
-            </a:r>
-            <a:r>
-              <a:rPr lang="en-GB" sz="3200" dirty="0">
-                <a:latin typeface="Tahoma" panose="020B0604030504040204" pitchFamily="34" charset="0"/>
-                <a:ea typeface="Tahoma" panose="020B0604030504040204" pitchFamily="34" charset="0"/>
-                <a:cs typeface="Tahoma" panose="020B0604030504040204" pitchFamily="34" charset="0"/>
-              </a:rPr>
-              <a:t> </a:t>
-            </a:r>
-            <a:r>
-              <a:rPr lang="en-GB" sz="3200" dirty="0" err="1">
-                <a:latin typeface="Tahoma" panose="020B0604030504040204" pitchFamily="34" charset="0"/>
-                <a:ea typeface="Tahoma" panose="020B0604030504040204" pitchFamily="34" charset="0"/>
-                <a:cs typeface="Tahoma" panose="020B0604030504040204" pitchFamily="34" charset="0"/>
-              </a:rPr>
-              <a:t>số</a:t>
-            </a:r>
-            <a:r>
-              <a:rPr lang="en-GB" sz="3200" dirty="0">
-                <a:latin typeface="Tahoma" panose="020B0604030504040204" pitchFamily="34" charset="0"/>
-                <a:ea typeface="Tahoma" panose="020B0604030504040204" pitchFamily="34" charset="0"/>
-                <a:cs typeface="Tahoma" panose="020B0604030504040204" pitchFamily="34" charset="0"/>
-              </a:rPr>
-              <a:t> </a:t>
-            </a:r>
-            <a:r>
-              <a:rPr lang="en-GB" sz="3200" dirty="0" err="1">
-                <a:latin typeface="Tahoma" panose="020B0604030504040204" pitchFamily="34" charset="0"/>
-                <a:ea typeface="Tahoma" panose="020B0604030504040204" pitchFamily="34" charset="0"/>
-                <a:cs typeface="Tahoma" panose="020B0604030504040204" pitchFamily="34" charset="0"/>
-              </a:rPr>
-              <a:t>để</a:t>
-            </a:r>
-            <a:r>
-              <a:rPr lang="en-GB" sz="3200" dirty="0">
-                <a:latin typeface="Tahoma" panose="020B0604030504040204" pitchFamily="34" charset="0"/>
-                <a:ea typeface="Tahoma" panose="020B0604030504040204" pitchFamily="34" charset="0"/>
-                <a:cs typeface="Tahoma" panose="020B0604030504040204" pitchFamily="34" charset="0"/>
-              </a:rPr>
-              <a:t> </a:t>
-            </a:r>
-            <a:r>
-              <a:rPr lang="en-GB" sz="3200" dirty="0" err="1">
-                <a:latin typeface="Tahoma" panose="020B0604030504040204" pitchFamily="34" charset="0"/>
-                <a:ea typeface="Tahoma" panose="020B0604030504040204" pitchFamily="34" charset="0"/>
-                <a:cs typeface="Tahoma" panose="020B0604030504040204" pitchFamily="34" charset="0"/>
-              </a:rPr>
-              <a:t>đạt</a:t>
-            </a:r>
-            <a:r>
-              <a:rPr lang="en-GB" sz="3200" dirty="0">
-                <a:latin typeface="Tahoma" panose="020B0604030504040204" pitchFamily="34" charset="0"/>
-                <a:ea typeface="Tahoma" panose="020B0604030504040204" pitchFamily="34" charset="0"/>
-                <a:cs typeface="Tahoma" panose="020B0604030504040204" pitchFamily="34" charset="0"/>
-              </a:rPr>
-              <a:t> </a:t>
-            </a:r>
-            <a:r>
-              <a:rPr lang="en-GB" sz="3200" dirty="0" err="1">
-                <a:latin typeface="Tahoma" panose="020B0604030504040204" pitchFamily="34" charset="0"/>
-                <a:ea typeface="Tahoma" panose="020B0604030504040204" pitchFamily="34" charset="0"/>
-                <a:cs typeface="Tahoma" panose="020B0604030504040204" pitchFamily="34" charset="0"/>
-              </a:rPr>
-              <a:t>kết</a:t>
-            </a:r>
-            <a:r>
-              <a:rPr lang="en-GB" sz="3200" dirty="0">
-                <a:latin typeface="Tahoma" panose="020B0604030504040204" pitchFamily="34" charset="0"/>
-                <a:ea typeface="Tahoma" panose="020B0604030504040204" pitchFamily="34" charset="0"/>
-                <a:cs typeface="Tahoma" panose="020B0604030504040204" pitchFamily="34" charset="0"/>
-              </a:rPr>
-              <a:t> </a:t>
-            </a:r>
-            <a:r>
-              <a:rPr lang="en-GB" sz="3200" dirty="0" err="1">
-                <a:latin typeface="Tahoma" panose="020B0604030504040204" pitchFamily="34" charset="0"/>
-                <a:ea typeface="Tahoma" panose="020B0604030504040204" pitchFamily="34" charset="0"/>
-                <a:cs typeface="Tahoma" panose="020B0604030504040204" pitchFamily="34" charset="0"/>
-              </a:rPr>
-              <a:t>quả</a:t>
-            </a:r>
-            <a:r>
-              <a:rPr lang="en-GB" sz="3200" dirty="0">
-                <a:latin typeface="Tahoma" panose="020B0604030504040204" pitchFamily="34" charset="0"/>
-                <a:ea typeface="Tahoma" panose="020B0604030504040204" pitchFamily="34" charset="0"/>
-                <a:cs typeface="Tahoma" panose="020B0604030504040204" pitchFamily="34" charset="0"/>
-              </a:rPr>
-              <a:t> </a:t>
-            </a:r>
-            <a:r>
-              <a:rPr lang="en-GB" sz="3200" dirty="0" err="1">
-                <a:latin typeface="Tahoma" panose="020B0604030504040204" pitchFamily="34" charset="0"/>
-                <a:ea typeface="Tahoma" panose="020B0604030504040204" pitchFamily="34" charset="0"/>
-                <a:cs typeface="Tahoma" panose="020B0604030504040204" pitchFamily="34" charset="0"/>
-              </a:rPr>
-              <a:t>tốt</a:t>
-            </a:r>
-            <a:r>
-              <a:rPr lang="en-GB" sz="3200" dirty="0">
-                <a:latin typeface="Tahoma" panose="020B0604030504040204" pitchFamily="34" charset="0"/>
-                <a:ea typeface="Tahoma" panose="020B0604030504040204" pitchFamily="34" charset="0"/>
-                <a:cs typeface="Tahoma" panose="020B0604030504040204" pitchFamily="34" charset="0"/>
-              </a:rPr>
-              <a:t> h</a:t>
-            </a:r>
-            <a:r>
-              <a:rPr lang="vi-VN" sz="3200" dirty="0">
-                <a:latin typeface="Tahoma" panose="020B0604030504040204" pitchFamily="34" charset="0"/>
-                <a:ea typeface="Tahoma" panose="020B0604030504040204" pitchFamily="34" charset="0"/>
-                <a:cs typeface="Tahoma" panose="020B0604030504040204" pitchFamily="34" charset="0"/>
-              </a:rPr>
-              <a:t>ơ</a:t>
-            </a:r>
-            <a:r>
-              <a:rPr lang="en-GB" sz="3200" dirty="0">
-                <a:latin typeface="Tahoma" panose="020B0604030504040204" pitchFamily="34" charset="0"/>
-                <a:ea typeface="Tahoma" panose="020B0604030504040204" pitchFamily="34" charset="0"/>
-                <a:cs typeface="Tahoma" panose="020B0604030504040204" pitchFamily="34" charset="0"/>
-              </a:rPr>
-              <a:t>n.</a:t>
-            </a:r>
-          </a:p>
-        </p:txBody>
-      </p:sp>
-      <p:sp>
-        <p:nvSpPr>
-          <p:cNvPr id="5" name="Content Placeholder 4">
-            <a:extLst>
-              <a:ext uri="{FF2B5EF4-FFF2-40B4-BE49-F238E27FC236}">
-                <a16:creationId xmlns:a16="http://schemas.microsoft.com/office/drawing/2014/main" id="{D218B644-0A8C-4B95-8734-7304A3AC7366}"/>
-              </a:ext>
-            </a:extLst>
-          </p:cNvPr>
-          <p:cNvSpPr>
-            <a:spLocks noGrp="1"/>
-          </p:cNvSpPr>
-          <p:nvPr>
-            <p:ph sz="half" idx="2"/>
-          </p:nvPr>
-        </p:nvSpPr>
-        <p:spPr/>
-        <p:txBody>
-          <a:bodyPr/>
-          <a:lstStyle/>
-          <a:p>
-            <a:endParaRPr lang="en-GB"/>
+              <a:t>KNN</a:t>
+            </a:r>
           </a:p>
         </p:txBody>
       </p:sp>
       <p:pic>
         <p:nvPicPr>
-          <p:cNvPr id="4" name="Picture 3">
-            <a:extLst>
-              <a:ext uri="{FF2B5EF4-FFF2-40B4-BE49-F238E27FC236}">
-                <a16:creationId xmlns:a16="http://schemas.microsoft.com/office/drawing/2014/main" id="{6F2E4320-596A-4623-9B08-61DD193A6159}"/>
+          <p:cNvPr id="5" name="Picture 4">
+            <a:extLst>
+              <a:ext uri="{FF2B5EF4-FFF2-40B4-BE49-F238E27FC236}">
+                <a16:creationId xmlns:a16="http://schemas.microsoft.com/office/drawing/2014/main" id="{45B70EEA-0BCE-418E-852F-3662342D5785}"/>
               </a:ext>
             </a:extLst>
           </p:cNvPr>
@@ -5091,8 +4772,8 @@
         </p:blipFill>
         <p:spPr>
           <a:xfrm>
-            <a:off x="5807413" y="1340613"/>
-            <a:ext cx="6384587" cy="5564221"/>
+            <a:off x="1835616" y="2561414"/>
+            <a:ext cx="8520768" cy="2730432"/>
           </a:xfrm>
           <a:prstGeom prst="rect">
             <a:avLst/>
@@ -5101,231 +4782,10 @@
       </p:pic>
       <p:sp>
         <p:nvSpPr>
-          <p:cNvPr id="6" name="Rectangle 5">
-            <a:extLst>
-              <a:ext uri="{FF2B5EF4-FFF2-40B4-BE49-F238E27FC236}">
-                <a16:creationId xmlns:a16="http://schemas.microsoft.com/office/drawing/2014/main" id="{AA1E8E59-945B-442A-8799-0503532C858B}"/>
-              </a:ext>
-            </a:extLst>
-          </p:cNvPr>
-          <p:cNvSpPr/>
-          <p:nvPr/>
-        </p:nvSpPr>
-        <p:spPr>
-          <a:xfrm>
-            <a:off x="1115615" y="4459941"/>
-            <a:ext cx="3729762" cy="1938992"/>
-          </a:xfrm>
-          <a:prstGeom prst="rect">
-            <a:avLst/>
-          </a:prstGeom>
-          <a:ln w="28575">
-            <a:solidFill>
-              <a:srgbClr val="FF0000"/>
-            </a:solidFill>
-          </a:ln>
-        </p:spPr>
-        <p:style>
-          <a:lnRef idx="2">
-            <a:schemeClr val="dk1"/>
-          </a:lnRef>
-          <a:fillRef idx="1">
-            <a:schemeClr val="lt1"/>
-          </a:fillRef>
-          <a:effectRef idx="0">
-            <a:schemeClr val="dk1"/>
-          </a:effectRef>
-          <a:fontRef idx="minor">
-            <a:schemeClr val="dk1"/>
-          </a:fontRef>
-        </p:style>
-        <p:txBody>
-          <a:bodyPr wrap="square">
-            <a:spAutoFit/>
-          </a:bodyPr>
-          <a:lstStyle/>
-          <a:p>
-            <a:pPr algn="just"/>
-            <a:r>
-              <a:rPr lang="en-GB" sz="3000" dirty="0">
-                <a:latin typeface="Tahoma" panose="020B0604030504040204" pitchFamily="34" charset="0"/>
-                <a:ea typeface="Tahoma" panose="020B0604030504040204" pitchFamily="34" charset="0"/>
-                <a:cs typeface="Tahoma" panose="020B0604030504040204" pitchFamily="34" charset="0"/>
-              </a:rPr>
-              <a:t>criterion=’entropy’, </a:t>
-            </a:r>
-            <a:r>
-              <a:rPr lang="en-GB" sz="3000" dirty="0" err="1">
-                <a:latin typeface="Tahoma" panose="020B0604030504040204" pitchFamily="34" charset="0"/>
-                <a:ea typeface="Tahoma" panose="020B0604030504040204" pitchFamily="34" charset="0"/>
-                <a:cs typeface="Tahoma" panose="020B0604030504040204" pitchFamily="34" charset="0"/>
-              </a:rPr>
-              <a:t>n_estimators</a:t>
-            </a:r>
-            <a:r>
-              <a:rPr lang="en-GB" sz="3000" dirty="0">
-                <a:latin typeface="Tahoma" panose="020B0604030504040204" pitchFamily="34" charset="0"/>
-                <a:ea typeface="Tahoma" panose="020B0604030504040204" pitchFamily="34" charset="0"/>
-                <a:cs typeface="Tahoma" panose="020B0604030504040204" pitchFamily="34" charset="0"/>
-              </a:rPr>
-              <a:t>=300, </a:t>
-            </a:r>
-            <a:r>
-              <a:rPr lang="en-GB" sz="3000" dirty="0" err="1">
-                <a:latin typeface="Tahoma" panose="020B0604030504040204" pitchFamily="34" charset="0"/>
-                <a:ea typeface="Tahoma" panose="020B0604030504040204" pitchFamily="34" charset="0"/>
-                <a:cs typeface="Tahoma" panose="020B0604030504040204" pitchFamily="34" charset="0"/>
-              </a:rPr>
-              <a:t>random_state</a:t>
-            </a:r>
-            <a:r>
-              <a:rPr lang="en-GB" sz="3000" dirty="0">
-                <a:latin typeface="Tahoma" panose="020B0604030504040204" pitchFamily="34" charset="0"/>
-                <a:ea typeface="Tahoma" panose="020B0604030504040204" pitchFamily="34" charset="0"/>
-                <a:cs typeface="Tahoma" panose="020B0604030504040204" pitchFamily="34" charset="0"/>
-              </a:rPr>
-              <a:t>=33, </a:t>
-            </a:r>
-            <a:r>
-              <a:rPr lang="en-GB" sz="3000" dirty="0" err="1">
-                <a:latin typeface="Tahoma" panose="020B0604030504040204" pitchFamily="34" charset="0"/>
-                <a:ea typeface="Tahoma" panose="020B0604030504040204" pitchFamily="34" charset="0"/>
-                <a:cs typeface="Tahoma" panose="020B0604030504040204" pitchFamily="34" charset="0"/>
-              </a:rPr>
-              <a:t>max_features</a:t>
-            </a:r>
-            <a:r>
-              <a:rPr lang="en-GB" sz="3000" dirty="0">
-                <a:latin typeface="Tahoma" panose="020B0604030504040204" pitchFamily="34" charset="0"/>
-                <a:ea typeface="Tahoma" panose="020B0604030504040204" pitchFamily="34" charset="0"/>
-                <a:cs typeface="Tahoma" panose="020B0604030504040204" pitchFamily="34" charset="0"/>
-              </a:rPr>
-              <a:t>=None</a:t>
-            </a:r>
-          </a:p>
-        </p:txBody>
-      </p:sp>
-      <p:sp>
-        <p:nvSpPr>
-          <p:cNvPr id="7" name="Rectangle 6">
-            <a:extLst>
-              <a:ext uri="{FF2B5EF4-FFF2-40B4-BE49-F238E27FC236}">
-                <a16:creationId xmlns:a16="http://schemas.microsoft.com/office/drawing/2014/main" id="{231AA491-C093-4CE0-AD78-E6C20D0D4830}"/>
-              </a:ext>
-            </a:extLst>
-          </p:cNvPr>
-          <p:cNvSpPr/>
-          <p:nvPr/>
-        </p:nvSpPr>
-        <p:spPr>
-          <a:xfrm>
-            <a:off x="7475456" y="2900262"/>
-            <a:ext cx="4243131" cy="1625701"/>
-          </a:xfrm>
-          <a:prstGeom prst="rect">
-            <a:avLst/>
-          </a:prstGeom>
-          <a:ln w="28575">
-            <a:solidFill>
-              <a:srgbClr val="FF0000"/>
-            </a:solidFill>
-          </a:ln>
-        </p:spPr>
-        <p:txBody>
-          <a:bodyPr wrap="square">
-            <a:spAutoFit/>
-          </a:bodyPr>
-          <a:lstStyle/>
-          <a:p>
-            <a:pPr marL="685800">
-              <a:lnSpc>
-                <a:spcPct val="107000"/>
-              </a:lnSpc>
-              <a:spcAft>
-                <a:spcPts val="0"/>
-              </a:spcAft>
-            </a:pPr>
-            <a:r>
-              <a:rPr lang="en-GB" sz="3200" b="1" dirty="0">
-                <a:effectLst/>
-                <a:latin typeface="Tahoma" panose="020B0604030504040204" pitchFamily="34" charset="0"/>
-                <a:ea typeface="Tahoma" panose="020B0604030504040204" pitchFamily="34" charset="0"/>
-                <a:cs typeface="Tahoma" panose="020B0604030504040204" pitchFamily="34" charset="0"/>
-              </a:rPr>
-              <a:t>Best result:</a:t>
-            </a:r>
-          </a:p>
-          <a:p>
-            <a:pPr marL="685800">
-              <a:lnSpc>
-                <a:spcPct val="107000"/>
-              </a:lnSpc>
-              <a:spcAft>
-                <a:spcPts val="0"/>
-              </a:spcAft>
-            </a:pPr>
-            <a:r>
-              <a:rPr lang="en-GB" sz="3200" b="1" dirty="0">
-                <a:effectLst/>
-                <a:latin typeface="Tahoma" panose="020B0604030504040204" pitchFamily="34" charset="0"/>
-                <a:ea typeface="Tahoma" panose="020B0604030504040204" pitchFamily="34" charset="0"/>
-                <a:cs typeface="Tahoma" panose="020B0604030504040204" pitchFamily="34" charset="0"/>
-              </a:rPr>
-              <a:t>Train=</a:t>
-            </a:r>
-            <a:r>
-              <a:rPr lang="en-GB" sz="3200" b="1" dirty="0">
-                <a:solidFill>
-                  <a:srgbClr val="212121"/>
-                </a:solidFill>
-                <a:latin typeface="Tahoma" panose="020B0604030504040204" pitchFamily="34" charset="0"/>
-                <a:ea typeface="Tahoma" panose="020B0604030504040204" pitchFamily="34" charset="0"/>
-                <a:cs typeface="Tahoma" panose="020B0604030504040204" pitchFamily="34" charset="0"/>
-              </a:rPr>
-              <a:t>99.911</a:t>
-            </a:r>
-            <a:endParaRPr lang="en-GB" sz="3200" b="1" dirty="0">
-              <a:effectLst/>
-              <a:latin typeface="Tahoma" panose="020B0604030504040204" pitchFamily="34" charset="0"/>
-              <a:ea typeface="Tahoma" panose="020B0604030504040204" pitchFamily="34" charset="0"/>
-              <a:cs typeface="Tahoma" panose="020B0604030504040204" pitchFamily="34" charset="0"/>
-            </a:endParaRPr>
-          </a:p>
-          <a:p>
-            <a:pPr marL="685800">
-              <a:lnSpc>
-                <a:spcPct val="107000"/>
-              </a:lnSpc>
-              <a:spcAft>
-                <a:spcPts val="800"/>
-              </a:spcAft>
-            </a:pPr>
-            <a:r>
-              <a:rPr lang="en-GB" sz="3200" b="1" dirty="0">
-                <a:solidFill>
-                  <a:srgbClr val="212121"/>
-                </a:solidFill>
-                <a:latin typeface="Tahoma" panose="020B0604030504040204" pitchFamily="34" charset="0"/>
-                <a:ea typeface="Tahoma" panose="020B0604030504040204" pitchFamily="34" charset="0"/>
-                <a:cs typeface="Tahoma" panose="020B0604030504040204" pitchFamily="34" charset="0"/>
-              </a:rPr>
-              <a:t>Test=89.698</a:t>
-            </a:r>
-            <a:endParaRPr lang="en-GB" sz="3200" b="1" dirty="0">
-              <a:effectLst/>
-              <a:latin typeface="Tahoma" panose="020B0604030504040204" pitchFamily="34" charset="0"/>
-              <a:ea typeface="Tahoma" panose="020B0604030504040204" pitchFamily="34" charset="0"/>
-              <a:cs typeface="Tahoma" panose="020B0604030504040204" pitchFamily="34" charset="0"/>
-            </a:endParaRPr>
-          </a:p>
-        </p:txBody>
-      </p:sp>
-      <p:sp>
-        <p:nvSpPr>
-          <p:cNvPr id="8" name="Slide Number Placeholder 7">
-            <a:extLst>
-              <a:ext uri="{FF2B5EF4-FFF2-40B4-BE49-F238E27FC236}">
-                <a16:creationId xmlns:a16="http://schemas.microsoft.com/office/drawing/2014/main" id="{9F9F922C-14E4-4860-B6FD-AA3ACF9BF5C3}"/>
+          <p:cNvPr id="4" name="Slide Number Placeholder 3">
+            <a:extLst>
+              <a:ext uri="{FF2B5EF4-FFF2-40B4-BE49-F238E27FC236}">
+                <a16:creationId xmlns:a16="http://schemas.microsoft.com/office/drawing/2014/main" id="{2F317875-4D16-45AF-9A42-2FF4BF9EF0A4}"/>
               </a:ext>
             </a:extLst>
           </p:cNvPr>
@@ -5352,7 +4812,7 @@
     </p:spTree>
     <p:extLst>
       <p:ext uri="{BB962C8B-B14F-4D97-AF65-F5344CB8AC3E}">
-        <p14:creationId xmlns:p14="http://schemas.microsoft.com/office/powerpoint/2010/main" val="850582894"/>
+        <p14:creationId xmlns:p14="http://schemas.microsoft.com/office/powerpoint/2010/main" val="433576665"/>
       </p:ext>
     </p:extLst>
   </p:cSld>
@@ -5379,12 +4839,42 @@
           <a:chExt cx="0" cy="0"/>
         </a:xfrm>
       </p:grpSpPr>
+      <p:pic>
+        <p:nvPicPr>
+          <p:cNvPr id="9" name="Picture 8">
+            <a:extLst>
+              <a:ext uri="{FF2B5EF4-FFF2-40B4-BE49-F238E27FC236}">
+                <a16:creationId xmlns:a16="http://schemas.microsoft.com/office/drawing/2014/main" id="{09362F1C-3F52-4C52-A878-FC2BDDC46030}"/>
+              </a:ext>
+            </a:extLst>
+          </p:cNvPr>
+          <p:cNvPicPr>
+            <a:picLocks noChangeAspect="1"/>
+          </p:cNvPicPr>
+          <p:nvPr/>
+        </p:nvPicPr>
+        <p:blipFill>
+          <a:blip r:embed="rId2"/>
+          <a:stretch>
+            <a:fillRect/>
+          </a:stretch>
+        </p:blipFill>
+        <p:spPr>
+          <a:xfrm>
+            <a:off x="4032385" y="3615769"/>
+            <a:ext cx="8159615" cy="3242231"/>
+          </a:xfrm>
+          <a:prstGeom prst="rect">
+            <a:avLst/>
+          </a:prstGeom>
+        </p:spPr>
+      </p:pic>
       <p:sp>
         <p:nvSpPr>
           <p:cNvPr id="2" name="Title 1">
             <a:extLst>
               <a:ext uri="{FF2B5EF4-FFF2-40B4-BE49-F238E27FC236}">
-                <a16:creationId xmlns:a16="http://schemas.microsoft.com/office/drawing/2014/main" id="{F104DCB1-C7CB-453D-AFF4-A04125543384}"/>
+                <a16:creationId xmlns:a16="http://schemas.microsoft.com/office/drawing/2014/main" id="{5C790218-5ECE-40FB-93D7-7DACB2D2427C}"/>
               </a:ext>
             </a:extLst>
           </p:cNvPr>
@@ -5412,18 +4902,23 @@
           <p:cNvPr id="3" name="Content Placeholder 2">
             <a:extLst>
               <a:ext uri="{FF2B5EF4-FFF2-40B4-BE49-F238E27FC236}">
-                <a16:creationId xmlns:a16="http://schemas.microsoft.com/office/drawing/2014/main" id="{F73703FB-A17A-42E6-A52B-E89AD81C57EA}"/>
-              </a:ext>
-            </a:extLst>
-          </p:cNvPr>
-          <p:cNvSpPr>
-            <a:spLocks noGrp="1"/>
-          </p:cNvSpPr>
-          <p:nvPr>
-            <p:ph idx="1"/>
-          </p:nvPr>
-        </p:nvSpPr>
-        <p:spPr/>
+                <a16:creationId xmlns:a16="http://schemas.microsoft.com/office/drawing/2014/main" id="{99ADFB63-AEF0-4FE3-A95A-6E9809EB6963}"/>
+              </a:ext>
+            </a:extLst>
+          </p:cNvPr>
+          <p:cNvSpPr>
+            <a:spLocks noGrp="1"/>
+          </p:cNvSpPr>
+          <p:nvPr>
+            <p:ph sz="half" idx="1"/>
+          </p:nvPr>
+        </p:nvSpPr>
+        <p:spPr>
+          <a:xfrm>
+            <a:off x="838200" y="1825625"/>
+            <a:ext cx="4969213" cy="4351338"/>
+          </a:xfrm>
+        </p:spPr>
         <p:txBody>
           <a:bodyPr>
             <a:normAutofit/>
@@ -5431,20 +4926,12 @@
           <a:lstStyle/>
           <a:p>
             <a:r>
-              <a:rPr lang="en-GB" sz="3200" b="1" i="1" dirty="0">
-                <a:latin typeface="Tahoma" panose="020B0604030504040204" pitchFamily="34" charset="0"/>
-                <a:ea typeface="Tahoma" panose="020B0604030504040204" pitchFamily="34" charset="0"/>
-                <a:cs typeface="Tahoma" panose="020B0604030504040204" pitchFamily="34" charset="0"/>
-              </a:rPr>
-              <a:t>Criterion = entropy</a:t>
-            </a:r>
-            <a:r>
-              <a:rPr lang="en-GB" sz="3200" dirty="0">
-                <a:latin typeface="Tahoma" panose="020B0604030504040204" pitchFamily="34" charset="0"/>
-                <a:ea typeface="Tahoma" panose="020B0604030504040204" pitchFamily="34" charset="0"/>
-                <a:cs typeface="Tahoma" panose="020B0604030504040204" pitchFamily="34" charset="0"/>
-              </a:rPr>
-              <a:t> </a:t>
+              <a:rPr lang="en-GB" sz="3200" dirty="0">
+                <a:latin typeface="Tahoma" panose="020B0604030504040204" pitchFamily="34" charset="0"/>
+                <a:ea typeface="Tahoma" panose="020B0604030504040204" pitchFamily="34" charset="0"/>
+                <a:cs typeface="Tahoma" panose="020B0604030504040204" pitchFamily="34" charset="0"/>
+              </a:rPr>
+              <a:t>Random Forest </a:t>
             </a:r>
             <a:r>
               <a:rPr lang="en-GB" sz="3200" dirty="0" err="1">
@@ -5508,6 +4995,216 @@
                 <a:ea typeface="Tahoma" panose="020B0604030504040204" pitchFamily="34" charset="0"/>
                 <a:cs typeface="Tahoma" panose="020B0604030504040204" pitchFamily="34" charset="0"/>
               </a:rPr>
+              <a:t> </a:t>
+            </a:r>
+            <a:r>
+              <a:rPr lang="en-GB" sz="3200" dirty="0" err="1">
+                <a:latin typeface="Tahoma" panose="020B0604030504040204" pitchFamily="34" charset="0"/>
+                <a:ea typeface="Tahoma" panose="020B0604030504040204" pitchFamily="34" charset="0"/>
+                <a:cs typeface="Tahoma" panose="020B0604030504040204" pitchFamily="34" charset="0"/>
+              </a:rPr>
+              <a:t>nhất</a:t>
+            </a:r>
+            <a:r>
+              <a:rPr lang="en-GB" sz="3200" dirty="0">
+                <a:latin typeface="Tahoma" panose="020B0604030504040204" pitchFamily="34" charset="0"/>
+                <a:ea typeface="Tahoma" panose="020B0604030504040204" pitchFamily="34" charset="0"/>
+                <a:cs typeface="Tahoma" panose="020B0604030504040204" pitchFamily="34" charset="0"/>
+              </a:rPr>
+              <a:t>.</a:t>
+            </a:r>
+          </a:p>
+          <a:p>
+            <a:r>
+              <a:rPr lang="en-GB" sz="3200" dirty="0" err="1">
+                <a:latin typeface="Tahoma" panose="020B0604030504040204" pitchFamily="34" charset="0"/>
+                <a:ea typeface="Tahoma" panose="020B0604030504040204" pitchFamily="34" charset="0"/>
+                <a:cs typeface="Tahoma" panose="020B0604030504040204" pitchFamily="34" charset="0"/>
+              </a:rPr>
+              <a:t>Tùy</a:t>
+            </a:r>
+            <a:r>
+              <a:rPr lang="en-GB" sz="3200" dirty="0">
+                <a:latin typeface="Tahoma" panose="020B0604030504040204" pitchFamily="34" charset="0"/>
+                <a:ea typeface="Tahoma" panose="020B0604030504040204" pitchFamily="34" charset="0"/>
+                <a:cs typeface="Tahoma" panose="020B0604030504040204" pitchFamily="34" charset="0"/>
+              </a:rPr>
+              <a:t> </a:t>
+            </a:r>
+            <a:r>
+              <a:rPr lang="en-GB" sz="3200" dirty="0" err="1">
+                <a:latin typeface="Tahoma" panose="020B0604030504040204" pitchFamily="34" charset="0"/>
+                <a:ea typeface="Tahoma" panose="020B0604030504040204" pitchFamily="34" charset="0"/>
+                <a:cs typeface="Tahoma" panose="020B0604030504040204" pitchFamily="34" charset="0"/>
+              </a:rPr>
+              <a:t>chỉnh</a:t>
+            </a:r>
+            <a:r>
+              <a:rPr lang="en-GB" sz="3200" dirty="0">
+                <a:latin typeface="Tahoma" panose="020B0604030504040204" pitchFamily="34" charset="0"/>
+                <a:ea typeface="Tahoma" panose="020B0604030504040204" pitchFamily="34" charset="0"/>
+                <a:cs typeface="Tahoma" panose="020B0604030504040204" pitchFamily="34" charset="0"/>
+              </a:rPr>
+              <a:t> </a:t>
+            </a:r>
+            <a:r>
+              <a:rPr lang="en-GB" sz="3200" dirty="0" err="1">
+                <a:latin typeface="Tahoma" panose="020B0604030504040204" pitchFamily="34" charset="0"/>
+                <a:ea typeface="Tahoma" panose="020B0604030504040204" pitchFamily="34" charset="0"/>
+                <a:cs typeface="Tahoma" panose="020B0604030504040204" pitchFamily="34" charset="0"/>
+              </a:rPr>
+              <a:t>các</a:t>
+            </a:r>
+            <a:r>
+              <a:rPr lang="en-GB" sz="3200" dirty="0">
+                <a:latin typeface="Tahoma" panose="020B0604030504040204" pitchFamily="34" charset="0"/>
+                <a:ea typeface="Tahoma" panose="020B0604030504040204" pitchFamily="34" charset="0"/>
+                <a:cs typeface="Tahoma" panose="020B0604030504040204" pitchFamily="34" charset="0"/>
+              </a:rPr>
+              <a:t> </a:t>
+            </a:r>
+            <a:r>
+              <a:rPr lang="en-GB" sz="3200" dirty="0" err="1">
+                <a:latin typeface="Tahoma" panose="020B0604030504040204" pitchFamily="34" charset="0"/>
+                <a:ea typeface="Tahoma" panose="020B0604030504040204" pitchFamily="34" charset="0"/>
+                <a:cs typeface="Tahoma" panose="020B0604030504040204" pitchFamily="34" charset="0"/>
+              </a:rPr>
+              <a:t>giá</a:t>
+            </a:r>
+            <a:r>
+              <a:rPr lang="en-GB" sz="3200" dirty="0">
+                <a:latin typeface="Tahoma" panose="020B0604030504040204" pitchFamily="34" charset="0"/>
+                <a:ea typeface="Tahoma" panose="020B0604030504040204" pitchFamily="34" charset="0"/>
+                <a:cs typeface="Tahoma" panose="020B0604030504040204" pitchFamily="34" charset="0"/>
+              </a:rPr>
+              <a:t> </a:t>
+            </a:r>
+            <a:r>
+              <a:rPr lang="en-GB" sz="3200" dirty="0" err="1">
+                <a:latin typeface="Tahoma" panose="020B0604030504040204" pitchFamily="34" charset="0"/>
+                <a:ea typeface="Tahoma" panose="020B0604030504040204" pitchFamily="34" charset="0"/>
+                <a:cs typeface="Tahoma" panose="020B0604030504040204" pitchFamily="34" charset="0"/>
+              </a:rPr>
+              <a:t>trị</a:t>
+            </a:r>
+            <a:r>
+              <a:rPr lang="en-GB" sz="3200" dirty="0">
+                <a:latin typeface="Tahoma" panose="020B0604030504040204" pitchFamily="34" charset="0"/>
+                <a:ea typeface="Tahoma" panose="020B0604030504040204" pitchFamily="34" charset="0"/>
+                <a:cs typeface="Tahoma" panose="020B0604030504040204" pitchFamily="34" charset="0"/>
+              </a:rPr>
+              <a:t> </a:t>
+            </a:r>
+            <a:r>
+              <a:rPr lang="en-GB" sz="3200" dirty="0" err="1">
+                <a:latin typeface="Tahoma" panose="020B0604030504040204" pitchFamily="34" charset="0"/>
+                <a:ea typeface="Tahoma" panose="020B0604030504040204" pitchFamily="34" charset="0"/>
+                <a:cs typeface="Tahoma" panose="020B0604030504040204" pitchFamily="34" charset="0"/>
+              </a:rPr>
+              <a:t>tham</a:t>
+            </a:r>
+            <a:r>
+              <a:rPr lang="en-GB" sz="3200" dirty="0">
+                <a:latin typeface="Tahoma" panose="020B0604030504040204" pitchFamily="34" charset="0"/>
+                <a:ea typeface="Tahoma" panose="020B0604030504040204" pitchFamily="34" charset="0"/>
+                <a:cs typeface="Tahoma" panose="020B0604030504040204" pitchFamily="34" charset="0"/>
+              </a:rPr>
+              <a:t> </a:t>
+            </a:r>
+            <a:r>
+              <a:rPr lang="en-GB" sz="3200" dirty="0" err="1">
+                <a:latin typeface="Tahoma" panose="020B0604030504040204" pitchFamily="34" charset="0"/>
+                <a:ea typeface="Tahoma" panose="020B0604030504040204" pitchFamily="34" charset="0"/>
+                <a:cs typeface="Tahoma" panose="020B0604030504040204" pitchFamily="34" charset="0"/>
+              </a:rPr>
+              <a:t>số</a:t>
+            </a:r>
+            <a:r>
+              <a:rPr lang="en-GB" sz="3200" dirty="0">
+                <a:latin typeface="Tahoma" panose="020B0604030504040204" pitchFamily="34" charset="0"/>
+                <a:ea typeface="Tahoma" panose="020B0604030504040204" pitchFamily="34" charset="0"/>
+                <a:cs typeface="Tahoma" panose="020B0604030504040204" pitchFamily="34" charset="0"/>
+              </a:rPr>
+              <a:t> </a:t>
+            </a:r>
+            <a:r>
+              <a:rPr lang="en-GB" sz="3200" dirty="0" err="1">
+                <a:latin typeface="Tahoma" panose="020B0604030504040204" pitchFamily="34" charset="0"/>
+                <a:ea typeface="Tahoma" panose="020B0604030504040204" pitchFamily="34" charset="0"/>
+                <a:cs typeface="Tahoma" panose="020B0604030504040204" pitchFamily="34" charset="0"/>
+              </a:rPr>
+              <a:t>để</a:t>
+            </a:r>
+            <a:r>
+              <a:rPr lang="en-GB" sz="3200" dirty="0">
+                <a:latin typeface="Tahoma" panose="020B0604030504040204" pitchFamily="34" charset="0"/>
+                <a:ea typeface="Tahoma" panose="020B0604030504040204" pitchFamily="34" charset="0"/>
+                <a:cs typeface="Tahoma" panose="020B0604030504040204" pitchFamily="34" charset="0"/>
+              </a:rPr>
+              <a:t> </a:t>
+            </a:r>
+            <a:r>
+              <a:rPr lang="en-GB" sz="3200" dirty="0" err="1">
+                <a:latin typeface="Tahoma" panose="020B0604030504040204" pitchFamily="34" charset="0"/>
+                <a:ea typeface="Tahoma" panose="020B0604030504040204" pitchFamily="34" charset="0"/>
+                <a:cs typeface="Tahoma" panose="020B0604030504040204" pitchFamily="34" charset="0"/>
+              </a:rPr>
+              <a:t>đạt</a:t>
+            </a:r>
+            <a:r>
+              <a:rPr lang="en-GB" sz="3200" dirty="0">
+                <a:latin typeface="Tahoma" panose="020B0604030504040204" pitchFamily="34" charset="0"/>
+                <a:ea typeface="Tahoma" panose="020B0604030504040204" pitchFamily="34" charset="0"/>
+                <a:cs typeface="Tahoma" panose="020B0604030504040204" pitchFamily="34" charset="0"/>
+              </a:rPr>
+              <a:t> </a:t>
+            </a:r>
+            <a:r>
+              <a:rPr lang="en-GB" sz="3200" dirty="0" err="1">
+                <a:latin typeface="Tahoma" panose="020B0604030504040204" pitchFamily="34" charset="0"/>
+                <a:ea typeface="Tahoma" panose="020B0604030504040204" pitchFamily="34" charset="0"/>
+                <a:cs typeface="Tahoma" panose="020B0604030504040204" pitchFamily="34" charset="0"/>
+              </a:rPr>
+              <a:t>kết</a:t>
+            </a:r>
+            <a:r>
+              <a:rPr lang="en-GB" sz="3200" dirty="0">
+                <a:latin typeface="Tahoma" panose="020B0604030504040204" pitchFamily="34" charset="0"/>
+                <a:ea typeface="Tahoma" panose="020B0604030504040204" pitchFamily="34" charset="0"/>
+                <a:cs typeface="Tahoma" panose="020B0604030504040204" pitchFamily="34" charset="0"/>
+              </a:rPr>
+              <a:t> </a:t>
+            </a:r>
+            <a:r>
+              <a:rPr lang="en-GB" sz="3200" dirty="0" err="1">
+                <a:latin typeface="Tahoma" panose="020B0604030504040204" pitchFamily="34" charset="0"/>
+                <a:ea typeface="Tahoma" panose="020B0604030504040204" pitchFamily="34" charset="0"/>
+                <a:cs typeface="Tahoma" panose="020B0604030504040204" pitchFamily="34" charset="0"/>
+              </a:rPr>
+              <a:t>quả</a:t>
+            </a:r>
+            <a:r>
+              <a:rPr lang="en-GB" sz="3200" dirty="0">
+                <a:latin typeface="Tahoma" panose="020B0604030504040204" pitchFamily="34" charset="0"/>
+                <a:ea typeface="Tahoma" panose="020B0604030504040204" pitchFamily="34" charset="0"/>
+                <a:cs typeface="Tahoma" panose="020B0604030504040204" pitchFamily="34" charset="0"/>
+              </a:rPr>
+              <a:t> </a:t>
+            </a:r>
+            <a:r>
+              <a:rPr lang="en-GB" sz="3200" dirty="0" err="1">
+                <a:latin typeface="Tahoma" panose="020B0604030504040204" pitchFamily="34" charset="0"/>
+                <a:ea typeface="Tahoma" panose="020B0604030504040204" pitchFamily="34" charset="0"/>
+                <a:cs typeface="Tahoma" panose="020B0604030504040204" pitchFamily="34" charset="0"/>
+              </a:rPr>
+              <a:t>tốt</a:t>
+            </a:r>
+            <a:r>
+              <a:rPr lang="en-GB" sz="3200" dirty="0">
+                <a:latin typeface="Tahoma" panose="020B0604030504040204" pitchFamily="34" charset="0"/>
+                <a:ea typeface="Tahoma" panose="020B0604030504040204" pitchFamily="34" charset="0"/>
+                <a:cs typeface="Tahoma" panose="020B0604030504040204" pitchFamily="34" charset="0"/>
+              </a:rPr>
               <a:t> h</a:t>
             </a:r>
             <a:r>
@@ -5524,28 +5221,84 @@
                 <a:ea typeface="Tahoma" panose="020B0604030504040204" pitchFamily="34" charset="0"/>
                 <a:cs typeface="Tahoma" panose="020B0604030504040204" pitchFamily="34" charset="0"/>
               </a:rPr>
-              <a:t>n </a:t>
-            </a:r>
-            <a:r>
-              <a:rPr lang="en-GB" sz="3200" dirty="0" err="1">
-                <a:latin typeface="Tahoma" panose="020B0604030504040204" pitchFamily="34" charset="0"/>
-                <a:ea typeface="Tahoma" panose="020B0604030504040204" pitchFamily="34" charset="0"/>
-                <a:cs typeface="Tahoma" panose="020B0604030504040204" pitchFamily="34" charset="0"/>
-              </a:rPr>
-              <a:t>gini</a:t>
-            </a:r>
-            <a:r>
-              <a:rPr lang="en-GB" sz="3200" dirty="0">
-                <a:latin typeface="Tahoma" panose="020B0604030504040204" pitchFamily="34" charset="0"/>
-                <a:ea typeface="Tahoma" panose="020B0604030504040204" pitchFamily="34" charset="0"/>
-                <a:cs typeface="Tahoma" panose="020B0604030504040204" pitchFamily="34" charset="0"/>
-              </a:rPr>
-              <a:t>.</a:t>
-            </a:r>
-          </a:p>
-          <a:p>
-            <a:r>
-              <a:rPr lang="en-GB" sz="3200" b="1" i="1" dirty="0" err="1">
+              <a:t>n.</a:t>
+            </a:r>
+          </a:p>
+        </p:txBody>
+      </p:sp>
+      <p:sp>
+        <p:nvSpPr>
+          <p:cNvPr id="6" name="Rectangle 5">
+            <a:extLst>
+              <a:ext uri="{FF2B5EF4-FFF2-40B4-BE49-F238E27FC236}">
+                <a16:creationId xmlns:a16="http://schemas.microsoft.com/office/drawing/2014/main" id="{AA1E8E59-945B-442A-8799-0503532C858B}"/>
+              </a:ext>
+            </a:extLst>
+          </p:cNvPr>
+          <p:cNvSpPr/>
+          <p:nvPr/>
+        </p:nvSpPr>
+        <p:spPr>
+          <a:xfrm>
+            <a:off x="229012" y="4553883"/>
+            <a:ext cx="3729762" cy="1477328"/>
+          </a:xfrm>
+          <a:prstGeom prst="rect">
+            <a:avLst/>
+          </a:prstGeom>
+          <a:ln w="28575">
+            <a:solidFill>
+              <a:srgbClr val="FF0000"/>
+            </a:solidFill>
+          </a:ln>
+        </p:spPr>
+        <p:style>
+          <a:lnRef idx="2">
+            <a:schemeClr val="dk1"/>
+          </a:lnRef>
+          <a:fillRef idx="1">
+            <a:schemeClr val="lt1"/>
+          </a:fillRef>
+          <a:effectRef idx="0">
+            <a:schemeClr val="dk1"/>
+          </a:effectRef>
+          <a:fontRef idx="minor">
+            <a:schemeClr val="dk1"/>
+          </a:fontRef>
+        </p:style>
+        <p:txBody>
+          <a:bodyPr wrap="square">
+            <a:spAutoFit/>
+          </a:bodyPr>
+          <a:lstStyle/>
+          <a:p>
+            <a:pPr algn="just"/>
+            <a:r>
+              <a:rPr lang="en-GB" sz="3000" dirty="0">
+                <a:latin typeface="Tahoma" panose="020B0604030504040204" pitchFamily="34" charset="0"/>
+                <a:ea typeface="Tahoma" panose="020B0604030504040204" pitchFamily="34" charset="0"/>
+                <a:cs typeface="Tahoma" panose="020B0604030504040204" pitchFamily="34" charset="0"/>
+              </a:rPr>
+              <a:t>criterion=’entropy’, </a:t>
+            </a:r>
+            <a:r>
+              <a:rPr lang="en-GB" sz="3000" dirty="0" err="1">
+                <a:latin typeface="Tahoma" panose="020B0604030504040204" pitchFamily="34" charset="0"/>
+                <a:ea typeface="Tahoma" panose="020B0604030504040204" pitchFamily="34" charset="0"/>
+                <a:cs typeface="Tahoma" panose="020B0604030504040204" pitchFamily="34" charset="0"/>
+              </a:rPr>
+              <a:t>n_estimators</a:t>
+            </a:r>
+            <a:r>
+              <a:rPr lang="en-GB" sz="3000" dirty="0">
+                <a:latin typeface="Tahoma" panose="020B0604030504040204" pitchFamily="34" charset="0"/>
+                <a:ea typeface="Tahoma" panose="020B0604030504040204" pitchFamily="34" charset="0"/>
+                <a:cs typeface="Tahoma" panose="020B0604030504040204" pitchFamily="34" charset="0"/>
+              </a:rPr>
+              <a:t>=600, </a:t>
+            </a:r>
+            <a:r>
+              <a:rPr lang="en-GB" sz="3000" dirty="0" err="1">
                 <a:latin typeface="Tahoma" panose="020B0604030504040204" pitchFamily="34" charset="0"/>
                 <a:ea typeface="Tahoma" panose="020B0604030504040204" pitchFamily="34" charset="0"/>
                 <a:cs typeface="Tahoma" panose="020B0604030504040204" pitchFamily="34" charset="0"/>
@@ -5553,524 +5306,138 @@
               <a:t>max_features</a:t>
             </a:r>
             <a:r>
-              <a:rPr lang="en-GB" sz="3200" b="1" i="1" dirty="0">
-                <a:latin typeface="Tahoma" panose="020B0604030504040204" pitchFamily="34" charset="0"/>
-                <a:ea typeface="Tahoma" panose="020B0604030504040204" pitchFamily="34" charset="0"/>
-                <a:cs typeface="Tahoma" panose="020B0604030504040204" pitchFamily="34" charset="0"/>
-              </a:rPr>
-              <a:t> = None</a:t>
-            </a:r>
-            <a:r>
-              <a:rPr lang="en-GB" sz="3200" dirty="0">
-                <a:latin typeface="Tahoma" panose="020B0604030504040204" pitchFamily="34" charset="0"/>
-                <a:ea typeface="Tahoma" panose="020B0604030504040204" pitchFamily="34" charset="0"/>
-                <a:cs typeface="Tahoma" panose="020B0604030504040204" pitchFamily="34" charset="0"/>
-              </a:rPr>
-              <a:t> </a:t>
-            </a:r>
-            <a:r>
-              <a:rPr lang="en-GB" sz="3200" dirty="0" err="1">
-                <a:latin typeface="Tahoma" panose="020B0604030504040204" pitchFamily="34" charset="0"/>
-                <a:ea typeface="Tahoma" panose="020B0604030504040204" pitchFamily="34" charset="0"/>
-                <a:cs typeface="Tahoma" panose="020B0604030504040204" pitchFamily="34" charset="0"/>
-              </a:rPr>
-              <a:t>cho</a:t>
-            </a:r>
-            <a:r>
-              <a:rPr lang="en-GB" sz="3200" dirty="0">
-                <a:latin typeface="Tahoma" panose="020B0604030504040204" pitchFamily="34" charset="0"/>
-                <a:ea typeface="Tahoma" panose="020B0604030504040204" pitchFamily="34" charset="0"/>
-                <a:cs typeface="Tahoma" panose="020B0604030504040204" pitchFamily="34" charset="0"/>
-              </a:rPr>
-              <a:t> </a:t>
-            </a:r>
-            <a:r>
-              <a:rPr lang="en-GB" sz="3200" dirty="0" err="1">
-                <a:latin typeface="Tahoma" panose="020B0604030504040204" pitchFamily="34" charset="0"/>
-                <a:ea typeface="Tahoma" panose="020B0604030504040204" pitchFamily="34" charset="0"/>
-                <a:cs typeface="Tahoma" panose="020B0604030504040204" pitchFamily="34" charset="0"/>
-              </a:rPr>
-              <a:t>kết</a:t>
-            </a:r>
-            <a:r>
-              <a:rPr lang="en-GB" sz="3200" dirty="0">
-                <a:latin typeface="Tahoma" panose="020B0604030504040204" pitchFamily="34" charset="0"/>
-                <a:ea typeface="Tahoma" panose="020B0604030504040204" pitchFamily="34" charset="0"/>
-                <a:cs typeface="Tahoma" panose="020B0604030504040204" pitchFamily="34" charset="0"/>
-              </a:rPr>
-              <a:t> </a:t>
-            </a:r>
-            <a:r>
-              <a:rPr lang="en-GB" sz="3200" dirty="0" err="1">
-                <a:latin typeface="Tahoma" panose="020B0604030504040204" pitchFamily="34" charset="0"/>
-                <a:ea typeface="Tahoma" panose="020B0604030504040204" pitchFamily="34" charset="0"/>
-                <a:cs typeface="Tahoma" panose="020B0604030504040204" pitchFamily="34" charset="0"/>
-              </a:rPr>
-              <a:t>quả</a:t>
-            </a:r>
-            <a:r>
-              <a:rPr lang="en-GB" sz="3200" dirty="0">
-                <a:latin typeface="Tahoma" panose="020B0604030504040204" pitchFamily="34" charset="0"/>
-                <a:ea typeface="Tahoma" panose="020B0604030504040204" pitchFamily="34" charset="0"/>
-                <a:cs typeface="Tahoma" panose="020B0604030504040204" pitchFamily="34" charset="0"/>
-              </a:rPr>
-              <a:t> </a:t>
-            </a:r>
-            <a:r>
-              <a:rPr lang="en-GB" sz="3200" dirty="0" err="1">
-                <a:latin typeface="Tahoma" panose="020B0604030504040204" pitchFamily="34" charset="0"/>
-                <a:ea typeface="Tahoma" panose="020B0604030504040204" pitchFamily="34" charset="0"/>
-                <a:cs typeface="Tahoma" panose="020B0604030504040204" pitchFamily="34" charset="0"/>
-              </a:rPr>
-              <a:t>tốt</a:t>
-            </a:r>
-            <a:r>
-              <a:rPr lang="en-GB" sz="3200" dirty="0">
-                <a:latin typeface="Tahoma" panose="020B0604030504040204" pitchFamily="34" charset="0"/>
-                <a:ea typeface="Tahoma" panose="020B0604030504040204" pitchFamily="34" charset="0"/>
-                <a:cs typeface="Tahoma" panose="020B0604030504040204" pitchFamily="34" charset="0"/>
-              </a:rPr>
-              <a:t> </a:t>
-            </a:r>
-            <a:r>
-              <a:rPr lang="en-GB" sz="3200" dirty="0" err="1">
-                <a:latin typeface="Tahoma" panose="020B0604030504040204" pitchFamily="34" charset="0"/>
-                <a:ea typeface="Tahoma" panose="020B0604030504040204" pitchFamily="34" charset="0"/>
-                <a:cs typeface="Tahoma" panose="020B0604030504040204" pitchFamily="34" charset="0"/>
-              </a:rPr>
-              <a:t>nhất</a:t>
-            </a:r>
-            <a:r>
-              <a:rPr lang="en-GB" sz="3200" dirty="0">
-                <a:latin typeface="Tahoma" panose="020B0604030504040204" pitchFamily="34" charset="0"/>
-                <a:ea typeface="Tahoma" panose="020B0604030504040204" pitchFamily="34" charset="0"/>
-                <a:cs typeface="Tahoma" panose="020B0604030504040204" pitchFamily="34" charset="0"/>
-              </a:rPr>
-              <a:t>.</a:t>
-            </a:r>
-          </a:p>
-          <a:p>
-            <a:r>
-              <a:rPr lang="en-GB" sz="3200" b="1" i="1" dirty="0" err="1">
-                <a:latin typeface="Tahoma" panose="020B0604030504040204" pitchFamily="34" charset="0"/>
-                <a:ea typeface="Tahoma" panose="020B0604030504040204" pitchFamily="34" charset="0"/>
-                <a:cs typeface="Tahoma" panose="020B0604030504040204" pitchFamily="34" charset="0"/>
-              </a:rPr>
-              <a:t>n_estimators</a:t>
-            </a:r>
-            <a:r>
-              <a:rPr lang="en-GB" sz="3200" dirty="0">
-                <a:latin typeface="Tahoma" panose="020B0604030504040204" pitchFamily="34" charset="0"/>
-                <a:ea typeface="Tahoma" panose="020B0604030504040204" pitchFamily="34" charset="0"/>
-                <a:cs typeface="Tahoma" panose="020B0604030504040204" pitchFamily="34" charset="0"/>
-              </a:rPr>
-              <a:t> </a:t>
-            </a:r>
-            <a:r>
-              <a:rPr lang="en-GB" sz="3200" dirty="0" err="1">
-                <a:latin typeface="Tahoma" panose="020B0604030504040204" pitchFamily="34" charset="0"/>
-                <a:ea typeface="Tahoma" panose="020B0604030504040204" pitchFamily="34" charset="0"/>
-                <a:cs typeface="Tahoma" panose="020B0604030504040204" pitchFamily="34" charset="0"/>
-              </a:rPr>
-              <a:t>và</a:t>
-            </a:r>
-            <a:r>
-              <a:rPr lang="en-GB" sz="3200" dirty="0">
-                <a:latin typeface="Tahoma" panose="020B0604030504040204" pitchFamily="34" charset="0"/>
-                <a:ea typeface="Tahoma" panose="020B0604030504040204" pitchFamily="34" charset="0"/>
-                <a:cs typeface="Tahoma" panose="020B0604030504040204" pitchFamily="34" charset="0"/>
-              </a:rPr>
-              <a:t> </a:t>
-            </a:r>
-            <a:r>
-              <a:rPr lang="en-GB" sz="3200" b="1" i="1" dirty="0" err="1">
-                <a:latin typeface="Tahoma" panose="020B0604030504040204" pitchFamily="34" charset="0"/>
-                <a:ea typeface="Tahoma" panose="020B0604030504040204" pitchFamily="34" charset="0"/>
-                <a:cs typeface="Tahoma" panose="020B0604030504040204" pitchFamily="34" charset="0"/>
-              </a:rPr>
-              <a:t>random_state</a:t>
-            </a:r>
-            <a:r>
-              <a:rPr lang="en-GB" sz="3200" dirty="0">
-                <a:latin typeface="Tahoma" panose="020B0604030504040204" pitchFamily="34" charset="0"/>
-                <a:ea typeface="Tahoma" panose="020B0604030504040204" pitchFamily="34" charset="0"/>
-                <a:cs typeface="Tahoma" panose="020B0604030504040204" pitchFamily="34" charset="0"/>
-              </a:rPr>
-              <a:t> </a:t>
-            </a:r>
-            <a:r>
-              <a:rPr lang="en-GB" sz="3200" dirty="0" err="1">
-                <a:latin typeface="Tahoma" panose="020B0604030504040204" pitchFamily="34" charset="0"/>
-                <a:ea typeface="Tahoma" panose="020B0604030504040204" pitchFamily="34" charset="0"/>
-                <a:cs typeface="Tahoma" panose="020B0604030504040204" pitchFamily="34" charset="0"/>
-              </a:rPr>
-              <a:t>ảnh</a:t>
-            </a:r>
-            <a:r>
-              <a:rPr lang="en-GB" sz="3200" dirty="0">
-                <a:latin typeface="Tahoma" panose="020B0604030504040204" pitchFamily="34" charset="0"/>
-                <a:ea typeface="Tahoma" panose="020B0604030504040204" pitchFamily="34" charset="0"/>
-                <a:cs typeface="Tahoma" panose="020B0604030504040204" pitchFamily="34" charset="0"/>
-              </a:rPr>
-              <a:t> h</a:t>
-            </a:r>
-            <a:r>
-              <a:rPr lang="vi-VN" sz="3200" dirty="0">
-                <a:latin typeface="Tahoma" panose="020B0604030504040204" pitchFamily="34" charset="0"/>
-                <a:ea typeface="Tahoma" panose="020B0604030504040204" pitchFamily="34" charset="0"/>
-                <a:cs typeface="Tahoma" panose="020B0604030504040204" pitchFamily="34" charset="0"/>
-              </a:rPr>
-              <a:t>ư</a:t>
-            </a:r>
-            <a:r>
-              <a:rPr lang="en-GB" sz="3200" dirty="0" err="1">
-                <a:latin typeface="Tahoma" panose="020B0604030504040204" pitchFamily="34" charset="0"/>
-                <a:ea typeface="Tahoma" panose="020B0604030504040204" pitchFamily="34" charset="0"/>
-                <a:cs typeface="Tahoma" panose="020B0604030504040204" pitchFamily="34" charset="0"/>
-              </a:rPr>
-              <a:t>ởng</a:t>
-            </a:r>
-            <a:r>
-              <a:rPr lang="en-GB" sz="3200" dirty="0">
-                <a:latin typeface="Tahoma" panose="020B0604030504040204" pitchFamily="34" charset="0"/>
-                <a:ea typeface="Tahoma" panose="020B0604030504040204" pitchFamily="34" charset="0"/>
-                <a:cs typeface="Tahoma" panose="020B0604030504040204" pitchFamily="34" charset="0"/>
-              </a:rPr>
-              <a:t> </a:t>
-            </a:r>
-            <a:r>
-              <a:rPr lang="en-GB" sz="3200" dirty="0" err="1">
-                <a:latin typeface="Tahoma" panose="020B0604030504040204" pitchFamily="34" charset="0"/>
-                <a:ea typeface="Tahoma" panose="020B0604030504040204" pitchFamily="34" charset="0"/>
-                <a:cs typeface="Tahoma" panose="020B0604030504040204" pitchFamily="34" charset="0"/>
-              </a:rPr>
-              <a:t>đến</a:t>
-            </a:r>
-            <a:r>
-              <a:rPr lang="en-GB" sz="3200" dirty="0">
-                <a:latin typeface="Tahoma" panose="020B0604030504040204" pitchFamily="34" charset="0"/>
-                <a:ea typeface="Tahoma" panose="020B0604030504040204" pitchFamily="34" charset="0"/>
-                <a:cs typeface="Tahoma" panose="020B0604030504040204" pitchFamily="34" charset="0"/>
-              </a:rPr>
-              <a:t> </a:t>
-            </a:r>
-            <a:r>
-              <a:rPr lang="en-GB" sz="3200" dirty="0" err="1">
-                <a:latin typeface="Tahoma" panose="020B0604030504040204" pitchFamily="34" charset="0"/>
-                <a:ea typeface="Tahoma" panose="020B0604030504040204" pitchFamily="34" charset="0"/>
-                <a:cs typeface="Tahoma" panose="020B0604030504040204" pitchFamily="34" charset="0"/>
-              </a:rPr>
-              <a:t>kết</a:t>
-            </a:r>
-            <a:r>
-              <a:rPr lang="en-GB" sz="3200" dirty="0">
-                <a:latin typeface="Tahoma" panose="020B0604030504040204" pitchFamily="34" charset="0"/>
-                <a:ea typeface="Tahoma" panose="020B0604030504040204" pitchFamily="34" charset="0"/>
-                <a:cs typeface="Tahoma" panose="020B0604030504040204" pitchFamily="34" charset="0"/>
-              </a:rPr>
-              <a:t> </a:t>
-            </a:r>
-            <a:r>
-              <a:rPr lang="en-GB" sz="3200" dirty="0" err="1">
-                <a:latin typeface="Tahoma" panose="020B0604030504040204" pitchFamily="34" charset="0"/>
-                <a:ea typeface="Tahoma" panose="020B0604030504040204" pitchFamily="34" charset="0"/>
-                <a:cs typeface="Tahoma" panose="020B0604030504040204" pitchFamily="34" charset="0"/>
-              </a:rPr>
-              <a:t>quả</a:t>
-            </a:r>
-            <a:r>
-              <a:rPr lang="en-GB" sz="3200" dirty="0">
-                <a:latin typeface="Tahoma" panose="020B0604030504040204" pitchFamily="34" charset="0"/>
-                <a:ea typeface="Tahoma" panose="020B0604030504040204" pitchFamily="34" charset="0"/>
-                <a:cs typeface="Tahoma" panose="020B0604030504040204" pitchFamily="34" charset="0"/>
-              </a:rPr>
-              <a:t> </a:t>
-            </a:r>
-            <a:r>
-              <a:rPr lang="en-GB" sz="3200" dirty="0" err="1">
-                <a:latin typeface="Tahoma" panose="020B0604030504040204" pitchFamily="34" charset="0"/>
-                <a:ea typeface="Tahoma" panose="020B0604030504040204" pitchFamily="34" charset="0"/>
-                <a:cs typeface="Tahoma" panose="020B0604030504040204" pitchFamily="34" charset="0"/>
-              </a:rPr>
-              <a:t>cuối</a:t>
-            </a:r>
-            <a:r>
-              <a:rPr lang="en-GB" sz="3200" dirty="0">
-                <a:latin typeface="Tahoma" panose="020B0604030504040204" pitchFamily="34" charset="0"/>
-                <a:ea typeface="Tahoma" panose="020B0604030504040204" pitchFamily="34" charset="0"/>
-                <a:cs typeface="Tahoma" panose="020B0604030504040204" pitchFamily="34" charset="0"/>
-              </a:rPr>
-              <a:t> </a:t>
-            </a:r>
-            <a:r>
-              <a:rPr lang="en-GB" sz="3200" dirty="0" err="1">
-                <a:latin typeface="Tahoma" panose="020B0604030504040204" pitchFamily="34" charset="0"/>
-                <a:ea typeface="Tahoma" panose="020B0604030504040204" pitchFamily="34" charset="0"/>
-                <a:cs typeface="Tahoma" panose="020B0604030504040204" pitchFamily="34" charset="0"/>
-              </a:rPr>
-              <a:t>cùng</a:t>
-            </a:r>
-            <a:r>
-              <a:rPr lang="en-GB" sz="3200" dirty="0">
-                <a:latin typeface="Tahoma" panose="020B0604030504040204" pitchFamily="34" charset="0"/>
-                <a:ea typeface="Tahoma" panose="020B0604030504040204" pitchFamily="34" charset="0"/>
-                <a:cs typeface="Tahoma" panose="020B0604030504040204" pitchFamily="34" charset="0"/>
-              </a:rPr>
-              <a:t>.</a:t>
-            </a:r>
-          </a:p>
-          <a:p>
-            <a:r>
-              <a:rPr lang="en-GB" sz="3200" dirty="0" err="1">
-                <a:latin typeface="Tahoma" panose="020B0604030504040204" pitchFamily="34" charset="0"/>
-                <a:ea typeface="Tahoma" panose="020B0604030504040204" pitchFamily="34" charset="0"/>
-                <a:cs typeface="Tahoma" panose="020B0604030504040204" pitchFamily="34" charset="0"/>
-              </a:rPr>
-              <a:t>Độ</a:t>
-            </a:r>
-            <a:r>
-              <a:rPr lang="en-GB" sz="3200" dirty="0">
-                <a:latin typeface="Tahoma" panose="020B0604030504040204" pitchFamily="34" charset="0"/>
-                <a:ea typeface="Tahoma" panose="020B0604030504040204" pitchFamily="34" charset="0"/>
-                <a:cs typeface="Tahoma" panose="020B0604030504040204" pitchFamily="34" charset="0"/>
-              </a:rPr>
-              <a:t> </a:t>
-            </a:r>
-            <a:r>
-              <a:rPr lang="en-GB" sz="3200" dirty="0" err="1">
-                <a:latin typeface="Tahoma" panose="020B0604030504040204" pitchFamily="34" charset="0"/>
-                <a:ea typeface="Tahoma" panose="020B0604030504040204" pitchFamily="34" charset="0"/>
-                <a:cs typeface="Tahoma" panose="020B0604030504040204" pitchFamily="34" charset="0"/>
-              </a:rPr>
-              <a:t>chính</a:t>
-            </a:r>
-            <a:r>
-              <a:rPr lang="en-GB" sz="3200" dirty="0">
-                <a:latin typeface="Tahoma" panose="020B0604030504040204" pitchFamily="34" charset="0"/>
-                <a:ea typeface="Tahoma" panose="020B0604030504040204" pitchFamily="34" charset="0"/>
-                <a:cs typeface="Tahoma" panose="020B0604030504040204" pitchFamily="34" charset="0"/>
-              </a:rPr>
-              <a:t> </a:t>
-            </a:r>
-            <a:r>
-              <a:rPr lang="en-GB" sz="3200" dirty="0" err="1">
-                <a:latin typeface="Tahoma" panose="020B0604030504040204" pitchFamily="34" charset="0"/>
-                <a:ea typeface="Tahoma" panose="020B0604030504040204" pitchFamily="34" charset="0"/>
-                <a:cs typeface="Tahoma" panose="020B0604030504040204" pitchFamily="34" charset="0"/>
-              </a:rPr>
-              <a:t>xác</a:t>
-            </a:r>
-            <a:r>
-              <a:rPr lang="en-GB" sz="3200" dirty="0">
-                <a:latin typeface="Tahoma" panose="020B0604030504040204" pitchFamily="34" charset="0"/>
-                <a:ea typeface="Tahoma" panose="020B0604030504040204" pitchFamily="34" charset="0"/>
-                <a:cs typeface="Tahoma" panose="020B0604030504040204" pitchFamily="34" charset="0"/>
-              </a:rPr>
-              <a:t> </a:t>
-            </a:r>
-            <a:r>
-              <a:rPr lang="en-GB" sz="3200" dirty="0" err="1">
-                <a:latin typeface="Tahoma" panose="020B0604030504040204" pitchFamily="34" charset="0"/>
-                <a:ea typeface="Tahoma" panose="020B0604030504040204" pitchFamily="34" charset="0"/>
-                <a:cs typeface="Tahoma" panose="020B0604030504040204" pitchFamily="34" charset="0"/>
-              </a:rPr>
-              <a:t>của</a:t>
-            </a:r>
-            <a:r>
-              <a:rPr lang="en-GB" sz="3200" dirty="0">
-                <a:latin typeface="Tahoma" panose="020B0604030504040204" pitchFamily="34" charset="0"/>
-                <a:ea typeface="Tahoma" panose="020B0604030504040204" pitchFamily="34" charset="0"/>
-                <a:cs typeface="Tahoma" panose="020B0604030504040204" pitchFamily="34" charset="0"/>
-              </a:rPr>
-              <a:t> </a:t>
-            </a:r>
-            <a:r>
-              <a:rPr lang="en-GB" sz="3200" dirty="0" err="1">
-                <a:latin typeface="Tahoma" panose="020B0604030504040204" pitchFamily="34" charset="0"/>
-                <a:ea typeface="Tahoma" panose="020B0604030504040204" pitchFamily="34" charset="0"/>
-                <a:cs typeface="Tahoma" panose="020B0604030504040204" pitchFamily="34" charset="0"/>
-              </a:rPr>
-              <a:t>tập</a:t>
-            </a:r>
-            <a:r>
-              <a:rPr lang="en-GB" sz="3200" dirty="0">
-                <a:latin typeface="Tahoma" panose="020B0604030504040204" pitchFamily="34" charset="0"/>
-                <a:ea typeface="Tahoma" panose="020B0604030504040204" pitchFamily="34" charset="0"/>
-                <a:cs typeface="Tahoma" panose="020B0604030504040204" pitchFamily="34" charset="0"/>
-              </a:rPr>
-              <a:t> train </a:t>
-            </a:r>
-            <a:r>
-              <a:rPr lang="en-GB" sz="3200" dirty="0" err="1">
-                <a:latin typeface="Tahoma" panose="020B0604030504040204" pitchFamily="34" charset="0"/>
-                <a:ea typeface="Tahoma" panose="020B0604030504040204" pitchFamily="34" charset="0"/>
-                <a:cs typeface="Tahoma" panose="020B0604030504040204" pitchFamily="34" charset="0"/>
-              </a:rPr>
-              <a:t>ít</a:t>
-            </a:r>
-            <a:r>
-              <a:rPr lang="en-GB" sz="3200" dirty="0">
-                <a:latin typeface="Tahoma" panose="020B0604030504040204" pitchFamily="34" charset="0"/>
-                <a:ea typeface="Tahoma" panose="020B0604030504040204" pitchFamily="34" charset="0"/>
-                <a:cs typeface="Tahoma" panose="020B0604030504040204" pitchFamily="34" charset="0"/>
-              </a:rPr>
-              <a:t> </a:t>
-            </a:r>
-            <a:r>
-              <a:rPr lang="en-GB" sz="3200" dirty="0" err="1">
-                <a:latin typeface="Tahoma" panose="020B0604030504040204" pitchFamily="34" charset="0"/>
-                <a:ea typeface="Tahoma" panose="020B0604030504040204" pitchFamily="34" charset="0"/>
-                <a:cs typeface="Tahoma" panose="020B0604030504040204" pitchFamily="34" charset="0"/>
-              </a:rPr>
-              <a:t>thay</a:t>
-            </a:r>
-            <a:r>
-              <a:rPr lang="en-GB" sz="3200" dirty="0">
-                <a:latin typeface="Tahoma" panose="020B0604030504040204" pitchFamily="34" charset="0"/>
-                <a:ea typeface="Tahoma" panose="020B0604030504040204" pitchFamily="34" charset="0"/>
-                <a:cs typeface="Tahoma" panose="020B0604030504040204" pitchFamily="34" charset="0"/>
-              </a:rPr>
-              <a:t> </a:t>
-            </a:r>
-            <a:r>
-              <a:rPr lang="en-GB" sz="3200" dirty="0" err="1">
-                <a:latin typeface="Tahoma" panose="020B0604030504040204" pitchFamily="34" charset="0"/>
-                <a:ea typeface="Tahoma" panose="020B0604030504040204" pitchFamily="34" charset="0"/>
-                <a:cs typeface="Tahoma" panose="020B0604030504040204" pitchFamily="34" charset="0"/>
-              </a:rPr>
-              <a:t>đổi</a:t>
-            </a:r>
-            <a:r>
-              <a:rPr lang="en-GB" sz="3200" dirty="0">
-                <a:latin typeface="Tahoma" panose="020B0604030504040204" pitchFamily="34" charset="0"/>
-                <a:ea typeface="Tahoma" panose="020B0604030504040204" pitchFamily="34" charset="0"/>
-                <a:cs typeface="Tahoma" panose="020B0604030504040204" pitchFamily="34" charset="0"/>
-              </a:rPr>
-              <a:t>.</a:t>
-            </a:r>
-          </a:p>
-          <a:p>
-            <a:r>
-              <a:rPr lang="en-GB" sz="3200" dirty="0" err="1">
-                <a:latin typeface="Tahoma" panose="020B0604030504040204" pitchFamily="34" charset="0"/>
-                <a:ea typeface="Tahoma" panose="020B0604030504040204" pitchFamily="34" charset="0"/>
-                <a:cs typeface="Tahoma" panose="020B0604030504040204" pitchFamily="34" charset="0"/>
-              </a:rPr>
-              <a:t>Độ</a:t>
-            </a:r>
-            <a:r>
-              <a:rPr lang="en-GB" sz="3200" dirty="0">
-                <a:latin typeface="Tahoma" panose="020B0604030504040204" pitchFamily="34" charset="0"/>
-                <a:ea typeface="Tahoma" panose="020B0604030504040204" pitchFamily="34" charset="0"/>
-                <a:cs typeface="Tahoma" panose="020B0604030504040204" pitchFamily="34" charset="0"/>
-              </a:rPr>
-              <a:t> </a:t>
-            </a:r>
-            <a:r>
-              <a:rPr lang="en-GB" sz="3200" dirty="0" err="1">
-                <a:latin typeface="Tahoma" panose="020B0604030504040204" pitchFamily="34" charset="0"/>
-                <a:ea typeface="Tahoma" panose="020B0604030504040204" pitchFamily="34" charset="0"/>
-                <a:cs typeface="Tahoma" panose="020B0604030504040204" pitchFamily="34" charset="0"/>
-              </a:rPr>
-              <a:t>chính</a:t>
-            </a:r>
-            <a:r>
-              <a:rPr lang="en-GB" sz="3200" dirty="0">
-                <a:latin typeface="Tahoma" panose="020B0604030504040204" pitchFamily="34" charset="0"/>
-                <a:ea typeface="Tahoma" panose="020B0604030504040204" pitchFamily="34" charset="0"/>
-                <a:cs typeface="Tahoma" panose="020B0604030504040204" pitchFamily="34" charset="0"/>
-              </a:rPr>
-              <a:t> </a:t>
-            </a:r>
-            <a:r>
-              <a:rPr lang="en-GB" sz="3200" dirty="0" err="1">
-                <a:latin typeface="Tahoma" panose="020B0604030504040204" pitchFamily="34" charset="0"/>
-                <a:ea typeface="Tahoma" panose="020B0604030504040204" pitchFamily="34" charset="0"/>
-                <a:cs typeface="Tahoma" panose="020B0604030504040204" pitchFamily="34" charset="0"/>
-              </a:rPr>
-              <a:t>xác</a:t>
-            </a:r>
-            <a:r>
-              <a:rPr lang="en-GB" sz="3200" dirty="0">
-                <a:latin typeface="Tahoma" panose="020B0604030504040204" pitchFamily="34" charset="0"/>
-                <a:ea typeface="Tahoma" panose="020B0604030504040204" pitchFamily="34" charset="0"/>
-                <a:cs typeface="Tahoma" panose="020B0604030504040204" pitchFamily="34" charset="0"/>
-              </a:rPr>
-              <a:t> </a:t>
-            </a:r>
-            <a:r>
-              <a:rPr lang="en-GB" sz="3200" dirty="0" err="1">
-                <a:latin typeface="Tahoma" panose="020B0604030504040204" pitchFamily="34" charset="0"/>
-                <a:ea typeface="Tahoma" panose="020B0604030504040204" pitchFamily="34" charset="0"/>
-                <a:cs typeface="Tahoma" panose="020B0604030504040204" pitchFamily="34" charset="0"/>
-              </a:rPr>
-              <a:t>tập</a:t>
-            </a:r>
-            <a:r>
-              <a:rPr lang="en-GB" sz="3200" dirty="0">
-                <a:latin typeface="Tahoma" panose="020B0604030504040204" pitchFamily="34" charset="0"/>
-                <a:ea typeface="Tahoma" panose="020B0604030504040204" pitchFamily="34" charset="0"/>
-                <a:cs typeface="Tahoma" panose="020B0604030504040204" pitchFamily="34" charset="0"/>
-              </a:rPr>
-              <a:t> test </a:t>
-            </a:r>
-            <a:r>
-              <a:rPr lang="en-GB" sz="3200" dirty="0" err="1">
-                <a:latin typeface="Tahoma" panose="020B0604030504040204" pitchFamily="34" charset="0"/>
-                <a:ea typeface="Tahoma" panose="020B0604030504040204" pitchFamily="34" charset="0"/>
-                <a:cs typeface="Tahoma" panose="020B0604030504040204" pitchFamily="34" charset="0"/>
-              </a:rPr>
-              <a:t>đổi</a:t>
-            </a:r>
-            <a:r>
-              <a:rPr lang="en-GB" sz="3200" dirty="0">
-                <a:latin typeface="Tahoma" panose="020B0604030504040204" pitchFamily="34" charset="0"/>
-                <a:ea typeface="Tahoma" panose="020B0604030504040204" pitchFamily="34" charset="0"/>
-                <a:cs typeface="Tahoma" panose="020B0604030504040204" pitchFamily="34" charset="0"/>
-              </a:rPr>
-              <a:t> </a:t>
-            </a:r>
-            <a:r>
-              <a:rPr lang="en-GB" sz="3200" dirty="0" err="1">
-                <a:latin typeface="Tahoma" panose="020B0604030504040204" pitchFamily="34" charset="0"/>
-                <a:ea typeface="Tahoma" panose="020B0604030504040204" pitchFamily="34" charset="0"/>
-                <a:cs typeface="Tahoma" panose="020B0604030504040204" pitchFamily="34" charset="0"/>
-              </a:rPr>
-              <a:t>nhiều</a:t>
-            </a:r>
-            <a:r>
-              <a:rPr lang="en-GB" sz="3200" dirty="0">
-                <a:latin typeface="Tahoma" panose="020B0604030504040204" pitchFamily="34" charset="0"/>
-                <a:ea typeface="Tahoma" panose="020B0604030504040204" pitchFamily="34" charset="0"/>
-                <a:cs typeface="Tahoma" panose="020B0604030504040204" pitchFamily="34" charset="0"/>
-              </a:rPr>
-              <a:t> h</a:t>
-            </a:r>
-            <a:r>
-              <a:rPr lang="vi-VN" sz="3200" dirty="0">
-                <a:latin typeface="Tahoma" panose="020B0604030504040204" pitchFamily="34" charset="0"/>
-                <a:ea typeface="Tahoma" panose="020B0604030504040204" pitchFamily="34" charset="0"/>
-                <a:cs typeface="Tahoma" panose="020B0604030504040204" pitchFamily="34" charset="0"/>
-              </a:rPr>
-              <a:t>ơ</a:t>
-            </a:r>
-            <a:r>
-              <a:rPr lang="en-GB" sz="3200" dirty="0">
-                <a:latin typeface="Tahoma" panose="020B0604030504040204" pitchFamily="34" charset="0"/>
-                <a:ea typeface="Tahoma" panose="020B0604030504040204" pitchFamily="34" charset="0"/>
-                <a:cs typeface="Tahoma" panose="020B0604030504040204" pitchFamily="34" charset="0"/>
-              </a:rPr>
-              <a:t>n.</a:t>
-            </a:r>
-          </a:p>
-        </p:txBody>
-      </p:sp>
-      <p:sp>
-        <p:nvSpPr>
-          <p:cNvPr id="4" name="Slide Number Placeholder 3">
-            <a:extLst>
-              <a:ext uri="{FF2B5EF4-FFF2-40B4-BE49-F238E27FC236}">
-                <a16:creationId xmlns:a16="http://schemas.microsoft.com/office/drawing/2014/main" id="{6C64944E-A08E-4619-A3B7-8AE909B74DE7}"/>
+              <a:rPr lang="en-GB" sz="3000" dirty="0">
+                <a:latin typeface="Tahoma" panose="020B0604030504040204" pitchFamily="34" charset="0"/>
+                <a:ea typeface="Tahoma" panose="020B0604030504040204" pitchFamily="34" charset="0"/>
+                <a:cs typeface="Tahoma" panose="020B0604030504040204" pitchFamily="34" charset="0"/>
+              </a:rPr>
+              <a:t>=auto</a:t>
+            </a:r>
+          </a:p>
+        </p:txBody>
+      </p:sp>
+      <p:sp>
+        <p:nvSpPr>
+          <p:cNvPr id="7" name="Rectangle 6">
+            <a:extLst>
+              <a:ext uri="{FF2B5EF4-FFF2-40B4-BE49-F238E27FC236}">
+                <a16:creationId xmlns:a16="http://schemas.microsoft.com/office/drawing/2014/main" id="{231AA491-C093-4CE0-AD78-E6C20D0D4830}"/>
+              </a:ext>
+            </a:extLst>
+          </p:cNvPr>
+          <p:cNvSpPr/>
+          <p:nvPr/>
+        </p:nvSpPr>
+        <p:spPr>
+          <a:xfrm>
+            <a:off x="7110669" y="1870075"/>
+            <a:ext cx="4243131" cy="1625701"/>
+          </a:xfrm>
+          <a:prstGeom prst="rect">
+            <a:avLst/>
+          </a:prstGeom>
+          <a:ln w="28575">
+            <a:solidFill>
+              <a:srgbClr val="FF0000"/>
+            </a:solidFill>
+          </a:ln>
+        </p:spPr>
+        <p:txBody>
+          <a:bodyPr wrap="square">
+            <a:spAutoFit/>
+          </a:bodyPr>
+          <a:lstStyle/>
+          <a:p>
+            <a:pPr marL="685800">
+              <a:lnSpc>
+                <a:spcPct val="107000"/>
+              </a:lnSpc>
+              <a:spcAft>
+                <a:spcPts val="0"/>
+              </a:spcAft>
+            </a:pPr>
+            <a:r>
+              <a:rPr lang="en-GB" sz="3200" b="1" dirty="0">
+                <a:effectLst/>
+                <a:latin typeface="Tahoma" panose="020B0604030504040204" pitchFamily="34" charset="0"/>
+                <a:ea typeface="Tahoma" panose="020B0604030504040204" pitchFamily="34" charset="0"/>
+                <a:cs typeface="Tahoma" panose="020B0604030504040204" pitchFamily="34" charset="0"/>
+              </a:rPr>
+              <a:t>Best result:</a:t>
+            </a:r>
+          </a:p>
+          <a:p>
+            <a:pPr marL="685800">
+              <a:lnSpc>
+                <a:spcPct val="107000"/>
+              </a:lnSpc>
+              <a:spcAft>
+                <a:spcPts val="0"/>
+              </a:spcAft>
+            </a:pPr>
+            <a:r>
+              <a:rPr lang="en-GB" sz="3200" b="1" dirty="0">
+                <a:effectLst/>
+                <a:latin typeface="Tahoma" panose="020B0604030504040204" pitchFamily="34" charset="0"/>
+                <a:ea typeface="Tahoma" panose="020B0604030504040204" pitchFamily="34" charset="0"/>
+                <a:cs typeface="Tahoma" panose="020B0604030504040204" pitchFamily="34" charset="0"/>
+              </a:rPr>
+              <a:t>Train=</a:t>
+            </a:r>
+            <a:r>
+              <a:rPr lang="en-GB" sz="3200" b="1" dirty="0">
+                <a:solidFill>
+                  <a:srgbClr val="212121"/>
+                </a:solidFill>
+                <a:effectLst/>
+                <a:latin typeface="Tahoma" panose="020B0604030504040204" pitchFamily="34" charset="0"/>
+                <a:ea typeface="Tahoma" panose="020B0604030504040204" pitchFamily="34" charset="0"/>
+                <a:cs typeface="Tahoma" panose="020B0604030504040204" pitchFamily="34" charset="0"/>
+              </a:rPr>
+              <a:t>100</a:t>
+            </a:r>
+            <a:endParaRPr lang="en-GB" sz="3200" b="1" dirty="0">
+              <a:effectLst/>
+              <a:latin typeface="Tahoma" panose="020B0604030504040204" pitchFamily="34" charset="0"/>
+              <a:ea typeface="Tahoma" panose="020B0604030504040204" pitchFamily="34" charset="0"/>
+              <a:cs typeface="Tahoma" panose="020B0604030504040204" pitchFamily="34" charset="0"/>
+            </a:endParaRPr>
+          </a:p>
+          <a:p>
+            <a:pPr marL="685800">
+              <a:lnSpc>
+                <a:spcPct val="107000"/>
+              </a:lnSpc>
+              <a:spcAft>
+                <a:spcPts val="800"/>
+              </a:spcAft>
+            </a:pPr>
+            <a:r>
+              <a:rPr lang="en-GB" sz="3200" b="1" dirty="0">
+                <a:solidFill>
+                  <a:srgbClr val="212121"/>
+                </a:solidFill>
+                <a:latin typeface="Tahoma" panose="020B0604030504040204" pitchFamily="34" charset="0"/>
+                <a:ea typeface="Tahoma" panose="020B0604030504040204" pitchFamily="34" charset="0"/>
+                <a:cs typeface="Tahoma" panose="020B0604030504040204" pitchFamily="34" charset="0"/>
+              </a:rPr>
+              <a:t>Test=86.667</a:t>
+            </a:r>
+            <a:endParaRPr lang="en-GB" sz="3200" b="1" dirty="0">
+              <a:effectLst/>
+              <a:latin typeface="Tahoma" panose="020B0604030504040204" pitchFamily="34" charset="0"/>
+              <a:ea typeface="Tahoma" panose="020B0604030504040204" pitchFamily="34" charset="0"/>
+              <a:cs typeface="Tahoma" panose="020B0604030504040204" pitchFamily="34" charset="0"/>
+            </a:endParaRPr>
+          </a:p>
+        </p:txBody>
+      </p:sp>
+      <p:sp>
+        <p:nvSpPr>
+          <p:cNvPr id="8" name="Slide Number Placeholder 7">
+            <a:extLst>
+              <a:ext uri="{FF2B5EF4-FFF2-40B4-BE49-F238E27FC236}">
+                <a16:creationId xmlns:a16="http://schemas.microsoft.com/office/drawing/2014/main" id="{9F9F922C-14E4-4860-B6FD-AA3ACF9BF5C3}"/>
               </a:ext>
             </a:extLst>
           </p:cNvPr>
@@ -6097,7 +5464,7 @@
     </p:spTree>
     <p:extLst>
       <p:ext uri="{BB962C8B-B14F-4D97-AF65-F5344CB8AC3E}">
-        <p14:creationId xmlns:p14="http://schemas.microsoft.com/office/powerpoint/2010/main" val="1109065599"/>
+        <p14:creationId xmlns:p14="http://schemas.microsoft.com/office/powerpoint/2010/main" val="850582894"/>
       </p:ext>
     </p:extLst>
   </p:cSld>
@@ -6129,7 +5496,7 @@
           <p:cNvPr id="2" name="Title 1">
             <a:extLst>
               <a:ext uri="{FF2B5EF4-FFF2-40B4-BE49-F238E27FC236}">
-                <a16:creationId xmlns:a16="http://schemas.microsoft.com/office/drawing/2014/main" id="{1D93F1A6-3F6E-4AAE-87E7-4A5E17E10228}"/>
+                <a16:creationId xmlns:a16="http://schemas.microsoft.com/office/drawing/2014/main" id="{F104DCB1-C7CB-453D-AFF4-A04125543384}"/>
               </a:ext>
             </a:extLst>
           </p:cNvPr>
@@ -6154,10 +5521,636 @@
       </p:sp>
       <p:sp>
         <p:nvSpPr>
-          <p:cNvPr id="3" name="Slide Number Placeholder 2">
-            <a:extLst>
-              <a:ext uri="{FF2B5EF4-FFF2-40B4-BE49-F238E27FC236}">
-                <a16:creationId xmlns:a16="http://schemas.microsoft.com/office/drawing/2014/main" id="{F3CCCA9D-FD58-4B08-8D27-1D15436AB67D}"/>
+          <p:cNvPr id="3" name="Content Placeholder 2">
+            <a:extLst>
+              <a:ext uri="{FF2B5EF4-FFF2-40B4-BE49-F238E27FC236}">
+                <a16:creationId xmlns:a16="http://schemas.microsoft.com/office/drawing/2014/main" id="{F73703FB-A17A-42E6-A52B-E89AD81C57EA}"/>
+              </a:ext>
+            </a:extLst>
+          </p:cNvPr>
+          <p:cNvSpPr>
+            <a:spLocks noGrp="1"/>
+          </p:cNvSpPr>
+          <p:nvPr>
+            <p:ph idx="1"/>
+          </p:nvPr>
+        </p:nvSpPr>
+        <p:spPr/>
+        <p:txBody>
+          <a:bodyPr>
+            <a:normAutofit/>
+          </a:bodyPr>
+          <a:lstStyle/>
+          <a:p>
+            <a:r>
+              <a:rPr lang="en-GB" sz="3200" b="1" i="1" dirty="0">
+                <a:latin typeface="Tahoma" panose="020B0604030504040204" pitchFamily="34" charset="0"/>
+                <a:ea typeface="Tahoma" panose="020B0604030504040204" pitchFamily="34" charset="0"/>
+                <a:cs typeface="Tahoma" panose="020B0604030504040204" pitchFamily="34" charset="0"/>
+              </a:rPr>
+              <a:t>Criterion = entropy</a:t>
+            </a:r>
+            <a:r>
+              <a:rPr lang="en-GB" sz="3200" dirty="0">
+                <a:latin typeface="Tahoma" panose="020B0604030504040204" pitchFamily="34" charset="0"/>
+                <a:ea typeface="Tahoma" panose="020B0604030504040204" pitchFamily="34" charset="0"/>
+                <a:cs typeface="Tahoma" panose="020B0604030504040204" pitchFamily="34" charset="0"/>
+              </a:rPr>
+              <a:t> </a:t>
+            </a:r>
+            <a:r>
+              <a:rPr lang="en-GB" sz="3200" dirty="0" err="1">
+                <a:latin typeface="Tahoma" panose="020B0604030504040204" pitchFamily="34" charset="0"/>
+                <a:ea typeface="Tahoma" panose="020B0604030504040204" pitchFamily="34" charset="0"/>
+                <a:cs typeface="Tahoma" panose="020B0604030504040204" pitchFamily="34" charset="0"/>
+              </a:rPr>
+              <a:t>cho</a:t>
+            </a:r>
+            <a:r>
+              <a:rPr lang="en-GB" sz="3200" dirty="0">
+                <a:latin typeface="Tahoma" panose="020B0604030504040204" pitchFamily="34" charset="0"/>
+                <a:ea typeface="Tahoma" panose="020B0604030504040204" pitchFamily="34" charset="0"/>
+                <a:cs typeface="Tahoma" panose="020B0604030504040204" pitchFamily="34" charset="0"/>
+              </a:rPr>
+              <a:t> </a:t>
+            </a:r>
+            <a:r>
+              <a:rPr lang="en-GB" sz="3200" dirty="0" err="1">
+                <a:latin typeface="Tahoma" panose="020B0604030504040204" pitchFamily="34" charset="0"/>
+                <a:ea typeface="Tahoma" panose="020B0604030504040204" pitchFamily="34" charset="0"/>
+                <a:cs typeface="Tahoma" panose="020B0604030504040204" pitchFamily="34" charset="0"/>
+              </a:rPr>
+              <a:t>kết</a:t>
+            </a:r>
+            <a:r>
+              <a:rPr lang="en-GB" sz="3200" dirty="0">
+                <a:latin typeface="Tahoma" panose="020B0604030504040204" pitchFamily="34" charset="0"/>
+                <a:ea typeface="Tahoma" panose="020B0604030504040204" pitchFamily="34" charset="0"/>
+                <a:cs typeface="Tahoma" panose="020B0604030504040204" pitchFamily="34" charset="0"/>
+              </a:rPr>
+              <a:t> </a:t>
+            </a:r>
+            <a:r>
+              <a:rPr lang="en-GB" sz="3200" dirty="0" err="1">
+                <a:latin typeface="Tahoma" panose="020B0604030504040204" pitchFamily="34" charset="0"/>
+                <a:ea typeface="Tahoma" panose="020B0604030504040204" pitchFamily="34" charset="0"/>
+                <a:cs typeface="Tahoma" panose="020B0604030504040204" pitchFamily="34" charset="0"/>
+              </a:rPr>
+              <a:t>quả</a:t>
+            </a:r>
+            <a:r>
+              <a:rPr lang="en-GB" sz="3200" dirty="0">
+                <a:latin typeface="Tahoma" panose="020B0604030504040204" pitchFamily="34" charset="0"/>
+                <a:ea typeface="Tahoma" panose="020B0604030504040204" pitchFamily="34" charset="0"/>
+                <a:cs typeface="Tahoma" panose="020B0604030504040204" pitchFamily="34" charset="0"/>
+              </a:rPr>
+              <a:t> </a:t>
+            </a:r>
+            <a:r>
+              <a:rPr lang="en-GB" sz="3200" dirty="0" err="1">
+                <a:latin typeface="Tahoma" panose="020B0604030504040204" pitchFamily="34" charset="0"/>
+                <a:ea typeface="Tahoma" panose="020B0604030504040204" pitchFamily="34" charset="0"/>
+                <a:cs typeface="Tahoma" panose="020B0604030504040204" pitchFamily="34" charset="0"/>
+              </a:rPr>
+              <a:t>tốt</a:t>
+            </a:r>
+            <a:r>
+              <a:rPr lang="en-GB" sz="3200" dirty="0">
+                <a:latin typeface="Tahoma" panose="020B0604030504040204" pitchFamily="34" charset="0"/>
+                <a:ea typeface="Tahoma" panose="020B0604030504040204" pitchFamily="34" charset="0"/>
+                <a:cs typeface="Tahoma" panose="020B0604030504040204" pitchFamily="34" charset="0"/>
+              </a:rPr>
+              <a:t> h</a:t>
+            </a:r>
+            <a:r>
+              <a:rPr lang="vi-VN" sz="3200" dirty="0">
+                <a:latin typeface="Tahoma" panose="020B0604030504040204" pitchFamily="34" charset="0"/>
+                <a:ea typeface="Tahoma" panose="020B0604030504040204" pitchFamily="34" charset="0"/>
+                <a:cs typeface="Tahoma" panose="020B0604030504040204" pitchFamily="34" charset="0"/>
+              </a:rPr>
+              <a:t>ơ</a:t>
+            </a:r>
+            <a:r>
+              <a:rPr lang="en-GB" sz="3200" dirty="0">
+                <a:latin typeface="Tahoma" panose="020B0604030504040204" pitchFamily="34" charset="0"/>
+                <a:ea typeface="Tahoma" panose="020B0604030504040204" pitchFamily="34" charset="0"/>
+                <a:cs typeface="Tahoma" panose="020B0604030504040204" pitchFamily="34" charset="0"/>
+              </a:rPr>
+              <a:t>n </a:t>
+            </a:r>
+            <a:r>
+              <a:rPr lang="en-GB" sz="3200" dirty="0" err="1">
+                <a:latin typeface="Tahoma" panose="020B0604030504040204" pitchFamily="34" charset="0"/>
+                <a:ea typeface="Tahoma" panose="020B0604030504040204" pitchFamily="34" charset="0"/>
+                <a:cs typeface="Tahoma" panose="020B0604030504040204" pitchFamily="34" charset="0"/>
+              </a:rPr>
+              <a:t>gini</a:t>
+            </a:r>
+            <a:r>
+              <a:rPr lang="en-GB" sz="3200" dirty="0">
+                <a:latin typeface="Tahoma" panose="020B0604030504040204" pitchFamily="34" charset="0"/>
+                <a:ea typeface="Tahoma" panose="020B0604030504040204" pitchFamily="34" charset="0"/>
+                <a:cs typeface="Tahoma" panose="020B0604030504040204" pitchFamily="34" charset="0"/>
+              </a:rPr>
+              <a:t>.</a:t>
+            </a:r>
+          </a:p>
+          <a:p>
+            <a:r>
+              <a:rPr lang="en-GB" sz="3200" b="1" i="1" dirty="0" err="1">
+                <a:latin typeface="Tahoma" panose="020B0604030504040204" pitchFamily="34" charset="0"/>
+                <a:ea typeface="Tahoma" panose="020B0604030504040204" pitchFamily="34" charset="0"/>
+                <a:cs typeface="Tahoma" panose="020B0604030504040204" pitchFamily="34" charset="0"/>
+              </a:rPr>
+              <a:t>max_features</a:t>
+            </a:r>
+            <a:r>
+              <a:rPr lang="en-GB" sz="3200" b="1" i="1" dirty="0">
+                <a:latin typeface="Tahoma" panose="020B0604030504040204" pitchFamily="34" charset="0"/>
+                <a:ea typeface="Tahoma" panose="020B0604030504040204" pitchFamily="34" charset="0"/>
+                <a:cs typeface="Tahoma" panose="020B0604030504040204" pitchFamily="34" charset="0"/>
+              </a:rPr>
+              <a:t> = None</a:t>
+            </a:r>
+            <a:r>
+              <a:rPr lang="en-GB" sz="3200" dirty="0">
+                <a:latin typeface="Tahoma" panose="020B0604030504040204" pitchFamily="34" charset="0"/>
+                <a:ea typeface="Tahoma" panose="020B0604030504040204" pitchFamily="34" charset="0"/>
+                <a:cs typeface="Tahoma" panose="020B0604030504040204" pitchFamily="34" charset="0"/>
+              </a:rPr>
+              <a:t> </a:t>
+            </a:r>
+            <a:r>
+              <a:rPr lang="en-GB" sz="3200" dirty="0" err="1">
+                <a:latin typeface="Tahoma" panose="020B0604030504040204" pitchFamily="34" charset="0"/>
+                <a:ea typeface="Tahoma" panose="020B0604030504040204" pitchFamily="34" charset="0"/>
+                <a:cs typeface="Tahoma" panose="020B0604030504040204" pitchFamily="34" charset="0"/>
+              </a:rPr>
+              <a:t>cho</a:t>
+            </a:r>
+            <a:r>
+              <a:rPr lang="en-GB" sz="3200" dirty="0">
+                <a:latin typeface="Tahoma" panose="020B0604030504040204" pitchFamily="34" charset="0"/>
+                <a:ea typeface="Tahoma" panose="020B0604030504040204" pitchFamily="34" charset="0"/>
+                <a:cs typeface="Tahoma" panose="020B0604030504040204" pitchFamily="34" charset="0"/>
+              </a:rPr>
+              <a:t> </a:t>
+            </a:r>
+            <a:r>
+              <a:rPr lang="en-GB" sz="3200" dirty="0" err="1">
+                <a:latin typeface="Tahoma" panose="020B0604030504040204" pitchFamily="34" charset="0"/>
+                <a:ea typeface="Tahoma" panose="020B0604030504040204" pitchFamily="34" charset="0"/>
+                <a:cs typeface="Tahoma" panose="020B0604030504040204" pitchFamily="34" charset="0"/>
+              </a:rPr>
+              <a:t>kết</a:t>
+            </a:r>
+            <a:r>
+              <a:rPr lang="en-GB" sz="3200" dirty="0">
+                <a:latin typeface="Tahoma" panose="020B0604030504040204" pitchFamily="34" charset="0"/>
+                <a:ea typeface="Tahoma" panose="020B0604030504040204" pitchFamily="34" charset="0"/>
+                <a:cs typeface="Tahoma" panose="020B0604030504040204" pitchFamily="34" charset="0"/>
+              </a:rPr>
+              <a:t> </a:t>
+            </a:r>
+            <a:r>
+              <a:rPr lang="en-GB" sz="3200" dirty="0" err="1">
+                <a:latin typeface="Tahoma" panose="020B0604030504040204" pitchFamily="34" charset="0"/>
+                <a:ea typeface="Tahoma" panose="020B0604030504040204" pitchFamily="34" charset="0"/>
+                <a:cs typeface="Tahoma" panose="020B0604030504040204" pitchFamily="34" charset="0"/>
+              </a:rPr>
+              <a:t>quả</a:t>
+            </a:r>
+            <a:r>
+              <a:rPr lang="en-GB" sz="3200" dirty="0">
+                <a:latin typeface="Tahoma" panose="020B0604030504040204" pitchFamily="34" charset="0"/>
+                <a:ea typeface="Tahoma" panose="020B0604030504040204" pitchFamily="34" charset="0"/>
+                <a:cs typeface="Tahoma" panose="020B0604030504040204" pitchFamily="34" charset="0"/>
+              </a:rPr>
+              <a:t> </a:t>
+            </a:r>
+            <a:r>
+              <a:rPr lang="en-GB" sz="3200" dirty="0" err="1">
+                <a:latin typeface="Tahoma" panose="020B0604030504040204" pitchFamily="34" charset="0"/>
+                <a:ea typeface="Tahoma" panose="020B0604030504040204" pitchFamily="34" charset="0"/>
+                <a:cs typeface="Tahoma" panose="020B0604030504040204" pitchFamily="34" charset="0"/>
+              </a:rPr>
+              <a:t>tốt</a:t>
+            </a:r>
+            <a:r>
+              <a:rPr lang="en-GB" sz="3200" dirty="0">
+                <a:latin typeface="Tahoma" panose="020B0604030504040204" pitchFamily="34" charset="0"/>
+                <a:ea typeface="Tahoma" panose="020B0604030504040204" pitchFamily="34" charset="0"/>
+                <a:cs typeface="Tahoma" panose="020B0604030504040204" pitchFamily="34" charset="0"/>
+              </a:rPr>
+              <a:t> </a:t>
+            </a:r>
+            <a:r>
+              <a:rPr lang="en-GB" sz="3200" dirty="0" err="1">
+                <a:latin typeface="Tahoma" panose="020B0604030504040204" pitchFamily="34" charset="0"/>
+                <a:ea typeface="Tahoma" panose="020B0604030504040204" pitchFamily="34" charset="0"/>
+                <a:cs typeface="Tahoma" panose="020B0604030504040204" pitchFamily="34" charset="0"/>
+              </a:rPr>
+              <a:t>nhất</a:t>
+            </a:r>
+            <a:r>
+              <a:rPr lang="en-GB" sz="3200" dirty="0">
+                <a:latin typeface="Tahoma" panose="020B0604030504040204" pitchFamily="34" charset="0"/>
+                <a:ea typeface="Tahoma" panose="020B0604030504040204" pitchFamily="34" charset="0"/>
+                <a:cs typeface="Tahoma" panose="020B0604030504040204" pitchFamily="34" charset="0"/>
+              </a:rPr>
+              <a:t>.</a:t>
+            </a:r>
+          </a:p>
+          <a:p>
+            <a:r>
+              <a:rPr lang="en-GB" sz="3200" b="1" i="1" dirty="0" err="1">
+                <a:latin typeface="Tahoma" panose="020B0604030504040204" pitchFamily="34" charset="0"/>
+                <a:ea typeface="Tahoma" panose="020B0604030504040204" pitchFamily="34" charset="0"/>
+                <a:cs typeface="Tahoma" panose="020B0604030504040204" pitchFamily="34" charset="0"/>
+              </a:rPr>
+              <a:t>n_estimators</a:t>
+            </a:r>
+            <a:r>
+              <a:rPr lang="en-GB" sz="3200" dirty="0">
+                <a:latin typeface="Tahoma" panose="020B0604030504040204" pitchFamily="34" charset="0"/>
+                <a:ea typeface="Tahoma" panose="020B0604030504040204" pitchFamily="34" charset="0"/>
+                <a:cs typeface="Tahoma" panose="020B0604030504040204" pitchFamily="34" charset="0"/>
+              </a:rPr>
+              <a:t> </a:t>
+            </a:r>
+            <a:r>
+              <a:rPr lang="en-GB" sz="3200" dirty="0" err="1">
+                <a:latin typeface="Tahoma" panose="020B0604030504040204" pitchFamily="34" charset="0"/>
+                <a:ea typeface="Tahoma" panose="020B0604030504040204" pitchFamily="34" charset="0"/>
+                <a:cs typeface="Tahoma" panose="020B0604030504040204" pitchFamily="34" charset="0"/>
+              </a:rPr>
+              <a:t>ảnh</a:t>
+            </a:r>
+            <a:r>
+              <a:rPr lang="en-GB" sz="3200" dirty="0">
+                <a:latin typeface="Tahoma" panose="020B0604030504040204" pitchFamily="34" charset="0"/>
+                <a:ea typeface="Tahoma" panose="020B0604030504040204" pitchFamily="34" charset="0"/>
+                <a:cs typeface="Tahoma" panose="020B0604030504040204" pitchFamily="34" charset="0"/>
+              </a:rPr>
+              <a:t> h</a:t>
+            </a:r>
+            <a:r>
+              <a:rPr lang="vi-VN" sz="3200" dirty="0">
+                <a:latin typeface="Tahoma" panose="020B0604030504040204" pitchFamily="34" charset="0"/>
+                <a:ea typeface="Tahoma" panose="020B0604030504040204" pitchFamily="34" charset="0"/>
+                <a:cs typeface="Tahoma" panose="020B0604030504040204" pitchFamily="34" charset="0"/>
+              </a:rPr>
+              <a:t>ư</a:t>
+            </a:r>
+            <a:r>
+              <a:rPr lang="en-GB" sz="3200" dirty="0" err="1">
+                <a:latin typeface="Tahoma" panose="020B0604030504040204" pitchFamily="34" charset="0"/>
+                <a:ea typeface="Tahoma" panose="020B0604030504040204" pitchFamily="34" charset="0"/>
+                <a:cs typeface="Tahoma" panose="020B0604030504040204" pitchFamily="34" charset="0"/>
+              </a:rPr>
+              <a:t>ởng</a:t>
+            </a:r>
+            <a:r>
+              <a:rPr lang="en-GB" sz="3200" dirty="0">
+                <a:latin typeface="Tahoma" panose="020B0604030504040204" pitchFamily="34" charset="0"/>
+                <a:ea typeface="Tahoma" panose="020B0604030504040204" pitchFamily="34" charset="0"/>
+                <a:cs typeface="Tahoma" panose="020B0604030504040204" pitchFamily="34" charset="0"/>
+              </a:rPr>
+              <a:t> </a:t>
+            </a:r>
+            <a:r>
+              <a:rPr lang="en-GB" sz="3200" dirty="0" err="1">
+                <a:latin typeface="Tahoma" panose="020B0604030504040204" pitchFamily="34" charset="0"/>
+                <a:ea typeface="Tahoma" panose="020B0604030504040204" pitchFamily="34" charset="0"/>
+                <a:cs typeface="Tahoma" panose="020B0604030504040204" pitchFamily="34" charset="0"/>
+              </a:rPr>
+              <a:t>đến</a:t>
+            </a:r>
+            <a:r>
+              <a:rPr lang="en-GB" sz="3200" dirty="0">
+                <a:latin typeface="Tahoma" panose="020B0604030504040204" pitchFamily="34" charset="0"/>
+                <a:ea typeface="Tahoma" panose="020B0604030504040204" pitchFamily="34" charset="0"/>
+                <a:cs typeface="Tahoma" panose="020B0604030504040204" pitchFamily="34" charset="0"/>
+              </a:rPr>
+              <a:t> </a:t>
+            </a:r>
+            <a:r>
+              <a:rPr lang="en-GB" sz="3200" dirty="0" err="1">
+                <a:latin typeface="Tahoma" panose="020B0604030504040204" pitchFamily="34" charset="0"/>
+                <a:ea typeface="Tahoma" panose="020B0604030504040204" pitchFamily="34" charset="0"/>
+                <a:cs typeface="Tahoma" panose="020B0604030504040204" pitchFamily="34" charset="0"/>
+              </a:rPr>
+              <a:t>kết</a:t>
+            </a:r>
+            <a:r>
+              <a:rPr lang="en-GB" sz="3200" dirty="0">
+                <a:latin typeface="Tahoma" panose="020B0604030504040204" pitchFamily="34" charset="0"/>
+                <a:ea typeface="Tahoma" panose="020B0604030504040204" pitchFamily="34" charset="0"/>
+                <a:cs typeface="Tahoma" panose="020B0604030504040204" pitchFamily="34" charset="0"/>
+              </a:rPr>
+              <a:t> </a:t>
+            </a:r>
+            <a:r>
+              <a:rPr lang="en-GB" sz="3200" dirty="0" err="1">
+                <a:latin typeface="Tahoma" panose="020B0604030504040204" pitchFamily="34" charset="0"/>
+                <a:ea typeface="Tahoma" panose="020B0604030504040204" pitchFamily="34" charset="0"/>
+                <a:cs typeface="Tahoma" panose="020B0604030504040204" pitchFamily="34" charset="0"/>
+              </a:rPr>
+              <a:t>quả</a:t>
+            </a:r>
+            <a:r>
+              <a:rPr lang="en-GB" sz="3200" dirty="0">
+                <a:latin typeface="Tahoma" panose="020B0604030504040204" pitchFamily="34" charset="0"/>
+                <a:ea typeface="Tahoma" panose="020B0604030504040204" pitchFamily="34" charset="0"/>
+                <a:cs typeface="Tahoma" panose="020B0604030504040204" pitchFamily="34" charset="0"/>
+              </a:rPr>
+              <a:t> </a:t>
+            </a:r>
+            <a:r>
+              <a:rPr lang="en-GB" sz="3200" dirty="0" err="1">
+                <a:latin typeface="Tahoma" panose="020B0604030504040204" pitchFamily="34" charset="0"/>
+                <a:ea typeface="Tahoma" panose="020B0604030504040204" pitchFamily="34" charset="0"/>
+                <a:cs typeface="Tahoma" panose="020B0604030504040204" pitchFamily="34" charset="0"/>
+              </a:rPr>
+              <a:t>cuối</a:t>
+            </a:r>
+            <a:r>
+              <a:rPr lang="en-GB" sz="3200" dirty="0">
+                <a:latin typeface="Tahoma" panose="020B0604030504040204" pitchFamily="34" charset="0"/>
+                <a:ea typeface="Tahoma" panose="020B0604030504040204" pitchFamily="34" charset="0"/>
+                <a:cs typeface="Tahoma" panose="020B0604030504040204" pitchFamily="34" charset="0"/>
+              </a:rPr>
+              <a:t> </a:t>
+            </a:r>
+            <a:r>
+              <a:rPr lang="en-GB" sz="3200" dirty="0" err="1">
+                <a:latin typeface="Tahoma" panose="020B0604030504040204" pitchFamily="34" charset="0"/>
+                <a:ea typeface="Tahoma" panose="020B0604030504040204" pitchFamily="34" charset="0"/>
+                <a:cs typeface="Tahoma" panose="020B0604030504040204" pitchFamily="34" charset="0"/>
+              </a:rPr>
+              <a:t>cùng</a:t>
+            </a:r>
+            <a:r>
+              <a:rPr lang="en-GB" sz="3200" dirty="0">
+                <a:latin typeface="Tahoma" panose="020B0604030504040204" pitchFamily="34" charset="0"/>
+                <a:ea typeface="Tahoma" panose="020B0604030504040204" pitchFamily="34" charset="0"/>
+                <a:cs typeface="Tahoma" panose="020B0604030504040204" pitchFamily="34" charset="0"/>
+              </a:rPr>
+              <a:t>.</a:t>
+            </a:r>
+          </a:p>
+          <a:p>
+            <a:r>
+              <a:rPr lang="en-GB" sz="3200" dirty="0" err="1">
+                <a:latin typeface="Tahoma" panose="020B0604030504040204" pitchFamily="34" charset="0"/>
+                <a:ea typeface="Tahoma" panose="020B0604030504040204" pitchFamily="34" charset="0"/>
+                <a:cs typeface="Tahoma" panose="020B0604030504040204" pitchFamily="34" charset="0"/>
+              </a:rPr>
+              <a:t>Độ</a:t>
+            </a:r>
+            <a:r>
+              <a:rPr lang="en-GB" sz="3200" dirty="0">
+                <a:latin typeface="Tahoma" panose="020B0604030504040204" pitchFamily="34" charset="0"/>
+                <a:ea typeface="Tahoma" panose="020B0604030504040204" pitchFamily="34" charset="0"/>
+                <a:cs typeface="Tahoma" panose="020B0604030504040204" pitchFamily="34" charset="0"/>
+              </a:rPr>
+              <a:t> </a:t>
+            </a:r>
+            <a:r>
+              <a:rPr lang="en-GB" sz="3200" dirty="0" err="1">
+                <a:latin typeface="Tahoma" panose="020B0604030504040204" pitchFamily="34" charset="0"/>
+                <a:ea typeface="Tahoma" panose="020B0604030504040204" pitchFamily="34" charset="0"/>
+                <a:cs typeface="Tahoma" panose="020B0604030504040204" pitchFamily="34" charset="0"/>
+              </a:rPr>
+              <a:t>chính</a:t>
+            </a:r>
+            <a:r>
+              <a:rPr lang="en-GB" sz="3200" dirty="0">
+                <a:latin typeface="Tahoma" panose="020B0604030504040204" pitchFamily="34" charset="0"/>
+                <a:ea typeface="Tahoma" panose="020B0604030504040204" pitchFamily="34" charset="0"/>
+                <a:cs typeface="Tahoma" panose="020B0604030504040204" pitchFamily="34" charset="0"/>
+              </a:rPr>
+              <a:t> </a:t>
+            </a:r>
+            <a:r>
+              <a:rPr lang="en-GB" sz="3200" dirty="0" err="1">
+                <a:latin typeface="Tahoma" panose="020B0604030504040204" pitchFamily="34" charset="0"/>
+                <a:ea typeface="Tahoma" panose="020B0604030504040204" pitchFamily="34" charset="0"/>
+                <a:cs typeface="Tahoma" panose="020B0604030504040204" pitchFamily="34" charset="0"/>
+              </a:rPr>
+              <a:t>xác</a:t>
+            </a:r>
+            <a:r>
+              <a:rPr lang="en-GB" sz="3200" dirty="0">
+                <a:latin typeface="Tahoma" panose="020B0604030504040204" pitchFamily="34" charset="0"/>
+                <a:ea typeface="Tahoma" panose="020B0604030504040204" pitchFamily="34" charset="0"/>
+                <a:cs typeface="Tahoma" panose="020B0604030504040204" pitchFamily="34" charset="0"/>
+              </a:rPr>
+              <a:t> </a:t>
+            </a:r>
+            <a:r>
+              <a:rPr lang="en-GB" sz="3200" dirty="0" err="1">
+                <a:latin typeface="Tahoma" panose="020B0604030504040204" pitchFamily="34" charset="0"/>
+                <a:ea typeface="Tahoma" panose="020B0604030504040204" pitchFamily="34" charset="0"/>
+                <a:cs typeface="Tahoma" panose="020B0604030504040204" pitchFamily="34" charset="0"/>
+              </a:rPr>
+              <a:t>của</a:t>
+            </a:r>
+            <a:r>
+              <a:rPr lang="en-GB" sz="3200" dirty="0">
+                <a:latin typeface="Tahoma" panose="020B0604030504040204" pitchFamily="34" charset="0"/>
+                <a:ea typeface="Tahoma" panose="020B0604030504040204" pitchFamily="34" charset="0"/>
+                <a:cs typeface="Tahoma" panose="020B0604030504040204" pitchFamily="34" charset="0"/>
+              </a:rPr>
+              <a:t> </a:t>
+            </a:r>
+            <a:r>
+              <a:rPr lang="en-GB" sz="3200" dirty="0" err="1">
+                <a:latin typeface="Tahoma" panose="020B0604030504040204" pitchFamily="34" charset="0"/>
+                <a:ea typeface="Tahoma" panose="020B0604030504040204" pitchFamily="34" charset="0"/>
+                <a:cs typeface="Tahoma" panose="020B0604030504040204" pitchFamily="34" charset="0"/>
+              </a:rPr>
+              <a:t>tập</a:t>
+            </a:r>
+            <a:r>
+              <a:rPr lang="en-GB" sz="3200" dirty="0">
+                <a:latin typeface="Tahoma" panose="020B0604030504040204" pitchFamily="34" charset="0"/>
+                <a:ea typeface="Tahoma" panose="020B0604030504040204" pitchFamily="34" charset="0"/>
+                <a:cs typeface="Tahoma" panose="020B0604030504040204" pitchFamily="34" charset="0"/>
+              </a:rPr>
+              <a:t> train </a:t>
+            </a:r>
+            <a:r>
+              <a:rPr lang="en-GB" sz="3200" dirty="0" err="1">
+                <a:latin typeface="Tahoma" panose="020B0604030504040204" pitchFamily="34" charset="0"/>
+                <a:ea typeface="Tahoma" panose="020B0604030504040204" pitchFamily="34" charset="0"/>
+                <a:cs typeface="Tahoma" panose="020B0604030504040204" pitchFamily="34" charset="0"/>
+              </a:rPr>
+              <a:t>ít</a:t>
+            </a:r>
+            <a:r>
+              <a:rPr lang="en-GB" sz="3200" dirty="0">
+                <a:latin typeface="Tahoma" panose="020B0604030504040204" pitchFamily="34" charset="0"/>
+                <a:ea typeface="Tahoma" panose="020B0604030504040204" pitchFamily="34" charset="0"/>
+                <a:cs typeface="Tahoma" panose="020B0604030504040204" pitchFamily="34" charset="0"/>
+              </a:rPr>
+              <a:t> </a:t>
+            </a:r>
+            <a:r>
+              <a:rPr lang="en-GB" sz="3200" dirty="0" err="1">
+                <a:latin typeface="Tahoma" panose="020B0604030504040204" pitchFamily="34" charset="0"/>
+                <a:ea typeface="Tahoma" panose="020B0604030504040204" pitchFamily="34" charset="0"/>
+                <a:cs typeface="Tahoma" panose="020B0604030504040204" pitchFamily="34" charset="0"/>
+              </a:rPr>
+              <a:t>thay</a:t>
+            </a:r>
+            <a:r>
+              <a:rPr lang="en-GB" sz="3200" dirty="0">
+                <a:latin typeface="Tahoma" panose="020B0604030504040204" pitchFamily="34" charset="0"/>
+                <a:ea typeface="Tahoma" panose="020B0604030504040204" pitchFamily="34" charset="0"/>
+                <a:cs typeface="Tahoma" panose="020B0604030504040204" pitchFamily="34" charset="0"/>
+              </a:rPr>
+              <a:t> </a:t>
+            </a:r>
+            <a:r>
+              <a:rPr lang="en-GB" sz="3200" dirty="0" err="1">
+                <a:latin typeface="Tahoma" panose="020B0604030504040204" pitchFamily="34" charset="0"/>
+                <a:ea typeface="Tahoma" panose="020B0604030504040204" pitchFamily="34" charset="0"/>
+                <a:cs typeface="Tahoma" panose="020B0604030504040204" pitchFamily="34" charset="0"/>
+              </a:rPr>
+              <a:t>đổi</a:t>
+            </a:r>
+            <a:r>
+              <a:rPr lang="en-GB" sz="3200" dirty="0">
+                <a:latin typeface="Tahoma" panose="020B0604030504040204" pitchFamily="34" charset="0"/>
+                <a:ea typeface="Tahoma" panose="020B0604030504040204" pitchFamily="34" charset="0"/>
+                <a:cs typeface="Tahoma" panose="020B0604030504040204" pitchFamily="34" charset="0"/>
+              </a:rPr>
+              <a:t>.</a:t>
+            </a:r>
+          </a:p>
+          <a:p>
+            <a:r>
+              <a:rPr lang="en-GB" sz="3200" dirty="0" err="1">
+                <a:latin typeface="Tahoma" panose="020B0604030504040204" pitchFamily="34" charset="0"/>
+                <a:ea typeface="Tahoma" panose="020B0604030504040204" pitchFamily="34" charset="0"/>
+                <a:cs typeface="Tahoma" panose="020B0604030504040204" pitchFamily="34" charset="0"/>
+              </a:rPr>
+              <a:t>Độ</a:t>
+            </a:r>
+            <a:r>
+              <a:rPr lang="en-GB" sz="3200" dirty="0">
+                <a:latin typeface="Tahoma" panose="020B0604030504040204" pitchFamily="34" charset="0"/>
+                <a:ea typeface="Tahoma" panose="020B0604030504040204" pitchFamily="34" charset="0"/>
+                <a:cs typeface="Tahoma" panose="020B0604030504040204" pitchFamily="34" charset="0"/>
+              </a:rPr>
+              <a:t> </a:t>
+            </a:r>
+            <a:r>
+              <a:rPr lang="en-GB" sz="3200" dirty="0" err="1">
+                <a:latin typeface="Tahoma" panose="020B0604030504040204" pitchFamily="34" charset="0"/>
+                <a:ea typeface="Tahoma" panose="020B0604030504040204" pitchFamily="34" charset="0"/>
+                <a:cs typeface="Tahoma" panose="020B0604030504040204" pitchFamily="34" charset="0"/>
+              </a:rPr>
+              <a:t>chính</a:t>
+            </a:r>
+            <a:r>
+              <a:rPr lang="en-GB" sz="3200" dirty="0">
+                <a:latin typeface="Tahoma" panose="020B0604030504040204" pitchFamily="34" charset="0"/>
+                <a:ea typeface="Tahoma" panose="020B0604030504040204" pitchFamily="34" charset="0"/>
+                <a:cs typeface="Tahoma" panose="020B0604030504040204" pitchFamily="34" charset="0"/>
+              </a:rPr>
+              <a:t> </a:t>
+            </a:r>
+            <a:r>
+              <a:rPr lang="en-GB" sz="3200" dirty="0" err="1">
+                <a:latin typeface="Tahoma" panose="020B0604030504040204" pitchFamily="34" charset="0"/>
+                <a:ea typeface="Tahoma" panose="020B0604030504040204" pitchFamily="34" charset="0"/>
+                <a:cs typeface="Tahoma" panose="020B0604030504040204" pitchFamily="34" charset="0"/>
+              </a:rPr>
+              <a:t>xác</a:t>
+            </a:r>
+            <a:r>
+              <a:rPr lang="en-GB" sz="3200" dirty="0">
+                <a:latin typeface="Tahoma" panose="020B0604030504040204" pitchFamily="34" charset="0"/>
+                <a:ea typeface="Tahoma" panose="020B0604030504040204" pitchFamily="34" charset="0"/>
+                <a:cs typeface="Tahoma" panose="020B0604030504040204" pitchFamily="34" charset="0"/>
+              </a:rPr>
+              <a:t> </a:t>
+            </a:r>
+            <a:r>
+              <a:rPr lang="en-GB" sz="3200" dirty="0" err="1">
+                <a:latin typeface="Tahoma" panose="020B0604030504040204" pitchFamily="34" charset="0"/>
+                <a:ea typeface="Tahoma" panose="020B0604030504040204" pitchFamily="34" charset="0"/>
+                <a:cs typeface="Tahoma" panose="020B0604030504040204" pitchFamily="34" charset="0"/>
+              </a:rPr>
+              <a:t>tập</a:t>
+            </a:r>
+            <a:r>
+              <a:rPr lang="en-GB" sz="3200" dirty="0">
+                <a:latin typeface="Tahoma" panose="020B0604030504040204" pitchFamily="34" charset="0"/>
+                <a:ea typeface="Tahoma" panose="020B0604030504040204" pitchFamily="34" charset="0"/>
+                <a:cs typeface="Tahoma" panose="020B0604030504040204" pitchFamily="34" charset="0"/>
+              </a:rPr>
+              <a:t> test </a:t>
+            </a:r>
+            <a:r>
+              <a:rPr lang="en-GB" sz="3200" dirty="0" err="1">
+                <a:latin typeface="Tahoma" panose="020B0604030504040204" pitchFamily="34" charset="0"/>
+                <a:ea typeface="Tahoma" panose="020B0604030504040204" pitchFamily="34" charset="0"/>
+                <a:cs typeface="Tahoma" panose="020B0604030504040204" pitchFamily="34" charset="0"/>
+              </a:rPr>
+              <a:t>đổi</a:t>
+            </a:r>
+            <a:r>
+              <a:rPr lang="en-GB" sz="3200" dirty="0">
+                <a:latin typeface="Tahoma" panose="020B0604030504040204" pitchFamily="34" charset="0"/>
+                <a:ea typeface="Tahoma" panose="020B0604030504040204" pitchFamily="34" charset="0"/>
+                <a:cs typeface="Tahoma" panose="020B0604030504040204" pitchFamily="34" charset="0"/>
+              </a:rPr>
+              <a:t> </a:t>
+            </a:r>
+            <a:r>
+              <a:rPr lang="en-GB" sz="3200" dirty="0" err="1">
+                <a:latin typeface="Tahoma" panose="020B0604030504040204" pitchFamily="34" charset="0"/>
+                <a:ea typeface="Tahoma" panose="020B0604030504040204" pitchFamily="34" charset="0"/>
+                <a:cs typeface="Tahoma" panose="020B0604030504040204" pitchFamily="34" charset="0"/>
+              </a:rPr>
+              <a:t>nhiều</a:t>
+            </a:r>
+            <a:r>
+              <a:rPr lang="en-GB" sz="3200" dirty="0">
+                <a:latin typeface="Tahoma" panose="020B0604030504040204" pitchFamily="34" charset="0"/>
+                <a:ea typeface="Tahoma" panose="020B0604030504040204" pitchFamily="34" charset="0"/>
+                <a:cs typeface="Tahoma" panose="020B0604030504040204" pitchFamily="34" charset="0"/>
+              </a:rPr>
+              <a:t> h</a:t>
+            </a:r>
+            <a:r>
+              <a:rPr lang="vi-VN" sz="3200" dirty="0">
+                <a:latin typeface="Tahoma" panose="020B0604030504040204" pitchFamily="34" charset="0"/>
+                <a:ea typeface="Tahoma" panose="020B0604030504040204" pitchFamily="34" charset="0"/>
+                <a:cs typeface="Tahoma" panose="020B0604030504040204" pitchFamily="34" charset="0"/>
+              </a:rPr>
+              <a:t>ơ</a:t>
+            </a:r>
+            <a:r>
+              <a:rPr lang="en-GB" sz="3200" dirty="0">
+                <a:latin typeface="Tahoma" panose="020B0604030504040204" pitchFamily="34" charset="0"/>
+                <a:ea typeface="Tahoma" panose="020B0604030504040204" pitchFamily="34" charset="0"/>
+                <a:cs typeface="Tahoma" panose="020B0604030504040204" pitchFamily="34" charset="0"/>
+              </a:rPr>
+              <a:t>n.</a:t>
+            </a:r>
+          </a:p>
+        </p:txBody>
+      </p:sp>
+      <p:sp>
+        <p:nvSpPr>
+          <p:cNvPr id="4" name="Slide Number Placeholder 3">
+            <a:extLst>
+              <a:ext uri="{FF2B5EF4-FFF2-40B4-BE49-F238E27FC236}">
+                <a16:creationId xmlns:a16="http://schemas.microsoft.com/office/drawing/2014/main" id="{6C64944E-A08E-4619-A3B7-8AE909B74DE7}"/>
               </a:ext>
             </a:extLst>
           </p:cNvPr>
@@ -6176,6 +6169,93 @@
             <a:fld id="{C2A74E92-A1E9-4D96-8B19-9FA9AB19DBB5}" type="slidenum">
               <a:rPr lang="en-GB" smtClean="0"/>
               <a:t>15</a:t>
+            </a:fld>
+            <a:endParaRPr lang="en-GB"/>
+          </a:p>
+        </p:txBody>
+      </p:sp>
+    </p:spTree>
+    <p:extLst>
+      <p:ext uri="{BB962C8B-B14F-4D97-AF65-F5344CB8AC3E}">
+        <p14:creationId xmlns:p14="http://schemas.microsoft.com/office/powerpoint/2010/main" val="1109065599"/>
+      </p:ext>
+    </p:extLst>
+  </p:cSld>
+  <p:clrMapOvr>
+    <a:masterClrMapping/>
+  </p:clrMapOvr>
+</p:sld>
+</file>
+
+<file path=ppt/slides/slide16.xml><?xml version="1.0" encoding="utf-8"?>
+<p:sld xmlns:a="http://schemas.openxmlformats.org/drawingml/2006/main" xmlns:r="http://schemas.openxmlformats.org/officeDocument/2006/relationships" xmlns:p="http://schemas.openxmlformats.org/presentationml/2006/main">
+  <p:cSld>
+    <p:spTree>
+      <p:nvGrpSpPr>
+        <p:cNvPr id="1" name=""/>
+        <p:cNvGrpSpPr/>
+        <p:nvPr/>
+      </p:nvGrpSpPr>
+      <p:grpSpPr>
+        <a:xfrm>
+          <a:off x="0" y="0"/>
+          <a:ext cx="0" cy="0"/>
+          <a:chOff x="0" y="0"/>
+          <a:chExt cx="0" cy="0"/>
+        </a:xfrm>
+      </p:grpSpPr>
+      <p:sp>
+        <p:nvSpPr>
+          <p:cNvPr id="2" name="Title 1">
+            <a:extLst>
+              <a:ext uri="{FF2B5EF4-FFF2-40B4-BE49-F238E27FC236}">
+                <a16:creationId xmlns:a16="http://schemas.microsoft.com/office/drawing/2014/main" id="{1D93F1A6-3F6E-4AAE-87E7-4A5E17E10228}"/>
+              </a:ext>
+            </a:extLst>
+          </p:cNvPr>
+          <p:cNvSpPr>
+            <a:spLocks noGrp="1"/>
+          </p:cNvSpPr>
+          <p:nvPr>
+            <p:ph type="title"/>
+          </p:nvPr>
+        </p:nvSpPr>
+        <p:spPr/>
+        <p:txBody>
+          <a:bodyPr/>
+          <a:lstStyle/>
+          <a:p>
+            <a:r>
+              <a:rPr lang="en-GB" b="1" dirty="0"/>
+              <a:t>HỌC – KIỂM THỬ VÀ KẾT QUẢ</a:t>
+            </a:r>
+          </a:p>
+        </p:txBody>
+      </p:sp>
+      <p:sp>
+        <p:nvSpPr>
+          <p:cNvPr id="3" name="Slide Number Placeholder 2">
+            <a:extLst>
+              <a:ext uri="{FF2B5EF4-FFF2-40B4-BE49-F238E27FC236}">
+                <a16:creationId xmlns:a16="http://schemas.microsoft.com/office/drawing/2014/main" id="{F3CCCA9D-FD58-4B08-8D27-1D15436AB67D}"/>
+              </a:ext>
+            </a:extLst>
+          </p:cNvPr>
+          <p:cNvSpPr>
+            <a:spLocks noGrp="1"/>
+          </p:cNvSpPr>
+          <p:nvPr>
+            <p:ph type="sldNum" sz="quarter" idx="12"/>
+          </p:nvPr>
+        </p:nvSpPr>
+        <p:spPr/>
+        <p:txBody>
+          <a:bodyPr/>
+          <a:lstStyle/>
+          <a:p>
+            <a:fld id="{C2A74E92-A1E9-4D96-8B19-9FA9AB19DBB5}" type="slidenum">
+              <a:rPr lang="en-GB" smtClean="0"/>
+              <a:t>16</a:t>
             </a:fld>
             <a:endParaRPr lang="en-GB"/>
           </a:p>
@@ -6254,793 +6334,6 @@
 </p:sld>
 </file>
 
-<file path=ppt/slides/slide16.xml><?xml version="1.0" encoding="utf-8"?>
-<p:sld xmlns:a="http://schemas.openxmlformats.org/drawingml/2006/main" xmlns:r="http://schemas.openxmlformats.org/officeDocument/2006/relationships" xmlns:p="http://schemas.openxmlformats.org/presentationml/2006/main">
-  <p:cSld>
-    <p:spTree>
-      <p:nvGrpSpPr>
-        <p:cNvPr id="1" name=""/>
-        <p:cNvGrpSpPr/>
-        <p:nvPr/>
-      </p:nvGrpSpPr>
-      <p:grpSpPr>
-        <a:xfrm>
-          <a:off x="0" y="0"/>
-          <a:ext cx="0" cy="0"/>
-          <a:chOff x="0" y="0"/>
-          <a:chExt cx="0" cy="0"/>
-        </a:xfrm>
-      </p:grpSpPr>
-      <p:sp>
-        <p:nvSpPr>
-          <p:cNvPr id="2" name="Title 1">
-            <a:extLst>
-              <a:ext uri="{FF2B5EF4-FFF2-40B4-BE49-F238E27FC236}">
-                <a16:creationId xmlns:a16="http://schemas.microsoft.com/office/drawing/2014/main" id="{39BC34D7-950C-4BDB-A6E2-BBB15415760A}"/>
-              </a:ext>
-            </a:extLst>
-          </p:cNvPr>
-          <p:cNvSpPr>
-            <a:spLocks noGrp="1"/>
-          </p:cNvSpPr>
-          <p:nvPr>
-            <p:ph type="title"/>
-          </p:nvPr>
-        </p:nvSpPr>
-        <p:spPr/>
-        <p:txBody>
-          <a:bodyPr/>
-          <a:lstStyle/>
-          <a:p>
-            <a:r>
-              <a:rPr lang="en-GB" b="1" dirty="0"/>
-              <a:t>ĐÁNH GIÁ</a:t>
-            </a:r>
-          </a:p>
-        </p:txBody>
-      </p:sp>
-      <p:sp>
-        <p:nvSpPr>
-          <p:cNvPr id="3" name="Content Placeholder 2">
-            <a:extLst>
-              <a:ext uri="{FF2B5EF4-FFF2-40B4-BE49-F238E27FC236}">
-                <a16:creationId xmlns:a16="http://schemas.microsoft.com/office/drawing/2014/main" id="{A6DD4D32-1255-4CB5-9090-D1E449BD0624}"/>
-              </a:ext>
-            </a:extLst>
-          </p:cNvPr>
-          <p:cNvSpPr>
-            <a:spLocks noGrp="1"/>
-          </p:cNvSpPr>
-          <p:nvPr>
-            <p:ph sz="half" idx="1"/>
-          </p:nvPr>
-        </p:nvSpPr>
-        <p:spPr/>
-        <p:txBody>
-          <a:bodyPr>
-            <a:normAutofit/>
-          </a:bodyPr>
-          <a:lstStyle/>
-          <a:p>
-            <a:pPr marL="0" indent="0">
-              <a:buNone/>
-            </a:pPr>
-            <a:r>
-              <a:rPr lang="en-GB" sz="3200" dirty="0" err="1">
-                <a:latin typeface="Tahoma" panose="020B0604030504040204" pitchFamily="34" charset="0"/>
-                <a:ea typeface="Tahoma" panose="020B0604030504040204" pitchFamily="34" charset="0"/>
-                <a:cs typeface="Tahoma" panose="020B0604030504040204" pitchFamily="34" charset="0"/>
-              </a:rPr>
-              <a:t>Dữ</a:t>
-            </a:r>
-            <a:r>
-              <a:rPr lang="en-GB" sz="3200" dirty="0">
-                <a:latin typeface="Tahoma" panose="020B0604030504040204" pitchFamily="34" charset="0"/>
-                <a:ea typeface="Tahoma" panose="020B0604030504040204" pitchFamily="34" charset="0"/>
-                <a:cs typeface="Tahoma" panose="020B0604030504040204" pitchFamily="34" charset="0"/>
-              </a:rPr>
-              <a:t> </a:t>
-            </a:r>
-            <a:r>
-              <a:rPr lang="en-GB" sz="3200" dirty="0" err="1">
-                <a:latin typeface="Tahoma" panose="020B0604030504040204" pitchFamily="34" charset="0"/>
-                <a:ea typeface="Tahoma" panose="020B0604030504040204" pitchFamily="34" charset="0"/>
-                <a:cs typeface="Tahoma" panose="020B0604030504040204" pitchFamily="34" charset="0"/>
-              </a:rPr>
-              <a:t>liệu</a:t>
-            </a:r>
-            <a:r>
-              <a:rPr lang="en-GB" sz="3200" dirty="0">
-                <a:latin typeface="Tahoma" panose="020B0604030504040204" pitchFamily="34" charset="0"/>
-                <a:ea typeface="Tahoma" panose="020B0604030504040204" pitchFamily="34" charset="0"/>
-                <a:cs typeface="Tahoma" panose="020B0604030504040204" pitchFamily="34" charset="0"/>
-              </a:rPr>
-              <a:t>:</a:t>
-            </a:r>
-          </a:p>
-          <a:p>
-            <a:r>
-              <a:rPr lang="en-GB" sz="3200" dirty="0" err="1">
-                <a:latin typeface="Tahoma" panose="020B0604030504040204" pitchFamily="34" charset="0"/>
-                <a:ea typeface="Tahoma" panose="020B0604030504040204" pitchFamily="34" charset="0"/>
-                <a:cs typeface="Tahoma" panose="020B0604030504040204" pitchFamily="34" charset="0"/>
-              </a:rPr>
-              <a:t>Nguồn</a:t>
-            </a:r>
-            <a:r>
-              <a:rPr lang="en-GB" sz="3200" dirty="0">
-                <a:latin typeface="Tahoma" panose="020B0604030504040204" pitchFamily="34" charset="0"/>
-                <a:ea typeface="Tahoma" panose="020B0604030504040204" pitchFamily="34" charset="0"/>
-                <a:cs typeface="Tahoma" panose="020B0604030504040204" pitchFamily="34" charset="0"/>
-              </a:rPr>
-              <a:t> </a:t>
-            </a:r>
-            <a:r>
-              <a:rPr lang="en-GB" sz="3200" dirty="0" err="1">
-                <a:latin typeface="Tahoma" panose="020B0604030504040204" pitchFamily="34" charset="0"/>
-                <a:ea typeface="Tahoma" panose="020B0604030504040204" pitchFamily="34" charset="0"/>
-                <a:cs typeface="Tahoma" panose="020B0604030504040204" pitchFamily="34" charset="0"/>
-              </a:rPr>
-              <a:t>dữ</a:t>
-            </a:r>
-            <a:r>
-              <a:rPr lang="en-GB" sz="3200" dirty="0">
-                <a:latin typeface="Tahoma" panose="020B0604030504040204" pitchFamily="34" charset="0"/>
-                <a:ea typeface="Tahoma" panose="020B0604030504040204" pitchFamily="34" charset="0"/>
-                <a:cs typeface="Tahoma" panose="020B0604030504040204" pitchFamily="34" charset="0"/>
-              </a:rPr>
-              <a:t> </a:t>
-            </a:r>
-            <a:r>
-              <a:rPr lang="en-GB" sz="3200" dirty="0" err="1">
-                <a:latin typeface="Tahoma" panose="020B0604030504040204" pitchFamily="34" charset="0"/>
-                <a:ea typeface="Tahoma" panose="020B0604030504040204" pitchFamily="34" charset="0"/>
-                <a:cs typeface="Tahoma" panose="020B0604030504040204" pitchFamily="34" charset="0"/>
-              </a:rPr>
-              <a:t>liệu</a:t>
-            </a:r>
-            <a:r>
-              <a:rPr lang="en-GB" sz="3200" dirty="0">
-                <a:latin typeface="Tahoma" panose="020B0604030504040204" pitchFamily="34" charset="0"/>
-                <a:ea typeface="Tahoma" panose="020B0604030504040204" pitchFamily="34" charset="0"/>
-                <a:cs typeface="Tahoma" panose="020B0604030504040204" pitchFamily="34" charset="0"/>
-              </a:rPr>
-              <a:t> </a:t>
-            </a:r>
-            <a:r>
-              <a:rPr lang="en-GB" sz="3200" dirty="0" err="1">
-                <a:latin typeface="Tahoma" panose="020B0604030504040204" pitchFamily="34" charset="0"/>
-                <a:ea typeface="Tahoma" panose="020B0604030504040204" pitchFamily="34" charset="0"/>
-                <a:cs typeface="Tahoma" panose="020B0604030504040204" pitchFamily="34" charset="0"/>
-              </a:rPr>
-              <a:t>khó</a:t>
-            </a:r>
-            <a:r>
-              <a:rPr lang="en-GB" sz="3200" dirty="0">
-                <a:latin typeface="Tahoma" panose="020B0604030504040204" pitchFamily="34" charset="0"/>
-                <a:ea typeface="Tahoma" panose="020B0604030504040204" pitchFamily="34" charset="0"/>
-                <a:cs typeface="Tahoma" panose="020B0604030504040204" pitchFamily="34" charset="0"/>
-              </a:rPr>
-              <a:t> </a:t>
-            </a:r>
-            <a:r>
-              <a:rPr lang="en-GB" sz="3200" dirty="0" err="1">
-                <a:latin typeface="Tahoma" panose="020B0604030504040204" pitchFamily="34" charset="0"/>
-                <a:ea typeface="Tahoma" panose="020B0604030504040204" pitchFamily="34" charset="0"/>
-                <a:cs typeface="Tahoma" panose="020B0604030504040204" pitchFamily="34" charset="0"/>
-              </a:rPr>
-              <a:t>kiếm</a:t>
-            </a:r>
-            <a:r>
-              <a:rPr lang="en-GB" sz="3200" dirty="0">
-                <a:latin typeface="Tahoma" panose="020B0604030504040204" pitchFamily="34" charset="0"/>
-                <a:ea typeface="Tahoma" panose="020B0604030504040204" pitchFamily="34" charset="0"/>
-                <a:cs typeface="Tahoma" panose="020B0604030504040204" pitchFamily="34" charset="0"/>
-              </a:rPr>
-              <a:t>.</a:t>
-            </a:r>
-          </a:p>
-          <a:p>
-            <a:r>
-              <a:rPr lang="en-GB" sz="3200" dirty="0" err="1">
-                <a:latin typeface="Tahoma" panose="020B0604030504040204" pitchFamily="34" charset="0"/>
-                <a:ea typeface="Tahoma" panose="020B0604030504040204" pitchFamily="34" charset="0"/>
-                <a:cs typeface="Tahoma" panose="020B0604030504040204" pitchFamily="34" charset="0"/>
-              </a:rPr>
-              <a:t>Còn</a:t>
-            </a:r>
-            <a:r>
-              <a:rPr lang="en-GB" sz="3200" dirty="0">
-                <a:latin typeface="Tahoma" panose="020B0604030504040204" pitchFamily="34" charset="0"/>
-                <a:ea typeface="Tahoma" panose="020B0604030504040204" pitchFamily="34" charset="0"/>
-                <a:cs typeface="Tahoma" panose="020B0604030504040204" pitchFamily="34" charset="0"/>
-              </a:rPr>
-              <a:t> </a:t>
-            </a:r>
-            <a:r>
-              <a:rPr lang="en-GB" sz="3200" dirty="0" err="1">
-                <a:latin typeface="Tahoma" panose="020B0604030504040204" pitchFamily="34" charset="0"/>
-                <a:ea typeface="Tahoma" panose="020B0604030504040204" pitchFamily="34" charset="0"/>
-                <a:cs typeface="Tahoma" panose="020B0604030504040204" pitchFamily="34" charset="0"/>
-              </a:rPr>
-              <a:t>gặp</a:t>
-            </a:r>
-            <a:r>
-              <a:rPr lang="en-GB" sz="3200" dirty="0">
-                <a:latin typeface="Tahoma" panose="020B0604030504040204" pitchFamily="34" charset="0"/>
-                <a:ea typeface="Tahoma" panose="020B0604030504040204" pitchFamily="34" charset="0"/>
-                <a:cs typeface="Tahoma" panose="020B0604030504040204" pitchFamily="34" charset="0"/>
-              </a:rPr>
-              <a:t> </a:t>
-            </a:r>
-            <a:r>
-              <a:rPr lang="en-GB" sz="3200" dirty="0" err="1">
-                <a:latin typeface="Tahoma" panose="020B0604030504040204" pitchFamily="34" charset="0"/>
-                <a:ea typeface="Tahoma" panose="020B0604030504040204" pitchFamily="34" charset="0"/>
-                <a:cs typeface="Tahoma" panose="020B0604030504040204" pitchFamily="34" charset="0"/>
-              </a:rPr>
-              <a:t>vấn</a:t>
-            </a:r>
-            <a:r>
-              <a:rPr lang="en-GB" sz="3200" dirty="0">
-                <a:latin typeface="Tahoma" panose="020B0604030504040204" pitchFamily="34" charset="0"/>
-                <a:ea typeface="Tahoma" panose="020B0604030504040204" pitchFamily="34" charset="0"/>
-                <a:cs typeface="Tahoma" panose="020B0604030504040204" pitchFamily="34" charset="0"/>
-              </a:rPr>
-              <a:t> </a:t>
-            </a:r>
-            <a:r>
-              <a:rPr lang="en-GB" sz="3200" dirty="0" err="1">
-                <a:latin typeface="Tahoma" panose="020B0604030504040204" pitchFamily="34" charset="0"/>
-                <a:ea typeface="Tahoma" panose="020B0604030504040204" pitchFamily="34" charset="0"/>
-                <a:cs typeface="Tahoma" panose="020B0604030504040204" pitchFamily="34" charset="0"/>
-              </a:rPr>
-              <a:t>đề</a:t>
-            </a:r>
-            <a:r>
-              <a:rPr lang="en-GB" sz="3200" dirty="0">
-                <a:latin typeface="Tahoma" panose="020B0604030504040204" pitchFamily="34" charset="0"/>
-                <a:ea typeface="Tahoma" panose="020B0604030504040204" pitchFamily="34" charset="0"/>
-                <a:cs typeface="Tahoma" panose="020B0604030504040204" pitchFamily="34" charset="0"/>
-              </a:rPr>
-              <a:t> </a:t>
-            </a:r>
-            <a:r>
-              <a:rPr lang="en-GB" sz="3200" dirty="0" err="1">
-                <a:latin typeface="Tahoma" panose="020B0604030504040204" pitchFamily="34" charset="0"/>
-                <a:ea typeface="Tahoma" panose="020B0604030504040204" pitchFamily="34" charset="0"/>
-                <a:cs typeface="Tahoma" panose="020B0604030504040204" pitchFamily="34" charset="0"/>
-              </a:rPr>
-              <a:t>về</a:t>
-            </a:r>
-            <a:r>
-              <a:rPr lang="en-GB" sz="3200" dirty="0">
-                <a:latin typeface="Tahoma" panose="020B0604030504040204" pitchFamily="34" charset="0"/>
-                <a:ea typeface="Tahoma" panose="020B0604030504040204" pitchFamily="34" charset="0"/>
-                <a:cs typeface="Tahoma" panose="020B0604030504040204" pitchFamily="34" charset="0"/>
-              </a:rPr>
-              <a:t> 3 </a:t>
-            </a:r>
-            <a:r>
-              <a:rPr lang="en-GB" sz="3200" dirty="0" err="1">
-                <a:latin typeface="Tahoma" panose="020B0604030504040204" pitchFamily="34" charset="0"/>
-                <a:ea typeface="Tahoma" panose="020B0604030504040204" pitchFamily="34" charset="0"/>
-                <a:cs typeface="Tahoma" panose="020B0604030504040204" pitchFamily="34" charset="0"/>
-              </a:rPr>
-              <a:t>thuộc</a:t>
-            </a:r>
-            <a:r>
-              <a:rPr lang="en-GB" sz="3200" dirty="0">
-                <a:latin typeface="Tahoma" panose="020B0604030504040204" pitchFamily="34" charset="0"/>
-                <a:ea typeface="Tahoma" panose="020B0604030504040204" pitchFamily="34" charset="0"/>
-                <a:cs typeface="Tahoma" panose="020B0604030504040204" pitchFamily="34" charset="0"/>
-              </a:rPr>
-              <a:t> </a:t>
-            </a:r>
-            <a:r>
-              <a:rPr lang="en-GB" sz="3200" dirty="0" err="1">
-                <a:latin typeface="Tahoma" panose="020B0604030504040204" pitchFamily="34" charset="0"/>
-                <a:ea typeface="Tahoma" panose="020B0604030504040204" pitchFamily="34" charset="0"/>
-                <a:cs typeface="Tahoma" panose="020B0604030504040204" pitchFamily="34" charset="0"/>
-              </a:rPr>
-              <a:t>tính</a:t>
-            </a:r>
-            <a:r>
-              <a:rPr lang="en-GB" sz="3200" dirty="0">
-                <a:latin typeface="Tahoma" panose="020B0604030504040204" pitchFamily="34" charset="0"/>
-                <a:ea typeface="Tahoma" panose="020B0604030504040204" pitchFamily="34" charset="0"/>
-                <a:cs typeface="Tahoma" panose="020B0604030504040204" pitchFamily="34" charset="0"/>
-              </a:rPr>
-              <a:t> (</a:t>
-            </a:r>
-            <a:r>
-              <a:rPr lang="en-GB" sz="3200" dirty="0" err="1">
-                <a:latin typeface="Tahoma" panose="020B0604030504040204" pitchFamily="34" charset="0"/>
-                <a:ea typeface="Tahoma" panose="020B0604030504040204" pitchFamily="34" charset="0"/>
-                <a:cs typeface="Tahoma" panose="020B0604030504040204" pitchFamily="34" charset="0"/>
-              </a:rPr>
-              <a:t>RAM,storage,price</a:t>
-            </a:r>
-            <a:r>
-              <a:rPr lang="en-GB" sz="3200" dirty="0">
-                <a:latin typeface="Tahoma" panose="020B0604030504040204" pitchFamily="34" charset="0"/>
-                <a:ea typeface="Tahoma" panose="020B0604030504040204" pitchFamily="34" charset="0"/>
-                <a:cs typeface="Tahoma" panose="020B0604030504040204" pitchFamily="34" charset="0"/>
-              </a:rPr>
-              <a:t>).</a:t>
-            </a:r>
-          </a:p>
-          <a:p>
-            <a:r>
-              <a:rPr lang="en-GB" sz="3200" dirty="0" err="1">
-                <a:latin typeface="Tahoma" panose="020B0604030504040204" pitchFamily="34" charset="0"/>
-                <a:ea typeface="Tahoma" panose="020B0604030504040204" pitchFamily="34" charset="0"/>
-                <a:cs typeface="Tahoma" panose="020B0604030504040204" pitchFamily="34" charset="0"/>
-              </a:rPr>
-              <a:t>Xử</a:t>
-            </a:r>
-            <a:r>
-              <a:rPr lang="en-GB" sz="3200" dirty="0">
-                <a:latin typeface="Tahoma" panose="020B0604030504040204" pitchFamily="34" charset="0"/>
-                <a:ea typeface="Tahoma" panose="020B0604030504040204" pitchFamily="34" charset="0"/>
-                <a:cs typeface="Tahoma" panose="020B0604030504040204" pitchFamily="34" charset="0"/>
-              </a:rPr>
-              <a:t> </a:t>
-            </a:r>
-            <a:r>
-              <a:rPr lang="en-GB" sz="3200" dirty="0" err="1">
-                <a:latin typeface="Tahoma" panose="020B0604030504040204" pitchFamily="34" charset="0"/>
-                <a:ea typeface="Tahoma" panose="020B0604030504040204" pitchFamily="34" charset="0"/>
-                <a:cs typeface="Tahoma" panose="020B0604030504040204" pitchFamily="34" charset="0"/>
-              </a:rPr>
-              <a:t>lí</a:t>
-            </a:r>
-            <a:r>
-              <a:rPr lang="en-GB" sz="3200" dirty="0">
-                <a:latin typeface="Tahoma" panose="020B0604030504040204" pitchFamily="34" charset="0"/>
-                <a:ea typeface="Tahoma" panose="020B0604030504040204" pitchFamily="34" charset="0"/>
-                <a:cs typeface="Tahoma" panose="020B0604030504040204" pitchFamily="34" charset="0"/>
-              </a:rPr>
-              <a:t> </a:t>
-            </a:r>
-            <a:r>
-              <a:rPr lang="en-GB" sz="3200" dirty="0" err="1">
-                <a:latin typeface="Tahoma" panose="020B0604030504040204" pitchFamily="34" charset="0"/>
-                <a:ea typeface="Tahoma" panose="020B0604030504040204" pitchFamily="34" charset="0"/>
-                <a:cs typeface="Tahoma" panose="020B0604030504040204" pitchFamily="34" charset="0"/>
-              </a:rPr>
-              <a:t>dữ</a:t>
-            </a:r>
-            <a:r>
-              <a:rPr lang="en-GB" sz="3200" dirty="0">
-                <a:latin typeface="Tahoma" panose="020B0604030504040204" pitchFamily="34" charset="0"/>
-                <a:ea typeface="Tahoma" panose="020B0604030504040204" pitchFamily="34" charset="0"/>
-                <a:cs typeface="Tahoma" panose="020B0604030504040204" pitchFamily="34" charset="0"/>
-              </a:rPr>
-              <a:t> </a:t>
-            </a:r>
-            <a:r>
-              <a:rPr lang="en-GB" sz="3200" dirty="0" err="1">
-                <a:latin typeface="Tahoma" panose="020B0604030504040204" pitchFamily="34" charset="0"/>
-                <a:ea typeface="Tahoma" panose="020B0604030504040204" pitchFamily="34" charset="0"/>
-                <a:cs typeface="Tahoma" panose="020B0604030504040204" pitchFamily="34" charset="0"/>
-              </a:rPr>
-              <a:t>liệu</a:t>
-            </a:r>
-            <a:r>
-              <a:rPr lang="en-GB" sz="3200" dirty="0">
-                <a:latin typeface="Tahoma" panose="020B0604030504040204" pitchFamily="34" charset="0"/>
-                <a:ea typeface="Tahoma" panose="020B0604030504040204" pitchFamily="34" charset="0"/>
-                <a:cs typeface="Tahoma" panose="020B0604030504040204" pitchFamily="34" charset="0"/>
-              </a:rPr>
-              <a:t> </a:t>
-            </a:r>
-            <a:r>
-              <a:rPr lang="en-GB" sz="3200" dirty="0" err="1">
-                <a:latin typeface="Tahoma" panose="020B0604030504040204" pitchFamily="34" charset="0"/>
-                <a:ea typeface="Tahoma" panose="020B0604030504040204" pitchFamily="34" charset="0"/>
-                <a:cs typeface="Tahoma" panose="020B0604030504040204" pitchFamily="34" charset="0"/>
-              </a:rPr>
-              <a:t>thiếu</a:t>
-            </a:r>
-            <a:r>
-              <a:rPr lang="en-GB" sz="3200" dirty="0">
-                <a:latin typeface="Tahoma" panose="020B0604030504040204" pitchFamily="34" charset="0"/>
-                <a:ea typeface="Tahoma" panose="020B0604030504040204" pitchFamily="34" charset="0"/>
-                <a:cs typeface="Tahoma" panose="020B0604030504040204" pitchFamily="34" charset="0"/>
-              </a:rPr>
-              <a:t>.</a:t>
-            </a:r>
-          </a:p>
-        </p:txBody>
-      </p:sp>
-      <p:sp>
-        <p:nvSpPr>
-          <p:cNvPr id="4" name="Content Placeholder 3">
-            <a:extLst>
-              <a:ext uri="{FF2B5EF4-FFF2-40B4-BE49-F238E27FC236}">
-                <a16:creationId xmlns:a16="http://schemas.microsoft.com/office/drawing/2014/main" id="{5B579535-C902-409D-97B8-ED72A6F5DA67}"/>
-              </a:ext>
-            </a:extLst>
-          </p:cNvPr>
-          <p:cNvSpPr>
-            <a:spLocks noGrp="1"/>
-          </p:cNvSpPr>
-          <p:nvPr>
-            <p:ph sz="half" idx="2"/>
-          </p:nvPr>
-        </p:nvSpPr>
-        <p:spPr/>
-        <p:txBody>
-          <a:bodyPr>
-            <a:normAutofit/>
-          </a:bodyPr>
-          <a:lstStyle/>
-          <a:p>
-            <a:pPr marL="0" indent="0">
-              <a:buNone/>
-            </a:pPr>
-            <a:r>
-              <a:rPr lang="en-GB" sz="3200" dirty="0" err="1">
-                <a:latin typeface="Tahoma" panose="020B0604030504040204" pitchFamily="34" charset="0"/>
-                <a:ea typeface="Tahoma" panose="020B0604030504040204" pitchFamily="34" charset="0"/>
-                <a:cs typeface="Tahoma" panose="020B0604030504040204" pitchFamily="34" charset="0"/>
-              </a:rPr>
-              <a:t>Học</a:t>
-            </a:r>
-            <a:r>
-              <a:rPr lang="en-GB" sz="3200" dirty="0">
-                <a:latin typeface="Tahoma" panose="020B0604030504040204" pitchFamily="34" charset="0"/>
-                <a:ea typeface="Tahoma" panose="020B0604030504040204" pitchFamily="34" charset="0"/>
-                <a:cs typeface="Tahoma" panose="020B0604030504040204" pitchFamily="34" charset="0"/>
-              </a:rPr>
-              <a:t> - </a:t>
-            </a:r>
-            <a:r>
-              <a:rPr lang="en-GB" sz="3200" dirty="0" err="1">
-                <a:latin typeface="Tahoma" panose="020B0604030504040204" pitchFamily="34" charset="0"/>
-                <a:ea typeface="Tahoma" panose="020B0604030504040204" pitchFamily="34" charset="0"/>
-                <a:cs typeface="Tahoma" panose="020B0604030504040204" pitchFamily="34" charset="0"/>
-              </a:rPr>
-              <a:t>Kiểm</a:t>
-            </a:r>
-            <a:r>
-              <a:rPr lang="en-GB" sz="3200" dirty="0">
-                <a:latin typeface="Tahoma" panose="020B0604030504040204" pitchFamily="34" charset="0"/>
-                <a:ea typeface="Tahoma" panose="020B0604030504040204" pitchFamily="34" charset="0"/>
-                <a:cs typeface="Tahoma" panose="020B0604030504040204" pitchFamily="34" charset="0"/>
-              </a:rPr>
-              <a:t> </a:t>
-            </a:r>
-            <a:r>
-              <a:rPr lang="en-GB" sz="3200" dirty="0" err="1">
-                <a:latin typeface="Tahoma" panose="020B0604030504040204" pitchFamily="34" charset="0"/>
-                <a:ea typeface="Tahoma" panose="020B0604030504040204" pitchFamily="34" charset="0"/>
-                <a:cs typeface="Tahoma" panose="020B0604030504040204" pitchFamily="34" charset="0"/>
-              </a:rPr>
-              <a:t>thử</a:t>
-            </a:r>
-            <a:r>
-              <a:rPr lang="en-GB" sz="3200" dirty="0">
-                <a:latin typeface="Tahoma" panose="020B0604030504040204" pitchFamily="34" charset="0"/>
-                <a:ea typeface="Tahoma" panose="020B0604030504040204" pitchFamily="34" charset="0"/>
-                <a:cs typeface="Tahoma" panose="020B0604030504040204" pitchFamily="34" charset="0"/>
-              </a:rPr>
-              <a:t> </a:t>
-            </a:r>
-            <a:r>
-              <a:rPr lang="en-GB" sz="3200" dirty="0" err="1">
-                <a:latin typeface="Tahoma" panose="020B0604030504040204" pitchFamily="34" charset="0"/>
-                <a:ea typeface="Tahoma" panose="020B0604030504040204" pitchFamily="34" charset="0"/>
-                <a:cs typeface="Tahoma" panose="020B0604030504040204" pitchFamily="34" charset="0"/>
-              </a:rPr>
-              <a:t>và</a:t>
-            </a:r>
-            <a:r>
-              <a:rPr lang="en-GB" sz="3200" dirty="0">
-                <a:latin typeface="Tahoma" panose="020B0604030504040204" pitchFamily="34" charset="0"/>
-                <a:ea typeface="Tahoma" panose="020B0604030504040204" pitchFamily="34" charset="0"/>
-                <a:cs typeface="Tahoma" panose="020B0604030504040204" pitchFamily="34" charset="0"/>
-              </a:rPr>
-              <a:t> </a:t>
-            </a:r>
-            <a:r>
-              <a:rPr lang="en-GB" sz="3200" dirty="0" err="1">
-                <a:latin typeface="Tahoma" panose="020B0604030504040204" pitchFamily="34" charset="0"/>
-                <a:ea typeface="Tahoma" panose="020B0604030504040204" pitchFamily="34" charset="0"/>
-                <a:cs typeface="Tahoma" panose="020B0604030504040204" pitchFamily="34" charset="0"/>
-              </a:rPr>
-              <a:t>kết</a:t>
-            </a:r>
-            <a:r>
-              <a:rPr lang="en-GB" sz="3200" dirty="0">
-                <a:latin typeface="Tahoma" panose="020B0604030504040204" pitchFamily="34" charset="0"/>
-                <a:ea typeface="Tahoma" panose="020B0604030504040204" pitchFamily="34" charset="0"/>
-                <a:cs typeface="Tahoma" panose="020B0604030504040204" pitchFamily="34" charset="0"/>
-              </a:rPr>
-              <a:t> </a:t>
-            </a:r>
-            <a:r>
-              <a:rPr lang="en-GB" sz="3200" dirty="0" err="1">
-                <a:latin typeface="Tahoma" panose="020B0604030504040204" pitchFamily="34" charset="0"/>
-                <a:ea typeface="Tahoma" panose="020B0604030504040204" pitchFamily="34" charset="0"/>
-                <a:cs typeface="Tahoma" panose="020B0604030504040204" pitchFamily="34" charset="0"/>
-              </a:rPr>
-              <a:t>quả</a:t>
-            </a:r>
-            <a:r>
-              <a:rPr lang="en-GB" sz="3200" dirty="0">
-                <a:latin typeface="Tahoma" panose="020B0604030504040204" pitchFamily="34" charset="0"/>
-                <a:ea typeface="Tahoma" panose="020B0604030504040204" pitchFamily="34" charset="0"/>
-                <a:cs typeface="Tahoma" panose="020B0604030504040204" pitchFamily="34" charset="0"/>
-              </a:rPr>
-              <a:t>:</a:t>
-            </a:r>
-          </a:p>
-          <a:p>
-            <a:r>
-              <a:rPr lang="en-GB" sz="3200" dirty="0" err="1">
-                <a:latin typeface="Tahoma" panose="020B0604030504040204" pitchFamily="34" charset="0"/>
-                <a:ea typeface="Tahoma" panose="020B0604030504040204" pitchFamily="34" charset="0"/>
-                <a:cs typeface="Tahoma" panose="020B0604030504040204" pitchFamily="34" charset="0"/>
-              </a:rPr>
-              <a:t>Sử</a:t>
-            </a:r>
-            <a:r>
-              <a:rPr lang="en-GB" sz="3200" dirty="0">
-                <a:latin typeface="Tahoma" panose="020B0604030504040204" pitchFamily="34" charset="0"/>
-                <a:ea typeface="Tahoma" panose="020B0604030504040204" pitchFamily="34" charset="0"/>
-                <a:cs typeface="Tahoma" panose="020B0604030504040204" pitchFamily="34" charset="0"/>
-              </a:rPr>
-              <a:t> </a:t>
-            </a:r>
-            <a:r>
-              <a:rPr lang="en-GB" sz="3200" dirty="0" err="1">
-                <a:latin typeface="Tahoma" panose="020B0604030504040204" pitchFamily="34" charset="0"/>
-                <a:ea typeface="Tahoma" panose="020B0604030504040204" pitchFamily="34" charset="0"/>
-                <a:cs typeface="Tahoma" panose="020B0604030504040204" pitchFamily="34" charset="0"/>
-              </a:rPr>
-              <a:t>dụng</a:t>
-            </a:r>
-            <a:r>
-              <a:rPr lang="en-GB" sz="3200" dirty="0">
-                <a:latin typeface="Tahoma" panose="020B0604030504040204" pitchFamily="34" charset="0"/>
-                <a:ea typeface="Tahoma" panose="020B0604030504040204" pitchFamily="34" charset="0"/>
-                <a:cs typeface="Tahoma" panose="020B0604030504040204" pitchFamily="34" charset="0"/>
-              </a:rPr>
-              <a:t> đ</a:t>
-            </a:r>
-            <a:r>
-              <a:rPr lang="vi-VN" sz="3200" dirty="0">
-                <a:latin typeface="Tahoma" panose="020B0604030504040204" pitchFamily="34" charset="0"/>
-                <a:ea typeface="Tahoma" panose="020B0604030504040204" pitchFamily="34" charset="0"/>
-                <a:cs typeface="Tahoma" panose="020B0604030504040204" pitchFamily="34" charset="0"/>
-              </a:rPr>
-              <a:t>ư</a:t>
-            </a:r>
-            <a:r>
-              <a:rPr lang="en-GB" sz="3200" dirty="0" err="1">
-                <a:latin typeface="Tahoma" panose="020B0604030504040204" pitchFamily="34" charset="0"/>
-                <a:ea typeface="Tahoma" panose="020B0604030504040204" pitchFamily="34" charset="0"/>
-                <a:cs typeface="Tahoma" panose="020B0604030504040204" pitchFamily="34" charset="0"/>
-              </a:rPr>
-              <a:t>ợc</a:t>
-            </a:r>
-            <a:r>
-              <a:rPr lang="en-GB" sz="3200" dirty="0">
-                <a:latin typeface="Tahoma" panose="020B0604030504040204" pitchFamily="34" charset="0"/>
-                <a:ea typeface="Tahoma" panose="020B0604030504040204" pitchFamily="34" charset="0"/>
-                <a:cs typeface="Tahoma" panose="020B0604030504040204" pitchFamily="34" charset="0"/>
-              </a:rPr>
-              <a:t> </a:t>
-            </a:r>
-            <a:r>
-              <a:rPr lang="en-GB" sz="3200" dirty="0" err="1">
-                <a:latin typeface="Tahoma" panose="020B0604030504040204" pitchFamily="34" charset="0"/>
-                <a:ea typeface="Tahoma" panose="020B0604030504040204" pitchFamily="34" charset="0"/>
-                <a:cs typeface="Tahoma" panose="020B0604030504040204" pitchFamily="34" charset="0"/>
-              </a:rPr>
-              <a:t>nhiều</a:t>
-            </a:r>
-            <a:r>
-              <a:rPr lang="en-GB" sz="3200" dirty="0">
-                <a:latin typeface="Tahoma" panose="020B0604030504040204" pitchFamily="34" charset="0"/>
-                <a:ea typeface="Tahoma" panose="020B0604030504040204" pitchFamily="34" charset="0"/>
-                <a:cs typeface="Tahoma" panose="020B0604030504040204" pitchFamily="34" charset="0"/>
-              </a:rPr>
-              <a:t> </a:t>
-            </a:r>
-            <a:r>
-              <a:rPr lang="en-GB" sz="3200" dirty="0" err="1">
-                <a:latin typeface="Tahoma" panose="020B0604030504040204" pitchFamily="34" charset="0"/>
-                <a:ea typeface="Tahoma" panose="020B0604030504040204" pitchFamily="34" charset="0"/>
-                <a:cs typeface="Tahoma" panose="020B0604030504040204" pitchFamily="34" charset="0"/>
-              </a:rPr>
-              <a:t>thuật</a:t>
-            </a:r>
-            <a:r>
-              <a:rPr lang="en-GB" sz="3200" dirty="0">
-                <a:latin typeface="Tahoma" panose="020B0604030504040204" pitchFamily="34" charset="0"/>
-                <a:ea typeface="Tahoma" panose="020B0604030504040204" pitchFamily="34" charset="0"/>
-                <a:cs typeface="Tahoma" panose="020B0604030504040204" pitchFamily="34" charset="0"/>
-              </a:rPr>
-              <a:t> </a:t>
-            </a:r>
-            <a:r>
-              <a:rPr lang="en-GB" sz="3200" dirty="0" err="1">
-                <a:latin typeface="Tahoma" panose="020B0604030504040204" pitchFamily="34" charset="0"/>
-                <a:ea typeface="Tahoma" panose="020B0604030504040204" pitchFamily="34" charset="0"/>
-                <a:cs typeface="Tahoma" panose="020B0604030504040204" pitchFamily="34" charset="0"/>
-              </a:rPr>
-              <a:t>toán</a:t>
-            </a:r>
-            <a:r>
-              <a:rPr lang="en-GB" sz="3200" dirty="0">
-                <a:latin typeface="Tahoma" panose="020B0604030504040204" pitchFamily="34" charset="0"/>
-                <a:ea typeface="Tahoma" panose="020B0604030504040204" pitchFamily="34" charset="0"/>
-                <a:cs typeface="Tahoma" panose="020B0604030504040204" pitchFamily="34" charset="0"/>
-              </a:rPr>
-              <a:t> classification.</a:t>
-            </a:r>
-          </a:p>
-          <a:p>
-            <a:r>
-              <a:rPr lang="en-GB" sz="3200" dirty="0" err="1">
-                <a:latin typeface="Tahoma" panose="020B0604030504040204" pitchFamily="34" charset="0"/>
-                <a:ea typeface="Tahoma" panose="020B0604030504040204" pitchFamily="34" charset="0"/>
-                <a:cs typeface="Tahoma" panose="020B0604030504040204" pitchFamily="34" charset="0"/>
-              </a:rPr>
-              <a:t>Kết</a:t>
-            </a:r>
-            <a:r>
-              <a:rPr lang="en-GB" sz="3200" dirty="0">
-                <a:latin typeface="Tahoma" panose="020B0604030504040204" pitchFamily="34" charset="0"/>
-                <a:ea typeface="Tahoma" panose="020B0604030504040204" pitchFamily="34" charset="0"/>
-                <a:cs typeface="Tahoma" panose="020B0604030504040204" pitchFamily="34" charset="0"/>
-              </a:rPr>
-              <a:t> </a:t>
-            </a:r>
-            <a:r>
-              <a:rPr lang="en-GB" sz="3200" dirty="0" err="1">
-                <a:latin typeface="Tahoma" panose="020B0604030504040204" pitchFamily="34" charset="0"/>
-                <a:ea typeface="Tahoma" panose="020B0604030504040204" pitchFamily="34" charset="0"/>
-                <a:cs typeface="Tahoma" panose="020B0604030504040204" pitchFamily="34" charset="0"/>
-              </a:rPr>
-              <a:t>quả</a:t>
-            </a:r>
-            <a:r>
-              <a:rPr lang="en-GB" sz="3200" dirty="0">
-                <a:latin typeface="Tahoma" panose="020B0604030504040204" pitchFamily="34" charset="0"/>
-                <a:ea typeface="Tahoma" panose="020B0604030504040204" pitchFamily="34" charset="0"/>
-                <a:cs typeface="Tahoma" panose="020B0604030504040204" pitchFamily="34" charset="0"/>
-              </a:rPr>
-              <a:t> </a:t>
-            </a:r>
-            <a:r>
-              <a:rPr lang="en-GB" sz="3200" dirty="0" err="1">
-                <a:latin typeface="Tahoma" panose="020B0604030504040204" pitchFamily="34" charset="0"/>
-                <a:ea typeface="Tahoma" panose="020B0604030504040204" pitchFamily="34" charset="0"/>
-                <a:cs typeface="Tahoma" panose="020B0604030504040204" pitchFamily="34" charset="0"/>
-              </a:rPr>
-              <a:t>khá</a:t>
-            </a:r>
-            <a:r>
-              <a:rPr lang="en-GB" sz="3200" dirty="0">
-                <a:latin typeface="Tahoma" panose="020B0604030504040204" pitchFamily="34" charset="0"/>
-                <a:ea typeface="Tahoma" panose="020B0604030504040204" pitchFamily="34" charset="0"/>
-                <a:cs typeface="Tahoma" panose="020B0604030504040204" pitchFamily="34" charset="0"/>
-              </a:rPr>
-              <a:t> </a:t>
-            </a:r>
-            <a:r>
-              <a:rPr lang="en-GB" sz="3200" dirty="0" err="1">
-                <a:latin typeface="Tahoma" panose="020B0604030504040204" pitchFamily="34" charset="0"/>
-                <a:ea typeface="Tahoma" panose="020B0604030504040204" pitchFamily="34" charset="0"/>
-                <a:cs typeface="Tahoma" panose="020B0604030504040204" pitchFamily="34" charset="0"/>
-              </a:rPr>
-              <a:t>nh</a:t>
-            </a:r>
-            <a:r>
-              <a:rPr lang="vi-VN" sz="3200" dirty="0">
-                <a:latin typeface="Tahoma" panose="020B0604030504040204" pitchFamily="34" charset="0"/>
-                <a:ea typeface="Tahoma" panose="020B0604030504040204" pitchFamily="34" charset="0"/>
-                <a:cs typeface="Tahoma" panose="020B0604030504040204" pitchFamily="34" charset="0"/>
-              </a:rPr>
-              <a:t>ư</a:t>
-            </a:r>
-            <a:r>
-              <a:rPr lang="en-GB" sz="3200" dirty="0">
-                <a:latin typeface="Tahoma" panose="020B0604030504040204" pitchFamily="34" charset="0"/>
-                <a:ea typeface="Tahoma" panose="020B0604030504040204" pitchFamily="34" charset="0"/>
-                <a:cs typeface="Tahoma" panose="020B0604030504040204" pitchFamily="34" charset="0"/>
-              </a:rPr>
-              <a:t>ng </a:t>
-            </a:r>
-            <a:r>
-              <a:rPr lang="en-GB" sz="3200" dirty="0" err="1">
-                <a:latin typeface="Tahoma" panose="020B0604030504040204" pitchFamily="34" charset="0"/>
-                <a:ea typeface="Tahoma" panose="020B0604030504040204" pitchFamily="34" charset="0"/>
-                <a:cs typeface="Tahoma" panose="020B0604030504040204" pitchFamily="34" charset="0"/>
-              </a:rPr>
-              <a:t>ch</a:t>
-            </a:r>
-            <a:r>
-              <a:rPr lang="vi-VN" sz="3200" dirty="0">
-                <a:latin typeface="Tahoma" panose="020B0604030504040204" pitchFamily="34" charset="0"/>
-                <a:ea typeface="Tahoma" panose="020B0604030504040204" pitchFamily="34" charset="0"/>
-                <a:cs typeface="Tahoma" panose="020B0604030504040204" pitchFamily="34" charset="0"/>
-              </a:rPr>
-              <a:t>ư</a:t>
-            </a:r>
-            <a:r>
-              <a:rPr lang="en-GB" sz="3200" dirty="0">
-                <a:latin typeface="Tahoma" panose="020B0604030504040204" pitchFamily="34" charset="0"/>
-                <a:ea typeface="Tahoma" panose="020B0604030504040204" pitchFamily="34" charset="0"/>
-                <a:cs typeface="Tahoma" panose="020B0604030504040204" pitchFamily="34" charset="0"/>
-              </a:rPr>
-              <a:t>a </a:t>
-            </a:r>
-            <a:r>
-              <a:rPr lang="en-GB" sz="3200" dirty="0" err="1">
-                <a:latin typeface="Tahoma" panose="020B0604030504040204" pitchFamily="34" charset="0"/>
-                <a:ea typeface="Tahoma" panose="020B0604030504040204" pitchFamily="34" charset="0"/>
-                <a:cs typeface="Tahoma" panose="020B0604030504040204" pitchFamily="34" charset="0"/>
-              </a:rPr>
-              <a:t>tốt</a:t>
-            </a:r>
-            <a:r>
-              <a:rPr lang="en-GB" sz="3200" dirty="0">
-                <a:latin typeface="Tahoma" panose="020B0604030504040204" pitchFamily="34" charset="0"/>
-                <a:ea typeface="Tahoma" panose="020B0604030504040204" pitchFamily="34" charset="0"/>
-                <a:cs typeface="Tahoma" panose="020B0604030504040204" pitchFamily="34" charset="0"/>
-              </a:rPr>
-              <a:t>.</a:t>
-            </a:r>
-          </a:p>
-        </p:txBody>
-      </p:sp>
-      <p:sp>
-        <p:nvSpPr>
-          <p:cNvPr id="5" name="Slide Number Placeholder 4">
-            <a:extLst>
-              <a:ext uri="{FF2B5EF4-FFF2-40B4-BE49-F238E27FC236}">
-                <a16:creationId xmlns:a16="http://schemas.microsoft.com/office/drawing/2014/main" id="{627B2603-498E-41ED-BF96-D092A6055A4C}"/>
-              </a:ext>
-            </a:extLst>
-          </p:cNvPr>
-          <p:cNvSpPr>
-            <a:spLocks noGrp="1"/>
-          </p:cNvSpPr>
-          <p:nvPr>
-            <p:ph type="sldNum" sz="quarter" idx="12"/>
-          </p:nvPr>
-        </p:nvSpPr>
-        <p:spPr/>
-        <p:txBody>
-          <a:bodyPr/>
-          <a:lstStyle/>
-          <a:p>
-            <a:fld id="{C2A74E92-A1E9-4D96-8B19-9FA9AB19DBB5}" type="slidenum">
-              <a:rPr lang="en-GB" smtClean="0"/>
-              <a:t>16</a:t>
-            </a:fld>
-            <a:endParaRPr lang="en-GB"/>
-          </a:p>
-        </p:txBody>
-      </p:sp>
-    </p:spTree>
-    <p:extLst>
-      <p:ext uri="{BB962C8B-B14F-4D97-AF65-F5344CB8AC3E}">
-        <p14:creationId xmlns:p14="http://schemas.microsoft.com/office/powerpoint/2010/main" val="692421785"/>
-      </p:ext>
-    </p:extLst>
-  </p:cSld>
-  <p:clrMapOvr>
-    <a:masterClrMapping/>
-  </p:clrMapOvr>
-</p:sld>
-</file>
-
 <file path=ppt/slides/slide17.xml><?xml version="1.0" encoding="utf-8"?>
 <p:sld xmlns:a="http://schemas.openxmlformats.org/drawingml/2006/main" xmlns:r="http://schemas.openxmlformats.org/officeDocument/2006/relationships" xmlns:p="http://schemas.openxmlformats.org/presentationml/2006/main">
   <p:cSld>
@@ -7105,7 +6398,7 @@
         <p:spPr/>
         <p:txBody>
           <a:bodyPr>
-            <a:normAutofit/>
+            <a:normAutofit fontScale="92500"/>
           </a:bodyPr>
           <a:lstStyle/>
           <a:p>
@@ -7118,47 +6411,23 @@
                 <a:ea typeface="Tahoma" panose="020B0604030504040204" pitchFamily="34" charset="0"/>
                 <a:cs typeface="Tahoma" panose="020B0604030504040204" pitchFamily="34" charset="0"/>
               </a:rPr>
-              <a:t>Đã</a:t>
-            </a:r>
-            <a:r>
-              <a:rPr lang="en-GB" sz="3200" dirty="0">
-                <a:latin typeface="Tahoma" panose="020B0604030504040204" pitchFamily="34" charset="0"/>
-                <a:ea typeface="Tahoma" panose="020B0604030504040204" pitchFamily="34" charset="0"/>
-                <a:cs typeface="Tahoma" panose="020B0604030504040204" pitchFamily="34" charset="0"/>
-              </a:rPr>
-              <a:t> </a:t>
-            </a:r>
-            <a:r>
-              <a:rPr lang="en-GB" sz="3200" dirty="0" err="1">
-                <a:latin typeface="Tahoma" panose="020B0604030504040204" pitchFamily="34" charset="0"/>
-                <a:ea typeface="Tahoma" panose="020B0604030504040204" pitchFamily="34" charset="0"/>
-                <a:cs typeface="Tahoma" panose="020B0604030504040204" pitchFamily="34" charset="0"/>
-              </a:rPr>
-              <a:t>học</a:t>
-            </a:r>
-            <a:r>
-              <a:rPr lang="en-GB" sz="3200" dirty="0">
-                <a:latin typeface="Tahoma" panose="020B0604030504040204" pitchFamily="34" charset="0"/>
-                <a:ea typeface="Tahoma" panose="020B0604030504040204" pitchFamily="34" charset="0"/>
-                <a:cs typeface="Tahoma" panose="020B0604030504040204" pitchFamily="34" charset="0"/>
-              </a:rPr>
-              <a:t> đ</a:t>
-            </a:r>
-            <a:r>
-              <a:rPr lang="vi-VN" sz="3200" dirty="0">
-                <a:latin typeface="Tahoma" panose="020B0604030504040204" pitchFamily="34" charset="0"/>
-                <a:ea typeface="Tahoma" panose="020B0604030504040204" pitchFamily="34" charset="0"/>
-                <a:cs typeface="Tahoma" panose="020B0604030504040204" pitchFamily="34" charset="0"/>
-              </a:rPr>
-              <a:t>ư</a:t>
-            </a:r>
-            <a:r>
-              <a:rPr lang="en-GB" sz="3200" dirty="0" err="1">
-                <a:latin typeface="Tahoma" panose="020B0604030504040204" pitchFamily="34" charset="0"/>
-                <a:ea typeface="Tahoma" panose="020B0604030504040204" pitchFamily="34" charset="0"/>
-                <a:cs typeface="Tahoma" panose="020B0604030504040204" pitchFamily="34" charset="0"/>
-              </a:rPr>
-              <a:t>ợc</a:t>
+              <a:t>Dữ</a:t>
+            </a:r>
+            <a:r>
+              <a:rPr lang="en-GB" sz="3200" dirty="0">
+                <a:latin typeface="Tahoma" panose="020B0604030504040204" pitchFamily="34" charset="0"/>
+                <a:ea typeface="Tahoma" panose="020B0604030504040204" pitchFamily="34" charset="0"/>
+                <a:cs typeface="Tahoma" panose="020B0604030504040204" pitchFamily="34" charset="0"/>
+              </a:rPr>
+              <a:t> </a:t>
+            </a:r>
+            <a:r>
+              <a:rPr lang="en-GB" sz="3200" dirty="0" err="1">
+                <a:latin typeface="Tahoma" panose="020B0604030504040204" pitchFamily="34" charset="0"/>
+                <a:ea typeface="Tahoma" panose="020B0604030504040204" pitchFamily="34" charset="0"/>
+                <a:cs typeface="Tahoma" panose="020B0604030504040204" pitchFamily="34" charset="0"/>
+              </a:rPr>
+              <a:t>liệu</a:t>
             </a:r>
             <a:r>
               <a:rPr lang="en-GB" sz="3200" dirty="0">
@@ -7176,39 +6445,7 @@
                 <a:ea typeface="Tahoma" panose="020B0604030504040204" pitchFamily="34" charset="0"/>
                 <a:cs typeface="Tahoma" panose="020B0604030504040204" pitchFamily="34" charset="0"/>
               </a:rPr>
-              <a:t>Cách</a:t>
-            </a:r>
-            <a:r>
-              <a:rPr lang="en-GB" sz="3200" dirty="0">
-                <a:latin typeface="Tahoma" panose="020B0604030504040204" pitchFamily="34" charset="0"/>
-                <a:ea typeface="Tahoma" panose="020B0604030504040204" pitchFamily="34" charset="0"/>
-                <a:cs typeface="Tahoma" panose="020B0604030504040204" pitchFamily="34" charset="0"/>
-              </a:rPr>
-              <a:t> </a:t>
-            </a:r>
-            <a:r>
-              <a:rPr lang="en-GB" sz="3200" dirty="0" err="1">
-                <a:latin typeface="Tahoma" panose="020B0604030504040204" pitchFamily="34" charset="0"/>
-                <a:ea typeface="Tahoma" panose="020B0604030504040204" pitchFamily="34" charset="0"/>
-                <a:cs typeface="Tahoma" panose="020B0604030504040204" pitchFamily="34" charset="0"/>
-              </a:rPr>
-              <a:t>thu</a:t>
-            </a:r>
-            <a:r>
-              <a:rPr lang="en-GB" sz="3200" dirty="0">
-                <a:latin typeface="Tahoma" panose="020B0604030504040204" pitchFamily="34" charset="0"/>
-                <a:ea typeface="Tahoma" panose="020B0604030504040204" pitchFamily="34" charset="0"/>
-                <a:cs typeface="Tahoma" panose="020B0604030504040204" pitchFamily="34" charset="0"/>
-              </a:rPr>
-              <a:t> </a:t>
-            </a:r>
-            <a:r>
-              <a:rPr lang="en-GB" sz="3200" dirty="0" err="1">
-                <a:latin typeface="Tahoma" panose="020B0604030504040204" pitchFamily="34" charset="0"/>
-                <a:ea typeface="Tahoma" panose="020B0604030504040204" pitchFamily="34" charset="0"/>
-                <a:cs typeface="Tahoma" panose="020B0604030504040204" pitchFamily="34" charset="0"/>
-              </a:rPr>
-              <a:t>thập</a:t>
+              <a:t>Nguồn</a:t>
             </a:r>
             <a:r>
               <a:rPr lang="en-GB" sz="3200" dirty="0">
@@ -7248,6 +6485,38 @@
                 <a:ea typeface="Tahoma" panose="020B0604030504040204" pitchFamily="34" charset="0"/>
                 <a:cs typeface="Tahoma" panose="020B0604030504040204" pitchFamily="34" charset="0"/>
               </a:rPr>
+              <a:t> </a:t>
+            </a:r>
+            <a:r>
+              <a:rPr lang="en-GB" sz="3200" dirty="0" err="1">
+                <a:latin typeface="Tahoma" panose="020B0604030504040204" pitchFamily="34" charset="0"/>
+                <a:ea typeface="Tahoma" panose="020B0604030504040204" pitchFamily="34" charset="0"/>
+                <a:cs typeface="Tahoma" panose="020B0604030504040204" pitchFamily="34" charset="0"/>
+              </a:rPr>
+              <a:t>khó</a:t>
+            </a:r>
+            <a:r>
+              <a:rPr lang="en-GB" sz="3200" dirty="0">
+                <a:latin typeface="Tahoma" panose="020B0604030504040204" pitchFamily="34" charset="0"/>
+                <a:ea typeface="Tahoma" panose="020B0604030504040204" pitchFamily="34" charset="0"/>
+                <a:cs typeface="Tahoma" panose="020B0604030504040204" pitchFamily="34" charset="0"/>
+              </a:rPr>
+              <a:t> </a:t>
+            </a:r>
+            <a:r>
+              <a:rPr lang="en-GB" sz="3200" dirty="0" err="1">
+                <a:latin typeface="Tahoma" panose="020B0604030504040204" pitchFamily="34" charset="0"/>
+                <a:ea typeface="Tahoma" panose="020B0604030504040204" pitchFamily="34" charset="0"/>
+                <a:cs typeface="Tahoma" panose="020B0604030504040204" pitchFamily="34" charset="0"/>
+              </a:rPr>
+              <a:t>kiếm</a:t>
+            </a:r>
+            <a:r>
+              <a:rPr lang="en-GB" sz="3200" dirty="0">
+                <a:latin typeface="Tahoma" panose="020B0604030504040204" pitchFamily="34" charset="0"/>
+                <a:ea typeface="Tahoma" panose="020B0604030504040204" pitchFamily="34" charset="0"/>
+                <a:cs typeface="Tahoma" panose="020B0604030504040204" pitchFamily="34" charset="0"/>
+              </a:rPr>
               <a:t>.</a:t>
             </a:r>
           </a:p>
@@ -7258,6 +6527,392 @@
                 <a:ea typeface="Tahoma" panose="020B0604030504040204" pitchFamily="34" charset="0"/>
                 <a:cs typeface="Tahoma" panose="020B0604030504040204" pitchFamily="34" charset="0"/>
               </a:rPr>
+              <a:t>Còn</a:t>
+            </a:r>
+            <a:r>
+              <a:rPr lang="en-GB" sz="3200" dirty="0">
+                <a:latin typeface="Tahoma" panose="020B0604030504040204" pitchFamily="34" charset="0"/>
+                <a:ea typeface="Tahoma" panose="020B0604030504040204" pitchFamily="34" charset="0"/>
+                <a:cs typeface="Tahoma" panose="020B0604030504040204" pitchFamily="34" charset="0"/>
+              </a:rPr>
+              <a:t> </a:t>
+            </a:r>
+            <a:r>
+              <a:rPr lang="en-GB" sz="3200" dirty="0" err="1">
+                <a:latin typeface="Tahoma" panose="020B0604030504040204" pitchFamily="34" charset="0"/>
+                <a:ea typeface="Tahoma" panose="020B0604030504040204" pitchFamily="34" charset="0"/>
+                <a:cs typeface="Tahoma" panose="020B0604030504040204" pitchFamily="34" charset="0"/>
+              </a:rPr>
+              <a:t>gặp</a:t>
+            </a:r>
+            <a:r>
+              <a:rPr lang="en-GB" sz="3200" dirty="0">
+                <a:latin typeface="Tahoma" panose="020B0604030504040204" pitchFamily="34" charset="0"/>
+                <a:ea typeface="Tahoma" panose="020B0604030504040204" pitchFamily="34" charset="0"/>
+                <a:cs typeface="Tahoma" panose="020B0604030504040204" pitchFamily="34" charset="0"/>
+              </a:rPr>
+              <a:t> </a:t>
+            </a:r>
+            <a:r>
+              <a:rPr lang="en-GB" sz="3200" dirty="0" err="1">
+                <a:latin typeface="Tahoma" panose="020B0604030504040204" pitchFamily="34" charset="0"/>
+                <a:ea typeface="Tahoma" panose="020B0604030504040204" pitchFamily="34" charset="0"/>
+                <a:cs typeface="Tahoma" panose="020B0604030504040204" pitchFamily="34" charset="0"/>
+              </a:rPr>
+              <a:t>vấn</a:t>
+            </a:r>
+            <a:r>
+              <a:rPr lang="en-GB" sz="3200" dirty="0">
+                <a:latin typeface="Tahoma" panose="020B0604030504040204" pitchFamily="34" charset="0"/>
+                <a:ea typeface="Tahoma" panose="020B0604030504040204" pitchFamily="34" charset="0"/>
+                <a:cs typeface="Tahoma" panose="020B0604030504040204" pitchFamily="34" charset="0"/>
+              </a:rPr>
+              <a:t> </a:t>
+            </a:r>
+            <a:r>
+              <a:rPr lang="en-GB" sz="3200" dirty="0" err="1">
+                <a:latin typeface="Tahoma" panose="020B0604030504040204" pitchFamily="34" charset="0"/>
+                <a:ea typeface="Tahoma" panose="020B0604030504040204" pitchFamily="34" charset="0"/>
+                <a:cs typeface="Tahoma" panose="020B0604030504040204" pitchFamily="34" charset="0"/>
+              </a:rPr>
+              <a:t>đề</a:t>
+            </a:r>
+            <a:r>
+              <a:rPr lang="en-GB" sz="3200" dirty="0">
+                <a:latin typeface="Tahoma" panose="020B0604030504040204" pitchFamily="34" charset="0"/>
+                <a:ea typeface="Tahoma" panose="020B0604030504040204" pitchFamily="34" charset="0"/>
+                <a:cs typeface="Tahoma" panose="020B0604030504040204" pitchFamily="34" charset="0"/>
+              </a:rPr>
+              <a:t> </a:t>
+            </a:r>
+            <a:r>
+              <a:rPr lang="en-GB" sz="3200" dirty="0" err="1">
+                <a:latin typeface="Tahoma" panose="020B0604030504040204" pitchFamily="34" charset="0"/>
+                <a:ea typeface="Tahoma" panose="020B0604030504040204" pitchFamily="34" charset="0"/>
+                <a:cs typeface="Tahoma" panose="020B0604030504040204" pitchFamily="34" charset="0"/>
+              </a:rPr>
+              <a:t>về</a:t>
+            </a:r>
+            <a:r>
+              <a:rPr lang="en-GB" sz="3200" dirty="0">
+                <a:latin typeface="Tahoma" panose="020B0604030504040204" pitchFamily="34" charset="0"/>
+                <a:ea typeface="Tahoma" panose="020B0604030504040204" pitchFamily="34" charset="0"/>
+                <a:cs typeface="Tahoma" panose="020B0604030504040204" pitchFamily="34" charset="0"/>
+              </a:rPr>
+              <a:t> 3 </a:t>
+            </a:r>
+            <a:r>
+              <a:rPr lang="en-GB" sz="3200" dirty="0" err="1">
+                <a:latin typeface="Tahoma" panose="020B0604030504040204" pitchFamily="34" charset="0"/>
+                <a:ea typeface="Tahoma" panose="020B0604030504040204" pitchFamily="34" charset="0"/>
+                <a:cs typeface="Tahoma" panose="020B0604030504040204" pitchFamily="34" charset="0"/>
+              </a:rPr>
+              <a:t>thuộc</a:t>
+            </a:r>
+            <a:r>
+              <a:rPr lang="en-GB" sz="3200" dirty="0">
+                <a:latin typeface="Tahoma" panose="020B0604030504040204" pitchFamily="34" charset="0"/>
+                <a:ea typeface="Tahoma" panose="020B0604030504040204" pitchFamily="34" charset="0"/>
+                <a:cs typeface="Tahoma" panose="020B0604030504040204" pitchFamily="34" charset="0"/>
+              </a:rPr>
+              <a:t> </a:t>
+            </a:r>
+            <a:r>
+              <a:rPr lang="en-GB" sz="3200" dirty="0" err="1">
+                <a:latin typeface="Tahoma" panose="020B0604030504040204" pitchFamily="34" charset="0"/>
+                <a:ea typeface="Tahoma" panose="020B0604030504040204" pitchFamily="34" charset="0"/>
+                <a:cs typeface="Tahoma" panose="020B0604030504040204" pitchFamily="34" charset="0"/>
+              </a:rPr>
+              <a:t>tính</a:t>
+            </a:r>
+            <a:r>
+              <a:rPr lang="en-GB" sz="3200" dirty="0">
+                <a:latin typeface="Tahoma" panose="020B0604030504040204" pitchFamily="34" charset="0"/>
+                <a:ea typeface="Tahoma" panose="020B0604030504040204" pitchFamily="34" charset="0"/>
+                <a:cs typeface="Tahoma" panose="020B0604030504040204" pitchFamily="34" charset="0"/>
+              </a:rPr>
+              <a:t> (</a:t>
+            </a:r>
+            <a:r>
+              <a:rPr lang="en-GB" sz="3200" dirty="0" err="1">
+                <a:latin typeface="Tahoma" panose="020B0604030504040204" pitchFamily="34" charset="0"/>
+                <a:ea typeface="Tahoma" panose="020B0604030504040204" pitchFamily="34" charset="0"/>
+                <a:cs typeface="Tahoma" panose="020B0604030504040204" pitchFamily="34" charset="0"/>
+              </a:rPr>
+              <a:t>RAM,storage,price</a:t>
+            </a:r>
+            <a:r>
+              <a:rPr lang="en-GB" sz="3200" dirty="0">
+                <a:latin typeface="Tahoma" panose="020B0604030504040204" pitchFamily="34" charset="0"/>
+                <a:ea typeface="Tahoma" panose="020B0604030504040204" pitchFamily="34" charset="0"/>
+                <a:cs typeface="Tahoma" panose="020B0604030504040204" pitchFamily="34" charset="0"/>
+              </a:rPr>
+              <a:t>). </a:t>
+            </a:r>
+            <a:r>
+              <a:rPr lang="en-GB" sz="3200" dirty="0" err="1">
+                <a:latin typeface="Tahoma" panose="020B0604030504040204" pitchFamily="34" charset="0"/>
+                <a:ea typeface="Tahoma" panose="020B0604030504040204" pitchFamily="34" charset="0"/>
+                <a:cs typeface="Tahoma" panose="020B0604030504040204" pitchFamily="34" charset="0"/>
+              </a:rPr>
+              <a:t>Giá</a:t>
+            </a:r>
+            <a:r>
+              <a:rPr lang="en-GB" sz="3200" dirty="0">
+                <a:latin typeface="Tahoma" panose="020B0604030504040204" pitchFamily="34" charset="0"/>
+                <a:ea typeface="Tahoma" panose="020B0604030504040204" pitchFamily="34" charset="0"/>
+                <a:cs typeface="Tahoma" panose="020B0604030504040204" pitchFamily="34" charset="0"/>
+              </a:rPr>
+              <a:t> </a:t>
+            </a:r>
+            <a:r>
+              <a:rPr lang="en-GB" sz="3200" dirty="0" err="1">
+                <a:latin typeface="Tahoma" panose="020B0604030504040204" pitchFamily="34" charset="0"/>
+                <a:ea typeface="Tahoma" panose="020B0604030504040204" pitchFamily="34" charset="0"/>
+                <a:cs typeface="Tahoma" panose="020B0604030504040204" pitchFamily="34" charset="0"/>
+              </a:rPr>
+              <a:t>khác</a:t>
+            </a:r>
+            <a:r>
+              <a:rPr lang="en-GB" sz="3200" dirty="0">
+                <a:latin typeface="Tahoma" panose="020B0604030504040204" pitchFamily="34" charset="0"/>
+                <a:ea typeface="Tahoma" panose="020B0604030504040204" pitchFamily="34" charset="0"/>
+                <a:cs typeface="Tahoma" panose="020B0604030504040204" pitchFamily="34" charset="0"/>
+              </a:rPr>
+              <a:t> </a:t>
+            </a:r>
+            <a:r>
+              <a:rPr lang="en-GB" sz="3200" dirty="0" err="1">
+                <a:latin typeface="Tahoma" panose="020B0604030504040204" pitchFamily="34" charset="0"/>
+                <a:ea typeface="Tahoma" panose="020B0604030504040204" pitchFamily="34" charset="0"/>
+                <a:cs typeface="Tahoma" panose="020B0604030504040204" pitchFamily="34" charset="0"/>
+              </a:rPr>
+              <a:t>nhau</a:t>
+            </a:r>
+            <a:r>
+              <a:rPr lang="en-GB" sz="3200" dirty="0">
+                <a:latin typeface="Tahoma" panose="020B0604030504040204" pitchFamily="34" charset="0"/>
+                <a:ea typeface="Tahoma" panose="020B0604030504040204" pitchFamily="34" charset="0"/>
+                <a:cs typeface="Tahoma" panose="020B0604030504040204" pitchFamily="34" charset="0"/>
+              </a:rPr>
+              <a:t> </a:t>
+            </a:r>
+            <a:r>
+              <a:rPr lang="en-GB" sz="3200" dirty="0" err="1">
+                <a:latin typeface="Tahoma" panose="020B0604030504040204" pitchFamily="34" charset="0"/>
+                <a:ea typeface="Tahoma" panose="020B0604030504040204" pitchFamily="34" charset="0"/>
+                <a:cs typeface="Tahoma" panose="020B0604030504040204" pitchFamily="34" charset="0"/>
+              </a:rPr>
+              <a:t>chủ</a:t>
+            </a:r>
+            <a:r>
+              <a:rPr lang="en-GB" sz="3200" dirty="0">
+                <a:latin typeface="Tahoma" panose="020B0604030504040204" pitchFamily="34" charset="0"/>
+                <a:ea typeface="Tahoma" panose="020B0604030504040204" pitchFamily="34" charset="0"/>
+                <a:cs typeface="Tahoma" panose="020B0604030504040204" pitchFamily="34" charset="0"/>
+              </a:rPr>
+              <a:t> </a:t>
+            </a:r>
+            <a:r>
+              <a:rPr lang="en-GB" sz="3200" dirty="0" err="1">
+                <a:latin typeface="Tahoma" panose="020B0604030504040204" pitchFamily="34" charset="0"/>
+                <a:ea typeface="Tahoma" panose="020B0604030504040204" pitchFamily="34" charset="0"/>
+                <a:cs typeface="Tahoma" panose="020B0604030504040204" pitchFamily="34" charset="0"/>
+              </a:rPr>
+              <a:t>yếu</a:t>
+            </a:r>
+            <a:r>
+              <a:rPr lang="en-GB" sz="3200" dirty="0">
+                <a:latin typeface="Tahoma" panose="020B0604030504040204" pitchFamily="34" charset="0"/>
+                <a:ea typeface="Tahoma" panose="020B0604030504040204" pitchFamily="34" charset="0"/>
+                <a:cs typeface="Tahoma" panose="020B0604030504040204" pitchFamily="34" charset="0"/>
+              </a:rPr>
+              <a:t> </a:t>
+            </a:r>
+            <a:r>
+              <a:rPr lang="en-GB" sz="3200" dirty="0" err="1">
+                <a:latin typeface="Tahoma" panose="020B0604030504040204" pitchFamily="34" charset="0"/>
+                <a:ea typeface="Tahoma" panose="020B0604030504040204" pitchFamily="34" charset="0"/>
+                <a:cs typeface="Tahoma" panose="020B0604030504040204" pitchFamily="34" charset="0"/>
+              </a:rPr>
+              <a:t>về</a:t>
+            </a:r>
+            <a:r>
+              <a:rPr lang="en-GB" sz="3200" dirty="0">
+                <a:latin typeface="Tahoma" panose="020B0604030504040204" pitchFamily="34" charset="0"/>
+                <a:ea typeface="Tahoma" panose="020B0604030504040204" pitchFamily="34" charset="0"/>
+                <a:cs typeface="Tahoma" panose="020B0604030504040204" pitchFamily="34" charset="0"/>
+              </a:rPr>
+              <a:t> </a:t>
+            </a:r>
+            <a:r>
+              <a:rPr lang="en-GB" sz="3200" dirty="0" err="1">
+                <a:latin typeface="Tahoma" panose="020B0604030504040204" pitchFamily="34" charset="0"/>
+                <a:ea typeface="Tahoma" panose="020B0604030504040204" pitchFamily="34" charset="0"/>
+                <a:cs typeface="Tahoma" panose="020B0604030504040204" pitchFamily="34" charset="0"/>
+              </a:rPr>
+              <a:t>RAM+storage</a:t>
+            </a:r>
+            <a:r>
+              <a:rPr lang="en-GB" sz="3200" dirty="0">
+                <a:latin typeface="Tahoma" panose="020B0604030504040204" pitchFamily="34" charset="0"/>
+                <a:ea typeface="Tahoma" panose="020B0604030504040204" pitchFamily="34" charset="0"/>
+                <a:cs typeface="Tahoma" panose="020B0604030504040204" pitchFamily="34" charset="0"/>
+              </a:rPr>
+              <a:t>, </a:t>
+            </a:r>
+            <a:r>
+              <a:rPr lang="en-GB" sz="3200" dirty="0" err="1">
+                <a:latin typeface="Tahoma" panose="020B0604030504040204" pitchFamily="34" charset="0"/>
+                <a:ea typeface="Tahoma" panose="020B0604030504040204" pitchFamily="34" charset="0"/>
+                <a:cs typeface="Tahoma" panose="020B0604030504040204" pitchFamily="34" charset="0"/>
+              </a:rPr>
+              <a:t>một</a:t>
+            </a:r>
+            <a:r>
+              <a:rPr lang="en-GB" sz="3200" dirty="0">
+                <a:latin typeface="Tahoma" panose="020B0604030504040204" pitchFamily="34" charset="0"/>
+                <a:ea typeface="Tahoma" panose="020B0604030504040204" pitchFamily="34" charset="0"/>
+                <a:cs typeface="Tahoma" panose="020B0604030504040204" pitchFamily="34" charset="0"/>
+              </a:rPr>
+              <a:t> </a:t>
+            </a:r>
+            <a:r>
+              <a:rPr lang="en-GB" sz="3200" dirty="0" err="1">
+                <a:latin typeface="Tahoma" panose="020B0604030504040204" pitchFamily="34" charset="0"/>
+                <a:ea typeface="Tahoma" panose="020B0604030504040204" pitchFamily="34" charset="0"/>
+                <a:cs typeface="Tahoma" panose="020B0604030504040204" pitchFamily="34" charset="0"/>
+              </a:rPr>
+              <a:t>Bộ</a:t>
+            </a:r>
+            <a:r>
+              <a:rPr lang="en-GB" sz="3200" dirty="0">
+                <a:latin typeface="Tahoma" panose="020B0604030504040204" pitchFamily="34" charset="0"/>
+                <a:ea typeface="Tahoma" panose="020B0604030504040204" pitchFamily="34" charset="0"/>
+                <a:cs typeface="Tahoma" panose="020B0604030504040204" pitchFamily="34" charset="0"/>
+              </a:rPr>
+              <a:t> </a:t>
+            </a:r>
+            <a:r>
+              <a:rPr lang="en-GB" sz="3200" dirty="0" err="1">
+                <a:latin typeface="Tahoma" panose="020B0604030504040204" pitchFamily="34" charset="0"/>
+                <a:ea typeface="Tahoma" panose="020B0604030504040204" pitchFamily="34" charset="0"/>
+                <a:cs typeface="Tahoma" panose="020B0604030504040204" pitchFamily="34" charset="0"/>
+              </a:rPr>
+              <a:t>RAM+storage</a:t>
+            </a:r>
+            <a:r>
+              <a:rPr lang="en-GB" sz="3200" dirty="0">
+                <a:latin typeface="Tahoma" panose="020B0604030504040204" pitchFamily="34" charset="0"/>
+                <a:ea typeface="Tahoma" panose="020B0604030504040204" pitchFamily="34" charset="0"/>
+                <a:cs typeface="Tahoma" panose="020B0604030504040204" pitchFamily="34" charset="0"/>
+              </a:rPr>
+              <a:t> </a:t>
+            </a:r>
+            <a:r>
+              <a:rPr lang="en-GB" sz="3200" dirty="0" err="1">
+                <a:latin typeface="Tahoma" panose="020B0604030504040204" pitchFamily="34" charset="0"/>
+                <a:ea typeface="Tahoma" panose="020B0604030504040204" pitchFamily="34" charset="0"/>
+                <a:cs typeface="Tahoma" panose="020B0604030504040204" pitchFamily="34" charset="0"/>
+              </a:rPr>
+              <a:t>lại</a:t>
+            </a:r>
+            <a:r>
+              <a:rPr lang="en-GB" sz="3200" dirty="0">
+                <a:latin typeface="Tahoma" panose="020B0604030504040204" pitchFamily="34" charset="0"/>
+                <a:ea typeface="Tahoma" panose="020B0604030504040204" pitchFamily="34" charset="0"/>
+                <a:cs typeface="Tahoma" panose="020B0604030504040204" pitchFamily="34" charset="0"/>
+              </a:rPr>
+              <a:t> </a:t>
+            </a:r>
+            <a:r>
+              <a:rPr lang="en-GB" sz="3200" dirty="0" err="1">
+                <a:latin typeface="Tahoma" panose="020B0604030504040204" pitchFamily="34" charset="0"/>
+                <a:ea typeface="Tahoma" panose="020B0604030504040204" pitchFamily="34" charset="0"/>
+                <a:cs typeface="Tahoma" panose="020B0604030504040204" pitchFamily="34" charset="0"/>
+              </a:rPr>
+              <a:t>có</a:t>
+            </a:r>
+            <a:r>
+              <a:rPr lang="en-GB" sz="3200" dirty="0">
+                <a:latin typeface="Tahoma" panose="020B0604030504040204" pitchFamily="34" charset="0"/>
+                <a:ea typeface="Tahoma" panose="020B0604030504040204" pitchFamily="34" charset="0"/>
+                <a:cs typeface="Tahoma" panose="020B0604030504040204" pitchFamily="34" charset="0"/>
+              </a:rPr>
+              <a:t> </a:t>
+            </a:r>
+            <a:r>
+              <a:rPr lang="en-GB" sz="3200" dirty="0" err="1">
+                <a:latin typeface="Tahoma" panose="020B0604030504040204" pitchFamily="34" charset="0"/>
+                <a:ea typeface="Tahoma" panose="020B0604030504040204" pitchFamily="34" charset="0"/>
+                <a:cs typeface="Tahoma" panose="020B0604030504040204" pitchFamily="34" charset="0"/>
+              </a:rPr>
+              <a:t>thể</a:t>
+            </a:r>
+            <a:r>
+              <a:rPr lang="en-GB" sz="3200" dirty="0">
+                <a:latin typeface="Tahoma" panose="020B0604030504040204" pitchFamily="34" charset="0"/>
+                <a:ea typeface="Tahoma" panose="020B0604030504040204" pitchFamily="34" charset="0"/>
+                <a:cs typeface="Tahoma" panose="020B0604030504040204" pitchFamily="34" charset="0"/>
+              </a:rPr>
+              <a:t> </a:t>
+            </a:r>
+            <a:r>
+              <a:rPr lang="en-GB" sz="3200" dirty="0" err="1">
+                <a:latin typeface="Tahoma" panose="020B0604030504040204" pitchFamily="34" charset="0"/>
+                <a:ea typeface="Tahoma" panose="020B0604030504040204" pitchFamily="34" charset="0"/>
+                <a:cs typeface="Tahoma" panose="020B0604030504040204" pitchFamily="34" charset="0"/>
+              </a:rPr>
+              <a:t>có</a:t>
+            </a:r>
+            <a:r>
+              <a:rPr lang="en-GB" sz="3200" dirty="0">
+                <a:latin typeface="Tahoma" panose="020B0604030504040204" pitchFamily="34" charset="0"/>
+                <a:ea typeface="Tahoma" panose="020B0604030504040204" pitchFamily="34" charset="0"/>
+                <a:cs typeface="Tahoma" panose="020B0604030504040204" pitchFamily="34" charset="0"/>
+              </a:rPr>
+              <a:t> </a:t>
+            </a:r>
+            <a:r>
+              <a:rPr lang="en-GB" sz="3200" dirty="0" err="1">
+                <a:latin typeface="Tahoma" panose="020B0604030504040204" pitchFamily="34" charset="0"/>
+                <a:ea typeface="Tahoma" panose="020B0604030504040204" pitchFamily="34" charset="0"/>
+                <a:cs typeface="Tahoma" panose="020B0604030504040204" pitchFamily="34" charset="0"/>
+              </a:rPr>
+              <a:t>nhiều</a:t>
+            </a:r>
+            <a:r>
+              <a:rPr lang="en-GB" sz="3200" dirty="0">
+                <a:latin typeface="Tahoma" panose="020B0604030504040204" pitchFamily="34" charset="0"/>
+                <a:ea typeface="Tahoma" panose="020B0604030504040204" pitchFamily="34" charset="0"/>
+                <a:cs typeface="Tahoma" panose="020B0604030504040204" pitchFamily="34" charset="0"/>
+              </a:rPr>
+              <a:t> </a:t>
+            </a:r>
+            <a:r>
+              <a:rPr lang="en-GB" sz="3200" dirty="0" err="1">
+                <a:latin typeface="Tahoma" panose="020B0604030504040204" pitchFamily="34" charset="0"/>
+                <a:ea typeface="Tahoma" panose="020B0604030504040204" pitchFamily="34" charset="0"/>
+                <a:cs typeface="Tahoma" panose="020B0604030504040204" pitchFamily="34" charset="0"/>
+              </a:rPr>
+              <a:t>giá</a:t>
+            </a:r>
+            <a:r>
+              <a:rPr lang="en-GB" sz="3200" dirty="0">
+                <a:latin typeface="Tahoma" panose="020B0604030504040204" pitchFamily="34" charset="0"/>
+                <a:ea typeface="Tahoma" panose="020B0604030504040204" pitchFamily="34" charset="0"/>
+                <a:cs typeface="Tahoma" panose="020B0604030504040204" pitchFamily="34" charset="0"/>
+              </a:rPr>
+              <a:t>.</a:t>
+            </a:r>
+          </a:p>
+          <a:p>
+            <a:r>
+              <a:rPr lang="en-GB" sz="3200" dirty="0" err="1">
+                <a:latin typeface="Tahoma" panose="020B0604030504040204" pitchFamily="34" charset="0"/>
+                <a:ea typeface="Tahoma" panose="020B0604030504040204" pitchFamily="34" charset="0"/>
+                <a:cs typeface="Tahoma" panose="020B0604030504040204" pitchFamily="34" charset="0"/>
+              </a:rPr>
               <a:t>Xử</a:t>
             </a:r>
             <a:r>
@@ -7274,7 +6929,7 @@
                 <a:ea typeface="Tahoma" panose="020B0604030504040204" pitchFamily="34" charset="0"/>
                 <a:cs typeface="Tahoma" panose="020B0604030504040204" pitchFamily="34" charset="0"/>
               </a:rPr>
-              <a:t>lý</a:t>
+              <a:t>lí</a:t>
             </a:r>
             <a:r>
               <a:rPr lang="en-GB" sz="3200" dirty="0">
@@ -7314,123 +6969,25 @@
                 <a:ea typeface="Tahoma" panose="020B0604030504040204" pitchFamily="34" charset="0"/>
                 <a:cs typeface="Tahoma" panose="020B0604030504040204" pitchFamily="34" charset="0"/>
               </a:rPr>
+              <a:t> </a:t>
+            </a:r>
+            <a:r>
+              <a:rPr lang="en-GB" sz="3200" dirty="0" err="1">
+                <a:latin typeface="Tahoma" panose="020B0604030504040204" pitchFamily="34" charset="0"/>
+                <a:ea typeface="Tahoma" panose="020B0604030504040204" pitchFamily="34" charset="0"/>
+                <a:cs typeface="Tahoma" panose="020B0604030504040204" pitchFamily="34" charset="0"/>
+              </a:rPr>
+              <a:t>thiếu</a:t>
+            </a:r>
+            <a:r>
+              <a:rPr lang="en-GB" sz="3200" dirty="0">
+                <a:latin typeface="Tahoma" panose="020B0604030504040204" pitchFamily="34" charset="0"/>
+                <a:ea typeface="Tahoma" panose="020B0604030504040204" pitchFamily="34" charset="0"/>
+                <a:cs typeface="Tahoma" panose="020B0604030504040204" pitchFamily="34" charset="0"/>
+              </a:rPr>
               <a:t>.</a:t>
             </a:r>
           </a:p>
-          <a:p>
-            <a:r>
-              <a:rPr lang="en-GB" sz="3200" dirty="0" err="1">
-                <a:latin typeface="Tahoma" panose="020B0604030504040204" pitchFamily="34" charset="0"/>
-                <a:ea typeface="Tahoma" panose="020B0604030504040204" pitchFamily="34" charset="0"/>
-                <a:cs typeface="Tahoma" panose="020B0604030504040204" pitchFamily="34" charset="0"/>
-              </a:rPr>
-              <a:t>Sử</a:t>
-            </a:r>
-            <a:r>
-              <a:rPr lang="en-GB" sz="3200" dirty="0">
-                <a:latin typeface="Tahoma" panose="020B0604030504040204" pitchFamily="34" charset="0"/>
-                <a:ea typeface="Tahoma" panose="020B0604030504040204" pitchFamily="34" charset="0"/>
-                <a:cs typeface="Tahoma" panose="020B0604030504040204" pitchFamily="34" charset="0"/>
-              </a:rPr>
-              <a:t> </a:t>
-            </a:r>
-            <a:r>
-              <a:rPr lang="en-GB" sz="3200" dirty="0" err="1">
-                <a:latin typeface="Tahoma" panose="020B0604030504040204" pitchFamily="34" charset="0"/>
-                <a:ea typeface="Tahoma" panose="020B0604030504040204" pitchFamily="34" charset="0"/>
-                <a:cs typeface="Tahoma" panose="020B0604030504040204" pitchFamily="34" charset="0"/>
-              </a:rPr>
-              <a:t>dụng</a:t>
-            </a:r>
-            <a:r>
-              <a:rPr lang="en-GB" sz="3200" dirty="0">
-                <a:latin typeface="Tahoma" panose="020B0604030504040204" pitchFamily="34" charset="0"/>
-                <a:ea typeface="Tahoma" panose="020B0604030504040204" pitchFamily="34" charset="0"/>
-                <a:cs typeface="Tahoma" panose="020B0604030504040204" pitchFamily="34" charset="0"/>
-              </a:rPr>
-              <a:t> </a:t>
-            </a:r>
-            <a:r>
-              <a:rPr lang="en-GB" sz="3200" dirty="0" err="1">
-                <a:latin typeface="Tahoma" panose="020B0604030504040204" pitchFamily="34" charset="0"/>
-                <a:ea typeface="Tahoma" panose="020B0604030504040204" pitchFamily="34" charset="0"/>
-                <a:cs typeface="Tahoma" panose="020B0604030504040204" pitchFamily="34" charset="0"/>
-              </a:rPr>
-              <a:t>các</a:t>
-            </a:r>
-            <a:r>
-              <a:rPr lang="en-GB" sz="3200" dirty="0">
-                <a:latin typeface="Tahoma" panose="020B0604030504040204" pitchFamily="34" charset="0"/>
-                <a:ea typeface="Tahoma" panose="020B0604030504040204" pitchFamily="34" charset="0"/>
-                <a:cs typeface="Tahoma" panose="020B0604030504040204" pitchFamily="34" charset="0"/>
-              </a:rPr>
-              <a:t> </a:t>
-            </a:r>
-            <a:r>
-              <a:rPr lang="en-GB" sz="3200" dirty="0" err="1">
-                <a:latin typeface="Tahoma" panose="020B0604030504040204" pitchFamily="34" charset="0"/>
-                <a:ea typeface="Tahoma" panose="020B0604030504040204" pitchFamily="34" charset="0"/>
-                <a:cs typeface="Tahoma" panose="020B0604030504040204" pitchFamily="34" charset="0"/>
-              </a:rPr>
-              <a:t>mô</a:t>
-            </a:r>
-            <a:r>
-              <a:rPr lang="en-GB" sz="3200" dirty="0">
-                <a:latin typeface="Tahoma" panose="020B0604030504040204" pitchFamily="34" charset="0"/>
-                <a:ea typeface="Tahoma" panose="020B0604030504040204" pitchFamily="34" charset="0"/>
-                <a:cs typeface="Tahoma" panose="020B0604030504040204" pitchFamily="34" charset="0"/>
-              </a:rPr>
-              <a:t> </a:t>
-            </a:r>
-            <a:r>
-              <a:rPr lang="en-GB" sz="3200" dirty="0" err="1">
-                <a:latin typeface="Tahoma" panose="020B0604030504040204" pitchFamily="34" charset="0"/>
-                <a:ea typeface="Tahoma" panose="020B0604030504040204" pitchFamily="34" charset="0"/>
-                <a:cs typeface="Tahoma" panose="020B0604030504040204" pitchFamily="34" charset="0"/>
-              </a:rPr>
-              <a:t>hình</a:t>
-            </a:r>
-            <a:r>
-              <a:rPr lang="en-GB" sz="3200" dirty="0">
-                <a:latin typeface="Tahoma" panose="020B0604030504040204" pitchFamily="34" charset="0"/>
-                <a:ea typeface="Tahoma" panose="020B0604030504040204" pitchFamily="34" charset="0"/>
-                <a:cs typeface="Tahoma" panose="020B0604030504040204" pitchFamily="34" charset="0"/>
-              </a:rPr>
-              <a:t> </a:t>
-            </a:r>
-            <a:r>
-              <a:rPr lang="en-GB" sz="3200" dirty="0" err="1">
-                <a:latin typeface="Tahoma" panose="020B0604030504040204" pitchFamily="34" charset="0"/>
-                <a:ea typeface="Tahoma" panose="020B0604030504040204" pitchFamily="34" charset="0"/>
-                <a:cs typeface="Tahoma" panose="020B0604030504040204" pitchFamily="34" charset="0"/>
-              </a:rPr>
-              <a:t>khác</a:t>
-            </a:r>
-            <a:r>
-              <a:rPr lang="en-GB" sz="3200" dirty="0">
-                <a:latin typeface="Tahoma" panose="020B0604030504040204" pitchFamily="34" charset="0"/>
-                <a:ea typeface="Tahoma" panose="020B0604030504040204" pitchFamily="34" charset="0"/>
-                <a:cs typeface="Tahoma" panose="020B0604030504040204" pitchFamily="34" charset="0"/>
-              </a:rPr>
-              <a:t> </a:t>
-            </a:r>
-            <a:r>
-              <a:rPr lang="en-GB" sz="3200" dirty="0" err="1">
-                <a:latin typeface="Tahoma" panose="020B0604030504040204" pitchFamily="34" charset="0"/>
-                <a:ea typeface="Tahoma" panose="020B0604030504040204" pitchFamily="34" charset="0"/>
-                <a:cs typeface="Tahoma" panose="020B0604030504040204" pitchFamily="34" charset="0"/>
-              </a:rPr>
-              <a:t>nhau</a:t>
-            </a:r>
-            <a:r>
-              <a:rPr lang="en-GB" sz="3200" dirty="0">
-                <a:latin typeface="Tahoma" panose="020B0604030504040204" pitchFamily="34" charset="0"/>
-                <a:ea typeface="Tahoma" panose="020B0604030504040204" pitchFamily="34" charset="0"/>
-                <a:cs typeface="Tahoma" panose="020B0604030504040204" pitchFamily="34" charset="0"/>
-              </a:rPr>
-              <a:t>.</a:t>
-            </a:r>
-          </a:p>
         </p:txBody>
       </p:sp>
       <p:sp>
@@ -7452,7 +7009,7 @@
         <p:spPr/>
         <p:txBody>
           <a:bodyPr>
-            <a:normAutofit/>
+            <a:normAutofit fontScale="92500"/>
           </a:bodyPr>
           <a:lstStyle/>
           <a:p>
@@ -7465,23 +7022,87 @@
                 <a:ea typeface="Tahoma" panose="020B0604030504040204" pitchFamily="34" charset="0"/>
                 <a:cs typeface="Tahoma" panose="020B0604030504040204" pitchFamily="34" charset="0"/>
               </a:rPr>
-              <a:t>Câu</a:t>
-            </a:r>
-            <a:r>
-              <a:rPr lang="en-GB" sz="3200" dirty="0">
-                <a:latin typeface="Tahoma" panose="020B0604030504040204" pitchFamily="34" charset="0"/>
-                <a:ea typeface="Tahoma" panose="020B0604030504040204" pitchFamily="34" charset="0"/>
-                <a:cs typeface="Tahoma" panose="020B0604030504040204" pitchFamily="34" charset="0"/>
-              </a:rPr>
-              <a:t> </a:t>
-            </a:r>
-            <a:r>
-              <a:rPr lang="en-GB" sz="3200" dirty="0" err="1">
-                <a:latin typeface="Tahoma" panose="020B0604030504040204" pitchFamily="34" charset="0"/>
-                <a:ea typeface="Tahoma" panose="020B0604030504040204" pitchFamily="34" charset="0"/>
-                <a:cs typeface="Tahoma" panose="020B0604030504040204" pitchFamily="34" charset="0"/>
-              </a:rPr>
-              <a:t>hỏi</a:t>
+              <a:t>Học</a:t>
+            </a:r>
+            <a:r>
+              <a:rPr lang="en-GB" sz="3200" dirty="0">
+                <a:latin typeface="Tahoma" panose="020B0604030504040204" pitchFamily="34" charset="0"/>
+                <a:ea typeface="Tahoma" panose="020B0604030504040204" pitchFamily="34" charset="0"/>
+                <a:cs typeface="Tahoma" panose="020B0604030504040204" pitchFamily="34" charset="0"/>
+              </a:rPr>
+              <a:t> - </a:t>
+            </a:r>
+            <a:r>
+              <a:rPr lang="en-GB" sz="3200" dirty="0" err="1">
+                <a:latin typeface="Tahoma" panose="020B0604030504040204" pitchFamily="34" charset="0"/>
+                <a:ea typeface="Tahoma" panose="020B0604030504040204" pitchFamily="34" charset="0"/>
+                <a:cs typeface="Tahoma" panose="020B0604030504040204" pitchFamily="34" charset="0"/>
+              </a:rPr>
+              <a:t>Kiểm</a:t>
+            </a:r>
+            <a:r>
+              <a:rPr lang="en-GB" sz="3200" dirty="0">
+                <a:latin typeface="Tahoma" panose="020B0604030504040204" pitchFamily="34" charset="0"/>
+                <a:ea typeface="Tahoma" panose="020B0604030504040204" pitchFamily="34" charset="0"/>
+                <a:cs typeface="Tahoma" panose="020B0604030504040204" pitchFamily="34" charset="0"/>
+              </a:rPr>
+              <a:t> </a:t>
+            </a:r>
+            <a:r>
+              <a:rPr lang="en-GB" sz="3200" dirty="0" err="1">
+                <a:latin typeface="Tahoma" panose="020B0604030504040204" pitchFamily="34" charset="0"/>
+                <a:ea typeface="Tahoma" panose="020B0604030504040204" pitchFamily="34" charset="0"/>
+                <a:cs typeface="Tahoma" panose="020B0604030504040204" pitchFamily="34" charset="0"/>
+              </a:rPr>
+              <a:t>thử</a:t>
+            </a:r>
+            <a:r>
+              <a:rPr lang="en-GB" sz="3200" dirty="0">
+                <a:latin typeface="Tahoma" panose="020B0604030504040204" pitchFamily="34" charset="0"/>
+                <a:ea typeface="Tahoma" panose="020B0604030504040204" pitchFamily="34" charset="0"/>
+                <a:cs typeface="Tahoma" panose="020B0604030504040204" pitchFamily="34" charset="0"/>
+              </a:rPr>
+              <a:t> </a:t>
+            </a:r>
+            <a:r>
+              <a:rPr lang="en-GB" sz="3200" dirty="0" err="1">
+                <a:latin typeface="Tahoma" panose="020B0604030504040204" pitchFamily="34" charset="0"/>
+                <a:ea typeface="Tahoma" panose="020B0604030504040204" pitchFamily="34" charset="0"/>
+                <a:cs typeface="Tahoma" panose="020B0604030504040204" pitchFamily="34" charset="0"/>
+              </a:rPr>
+              <a:t>và</a:t>
+            </a:r>
+            <a:r>
+              <a:rPr lang="en-GB" sz="3200" dirty="0">
+                <a:latin typeface="Tahoma" panose="020B0604030504040204" pitchFamily="34" charset="0"/>
+                <a:ea typeface="Tahoma" panose="020B0604030504040204" pitchFamily="34" charset="0"/>
+                <a:cs typeface="Tahoma" panose="020B0604030504040204" pitchFamily="34" charset="0"/>
+              </a:rPr>
+              <a:t> </a:t>
+            </a:r>
+            <a:r>
+              <a:rPr lang="en-GB" sz="3200" dirty="0" err="1">
+                <a:latin typeface="Tahoma" panose="020B0604030504040204" pitchFamily="34" charset="0"/>
+                <a:ea typeface="Tahoma" panose="020B0604030504040204" pitchFamily="34" charset="0"/>
+                <a:cs typeface="Tahoma" panose="020B0604030504040204" pitchFamily="34" charset="0"/>
+              </a:rPr>
+              <a:t>kết</a:t>
+            </a:r>
+            <a:r>
+              <a:rPr lang="en-GB" sz="3200" dirty="0">
+                <a:latin typeface="Tahoma" panose="020B0604030504040204" pitchFamily="34" charset="0"/>
+                <a:ea typeface="Tahoma" panose="020B0604030504040204" pitchFamily="34" charset="0"/>
+                <a:cs typeface="Tahoma" panose="020B0604030504040204" pitchFamily="34" charset="0"/>
+              </a:rPr>
+              <a:t> </a:t>
+            </a:r>
+            <a:r>
+              <a:rPr lang="en-GB" sz="3200" dirty="0" err="1">
+                <a:latin typeface="Tahoma" panose="020B0604030504040204" pitchFamily="34" charset="0"/>
+                <a:ea typeface="Tahoma" panose="020B0604030504040204" pitchFamily="34" charset="0"/>
+                <a:cs typeface="Tahoma" panose="020B0604030504040204" pitchFamily="34" charset="0"/>
+              </a:rPr>
+              <a:t>quả</a:t>
             </a:r>
             <a:r>
               <a:rPr lang="en-GB" sz="3200" dirty="0">
@@ -7499,183 +7120,79 @@
                 <a:ea typeface="Tahoma" panose="020B0604030504040204" pitchFamily="34" charset="0"/>
                 <a:cs typeface="Tahoma" panose="020B0604030504040204" pitchFamily="34" charset="0"/>
               </a:rPr>
-              <a:t>Các</a:t>
-            </a:r>
-            <a:r>
-              <a:rPr lang="en-GB" sz="3200" dirty="0">
-                <a:latin typeface="Tahoma" panose="020B0604030504040204" pitchFamily="34" charset="0"/>
-                <a:ea typeface="Tahoma" panose="020B0604030504040204" pitchFamily="34" charset="0"/>
-                <a:cs typeface="Tahoma" panose="020B0604030504040204" pitchFamily="34" charset="0"/>
-              </a:rPr>
-              <a:t> </a:t>
-            </a:r>
-            <a:r>
-              <a:rPr lang="en-GB" sz="3200" dirty="0" err="1">
-                <a:latin typeface="Tahoma" panose="020B0604030504040204" pitchFamily="34" charset="0"/>
-                <a:ea typeface="Tahoma" panose="020B0604030504040204" pitchFamily="34" charset="0"/>
-                <a:cs typeface="Tahoma" panose="020B0604030504040204" pitchFamily="34" charset="0"/>
-              </a:rPr>
-              <a:t>mô</a:t>
-            </a:r>
-            <a:r>
-              <a:rPr lang="en-GB" sz="3200" dirty="0">
-                <a:latin typeface="Tahoma" panose="020B0604030504040204" pitchFamily="34" charset="0"/>
-                <a:ea typeface="Tahoma" panose="020B0604030504040204" pitchFamily="34" charset="0"/>
-                <a:cs typeface="Tahoma" panose="020B0604030504040204" pitchFamily="34" charset="0"/>
-              </a:rPr>
-              <a:t> </a:t>
-            </a:r>
-            <a:r>
-              <a:rPr lang="en-GB" sz="3200" dirty="0" err="1">
-                <a:latin typeface="Tahoma" panose="020B0604030504040204" pitchFamily="34" charset="0"/>
-                <a:ea typeface="Tahoma" panose="020B0604030504040204" pitchFamily="34" charset="0"/>
-                <a:cs typeface="Tahoma" panose="020B0604030504040204" pitchFamily="34" charset="0"/>
-              </a:rPr>
-              <a:t>hình</a:t>
-            </a:r>
-            <a:r>
-              <a:rPr lang="en-GB" sz="3200" dirty="0">
-                <a:latin typeface="Tahoma" panose="020B0604030504040204" pitchFamily="34" charset="0"/>
-                <a:ea typeface="Tahoma" panose="020B0604030504040204" pitchFamily="34" charset="0"/>
-                <a:cs typeface="Tahoma" panose="020B0604030504040204" pitchFamily="34" charset="0"/>
-              </a:rPr>
-              <a:t>, </a:t>
-            </a:r>
-            <a:r>
-              <a:rPr lang="en-GB" sz="3200" dirty="0" err="1">
-                <a:latin typeface="Tahoma" panose="020B0604030504040204" pitchFamily="34" charset="0"/>
-                <a:ea typeface="Tahoma" panose="020B0604030504040204" pitchFamily="34" charset="0"/>
-                <a:cs typeface="Tahoma" panose="020B0604030504040204" pitchFamily="34" charset="0"/>
-              </a:rPr>
-              <a:t>giải</a:t>
-            </a:r>
-            <a:r>
-              <a:rPr lang="en-GB" sz="3200" dirty="0">
-                <a:latin typeface="Tahoma" panose="020B0604030504040204" pitchFamily="34" charset="0"/>
-                <a:ea typeface="Tahoma" panose="020B0604030504040204" pitchFamily="34" charset="0"/>
-                <a:cs typeface="Tahoma" panose="020B0604030504040204" pitchFamily="34" charset="0"/>
-              </a:rPr>
-              <a:t> </a:t>
-            </a:r>
-            <a:r>
-              <a:rPr lang="en-GB" sz="3200" dirty="0" err="1">
-                <a:latin typeface="Tahoma" panose="020B0604030504040204" pitchFamily="34" charset="0"/>
-                <a:ea typeface="Tahoma" panose="020B0604030504040204" pitchFamily="34" charset="0"/>
-                <a:cs typeface="Tahoma" panose="020B0604030504040204" pitchFamily="34" charset="0"/>
-              </a:rPr>
-              <a:t>pháp</a:t>
-            </a:r>
-            <a:r>
-              <a:rPr lang="en-GB" sz="3200" dirty="0">
-                <a:latin typeface="Tahoma" panose="020B0604030504040204" pitchFamily="34" charset="0"/>
-                <a:ea typeface="Tahoma" panose="020B0604030504040204" pitchFamily="34" charset="0"/>
-                <a:cs typeface="Tahoma" panose="020B0604030504040204" pitchFamily="34" charset="0"/>
-              </a:rPr>
-              <a:t> </a:t>
-            </a:r>
-            <a:r>
-              <a:rPr lang="en-GB" sz="3200" dirty="0" err="1">
-                <a:latin typeface="Tahoma" panose="020B0604030504040204" pitchFamily="34" charset="0"/>
-                <a:ea typeface="Tahoma" panose="020B0604030504040204" pitchFamily="34" charset="0"/>
-                <a:cs typeface="Tahoma" panose="020B0604030504040204" pitchFamily="34" charset="0"/>
-              </a:rPr>
-              <a:t>nào</a:t>
-            </a:r>
-            <a:r>
-              <a:rPr lang="en-GB" sz="3200" dirty="0">
-                <a:latin typeface="Tahoma" panose="020B0604030504040204" pitchFamily="34" charset="0"/>
-                <a:ea typeface="Tahoma" panose="020B0604030504040204" pitchFamily="34" charset="0"/>
-                <a:cs typeface="Tahoma" panose="020B0604030504040204" pitchFamily="34" charset="0"/>
-              </a:rPr>
-              <a:t> </a:t>
-            </a:r>
-            <a:r>
-              <a:rPr lang="en-GB" sz="3200" dirty="0" err="1">
-                <a:latin typeface="Tahoma" panose="020B0604030504040204" pitchFamily="34" charset="0"/>
-                <a:ea typeface="Tahoma" panose="020B0604030504040204" pitchFamily="34" charset="0"/>
-                <a:cs typeface="Tahoma" panose="020B0604030504040204" pitchFamily="34" charset="0"/>
-              </a:rPr>
-              <a:t>đáp</a:t>
-            </a:r>
-            <a:r>
-              <a:rPr lang="en-GB" sz="3200" dirty="0">
-                <a:latin typeface="Tahoma" panose="020B0604030504040204" pitchFamily="34" charset="0"/>
-                <a:ea typeface="Tahoma" panose="020B0604030504040204" pitchFamily="34" charset="0"/>
-                <a:cs typeface="Tahoma" panose="020B0604030504040204" pitchFamily="34" charset="0"/>
-              </a:rPr>
-              <a:t> </a:t>
-            </a:r>
-            <a:r>
-              <a:rPr lang="en-GB" sz="3200" dirty="0" err="1">
-                <a:latin typeface="Tahoma" panose="020B0604030504040204" pitchFamily="34" charset="0"/>
-                <a:ea typeface="Tahoma" panose="020B0604030504040204" pitchFamily="34" charset="0"/>
-                <a:cs typeface="Tahoma" panose="020B0604030504040204" pitchFamily="34" charset="0"/>
-              </a:rPr>
-              <a:t>ứng</a:t>
-            </a:r>
-            <a:r>
-              <a:rPr lang="en-GB" sz="3200" dirty="0">
-                <a:latin typeface="Tahoma" panose="020B0604030504040204" pitchFamily="34" charset="0"/>
-                <a:ea typeface="Tahoma" panose="020B0604030504040204" pitchFamily="34" charset="0"/>
-                <a:cs typeface="Tahoma" panose="020B0604030504040204" pitchFamily="34" charset="0"/>
-              </a:rPr>
-              <a:t> </a:t>
-            </a:r>
-            <a:r>
-              <a:rPr lang="en-GB" sz="3200" dirty="0" err="1">
-                <a:latin typeface="Tahoma" panose="020B0604030504040204" pitchFamily="34" charset="0"/>
-                <a:ea typeface="Tahoma" panose="020B0604030504040204" pitchFamily="34" charset="0"/>
-                <a:cs typeface="Tahoma" panose="020B0604030504040204" pitchFamily="34" charset="0"/>
-              </a:rPr>
-              <a:t>vấn</a:t>
-            </a:r>
-            <a:r>
-              <a:rPr lang="en-GB" sz="3200" dirty="0">
-                <a:latin typeface="Tahoma" panose="020B0604030504040204" pitchFamily="34" charset="0"/>
-                <a:ea typeface="Tahoma" panose="020B0604030504040204" pitchFamily="34" charset="0"/>
-                <a:cs typeface="Tahoma" panose="020B0604030504040204" pitchFamily="34" charset="0"/>
-              </a:rPr>
-              <a:t> </a:t>
-            </a:r>
-            <a:r>
-              <a:rPr lang="en-GB" sz="3200" dirty="0" err="1">
-                <a:latin typeface="Tahoma" panose="020B0604030504040204" pitchFamily="34" charset="0"/>
-                <a:ea typeface="Tahoma" panose="020B0604030504040204" pitchFamily="34" charset="0"/>
-                <a:cs typeface="Tahoma" panose="020B0604030504040204" pitchFamily="34" charset="0"/>
-              </a:rPr>
-              <a:t>đề</a:t>
-            </a:r>
-            <a:r>
-              <a:rPr lang="en-GB" sz="3200" dirty="0">
-                <a:latin typeface="Tahoma" panose="020B0604030504040204" pitchFamily="34" charset="0"/>
-                <a:ea typeface="Tahoma" panose="020B0604030504040204" pitchFamily="34" charset="0"/>
-                <a:cs typeface="Tahoma" panose="020B0604030504040204" pitchFamily="34" charset="0"/>
-              </a:rPr>
-              <a:t> regression </a:t>
-            </a:r>
-            <a:r>
-              <a:rPr lang="en-GB" sz="3200" dirty="0" err="1">
-                <a:latin typeface="Tahoma" panose="020B0604030504040204" pitchFamily="34" charset="0"/>
-                <a:ea typeface="Tahoma" panose="020B0604030504040204" pitchFamily="34" charset="0"/>
-                <a:cs typeface="Tahoma" panose="020B0604030504040204" pitchFamily="34" charset="0"/>
-              </a:rPr>
-              <a:t>cho</a:t>
-            </a:r>
-            <a:r>
-              <a:rPr lang="en-GB" sz="3200" dirty="0">
-                <a:latin typeface="Tahoma" panose="020B0604030504040204" pitchFamily="34" charset="0"/>
-                <a:ea typeface="Tahoma" panose="020B0604030504040204" pitchFamily="34" charset="0"/>
-                <a:cs typeface="Tahoma" panose="020B0604030504040204" pitchFamily="34" charset="0"/>
-              </a:rPr>
-              <a:t> </a:t>
-            </a:r>
-            <a:r>
-              <a:rPr lang="en-GB" sz="3200" dirty="0" err="1">
-                <a:latin typeface="Tahoma" panose="020B0604030504040204" pitchFamily="34" charset="0"/>
-                <a:ea typeface="Tahoma" panose="020B0604030504040204" pitchFamily="34" charset="0"/>
-                <a:cs typeface="Tahoma" panose="020B0604030504040204" pitchFamily="34" charset="0"/>
-              </a:rPr>
-              <a:t>bài</a:t>
+              <a:t>Sử</a:t>
+            </a:r>
+            <a:r>
+              <a:rPr lang="en-GB" sz="3200" dirty="0">
+                <a:latin typeface="Tahoma" panose="020B0604030504040204" pitchFamily="34" charset="0"/>
+                <a:ea typeface="Tahoma" panose="020B0604030504040204" pitchFamily="34" charset="0"/>
+                <a:cs typeface="Tahoma" panose="020B0604030504040204" pitchFamily="34" charset="0"/>
+              </a:rPr>
+              <a:t> </a:t>
+            </a:r>
+            <a:r>
+              <a:rPr lang="en-GB" sz="3200" dirty="0" err="1">
+                <a:latin typeface="Tahoma" panose="020B0604030504040204" pitchFamily="34" charset="0"/>
+                <a:ea typeface="Tahoma" panose="020B0604030504040204" pitchFamily="34" charset="0"/>
+                <a:cs typeface="Tahoma" panose="020B0604030504040204" pitchFamily="34" charset="0"/>
+              </a:rPr>
+              <a:t>dụng</a:t>
+            </a:r>
+            <a:r>
+              <a:rPr lang="en-GB" sz="3200" dirty="0">
+                <a:latin typeface="Tahoma" panose="020B0604030504040204" pitchFamily="34" charset="0"/>
+                <a:ea typeface="Tahoma" panose="020B0604030504040204" pitchFamily="34" charset="0"/>
+                <a:cs typeface="Tahoma" panose="020B0604030504040204" pitchFamily="34" charset="0"/>
+              </a:rPr>
+              <a:t> đ</a:t>
+            </a:r>
+            <a:r>
+              <a:rPr lang="vi-VN" sz="3200" dirty="0">
+                <a:latin typeface="Tahoma" panose="020B0604030504040204" pitchFamily="34" charset="0"/>
+                <a:ea typeface="Tahoma" panose="020B0604030504040204" pitchFamily="34" charset="0"/>
+                <a:cs typeface="Tahoma" panose="020B0604030504040204" pitchFamily="34" charset="0"/>
+              </a:rPr>
+              <a:t>ư</a:t>
+            </a:r>
+            <a:r>
+              <a:rPr lang="en-GB" sz="3200" dirty="0" err="1">
+                <a:latin typeface="Tahoma" panose="020B0604030504040204" pitchFamily="34" charset="0"/>
+                <a:ea typeface="Tahoma" panose="020B0604030504040204" pitchFamily="34" charset="0"/>
+                <a:cs typeface="Tahoma" panose="020B0604030504040204" pitchFamily="34" charset="0"/>
+              </a:rPr>
+              <a:t>ợc</a:t>
+            </a:r>
+            <a:r>
+              <a:rPr lang="en-GB" sz="3200" dirty="0">
+                <a:latin typeface="Tahoma" panose="020B0604030504040204" pitchFamily="34" charset="0"/>
+                <a:ea typeface="Tahoma" panose="020B0604030504040204" pitchFamily="34" charset="0"/>
+                <a:cs typeface="Tahoma" panose="020B0604030504040204" pitchFamily="34" charset="0"/>
+              </a:rPr>
+              <a:t> </a:t>
+            </a:r>
+            <a:r>
+              <a:rPr lang="en-GB" sz="3200" dirty="0" err="1">
+                <a:latin typeface="Tahoma" panose="020B0604030504040204" pitchFamily="34" charset="0"/>
+                <a:ea typeface="Tahoma" panose="020B0604030504040204" pitchFamily="34" charset="0"/>
+                <a:cs typeface="Tahoma" panose="020B0604030504040204" pitchFamily="34" charset="0"/>
+              </a:rPr>
+              <a:t>nhiều</a:t>
+            </a:r>
+            <a:r>
+              <a:rPr lang="en-GB" sz="3200" dirty="0">
+                <a:latin typeface="Tahoma" panose="020B0604030504040204" pitchFamily="34" charset="0"/>
+                <a:ea typeface="Tahoma" panose="020B0604030504040204" pitchFamily="34" charset="0"/>
+                <a:cs typeface="Tahoma" panose="020B0604030504040204" pitchFamily="34" charset="0"/>
+              </a:rPr>
+              <a:t> </a:t>
+            </a:r>
+            <a:r>
+              <a:rPr lang="en-GB" sz="3200" dirty="0" err="1">
+                <a:latin typeface="Tahoma" panose="020B0604030504040204" pitchFamily="34" charset="0"/>
+                <a:ea typeface="Tahoma" panose="020B0604030504040204" pitchFamily="34" charset="0"/>
+                <a:cs typeface="Tahoma" panose="020B0604030504040204" pitchFamily="34" charset="0"/>
+              </a:rPr>
+              <a:t>thuật</a:t>
             </a:r>
             <a:r>
               <a:rPr lang="en-GB" sz="3200" dirty="0">
@@ -7699,15 +7216,113 @@
                 <a:ea typeface="Tahoma" panose="020B0604030504040204" pitchFamily="34" charset="0"/>
                 <a:cs typeface="Tahoma" panose="020B0604030504040204" pitchFamily="34" charset="0"/>
               </a:rPr>
-              <a:t> </a:t>
-            </a:r>
-            <a:r>
-              <a:rPr lang="en-GB" sz="3200" dirty="0" err="1">
-                <a:latin typeface="Tahoma" panose="020B0604030504040204" pitchFamily="34" charset="0"/>
-                <a:ea typeface="Tahoma" panose="020B0604030504040204" pitchFamily="34" charset="0"/>
-                <a:cs typeface="Tahoma" panose="020B0604030504040204" pitchFamily="34" charset="0"/>
-              </a:rPr>
-              <a:t>này</a:t>
+              <a:t> classification.</a:t>
+            </a:r>
+          </a:p>
+          <a:p>
+            <a:r>
+              <a:rPr lang="en-GB" sz="3200" dirty="0" err="1">
+                <a:latin typeface="Tahoma" panose="020B0604030504040204" pitchFamily="34" charset="0"/>
+                <a:ea typeface="Tahoma" panose="020B0604030504040204" pitchFamily="34" charset="0"/>
+                <a:cs typeface="Tahoma" panose="020B0604030504040204" pitchFamily="34" charset="0"/>
+              </a:rPr>
+              <a:t>Kết</a:t>
+            </a:r>
+            <a:r>
+              <a:rPr lang="en-GB" sz="3200" dirty="0">
+                <a:latin typeface="Tahoma" panose="020B0604030504040204" pitchFamily="34" charset="0"/>
+                <a:ea typeface="Tahoma" panose="020B0604030504040204" pitchFamily="34" charset="0"/>
+                <a:cs typeface="Tahoma" panose="020B0604030504040204" pitchFamily="34" charset="0"/>
+              </a:rPr>
+              <a:t> </a:t>
+            </a:r>
+            <a:r>
+              <a:rPr lang="en-GB" sz="3200" dirty="0" err="1">
+                <a:latin typeface="Tahoma" panose="020B0604030504040204" pitchFamily="34" charset="0"/>
+                <a:ea typeface="Tahoma" panose="020B0604030504040204" pitchFamily="34" charset="0"/>
+                <a:cs typeface="Tahoma" panose="020B0604030504040204" pitchFamily="34" charset="0"/>
+              </a:rPr>
+              <a:t>quả</a:t>
+            </a:r>
+            <a:r>
+              <a:rPr lang="en-GB" sz="3200" dirty="0">
+                <a:latin typeface="Tahoma" panose="020B0604030504040204" pitchFamily="34" charset="0"/>
+                <a:ea typeface="Tahoma" panose="020B0604030504040204" pitchFamily="34" charset="0"/>
+                <a:cs typeface="Tahoma" panose="020B0604030504040204" pitchFamily="34" charset="0"/>
+              </a:rPr>
+              <a:t> </a:t>
+            </a:r>
+            <a:r>
+              <a:rPr lang="en-GB" sz="3200" dirty="0" err="1">
+                <a:latin typeface="Tahoma" panose="020B0604030504040204" pitchFamily="34" charset="0"/>
+                <a:ea typeface="Tahoma" panose="020B0604030504040204" pitchFamily="34" charset="0"/>
+                <a:cs typeface="Tahoma" panose="020B0604030504040204" pitchFamily="34" charset="0"/>
+              </a:rPr>
+              <a:t>khá</a:t>
+            </a:r>
+            <a:r>
+              <a:rPr lang="en-GB" sz="3200" dirty="0">
+                <a:latin typeface="Tahoma" panose="020B0604030504040204" pitchFamily="34" charset="0"/>
+                <a:ea typeface="Tahoma" panose="020B0604030504040204" pitchFamily="34" charset="0"/>
+                <a:cs typeface="Tahoma" panose="020B0604030504040204" pitchFamily="34" charset="0"/>
+              </a:rPr>
+              <a:t> </a:t>
+            </a:r>
+            <a:r>
+              <a:rPr lang="en-GB" sz="3200" dirty="0" err="1">
+                <a:latin typeface="Tahoma" panose="020B0604030504040204" pitchFamily="34" charset="0"/>
+                <a:ea typeface="Tahoma" panose="020B0604030504040204" pitchFamily="34" charset="0"/>
+                <a:cs typeface="Tahoma" panose="020B0604030504040204" pitchFamily="34" charset="0"/>
+              </a:rPr>
+              <a:t>nh</a:t>
+            </a:r>
+            <a:r>
+              <a:rPr lang="vi-VN" sz="3200" dirty="0">
+                <a:latin typeface="Tahoma" panose="020B0604030504040204" pitchFamily="34" charset="0"/>
+                <a:ea typeface="Tahoma" panose="020B0604030504040204" pitchFamily="34" charset="0"/>
+                <a:cs typeface="Tahoma" panose="020B0604030504040204" pitchFamily="34" charset="0"/>
+              </a:rPr>
+              <a:t>ư</a:t>
+            </a:r>
+            <a:r>
+              <a:rPr lang="en-GB" sz="3200" dirty="0">
+                <a:latin typeface="Tahoma" panose="020B0604030504040204" pitchFamily="34" charset="0"/>
+                <a:ea typeface="Tahoma" panose="020B0604030504040204" pitchFamily="34" charset="0"/>
+                <a:cs typeface="Tahoma" panose="020B0604030504040204" pitchFamily="34" charset="0"/>
+              </a:rPr>
+              <a:t>ng </a:t>
+            </a:r>
+            <a:r>
+              <a:rPr lang="en-GB" sz="3200" dirty="0" err="1">
+                <a:latin typeface="Tahoma" panose="020B0604030504040204" pitchFamily="34" charset="0"/>
+                <a:ea typeface="Tahoma" panose="020B0604030504040204" pitchFamily="34" charset="0"/>
+                <a:cs typeface="Tahoma" panose="020B0604030504040204" pitchFamily="34" charset="0"/>
+              </a:rPr>
+              <a:t>ch</a:t>
+            </a:r>
+            <a:r>
+              <a:rPr lang="vi-VN" sz="3200" dirty="0">
+                <a:latin typeface="Tahoma" panose="020B0604030504040204" pitchFamily="34" charset="0"/>
+                <a:ea typeface="Tahoma" panose="020B0604030504040204" pitchFamily="34" charset="0"/>
+                <a:cs typeface="Tahoma" panose="020B0604030504040204" pitchFamily="34" charset="0"/>
+              </a:rPr>
+              <a:t>ư</a:t>
+            </a:r>
+            <a:r>
+              <a:rPr lang="en-GB" sz="3200" dirty="0">
+                <a:latin typeface="Tahoma" panose="020B0604030504040204" pitchFamily="34" charset="0"/>
+                <a:ea typeface="Tahoma" panose="020B0604030504040204" pitchFamily="34" charset="0"/>
+                <a:cs typeface="Tahoma" panose="020B0604030504040204" pitchFamily="34" charset="0"/>
+              </a:rPr>
+              <a:t>a </a:t>
+            </a:r>
+            <a:r>
+              <a:rPr lang="en-GB" sz="3200" dirty="0" err="1">
+                <a:latin typeface="Tahoma" panose="020B0604030504040204" pitchFamily="34" charset="0"/>
+                <a:ea typeface="Tahoma" panose="020B0604030504040204" pitchFamily="34" charset="0"/>
+                <a:cs typeface="Tahoma" panose="020B0604030504040204" pitchFamily="34" charset="0"/>
+              </a:rPr>
+              <a:t>tốt</a:t>
             </a:r>
             <a:r>
               <a:rPr lang="en-GB" sz="3200" dirty="0">
@@ -7717,165 +7332,6 @@
               </a:rPr>
               <a:t>.</a:t>
             </a:r>
-          </a:p>
-          <a:p>
-            <a:r>
-              <a:rPr lang="en-GB" sz="3200" dirty="0" err="1">
-                <a:latin typeface="Tahoma" panose="020B0604030504040204" pitchFamily="34" charset="0"/>
-                <a:ea typeface="Tahoma" panose="020B0604030504040204" pitchFamily="34" charset="0"/>
-                <a:cs typeface="Tahoma" panose="020B0604030504040204" pitchFamily="34" charset="0"/>
-              </a:rPr>
-              <a:t>Chiến</a:t>
-            </a:r>
-            <a:r>
-              <a:rPr lang="en-GB" sz="3200" dirty="0">
-                <a:latin typeface="Tahoma" panose="020B0604030504040204" pitchFamily="34" charset="0"/>
-                <a:ea typeface="Tahoma" panose="020B0604030504040204" pitchFamily="34" charset="0"/>
-                <a:cs typeface="Tahoma" panose="020B0604030504040204" pitchFamily="34" charset="0"/>
-              </a:rPr>
-              <a:t> l</a:t>
-            </a:r>
-            <a:r>
-              <a:rPr lang="vi-VN" sz="3200" dirty="0">
-                <a:latin typeface="Tahoma" panose="020B0604030504040204" pitchFamily="34" charset="0"/>
-                <a:ea typeface="Tahoma" panose="020B0604030504040204" pitchFamily="34" charset="0"/>
-                <a:cs typeface="Tahoma" panose="020B0604030504040204" pitchFamily="34" charset="0"/>
-              </a:rPr>
-              <a:t>ư</a:t>
-            </a:r>
-            <a:r>
-              <a:rPr lang="en-GB" sz="3200" dirty="0" err="1">
-                <a:latin typeface="Tahoma" panose="020B0604030504040204" pitchFamily="34" charset="0"/>
-                <a:ea typeface="Tahoma" panose="020B0604030504040204" pitchFamily="34" charset="0"/>
-                <a:cs typeface="Tahoma" panose="020B0604030504040204" pitchFamily="34" charset="0"/>
-              </a:rPr>
-              <a:t>ợc</a:t>
-            </a:r>
-            <a:r>
-              <a:rPr lang="en-GB" sz="3200" dirty="0">
-                <a:latin typeface="Tahoma" panose="020B0604030504040204" pitchFamily="34" charset="0"/>
-                <a:ea typeface="Tahoma" panose="020B0604030504040204" pitchFamily="34" charset="0"/>
-                <a:cs typeface="Tahoma" panose="020B0604030504040204" pitchFamily="34" charset="0"/>
-              </a:rPr>
-              <a:t> </a:t>
-            </a:r>
-            <a:r>
-              <a:rPr lang="en-GB" sz="3200" dirty="0" err="1">
-                <a:latin typeface="Tahoma" panose="020B0604030504040204" pitchFamily="34" charset="0"/>
-                <a:ea typeface="Tahoma" panose="020B0604030504040204" pitchFamily="34" charset="0"/>
-                <a:cs typeface="Tahoma" panose="020B0604030504040204" pitchFamily="34" charset="0"/>
-              </a:rPr>
-              <a:t>để</a:t>
-            </a:r>
-            <a:r>
-              <a:rPr lang="en-GB" sz="3200" dirty="0">
-                <a:latin typeface="Tahoma" panose="020B0604030504040204" pitchFamily="34" charset="0"/>
-                <a:ea typeface="Tahoma" panose="020B0604030504040204" pitchFamily="34" charset="0"/>
-                <a:cs typeface="Tahoma" panose="020B0604030504040204" pitchFamily="34" charset="0"/>
-              </a:rPr>
-              <a:t> </a:t>
-            </a:r>
-            <a:r>
-              <a:rPr lang="en-GB" sz="3200" dirty="0" err="1">
-                <a:latin typeface="Tahoma" panose="020B0604030504040204" pitchFamily="34" charset="0"/>
-                <a:ea typeface="Tahoma" panose="020B0604030504040204" pitchFamily="34" charset="0"/>
-                <a:cs typeface="Tahoma" panose="020B0604030504040204" pitchFamily="34" charset="0"/>
-              </a:rPr>
-              <a:t>chọn</a:t>
-            </a:r>
-            <a:r>
-              <a:rPr lang="en-GB" sz="3200" dirty="0">
-                <a:latin typeface="Tahoma" panose="020B0604030504040204" pitchFamily="34" charset="0"/>
-                <a:ea typeface="Tahoma" panose="020B0604030504040204" pitchFamily="34" charset="0"/>
-                <a:cs typeface="Tahoma" panose="020B0604030504040204" pitchFamily="34" charset="0"/>
-              </a:rPr>
-              <a:t> </a:t>
-            </a:r>
-            <a:r>
-              <a:rPr lang="en-GB" sz="3200" dirty="0" err="1">
-                <a:latin typeface="Tahoma" panose="020B0604030504040204" pitchFamily="34" charset="0"/>
-                <a:ea typeface="Tahoma" panose="020B0604030504040204" pitchFamily="34" charset="0"/>
-                <a:cs typeface="Tahoma" panose="020B0604030504040204" pitchFamily="34" charset="0"/>
-              </a:rPr>
-              <a:t>ra</a:t>
-            </a:r>
-            <a:r>
-              <a:rPr lang="en-GB" sz="3200" dirty="0">
-                <a:latin typeface="Tahoma" panose="020B0604030504040204" pitchFamily="34" charset="0"/>
-                <a:ea typeface="Tahoma" panose="020B0604030504040204" pitchFamily="34" charset="0"/>
-                <a:cs typeface="Tahoma" panose="020B0604030504040204" pitchFamily="34" charset="0"/>
-              </a:rPr>
-              <a:t> </a:t>
-            </a:r>
-            <a:r>
-              <a:rPr lang="en-GB" sz="3200" dirty="0" err="1">
-                <a:latin typeface="Tahoma" panose="020B0604030504040204" pitchFamily="34" charset="0"/>
-                <a:ea typeface="Tahoma" panose="020B0604030504040204" pitchFamily="34" charset="0"/>
-                <a:cs typeface="Tahoma" panose="020B0604030504040204" pitchFamily="34" charset="0"/>
-              </a:rPr>
-              <a:t>mô</a:t>
-            </a:r>
-            <a:r>
-              <a:rPr lang="en-GB" sz="3200" dirty="0">
-                <a:latin typeface="Tahoma" panose="020B0604030504040204" pitchFamily="34" charset="0"/>
-                <a:ea typeface="Tahoma" panose="020B0604030504040204" pitchFamily="34" charset="0"/>
-                <a:cs typeface="Tahoma" panose="020B0604030504040204" pitchFamily="34" charset="0"/>
-              </a:rPr>
-              <a:t> </a:t>
-            </a:r>
-            <a:r>
-              <a:rPr lang="en-GB" sz="3200" dirty="0" err="1">
-                <a:latin typeface="Tahoma" panose="020B0604030504040204" pitchFamily="34" charset="0"/>
-                <a:ea typeface="Tahoma" panose="020B0604030504040204" pitchFamily="34" charset="0"/>
-                <a:cs typeface="Tahoma" panose="020B0604030504040204" pitchFamily="34" charset="0"/>
-              </a:rPr>
-              <a:t>hình</a:t>
-            </a:r>
-            <a:r>
-              <a:rPr lang="en-GB" sz="3200" dirty="0">
-                <a:latin typeface="Tahoma" panose="020B0604030504040204" pitchFamily="34" charset="0"/>
-                <a:ea typeface="Tahoma" panose="020B0604030504040204" pitchFamily="34" charset="0"/>
-                <a:cs typeface="Tahoma" panose="020B0604030504040204" pitchFamily="34" charset="0"/>
-              </a:rPr>
-              <a:t> </a:t>
-            </a:r>
-            <a:r>
-              <a:rPr lang="en-GB" sz="3200" dirty="0" err="1">
-                <a:latin typeface="Tahoma" panose="020B0604030504040204" pitchFamily="34" charset="0"/>
-                <a:ea typeface="Tahoma" panose="020B0604030504040204" pitchFamily="34" charset="0"/>
-                <a:cs typeface="Tahoma" panose="020B0604030504040204" pitchFamily="34" charset="0"/>
-              </a:rPr>
-              <a:t>tối</a:t>
-            </a:r>
-            <a:r>
-              <a:rPr lang="en-GB" sz="3200" dirty="0">
-                <a:latin typeface="Tahoma" panose="020B0604030504040204" pitchFamily="34" charset="0"/>
-                <a:ea typeface="Tahoma" panose="020B0604030504040204" pitchFamily="34" charset="0"/>
-                <a:cs typeface="Tahoma" panose="020B0604030504040204" pitchFamily="34" charset="0"/>
-              </a:rPr>
-              <a:t> </a:t>
-            </a:r>
-            <a:r>
-              <a:rPr lang="vi-VN" sz="3200" dirty="0">
-                <a:latin typeface="Tahoma" panose="020B0604030504040204" pitchFamily="34" charset="0"/>
-                <a:ea typeface="Tahoma" panose="020B0604030504040204" pitchFamily="34" charset="0"/>
-                <a:cs typeface="Tahoma" panose="020B0604030504040204" pitchFamily="34" charset="0"/>
-              </a:rPr>
-              <a:t>ư</a:t>
-            </a:r>
-            <a:r>
-              <a:rPr lang="en-GB" sz="3200">
-                <a:latin typeface="Tahoma" panose="020B0604030504040204" pitchFamily="34" charset="0"/>
-                <a:ea typeface="Tahoma" panose="020B0604030504040204" pitchFamily="34" charset="0"/>
-                <a:cs typeface="Tahoma" panose="020B0604030504040204" pitchFamily="34" charset="0"/>
-              </a:rPr>
-              <a:t>u.</a:t>
-            </a:r>
-            <a:endParaRPr lang="en-GB" sz="3200" dirty="0">
-              <a:latin typeface="Tahoma" panose="020B0604030504040204" pitchFamily="34" charset="0"/>
-              <a:ea typeface="Tahoma" panose="020B0604030504040204" pitchFamily="34" charset="0"/>
-              <a:cs typeface="Tahoma" panose="020B0604030504040204" pitchFamily="34" charset="0"/>
-            </a:endParaRPr>
           </a:p>
         </p:txBody>
       </p:sp>
@@ -7911,7 +7367,7 @@
     </p:spTree>
     <p:extLst>
       <p:ext uri="{BB962C8B-B14F-4D97-AF65-F5344CB8AC3E}">
-        <p14:creationId xmlns:p14="http://schemas.microsoft.com/office/powerpoint/2010/main" val="908176585"/>
+        <p14:creationId xmlns:p14="http://schemas.microsoft.com/office/powerpoint/2010/main" val="692421785"/>
       </p:ext>
     </p:extLst>
   </p:cSld>
@@ -7943,7 +7399,7 @@
           <p:cNvPr id="2" name="Title 1">
             <a:extLst>
               <a:ext uri="{FF2B5EF4-FFF2-40B4-BE49-F238E27FC236}">
-                <a16:creationId xmlns:a16="http://schemas.microsoft.com/office/drawing/2014/main" id="{825E827C-230D-4373-A73D-D912BAEE3E9C}"/>
+                <a16:creationId xmlns:a16="http://schemas.microsoft.com/office/drawing/2014/main" id="{39BC34D7-950C-4BDB-A6E2-BBB15415760A}"/>
               </a:ext>
             </a:extLst>
           </p:cNvPr>
@@ -7961,7 +7417,7 @@
           <a:p>
             <a:r>
               <a:rPr lang="en-GB" b="1" dirty="0"/>
-              <a:t>PHÂN CÔNG</a:t>
+              <a:t>ĐÁNH GIÁ</a:t>
             </a:r>
           </a:p>
         </p:txBody>
@@ -7971,7 +7427,7 @@
           <p:cNvPr id="3" name="Content Placeholder 2">
             <a:extLst>
               <a:ext uri="{FF2B5EF4-FFF2-40B4-BE49-F238E27FC236}">
-                <a16:creationId xmlns:a16="http://schemas.microsoft.com/office/drawing/2014/main" id="{B339DF60-C5E4-49FD-97DA-0E03E57CB982}"/>
+                <a16:creationId xmlns:a16="http://schemas.microsoft.com/office/drawing/2014/main" id="{A6DD4D32-1255-4CB5-9090-D1E449BD0624}"/>
               </a:ext>
             </a:extLst>
           </p:cNvPr>
@@ -7982,12 +7438,7 @@
             <p:ph sz="half" idx="1"/>
           </p:nvPr>
         </p:nvSpPr>
-        <p:spPr>
-          <a:xfrm>
-            <a:off x="838200" y="1825625"/>
-            <a:ext cx="5257800" cy="4351338"/>
-          </a:xfrm>
-        </p:spPr>
+        <p:spPr/>
         <p:txBody>
           <a:bodyPr>
             <a:normAutofit/>
@@ -7998,12 +7449,36 @@
               <a:buNone/>
             </a:pPr>
             <a:r>
-              <a:rPr lang="en-GB" sz="3200" dirty="0">
-                <a:latin typeface="Tahoma" panose="020B0604030504040204" pitchFamily="34" charset="0"/>
-                <a:ea typeface="Tahoma" panose="020B0604030504040204" pitchFamily="34" charset="0"/>
-                <a:cs typeface="Tahoma" panose="020B0604030504040204" pitchFamily="34" charset="0"/>
-              </a:rPr>
-              <a:t>Phan Minh S</a:t>
+              <a:rPr lang="en-GB" sz="3200" dirty="0" err="1">
+                <a:latin typeface="Tahoma" panose="020B0604030504040204" pitchFamily="34" charset="0"/>
+                <a:ea typeface="Tahoma" panose="020B0604030504040204" pitchFamily="34" charset="0"/>
+                <a:cs typeface="Tahoma" panose="020B0604030504040204" pitchFamily="34" charset="0"/>
+              </a:rPr>
+              <a:t>Đã</a:t>
+            </a:r>
+            <a:r>
+              <a:rPr lang="en-GB" sz="3200" dirty="0">
+                <a:latin typeface="Tahoma" panose="020B0604030504040204" pitchFamily="34" charset="0"/>
+                <a:ea typeface="Tahoma" panose="020B0604030504040204" pitchFamily="34" charset="0"/>
+                <a:cs typeface="Tahoma" panose="020B0604030504040204" pitchFamily="34" charset="0"/>
+              </a:rPr>
+              <a:t> </a:t>
+            </a:r>
+            <a:r>
+              <a:rPr lang="en-GB" sz="3200" dirty="0" err="1">
+                <a:latin typeface="Tahoma" panose="020B0604030504040204" pitchFamily="34" charset="0"/>
+                <a:ea typeface="Tahoma" panose="020B0604030504040204" pitchFamily="34" charset="0"/>
+                <a:cs typeface="Tahoma" panose="020B0604030504040204" pitchFamily="34" charset="0"/>
+              </a:rPr>
+              <a:t>học</a:t>
+            </a:r>
+            <a:r>
+              <a:rPr lang="en-GB" sz="3200" dirty="0">
+                <a:latin typeface="Tahoma" panose="020B0604030504040204" pitchFamily="34" charset="0"/>
+                <a:ea typeface="Tahoma" panose="020B0604030504040204" pitchFamily="34" charset="0"/>
+                <a:cs typeface="Tahoma" panose="020B0604030504040204" pitchFamily="34" charset="0"/>
+              </a:rPr>
+              <a:t> đ</a:t>
             </a:r>
             <a:r>
               <a:rPr lang="vi-VN" sz="3200" dirty="0">
@@ -8011,25 +7486,57 @@
                 <a:ea typeface="Tahoma" panose="020B0604030504040204" pitchFamily="34" charset="0"/>
                 <a:cs typeface="Tahoma" panose="020B0604030504040204" pitchFamily="34" charset="0"/>
               </a:rPr>
-              <a:t>ơ</a:t>
-            </a:r>
-            <a:r>
-              <a:rPr lang="en-GB" sz="3200" dirty="0">
-                <a:latin typeface="Tahoma" panose="020B0604030504040204" pitchFamily="34" charset="0"/>
-                <a:ea typeface="Tahoma" panose="020B0604030504040204" pitchFamily="34" charset="0"/>
-                <a:cs typeface="Tahoma" panose="020B0604030504040204" pitchFamily="34" charset="0"/>
-              </a:rPr>
-              <a:t>n</a:t>
-            </a:r>
-          </a:p>
-          <a:p>
-            <a:r>
-              <a:rPr lang="en-GB" sz="3200" dirty="0">
-                <a:latin typeface="Tahoma" panose="020B0604030504040204" pitchFamily="34" charset="0"/>
-                <a:ea typeface="Tahoma" panose="020B0604030504040204" pitchFamily="34" charset="0"/>
-                <a:cs typeface="Tahoma" panose="020B0604030504040204" pitchFamily="34" charset="0"/>
-              </a:rPr>
-              <a:t>Thu </a:t>
+              <a:t>ư</a:t>
+            </a:r>
+            <a:r>
+              <a:rPr lang="en-GB" sz="3200" dirty="0" err="1">
+                <a:latin typeface="Tahoma" panose="020B0604030504040204" pitchFamily="34" charset="0"/>
+                <a:ea typeface="Tahoma" panose="020B0604030504040204" pitchFamily="34" charset="0"/>
+                <a:cs typeface="Tahoma" panose="020B0604030504040204" pitchFamily="34" charset="0"/>
+              </a:rPr>
+              <a:t>ợc</a:t>
+            </a:r>
+            <a:r>
+              <a:rPr lang="en-GB" sz="3200" dirty="0">
+                <a:latin typeface="Tahoma" panose="020B0604030504040204" pitchFamily="34" charset="0"/>
+                <a:ea typeface="Tahoma" panose="020B0604030504040204" pitchFamily="34" charset="0"/>
+                <a:cs typeface="Tahoma" panose="020B0604030504040204" pitchFamily="34" charset="0"/>
+              </a:rPr>
+              <a:t>:</a:t>
+            </a:r>
+          </a:p>
+          <a:p>
+            <a:r>
+              <a:rPr lang="en-GB" sz="3200" dirty="0" err="1">
+                <a:latin typeface="Tahoma" panose="020B0604030504040204" pitchFamily="34" charset="0"/>
+                <a:ea typeface="Tahoma" panose="020B0604030504040204" pitchFamily="34" charset="0"/>
+                <a:cs typeface="Tahoma" panose="020B0604030504040204" pitchFamily="34" charset="0"/>
+              </a:rPr>
+              <a:t>Cách</a:t>
+            </a:r>
+            <a:r>
+              <a:rPr lang="en-GB" sz="3200" dirty="0">
+                <a:latin typeface="Tahoma" panose="020B0604030504040204" pitchFamily="34" charset="0"/>
+                <a:ea typeface="Tahoma" panose="020B0604030504040204" pitchFamily="34" charset="0"/>
+                <a:cs typeface="Tahoma" panose="020B0604030504040204" pitchFamily="34" charset="0"/>
+              </a:rPr>
+              <a:t> </a:t>
+            </a:r>
+            <a:r>
+              <a:rPr lang="en-GB" sz="3200" dirty="0" err="1">
+                <a:latin typeface="Tahoma" panose="020B0604030504040204" pitchFamily="34" charset="0"/>
+                <a:ea typeface="Tahoma" panose="020B0604030504040204" pitchFamily="34" charset="0"/>
+                <a:cs typeface="Tahoma" panose="020B0604030504040204" pitchFamily="34" charset="0"/>
+              </a:rPr>
+              <a:t>thu</a:t>
+            </a:r>
+            <a:r>
+              <a:rPr lang="en-GB" sz="3200" dirty="0">
+                <a:latin typeface="Tahoma" panose="020B0604030504040204" pitchFamily="34" charset="0"/>
+                <a:ea typeface="Tahoma" panose="020B0604030504040204" pitchFamily="34" charset="0"/>
+                <a:cs typeface="Tahoma" panose="020B0604030504040204" pitchFamily="34" charset="0"/>
+              </a:rPr>
+              <a:t> </a:t>
             </a:r>
             <a:r>
               <a:rPr lang="en-GB" sz="3200" dirty="0" err="1">
@@ -8053,23 +7560,23 @@
                 <a:ea typeface="Tahoma" panose="020B0604030504040204" pitchFamily="34" charset="0"/>
                 <a:cs typeface="Tahoma" panose="020B0604030504040204" pitchFamily="34" charset="0"/>
               </a:rPr>
-              <a:t>thông</a:t>
-            </a:r>
-            <a:r>
-              <a:rPr lang="en-GB" sz="3200" dirty="0">
-                <a:latin typeface="Tahoma" panose="020B0604030504040204" pitchFamily="34" charset="0"/>
-                <a:ea typeface="Tahoma" panose="020B0604030504040204" pitchFamily="34" charset="0"/>
-                <a:cs typeface="Tahoma" panose="020B0604030504040204" pitchFamily="34" charset="0"/>
-              </a:rPr>
-              <a:t> tin chi </a:t>
-            </a:r>
-            <a:r>
-              <a:rPr lang="en-GB" sz="3200" dirty="0" err="1">
-                <a:latin typeface="Tahoma" panose="020B0604030504040204" pitchFamily="34" charset="0"/>
-                <a:ea typeface="Tahoma" panose="020B0604030504040204" pitchFamily="34" charset="0"/>
-                <a:cs typeface="Tahoma" panose="020B0604030504040204" pitchFamily="34" charset="0"/>
-              </a:rPr>
-              <a:t>tiết</a:t>
+              <a:t>dữ</a:t>
+            </a:r>
+            <a:r>
+              <a:rPr lang="en-GB" sz="3200" dirty="0">
+                <a:latin typeface="Tahoma" panose="020B0604030504040204" pitchFamily="34" charset="0"/>
+                <a:ea typeface="Tahoma" panose="020B0604030504040204" pitchFamily="34" charset="0"/>
+                <a:cs typeface="Tahoma" panose="020B0604030504040204" pitchFamily="34" charset="0"/>
+              </a:rPr>
+              <a:t> </a:t>
+            </a:r>
+            <a:r>
+              <a:rPr lang="en-GB" sz="3200" dirty="0" err="1">
+                <a:latin typeface="Tahoma" panose="020B0604030504040204" pitchFamily="34" charset="0"/>
+                <a:ea typeface="Tahoma" panose="020B0604030504040204" pitchFamily="34" charset="0"/>
+                <a:cs typeface="Tahoma" panose="020B0604030504040204" pitchFamily="34" charset="0"/>
+              </a:rPr>
+              <a:t>liệu</a:t>
             </a:r>
             <a:r>
               <a:rPr lang="en-GB" sz="3200" dirty="0">
@@ -8087,55 +7594,55 @@
                 <a:ea typeface="Tahoma" panose="020B0604030504040204" pitchFamily="34" charset="0"/>
                 <a:cs typeface="Tahoma" panose="020B0604030504040204" pitchFamily="34" charset="0"/>
               </a:rPr>
-              <a:t>Tùy</a:t>
-            </a:r>
-            <a:r>
-              <a:rPr lang="en-GB" sz="3200" dirty="0">
-                <a:latin typeface="Tahoma" panose="020B0604030504040204" pitchFamily="34" charset="0"/>
-                <a:ea typeface="Tahoma" panose="020B0604030504040204" pitchFamily="34" charset="0"/>
-                <a:cs typeface="Tahoma" panose="020B0604030504040204" pitchFamily="34" charset="0"/>
-              </a:rPr>
-              <a:t> </a:t>
-            </a:r>
-            <a:r>
-              <a:rPr lang="en-GB" sz="3200" dirty="0" err="1">
-                <a:latin typeface="Tahoma" panose="020B0604030504040204" pitchFamily="34" charset="0"/>
-                <a:ea typeface="Tahoma" panose="020B0604030504040204" pitchFamily="34" charset="0"/>
-                <a:cs typeface="Tahoma" panose="020B0604030504040204" pitchFamily="34" charset="0"/>
-              </a:rPr>
-              <a:t>chỉnh</a:t>
-            </a:r>
-            <a:r>
-              <a:rPr lang="en-GB" sz="3200" dirty="0">
-                <a:latin typeface="Tahoma" panose="020B0604030504040204" pitchFamily="34" charset="0"/>
-                <a:ea typeface="Tahoma" panose="020B0604030504040204" pitchFamily="34" charset="0"/>
-                <a:cs typeface="Tahoma" panose="020B0604030504040204" pitchFamily="34" charset="0"/>
-              </a:rPr>
-              <a:t> </a:t>
-            </a:r>
-            <a:r>
-              <a:rPr lang="en-GB" sz="3200" dirty="0" err="1">
-                <a:latin typeface="Tahoma" panose="020B0604030504040204" pitchFamily="34" charset="0"/>
-                <a:ea typeface="Tahoma" panose="020B0604030504040204" pitchFamily="34" charset="0"/>
-                <a:cs typeface="Tahoma" panose="020B0604030504040204" pitchFamily="34" charset="0"/>
-              </a:rPr>
-              <a:t>tham</a:t>
-            </a:r>
-            <a:r>
-              <a:rPr lang="en-GB" sz="3200" dirty="0">
-                <a:latin typeface="Tahoma" panose="020B0604030504040204" pitchFamily="34" charset="0"/>
-                <a:ea typeface="Tahoma" panose="020B0604030504040204" pitchFamily="34" charset="0"/>
-                <a:cs typeface="Tahoma" panose="020B0604030504040204" pitchFamily="34" charset="0"/>
-              </a:rPr>
-              <a:t> </a:t>
-            </a:r>
-            <a:r>
-              <a:rPr lang="en-GB" sz="3200" dirty="0" err="1">
-                <a:latin typeface="Tahoma" panose="020B0604030504040204" pitchFamily="34" charset="0"/>
-                <a:ea typeface="Tahoma" panose="020B0604030504040204" pitchFamily="34" charset="0"/>
-                <a:cs typeface="Tahoma" panose="020B0604030504040204" pitchFamily="34" charset="0"/>
-              </a:rPr>
-              <a:t>số</a:t>
+              <a:t>Xử</a:t>
+            </a:r>
+            <a:r>
+              <a:rPr lang="en-GB" sz="3200" dirty="0">
+                <a:latin typeface="Tahoma" panose="020B0604030504040204" pitchFamily="34" charset="0"/>
+                <a:ea typeface="Tahoma" panose="020B0604030504040204" pitchFamily="34" charset="0"/>
+                <a:cs typeface="Tahoma" panose="020B0604030504040204" pitchFamily="34" charset="0"/>
+              </a:rPr>
+              <a:t> </a:t>
+            </a:r>
+            <a:r>
+              <a:rPr lang="en-GB" sz="3200" dirty="0" err="1">
+                <a:latin typeface="Tahoma" panose="020B0604030504040204" pitchFamily="34" charset="0"/>
+                <a:ea typeface="Tahoma" panose="020B0604030504040204" pitchFamily="34" charset="0"/>
+                <a:cs typeface="Tahoma" panose="020B0604030504040204" pitchFamily="34" charset="0"/>
+              </a:rPr>
+              <a:t>lý</a:t>
+            </a:r>
+            <a:r>
+              <a:rPr lang="en-GB" sz="3200" dirty="0">
+                <a:latin typeface="Tahoma" panose="020B0604030504040204" pitchFamily="34" charset="0"/>
+                <a:ea typeface="Tahoma" panose="020B0604030504040204" pitchFamily="34" charset="0"/>
+                <a:cs typeface="Tahoma" panose="020B0604030504040204" pitchFamily="34" charset="0"/>
+              </a:rPr>
+              <a:t> </a:t>
+            </a:r>
+            <a:r>
+              <a:rPr lang="en-GB" sz="3200" dirty="0" err="1">
+                <a:latin typeface="Tahoma" panose="020B0604030504040204" pitchFamily="34" charset="0"/>
+                <a:ea typeface="Tahoma" panose="020B0604030504040204" pitchFamily="34" charset="0"/>
+                <a:cs typeface="Tahoma" panose="020B0604030504040204" pitchFamily="34" charset="0"/>
+              </a:rPr>
+              <a:t>dữ</a:t>
+            </a:r>
+            <a:r>
+              <a:rPr lang="en-GB" sz="3200" dirty="0">
+                <a:latin typeface="Tahoma" panose="020B0604030504040204" pitchFamily="34" charset="0"/>
+                <a:ea typeface="Tahoma" panose="020B0604030504040204" pitchFamily="34" charset="0"/>
+                <a:cs typeface="Tahoma" panose="020B0604030504040204" pitchFamily="34" charset="0"/>
+              </a:rPr>
+              <a:t> </a:t>
+            </a:r>
+            <a:r>
+              <a:rPr lang="en-GB" sz="3200" dirty="0" err="1">
+                <a:latin typeface="Tahoma" panose="020B0604030504040204" pitchFamily="34" charset="0"/>
+                <a:ea typeface="Tahoma" panose="020B0604030504040204" pitchFamily="34" charset="0"/>
+                <a:cs typeface="Tahoma" panose="020B0604030504040204" pitchFamily="34" charset="0"/>
+              </a:rPr>
+              <a:t>liệu</a:t>
             </a:r>
             <a:r>
               <a:rPr lang="en-GB" sz="3200" dirty="0">
@@ -8153,31 +7660,111 @@
                 <a:ea typeface="Tahoma" panose="020B0604030504040204" pitchFamily="34" charset="0"/>
                 <a:cs typeface="Tahoma" panose="020B0604030504040204" pitchFamily="34" charset="0"/>
               </a:rPr>
-              <a:t>Báo</a:t>
-            </a:r>
-            <a:r>
-              <a:rPr lang="en-GB" sz="3200" dirty="0">
-                <a:latin typeface="Tahoma" panose="020B0604030504040204" pitchFamily="34" charset="0"/>
-                <a:ea typeface="Tahoma" panose="020B0604030504040204" pitchFamily="34" charset="0"/>
-                <a:cs typeface="Tahoma" panose="020B0604030504040204" pitchFamily="34" charset="0"/>
-              </a:rPr>
-              <a:t> </a:t>
-            </a:r>
-            <a:r>
-              <a:rPr lang="en-GB" sz="3200" dirty="0" err="1">
-                <a:latin typeface="Tahoma" panose="020B0604030504040204" pitchFamily="34" charset="0"/>
-                <a:ea typeface="Tahoma" panose="020B0604030504040204" pitchFamily="34" charset="0"/>
-                <a:cs typeface="Tahoma" panose="020B0604030504040204" pitchFamily="34" charset="0"/>
-              </a:rPr>
-              <a:t>cáo</a:t>
-            </a:r>
-            <a:r>
-              <a:rPr lang="en-GB" sz="3200" dirty="0">
-                <a:latin typeface="Tahoma" panose="020B0604030504040204" pitchFamily="34" charset="0"/>
-                <a:ea typeface="Tahoma" panose="020B0604030504040204" pitchFamily="34" charset="0"/>
-                <a:cs typeface="Tahoma" panose="020B0604030504040204" pitchFamily="34" charset="0"/>
-              </a:rPr>
-              <a:t>, slide.</a:t>
+              <a:t>Sử</a:t>
+            </a:r>
+            <a:r>
+              <a:rPr lang="en-GB" sz="3200" dirty="0">
+                <a:latin typeface="Tahoma" panose="020B0604030504040204" pitchFamily="34" charset="0"/>
+                <a:ea typeface="Tahoma" panose="020B0604030504040204" pitchFamily="34" charset="0"/>
+                <a:cs typeface="Tahoma" panose="020B0604030504040204" pitchFamily="34" charset="0"/>
+              </a:rPr>
+              <a:t> </a:t>
+            </a:r>
+            <a:r>
+              <a:rPr lang="en-GB" sz="3200" dirty="0" err="1">
+                <a:latin typeface="Tahoma" panose="020B0604030504040204" pitchFamily="34" charset="0"/>
+                <a:ea typeface="Tahoma" panose="020B0604030504040204" pitchFamily="34" charset="0"/>
+                <a:cs typeface="Tahoma" panose="020B0604030504040204" pitchFamily="34" charset="0"/>
+              </a:rPr>
+              <a:t>dụng</a:t>
+            </a:r>
+            <a:r>
+              <a:rPr lang="en-GB" sz="3200" dirty="0">
+                <a:latin typeface="Tahoma" panose="020B0604030504040204" pitchFamily="34" charset="0"/>
+                <a:ea typeface="Tahoma" panose="020B0604030504040204" pitchFamily="34" charset="0"/>
+                <a:cs typeface="Tahoma" panose="020B0604030504040204" pitchFamily="34" charset="0"/>
+              </a:rPr>
+              <a:t> </a:t>
+            </a:r>
+            <a:r>
+              <a:rPr lang="en-GB" sz="3200" dirty="0" err="1">
+                <a:latin typeface="Tahoma" panose="020B0604030504040204" pitchFamily="34" charset="0"/>
+                <a:ea typeface="Tahoma" panose="020B0604030504040204" pitchFamily="34" charset="0"/>
+                <a:cs typeface="Tahoma" panose="020B0604030504040204" pitchFamily="34" charset="0"/>
+              </a:rPr>
+              <a:t>các</a:t>
+            </a:r>
+            <a:r>
+              <a:rPr lang="en-GB" sz="3200" dirty="0">
+                <a:latin typeface="Tahoma" panose="020B0604030504040204" pitchFamily="34" charset="0"/>
+                <a:ea typeface="Tahoma" panose="020B0604030504040204" pitchFamily="34" charset="0"/>
+                <a:cs typeface="Tahoma" panose="020B0604030504040204" pitchFamily="34" charset="0"/>
+              </a:rPr>
+              <a:t> </a:t>
+            </a:r>
+            <a:r>
+              <a:rPr lang="en-GB" sz="3200" dirty="0" err="1">
+                <a:latin typeface="Tahoma" panose="020B0604030504040204" pitchFamily="34" charset="0"/>
+                <a:ea typeface="Tahoma" panose="020B0604030504040204" pitchFamily="34" charset="0"/>
+                <a:cs typeface="Tahoma" panose="020B0604030504040204" pitchFamily="34" charset="0"/>
+              </a:rPr>
+              <a:t>mô</a:t>
+            </a:r>
+            <a:r>
+              <a:rPr lang="en-GB" sz="3200" dirty="0">
+                <a:latin typeface="Tahoma" panose="020B0604030504040204" pitchFamily="34" charset="0"/>
+                <a:ea typeface="Tahoma" panose="020B0604030504040204" pitchFamily="34" charset="0"/>
+                <a:cs typeface="Tahoma" panose="020B0604030504040204" pitchFamily="34" charset="0"/>
+              </a:rPr>
+              <a:t> </a:t>
+            </a:r>
+            <a:r>
+              <a:rPr lang="en-GB" sz="3200" dirty="0" err="1">
+                <a:latin typeface="Tahoma" panose="020B0604030504040204" pitchFamily="34" charset="0"/>
+                <a:ea typeface="Tahoma" panose="020B0604030504040204" pitchFamily="34" charset="0"/>
+                <a:cs typeface="Tahoma" panose="020B0604030504040204" pitchFamily="34" charset="0"/>
+              </a:rPr>
+              <a:t>hình</a:t>
+            </a:r>
+            <a:r>
+              <a:rPr lang="en-GB" sz="3200" dirty="0">
+                <a:latin typeface="Tahoma" panose="020B0604030504040204" pitchFamily="34" charset="0"/>
+                <a:ea typeface="Tahoma" panose="020B0604030504040204" pitchFamily="34" charset="0"/>
+                <a:cs typeface="Tahoma" panose="020B0604030504040204" pitchFamily="34" charset="0"/>
+              </a:rPr>
+              <a:t> </a:t>
+            </a:r>
+            <a:r>
+              <a:rPr lang="en-GB" sz="3200" dirty="0" err="1">
+                <a:latin typeface="Tahoma" panose="020B0604030504040204" pitchFamily="34" charset="0"/>
+                <a:ea typeface="Tahoma" panose="020B0604030504040204" pitchFamily="34" charset="0"/>
+                <a:cs typeface="Tahoma" panose="020B0604030504040204" pitchFamily="34" charset="0"/>
+              </a:rPr>
+              <a:t>khác</a:t>
+            </a:r>
+            <a:r>
+              <a:rPr lang="en-GB" sz="3200" dirty="0">
+                <a:latin typeface="Tahoma" panose="020B0604030504040204" pitchFamily="34" charset="0"/>
+                <a:ea typeface="Tahoma" panose="020B0604030504040204" pitchFamily="34" charset="0"/>
+                <a:cs typeface="Tahoma" panose="020B0604030504040204" pitchFamily="34" charset="0"/>
+              </a:rPr>
+              <a:t> </a:t>
+            </a:r>
+            <a:r>
+              <a:rPr lang="en-GB" sz="3200" dirty="0" err="1">
+                <a:latin typeface="Tahoma" panose="020B0604030504040204" pitchFamily="34" charset="0"/>
+                <a:ea typeface="Tahoma" panose="020B0604030504040204" pitchFamily="34" charset="0"/>
+                <a:cs typeface="Tahoma" panose="020B0604030504040204" pitchFamily="34" charset="0"/>
+              </a:rPr>
+              <a:t>nhau</a:t>
+            </a:r>
+            <a:r>
+              <a:rPr lang="en-GB" sz="3200" dirty="0">
+                <a:latin typeface="Tahoma" panose="020B0604030504040204" pitchFamily="34" charset="0"/>
+                <a:ea typeface="Tahoma" panose="020B0604030504040204" pitchFamily="34" charset="0"/>
+                <a:cs typeface="Tahoma" panose="020B0604030504040204" pitchFamily="34" charset="0"/>
+              </a:rPr>
+              <a:t>.</a:t>
             </a:r>
           </a:p>
         </p:txBody>
@@ -8187,7 +7774,7 @@
           <p:cNvPr id="4" name="Content Placeholder 3">
             <a:extLst>
               <a:ext uri="{FF2B5EF4-FFF2-40B4-BE49-F238E27FC236}">
-                <a16:creationId xmlns:a16="http://schemas.microsoft.com/office/drawing/2014/main" id="{3220DA9D-39F7-459F-9210-767405A07EDB}"/>
+                <a16:creationId xmlns:a16="http://schemas.microsoft.com/office/drawing/2014/main" id="{5B579535-C902-409D-97B8-ED72A6F5DA67}"/>
               </a:ext>
             </a:extLst>
           </p:cNvPr>
@@ -8198,12 +7785,7 @@
             <p:ph sz="half" idx="2"/>
           </p:nvPr>
         </p:nvSpPr>
-        <p:spPr>
-          <a:xfrm>
-            <a:off x="6172199" y="1825625"/>
-            <a:ext cx="5375635" cy="4351338"/>
-          </a:xfrm>
-        </p:spPr>
+        <p:spPr/>
         <p:txBody>
           <a:bodyPr>
             <a:normAutofit/>
@@ -8219,39 +7801,411 @@
                 <a:ea typeface="Tahoma" panose="020B0604030504040204" pitchFamily="34" charset="0"/>
                 <a:cs typeface="Tahoma" panose="020B0604030504040204" pitchFamily="34" charset="0"/>
               </a:rPr>
-              <a:t>Trần</a:t>
-            </a:r>
-            <a:r>
-              <a:rPr lang="en-GB" sz="3200" dirty="0">
-                <a:latin typeface="Tahoma" panose="020B0604030504040204" pitchFamily="34" charset="0"/>
-                <a:ea typeface="Tahoma" panose="020B0604030504040204" pitchFamily="34" charset="0"/>
-                <a:cs typeface="Tahoma" panose="020B0604030504040204" pitchFamily="34" charset="0"/>
-              </a:rPr>
-              <a:t> </a:t>
-            </a:r>
-            <a:r>
-              <a:rPr lang="en-GB" sz="3200" dirty="0" err="1">
-                <a:latin typeface="Tahoma" panose="020B0604030504040204" pitchFamily="34" charset="0"/>
-                <a:ea typeface="Tahoma" panose="020B0604030504040204" pitchFamily="34" charset="0"/>
-                <a:cs typeface="Tahoma" panose="020B0604030504040204" pitchFamily="34" charset="0"/>
-              </a:rPr>
-              <a:t>Mạnh</a:t>
-            </a:r>
-            <a:r>
-              <a:rPr lang="en-GB" sz="3200" dirty="0">
-                <a:latin typeface="Tahoma" panose="020B0604030504040204" pitchFamily="34" charset="0"/>
-                <a:ea typeface="Tahoma" panose="020B0604030504040204" pitchFamily="34" charset="0"/>
-                <a:cs typeface="Tahoma" panose="020B0604030504040204" pitchFamily="34" charset="0"/>
-              </a:rPr>
-              <a:t> </a:t>
-            </a:r>
-            <a:r>
-              <a:rPr lang="en-GB" sz="3200" dirty="0" err="1">
-                <a:latin typeface="Tahoma" panose="020B0604030504040204" pitchFamily="34" charset="0"/>
-                <a:ea typeface="Tahoma" panose="020B0604030504040204" pitchFamily="34" charset="0"/>
-                <a:cs typeface="Tahoma" panose="020B0604030504040204" pitchFamily="34" charset="0"/>
-              </a:rPr>
-              <a:t>Thắng</a:t>
+              <a:t>Câu</a:t>
+            </a:r>
+            <a:r>
+              <a:rPr lang="en-GB" sz="3200" dirty="0">
+                <a:latin typeface="Tahoma" panose="020B0604030504040204" pitchFamily="34" charset="0"/>
+                <a:ea typeface="Tahoma" panose="020B0604030504040204" pitchFamily="34" charset="0"/>
+                <a:cs typeface="Tahoma" panose="020B0604030504040204" pitchFamily="34" charset="0"/>
+              </a:rPr>
+              <a:t> </a:t>
+            </a:r>
+            <a:r>
+              <a:rPr lang="en-GB" sz="3200" dirty="0" err="1">
+                <a:latin typeface="Tahoma" panose="020B0604030504040204" pitchFamily="34" charset="0"/>
+                <a:ea typeface="Tahoma" panose="020B0604030504040204" pitchFamily="34" charset="0"/>
+                <a:cs typeface="Tahoma" panose="020B0604030504040204" pitchFamily="34" charset="0"/>
+              </a:rPr>
+              <a:t>hỏi</a:t>
+            </a:r>
+            <a:r>
+              <a:rPr lang="en-GB" sz="3200" dirty="0">
+                <a:latin typeface="Tahoma" panose="020B0604030504040204" pitchFamily="34" charset="0"/>
+                <a:ea typeface="Tahoma" panose="020B0604030504040204" pitchFamily="34" charset="0"/>
+                <a:cs typeface="Tahoma" panose="020B0604030504040204" pitchFamily="34" charset="0"/>
+              </a:rPr>
+              <a:t>:</a:t>
+            </a:r>
+          </a:p>
+          <a:p>
+            <a:r>
+              <a:rPr lang="en-GB" sz="3200" dirty="0" err="1">
+                <a:latin typeface="Tahoma" panose="020B0604030504040204" pitchFamily="34" charset="0"/>
+                <a:ea typeface="Tahoma" panose="020B0604030504040204" pitchFamily="34" charset="0"/>
+                <a:cs typeface="Tahoma" panose="020B0604030504040204" pitchFamily="34" charset="0"/>
+              </a:rPr>
+              <a:t>Các</a:t>
+            </a:r>
+            <a:r>
+              <a:rPr lang="en-GB" sz="3200" dirty="0">
+                <a:latin typeface="Tahoma" panose="020B0604030504040204" pitchFamily="34" charset="0"/>
+                <a:ea typeface="Tahoma" panose="020B0604030504040204" pitchFamily="34" charset="0"/>
+                <a:cs typeface="Tahoma" panose="020B0604030504040204" pitchFamily="34" charset="0"/>
+              </a:rPr>
+              <a:t> </a:t>
+            </a:r>
+            <a:r>
+              <a:rPr lang="en-GB" sz="3200" dirty="0" err="1">
+                <a:latin typeface="Tahoma" panose="020B0604030504040204" pitchFamily="34" charset="0"/>
+                <a:ea typeface="Tahoma" panose="020B0604030504040204" pitchFamily="34" charset="0"/>
+                <a:cs typeface="Tahoma" panose="020B0604030504040204" pitchFamily="34" charset="0"/>
+              </a:rPr>
+              <a:t>mô</a:t>
+            </a:r>
+            <a:r>
+              <a:rPr lang="en-GB" sz="3200" dirty="0">
+                <a:latin typeface="Tahoma" panose="020B0604030504040204" pitchFamily="34" charset="0"/>
+                <a:ea typeface="Tahoma" panose="020B0604030504040204" pitchFamily="34" charset="0"/>
+                <a:cs typeface="Tahoma" panose="020B0604030504040204" pitchFamily="34" charset="0"/>
+              </a:rPr>
+              <a:t> </a:t>
+            </a:r>
+            <a:r>
+              <a:rPr lang="en-GB" sz="3200" dirty="0" err="1">
+                <a:latin typeface="Tahoma" panose="020B0604030504040204" pitchFamily="34" charset="0"/>
+                <a:ea typeface="Tahoma" panose="020B0604030504040204" pitchFamily="34" charset="0"/>
+                <a:cs typeface="Tahoma" panose="020B0604030504040204" pitchFamily="34" charset="0"/>
+              </a:rPr>
+              <a:t>hình</a:t>
+            </a:r>
+            <a:r>
+              <a:rPr lang="en-GB" sz="3200" dirty="0">
+                <a:latin typeface="Tahoma" panose="020B0604030504040204" pitchFamily="34" charset="0"/>
+                <a:ea typeface="Tahoma" panose="020B0604030504040204" pitchFamily="34" charset="0"/>
+                <a:cs typeface="Tahoma" panose="020B0604030504040204" pitchFamily="34" charset="0"/>
+              </a:rPr>
+              <a:t>, </a:t>
+            </a:r>
+            <a:r>
+              <a:rPr lang="en-GB" sz="3200" dirty="0" err="1">
+                <a:latin typeface="Tahoma" panose="020B0604030504040204" pitchFamily="34" charset="0"/>
+                <a:ea typeface="Tahoma" panose="020B0604030504040204" pitchFamily="34" charset="0"/>
+                <a:cs typeface="Tahoma" panose="020B0604030504040204" pitchFamily="34" charset="0"/>
+              </a:rPr>
+              <a:t>giải</a:t>
+            </a:r>
+            <a:r>
+              <a:rPr lang="en-GB" sz="3200" dirty="0">
+                <a:latin typeface="Tahoma" panose="020B0604030504040204" pitchFamily="34" charset="0"/>
+                <a:ea typeface="Tahoma" panose="020B0604030504040204" pitchFamily="34" charset="0"/>
+                <a:cs typeface="Tahoma" panose="020B0604030504040204" pitchFamily="34" charset="0"/>
+              </a:rPr>
+              <a:t> </a:t>
+            </a:r>
+            <a:r>
+              <a:rPr lang="en-GB" sz="3200" dirty="0" err="1">
+                <a:latin typeface="Tahoma" panose="020B0604030504040204" pitchFamily="34" charset="0"/>
+                <a:ea typeface="Tahoma" panose="020B0604030504040204" pitchFamily="34" charset="0"/>
+                <a:cs typeface="Tahoma" panose="020B0604030504040204" pitchFamily="34" charset="0"/>
+              </a:rPr>
+              <a:t>pháp</a:t>
+            </a:r>
+            <a:r>
+              <a:rPr lang="en-GB" sz="3200" dirty="0">
+                <a:latin typeface="Tahoma" panose="020B0604030504040204" pitchFamily="34" charset="0"/>
+                <a:ea typeface="Tahoma" panose="020B0604030504040204" pitchFamily="34" charset="0"/>
+                <a:cs typeface="Tahoma" panose="020B0604030504040204" pitchFamily="34" charset="0"/>
+              </a:rPr>
+              <a:t> </a:t>
+            </a:r>
+            <a:r>
+              <a:rPr lang="en-GB" sz="3200" dirty="0" err="1">
+                <a:latin typeface="Tahoma" panose="020B0604030504040204" pitchFamily="34" charset="0"/>
+                <a:ea typeface="Tahoma" panose="020B0604030504040204" pitchFamily="34" charset="0"/>
+                <a:cs typeface="Tahoma" panose="020B0604030504040204" pitchFamily="34" charset="0"/>
+              </a:rPr>
+              <a:t>nào</a:t>
+            </a:r>
+            <a:r>
+              <a:rPr lang="en-GB" sz="3200" dirty="0">
+                <a:latin typeface="Tahoma" panose="020B0604030504040204" pitchFamily="34" charset="0"/>
+                <a:ea typeface="Tahoma" panose="020B0604030504040204" pitchFamily="34" charset="0"/>
+                <a:cs typeface="Tahoma" panose="020B0604030504040204" pitchFamily="34" charset="0"/>
+              </a:rPr>
+              <a:t> </a:t>
+            </a:r>
+            <a:r>
+              <a:rPr lang="en-GB" sz="3200" dirty="0" err="1">
+                <a:latin typeface="Tahoma" panose="020B0604030504040204" pitchFamily="34" charset="0"/>
+                <a:ea typeface="Tahoma" panose="020B0604030504040204" pitchFamily="34" charset="0"/>
+                <a:cs typeface="Tahoma" panose="020B0604030504040204" pitchFamily="34" charset="0"/>
+              </a:rPr>
+              <a:t>đáp</a:t>
+            </a:r>
+            <a:r>
+              <a:rPr lang="en-GB" sz="3200" dirty="0">
+                <a:latin typeface="Tahoma" panose="020B0604030504040204" pitchFamily="34" charset="0"/>
+                <a:ea typeface="Tahoma" panose="020B0604030504040204" pitchFamily="34" charset="0"/>
+                <a:cs typeface="Tahoma" panose="020B0604030504040204" pitchFamily="34" charset="0"/>
+              </a:rPr>
+              <a:t> </a:t>
+            </a:r>
+            <a:r>
+              <a:rPr lang="en-GB" sz="3200" dirty="0" err="1">
+                <a:latin typeface="Tahoma" panose="020B0604030504040204" pitchFamily="34" charset="0"/>
+                <a:ea typeface="Tahoma" panose="020B0604030504040204" pitchFamily="34" charset="0"/>
+                <a:cs typeface="Tahoma" panose="020B0604030504040204" pitchFamily="34" charset="0"/>
+              </a:rPr>
+              <a:t>ứng</a:t>
+            </a:r>
+            <a:r>
+              <a:rPr lang="en-GB" sz="3200" dirty="0">
+                <a:latin typeface="Tahoma" panose="020B0604030504040204" pitchFamily="34" charset="0"/>
+                <a:ea typeface="Tahoma" panose="020B0604030504040204" pitchFamily="34" charset="0"/>
+                <a:cs typeface="Tahoma" panose="020B0604030504040204" pitchFamily="34" charset="0"/>
+              </a:rPr>
+              <a:t> </a:t>
+            </a:r>
+            <a:r>
+              <a:rPr lang="en-GB" sz="3200" dirty="0" err="1">
+                <a:latin typeface="Tahoma" panose="020B0604030504040204" pitchFamily="34" charset="0"/>
+                <a:ea typeface="Tahoma" panose="020B0604030504040204" pitchFamily="34" charset="0"/>
+                <a:cs typeface="Tahoma" panose="020B0604030504040204" pitchFamily="34" charset="0"/>
+              </a:rPr>
+              <a:t>vấn</a:t>
+            </a:r>
+            <a:r>
+              <a:rPr lang="en-GB" sz="3200" dirty="0">
+                <a:latin typeface="Tahoma" panose="020B0604030504040204" pitchFamily="34" charset="0"/>
+                <a:ea typeface="Tahoma" panose="020B0604030504040204" pitchFamily="34" charset="0"/>
+                <a:cs typeface="Tahoma" panose="020B0604030504040204" pitchFamily="34" charset="0"/>
+              </a:rPr>
+              <a:t> </a:t>
+            </a:r>
+            <a:r>
+              <a:rPr lang="en-GB" sz="3200" dirty="0" err="1">
+                <a:latin typeface="Tahoma" panose="020B0604030504040204" pitchFamily="34" charset="0"/>
+                <a:ea typeface="Tahoma" panose="020B0604030504040204" pitchFamily="34" charset="0"/>
+                <a:cs typeface="Tahoma" panose="020B0604030504040204" pitchFamily="34" charset="0"/>
+              </a:rPr>
+              <a:t>đề</a:t>
+            </a:r>
+            <a:r>
+              <a:rPr lang="en-GB" sz="3200" dirty="0">
+                <a:latin typeface="Tahoma" panose="020B0604030504040204" pitchFamily="34" charset="0"/>
+                <a:ea typeface="Tahoma" panose="020B0604030504040204" pitchFamily="34" charset="0"/>
+                <a:cs typeface="Tahoma" panose="020B0604030504040204" pitchFamily="34" charset="0"/>
+              </a:rPr>
+              <a:t> regression </a:t>
+            </a:r>
+            <a:r>
+              <a:rPr lang="en-GB" sz="3200" dirty="0" err="1">
+                <a:latin typeface="Tahoma" panose="020B0604030504040204" pitchFamily="34" charset="0"/>
+                <a:ea typeface="Tahoma" panose="020B0604030504040204" pitchFamily="34" charset="0"/>
+                <a:cs typeface="Tahoma" panose="020B0604030504040204" pitchFamily="34" charset="0"/>
+              </a:rPr>
+              <a:t>cho</a:t>
+            </a:r>
+            <a:r>
+              <a:rPr lang="en-GB" sz="3200" dirty="0">
+                <a:latin typeface="Tahoma" panose="020B0604030504040204" pitchFamily="34" charset="0"/>
+                <a:ea typeface="Tahoma" panose="020B0604030504040204" pitchFamily="34" charset="0"/>
+                <a:cs typeface="Tahoma" panose="020B0604030504040204" pitchFamily="34" charset="0"/>
+              </a:rPr>
+              <a:t> </a:t>
+            </a:r>
+            <a:r>
+              <a:rPr lang="en-GB" sz="3200" dirty="0" err="1">
+                <a:latin typeface="Tahoma" panose="020B0604030504040204" pitchFamily="34" charset="0"/>
+                <a:ea typeface="Tahoma" panose="020B0604030504040204" pitchFamily="34" charset="0"/>
+                <a:cs typeface="Tahoma" panose="020B0604030504040204" pitchFamily="34" charset="0"/>
+              </a:rPr>
+              <a:t>bài</a:t>
+            </a:r>
+            <a:r>
+              <a:rPr lang="en-GB" sz="3200" dirty="0">
+                <a:latin typeface="Tahoma" panose="020B0604030504040204" pitchFamily="34" charset="0"/>
+                <a:ea typeface="Tahoma" panose="020B0604030504040204" pitchFamily="34" charset="0"/>
+                <a:cs typeface="Tahoma" panose="020B0604030504040204" pitchFamily="34" charset="0"/>
+              </a:rPr>
+              <a:t> </a:t>
+            </a:r>
+            <a:r>
+              <a:rPr lang="en-GB" sz="3200" dirty="0" err="1">
+                <a:latin typeface="Tahoma" panose="020B0604030504040204" pitchFamily="34" charset="0"/>
+                <a:ea typeface="Tahoma" panose="020B0604030504040204" pitchFamily="34" charset="0"/>
+                <a:cs typeface="Tahoma" panose="020B0604030504040204" pitchFamily="34" charset="0"/>
+              </a:rPr>
+              <a:t>toán</a:t>
+            </a:r>
+            <a:r>
+              <a:rPr lang="en-GB" sz="3200" dirty="0">
+                <a:latin typeface="Tahoma" panose="020B0604030504040204" pitchFamily="34" charset="0"/>
+                <a:ea typeface="Tahoma" panose="020B0604030504040204" pitchFamily="34" charset="0"/>
+                <a:cs typeface="Tahoma" panose="020B0604030504040204" pitchFamily="34" charset="0"/>
+              </a:rPr>
+              <a:t> </a:t>
+            </a:r>
+            <a:r>
+              <a:rPr lang="en-GB" sz="3200" dirty="0" err="1">
+                <a:latin typeface="Tahoma" panose="020B0604030504040204" pitchFamily="34" charset="0"/>
+                <a:ea typeface="Tahoma" panose="020B0604030504040204" pitchFamily="34" charset="0"/>
+                <a:cs typeface="Tahoma" panose="020B0604030504040204" pitchFamily="34" charset="0"/>
+              </a:rPr>
+              <a:t>này</a:t>
+            </a:r>
+            <a:r>
+              <a:rPr lang="en-GB" sz="3200" dirty="0">
+                <a:latin typeface="Tahoma" panose="020B0604030504040204" pitchFamily="34" charset="0"/>
+                <a:ea typeface="Tahoma" panose="020B0604030504040204" pitchFamily="34" charset="0"/>
+                <a:cs typeface="Tahoma" panose="020B0604030504040204" pitchFamily="34" charset="0"/>
+              </a:rPr>
+              <a:t>.</a:t>
+            </a:r>
+          </a:p>
+          <a:p>
+            <a:r>
+              <a:rPr lang="en-GB" sz="3200" dirty="0" err="1">
+                <a:latin typeface="Tahoma" panose="020B0604030504040204" pitchFamily="34" charset="0"/>
+                <a:ea typeface="Tahoma" panose="020B0604030504040204" pitchFamily="34" charset="0"/>
+                <a:cs typeface="Tahoma" panose="020B0604030504040204" pitchFamily="34" charset="0"/>
+              </a:rPr>
+              <a:t>Chiến</a:t>
+            </a:r>
+            <a:r>
+              <a:rPr lang="en-GB" sz="3200" dirty="0">
+                <a:latin typeface="Tahoma" panose="020B0604030504040204" pitchFamily="34" charset="0"/>
+                <a:ea typeface="Tahoma" panose="020B0604030504040204" pitchFamily="34" charset="0"/>
+                <a:cs typeface="Tahoma" panose="020B0604030504040204" pitchFamily="34" charset="0"/>
+              </a:rPr>
+              <a:t> l</a:t>
+            </a:r>
+            <a:r>
+              <a:rPr lang="vi-VN" sz="3200" dirty="0">
+                <a:latin typeface="Tahoma" panose="020B0604030504040204" pitchFamily="34" charset="0"/>
+                <a:ea typeface="Tahoma" panose="020B0604030504040204" pitchFamily="34" charset="0"/>
+                <a:cs typeface="Tahoma" panose="020B0604030504040204" pitchFamily="34" charset="0"/>
+              </a:rPr>
+              <a:t>ư</a:t>
+            </a:r>
+            <a:r>
+              <a:rPr lang="en-GB" sz="3200" dirty="0" err="1">
+                <a:latin typeface="Tahoma" panose="020B0604030504040204" pitchFamily="34" charset="0"/>
+                <a:ea typeface="Tahoma" panose="020B0604030504040204" pitchFamily="34" charset="0"/>
+                <a:cs typeface="Tahoma" panose="020B0604030504040204" pitchFamily="34" charset="0"/>
+              </a:rPr>
+              <a:t>ợc</a:t>
+            </a:r>
+            <a:r>
+              <a:rPr lang="en-GB" sz="3200" dirty="0">
+                <a:latin typeface="Tahoma" panose="020B0604030504040204" pitchFamily="34" charset="0"/>
+                <a:ea typeface="Tahoma" panose="020B0604030504040204" pitchFamily="34" charset="0"/>
+                <a:cs typeface="Tahoma" panose="020B0604030504040204" pitchFamily="34" charset="0"/>
+              </a:rPr>
+              <a:t> </a:t>
+            </a:r>
+            <a:r>
+              <a:rPr lang="en-GB" sz="3200" dirty="0" err="1">
+                <a:latin typeface="Tahoma" panose="020B0604030504040204" pitchFamily="34" charset="0"/>
+                <a:ea typeface="Tahoma" panose="020B0604030504040204" pitchFamily="34" charset="0"/>
+                <a:cs typeface="Tahoma" panose="020B0604030504040204" pitchFamily="34" charset="0"/>
+              </a:rPr>
+              <a:t>để</a:t>
+            </a:r>
+            <a:r>
+              <a:rPr lang="en-GB" sz="3200" dirty="0">
+                <a:latin typeface="Tahoma" panose="020B0604030504040204" pitchFamily="34" charset="0"/>
+                <a:ea typeface="Tahoma" panose="020B0604030504040204" pitchFamily="34" charset="0"/>
+                <a:cs typeface="Tahoma" panose="020B0604030504040204" pitchFamily="34" charset="0"/>
+              </a:rPr>
+              <a:t> </a:t>
+            </a:r>
+            <a:r>
+              <a:rPr lang="en-GB" sz="3200" dirty="0" err="1">
+                <a:latin typeface="Tahoma" panose="020B0604030504040204" pitchFamily="34" charset="0"/>
+                <a:ea typeface="Tahoma" panose="020B0604030504040204" pitchFamily="34" charset="0"/>
+                <a:cs typeface="Tahoma" panose="020B0604030504040204" pitchFamily="34" charset="0"/>
+              </a:rPr>
+              <a:t>chọn</a:t>
+            </a:r>
+            <a:r>
+              <a:rPr lang="en-GB" sz="3200" dirty="0">
+                <a:latin typeface="Tahoma" panose="020B0604030504040204" pitchFamily="34" charset="0"/>
+                <a:ea typeface="Tahoma" panose="020B0604030504040204" pitchFamily="34" charset="0"/>
+                <a:cs typeface="Tahoma" panose="020B0604030504040204" pitchFamily="34" charset="0"/>
+              </a:rPr>
+              <a:t> </a:t>
+            </a:r>
+            <a:r>
+              <a:rPr lang="en-GB" sz="3200" dirty="0" err="1">
+                <a:latin typeface="Tahoma" panose="020B0604030504040204" pitchFamily="34" charset="0"/>
+                <a:ea typeface="Tahoma" panose="020B0604030504040204" pitchFamily="34" charset="0"/>
+                <a:cs typeface="Tahoma" panose="020B0604030504040204" pitchFamily="34" charset="0"/>
+              </a:rPr>
+              <a:t>ra</a:t>
+            </a:r>
+            <a:r>
+              <a:rPr lang="en-GB" sz="3200" dirty="0">
+                <a:latin typeface="Tahoma" panose="020B0604030504040204" pitchFamily="34" charset="0"/>
+                <a:ea typeface="Tahoma" panose="020B0604030504040204" pitchFamily="34" charset="0"/>
+                <a:cs typeface="Tahoma" panose="020B0604030504040204" pitchFamily="34" charset="0"/>
+              </a:rPr>
+              <a:t> </a:t>
+            </a:r>
+            <a:r>
+              <a:rPr lang="en-GB" sz="3200" dirty="0" err="1">
+                <a:latin typeface="Tahoma" panose="020B0604030504040204" pitchFamily="34" charset="0"/>
+                <a:ea typeface="Tahoma" panose="020B0604030504040204" pitchFamily="34" charset="0"/>
+                <a:cs typeface="Tahoma" panose="020B0604030504040204" pitchFamily="34" charset="0"/>
+              </a:rPr>
+              <a:t>mô</a:t>
+            </a:r>
+            <a:r>
+              <a:rPr lang="en-GB" sz="3200" dirty="0">
+                <a:latin typeface="Tahoma" panose="020B0604030504040204" pitchFamily="34" charset="0"/>
+                <a:ea typeface="Tahoma" panose="020B0604030504040204" pitchFamily="34" charset="0"/>
+                <a:cs typeface="Tahoma" panose="020B0604030504040204" pitchFamily="34" charset="0"/>
+              </a:rPr>
+              <a:t> </a:t>
+            </a:r>
+            <a:r>
+              <a:rPr lang="en-GB" sz="3200" dirty="0" err="1">
+                <a:latin typeface="Tahoma" panose="020B0604030504040204" pitchFamily="34" charset="0"/>
+                <a:ea typeface="Tahoma" panose="020B0604030504040204" pitchFamily="34" charset="0"/>
+                <a:cs typeface="Tahoma" panose="020B0604030504040204" pitchFamily="34" charset="0"/>
+              </a:rPr>
+              <a:t>hình</a:t>
+            </a:r>
+            <a:r>
+              <a:rPr lang="en-GB" sz="3200" dirty="0">
+                <a:latin typeface="Tahoma" panose="020B0604030504040204" pitchFamily="34" charset="0"/>
+                <a:ea typeface="Tahoma" panose="020B0604030504040204" pitchFamily="34" charset="0"/>
+                <a:cs typeface="Tahoma" panose="020B0604030504040204" pitchFamily="34" charset="0"/>
+              </a:rPr>
+              <a:t> </a:t>
+            </a:r>
+            <a:r>
+              <a:rPr lang="en-GB" sz="3200" dirty="0" err="1">
+                <a:latin typeface="Tahoma" panose="020B0604030504040204" pitchFamily="34" charset="0"/>
+                <a:ea typeface="Tahoma" panose="020B0604030504040204" pitchFamily="34" charset="0"/>
+                <a:cs typeface="Tahoma" panose="020B0604030504040204" pitchFamily="34" charset="0"/>
+              </a:rPr>
+              <a:t>tối</a:t>
+            </a:r>
+            <a:r>
+              <a:rPr lang="en-GB" sz="3200" dirty="0">
+                <a:latin typeface="Tahoma" panose="020B0604030504040204" pitchFamily="34" charset="0"/>
+                <a:ea typeface="Tahoma" panose="020B0604030504040204" pitchFamily="34" charset="0"/>
+                <a:cs typeface="Tahoma" panose="020B0604030504040204" pitchFamily="34" charset="0"/>
+              </a:rPr>
+              <a:t> </a:t>
+            </a:r>
+            <a:r>
+              <a:rPr lang="vi-VN" sz="3200" dirty="0">
+                <a:latin typeface="Tahoma" panose="020B0604030504040204" pitchFamily="34" charset="0"/>
+                <a:ea typeface="Tahoma" panose="020B0604030504040204" pitchFamily="34" charset="0"/>
+                <a:cs typeface="Tahoma" panose="020B0604030504040204" pitchFamily="34" charset="0"/>
+              </a:rPr>
+              <a:t>ư</a:t>
+            </a:r>
+            <a:r>
+              <a:rPr lang="en-GB" sz="3200">
+                <a:latin typeface="Tahoma" panose="020B0604030504040204" pitchFamily="34" charset="0"/>
+                <a:ea typeface="Tahoma" panose="020B0604030504040204" pitchFamily="34" charset="0"/>
+                <a:cs typeface="Tahoma" panose="020B0604030504040204" pitchFamily="34" charset="0"/>
+              </a:rPr>
+              <a:t>u.</a:t>
             </a:r>
             <a:endParaRPr lang="en-GB" sz="3200" dirty="0">
               <a:latin typeface="Tahoma" panose="020B0604030504040204" pitchFamily="34" charset="0"/>
@@ -8259,190 +8213,6 @@
               <a:cs typeface="Tahoma" panose="020B0604030504040204" pitchFamily="34" charset="0"/>
             </a:endParaRPr>
           </a:p>
-          <a:p>
-            <a:r>
-              <a:rPr lang="en-GB" sz="3200" dirty="0">
-                <a:latin typeface="Tahoma" panose="020B0604030504040204" pitchFamily="34" charset="0"/>
-                <a:ea typeface="Tahoma" panose="020B0604030504040204" pitchFamily="34" charset="0"/>
-                <a:cs typeface="Tahoma" panose="020B0604030504040204" pitchFamily="34" charset="0"/>
-              </a:rPr>
-              <a:t>Thu </a:t>
-            </a:r>
-            <a:r>
-              <a:rPr lang="en-GB" sz="3200" dirty="0" err="1">
-                <a:latin typeface="Tahoma" panose="020B0604030504040204" pitchFamily="34" charset="0"/>
-                <a:ea typeface="Tahoma" panose="020B0604030504040204" pitchFamily="34" charset="0"/>
-                <a:cs typeface="Tahoma" panose="020B0604030504040204" pitchFamily="34" charset="0"/>
-              </a:rPr>
-              <a:t>thập</a:t>
-            </a:r>
-            <a:r>
-              <a:rPr lang="en-GB" sz="3200" dirty="0">
-                <a:latin typeface="Tahoma" panose="020B0604030504040204" pitchFamily="34" charset="0"/>
-                <a:ea typeface="Tahoma" panose="020B0604030504040204" pitchFamily="34" charset="0"/>
-                <a:cs typeface="Tahoma" panose="020B0604030504040204" pitchFamily="34" charset="0"/>
-              </a:rPr>
-              <a:t> </a:t>
-            </a:r>
-            <a:r>
-              <a:rPr lang="en-GB" sz="3200" dirty="0" err="1">
-                <a:latin typeface="Tahoma" panose="020B0604030504040204" pitchFamily="34" charset="0"/>
-                <a:ea typeface="Tahoma" panose="020B0604030504040204" pitchFamily="34" charset="0"/>
-                <a:cs typeface="Tahoma" panose="020B0604030504040204" pitchFamily="34" charset="0"/>
-              </a:rPr>
-              <a:t>thông</a:t>
-            </a:r>
-            <a:r>
-              <a:rPr lang="en-GB" sz="3200" dirty="0">
-                <a:latin typeface="Tahoma" panose="020B0604030504040204" pitchFamily="34" charset="0"/>
-                <a:ea typeface="Tahoma" panose="020B0604030504040204" pitchFamily="34" charset="0"/>
-                <a:cs typeface="Tahoma" panose="020B0604030504040204" pitchFamily="34" charset="0"/>
-              </a:rPr>
-              <a:t> tin c</a:t>
-            </a:r>
-            <a:r>
-              <a:rPr lang="vi-VN" sz="3200" dirty="0">
-                <a:latin typeface="Tahoma" panose="020B0604030504040204" pitchFamily="34" charset="0"/>
-                <a:ea typeface="Tahoma" panose="020B0604030504040204" pitchFamily="34" charset="0"/>
-                <a:cs typeface="Tahoma" panose="020B0604030504040204" pitchFamily="34" charset="0"/>
-              </a:rPr>
-              <a:t>ơ</a:t>
-            </a:r>
-            <a:r>
-              <a:rPr lang="en-GB" sz="3200" dirty="0">
-                <a:latin typeface="Tahoma" panose="020B0604030504040204" pitchFamily="34" charset="0"/>
-                <a:ea typeface="Tahoma" panose="020B0604030504040204" pitchFamily="34" charset="0"/>
-                <a:cs typeface="Tahoma" panose="020B0604030504040204" pitchFamily="34" charset="0"/>
-              </a:rPr>
-              <a:t> </a:t>
-            </a:r>
-            <a:r>
-              <a:rPr lang="en-GB" sz="3200" dirty="0" err="1">
-                <a:latin typeface="Tahoma" panose="020B0604030504040204" pitchFamily="34" charset="0"/>
-                <a:ea typeface="Tahoma" panose="020B0604030504040204" pitchFamily="34" charset="0"/>
-                <a:cs typeface="Tahoma" panose="020B0604030504040204" pitchFamily="34" charset="0"/>
-              </a:rPr>
-              <a:t>bản</a:t>
-            </a:r>
-            <a:r>
-              <a:rPr lang="en-GB" sz="3200" dirty="0">
-                <a:latin typeface="Tahoma" panose="020B0604030504040204" pitchFamily="34" charset="0"/>
-                <a:ea typeface="Tahoma" panose="020B0604030504040204" pitchFamily="34" charset="0"/>
-                <a:cs typeface="Tahoma" panose="020B0604030504040204" pitchFamily="34" charset="0"/>
-              </a:rPr>
-              <a:t>.</a:t>
-            </a:r>
-          </a:p>
-          <a:p>
-            <a:r>
-              <a:rPr lang="en-GB" sz="3200" dirty="0" err="1">
-                <a:latin typeface="Tahoma" panose="020B0604030504040204" pitchFamily="34" charset="0"/>
-                <a:ea typeface="Tahoma" panose="020B0604030504040204" pitchFamily="34" charset="0"/>
-                <a:cs typeface="Tahoma" panose="020B0604030504040204" pitchFamily="34" charset="0"/>
-              </a:rPr>
-              <a:t>Chuẩn</a:t>
-            </a:r>
-            <a:r>
-              <a:rPr lang="en-GB" sz="3200" dirty="0">
-                <a:latin typeface="Tahoma" panose="020B0604030504040204" pitchFamily="34" charset="0"/>
-                <a:ea typeface="Tahoma" panose="020B0604030504040204" pitchFamily="34" charset="0"/>
-                <a:cs typeface="Tahoma" panose="020B0604030504040204" pitchFamily="34" charset="0"/>
-              </a:rPr>
-              <a:t> </a:t>
-            </a:r>
-            <a:r>
-              <a:rPr lang="en-GB" sz="3200" dirty="0" err="1">
-                <a:latin typeface="Tahoma" panose="020B0604030504040204" pitchFamily="34" charset="0"/>
-                <a:ea typeface="Tahoma" panose="020B0604030504040204" pitchFamily="34" charset="0"/>
-                <a:cs typeface="Tahoma" panose="020B0604030504040204" pitchFamily="34" charset="0"/>
-              </a:rPr>
-              <a:t>hóa</a:t>
-            </a:r>
-            <a:r>
-              <a:rPr lang="en-GB" sz="3200" dirty="0">
-                <a:latin typeface="Tahoma" panose="020B0604030504040204" pitchFamily="34" charset="0"/>
-                <a:ea typeface="Tahoma" panose="020B0604030504040204" pitchFamily="34" charset="0"/>
-                <a:cs typeface="Tahoma" panose="020B0604030504040204" pitchFamily="34" charset="0"/>
-              </a:rPr>
-              <a:t> </a:t>
-            </a:r>
-            <a:r>
-              <a:rPr lang="en-GB" sz="3200" dirty="0" err="1">
-                <a:latin typeface="Tahoma" panose="020B0604030504040204" pitchFamily="34" charset="0"/>
-                <a:ea typeface="Tahoma" panose="020B0604030504040204" pitchFamily="34" charset="0"/>
-                <a:cs typeface="Tahoma" panose="020B0604030504040204" pitchFamily="34" charset="0"/>
-              </a:rPr>
-              <a:t>dữ</a:t>
-            </a:r>
-            <a:r>
-              <a:rPr lang="en-GB" sz="3200" dirty="0">
-                <a:latin typeface="Tahoma" panose="020B0604030504040204" pitchFamily="34" charset="0"/>
-                <a:ea typeface="Tahoma" panose="020B0604030504040204" pitchFamily="34" charset="0"/>
-                <a:cs typeface="Tahoma" panose="020B0604030504040204" pitchFamily="34" charset="0"/>
-              </a:rPr>
-              <a:t> </a:t>
-            </a:r>
-            <a:r>
-              <a:rPr lang="en-GB" sz="3200" dirty="0" err="1">
-                <a:latin typeface="Tahoma" panose="020B0604030504040204" pitchFamily="34" charset="0"/>
-                <a:ea typeface="Tahoma" panose="020B0604030504040204" pitchFamily="34" charset="0"/>
-                <a:cs typeface="Tahoma" panose="020B0604030504040204" pitchFamily="34" charset="0"/>
-              </a:rPr>
-              <a:t>liệu</a:t>
-            </a:r>
-            <a:endParaRPr lang="en-GB" sz="3200" dirty="0">
-              <a:latin typeface="Tahoma" panose="020B0604030504040204" pitchFamily="34" charset="0"/>
-              <a:ea typeface="Tahoma" panose="020B0604030504040204" pitchFamily="34" charset="0"/>
-              <a:cs typeface="Tahoma" panose="020B0604030504040204" pitchFamily="34" charset="0"/>
-            </a:endParaRPr>
-          </a:p>
-          <a:p>
-            <a:r>
-              <a:rPr lang="en-GB" sz="3200" dirty="0" err="1">
-                <a:latin typeface="Tahoma" panose="020B0604030504040204" pitchFamily="34" charset="0"/>
-                <a:ea typeface="Tahoma" panose="020B0604030504040204" pitchFamily="34" charset="0"/>
-                <a:cs typeface="Tahoma" panose="020B0604030504040204" pitchFamily="34" charset="0"/>
-              </a:rPr>
-              <a:t>Học</a:t>
-            </a:r>
-            <a:r>
-              <a:rPr lang="en-GB" sz="3200" dirty="0">
-                <a:latin typeface="Tahoma" panose="020B0604030504040204" pitchFamily="34" charset="0"/>
-                <a:ea typeface="Tahoma" panose="020B0604030504040204" pitchFamily="34" charset="0"/>
-                <a:cs typeface="Tahoma" panose="020B0604030504040204" pitchFamily="34" charset="0"/>
-              </a:rPr>
-              <a:t> – </a:t>
-            </a:r>
-            <a:r>
-              <a:rPr lang="en-GB" sz="3200" dirty="0" err="1">
-                <a:latin typeface="Tahoma" panose="020B0604030504040204" pitchFamily="34" charset="0"/>
-                <a:ea typeface="Tahoma" panose="020B0604030504040204" pitchFamily="34" charset="0"/>
-                <a:cs typeface="Tahoma" panose="020B0604030504040204" pitchFamily="34" charset="0"/>
-              </a:rPr>
-              <a:t>kiểm</a:t>
-            </a:r>
-            <a:r>
-              <a:rPr lang="en-GB" sz="3200" dirty="0">
-                <a:latin typeface="Tahoma" panose="020B0604030504040204" pitchFamily="34" charset="0"/>
-                <a:ea typeface="Tahoma" panose="020B0604030504040204" pitchFamily="34" charset="0"/>
-                <a:cs typeface="Tahoma" panose="020B0604030504040204" pitchFamily="34" charset="0"/>
-              </a:rPr>
-              <a:t> </a:t>
-            </a:r>
-            <a:r>
-              <a:rPr lang="en-GB" sz="3200" dirty="0" err="1">
-                <a:latin typeface="Tahoma" panose="020B0604030504040204" pitchFamily="34" charset="0"/>
-                <a:ea typeface="Tahoma" panose="020B0604030504040204" pitchFamily="34" charset="0"/>
-                <a:cs typeface="Tahoma" panose="020B0604030504040204" pitchFamily="34" charset="0"/>
-              </a:rPr>
-              <a:t>thử</a:t>
-            </a:r>
-            <a:endParaRPr lang="en-GB" sz="3200" dirty="0">
-              <a:latin typeface="Tahoma" panose="020B0604030504040204" pitchFamily="34" charset="0"/>
-              <a:ea typeface="Tahoma" panose="020B0604030504040204" pitchFamily="34" charset="0"/>
-              <a:cs typeface="Tahoma" panose="020B0604030504040204" pitchFamily="34" charset="0"/>
-            </a:endParaRPr>
-          </a:p>
         </p:txBody>
       </p:sp>
       <p:sp>
@@ -8450,7 +8220,7 @@
           <p:cNvPr id="5" name="Slide Number Placeholder 4">
             <a:extLst>
               <a:ext uri="{FF2B5EF4-FFF2-40B4-BE49-F238E27FC236}">
-                <a16:creationId xmlns:a16="http://schemas.microsoft.com/office/drawing/2014/main" id="{09B5FC36-9120-4247-9BBC-CB22EDF327EF}"/>
+                <a16:creationId xmlns:a16="http://schemas.microsoft.com/office/drawing/2014/main" id="{627B2603-498E-41ED-BF96-D092A6055A4C}"/>
               </a:ext>
             </a:extLst>
           </p:cNvPr>
@@ -8477,7 +8247,7 @@
     </p:spTree>
     <p:extLst>
       <p:ext uri="{BB962C8B-B14F-4D97-AF65-F5344CB8AC3E}">
-        <p14:creationId xmlns:p14="http://schemas.microsoft.com/office/powerpoint/2010/main" val="4149388690"/>
+        <p14:creationId xmlns:p14="http://schemas.microsoft.com/office/powerpoint/2010/main" val="908176585"/>
       </p:ext>
     </p:extLst>
   </p:cSld>
@@ -8509,7 +8279,7 @@
           <p:cNvPr id="2" name="Title 1">
             <a:extLst>
               <a:ext uri="{FF2B5EF4-FFF2-40B4-BE49-F238E27FC236}">
-                <a16:creationId xmlns:a16="http://schemas.microsoft.com/office/drawing/2014/main" id="{435E3C9A-E875-46DB-9927-2D5E878A66E4}"/>
+                <a16:creationId xmlns:a16="http://schemas.microsoft.com/office/drawing/2014/main" id="{825E827C-230D-4373-A73D-D912BAEE3E9C}"/>
               </a:ext>
             </a:extLst>
           </p:cNvPr>
@@ -8518,69 +8288,511 @@
           </p:cNvSpPr>
           <p:nvPr>
             <p:ph type="title"/>
+          </p:nvPr>
+        </p:nvSpPr>
+        <p:spPr/>
+        <p:txBody>
+          <a:bodyPr/>
+          <a:lstStyle/>
+          <a:p>
+            <a:r>
+              <a:rPr lang="en-GB" b="1" dirty="0"/>
+              <a:t>PHÂN CÔNG</a:t>
+            </a:r>
+          </a:p>
+        </p:txBody>
+      </p:sp>
+      <p:sp>
+        <p:nvSpPr>
+          <p:cNvPr id="3" name="Content Placeholder 2">
+            <a:extLst>
+              <a:ext uri="{FF2B5EF4-FFF2-40B4-BE49-F238E27FC236}">
+                <a16:creationId xmlns:a16="http://schemas.microsoft.com/office/drawing/2014/main" id="{B339DF60-C5E4-49FD-97DA-0E03E57CB982}"/>
+              </a:ext>
+            </a:extLst>
+          </p:cNvPr>
+          <p:cNvSpPr>
+            <a:spLocks noGrp="1"/>
+          </p:cNvSpPr>
+          <p:nvPr>
+            <p:ph sz="half" idx="1"/>
           </p:nvPr>
         </p:nvSpPr>
         <p:spPr>
           <a:xfrm>
-            <a:off x="419100" y="2924715"/>
-            <a:ext cx="11353800" cy="1008570"/>
+            <a:off x="838200" y="1825625"/>
+            <a:ext cx="5257800" cy="4351338"/>
           </a:xfrm>
         </p:spPr>
         <p:txBody>
           <a:bodyPr>
-            <a:noAutofit/>
+            <a:normAutofit/>
           </a:bodyPr>
           <a:lstStyle/>
           <a:p>
-            <a:r>
-              <a:rPr lang="en-GB" sz="5400" dirty="0">
-                <a:latin typeface="Tahoma" panose="020B0604030504040204" pitchFamily="34" charset="0"/>
-                <a:ea typeface="Tahoma" panose="020B0604030504040204" pitchFamily="34" charset="0"/>
-                <a:cs typeface="Tahoma" panose="020B0604030504040204" pitchFamily="34" charset="0"/>
-              </a:rPr>
-              <a:t>CẢM </a:t>
-            </a:r>
-            <a:r>
-              <a:rPr lang="vi-VN" sz="5400" dirty="0">
-                <a:latin typeface="Tahoma" panose="020B0604030504040204" pitchFamily="34" charset="0"/>
-                <a:ea typeface="Tahoma" panose="020B0604030504040204" pitchFamily="34" charset="0"/>
-                <a:cs typeface="Tahoma" panose="020B0604030504040204" pitchFamily="34" charset="0"/>
-              </a:rPr>
-              <a:t>Ơ</a:t>
-            </a:r>
-            <a:r>
-              <a:rPr lang="en-GB" sz="5400" dirty="0">
-                <a:latin typeface="Tahoma" panose="020B0604030504040204" pitchFamily="34" charset="0"/>
-                <a:ea typeface="Tahoma" panose="020B0604030504040204" pitchFamily="34" charset="0"/>
-                <a:cs typeface="Tahoma" panose="020B0604030504040204" pitchFamily="34" charset="0"/>
-              </a:rPr>
-              <a:t>N MỌI NG</a:t>
-            </a:r>
-            <a:r>
-              <a:rPr lang="vi-VN" sz="5400" dirty="0">
-                <a:latin typeface="Tahoma" panose="020B0604030504040204" pitchFamily="34" charset="0"/>
-                <a:ea typeface="Tahoma" panose="020B0604030504040204" pitchFamily="34" charset="0"/>
-                <a:cs typeface="Tahoma" panose="020B0604030504040204" pitchFamily="34" charset="0"/>
-              </a:rPr>
-              <a:t>Ư</a:t>
-            </a:r>
-            <a:r>
-              <a:rPr lang="en-GB" sz="5400" dirty="0">
-                <a:latin typeface="Tahoma" panose="020B0604030504040204" pitchFamily="34" charset="0"/>
-                <a:ea typeface="Tahoma" panose="020B0604030504040204" pitchFamily="34" charset="0"/>
-                <a:cs typeface="Tahoma" panose="020B0604030504040204" pitchFamily="34" charset="0"/>
-              </a:rPr>
-              <a:t>ỜI ĐÃ THEO DÕI</a:t>
-            </a:r>
-          </a:p>
-        </p:txBody>
-      </p:sp>
-      <p:sp>
-        <p:nvSpPr>
-          <p:cNvPr id="3" name="Slide Number Placeholder 2">
-            <a:extLst>
-              <a:ext uri="{FF2B5EF4-FFF2-40B4-BE49-F238E27FC236}">
-                <a16:creationId xmlns:a16="http://schemas.microsoft.com/office/drawing/2014/main" id="{0D267B0C-DF8B-42B3-8485-3D7D9D4083B2}"/>
+            <a:pPr marL="0" indent="0">
+              <a:buNone/>
+            </a:pPr>
+            <a:r>
+              <a:rPr lang="en-GB" sz="3200" dirty="0">
+                <a:latin typeface="Tahoma" panose="020B0604030504040204" pitchFamily="34" charset="0"/>
+                <a:ea typeface="Tahoma" panose="020B0604030504040204" pitchFamily="34" charset="0"/>
+                <a:cs typeface="Tahoma" panose="020B0604030504040204" pitchFamily="34" charset="0"/>
+              </a:rPr>
+              <a:t>Phan Minh S</a:t>
+            </a:r>
+            <a:r>
+              <a:rPr lang="vi-VN" sz="3200" dirty="0">
+                <a:latin typeface="Tahoma" panose="020B0604030504040204" pitchFamily="34" charset="0"/>
+                <a:ea typeface="Tahoma" panose="020B0604030504040204" pitchFamily="34" charset="0"/>
+                <a:cs typeface="Tahoma" panose="020B0604030504040204" pitchFamily="34" charset="0"/>
+              </a:rPr>
+              <a:t>ơ</a:t>
+            </a:r>
+            <a:r>
+              <a:rPr lang="en-GB" sz="3200" dirty="0">
+                <a:latin typeface="Tahoma" panose="020B0604030504040204" pitchFamily="34" charset="0"/>
+                <a:ea typeface="Tahoma" panose="020B0604030504040204" pitchFamily="34" charset="0"/>
+                <a:cs typeface="Tahoma" panose="020B0604030504040204" pitchFamily="34" charset="0"/>
+              </a:rPr>
+              <a:t>n</a:t>
+            </a:r>
+          </a:p>
+          <a:p>
+            <a:r>
+              <a:rPr lang="en-GB" sz="3200" dirty="0">
+                <a:latin typeface="Tahoma" panose="020B0604030504040204" pitchFamily="34" charset="0"/>
+                <a:ea typeface="Tahoma" panose="020B0604030504040204" pitchFamily="34" charset="0"/>
+                <a:cs typeface="Tahoma" panose="020B0604030504040204" pitchFamily="34" charset="0"/>
+              </a:rPr>
+              <a:t>Thu </a:t>
+            </a:r>
+            <a:r>
+              <a:rPr lang="en-GB" sz="3200" dirty="0" err="1">
+                <a:latin typeface="Tahoma" panose="020B0604030504040204" pitchFamily="34" charset="0"/>
+                <a:ea typeface="Tahoma" panose="020B0604030504040204" pitchFamily="34" charset="0"/>
+                <a:cs typeface="Tahoma" panose="020B0604030504040204" pitchFamily="34" charset="0"/>
+              </a:rPr>
+              <a:t>thập</a:t>
+            </a:r>
+            <a:r>
+              <a:rPr lang="en-GB" sz="3200" dirty="0">
+                <a:latin typeface="Tahoma" panose="020B0604030504040204" pitchFamily="34" charset="0"/>
+                <a:ea typeface="Tahoma" panose="020B0604030504040204" pitchFamily="34" charset="0"/>
+                <a:cs typeface="Tahoma" panose="020B0604030504040204" pitchFamily="34" charset="0"/>
+              </a:rPr>
+              <a:t> </a:t>
+            </a:r>
+            <a:r>
+              <a:rPr lang="en-GB" sz="3200" dirty="0" err="1">
+                <a:latin typeface="Tahoma" panose="020B0604030504040204" pitchFamily="34" charset="0"/>
+                <a:ea typeface="Tahoma" panose="020B0604030504040204" pitchFamily="34" charset="0"/>
+                <a:cs typeface="Tahoma" panose="020B0604030504040204" pitchFamily="34" charset="0"/>
+              </a:rPr>
+              <a:t>thông</a:t>
+            </a:r>
+            <a:r>
+              <a:rPr lang="en-GB" sz="3200" dirty="0">
+                <a:latin typeface="Tahoma" panose="020B0604030504040204" pitchFamily="34" charset="0"/>
+                <a:ea typeface="Tahoma" panose="020B0604030504040204" pitchFamily="34" charset="0"/>
+                <a:cs typeface="Tahoma" panose="020B0604030504040204" pitchFamily="34" charset="0"/>
+              </a:rPr>
+              <a:t> tin chi </a:t>
+            </a:r>
+            <a:r>
+              <a:rPr lang="en-GB" sz="3200" dirty="0" err="1">
+                <a:latin typeface="Tahoma" panose="020B0604030504040204" pitchFamily="34" charset="0"/>
+                <a:ea typeface="Tahoma" panose="020B0604030504040204" pitchFamily="34" charset="0"/>
+                <a:cs typeface="Tahoma" panose="020B0604030504040204" pitchFamily="34" charset="0"/>
+              </a:rPr>
+              <a:t>tiết</a:t>
+            </a:r>
+            <a:r>
+              <a:rPr lang="en-GB" sz="3200" dirty="0">
+                <a:latin typeface="Tahoma" panose="020B0604030504040204" pitchFamily="34" charset="0"/>
+                <a:ea typeface="Tahoma" panose="020B0604030504040204" pitchFamily="34" charset="0"/>
+                <a:cs typeface="Tahoma" panose="020B0604030504040204" pitchFamily="34" charset="0"/>
+              </a:rPr>
+              <a:t>.</a:t>
+            </a:r>
+          </a:p>
+          <a:p>
+            <a:r>
+              <a:rPr lang="en-GB" sz="3200" dirty="0" err="1">
+                <a:latin typeface="Tahoma" panose="020B0604030504040204" pitchFamily="34" charset="0"/>
+                <a:ea typeface="Tahoma" panose="020B0604030504040204" pitchFamily="34" charset="0"/>
+                <a:cs typeface="Tahoma" panose="020B0604030504040204" pitchFamily="34" charset="0"/>
+              </a:rPr>
+              <a:t>Tùy</a:t>
+            </a:r>
+            <a:r>
+              <a:rPr lang="en-GB" sz="3200" dirty="0">
+                <a:latin typeface="Tahoma" panose="020B0604030504040204" pitchFamily="34" charset="0"/>
+                <a:ea typeface="Tahoma" panose="020B0604030504040204" pitchFamily="34" charset="0"/>
+                <a:cs typeface="Tahoma" panose="020B0604030504040204" pitchFamily="34" charset="0"/>
+              </a:rPr>
+              <a:t> </a:t>
+            </a:r>
+            <a:r>
+              <a:rPr lang="en-GB" sz="3200" dirty="0" err="1">
+                <a:latin typeface="Tahoma" panose="020B0604030504040204" pitchFamily="34" charset="0"/>
+                <a:ea typeface="Tahoma" panose="020B0604030504040204" pitchFamily="34" charset="0"/>
+                <a:cs typeface="Tahoma" panose="020B0604030504040204" pitchFamily="34" charset="0"/>
+              </a:rPr>
+              <a:t>chỉnh</a:t>
+            </a:r>
+            <a:r>
+              <a:rPr lang="en-GB" sz="3200" dirty="0">
+                <a:latin typeface="Tahoma" panose="020B0604030504040204" pitchFamily="34" charset="0"/>
+                <a:ea typeface="Tahoma" panose="020B0604030504040204" pitchFamily="34" charset="0"/>
+                <a:cs typeface="Tahoma" panose="020B0604030504040204" pitchFamily="34" charset="0"/>
+              </a:rPr>
+              <a:t> </a:t>
+            </a:r>
+            <a:r>
+              <a:rPr lang="en-GB" sz="3200" dirty="0" err="1">
+                <a:latin typeface="Tahoma" panose="020B0604030504040204" pitchFamily="34" charset="0"/>
+                <a:ea typeface="Tahoma" panose="020B0604030504040204" pitchFamily="34" charset="0"/>
+                <a:cs typeface="Tahoma" panose="020B0604030504040204" pitchFamily="34" charset="0"/>
+              </a:rPr>
+              <a:t>tham</a:t>
+            </a:r>
+            <a:r>
+              <a:rPr lang="en-GB" sz="3200" dirty="0">
+                <a:latin typeface="Tahoma" panose="020B0604030504040204" pitchFamily="34" charset="0"/>
+                <a:ea typeface="Tahoma" panose="020B0604030504040204" pitchFamily="34" charset="0"/>
+                <a:cs typeface="Tahoma" panose="020B0604030504040204" pitchFamily="34" charset="0"/>
+              </a:rPr>
+              <a:t> </a:t>
+            </a:r>
+            <a:r>
+              <a:rPr lang="en-GB" sz="3200" dirty="0" err="1">
+                <a:latin typeface="Tahoma" panose="020B0604030504040204" pitchFamily="34" charset="0"/>
+                <a:ea typeface="Tahoma" panose="020B0604030504040204" pitchFamily="34" charset="0"/>
+                <a:cs typeface="Tahoma" panose="020B0604030504040204" pitchFamily="34" charset="0"/>
+              </a:rPr>
+              <a:t>số</a:t>
+            </a:r>
+            <a:r>
+              <a:rPr lang="en-GB" sz="3200" dirty="0">
+                <a:latin typeface="Tahoma" panose="020B0604030504040204" pitchFamily="34" charset="0"/>
+                <a:ea typeface="Tahoma" panose="020B0604030504040204" pitchFamily="34" charset="0"/>
+                <a:cs typeface="Tahoma" panose="020B0604030504040204" pitchFamily="34" charset="0"/>
+              </a:rPr>
+              <a:t>.</a:t>
+            </a:r>
+          </a:p>
+          <a:p>
+            <a:r>
+              <a:rPr lang="en-GB" sz="3200" dirty="0" err="1">
+                <a:latin typeface="Tahoma" panose="020B0604030504040204" pitchFamily="34" charset="0"/>
+                <a:ea typeface="Tahoma" panose="020B0604030504040204" pitchFamily="34" charset="0"/>
+                <a:cs typeface="Tahoma" panose="020B0604030504040204" pitchFamily="34" charset="0"/>
+              </a:rPr>
+              <a:t>Báo</a:t>
+            </a:r>
+            <a:r>
+              <a:rPr lang="en-GB" sz="3200" dirty="0">
+                <a:latin typeface="Tahoma" panose="020B0604030504040204" pitchFamily="34" charset="0"/>
+                <a:ea typeface="Tahoma" panose="020B0604030504040204" pitchFamily="34" charset="0"/>
+                <a:cs typeface="Tahoma" panose="020B0604030504040204" pitchFamily="34" charset="0"/>
+              </a:rPr>
+              <a:t> </a:t>
+            </a:r>
+            <a:r>
+              <a:rPr lang="en-GB" sz="3200" dirty="0" err="1">
+                <a:latin typeface="Tahoma" panose="020B0604030504040204" pitchFamily="34" charset="0"/>
+                <a:ea typeface="Tahoma" panose="020B0604030504040204" pitchFamily="34" charset="0"/>
+                <a:cs typeface="Tahoma" panose="020B0604030504040204" pitchFamily="34" charset="0"/>
+              </a:rPr>
+              <a:t>cáo</a:t>
+            </a:r>
+            <a:r>
+              <a:rPr lang="en-GB" sz="3200" dirty="0">
+                <a:latin typeface="Tahoma" panose="020B0604030504040204" pitchFamily="34" charset="0"/>
+                <a:ea typeface="Tahoma" panose="020B0604030504040204" pitchFamily="34" charset="0"/>
+                <a:cs typeface="Tahoma" panose="020B0604030504040204" pitchFamily="34" charset="0"/>
+              </a:rPr>
+              <a:t>, slide.</a:t>
+            </a:r>
+          </a:p>
+        </p:txBody>
+      </p:sp>
+      <p:sp>
+        <p:nvSpPr>
+          <p:cNvPr id="4" name="Content Placeholder 3">
+            <a:extLst>
+              <a:ext uri="{FF2B5EF4-FFF2-40B4-BE49-F238E27FC236}">
+                <a16:creationId xmlns:a16="http://schemas.microsoft.com/office/drawing/2014/main" id="{3220DA9D-39F7-459F-9210-767405A07EDB}"/>
+              </a:ext>
+            </a:extLst>
+          </p:cNvPr>
+          <p:cNvSpPr>
+            <a:spLocks noGrp="1"/>
+          </p:cNvSpPr>
+          <p:nvPr>
+            <p:ph sz="half" idx="2"/>
+          </p:nvPr>
+        </p:nvSpPr>
+        <p:spPr>
+          <a:xfrm>
+            <a:off x="6172199" y="1825625"/>
+            <a:ext cx="5375635" cy="4351338"/>
+          </a:xfrm>
+        </p:spPr>
+        <p:txBody>
+          <a:bodyPr>
+            <a:normAutofit/>
+          </a:bodyPr>
+          <a:lstStyle/>
+          <a:p>
+            <a:pPr marL="0" indent="0">
+              <a:buNone/>
+            </a:pPr>
+            <a:r>
+              <a:rPr lang="en-GB" sz="3200" dirty="0" err="1">
+                <a:latin typeface="Tahoma" panose="020B0604030504040204" pitchFamily="34" charset="0"/>
+                <a:ea typeface="Tahoma" panose="020B0604030504040204" pitchFamily="34" charset="0"/>
+                <a:cs typeface="Tahoma" panose="020B0604030504040204" pitchFamily="34" charset="0"/>
+              </a:rPr>
+              <a:t>Trần</a:t>
+            </a:r>
+            <a:r>
+              <a:rPr lang="en-GB" sz="3200" dirty="0">
+                <a:latin typeface="Tahoma" panose="020B0604030504040204" pitchFamily="34" charset="0"/>
+                <a:ea typeface="Tahoma" panose="020B0604030504040204" pitchFamily="34" charset="0"/>
+                <a:cs typeface="Tahoma" panose="020B0604030504040204" pitchFamily="34" charset="0"/>
+              </a:rPr>
+              <a:t> </a:t>
+            </a:r>
+            <a:r>
+              <a:rPr lang="en-GB" sz="3200" dirty="0" err="1">
+                <a:latin typeface="Tahoma" panose="020B0604030504040204" pitchFamily="34" charset="0"/>
+                <a:ea typeface="Tahoma" panose="020B0604030504040204" pitchFamily="34" charset="0"/>
+                <a:cs typeface="Tahoma" panose="020B0604030504040204" pitchFamily="34" charset="0"/>
+              </a:rPr>
+              <a:t>Mạnh</a:t>
+            </a:r>
+            <a:r>
+              <a:rPr lang="en-GB" sz="3200" dirty="0">
+                <a:latin typeface="Tahoma" panose="020B0604030504040204" pitchFamily="34" charset="0"/>
+                <a:ea typeface="Tahoma" panose="020B0604030504040204" pitchFamily="34" charset="0"/>
+                <a:cs typeface="Tahoma" panose="020B0604030504040204" pitchFamily="34" charset="0"/>
+              </a:rPr>
+              <a:t> </a:t>
+            </a:r>
+            <a:r>
+              <a:rPr lang="en-GB" sz="3200" dirty="0" err="1">
+                <a:latin typeface="Tahoma" panose="020B0604030504040204" pitchFamily="34" charset="0"/>
+                <a:ea typeface="Tahoma" panose="020B0604030504040204" pitchFamily="34" charset="0"/>
+                <a:cs typeface="Tahoma" panose="020B0604030504040204" pitchFamily="34" charset="0"/>
+              </a:rPr>
+              <a:t>Thắng</a:t>
+            </a:r>
+            <a:endParaRPr lang="en-GB" sz="3200" dirty="0">
+              <a:latin typeface="Tahoma" panose="020B0604030504040204" pitchFamily="34" charset="0"/>
+              <a:ea typeface="Tahoma" panose="020B0604030504040204" pitchFamily="34" charset="0"/>
+              <a:cs typeface="Tahoma" panose="020B0604030504040204" pitchFamily="34" charset="0"/>
+            </a:endParaRPr>
+          </a:p>
+          <a:p>
+            <a:r>
+              <a:rPr lang="en-GB" sz="3200" dirty="0">
+                <a:latin typeface="Tahoma" panose="020B0604030504040204" pitchFamily="34" charset="0"/>
+                <a:ea typeface="Tahoma" panose="020B0604030504040204" pitchFamily="34" charset="0"/>
+                <a:cs typeface="Tahoma" panose="020B0604030504040204" pitchFamily="34" charset="0"/>
+              </a:rPr>
+              <a:t>Thu </a:t>
+            </a:r>
+            <a:r>
+              <a:rPr lang="en-GB" sz="3200" dirty="0" err="1">
+                <a:latin typeface="Tahoma" panose="020B0604030504040204" pitchFamily="34" charset="0"/>
+                <a:ea typeface="Tahoma" panose="020B0604030504040204" pitchFamily="34" charset="0"/>
+                <a:cs typeface="Tahoma" panose="020B0604030504040204" pitchFamily="34" charset="0"/>
+              </a:rPr>
+              <a:t>thập</a:t>
+            </a:r>
+            <a:r>
+              <a:rPr lang="en-GB" sz="3200" dirty="0">
+                <a:latin typeface="Tahoma" panose="020B0604030504040204" pitchFamily="34" charset="0"/>
+                <a:ea typeface="Tahoma" panose="020B0604030504040204" pitchFamily="34" charset="0"/>
+                <a:cs typeface="Tahoma" panose="020B0604030504040204" pitchFamily="34" charset="0"/>
+              </a:rPr>
+              <a:t> </a:t>
+            </a:r>
+            <a:r>
+              <a:rPr lang="en-GB" sz="3200" dirty="0" err="1">
+                <a:latin typeface="Tahoma" panose="020B0604030504040204" pitchFamily="34" charset="0"/>
+                <a:ea typeface="Tahoma" panose="020B0604030504040204" pitchFamily="34" charset="0"/>
+                <a:cs typeface="Tahoma" panose="020B0604030504040204" pitchFamily="34" charset="0"/>
+              </a:rPr>
+              <a:t>thông</a:t>
+            </a:r>
+            <a:r>
+              <a:rPr lang="en-GB" sz="3200" dirty="0">
+                <a:latin typeface="Tahoma" panose="020B0604030504040204" pitchFamily="34" charset="0"/>
+                <a:ea typeface="Tahoma" panose="020B0604030504040204" pitchFamily="34" charset="0"/>
+                <a:cs typeface="Tahoma" panose="020B0604030504040204" pitchFamily="34" charset="0"/>
+              </a:rPr>
+              <a:t> tin c</a:t>
+            </a:r>
+            <a:r>
+              <a:rPr lang="vi-VN" sz="3200" dirty="0">
+                <a:latin typeface="Tahoma" panose="020B0604030504040204" pitchFamily="34" charset="0"/>
+                <a:ea typeface="Tahoma" panose="020B0604030504040204" pitchFamily="34" charset="0"/>
+                <a:cs typeface="Tahoma" panose="020B0604030504040204" pitchFamily="34" charset="0"/>
+              </a:rPr>
+              <a:t>ơ</a:t>
+            </a:r>
+            <a:r>
+              <a:rPr lang="en-GB" sz="3200" dirty="0">
+                <a:latin typeface="Tahoma" panose="020B0604030504040204" pitchFamily="34" charset="0"/>
+                <a:ea typeface="Tahoma" panose="020B0604030504040204" pitchFamily="34" charset="0"/>
+                <a:cs typeface="Tahoma" panose="020B0604030504040204" pitchFamily="34" charset="0"/>
+              </a:rPr>
+              <a:t> </a:t>
+            </a:r>
+            <a:r>
+              <a:rPr lang="en-GB" sz="3200" dirty="0" err="1">
+                <a:latin typeface="Tahoma" panose="020B0604030504040204" pitchFamily="34" charset="0"/>
+                <a:ea typeface="Tahoma" panose="020B0604030504040204" pitchFamily="34" charset="0"/>
+                <a:cs typeface="Tahoma" panose="020B0604030504040204" pitchFamily="34" charset="0"/>
+              </a:rPr>
+              <a:t>bản</a:t>
+            </a:r>
+            <a:r>
+              <a:rPr lang="en-GB" sz="3200" dirty="0">
+                <a:latin typeface="Tahoma" panose="020B0604030504040204" pitchFamily="34" charset="0"/>
+                <a:ea typeface="Tahoma" panose="020B0604030504040204" pitchFamily="34" charset="0"/>
+                <a:cs typeface="Tahoma" panose="020B0604030504040204" pitchFamily="34" charset="0"/>
+              </a:rPr>
+              <a:t>.</a:t>
+            </a:r>
+          </a:p>
+          <a:p>
+            <a:r>
+              <a:rPr lang="en-GB" sz="3200" dirty="0" err="1">
+                <a:latin typeface="Tahoma" panose="020B0604030504040204" pitchFamily="34" charset="0"/>
+                <a:ea typeface="Tahoma" panose="020B0604030504040204" pitchFamily="34" charset="0"/>
+                <a:cs typeface="Tahoma" panose="020B0604030504040204" pitchFamily="34" charset="0"/>
+              </a:rPr>
+              <a:t>Chuẩn</a:t>
+            </a:r>
+            <a:r>
+              <a:rPr lang="en-GB" sz="3200" dirty="0">
+                <a:latin typeface="Tahoma" panose="020B0604030504040204" pitchFamily="34" charset="0"/>
+                <a:ea typeface="Tahoma" panose="020B0604030504040204" pitchFamily="34" charset="0"/>
+                <a:cs typeface="Tahoma" panose="020B0604030504040204" pitchFamily="34" charset="0"/>
+              </a:rPr>
+              <a:t> </a:t>
+            </a:r>
+            <a:r>
+              <a:rPr lang="en-GB" sz="3200" dirty="0" err="1">
+                <a:latin typeface="Tahoma" panose="020B0604030504040204" pitchFamily="34" charset="0"/>
+                <a:ea typeface="Tahoma" panose="020B0604030504040204" pitchFamily="34" charset="0"/>
+                <a:cs typeface="Tahoma" panose="020B0604030504040204" pitchFamily="34" charset="0"/>
+              </a:rPr>
+              <a:t>hóa</a:t>
+            </a:r>
+            <a:r>
+              <a:rPr lang="en-GB" sz="3200" dirty="0">
+                <a:latin typeface="Tahoma" panose="020B0604030504040204" pitchFamily="34" charset="0"/>
+                <a:ea typeface="Tahoma" panose="020B0604030504040204" pitchFamily="34" charset="0"/>
+                <a:cs typeface="Tahoma" panose="020B0604030504040204" pitchFamily="34" charset="0"/>
+              </a:rPr>
+              <a:t> </a:t>
+            </a:r>
+            <a:r>
+              <a:rPr lang="en-GB" sz="3200" dirty="0" err="1">
+                <a:latin typeface="Tahoma" panose="020B0604030504040204" pitchFamily="34" charset="0"/>
+                <a:ea typeface="Tahoma" panose="020B0604030504040204" pitchFamily="34" charset="0"/>
+                <a:cs typeface="Tahoma" panose="020B0604030504040204" pitchFamily="34" charset="0"/>
+              </a:rPr>
+              <a:t>dữ</a:t>
+            </a:r>
+            <a:r>
+              <a:rPr lang="en-GB" sz="3200" dirty="0">
+                <a:latin typeface="Tahoma" panose="020B0604030504040204" pitchFamily="34" charset="0"/>
+                <a:ea typeface="Tahoma" panose="020B0604030504040204" pitchFamily="34" charset="0"/>
+                <a:cs typeface="Tahoma" panose="020B0604030504040204" pitchFamily="34" charset="0"/>
+              </a:rPr>
+              <a:t> </a:t>
+            </a:r>
+            <a:r>
+              <a:rPr lang="en-GB" sz="3200" dirty="0" err="1">
+                <a:latin typeface="Tahoma" panose="020B0604030504040204" pitchFamily="34" charset="0"/>
+                <a:ea typeface="Tahoma" panose="020B0604030504040204" pitchFamily="34" charset="0"/>
+                <a:cs typeface="Tahoma" panose="020B0604030504040204" pitchFamily="34" charset="0"/>
+              </a:rPr>
+              <a:t>liệu</a:t>
+            </a:r>
+            <a:r>
+              <a:rPr lang="en-GB" sz="3200" dirty="0">
+                <a:latin typeface="Tahoma" panose="020B0604030504040204" pitchFamily="34" charset="0"/>
+                <a:ea typeface="Tahoma" panose="020B0604030504040204" pitchFamily="34" charset="0"/>
+                <a:cs typeface="Tahoma" panose="020B0604030504040204" pitchFamily="34" charset="0"/>
+              </a:rPr>
+              <a:t>.</a:t>
+            </a:r>
+          </a:p>
+          <a:p>
+            <a:r>
+              <a:rPr lang="en-GB" sz="3200" dirty="0" err="1">
+                <a:latin typeface="Tahoma" panose="020B0604030504040204" pitchFamily="34" charset="0"/>
+                <a:ea typeface="Tahoma" panose="020B0604030504040204" pitchFamily="34" charset="0"/>
+                <a:cs typeface="Tahoma" panose="020B0604030504040204" pitchFamily="34" charset="0"/>
+              </a:rPr>
+              <a:t>Học</a:t>
+            </a:r>
+            <a:r>
+              <a:rPr lang="en-GB" sz="3200" dirty="0">
+                <a:latin typeface="Tahoma" panose="020B0604030504040204" pitchFamily="34" charset="0"/>
+                <a:ea typeface="Tahoma" panose="020B0604030504040204" pitchFamily="34" charset="0"/>
+                <a:cs typeface="Tahoma" panose="020B0604030504040204" pitchFamily="34" charset="0"/>
+              </a:rPr>
+              <a:t> – </a:t>
+            </a:r>
+            <a:r>
+              <a:rPr lang="en-GB" sz="3200" dirty="0" err="1">
+                <a:latin typeface="Tahoma" panose="020B0604030504040204" pitchFamily="34" charset="0"/>
+                <a:ea typeface="Tahoma" panose="020B0604030504040204" pitchFamily="34" charset="0"/>
+                <a:cs typeface="Tahoma" panose="020B0604030504040204" pitchFamily="34" charset="0"/>
+              </a:rPr>
+              <a:t>kiểm</a:t>
+            </a:r>
+            <a:r>
+              <a:rPr lang="en-GB" sz="3200" dirty="0">
+                <a:latin typeface="Tahoma" panose="020B0604030504040204" pitchFamily="34" charset="0"/>
+                <a:ea typeface="Tahoma" panose="020B0604030504040204" pitchFamily="34" charset="0"/>
+                <a:cs typeface="Tahoma" panose="020B0604030504040204" pitchFamily="34" charset="0"/>
+              </a:rPr>
+              <a:t> </a:t>
+            </a:r>
+            <a:r>
+              <a:rPr lang="en-GB" sz="3200" dirty="0" err="1">
+                <a:latin typeface="Tahoma" panose="020B0604030504040204" pitchFamily="34" charset="0"/>
+                <a:ea typeface="Tahoma" panose="020B0604030504040204" pitchFamily="34" charset="0"/>
+                <a:cs typeface="Tahoma" panose="020B0604030504040204" pitchFamily="34" charset="0"/>
+              </a:rPr>
+              <a:t>thử</a:t>
+            </a:r>
+            <a:r>
+              <a:rPr lang="en-GB" sz="3200" dirty="0">
+                <a:latin typeface="Tahoma" panose="020B0604030504040204" pitchFamily="34" charset="0"/>
+                <a:ea typeface="Tahoma" panose="020B0604030504040204" pitchFamily="34" charset="0"/>
+                <a:cs typeface="Tahoma" panose="020B0604030504040204" pitchFamily="34" charset="0"/>
+              </a:rPr>
+              <a:t>.</a:t>
+            </a:r>
+          </a:p>
+        </p:txBody>
+      </p:sp>
+      <p:sp>
+        <p:nvSpPr>
+          <p:cNvPr id="5" name="Slide Number Placeholder 4">
+            <a:extLst>
+              <a:ext uri="{FF2B5EF4-FFF2-40B4-BE49-F238E27FC236}">
+                <a16:creationId xmlns:a16="http://schemas.microsoft.com/office/drawing/2014/main" id="{09B5FC36-9120-4247-9BBC-CB22EDF327EF}"/>
               </a:ext>
             </a:extLst>
           </p:cNvPr>
@@ -8607,7 +8819,7 @@
     </p:spTree>
     <p:extLst>
       <p:ext uri="{BB962C8B-B14F-4D97-AF65-F5344CB8AC3E}">
-        <p14:creationId xmlns:p14="http://schemas.microsoft.com/office/powerpoint/2010/main" val="1773545517"/>
+        <p14:creationId xmlns:p14="http://schemas.microsoft.com/office/powerpoint/2010/main" val="4149388690"/>
       </p:ext>
     </p:extLst>
   </p:cSld>
@@ -8779,6 +8991,136 @@
     <p:extLst>
       <p:ext uri="{BB962C8B-B14F-4D97-AF65-F5344CB8AC3E}">
         <p14:creationId xmlns:p14="http://schemas.microsoft.com/office/powerpoint/2010/main" val="2430010067"/>
+      </p:ext>
+    </p:extLst>
+  </p:cSld>
+  <p:clrMapOvr>
+    <a:masterClrMapping/>
+  </p:clrMapOvr>
+</p:sld>
+</file>
+
+<file path=ppt/slides/slide20.xml><?xml version="1.0" encoding="utf-8"?>
+<p:sld xmlns:a="http://schemas.openxmlformats.org/drawingml/2006/main" xmlns:r="http://schemas.openxmlformats.org/officeDocument/2006/relationships" xmlns:p="http://schemas.openxmlformats.org/presentationml/2006/main">
+  <p:cSld>
+    <p:spTree>
+      <p:nvGrpSpPr>
+        <p:cNvPr id="1" name=""/>
+        <p:cNvGrpSpPr/>
+        <p:nvPr/>
+      </p:nvGrpSpPr>
+      <p:grpSpPr>
+        <a:xfrm>
+          <a:off x="0" y="0"/>
+          <a:ext cx="0" cy="0"/>
+          <a:chOff x="0" y="0"/>
+          <a:chExt cx="0" cy="0"/>
+        </a:xfrm>
+      </p:grpSpPr>
+      <p:sp>
+        <p:nvSpPr>
+          <p:cNvPr id="2" name="Title 1">
+            <a:extLst>
+              <a:ext uri="{FF2B5EF4-FFF2-40B4-BE49-F238E27FC236}">
+                <a16:creationId xmlns:a16="http://schemas.microsoft.com/office/drawing/2014/main" id="{435E3C9A-E875-46DB-9927-2D5E878A66E4}"/>
+              </a:ext>
+            </a:extLst>
+          </p:cNvPr>
+          <p:cNvSpPr>
+            <a:spLocks noGrp="1"/>
+          </p:cNvSpPr>
+          <p:nvPr>
+            <p:ph type="title"/>
+          </p:nvPr>
+        </p:nvSpPr>
+        <p:spPr>
+          <a:xfrm>
+            <a:off x="419100" y="2924715"/>
+            <a:ext cx="11353800" cy="1008570"/>
+          </a:xfrm>
+        </p:spPr>
+        <p:txBody>
+          <a:bodyPr>
+            <a:noAutofit/>
+          </a:bodyPr>
+          <a:lstStyle/>
+          <a:p>
+            <a:r>
+              <a:rPr lang="en-GB" sz="5400" dirty="0">
+                <a:latin typeface="Tahoma" panose="020B0604030504040204" pitchFamily="34" charset="0"/>
+                <a:ea typeface="Tahoma" panose="020B0604030504040204" pitchFamily="34" charset="0"/>
+                <a:cs typeface="Tahoma" panose="020B0604030504040204" pitchFamily="34" charset="0"/>
+              </a:rPr>
+              <a:t>CẢM </a:t>
+            </a:r>
+            <a:r>
+              <a:rPr lang="vi-VN" sz="5400" dirty="0">
+                <a:latin typeface="Tahoma" panose="020B0604030504040204" pitchFamily="34" charset="0"/>
+                <a:ea typeface="Tahoma" panose="020B0604030504040204" pitchFamily="34" charset="0"/>
+                <a:cs typeface="Tahoma" panose="020B0604030504040204" pitchFamily="34" charset="0"/>
+              </a:rPr>
+              <a:t>Ơ</a:t>
+            </a:r>
+            <a:r>
+              <a:rPr lang="en-GB" sz="5400" dirty="0">
+                <a:latin typeface="Tahoma" panose="020B0604030504040204" pitchFamily="34" charset="0"/>
+                <a:ea typeface="Tahoma" panose="020B0604030504040204" pitchFamily="34" charset="0"/>
+                <a:cs typeface="Tahoma" panose="020B0604030504040204" pitchFamily="34" charset="0"/>
+              </a:rPr>
+              <a:t>N MỌI NG</a:t>
+            </a:r>
+            <a:r>
+              <a:rPr lang="vi-VN" sz="5400" dirty="0">
+                <a:latin typeface="Tahoma" panose="020B0604030504040204" pitchFamily="34" charset="0"/>
+                <a:ea typeface="Tahoma" panose="020B0604030504040204" pitchFamily="34" charset="0"/>
+                <a:cs typeface="Tahoma" panose="020B0604030504040204" pitchFamily="34" charset="0"/>
+              </a:rPr>
+              <a:t>Ư</a:t>
+            </a:r>
+            <a:r>
+              <a:rPr lang="en-GB" sz="5400" dirty="0">
+                <a:latin typeface="Tahoma" panose="020B0604030504040204" pitchFamily="34" charset="0"/>
+                <a:ea typeface="Tahoma" panose="020B0604030504040204" pitchFamily="34" charset="0"/>
+                <a:cs typeface="Tahoma" panose="020B0604030504040204" pitchFamily="34" charset="0"/>
+              </a:rPr>
+              <a:t>ỜI ĐÃ THEO DÕI</a:t>
+            </a:r>
+          </a:p>
+        </p:txBody>
+      </p:sp>
+      <p:sp>
+        <p:nvSpPr>
+          <p:cNvPr id="3" name="Slide Number Placeholder 2">
+            <a:extLst>
+              <a:ext uri="{FF2B5EF4-FFF2-40B4-BE49-F238E27FC236}">
+                <a16:creationId xmlns:a16="http://schemas.microsoft.com/office/drawing/2014/main" id="{0D267B0C-DF8B-42B3-8485-3D7D9D4083B2}"/>
+              </a:ext>
+            </a:extLst>
+          </p:cNvPr>
+          <p:cNvSpPr>
+            <a:spLocks noGrp="1"/>
+          </p:cNvSpPr>
+          <p:nvPr>
+            <p:ph type="sldNum" sz="quarter" idx="12"/>
+          </p:nvPr>
+        </p:nvSpPr>
+        <p:spPr/>
+        <p:txBody>
+          <a:bodyPr/>
+          <a:lstStyle/>
+          <a:p>
+            <a:fld id="{C2A74E92-A1E9-4D96-8B19-9FA9AB19DBB5}" type="slidenum">
+              <a:rPr lang="en-GB" smtClean="0"/>
+              <a:t>20</a:t>
+            </a:fld>
+            <a:endParaRPr lang="en-GB"/>
+          </a:p>
+        </p:txBody>
+      </p:sp>
+    </p:spTree>
+    <p:extLst>
+      <p:ext uri="{BB962C8B-B14F-4D97-AF65-F5344CB8AC3E}">
+        <p14:creationId xmlns:p14="http://schemas.microsoft.com/office/powerpoint/2010/main" val="1773545517"/>
       </p:ext>
     </p:extLst>
   </p:cSld>
@@ -11120,7 +11462,7 @@
           <p:cNvPr id="2" name="Title 1">
             <a:extLst>
               <a:ext uri="{FF2B5EF4-FFF2-40B4-BE49-F238E27FC236}">
-                <a16:creationId xmlns:a16="http://schemas.microsoft.com/office/drawing/2014/main" id="{5C790218-5ECE-40FB-93D7-7DACB2D2427C}"/>
+                <a16:creationId xmlns:a16="http://schemas.microsoft.com/office/drawing/2014/main" id="{81695DAE-6E25-43F4-BBBC-AB3B13149BC8}"/>
               </a:ext>
             </a:extLst>
           </p:cNvPr>
@@ -11138,7 +11480,7 @@
           <a:p>
             <a:r>
               <a:rPr lang="en-GB" b="1" dirty="0"/>
-              <a:t>HỌC – KIỂM THỬ VÀ KẾT QUẢ</a:t>
+              <a:t>DỮ LIỆU</a:t>
             </a:r>
           </a:p>
         </p:txBody>
@@ -11148,15 +11490,15 @@
           <p:cNvPr id="3" name="Content Placeholder 2">
             <a:extLst>
               <a:ext uri="{FF2B5EF4-FFF2-40B4-BE49-F238E27FC236}">
-                <a16:creationId xmlns:a16="http://schemas.microsoft.com/office/drawing/2014/main" id="{99ADFB63-AEF0-4FE3-A95A-6E9809EB6963}"/>
-              </a:ext>
-            </a:extLst>
-          </p:cNvPr>
-          <p:cNvSpPr>
-            <a:spLocks noGrp="1"/>
-          </p:cNvSpPr>
-          <p:nvPr>
-            <p:ph idx="1"/>
+                <a16:creationId xmlns:a16="http://schemas.microsoft.com/office/drawing/2014/main" id="{95AC1A2B-427A-4829-8031-B4120128A04F}"/>
+              </a:ext>
+            </a:extLst>
+          </p:cNvPr>
+          <p:cNvSpPr>
+            <a:spLocks noGrp="1"/>
+          </p:cNvSpPr>
+          <p:nvPr>
+            <p:ph sz="half" idx="1"/>
           </p:nvPr>
         </p:nvSpPr>
         <p:spPr/>
@@ -11166,177 +11508,156 @@
           </a:bodyPr>
           <a:lstStyle/>
           <a:p>
-            <a:r>
-              <a:rPr lang="en-GB" sz="3200" dirty="0" err="1">
-                <a:latin typeface="Tahoma" panose="020B0604030504040204" pitchFamily="34" charset="0"/>
-                <a:ea typeface="Tahoma" panose="020B0604030504040204" pitchFamily="34" charset="0"/>
-                <a:cs typeface="Tahoma" panose="020B0604030504040204" pitchFamily="34" charset="0"/>
-              </a:rPr>
-              <a:t>Tỉ</a:t>
-            </a:r>
-            <a:r>
-              <a:rPr lang="en-GB" sz="3200" dirty="0">
-                <a:latin typeface="Tahoma" panose="020B0604030504040204" pitchFamily="34" charset="0"/>
-                <a:ea typeface="Tahoma" panose="020B0604030504040204" pitchFamily="34" charset="0"/>
-                <a:cs typeface="Tahoma" panose="020B0604030504040204" pitchFamily="34" charset="0"/>
-              </a:rPr>
-              <a:t> </a:t>
-            </a:r>
-            <a:r>
-              <a:rPr lang="en-GB" sz="3200" dirty="0" err="1">
-                <a:latin typeface="Tahoma" panose="020B0604030504040204" pitchFamily="34" charset="0"/>
-                <a:ea typeface="Tahoma" panose="020B0604030504040204" pitchFamily="34" charset="0"/>
-                <a:cs typeface="Tahoma" panose="020B0604030504040204" pitchFamily="34" charset="0"/>
-              </a:rPr>
-              <a:t>lệ</a:t>
-            </a:r>
-            <a:r>
-              <a:rPr lang="en-GB" sz="3200" dirty="0">
-                <a:latin typeface="Tahoma" panose="020B0604030504040204" pitchFamily="34" charset="0"/>
-                <a:ea typeface="Tahoma" panose="020B0604030504040204" pitchFamily="34" charset="0"/>
-                <a:cs typeface="Tahoma" panose="020B0604030504040204" pitchFamily="34" charset="0"/>
-              </a:rPr>
-              <a:t> </a:t>
-            </a:r>
-            <a:r>
-              <a:rPr lang="en-GB" sz="3200" dirty="0" err="1">
-                <a:latin typeface="Tahoma" panose="020B0604030504040204" pitchFamily="34" charset="0"/>
-                <a:ea typeface="Tahoma" panose="020B0604030504040204" pitchFamily="34" charset="0"/>
-                <a:cs typeface="Tahoma" panose="020B0604030504040204" pitchFamily="34" charset="0"/>
-              </a:rPr>
-              <a:t>tập</a:t>
-            </a:r>
-            <a:r>
-              <a:rPr lang="en-GB" sz="3200" dirty="0">
-                <a:latin typeface="Tahoma" panose="020B0604030504040204" pitchFamily="34" charset="0"/>
-                <a:ea typeface="Tahoma" panose="020B0604030504040204" pitchFamily="34" charset="0"/>
-                <a:cs typeface="Tahoma" panose="020B0604030504040204" pitchFamily="34" charset="0"/>
-              </a:rPr>
-              <a:t> train : set = 4 : 1.</a:t>
-            </a:r>
-          </a:p>
-          <a:p>
-            <a:r>
-              <a:rPr lang="en-GB" sz="3200" dirty="0" err="1">
-                <a:latin typeface="Tahoma" panose="020B0604030504040204" pitchFamily="34" charset="0"/>
-                <a:ea typeface="Tahoma" panose="020B0604030504040204" pitchFamily="34" charset="0"/>
-                <a:cs typeface="Tahoma" panose="020B0604030504040204" pitchFamily="34" charset="0"/>
-              </a:rPr>
-              <a:t>Sử</a:t>
-            </a:r>
-            <a:r>
-              <a:rPr lang="en-GB" sz="3200" dirty="0">
-                <a:latin typeface="Tahoma" panose="020B0604030504040204" pitchFamily="34" charset="0"/>
-                <a:ea typeface="Tahoma" panose="020B0604030504040204" pitchFamily="34" charset="0"/>
-                <a:cs typeface="Tahoma" panose="020B0604030504040204" pitchFamily="34" charset="0"/>
-              </a:rPr>
-              <a:t> </a:t>
-            </a:r>
-            <a:r>
-              <a:rPr lang="en-GB" sz="3200" dirty="0" err="1">
-                <a:latin typeface="Tahoma" panose="020B0604030504040204" pitchFamily="34" charset="0"/>
-                <a:ea typeface="Tahoma" panose="020B0604030504040204" pitchFamily="34" charset="0"/>
-                <a:cs typeface="Tahoma" panose="020B0604030504040204" pitchFamily="34" charset="0"/>
-              </a:rPr>
-              <a:t>dụng</a:t>
-            </a:r>
-            <a:r>
-              <a:rPr lang="en-GB" sz="3200" dirty="0">
-                <a:latin typeface="Tahoma" panose="020B0604030504040204" pitchFamily="34" charset="0"/>
-                <a:ea typeface="Tahoma" panose="020B0604030504040204" pitchFamily="34" charset="0"/>
-                <a:cs typeface="Tahoma" panose="020B0604030504040204" pitchFamily="34" charset="0"/>
-              </a:rPr>
-              <a:t> 5 </a:t>
-            </a:r>
-            <a:r>
-              <a:rPr lang="en-GB" sz="3200" dirty="0" err="1">
-                <a:latin typeface="Tahoma" panose="020B0604030504040204" pitchFamily="34" charset="0"/>
-                <a:ea typeface="Tahoma" panose="020B0604030504040204" pitchFamily="34" charset="0"/>
-                <a:cs typeface="Tahoma" panose="020B0604030504040204" pitchFamily="34" charset="0"/>
-              </a:rPr>
-              <a:t>thuật</a:t>
-            </a:r>
-            <a:r>
-              <a:rPr lang="en-GB" sz="3200" dirty="0">
-                <a:latin typeface="Tahoma" panose="020B0604030504040204" pitchFamily="34" charset="0"/>
-                <a:ea typeface="Tahoma" panose="020B0604030504040204" pitchFamily="34" charset="0"/>
-                <a:cs typeface="Tahoma" panose="020B0604030504040204" pitchFamily="34" charset="0"/>
-              </a:rPr>
-              <a:t> </a:t>
-            </a:r>
-            <a:r>
-              <a:rPr lang="en-GB" sz="3200" dirty="0" err="1">
-                <a:latin typeface="Tahoma" panose="020B0604030504040204" pitchFamily="34" charset="0"/>
-                <a:ea typeface="Tahoma" panose="020B0604030504040204" pitchFamily="34" charset="0"/>
-                <a:cs typeface="Tahoma" panose="020B0604030504040204" pitchFamily="34" charset="0"/>
-              </a:rPr>
-              <a:t>toán</a:t>
-            </a:r>
-            <a:r>
-              <a:rPr lang="en-GB" sz="3200" dirty="0">
-                <a:latin typeface="Tahoma" panose="020B0604030504040204" pitchFamily="34" charset="0"/>
-                <a:ea typeface="Tahoma" panose="020B0604030504040204" pitchFamily="34" charset="0"/>
-                <a:cs typeface="Tahoma" panose="020B0604030504040204" pitchFamily="34" charset="0"/>
-              </a:rPr>
-              <a:t> do </a:t>
-            </a:r>
-            <a:r>
-              <a:rPr lang="en-GB" sz="3200" dirty="0" err="1">
-                <a:latin typeface="Tahoma" panose="020B0604030504040204" pitchFamily="34" charset="0"/>
-                <a:ea typeface="Tahoma" panose="020B0604030504040204" pitchFamily="34" charset="0"/>
-                <a:cs typeface="Tahoma" panose="020B0604030504040204" pitchFamily="34" charset="0"/>
-              </a:rPr>
-              <a:t>sklearn</a:t>
-            </a:r>
-            <a:r>
-              <a:rPr lang="en-GB" sz="3200" dirty="0">
-                <a:latin typeface="Tahoma" panose="020B0604030504040204" pitchFamily="34" charset="0"/>
-                <a:ea typeface="Tahoma" panose="020B0604030504040204" pitchFamily="34" charset="0"/>
-                <a:cs typeface="Tahoma" panose="020B0604030504040204" pitchFamily="34" charset="0"/>
-              </a:rPr>
-              <a:t> </a:t>
-            </a:r>
-            <a:r>
-              <a:rPr lang="en-GB" sz="3200" dirty="0" err="1">
-                <a:latin typeface="Tahoma" panose="020B0604030504040204" pitchFamily="34" charset="0"/>
-                <a:ea typeface="Tahoma" panose="020B0604030504040204" pitchFamily="34" charset="0"/>
-                <a:cs typeface="Tahoma" panose="020B0604030504040204" pitchFamily="34" charset="0"/>
-              </a:rPr>
-              <a:t>hỗ</a:t>
-            </a:r>
-            <a:r>
-              <a:rPr lang="en-GB" sz="3200" dirty="0">
-                <a:latin typeface="Tahoma" panose="020B0604030504040204" pitchFamily="34" charset="0"/>
-                <a:ea typeface="Tahoma" panose="020B0604030504040204" pitchFamily="34" charset="0"/>
-                <a:cs typeface="Tahoma" panose="020B0604030504040204" pitchFamily="34" charset="0"/>
-              </a:rPr>
-              <a:t> </a:t>
-            </a:r>
-            <a:r>
-              <a:rPr lang="en-GB" sz="3200" dirty="0" err="1">
-                <a:latin typeface="Tahoma" panose="020B0604030504040204" pitchFamily="34" charset="0"/>
-                <a:ea typeface="Tahoma" panose="020B0604030504040204" pitchFamily="34" charset="0"/>
-                <a:cs typeface="Tahoma" panose="020B0604030504040204" pitchFamily="34" charset="0"/>
-              </a:rPr>
-              <a:t>trợ</a:t>
-            </a:r>
-            <a:r>
-              <a:rPr lang="en-GB" sz="3200" dirty="0">
-                <a:latin typeface="Tahoma" panose="020B0604030504040204" pitchFamily="34" charset="0"/>
-                <a:ea typeface="Tahoma" panose="020B0604030504040204" pitchFamily="34" charset="0"/>
-                <a:cs typeface="Tahoma" panose="020B0604030504040204" pitchFamily="34" charset="0"/>
-              </a:rPr>
-              <a:t>.</a:t>
-            </a:r>
-          </a:p>
-        </p:txBody>
-      </p:sp>
-      <p:sp>
-        <p:nvSpPr>
-          <p:cNvPr id="4" name="Slide Number Placeholder 3">
-            <a:extLst>
-              <a:ext uri="{FF2B5EF4-FFF2-40B4-BE49-F238E27FC236}">
-                <a16:creationId xmlns:a16="http://schemas.microsoft.com/office/drawing/2014/main" id="{B296F96E-B92F-4A04-9E86-9614F1F2EA8C}"/>
+            <a:pPr marL="0" indent="0">
+              <a:buNone/>
+            </a:pPr>
+            <a:r>
+              <a:rPr lang="en-GB" sz="3200" dirty="0" err="1"/>
+              <a:t>Tiền</a:t>
+            </a:r>
+            <a:r>
+              <a:rPr lang="en-GB" sz="3200" dirty="0"/>
+              <a:t> </a:t>
+            </a:r>
+            <a:r>
+              <a:rPr lang="en-GB" sz="3200" dirty="0" err="1"/>
+              <a:t>xử</a:t>
+            </a:r>
+            <a:r>
+              <a:rPr lang="en-GB" sz="3200" dirty="0"/>
+              <a:t> </a:t>
+            </a:r>
+            <a:r>
+              <a:rPr lang="en-GB" sz="3200" dirty="0" err="1"/>
+              <a:t>lý</a:t>
+            </a:r>
+            <a:r>
+              <a:rPr lang="en-GB" sz="3200" dirty="0"/>
+              <a:t>:</a:t>
+            </a:r>
+          </a:p>
+          <a:p>
+            <a:r>
+              <a:rPr lang="en-GB" sz="3200" dirty="0" err="1"/>
+              <a:t>Điền</a:t>
+            </a:r>
+            <a:r>
+              <a:rPr lang="en-GB" sz="3200" dirty="0"/>
+              <a:t> </a:t>
+            </a:r>
+            <a:r>
+              <a:rPr lang="en-GB" sz="3200" dirty="0" err="1"/>
+              <a:t>giá</a:t>
+            </a:r>
+            <a:r>
+              <a:rPr lang="en-GB" sz="3200" dirty="0"/>
+              <a:t> </a:t>
+            </a:r>
+            <a:r>
+              <a:rPr lang="en-GB" sz="3200" dirty="0" err="1"/>
+              <a:t>trị</a:t>
+            </a:r>
+            <a:r>
+              <a:rPr lang="en-GB" sz="3200" dirty="0"/>
+              <a:t> </a:t>
+            </a:r>
+            <a:r>
+              <a:rPr lang="en-GB" sz="3200" dirty="0" err="1"/>
+              <a:t>thiếu</a:t>
+            </a:r>
+            <a:r>
+              <a:rPr lang="en-GB" sz="3200" dirty="0"/>
+              <a:t> numeric </a:t>
+            </a:r>
+            <a:r>
+              <a:rPr lang="en-GB" sz="3200" dirty="0" err="1"/>
+              <a:t>bằng</a:t>
+            </a:r>
+            <a:r>
+              <a:rPr lang="en-GB" sz="3200" dirty="0"/>
+              <a:t> mean.</a:t>
+            </a:r>
+          </a:p>
+        </p:txBody>
+      </p:sp>
+      <p:sp>
+        <p:nvSpPr>
+          <p:cNvPr id="4" name="Content Placeholder 3">
+            <a:extLst>
+              <a:ext uri="{FF2B5EF4-FFF2-40B4-BE49-F238E27FC236}">
+                <a16:creationId xmlns:a16="http://schemas.microsoft.com/office/drawing/2014/main" id="{A6FE8E86-0C42-4A1A-AA10-1ABB87FA4286}"/>
+              </a:ext>
+            </a:extLst>
+          </p:cNvPr>
+          <p:cNvSpPr>
+            <a:spLocks noGrp="1"/>
+          </p:cNvSpPr>
+          <p:nvPr>
+            <p:ph sz="half" idx="2"/>
+          </p:nvPr>
+        </p:nvSpPr>
+        <p:spPr/>
+        <p:txBody>
+          <a:bodyPr>
+            <a:normAutofit/>
+          </a:bodyPr>
+          <a:lstStyle/>
+          <a:p>
+            <a:pPr marL="0" indent="0">
+              <a:buNone/>
+            </a:pPr>
+            <a:endParaRPr lang="en-GB" sz="3200" dirty="0"/>
+          </a:p>
+          <a:p>
+            <a:r>
+              <a:rPr lang="en-GB" sz="3200" dirty="0" err="1"/>
+              <a:t>Điền</a:t>
+            </a:r>
+            <a:r>
+              <a:rPr lang="en-GB" sz="3200" dirty="0"/>
+              <a:t> </a:t>
+            </a:r>
+            <a:r>
+              <a:rPr lang="en-GB" sz="3200" dirty="0" err="1"/>
+              <a:t>giá</a:t>
+            </a:r>
+            <a:r>
+              <a:rPr lang="en-GB" sz="3200" dirty="0"/>
+              <a:t> </a:t>
+            </a:r>
+            <a:r>
+              <a:rPr lang="en-GB" sz="3200" dirty="0" err="1"/>
+              <a:t>trị</a:t>
+            </a:r>
+            <a:r>
+              <a:rPr lang="en-GB" sz="3200" dirty="0"/>
+              <a:t> </a:t>
+            </a:r>
+            <a:r>
+              <a:rPr lang="en-GB" sz="3200" dirty="0" err="1"/>
+              <a:t>thiếu</a:t>
+            </a:r>
+            <a:r>
+              <a:rPr lang="en-GB" sz="3200" dirty="0"/>
+              <a:t> categorical </a:t>
+            </a:r>
+            <a:r>
+              <a:rPr lang="en-GB" sz="3200" dirty="0" err="1"/>
+              <a:t>bằng</a:t>
+            </a:r>
+            <a:r>
+              <a:rPr lang="en-GB" sz="3200" dirty="0"/>
+              <a:t> mode.</a:t>
+            </a:r>
+          </a:p>
+        </p:txBody>
+      </p:sp>
+      <p:sp>
+        <p:nvSpPr>
+          <p:cNvPr id="5" name="Slide Number Placeholder 4">
+            <a:extLst>
+              <a:ext uri="{FF2B5EF4-FFF2-40B4-BE49-F238E27FC236}">
+                <a16:creationId xmlns:a16="http://schemas.microsoft.com/office/drawing/2014/main" id="{5B7C36C2-A6C8-4B21-A78F-D3BECF96AAB4}"/>
               </a:ext>
             </a:extLst>
           </p:cNvPr>
@@ -11360,10 +11681,40 @@
           </a:p>
         </p:txBody>
       </p:sp>
+      <p:pic>
+        <p:nvPicPr>
+          <p:cNvPr id="6" name="Picture 5">
+            <a:extLst>
+              <a:ext uri="{FF2B5EF4-FFF2-40B4-BE49-F238E27FC236}">
+                <a16:creationId xmlns:a16="http://schemas.microsoft.com/office/drawing/2014/main" id="{81814708-B05D-4E7B-B8DF-4564933BBA2B}"/>
+              </a:ext>
+            </a:extLst>
+          </p:cNvPr>
+          <p:cNvPicPr>
+            <a:picLocks noChangeAspect="1"/>
+          </p:cNvPicPr>
+          <p:nvPr/>
+        </p:nvPicPr>
+        <p:blipFill>
+          <a:blip r:embed="rId2"/>
+          <a:stretch>
+            <a:fillRect/>
+          </a:stretch>
+        </p:blipFill>
+        <p:spPr>
+          <a:xfrm>
+            <a:off x="1238250" y="3694907"/>
+            <a:ext cx="10115550" cy="2571750"/>
+          </a:xfrm>
+          <a:prstGeom prst="rect">
+            <a:avLst/>
+          </a:prstGeom>
+        </p:spPr>
+      </p:pic>
     </p:spTree>
     <p:extLst>
       <p:ext uri="{BB962C8B-B14F-4D97-AF65-F5344CB8AC3E}">
-        <p14:creationId xmlns:p14="http://schemas.microsoft.com/office/powerpoint/2010/main" val="3656902561"/>
+        <p14:creationId xmlns:p14="http://schemas.microsoft.com/office/powerpoint/2010/main" val="2688891268"/>
       </p:ext>
     </p:extLst>
   </p:cSld>
@@ -11442,50 +11793,176 @@
           <a:lstStyle/>
           <a:p>
             <a:r>
-              <a:rPr lang="en-GB" sz="3200" dirty="0">
-                <a:latin typeface="Tahoma" panose="020B0604030504040204" pitchFamily="34" charset="0"/>
-                <a:ea typeface="Tahoma" panose="020B0604030504040204" pitchFamily="34" charset="0"/>
-                <a:cs typeface="Tahoma" panose="020B0604030504040204" pitchFamily="34" charset="0"/>
-              </a:rPr>
-              <a:t>MLP Classifier</a:t>
-            </a:r>
-          </a:p>
-        </p:txBody>
-      </p:sp>
-      <p:pic>
-        <p:nvPicPr>
-          <p:cNvPr id="4" name="Picture 3">
-            <a:extLst>
-              <a:ext uri="{FF2B5EF4-FFF2-40B4-BE49-F238E27FC236}">
-                <a16:creationId xmlns:a16="http://schemas.microsoft.com/office/drawing/2014/main" id="{8842C511-1850-4596-A2F2-E74B584DB827}"/>
-              </a:ext>
-            </a:extLst>
-          </p:cNvPr>
-          <p:cNvPicPr/>
-          <p:nvPr/>
-        </p:nvPicPr>
-        <p:blipFill>
-          <a:blip r:embed="rId2"/>
-          <a:stretch>
-            <a:fillRect/>
-          </a:stretch>
-        </p:blipFill>
-        <p:spPr>
-          <a:xfrm>
-            <a:off x="1936465" y="2315231"/>
-            <a:ext cx="8511041" cy="3861732"/>
-          </a:xfrm>
-          <a:prstGeom prst="rect">
-            <a:avLst/>
-          </a:prstGeom>
-        </p:spPr>
-      </p:pic>
-      <p:sp>
-        <p:nvSpPr>
-          <p:cNvPr id="5" name="Slide Number Placeholder 4">
-            <a:extLst>
-              <a:ext uri="{FF2B5EF4-FFF2-40B4-BE49-F238E27FC236}">
-                <a16:creationId xmlns:a16="http://schemas.microsoft.com/office/drawing/2014/main" id="{B5C3F52B-295B-42B4-8C13-B17EC134213E}"/>
+              <a:rPr lang="en-GB" sz="3200" dirty="0" err="1">
+                <a:latin typeface="Tahoma" panose="020B0604030504040204" pitchFamily="34" charset="0"/>
+                <a:ea typeface="Tahoma" panose="020B0604030504040204" pitchFamily="34" charset="0"/>
+                <a:cs typeface="Tahoma" panose="020B0604030504040204" pitchFamily="34" charset="0"/>
+              </a:rPr>
+              <a:t>Tỉ</a:t>
+            </a:r>
+            <a:r>
+              <a:rPr lang="en-GB" sz="3200" dirty="0">
+                <a:latin typeface="Tahoma" panose="020B0604030504040204" pitchFamily="34" charset="0"/>
+                <a:ea typeface="Tahoma" panose="020B0604030504040204" pitchFamily="34" charset="0"/>
+                <a:cs typeface="Tahoma" panose="020B0604030504040204" pitchFamily="34" charset="0"/>
+              </a:rPr>
+              <a:t> </a:t>
+            </a:r>
+            <a:r>
+              <a:rPr lang="en-GB" sz="3200" dirty="0" err="1">
+                <a:latin typeface="Tahoma" panose="020B0604030504040204" pitchFamily="34" charset="0"/>
+                <a:ea typeface="Tahoma" panose="020B0604030504040204" pitchFamily="34" charset="0"/>
+                <a:cs typeface="Tahoma" panose="020B0604030504040204" pitchFamily="34" charset="0"/>
+              </a:rPr>
+              <a:t>lệ</a:t>
+            </a:r>
+            <a:r>
+              <a:rPr lang="en-GB" sz="3200" dirty="0">
+                <a:latin typeface="Tahoma" panose="020B0604030504040204" pitchFamily="34" charset="0"/>
+                <a:ea typeface="Tahoma" panose="020B0604030504040204" pitchFamily="34" charset="0"/>
+                <a:cs typeface="Tahoma" panose="020B0604030504040204" pitchFamily="34" charset="0"/>
+              </a:rPr>
+              <a:t> </a:t>
+            </a:r>
+            <a:r>
+              <a:rPr lang="en-GB" sz="3200" dirty="0" err="1">
+                <a:latin typeface="Tahoma" panose="020B0604030504040204" pitchFamily="34" charset="0"/>
+                <a:ea typeface="Tahoma" panose="020B0604030504040204" pitchFamily="34" charset="0"/>
+                <a:cs typeface="Tahoma" panose="020B0604030504040204" pitchFamily="34" charset="0"/>
+              </a:rPr>
+              <a:t>tập</a:t>
+            </a:r>
+            <a:r>
+              <a:rPr lang="en-GB" sz="3200" dirty="0">
+                <a:latin typeface="Tahoma" panose="020B0604030504040204" pitchFamily="34" charset="0"/>
+                <a:ea typeface="Tahoma" panose="020B0604030504040204" pitchFamily="34" charset="0"/>
+                <a:cs typeface="Tahoma" panose="020B0604030504040204" pitchFamily="34" charset="0"/>
+              </a:rPr>
+              <a:t> train : validation : test = 6 : 2 : 2.</a:t>
+            </a:r>
+          </a:p>
+          <a:p>
+            <a:r>
+              <a:rPr lang="en-GB" sz="3200" dirty="0" err="1">
+                <a:latin typeface="Tahoma" panose="020B0604030504040204" pitchFamily="34" charset="0"/>
+                <a:ea typeface="Tahoma" panose="020B0604030504040204" pitchFamily="34" charset="0"/>
+                <a:cs typeface="Tahoma" panose="020B0604030504040204" pitchFamily="34" charset="0"/>
+              </a:rPr>
+              <a:t>Sử</a:t>
+            </a:r>
+            <a:r>
+              <a:rPr lang="en-GB" sz="3200" dirty="0">
+                <a:latin typeface="Tahoma" panose="020B0604030504040204" pitchFamily="34" charset="0"/>
+                <a:ea typeface="Tahoma" panose="020B0604030504040204" pitchFamily="34" charset="0"/>
+                <a:cs typeface="Tahoma" panose="020B0604030504040204" pitchFamily="34" charset="0"/>
+              </a:rPr>
+              <a:t> </a:t>
+            </a:r>
+            <a:r>
+              <a:rPr lang="en-GB" sz="3200" dirty="0" err="1">
+                <a:latin typeface="Tahoma" panose="020B0604030504040204" pitchFamily="34" charset="0"/>
+                <a:ea typeface="Tahoma" panose="020B0604030504040204" pitchFamily="34" charset="0"/>
+                <a:cs typeface="Tahoma" panose="020B0604030504040204" pitchFamily="34" charset="0"/>
+              </a:rPr>
+              <a:t>dụng</a:t>
+            </a:r>
+            <a:r>
+              <a:rPr lang="en-GB" sz="3200" dirty="0">
+                <a:latin typeface="Tahoma" panose="020B0604030504040204" pitchFamily="34" charset="0"/>
+                <a:ea typeface="Tahoma" panose="020B0604030504040204" pitchFamily="34" charset="0"/>
+                <a:cs typeface="Tahoma" panose="020B0604030504040204" pitchFamily="34" charset="0"/>
+              </a:rPr>
+              <a:t> 5 </a:t>
+            </a:r>
+            <a:r>
+              <a:rPr lang="en-GB" sz="3200" dirty="0" err="1">
+                <a:latin typeface="Tahoma" panose="020B0604030504040204" pitchFamily="34" charset="0"/>
+                <a:ea typeface="Tahoma" panose="020B0604030504040204" pitchFamily="34" charset="0"/>
+                <a:cs typeface="Tahoma" panose="020B0604030504040204" pitchFamily="34" charset="0"/>
+              </a:rPr>
+              <a:t>thuật</a:t>
+            </a:r>
+            <a:r>
+              <a:rPr lang="en-GB" sz="3200" dirty="0">
+                <a:latin typeface="Tahoma" panose="020B0604030504040204" pitchFamily="34" charset="0"/>
+                <a:ea typeface="Tahoma" panose="020B0604030504040204" pitchFamily="34" charset="0"/>
+                <a:cs typeface="Tahoma" panose="020B0604030504040204" pitchFamily="34" charset="0"/>
+              </a:rPr>
+              <a:t> </a:t>
+            </a:r>
+            <a:r>
+              <a:rPr lang="en-GB" sz="3200" dirty="0" err="1">
+                <a:latin typeface="Tahoma" panose="020B0604030504040204" pitchFamily="34" charset="0"/>
+                <a:ea typeface="Tahoma" panose="020B0604030504040204" pitchFamily="34" charset="0"/>
+                <a:cs typeface="Tahoma" panose="020B0604030504040204" pitchFamily="34" charset="0"/>
+              </a:rPr>
+              <a:t>toán</a:t>
+            </a:r>
+            <a:r>
+              <a:rPr lang="en-GB" sz="3200" dirty="0">
+                <a:latin typeface="Tahoma" panose="020B0604030504040204" pitchFamily="34" charset="0"/>
+                <a:ea typeface="Tahoma" panose="020B0604030504040204" pitchFamily="34" charset="0"/>
+                <a:cs typeface="Tahoma" panose="020B0604030504040204" pitchFamily="34" charset="0"/>
+              </a:rPr>
+              <a:t> do </a:t>
+            </a:r>
+            <a:r>
+              <a:rPr lang="en-GB" sz="3200" dirty="0" err="1">
+                <a:latin typeface="Tahoma" panose="020B0604030504040204" pitchFamily="34" charset="0"/>
+                <a:ea typeface="Tahoma" panose="020B0604030504040204" pitchFamily="34" charset="0"/>
+                <a:cs typeface="Tahoma" panose="020B0604030504040204" pitchFamily="34" charset="0"/>
+              </a:rPr>
+              <a:t>sklearn</a:t>
+            </a:r>
+            <a:r>
+              <a:rPr lang="en-GB" sz="3200" dirty="0">
+                <a:latin typeface="Tahoma" panose="020B0604030504040204" pitchFamily="34" charset="0"/>
+                <a:ea typeface="Tahoma" panose="020B0604030504040204" pitchFamily="34" charset="0"/>
+                <a:cs typeface="Tahoma" panose="020B0604030504040204" pitchFamily="34" charset="0"/>
+              </a:rPr>
+              <a:t> </a:t>
+            </a:r>
+            <a:r>
+              <a:rPr lang="en-GB" sz="3200" dirty="0" err="1">
+                <a:latin typeface="Tahoma" panose="020B0604030504040204" pitchFamily="34" charset="0"/>
+                <a:ea typeface="Tahoma" panose="020B0604030504040204" pitchFamily="34" charset="0"/>
+                <a:cs typeface="Tahoma" panose="020B0604030504040204" pitchFamily="34" charset="0"/>
+              </a:rPr>
+              <a:t>hỗ</a:t>
+            </a:r>
+            <a:r>
+              <a:rPr lang="en-GB" sz="3200" dirty="0">
+                <a:latin typeface="Tahoma" panose="020B0604030504040204" pitchFamily="34" charset="0"/>
+                <a:ea typeface="Tahoma" panose="020B0604030504040204" pitchFamily="34" charset="0"/>
+                <a:cs typeface="Tahoma" panose="020B0604030504040204" pitchFamily="34" charset="0"/>
+              </a:rPr>
+              <a:t> </a:t>
+            </a:r>
+            <a:r>
+              <a:rPr lang="en-GB" sz="3200" dirty="0" err="1">
+                <a:latin typeface="Tahoma" panose="020B0604030504040204" pitchFamily="34" charset="0"/>
+                <a:ea typeface="Tahoma" panose="020B0604030504040204" pitchFamily="34" charset="0"/>
+                <a:cs typeface="Tahoma" panose="020B0604030504040204" pitchFamily="34" charset="0"/>
+              </a:rPr>
+              <a:t>trợ</a:t>
+            </a:r>
+            <a:r>
+              <a:rPr lang="en-GB" sz="3200" dirty="0">
+                <a:latin typeface="Tahoma" panose="020B0604030504040204" pitchFamily="34" charset="0"/>
+                <a:ea typeface="Tahoma" panose="020B0604030504040204" pitchFamily="34" charset="0"/>
+                <a:cs typeface="Tahoma" panose="020B0604030504040204" pitchFamily="34" charset="0"/>
+              </a:rPr>
+              <a:t>.</a:t>
+            </a:r>
+          </a:p>
+        </p:txBody>
+      </p:sp>
+      <p:sp>
+        <p:nvSpPr>
+          <p:cNvPr id="4" name="Slide Number Placeholder 3">
+            <a:extLst>
+              <a:ext uri="{FF2B5EF4-FFF2-40B4-BE49-F238E27FC236}">
+                <a16:creationId xmlns:a16="http://schemas.microsoft.com/office/drawing/2014/main" id="{B296F96E-B92F-4A04-9E86-9614F1F2EA8C}"/>
               </a:ext>
             </a:extLst>
           </p:cNvPr>
@@ -11512,7 +11989,7 @@
     </p:spTree>
     <p:extLst>
       <p:ext uri="{BB962C8B-B14F-4D97-AF65-F5344CB8AC3E}">
-        <p14:creationId xmlns:p14="http://schemas.microsoft.com/office/powerpoint/2010/main" val="4218955025"/>
+        <p14:creationId xmlns:p14="http://schemas.microsoft.com/office/powerpoint/2010/main" val="3656902561"/>
       </p:ext>
     </p:extLst>
   </p:cSld>
@@ -11596,17 +12073,17 @@
                 <a:ea typeface="Tahoma" panose="020B0604030504040204" pitchFamily="34" charset="0"/>
                 <a:cs typeface="Tahoma" panose="020B0604030504040204" pitchFamily="34" charset="0"/>
               </a:rPr>
-              <a:t>Logistic Regression</a:t>
+              <a:t>MLP Classifier</a:t>
             </a:r>
           </a:p>
         </p:txBody>
       </p:sp>
       <p:pic>
         <p:nvPicPr>
-          <p:cNvPr id="5" name="Picture 4">
-            <a:extLst>
-              <a:ext uri="{FF2B5EF4-FFF2-40B4-BE49-F238E27FC236}">
-                <a16:creationId xmlns:a16="http://schemas.microsoft.com/office/drawing/2014/main" id="{04D878C6-8988-428D-BB58-1B2D6AEF88AE}"/>
+          <p:cNvPr id="4" name="Picture 3">
+            <a:extLst>
+              <a:ext uri="{FF2B5EF4-FFF2-40B4-BE49-F238E27FC236}">
+                <a16:creationId xmlns:a16="http://schemas.microsoft.com/office/drawing/2014/main" id="{8842C511-1850-4596-A2F2-E74B584DB827}"/>
               </a:ext>
             </a:extLst>
           </p:cNvPr>
@@ -11621,8 +12098,8 @@
         </p:blipFill>
         <p:spPr>
           <a:xfrm>
-            <a:off x="1488992" y="2650849"/>
-            <a:ext cx="9658906" cy="3059288"/>
+            <a:off x="1936465" y="2315231"/>
+            <a:ext cx="8511041" cy="3861732"/>
           </a:xfrm>
           <a:prstGeom prst="rect">
             <a:avLst/>
@@ -11631,10 +12108,10 @@
       </p:pic>
       <p:sp>
         <p:nvSpPr>
-          <p:cNvPr id="4" name="Slide Number Placeholder 3">
-            <a:extLst>
-              <a:ext uri="{FF2B5EF4-FFF2-40B4-BE49-F238E27FC236}">
-                <a16:creationId xmlns:a16="http://schemas.microsoft.com/office/drawing/2014/main" id="{A6A2CF8B-6222-4BDD-98FB-7B72D7D9707D}"/>
+          <p:cNvPr id="5" name="Slide Number Placeholder 4">
+            <a:extLst>
+              <a:ext uri="{FF2B5EF4-FFF2-40B4-BE49-F238E27FC236}">
+                <a16:creationId xmlns:a16="http://schemas.microsoft.com/office/drawing/2014/main" id="{B5C3F52B-295B-42B4-8C13-B17EC134213E}"/>
               </a:ext>
             </a:extLst>
           </p:cNvPr>
@@ -11661,7 +12138,7 @@
     </p:spTree>
     <p:extLst>
       <p:ext uri="{BB962C8B-B14F-4D97-AF65-F5344CB8AC3E}">
-        <p14:creationId xmlns:p14="http://schemas.microsoft.com/office/powerpoint/2010/main" val="1759306614"/>
+        <p14:creationId xmlns:p14="http://schemas.microsoft.com/office/powerpoint/2010/main" val="4218955025"/>
       </p:ext>
     </p:extLst>
   </p:cSld>

--- a/Report/1612888_1612892.pptx
+++ b/Report/1612888_1612892.pptx
@@ -6263,10 +6263,10 @@
       </p:sp>
       <p:pic>
         <p:nvPicPr>
-          <p:cNvPr id="4" name="Picture 3">
-            <a:extLst>
-              <a:ext uri="{FF2B5EF4-FFF2-40B4-BE49-F238E27FC236}">
-                <a16:creationId xmlns:a16="http://schemas.microsoft.com/office/drawing/2014/main" id="{E3969D27-580A-4AEB-9C5E-674CDB12CDA8}"/>
+          <p:cNvPr id="6" name="Picture 5">
+            <a:extLst>
+              <a:ext uri="{FF2B5EF4-FFF2-40B4-BE49-F238E27FC236}">
+                <a16:creationId xmlns:a16="http://schemas.microsoft.com/office/drawing/2014/main" id="{FDA941B0-A43C-4188-A7C7-3ED3FF35FFE2}"/>
               </a:ext>
             </a:extLst>
           </p:cNvPr>
@@ -6283,8 +6283,8 @@
         </p:blipFill>
         <p:spPr>
           <a:xfrm>
-            <a:off x="64952" y="1690689"/>
-            <a:ext cx="6112112" cy="3834378"/>
+            <a:off x="6005267" y="2243972"/>
+            <a:ext cx="4800600" cy="3124200"/>
           </a:xfrm>
           <a:prstGeom prst="rect">
             <a:avLst/>
@@ -6293,10 +6293,10 @@
       </p:pic>
       <p:pic>
         <p:nvPicPr>
-          <p:cNvPr id="5" name="Picture 4">
-            <a:extLst>
-              <a:ext uri="{FF2B5EF4-FFF2-40B4-BE49-F238E27FC236}">
-                <a16:creationId xmlns:a16="http://schemas.microsoft.com/office/drawing/2014/main" id="{0C3594F0-80ED-4F77-BC17-40E947F5DBC6}"/>
+          <p:cNvPr id="7" name="Picture 6">
+            <a:extLst>
+              <a:ext uri="{FF2B5EF4-FFF2-40B4-BE49-F238E27FC236}">
+                <a16:creationId xmlns:a16="http://schemas.microsoft.com/office/drawing/2014/main" id="{1C26453F-D294-480A-A876-AE4CFA9B1ABC}"/>
               </a:ext>
             </a:extLst>
           </p:cNvPr>
@@ -6313,8 +6313,8 @@
         </p:blipFill>
         <p:spPr>
           <a:xfrm>
-            <a:off x="6177064" y="1709972"/>
-            <a:ext cx="6031048" cy="3815095"/>
+            <a:off x="650537" y="2224922"/>
+            <a:ext cx="4762500" cy="3162300"/>
           </a:xfrm>
           <a:prstGeom prst="rect">
             <a:avLst/>

--- a/Report/1612888_1612892.pptx
+++ b/Report/1612888_1612892.pptx
@@ -4305,16 +4305,47 @@
           </a:p>
         </p:txBody>
       </p:sp>
+      <p:sp>
+        <p:nvSpPr>
+          <p:cNvPr id="4" name="Slide Number Placeholder 3">
+            <a:extLst>
+              <a:ext uri="{FF2B5EF4-FFF2-40B4-BE49-F238E27FC236}">
+                <a16:creationId xmlns:a16="http://schemas.microsoft.com/office/drawing/2014/main" id="{A6A2CF8B-6222-4BDD-98FB-7B72D7D9707D}"/>
+              </a:ext>
+            </a:extLst>
+          </p:cNvPr>
+          <p:cNvSpPr>
+            <a:spLocks noGrp="1"/>
+          </p:cNvSpPr>
+          <p:nvPr>
+            <p:ph type="sldNum" sz="quarter" idx="12"/>
+          </p:nvPr>
+        </p:nvSpPr>
+        <p:spPr/>
+        <p:txBody>
+          <a:bodyPr/>
+          <a:lstStyle/>
+          <a:p>
+            <a:fld id="{C2A74E92-A1E9-4D96-8B19-9FA9AB19DBB5}" type="slidenum">
+              <a:rPr lang="en-GB" smtClean="0"/>
+              <a:t>10</a:t>
+            </a:fld>
+            <a:endParaRPr lang="en-GB"/>
+          </a:p>
+        </p:txBody>
+      </p:sp>
       <p:pic>
         <p:nvPicPr>
-          <p:cNvPr id="5" name="Picture 4">
-            <a:extLst>
-              <a:ext uri="{FF2B5EF4-FFF2-40B4-BE49-F238E27FC236}">
-                <a16:creationId xmlns:a16="http://schemas.microsoft.com/office/drawing/2014/main" id="{04D878C6-8988-428D-BB58-1B2D6AEF88AE}"/>
-              </a:ext>
-            </a:extLst>
-          </p:cNvPr>
-          <p:cNvPicPr/>
+          <p:cNvPr id="6" name="Picture 5">
+            <a:extLst>
+              <a:ext uri="{FF2B5EF4-FFF2-40B4-BE49-F238E27FC236}">
+                <a16:creationId xmlns:a16="http://schemas.microsoft.com/office/drawing/2014/main" id="{F2BFDC26-E718-4305-B6ED-DBCBAAA04D2A}"/>
+              </a:ext>
+            </a:extLst>
+          </p:cNvPr>
+          <p:cNvPicPr>
+            <a:picLocks noChangeAspect="1"/>
+          </p:cNvPicPr>
           <p:nvPr/>
         </p:nvPicPr>
         <p:blipFill>
@@ -4325,43 +4356,14 @@
         </p:blipFill>
         <p:spPr>
           <a:xfrm>
-            <a:off x="1488992" y="2650849"/>
-            <a:ext cx="9658906" cy="3059288"/>
+            <a:off x="1202379" y="2866232"/>
+            <a:ext cx="10001250" cy="2266950"/>
           </a:xfrm>
           <a:prstGeom prst="rect">
             <a:avLst/>
           </a:prstGeom>
         </p:spPr>
       </p:pic>
-      <p:sp>
-        <p:nvSpPr>
-          <p:cNvPr id="4" name="Slide Number Placeholder 3">
-            <a:extLst>
-              <a:ext uri="{FF2B5EF4-FFF2-40B4-BE49-F238E27FC236}">
-                <a16:creationId xmlns:a16="http://schemas.microsoft.com/office/drawing/2014/main" id="{A6A2CF8B-6222-4BDD-98FB-7B72D7D9707D}"/>
-              </a:ext>
-            </a:extLst>
-          </p:cNvPr>
-          <p:cNvSpPr>
-            <a:spLocks noGrp="1"/>
-          </p:cNvSpPr>
-          <p:nvPr>
-            <p:ph type="sldNum" sz="quarter" idx="12"/>
-          </p:nvPr>
-        </p:nvSpPr>
-        <p:spPr/>
-        <p:txBody>
-          <a:bodyPr/>
-          <a:lstStyle/>
-          <a:p>
-            <a:fld id="{C2A74E92-A1E9-4D96-8B19-9FA9AB19DBB5}" type="slidenum">
-              <a:rPr lang="en-GB" smtClean="0"/>
-              <a:t>10</a:t>
-            </a:fld>
-            <a:endParaRPr lang="en-GB"/>
-          </a:p>
-        </p:txBody>
-      </p:sp>
     </p:spTree>
     <p:extLst>
       <p:ext uri="{BB962C8B-B14F-4D97-AF65-F5344CB8AC3E}">
@@ -4454,16 +4456,47 @@
           </a:p>
         </p:txBody>
       </p:sp>
+      <p:sp>
+        <p:nvSpPr>
+          <p:cNvPr id="4" name="Slide Number Placeholder 3">
+            <a:extLst>
+              <a:ext uri="{FF2B5EF4-FFF2-40B4-BE49-F238E27FC236}">
+                <a16:creationId xmlns:a16="http://schemas.microsoft.com/office/drawing/2014/main" id="{7DE1C572-35DD-4576-925B-DC43294D656E}"/>
+              </a:ext>
+            </a:extLst>
+          </p:cNvPr>
+          <p:cNvSpPr>
+            <a:spLocks noGrp="1"/>
+          </p:cNvSpPr>
+          <p:nvPr>
+            <p:ph type="sldNum" sz="quarter" idx="12"/>
+          </p:nvPr>
+        </p:nvSpPr>
+        <p:spPr/>
+        <p:txBody>
+          <a:bodyPr/>
+          <a:lstStyle/>
+          <a:p>
+            <a:fld id="{C2A74E92-A1E9-4D96-8B19-9FA9AB19DBB5}" type="slidenum">
+              <a:rPr lang="en-GB" smtClean="0"/>
+              <a:t>11</a:t>
+            </a:fld>
+            <a:endParaRPr lang="en-GB"/>
+          </a:p>
+        </p:txBody>
+      </p:sp>
       <p:pic>
         <p:nvPicPr>
-          <p:cNvPr id="5" name="Picture 4">
-            <a:extLst>
-              <a:ext uri="{FF2B5EF4-FFF2-40B4-BE49-F238E27FC236}">
-                <a16:creationId xmlns:a16="http://schemas.microsoft.com/office/drawing/2014/main" id="{A47C9792-765C-4A48-A070-24FD34B9FD6C}"/>
-              </a:ext>
-            </a:extLst>
-          </p:cNvPr>
-          <p:cNvPicPr/>
+          <p:cNvPr id="7" name="Picture 6">
+            <a:extLst>
+              <a:ext uri="{FF2B5EF4-FFF2-40B4-BE49-F238E27FC236}">
+                <a16:creationId xmlns:a16="http://schemas.microsoft.com/office/drawing/2014/main" id="{B0957683-D582-4D39-A96C-D6600AF67FFF}"/>
+              </a:ext>
+            </a:extLst>
+          </p:cNvPr>
+          <p:cNvPicPr>
+            <a:picLocks noChangeAspect="1"/>
+          </p:cNvPicPr>
           <p:nvPr/>
         </p:nvPicPr>
         <p:blipFill>
@@ -4474,43 +4507,14 @@
         </p:blipFill>
         <p:spPr>
           <a:xfrm>
-            <a:off x="1722457" y="2570243"/>
-            <a:ext cx="9007151" cy="2945339"/>
+            <a:off x="1164481" y="2832876"/>
+            <a:ext cx="10096500" cy="2028825"/>
           </a:xfrm>
           <a:prstGeom prst="rect">
             <a:avLst/>
           </a:prstGeom>
         </p:spPr>
       </p:pic>
-      <p:sp>
-        <p:nvSpPr>
-          <p:cNvPr id="4" name="Slide Number Placeholder 3">
-            <a:extLst>
-              <a:ext uri="{FF2B5EF4-FFF2-40B4-BE49-F238E27FC236}">
-                <a16:creationId xmlns:a16="http://schemas.microsoft.com/office/drawing/2014/main" id="{7DE1C572-35DD-4576-925B-DC43294D656E}"/>
-              </a:ext>
-            </a:extLst>
-          </p:cNvPr>
-          <p:cNvSpPr>
-            <a:spLocks noGrp="1"/>
-          </p:cNvSpPr>
-          <p:nvPr>
-            <p:ph type="sldNum" sz="quarter" idx="12"/>
-          </p:nvPr>
-        </p:nvSpPr>
-        <p:spPr/>
-        <p:txBody>
-          <a:bodyPr/>
-          <a:lstStyle/>
-          <a:p>
-            <a:fld id="{C2A74E92-A1E9-4D96-8B19-9FA9AB19DBB5}" type="slidenum">
-              <a:rPr lang="en-GB" smtClean="0"/>
-              <a:t>11</a:t>
-            </a:fld>
-            <a:endParaRPr lang="en-GB"/>
-          </a:p>
-        </p:txBody>
-      </p:sp>
     </p:spTree>
     <p:extLst>
       <p:ext uri="{BB962C8B-B14F-4D97-AF65-F5344CB8AC3E}">
@@ -4603,16 +4607,47 @@
           </a:p>
         </p:txBody>
       </p:sp>
+      <p:sp>
+        <p:nvSpPr>
+          <p:cNvPr id="5" name="Slide Number Placeholder 4">
+            <a:extLst>
+              <a:ext uri="{FF2B5EF4-FFF2-40B4-BE49-F238E27FC236}">
+                <a16:creationId xmlns:a16="http://schemas.microsoft.com/office/drawing/2014/main" id="{07613489-4D56-4BEE-AD67-BC4350B4CC5C}"/>
+              </a:ext>
+            </a:extLst>
+          </p:cNvPr>
+          <p:cNvSpPr>
+            <a:spLocks noGrp="1"/>
+          </p:cNvSpPr>
+          <p:nvPr>
+            <p:ph type="sldNum" sz="quarter" idx="12"/>
+          </p:nvPr>
+        </p:nvSpPr>
+        <p:spPr/>
+        <p:txBody>
+          <a:bodyPr/>
+          <a:lstStyle/>
+          <a:p>
+            <a:fld id="{C2A74E92-A1E9-4D96-8B19-9FA9AB19DBB5}" type="slidenum">
+              <a:rPr lang="en-GB" smtClean="0"/>
+              <a:t>12</a:t>
+            </a:fld>
+            <a:endParaRPr lang="en-GB"/>
+          </a:p>
+        </p:txBody>
+      </p:sp>
       <p:pic>
         <p:nvPicPr>
-          <p:cNvPr id="4" name="Picture 3">
-            <a:extLst>
-              <a:ext uri="{FF2B5EF4-FFF2-40B4-BE49-F238E27FC236}">
-                <a16:creationId xmlns:a16="http://schemas.microsoft.com/office/drawing/2014/main" id="{8842C511-1850-4596-A2F2-E74B584DB827}"/>
-              </a:ext>
-            </a:extLst>
-          </p:cNvPr>
-          <p:cNvPicPr/>
+          <p:cNvPr id="6" name="Picture 5">
+            <a:extLst>
+              <a:ext uri="{FF2B5EF4-FFF2-40B4-BE49-F238E27FC236}">
+                <a16:creationId xmlns:a16="http://schemas.microsoft.com/office/drawing/2014/main" id="{6629B04B-5A3C-4A59-A3F4-3D124C4F0E36}"/>
+              </a:ext>
+            </a:extLst>
+          </p:cNvPr>
+          <p:cNvPicPr>
+            <a:picLocks noChangeAspect="1"/>
+          </p:cNvPicPr>
           <p:nvPr/>
         </p:nvPicPr>
         <p:blipFill>
@@ -4623,43 +4658,14 @@
         </p:blipFill>
         <p:spPr>
           <a:xfrm>
-            <a:off x="1936465" y="2315231"/>
-            <a:ext cx="8511041" cy="3861732"/>
+            <a:off x="1285875" y="2976664"/>
+            <a:ext cx="10067925" cy="2286000"/>
           </a:xfrm>
           <a:prstGeom prst="rect">
             <a:avLst/>
           </a:prstGeom>
         </p:spPr>
       </p:pic>
-      <p:sp>
-        <p:nvSpPr>
-          <p:cNvPr id="5" name="Slide Number Placeholder 4">
-            <a:extLst>
-              <a:ext uri="{FF2B5EF4-FFF2-40B4-BE49-F238E27FC236}">
-                <a16:creationId xmlns:a16="http://schemas.microsoft.com/office/drawing/2014/main" id="{07613489-4D56-4BEE-AD67-BC4350B4CC5C}"/>
-              </a:ext>
-            </a:extLst>
-          </p:cNvPr>
-          <p:cNvSpPr>
-            <a:spLocks noGrp="1"/>
-          </p:cNvSpPr>
-          <p:nvPr>
-            <p:ph type="sldNum" sz="quarter" idx="12"/>
-          </p:nvPr>
-        </p:nvSpPr>
-        <p:spPr/>
-        <p:txBody>
-          <a:bodyPr/>
-          <a:lstStyle/>
-          <a:p>
-            <a:fld id="{C2A74E92-A1E9-4D96-8B19-9FA9AB19DBB5}" type="slidenum">
-              <a:rPr lang="en-GB" smtClean="0"/>
-              <a:t>12</a:t>
-            </a:fld>
-            <a:endParaRPr lang="en-GB"/>
-          </a:p>
-        </p:txBody>
-      </p:sp>
     </p:spTree>
     <p:extLst>
       <p:ext uri="{BB962C8B-B14F-4D97-AF65-F5344CB8AC3E}">
@@ -4752,16 +4758,47 @@
           </a:p>
         </p:txBody>
       </p:sp>
+      <p:sp>
+        <p:nvSpPr>
+          <p:cNvPr id="4" name="Slide Number Placeholder 3">
+            <a:extLst>
+              <a:ext uri="{FF2B5EF4-FFF2-40B4-BE49-F238E27FC236}">
+                <a16:creationId xmlns:a16="http://schemas.microsoft.com/office/drawing/2014/main" id="{2F317875-4D16-45AF-9A42-2FF4BF9EF0A4}"/>
+              </a:ext>
+            </a:extLst>
+          </p:cNvPr>
+          <p:cNvSpPr>
+            <a:spLocks noGrp="1"/>
+          </p:cNvSpPr>
+          <p:nvPr>
+            <p:ph type="sldNum" sz="quarter" idx="12"/>
+          </p:nvPr>
+        </p:nvSpPr>
+        <p:spPr/>
+        <p:txBody>
+          <a:bodyPr/>
+          <a:lstStyle/>
+          <a:p>
+            <a:fld id="{C2A74E92-A1E9-4D96-8B19-9FA9AB19DBB5}" type="slidenum">
+              <a:rPr lang="en-GB" smtClean="0"/>
+              <a:t>13</a:t>
+            </a:fld>
+            <a:endParaRPr lang="en-GB"/>
+          </a:p>
+        </p:txBody>
+      </p:sp>
       <p:pic>
         <p:nvPicPr>
-          <p:cNvPr id="5" name="Picture 4">
-            <a:extLst>
-              <a:ext uri="{FF2B5EF4-FFF2-40B4-BE49-F238E27FC236}">
-                <a16:creationId xmlns:a16="http://schemas.microsoft.com/office/drawing/2014/main" id="{45B70EEA-0BCE-418E-852F-3662342D5785}"/>
-              </a:ext>
-            </a:extLst>
-          </p:cNvPr>
-          <p:cNvPicPr/>
+          <p:cNvPr id="6" name="Picture 5">
+            <a:extLst>
+              <a:ext uri="{FF2B5EF4-FFF2-40B4-BE49-F238E27FC236}">
+                <a16:creationId xmlns:a16="http://schemas.microsoft.com/office/drawing/2014/main" id="{54A0C3EA-79EA-4090-AB8B-76D7F6430D52}"/>
+              </a:ext>
+            </a:extLst>
+          </p:cNvPr>
+          <p:cNvPicPr>
+            <a:picLocks noChangeAspect="1"/>
+          </p:cNvPicPr>
           <p:nvPr/>
         </p:nvPicPr>
         <p:blipFill>
@@ -4772,43 +4809,14 @@
         </p:blipFill>
         <p:spPr>
           <a:xfrm>
-            <a:off x="1835616" y="2561414"/>
-            <a:ext cx="8520768" cy="2730432"/>
+            <a:off x="1397946" y="2944019"/>
+            <a:ext cx="10096500" cy="2114550"/>
           </a:xfrm>
           <a:prstGeom prst="rect">
             <a:avLst/>
           </a:prstGeom>
         </p:spPr>
       </p:pic>
-      <p:sp>
-        <p:nvSpPr>
-          <p:cNvPr id="4" name="Slide Number Placeholder 3">
-            <a:extLst>
-              <a:ext uri="{FF2B5EF4-FFF2-40B4-BE49-F238E27FC236}">
-                <a16:creationId xmlns:a16="http://schemas.microsoft.com/office/drawing/2014/main" id="{2F317875-4D16-45AF-9A42-2FF4BF9EF0A4}"/>
-              </a:ext>
-            </a:extLst>
-          </p:cNvPr>
-          <p:cNvSpPr>
-            <a:spLocks noGrp="1"/>
-          </p:cNvSpPr>
-          <p:nvPr>
-            <p:ph type="sldNum" sz="quarter" idx="12"/>
-          </p:nvPr>
-        </p:nvSpPr>
-        <p:spPr/>
-        <p:txBody>
-          <a:bodyPr/>
-          <a:lstStyle/>
-          <a:p>
-            <a:fld id="{C2A74E92-A1E9-4D96-8B19-9FA9AB19DBB5}" type="slidenum">
-              <a:rPr lang="en-GB" smtClean="0"/>
-              <a:t>13</a:t>
-            </a:fld>
-            <a:endParaRPr lang="en-GB"/>
-          </a:p>
-        </p:txBody>
-      </p:sp>
     </p:spTree>
     <p:extLst>
       <p:ext uri="{BB962C8B-B14F-4D97-AF65-F5344CB8AC3E}">
@@ -5279,7 +5287,7 @@
                 <a:ea typeface="Tahoma" panose="020B0604030504040204" pitchFamily="34" charset="0"/>
                 <a:cs typeface="Tahoma" panose="020B0604030504040204" pitchFamily="34" charset="0"/>
               </a:rPr>
-              <a:t>criterion=’entropy’, </a:t>
+              <a:t>criterion=’</a:t>
             </a:r>
             <a:r>
               <a:rPr lang="en-GB" sz="3000" dirty="0" err="1">
@@ -5287,6 +5295,22 @@
                 <a:ea typeface="Tahoma" panose="020B0604030504040204" pitchFamily="34" charset="0"/>
                 <a:cs typeface="Tahoma" panose="020B0604030504040204" pitchFamily="34" charset="0"/>
               </a:rPr>
+              <a:t>gini</a:t>
+            </a:r>
+            <a:r>
+              <a:rPr lang="en-GB" sz="3000" dirty="0">
+                <a:latin typeface="Tahoma" panose="020B0604030504040204" pitchFamily="34" charset="0"/>
+                <a:ea typeface="Tahoma" panose="020B0604030504040204" pitchFamily="34" charset="0"/>
+                <a:cs typeface="Tahoma" panose="020B0604030504040204" pitchFamily="34" charset="0"/>
+              </a:rPr>
+              <a:t>’, </a:t>
+            </a:r>
+            <a:r>
+              <a:rPr lang="en-GB" sz="3000" dirty="0" err="1">
+                <a:latin typeface="Tahoma" panose="020B0604030504040204" pitchFamily="34" charset="0"/>
+                <a:ea typeface="Tahoma" panose="020B0604030504040204" pitchFamily="34" charset="0"/>
+                <a:cs typeface="Tahoma" panose="020B0604030504040204" pitchFamily="34" charset="0"/>
+              </a:rPr>
               <a:t>n_estimators</a:t>
             </a:r>
             <a:r>
@@ -5295,7 +5319,7 @@
                 <a:ea typeface="Tahoma" panose="020B0604030504040204" pitchFamily="34" charset="0"/>
                 <a:cs typeface="Tahoma" panose="020B0604030504040204" pitchFamily="34" charset="0"/>
               </a:rPr>
-              <a:t>=600, </a:t>
+              <a:t>=250, </a:t>
             </a:r>
             <a:r>
               <a:rPr lang="en-GB" sz="3000" dirty="0" err="1">
@@ -5421,7 +5445,7 @@
                 <a:ea typeface="Tahoma" panose="020B0604030504040204" pitchFamily="34" charset="0"/>
                 <a:cs typeface="Tahoma" panose="020B0604030504040204" pitchFamily="34" charset="0"/>
               </a:rPr>
-              <a:t>Test=86.667</a:t>
+              <a:t>Test=86.833</a:t>
             </a:r>
             <a:endParaRPr lang="en-GB" sz="3200" b="1" dirty="0">
               <a:effectLst/>
@@ -5548,7 +5572,15 @@
                 <a:ea typeface="Tahoma" panose="020B0604030504040204" pitchFamily="34" charset="0"/>
                 <a:cs typeface="Tahoma" panose="020B0604030504040204" pitchFamily="34" charset="0"/>
               </a:rPr>
-              <a:t>Criterion = entropy</a:t>
+              <a:t>Criterion = </a:t>
+            </a:r>
+            <a:r>
+              <a:rPr lang="en-GB" sz="3200" b="1" i="1" dirty="0" err="1">
+                <a:latin typeface="Tahoma" panose="020B0604030504040204" pitchFamily="34" charset="0"/>
+                <a:ea typeface="Tahoma" panose="020B0604030504040204" pitchFamily="34" charset="0"/>
+                <a:cs typeface="Tahoma" panose="020B0604030504040204" pitchFamily="34" charset="0"/>
+              </a:rPr>
+              <a:t>gini</a:t>
             </a:r>
             <a:r>
               <a:rPr lang="en-GB" sz="3200" dirty="0">
@@ -5670,7 +5702,7 @@
                 <a:ea typeface="Tahoma" panose="020B0604030504040204" pitchFamily="34" charset="0"/>
                 <a:cs typeface="Tahoma" panose="020B0604030504040204" pitchFamily="34" charset="0"/>
               </a:rPr>
-              <a:t> = None</a:t>
+              <a:t> = auto</a:t>
             </a:r>
             <a:r>
               <a:rPr lang="en-GB" sz="3200" dirty="0">
@@ -6263,10 +6295,10 @@
       </p:sp>
       <p:pic>
         <p:nvPicPr>
-          <p:cNvPr id="6" name="Picture 5">
-            <a:extLst>
-              <a:ext uri="{FF2B5EF4-FFF2-40B4-BE49-F238E27FC236}">
-                <a16:creationId xmlns:a16="http://schemas.microsoft.com/office/drawing/2014/main" id="{FDA941B0-A43C-4188-A7C7-3ED3FF35FFE2}"/>
+          <p:cNvPr id="7" name="Picture 6">
+            <a:extLst>
+              <a:ext uri="{FF2B5EF4-FFF2-40B4-BE49-F238E27FC236}">
+                <a16:creationId xmlns:a16="http://schemas.microsoft.com/office/drawing/2014/main" id="{1C26453F-D294-480A-A876-AE4CFA9B1ABC}"/>
               </a:ext>
             </a:extLst>
           </p:cNvPr>
@@ -6283,8 +6315,8 @@
         </p:blipFill>
         <p:spPr>
           <a:xfrm>
-            <a:off x="6005267" y="2243972"/>
-            <a:ext cx="4800600" cy="3124200"/>
+            <a:off x="650537" y="2224922"/>
+            <a:ext cx="4762500" cy="3162300"/>
           </a:xfrm>
           <a:prstGeom prst="rect">
             <a:avLst/>
@@ -6293,10 +6325,10 @@
       </p:pic>
       <p:pic>
         <p:nvPicPr>
-          <p:cNvPr id="7" name="Picture 6">
-            <a:extLst>
-              <a:ext uri="{FF2B5EF4-FFF2-40B4-BE49-F238E27FC236}">
-                <a16:creationId xmlns:a16="http://schemas.microsoft.com/office/drawing/2014/main" id="{1C26453F-D294-480A-A876-AE4CFA9B1ABC}"/>
+          <p:cNvPr id="5" name="Picture 4">
+            <a:extLst>
+              <a:ext uri="{FF2B5EF4-FFF2-40B4-BE49-F238E27FC236}">
+                <a16:creationId xmlns:a16="http://schemas.microsoft.com/office/drawing/2014/main" id="{538BF047-D54F-442C-A1D4-F9C4F125F9C0}"/>
               </a:ext>
             </a:extLst>
           </p:cNvPr>
@@ -6313,8 +6345,8 @@
         </p:blipFill>
         <p:spPr>
           <a:xfrm>
-            <a:off x="650537" y="2224922"/>
-            <a:ext cx="4762500" cy="3162300"/>
+            <a:off x="6378264" y="2301122"/>
+            <a:ext cx="4676775" cy="3086100"/>
           </a:xfrm>
           <a:prstGeom prst="rect">
             <a:avLst/>
@@ -10726,79 +10758,31 @@
                 <a:ea typeface="Tahoma" panose="020B0604030504040204" pitchFamily="34" charset="0"/>
                 <a:cs typeface="Tahoma" panose="020B0604030504040204" pitchFamily="34" charset="0"/>
               </a:rPr>
-              <a:t>Là</a:t>
-            </a:r>
-            <a:r>
-              <a:rPr lang="en-GB" sz="3200" dirty="0">
-                <a:latin typeface="Tahoma" panose="020B0604030504040204" pitchFamily="34" charset="0"/>
-                <a:ea typeface="Tahoma" panose="020B0604030504040204" pitchFamily="34" charset="0"/>
-                <a:cs typeface="Tahoma" panose="020B0604030504040204" pitchFamily="34" charset="0"/>
-              </a:rPr>
-              <a:t> </a:t>
-            </a:r>
-            <a:r>
-              <a:rPr lang="en-GB" sz="3200" dirty="0" err="1">
-                <a:latin typeface="Tahoma" panose="020B0604030504040204" pitchFamily="34" charset="0"/>
-                <a:ea typeface="Tahoma" panose="020B0604030504040204" pitchFamily="34" charset="0"/>
-                <a:cs typeface="Tahoma" panose="020B0604030504040204" pitchFamily="34" charset="0"/>
-              </a:rPr>
-              <a:t>dữ</a:t>
-            </a:r>
-            <a:r>
-              <a:rPr lang="en-GB" sz="3200" dirty="0">
-                <a:latin typeface="Tahoma" panose="020B0604030504040204" pitchFamily="34" charset="0"/>
-                <a:ea typeface="Tahoma" panose="020B0604030504040204" pitchFamily="34" charset="0"/>
-                <a:cs typeface="Tahoma" panose="020B0604030504040204" pitchFamily="34" charset="0"/>
-              </a:rPr>
-              <a:t> </a:t>
-            </a:r>
-            <a:r>
-              <a:rPr lang="en-GB" sz="3200" dirty="0" err="1">
-                <a:latin typeface="Tahoma" panose="020B0604030504040204" pitchFamily="34" charset="0"/>
-                <a:ea typeface="Tahoma" panose="020B0604030504040204" pitchFamily="34" charset="0"/>
-                <a:cs typeface="Tahoma" panose="020B0604030504040204" pitchFamily="34" charset="0"/>
-              </a:rPr>
-              <a:t>liệu</a:t>
-            </a:r>
-            <a:r>
-              <a:rPr lang="en-GB" sz="3200" dirty="0">
-                <a:latin typeface="Tahoma" panose="020B0604030504040204" pitchFamily="34" charset="0"/>
-                <a:ea typeface="Tahoma" panose="020B0604030504040204" pitchFamily="34" charset="0"/>
-                <a:cs typeface="Tahoma" panose="020B0604030504040204" pitchFamily="34" charset="0"/>
-              </a:rPr>
-              <a:t> </a:t>
-            </a:r>
-            <a:r>
-              <a:rPr lang="en-GB" sz="3200" dirty="0" err="1">
-                <a:latin typeface="Tahoma" panose="020B0604030504040204" pitchFamily="34" charset="0"/>
-                <a:ea typeface="Tahoma" panose="020B0604030504040204" pitchFamily="34" charset="0"/>
-                <a:cs typeface="Tahoma" panose="020B0604030504040204" pitchFamily="34" charset="0"/>
-              </a:rPr>
-              <a:t>hợp</a:t>
-            </a:r>
-            <a:r>
-              <a:rPr lang="en-GB" sz="3200" dirty="0">
-                <a:latin typeface="Tahoma" panose="020B0604030504040204" pitchFamily="34" charset="0"/>
-                <a:ea typeface="Tahoma" panose="020B0604030504040204" pitchFamily="34" charset="0"/>
-                <a:cs typeface="Tahoma" panose="020B0604030504040204" pitchFamily="34" charset="0"/>
-              </a:rPr>
-              <a:t> </a:t>
-            </a:r>
-            <a:r>
-              <a:rPr lang="en-GB" sz="3200" dirty="0" err="1">
-                <a:latin typeface="Tahoma" panose="020B0604030504040204" pitchFamily="34" charset="0"/>
-                <a:ea typeface="Tahoma" panose="020B0604030504040204" pitchFamily="34" charset="0"/>
-                <a:cs typeface="Tahoma" panose="020B0604030504040204" pitchFamily="34" charset="0"/>
-              </a:rPr>
-              <a:t>lệ</a:t>
-            </a:r>
-            <a:r>
-              <a:rPr lang="en-GB" sz="3200" dirty="0">
-                <a:latin typeface="Tahoma" panose="020B0604030504040204" pitchFamily="34" charset="0"/>
-                <a:ea typeface="Tahoma" panose="020B0604030504040204" pitchFamily="34" charset="0"/>
-                <a:cs typeface="Tahoma" panose="020B0604030504040204" pitchFamily="34" charset="0"/>
-              </a:rPr>
-              <a:t>.</a:t>
+              <a:t>Không</a:t>
+            </a:r>
+            <a:r>
+              <a:rPr lang="en-GB" sz="3200" dirty="0">
+                <a:latin typeface="Tahoma" panose="020B0604030504040204" pitchFamily="34" charset="0"/>
+                <a:ea typeface="Tahoma" panose="020B0604030504040204" pitchFamily="34" charset="0"/>
+                <a:cs typeface="Tahoma" panose="020B0604030504040204" pitchFamily="34" charset="0"/>
+              </a:rPr>
+              <a:t> </a:t>
+            </a:r>
+            <a:r>
+              <a:rPr lang="en-GB" sz="3200" dirty="0" err="1">
+                <a:latin typeface="Tahoma" panose="020B0604030504040204" pitchFamily="34" charset="0"/>
+                <a:ea typeface="Tahoma" panose="020B0604030504040204" pitchFamily="34" charset="0"/>
+                <a:cs typeface="Tahoma" panose="020B0604030504040204" pitchFamily="34" charset="0"/>
+              </a:rPr>
+              <a:t>có</a:t>
+            </a:r>
+            <a:r>
+              <a:rPr lang="en-GB" sz="3200" dirty="0">
+                <a:latin typeface="Tahoma" panose="020B0604030504040204" pitchFamily="34" charset="0"/>
+                <a:ea typeface="Tahoma" panose="020B0604030504040204" pitchFamily="34" charset="0"/>
+                <a:cs typeface="Tahoma" panose="020B0604030504040204" pitchFamily="34" charset="0"/>
+              </a:rPr>
+              <a:t> file robots.txt.</a:t>
             </a:r>
           </a:p>
         </p:txBody>
@@ -12078,16 +12062,47 @@
           </a:p>
         </p:txBody>
       </p:sp>
+      <p:sp>
+        <p:nvSpPr>
+          <p:cNvPr id="5" name="Slide Number Placeholder 4">
+            <a:extLst>
+              <a:ext uri="{FF2B5EF4-FFF2-40B4-BE49-F238E27FC236}">
+                <a16:creationId xmlns:a16="http://schemas.microsoft.com/office/drawing/2014/main" id="{B5C3F52B-295B-42B4-8C13-B17EC134213E}"/>
+              </a:ext>
+            </a:extLst>
+          </p:cNvPr>
+          <p:cNvSpPr>
+            <a:spLocks noGrp="1"/>
+          </p:cNvSpPr>
+          <p:nvPr>
+            <p:ph type="sldNum" sz="quarter" idx="12"/>
+          </p:nvPr>
+        </p:nvSpPr>
+        <p:spPr/>
+        <p:txBody>
+          <a:bodyPr/>
+          <a:lstStyle/>
+          <a:p>
+            <a:fld id="{C2A74E92-A1E9-4D96-8B19-9FA9AB19DBB5}" type="slidenum">
+              <a:rPr lang="en-GB" smtClean="0"/>
+              <a:t>9</a:t>
+            </a:fld>
+            <a:endParaRPr lang="en-GB"/>
+          </a:p>
+        </p:txBody>
+      </p:sp>
       <p:pic>
         <p:nvPicPr>
-          <p:cNvPr id="4" name="Picture 3">
-            <a:extLst>
-              <a:ext uri="{FF2B5EF4-FFF2-40B4-BE49-F238E27FC236}">
-                <a16:creationId xmlns:a16="http://schemas.microsoft.com/office/drawing/2014/main" id="{8842C511-1850-4596-A2F2-E74B584DB827}"/>
-              </a:ext>
-            </a:extLst>
-          </p:cNvPr>
-          <p:cNvPicPr/>
+          <p:cNvPr id="6" name="Picture 5">
+            <a:extLst>
+              <a:ext uri="{FF2B5EF4-FFF2-40B4-BE49-F238E27FC236}">
+                <a16:creationId xmlns:a16="http://schemas.microsoft.com/office/drawing/2014/main" id="{A6C7C610-F1DB-410A-9FEE-F528A1D472A0}"/>
+              </a:ext>
+            </a:extLst>
+          </p:cNvPr>
+          <p:cNvPicPr>
+            <a:picLocks noChangeAspect="1"/>
+          </p:cNvPicPr>
           <p:nvPr/>
         </p:nvPicPr>
         <p:blipFill>
@@ -12098,43 +12113,14 @@
         </p:blipFill>
         <p:spPr>
           <a:xfrm>
-            <a:off x="1936465" y="2315231"/>
-            <a:ext cx="8511041" cy="3861732"/>
+            <a:off x="1352145" y="2246212"/>
+            <a:ext cx="9787342" cy="4611788"/>
           </a:xfrm>
           <a:prstGeom prst="rect">
             <a:avLst/>
           </a:prstGeom>
         </p:spPr>
       </p:pic>
-      <p:sp>
-        <p:nvSpPr>
-          <p:cNvPr id="5" name="Slide Number Placeholder 4">
-            <a:extLst>
-              <a:ext uri="{FF2B5EF4-FFF2-40B4-BE49-F238E27FC236}">
-                <a16:creationId xmlns:a16="http://schemas.microsoft.com/office/drawing/2014/main" id="{B5C3F52B-295B-42B4-8C13-B17EC134213E}"/>
-              </a:ext>
-            </a:extLst>
-          </p:cNvPr>
-          <p:cNvSpPr>
-            <a:spLocks noGrp="1"/>
-          </p:cNvSpPr>
-          <p:nvPr>
-            <p:ph type="sldNum" sz="quarter" idx="12"/>
-          </p:nvPr>
-        </p:nvSpPr>
-        <p:spPr/>
-        <p:txBody>
-          <a:bodyPr/>
-          <a:lstStyle/>
-          <a:p>
-            <a:fld id="{C2A74E92-A1E9-4D96-8B19-9FA9AB19DBB5}" type="slidenum">
-              <a:rPr lang="en-GB" smtClean="0"/>
-              <a:t>9</a:t>
-            </a:fld>
-            <a:endParaRPr lang="en-GB"/>
-          </a:p>
-        </p:txBody>
-      </p:sp>
     </p:spTree>
     <p:extLst>
       <p:ext uri="{BB962C8B-B14F-4D97-AF65-F5344CB8AC3E}">

--- a/Report/1612888_1612892.pptx
+++ b/Report/1612888_1612892.pptx
@@ -5,10 +5,10 @@
     <p:sldMasterId id="2147483732" r:id="rId1"/>
   </p:sldMasterIdLst>
   <p:notesMasterIdLst>
-    <p:notesMasterId r:id="rId23"/>
+    <p:notesMasterId r:id="rId30"/>
   </p:notesMasterIdLst>
   <p:handoutMasterIdLst>
-    <p:handoutMasterId r:id="rId24"/>
+    <p:handoutMasterId r:id="rId31"/>
   </p:handoutMasterIdLst>
   <p:sldIdLst>
     <p:sldId id="256" r:id="rId2"/>
@@ -20,18 +20,25 @@
     <p:sldId id="271" r:id="rId8"/>
     <p:sldId id="275" r:id="rId9"/>
     <p:sldId id="261" r:id="rId10"/>
-    <p:sldId id="262" r:id="rId11"/>
-    <p:sldId id="263" r:id="rId12"/>
-    <p:sldId id="264" r:id="rId13"/>
-    <p:sldId id="265" r:id="rId14"/>
-    <p:sldId id="266" r:id="rId15"/>
-    <p:sldId id="267" r:id="rId16"/>
-    <p:sldId id="272" r:id="rId17"/>
-    <p:sldId id="273" r:id="rId18"/>
-    <p:sldId id="268" r:id="rId19"/>
-    <p:sldId id="274" r:id="rId20"/>
-    <p:sldId id="269" r:id="rId21"/>
-    <p:sldId id="270" r:id="rId22"/>
+    <p:sldId id="278" r:id="rId11"/>
+    <p:sldId id="262" r:id="rId12"/>
+    <p:sldId id="279" r:id="rId13"/>
+    <p:sldId id="263" r:id="rId14"/>
+    <p:sldId id="280" r:id="rId15"/>
+    <p:sldId id="264" r:id="rId16"/>
+    <p:sldId id="281" r:id="rId17"/>
+    <p:sldId id="265" r:id="rId18"/>
+    <p:sldId id="266" r:id="rId19"/>
+    <p:sldId id="282" r:id="rId20"/>
+    <p:sldId id="267" r:id="rId21"/>
+    <p:sldId id="272" r:id="rId22"/>
+    <p:sldId id="273" r:id="rId23"/>
+    <p:sldId id="277" r:id="rId24"/>
+    <p:sldId id="283" r:id="rId25"/>
+    <p:sldId id="268" r:id="rId26"/>
+    <p:sldId id="274" r:id="rId27"/>
+    <p:sldId id="269" r:id="rId28"/>
+    <p:sldId id="270" r:id="rId29"/>
   </p:sldIdLst>
   <p:sldSz cx="12192000" cy="6858000"/>
   <p:notesSz cx="6858000" cy="9144000"/>
@@ -4304,6 +4311,659 @@
               <a:t>MLP Classifier</a:t>
             </a:r>
           </a:p>
+          <a:p>
+            <a:pPr marL="0" indent="0">
+              <a:buNone/>
+            </a:pPr>
+            <a:r>
+              <a:rPr lang="en-GB" sz="3200" dirty="0">
+                <a:latin typeface="Tahoma" panose="020B0604030504040204" pitchFamily="34" charset="0"/>
+                <a:ea typeface="Tahoma" panose="020B0604030504040204" pitchFamily="34" charset="0"/>
+                <a:cs typeface="Tahoma" panose="020B0604030504040204" pitchFamily="34" charset="0"/>
+              </a:rPr>
+              <a:t>MLP </a:t>
+            </a:r>
+            <a:r>
+              <a:rPr lang="en-GB" sz="3200" dirty="0" err="1">
+                <a:latin typeface="Tahoma" panose="020B0604030504040204" pitchFamily="34" charset="0"/>
+                <a:ea typeface="Tahoma" panose="020B0604030504040204" pitchFamily="34" charset="0"/>
+                <a:cs typeface="Tahoma" panose="020B0604030504040204" pitchFamily="34" charset="0"/>
+              </a:rPr>
+              <a:t>là</a:t>
+            </a:r>
+            <a:r>
+              <a:rPr lang="en-GB" sz="3200" dirty="0">
+                <a:latin typeface="Tahoma" panose="020B0604030504040204" pitchFamily="34" charset="0"/>
+                <a:ea typeface="Tahoma" panose="020B0604030504040204" pitchFamily="34" charset="0"/>
+                <a:cs typeface="Tahoma" panose="020B0604030504040204" pitchFamily="34" charset="0"/>
+              </a:rPr>
+              <a:t> </a:t>
+            </a:r>
+            <a:r>
+              <a:rPr lang="en-GB" sz="3200" dirty="0" err="1">
+                <a:latin typeface="Tahoma" panose="020B0604030504040204" pitchFamily="34" charset="0"/>
+                <a:ea typeface="Tahoma" panose="020B0604030504040204" pitchFamily="34" charset="0"/>
+                <a:cs typeface="Tahoma" panose="020B0604030504040204" pitchFamily="34" charset="0"/>
+              </a:rPr>
+              <a:t>một</a:t>
+            </a:r>
+            <a:r>
+              <a:rPr lang="en-GB" sz="3200" dirty="0">
+                <a:latin typeface="Tahoma" panose="020B0604030504040204" pitchFamily="34" charset="0"/>
+                <a:ea typeface="Tahoma" panose="020B0604030504040204" pitchFamily="34" charset="0"/>
+                <a:cs typeface="Tahoma" panose="020B0604030504040204" pitchFamily="34" charset="0"/>
+              </a:rPr>
+              <a:t> </a:t>
+            </a:r>
+            <a:r>
+              <a:rPr lang="en-GB" sz="3200" dirty="0" err="1">
+                <a:latin typeface="Tahoma" panose="020B0604030504040204" pitchFamily="34" charset="0"/>
+                <a:ea typeface="Tahoma" panose="020B0604030504040204" pitchFamily="34" charset="0"/>
+                <a:cs typeface="Tahoma" panose="020B0604030504040204" pitchFamily="34" charset="0"/>
+              </a:rPr>
+              <a:t>thuật</a:t>
+            </a:r>
+            <a:r>
+              <a:rPr lang="en-GB" sz="3200" dirty="0">
+                <a:latin typeface="Tahoma" panose="020B0604030504040204" pitchFamily="34" charset="0"/>
+                <a:ea typeface="Tahoma" panose="020B0604030504040204" pitchFamily="34" charset="0"/>
+                <a:cs typeface="Tahoma" panose="020B0604030504040204" pitchFamily="34" charset="0"/>
+              </a:rPr>
+              <a:t> </a:t>
+            </a:r>
+            <a:r>
+              <a:rPr lang="en-GB" sz="3200" dirty="0" err="1">
+                <a:latin typeface="Tahoma" panose="020B0604030504040204" pitchFamily="34" charset="0"/>
+                <a:ea typeface="Tahoma" panose="020B0604030504040204" pitchFamily="34" charset="0"/>
+                <a:cs typeface="Tahoma" panose="020B0604030504040204" pitchFamily="34" charset="0"/>
+              </a:rPr>
+              <a:t>toán</a:t>
+            </a:r>
+            <a:r>
+              <a:rPr lang="en-GB" sz="3200" dirty="0">
+                <a:latin typeface="Tahoma" panose="020B0604030504040204" pitchFamily="34" charset="0"/>
+                <a:ea typeface="Tahoma" panose="020B0604030504040204" pitchFamily="34" charset="0"/>
+                <a:cs typeface="Tahoma" panose="020B0604030504040204" pitchFamily="34" charset="0"/>
+              </a:rPr>
+              <a:t> </a:t>
+            </a:r>
+            <a:r>
+              <a:rPr lang="en-GB" sz="3200" dirty="0" err="1">
+                <a:latin typeface="Tahoma" panose="020B0604030504040204" pitchFamily="34" charset="0"/>
+                <a:ea typeface="Tahoma" panose="020B0604030504040204" pitchFamily="34" charset="0"/>
+                <a:cs typeface="Tahoma" panose="020B0604030504040204" pitchFamily="34" charset="0"/>
+              </a:rPr>
+              <a:t>học</a:t>
+            </a:r>
+            <a:r>
+              <a:rPr lang="en-GB" sz="3200" dirty="0">
+                <a:latin typeface="Tahoma" panose="020B0604030504040204" pitchFamily="34" charset="0"/>
+                <a:ea typeface="Tahoma" panose="020B0604030504040204" pitchFamily="34" charset="0"/>
+                <a:cs typeface="Tahoma" panose="020B0604030504040204" pitchFamily="34" charset="0"/>
+              </a:rPr>
+              <a:t> </a:t>
+            </a:r>
+            <a:r>
+              <a:rPr lang="en-GB" sz="3200" dirty="0" err="1">
+                <a:latin typeface="Tahoma" panose="020B0604030504040204" pitchFamily="34" charset="0"/>
+                <a:ea typeface="Tahoma" panose="020B0604030504040204" pitchFamily="34" charset="0"/>
+                <a:cs typeface="Tahoma" panose="020B0604030504040204" pitchFamily="34" charset="0"/>
+              </a:rPr>
+              <a:t>có</a:t>
+            </a:r>
+            <a:r>
+              <a:rPr lang="en-GB" sz="3200" dirty="0">
+                <a:latin typeface="Tahoma" panose="020B0604030504040204" pitchFamily="34" charset="0"/>
+                <a:ea typeface="Tahoma" panose="020B0604030504040204" pitchFamily="34" charset="0"/>
+                <a:cs typeface="Tahoma" panose="020B0604030504040204" pitchFamily="34" charset="0"/>
+              </a:rPr>
+              <a:t> </a:t>
+            </a:r>
+            <a:r>
+              <a:rPr lang="en-GB" sz="3200" dirty="0" err="1">
+                <a:latin typeface="Tahoma" panose="020B0604030504040204" pitchFamily="34" charset="0"/>
+                <a:ea typeface="Tahoma" panose="020B0604030504040204" pitchFamily="34" charset="0"/>
+                <a:cs typeface="Tahoma" panose="020B0604030504040204" pitchFamily="34" charset="0"/>
+              </a:rPr>
+              <a:t>giám</a:t>
+            </a:r>
+            <a:r>
+              <a:rPr lang="en-GB" sz="3200" dirty="0">
+                <a:latin typeface="Tahoma" panose="020B0604030504040204" pitchFamily="34" charset="0"/>
+                <a:ea typeface="Tahoma" panose="020B0604030504040204" pitchFamily="34" charset="0"/>
+                <a:cs typeface="Tahoma" panose="020B0604030504040204" pitchFamily="34" charset="0"/>
+              </a:rPr>
+              <a:t> </a:t>
+            </a:r>
+            <a:r>
+              <a:rPr lang="en-GB" sz="3200" dirty="0" err="1">
+                <a:latin typeface="Tahoma" panose="020B0604030504040204" pitchFamily="34" charset="0"/>
+                <a:ea typeface="Tahoma" panose="020B0604030504040204" pitchFamily="34" charset="0"/>
+                <a:cs typeface="Tahoma" panose="020B0604030504040204" pitchFamily="34" charset="0"/>
+              </a:rPr>
+              <a:t>sát</a:t>
+            </a:r>
+            <a:r>
+              <a:rPr lang="en-GB" sz="3200" dirty="0">
+                <a:latin typeface="Tahoma" panose="020B0604030504040204" pitchFamily="34" charset="0"/>
+                <a:ea typeface="Tahoma" panose="020B0604030504040204" pitchFamily="34" charset="0"/>
+                <a:cs typeface="Tahoma" panose="020B0604030504040204" pitchFamily="34" charset="0"/>
+              </a:rPr>
+              <a:t>. </a:t>
+            </a:r>
+            <a:r>
+              <a:rPr lang="en-GB" sz="3200" dirty="0" err="1">
+                <a:latin typeface="Tahoma" panose="020B0604030504040204" pitchFamily="34" charset="0"/>
+                <a:ea typeface="Tahoma" panose="020B0604030504040204" pitchFamily="34" charset="0"/>
+                <a:cs typeface="Tahoma" panose="020B0604030504040204" pitchFamily="34" charset="0"/>
+              </a:rPr>
+              <a:t>Nó</a:t>
+            </a:r>
+            <a:r>
+              <a:rPr lang="en-GB" sz="3200" dirty="0">
+                <a:latin typeface="Tahoma" panose="020B0604030504040204" pitchFamily="34" charset="0"/>
+                <a:ea typeface="Tahoma" panose="020B0604030504040204" pitchFamily="34" charset="0"/>
+                <a:cs typeface="Tahoma" panose="020B0604030504040204" pitchFamily="34" charset="0"/>
+              </a:rPr>
+              <a:t> </a:t>
+            </a:r>
+            <a:r>
+              <a:rPr lang="en-GB" sz="3200" dirty="0" err="1">
+                <a:latin typeface="Tahoma" panose="020B0604030504040204" pitchFamily="34" charset="0"/>
+                <a:ea typeface="Tahoma" panose="020B0604030504040204" pitchFamily="34" charset="0"/>
+                <a:cs typeface="Tahoma" panose="020B0604030504040204" pitchFamily="34" charset="0"/>
+              </a:rPr>
+              <a:t>học</a:t>
+            </a:r>
+            <a:r>
+              <a:rPr lang="en-GB" sz="3200" dirty="0">
+                <a:latin typeface="Tahoma" panose="020B0604030504040204" pitchFamily="34" charset="0"/>
+                <a:ea typeface="Tahoma" panose="020B0604030504040204" pitchFamily="34" charset="0"/>
+                <a:cs typeface="Tahoma" panose="020B0604030504040204" pitchFamily="34" charset="0"/>
+              </a:rPr>
+              <a:t> </a:t>
+            </a:r>
+            <a:r>
+              <a:rPr lang="en-GB" sz="3200" dirty="0" err="1">
+                <a:latin typeface="Tahoma" panose="020B0604030504040204" pitchFamily="34" charset="0"/>
+                <a:ea typeface="Tahoma" panose="020B0604030504040204" pitchFamily="34" charset="0"/>
+                <a:cs typeface="Tahoma" panose="020B0604030504040204" pitchFamily="34" charset="0"/>
+              </a:rPr>
+              <a:t>một</a:t>
+            </a:r>
+            <a:r>
+              <a:rPr lang="en-GB" sz="3200" dirty="0">
+                <a:latin typeface="Tahoma" panose="020B0604030504040204" pitchFamily="34" charset="0"/>
+                <a:ea typeface="Tahoma" panose="020B0604030504040204" pitchFamily="34" charset="0"/>
+                <a:cs typeface="Tahoma" panose="020B0604030504040204" pitchFamily="34" charset="0"/>
+              </a:rPr>
+              <a:t> </a:t>
+            </a:r>
+            <a:r>
+              <a:rPr lang="en-GB" sz="3200" dirty="0" err="1">
+                <a:latin typeface="Tahoma" panose="020B0604030504040204" pitchFamily="34" charset="0"/>
+                <a:ea typeface="Tahoma" panose="020B0604030504040204" pitchFamily="34" charset="0"/>
+                <a:cs typeface="Tahoma" panose="020B0604030504040204" pitchFamily="34" charset="0"/>
+              </a:rPr>
+              <a:t>hàm</a:t>
+            </a:r>
+            <a:r>
+              <a:rPr lang="en-GB" sz="3200" dirty="0">
+                <a:latin typeface="Tahoma" panose="020B0604030504040204" pitchFamily="34" charset="0"/>
+                <a:ea typeface="Tahoma" panose="020B0604030504040204" pitchFamily="34" charset="0"/>
+                <a:cs typeface="Tahoma" panose="020B0604030504040204" pitchFamily="34" charset="0"/>
+              </a:rPr>
+              <a:t> </a:t>
+            </a:r>
+            <a:r>
+              <a:rPr lang="en-GB" sz="3200" dirty="0" err="1">
+                <a:latin typeface="Tahoma" panose="020B0604030504040204" pitchFamily="34" charset="0"/>
+                <a:ea typeface="Tahoma" panose="020B0604030504040204" pitchFamily="34" charset="0"/>
+                <a:cs typeface="Tahoma" panose="020B0604030504040204" pitchFamily="34" charset="0"/>
+              </a:rPr>
+              <a:t>xấp</a:t>
+            </a:r>
+            <a:r>
+              <a:rPr lang="en-GB" sz="3200" dirty="0">
+                <a:latin typeface="Tahoma" panose="020B0604030504040204" pitchFamily="34" charset="0"/>
+                <a:ea typeface="Tahoma" panose="020B0604030504040204" pitchFamily="34" charset="0"/>
+                <a:cs typeface="Tahoma" panose="020B0604030504040204" pitchFamily="34" charset="0"/>
+              </a:rPr>
+              <a:t> </a:t>
+            </a:r>
+            <a:r>
+              <a:rPr lang="en-GB" sz="3200" dirty="0" err="1">
+                <a:latin typeface="Tahoma" panose="020B0604030504040204" pitchFamily="34" charset="0"/>
+                <a:ea typeface="Tahoma" panose="020B0604030504040204" pitchFamily="34" charset="0"/>
+                <a:cs typeface="Tahoma" panose="020B0604030504040204" pitchFamily="34" charset="0"/>
+              </a:rPr>
+              <a:t>xỉ</a:t>
+            </a:r>
+            <a:r>
+              <a:rPr lang="en-GB" sz="3200" dirty="0">
+                <a:latin typeface="Tahoma" panose="020B0604030504040204" pitchFamily="34" charset="0"/>
+                <a:ea typeface="Tahoma" panose="020B0604030504040204" pitchFamily="34" charset="0"/>
+                <a:cs typeface="Tahoma" panose="020B0604030504040204" pitchFamily="34" charset="0"/>
+              </a:rPr>
+              <a:t> </a:t>
+            </a:r>
+            <a:r>
+              <a:rPr lang="en-GB" sz="3200" dirty="0" err="1">
+                <a:latin typeface="Tahoma" panose="020B0604030504040204" pitchFamily="34" charset="0"/>
+                <a:ea typeface="Tahoma" panose="020B0604030504040204" pitchFamily="34" charset="0"/>
+                <a:cs typeface="Tahoma" panose="020B0604030504040204" pitchFamily="34" charset="0"/>
+              </a:rPr>
+              <a:t>hàm</a:t>
+            </a:r>
+            <a:r>
+              <a:rPr lang="en-GB" sz="3200" dirty="0">
+                <a:latin typeface="Tahoma" panose="020B0604030504040204" pitchFamily="34" charset="0"/>
+                <a:ea typeface="Tahoma" panose="020B0604030504040204" pitchFamily="34" charset="0"/>
+                <a:cs typeface="Tahoma" panose="020B0604030504040204" pitchFamily="34" charset="0"/>
+              </a:rPr>
+              <a:t> phi </a:t>
+            </a:r>
+            <a:r>
+              <a:rPr lang="en-GB" sz="3200" dirty="0" err="1">
+                <a:latin typeface="Tahoma" panose="020B0604030504040204" pitchFamily="34" charset="0"/>
+                <a:ea typeface="Tahoma" panose="020B0604030504040204" pitchFamily="34" charset="0"/>
+                <a:cs typeface="Tahoma" panose="020B0604030504040204" pitchFamily="34" charset="0"/>
+              </a:rPr>
+              <a:t>tuyến</a:t>
+            </a:r>
+            <a:r>
+              <a:rPr lang="en-GB" sz="3200" dirty="0">
+                <a:latin typeface="Tahoma" panose="020B0604030504040204" pitchFamily="34" charset="0"/>
+                <a:ea typeface="Tahoma" panose="020B0604030504040204" pitchFamily="34" charset="0"/>
+                <a:cs typeface="Tahoma" panose="020B0604030504040204" pitchFamily="34" charset="0"/>
+              </a:rPr>
+              <a:t> </a:t>
+            </a:r>
+            <a:r>
+              <a:rPr lang="en-GB" sz="3200" dirty="0" err="1">
+                <a:latin typeface="Tahoma" panose="020B0604030504040204" pitchFamily="34" charset="0"/>
+                <a:ea typeface="Tahoma" panose="020B0604030504040204" pitchFamily="34" charset="0"/>
+                <a:cs typeface="Tahoma" panose="020B0604030504040204" pitchFamily="34" charset="0"/>
+              </a:rPr>
+              <a:t>tính</a:t>
+            </a:r>
+            <a:r>
+              <a:rPr lang="en-GB" sz="3200" dirty="0">
+                <a:latin typeface="Tahoma" panose="020B0604030504040204" pitchFamily="34" charset="0"/>
+                <a:ea typeface="Tahoma" panose="020B0604030504040204" pitchFamily="34" charset="0"/>
+                <a:cs typeface="Tahoma" panose="020B0604030504040204" pitchFamily="34" charset="0"/>
+              </a:rPr>
+              <a:t> </a:t>
+            </a:r>
+            <a:r>
+              <a:rPr lang="en-GB" sz="3200" dirty="0" err="1">
+                <a:latin typeface="Tahoma" panose="020B0604030504040204" pitchFamily="34" charset="0"/>
+                <a:ea typeface="Tahoma" panose="020B0604030504040204" pitchFamily="34" charset="0"/>
+                <a:cs typeface="Tahoma" panose="020B0604030504040204" pitchFamily="34" charset="0"/>
+              </a:rPr>
+              <a:t>để</a:t>
+            </a:r>
+            <a:r>
+              <a:rPr lang="en-GB" sz="3200" dirty="0">
+                <a:latin typeface="Tahoma" panose="020B0604030504040204" pitchFamily="34" charset="0"/>
+                <a:ea typeface="Tahoma" panose="020B0604030504040204" pitchFamily="34" charset="0"/>
+                <a:cs typeface="Tahoma" panose="020B0604030504040204" pitchFamily="34" charset="0"/>
+              </a:rPr>
+              <a:t> </a:t>
+            </a:r>
+            <a:r>
+              <a:rPr lang="en-GB" sz="3200" dirty="0" err="1">
+                <a:latin typeface="Tahoma" panose="020B0604030504040204" pitchFamily="34" charset="0"/>
+                <a:ea typeface="Tahoma" panose="020B0604030504040204" pitchFamily="34" charset="0"/>
+                <a:cs typeface="Tahoma" panose="020B0604030504040204" pitchFamily="34" charset="0"/>
+              </a:rPr>
+              <a:t>phân</a:t>
+            </a:r>
+            <a:r>
+              <a:rPr lang="en-GB" sz="3200" dirty="0">
+                <a:latin typeface="Tahoma" panose="020B0604030504040204" pitchFamily="34" charset="0"/>
+                <a:ea typeface="Tahoma" panose="020B0604030504040204" pitchFamily="34" charset="0"/>
+                <a:cs typeface="Tahoma" panose="020B0604030504040204" pitchFamily="34" charset="0"/>
+              </a:rPr>
+              <a:t> </a:t>
+            </a:r>
+            <a:r>
+              <a:rPr lang="en-GB" sz="3200" dirty="0" err="1">
+                <a:latin typeface="Tahoma" panose="020B0604030504040204" pitchFamily="34" charset="0"/>
+                <a:ea typeface="Tahoma" panose="020B0604030504040204" pitchFamily="34" charset="0"/>
+                <a:cs typeface="Tahoma" panose="020B0604030504040204" pitchFamily="34" charset="0"/>
+              </a:rPr>
+              <a:t>loại</a:t>
+            </a:r>
+            <a:r>
+              <a:rPr lang="en-GB" sz="3200" dirty="0">
+                <a:latin typeface="Tahoma" panose="020B0604030504040204" pitchFamily="34" charset="0"/>
+                <a:ea typeface="Tahoma" panose="020B0604030504040204" pitchFamily="34" charset="0"/>
+                <a:cs typeface="Tahoma" panose="020B0604030504040204" pitchFamily="34" charset="0"/>
+              </a:rPr>
+              <a:t> </a:t>
+            </a:r>
+            <a:r>
+              <a:rPr lang="en-GB" sz="3200" dirty="0" err="1">
+                <a:latin typeface="Tahoma" panose="020B0604030504040204" pitchFamily="34" charset="0"/>
+                <a:ea typeface="Tahoma" panose="020B0604030504040204" pitchFamily="34" charset="0"/>
+                <a:cs typeface="Tahoma" panose="020B0604030504040204" pitchFamily="34" charset="0"/>
+              </a:rPr>
+              <a:t>hoặc</a:t>
+            </a:r>
+            <a:r>
+              <a:rPr lang="en-GB" sz="3200" dirty="0">
+                <a:latin typeface="Tahoma" panose="020B0604030504040204" pitchFamily="34" charset="0"/>
+                <a:ea typeface="Tahoma" panose="020B0604030504040204" pitchFamily="34" charset="0"/>
+                <a:cs typeface="Tahoma" panose="020B0604030504040204" pitchFamily="34" charset="0"/>
+              </a:rPr>
+              <a:t> </a:t>
+            </a:r>
+            <a:r>
+              <a:rPr lang="en-GB" sz="3200" dirty="0" err="1">
+                <a:latin typeface="Tahoma" panose="020B0604030504040204" pitchFamily="34" charset="0"/>
+                <a:ea typeface="Tahoma" panose="020B0604030504040204" pitchFamily="34" charset="0"/>
+                <a:cs typeface="Tahoma" panose="020B0604030504040204" pitchFamily="34" charset="0"/>
+              </a:rPr>
+              <a:t>hồi</a:t>
+            </a:r>
+            <a:r>
+              <a:rPr lang="en-GB" sz="3200" dirty="0">
+                <a:latin typeface="Tahoma" panose="020B0604030504040204" pitchFamily="34" charset="0"/>
+                <a:ea typeface="Tahoma" panose="020B0604030504040204" pitchFamily="34" charset="0"/>
+                <a:cs typeface="Tahoma" panose="020B0604030504040204" pitchFamily="34" charset="0"/>
+              </a:rPr>
+              <a:t> </a:t>
+            </a:r>
+            <a:r>
+              <a:rPr lang="en-GB" sz="3200" dirty="0" err="1">
+                <a:latin typeface="Tahoma" panose="020B0604030504040204" pitchFamily="34" charset="0"/>
+                <a:ea typeface="Tahoma" panose="020B0604030504040204" pitchFamily="34" charset="0"/>
+                <a:cs typeface="Tahoma" panose="020B0604030504040204" pitchFamily="34" charset="0"/>
+              </a:rPr>
+              <a:t>quy</a:t>
+            </a:r>
+            <a:r>
+              <a:rPr lang="en-GB" sz="3200" dirty="0">
+                <a:latin typeface="Tahoma" panose="020B0604030504040204" pitchFamily="34" charset="0"/>
+                <a:ea typeface="Tahoma" panose="020B0604030504040204" pitchFamily="34" charset="0"/>
+                <a:cs typeface="Tahoma" panose="020B0604030504040204" pitchFamily="34" charset="0"/>
+              </a:rPr>
+              <a:t> </a:t>
+            </a:r>
+            <a:r>
+              <a:rPr lang="en-GB" sz="3200" dirty="0" err="1">
+                <a:latin typeface="Tahoma" panose="020B0604030504040204" pitchFamily="34" charset="0"/>
+                <a:ea typeface="Tahoma" panose="020B0604030504040204" pitchFamily="34" charset="0"/>
+                <a:cs typeface="Tahoma" panose="020B0604030504040204" pitchFamily="34" charset="0"/>
+              </a:rPr>
+              <a:t>bằng</a:t>
+            </a:r>
+            <a:r>
+              <a:rPr lang="en-GB" sz="3200" dirty="0">
+                <a:latin typeface="Tahoma" panose="020B0604030504040204" pitchFamily="34" charset="0"/>
+                <a:ea typeface="Tahoma" panose="020B0604030504040204" pitchFamily="34" charset="0"/>
+                <a:cs typeface="Tahoma" panose="020B0604030504040204" pitchFamily="34" charset="0"/>
+              </a:rPr>
+              <a:t> </a:t>
+            </a:r>
+            <a:r>
+              <a:rPr lang="en-GB" sz="3200" dirty="0" err="1">
+                <a:latin typeface="Tahoma" panose="020B0604030504040204" pitchFamily="34" charset="0"/>
+                <a:ea typeface="Tahoma" panose="020B0604030504040204" pitchFamily="34" charset="0"/>
+                <a:cs typeface="Tahoma" panose="020B0604030504040204" pitchFamily="34" charset="0"/>
+              </a:rPr>
+              <a:t>cách</a:t>
+            </a:r>
+            <a:r>
+              <a:rPr lang="en-GB" sz="3200" dirty="0">
+                <a:latin typeface="Tahoma" panose="020B0604030504040204" pitchFamily="34" charset="0"/>
+                <a:ea typeface="Tahoma" panose="020B0604030504040204" pitchFamily="34" charset="0"/>
+                <a:cs typeface="Tahoma" panose="020B0604030504040204" pitchFamily="34" charset="0"/>
+              </a:rPr>
+              <a:t> training </a:t>
+            </a:r>
+            <a:r>
+              <a:rPr lang="en-GB" sz="3200" dirty="0" err="1">
+                <a:latin typeface="Tahoma" panose="020B0604030504040204" pitchFamily="34" charset="0"/>
+                <a:ea typeface="Tahoma" panose="020B0604030504040204" pitchFamily="34" charset="0"/>
+                <a:cs typeface="Tahoma" panose="020B0604030504040204" pitchFamily="34" charset="0"/>
+              </a:rPr>
+              <a:t>trên</a:t>
+            </a:r>
+            <a:r>
+              <a:rPr lang="en-GB" sz="3200" dirty="0">
+                <a:latin typeface="Tahoma" panose="020B0604030504040204" pitchFamily="34" charset="0"/>
+                <a:ea typeface="Tahoma" panose="020B0604030504040204" pitchFamily="34" charset="0"/>
+                <a:cs typeface="Tahoma" panose="020B0604030504040204" pitchFamily="34" charset="0"/>
+              </a:rPr>
+              <a:t> </a:t>
+            </a:r>
+            <a:r>
+              <a:rPr lang="en-GB" sz="3200" dirty="0" err="1">
+                <a:latin typeface="Tahoma" panose="020B0604030504040204" pitchFamily="34" charset="0"/>
+                <a:ea typeface="Tahoma" panose="020B0604030504040204" pitchFamily="34" charset="0"/>
+                <a:cs typeface="Tahoma" panose="020B0604030504040204" pitchFamily="34" charset="0"/>
+              </a:rPr>
+              <a:t>bộ</a:t>
+            </a:r>
+            <a:r>
+              <a:rPr lang="en-GB" sz="3200" dirty="0">
+                <a:latin typeface="Tahoma" panose="020B0604030504040204" pitchFamily="34" charset="0"/>
+                <a:ea typeface="Tahoma" panose="020B0604030504040204" pitchFamily="34" charset="0"/>
+                <a:cs typeface="Tahoma" panose="020B0604030504040204" pitchFamily="34" charset="0"/>
+              </a:rPr>
+              <a:t> </a:t>
+            </a:r>
+            <a:r>
+              <a:rPr lang="en-GB" sz="3200" dirty="0" err="1">
+                <a:latin typeface="Tahoma" panose="020B0604030504040204" pitchFamily="34" charset="0"/>
+                <a:ea typeface="Tahoma" panose="020B0604030504040204" pitchFamily="34" charset="0"/>
+                <a:cs typeface="Tahoma" panose="020B0604030504040204" pitchFamily="34" charset="0"/>
+              </a:rPr>
+              <a:t>dữ</a:t>
+            </a:r>
+            <a:r>
+              <a:rPr lang="en-GB" sz="3200" dirty="0">
+                <a:latin typeface="Tahoma" panose="020B0604030504040204" pitchFamily="34" charset="0"/>
+                <a:ea typeface="Tahoma" panose="020B0604030504040204" pitchFamily="34" charset="0"/>
+                <a:cs typeface="Tahoma" panose="020B0604030504040204" pitchFamily="34" charset="0"/>
+              </a:rPr>
+              <a:t> </a:t>
+            </a:r>
+            <a:r>
+              <a:rPr lang="en-GB" sz="3200" dirty="0" err="1">
+                <a:latin typeface="Tahoma" panose="020B0604030504040204" pitchFamily="34" charset="0"/>
+                <a:ea typeface="Tahoma" panose="020B0604030504040204" pitchFamily="34" charset="0"/>
+                <a:cs typeface="Tahoma" panose="020B0604030504040204" pitchFamily="34" charset="0"/>
+              </a:rPr>
+              <a:t>liệu</a:t>
+            </a:r>
+            <a:r>
+              <a:rPr lang="en-GB" sz="3200" dirty="0">
+                <a:latin typeface="Tahoma" panose="020B0604030504040204" pitchFamily="34" charset="0"/>
+                <a:ea typeface="Tahoma" panose="020B0604030504040204" pitchFamily="34" charset="0"/>
+                <a:cs typeface="Tahoma" panose="020B0604030504040204" pitchFamily="34" charset="0"/>
+              </a:rPr>
+              <a:t> </a:t>
+            </a:r>
+            <a:r>
+              <a:rPr lang="en-GB" sz="3200" dirty="0" err="1">
+                <a:latin typeface="Tahoma" panose="020B0604030504040204" pitchFamily="34" charset="0"/>
+                <a:ea typeface="Tahoma" panose="020B0604030504040204" pitchFamily="34" charset="0"/>
+                <a:cs typeface="Tahoma" panose="020B0604030504040204" pitchFamily="34" charset="0"/>
+              </a:rPr>
+              <a:t>có</a:t>
+            </a:r>
+            <a:r>
+              <a:rPr lang="en-GB" sz="3200" dirty="0">
+                <a:latin typeface="Tahoma" panose="020B0604030504040204" pitchFamily="34" charset="0"/>
+                <a:ea typeface="Tahoma" panose="020B0604030504040204" pitchFamily="34" charset="0"/>
+                <a:cs typeface="Tahoma" panose="020B0604030504040204" pitchFamily="34" charset="0"/>
+              </a:rPr>
+              <a:t> </a:t>
+            </a:r>
+            <a:r>
+              <a:rPr lang="en-GB" sz="3200" dirty="0" err="1">
+                <a:latin typeface="Tahoma" panose="020B0604030504040204" pitchFamily="34" charset="0"/>
+                <a:ea typeface="Tahoma" panose="020B0604030504040204" pitchFamily="34" charset="0"/>
+                <a:cs typeface="Tahoma" panose="020B0604030504040204" pitchFamily="34" charset="0"/>
+              </a:rPr>
+              <a:t>một</a:t>
+            </a:r>
+            <a:r>
+              <a:rPr lang="en-GB" sz="3200" dirty="0">
+                <a:latin typeface="Tahoma" panose="020B0604030504040204" pitchFamily="34" charset="0"/>
+                <a:ea typeface="Tahoma" panose="020B0604030504040204" pitchFamily="34" charset="0"/>
+                <a:cs typeface="Tahoma" panose="020B0604030504040204" pitchFamily="34" charset="0"/>
+              </a:rPr>
+              <a:t> </a:t>
+            </a:r>
+            <a:r>
+              <a:rPr lang="en-GB" sz="3200" dirty="0" err="1">
+                <a:latin typeface="Tahoma" panose="020B0604030504040204" pitchFamily="34" charset="0"/>
+                <a:ea typeface="Tahoma" panose="020B0604030504040204" pitchFamily="34" charset="0"/>
+                <a:cs typeface="Tahoma" panose="020B0604030504040204" pitchFamily="34" charset="0"/>
+              </a:rPr>
+              <a:t>tập</a:t>
+            </a:r>
+            <a:r>
+              <a:rPr lang="en-GB" sz="3200" dirty="0">
+                <a:latin typeface="Tahoma" panose="020B0604030504040204" pitchFamily="34" charset="0"/>
+                <a:ea typeface="Tahoma" panose="020B0604030504040204" pitchFamily="34" charset="0"/>
+                <a:cs typeface="Tahoma" panose="020B0604030504040204" pitchFamily="34" charset="0"/>
+              </a:rPr>
+              <a:t> </a:t>
+            </a:r>
+            <a:r>
+              <a:rPr lang="en-GB" sz="3200" dirty="0" err="1">
+                <a:latin typeface="Tahoma" panose="020B0604030504040204" pitchFamily="34" charset="0"/>
+                <a:ea typeface="Tahoma" panose="020B0604030504040204" pitchFamily="34" charset="0"/>
+                <a:cs typeface="Tahoma" panose="020B0604030504040204" pitchFamily="34" charset="0"/>
+              </a:rPr>
+              <a:t>hợp</a:t>
+            </a:r>
+            <a:r>
+              <a:rPr lang="en-GB" sz="3200" dirty="0">
+                <a:latin typeface="Tahoma" panose="020B0604030504040204" pitchFamily="34" charset="0"/>
+                <a:ea typeface="Tahoma" panose="020B0604030504040204" pitchFamily="34" charset="0"/>
+                <a:cs typeface="Tahoma" panose="020B0604030504040204" pitchFamily="34" charset="0"/>
+              </a:rPr>
+              <a:t> </a:t>
+            </a:r>
+            <a:r>
+              <a:rPr lang="en-GB" sz="3200" dirty="0" err="1">
+                <a:latin typeface="Tahoma" panose="020B0604030504040204" pitchFamily="34" charset="0"/>
+                <a:ea typeface="Tahoma" panose="020B0604030504040204" pitchFamily="34" charset="0"/>
+                <a:cs typeface="Tahoma" panose="020B0604030504040204" pitchFamily="34" charset="0"/>
+              </a:rPr>
+              <a:t>các</a:t>
+            </a:r>
+            <a:r>
+              <a:rPr lang="en-GB" sz="3200" dirty="0">
+                <a:latin typeface="Tahoma" panose="020B0604030504040204" pitchFamily="34" charset="0"/>
+                <a:ea typeface="Tahoma" panose="020B0604030504040204" pitchFamily="34" charset="0"/>
+                <a:cs typeface="Tahoma" panose="020B0604030504040204" pitchFamily="34" charset="0"/>
+              </a:rPr>
+              <a:t> features </a:t>
+            </a:r>
+            <a:r>
+              <a:rPr lang="en-GB" sz="3200" dirty="0" err="1">
+                <a:latin typeface="Tahoma" panose="020B0604030504040204" pitchFamily="34" charset="0"/>
+                <a:ea typeface="Tahoma" panose="020B0604030504040204" pitchFamily="34" charset="0"/>
+                <a:cs typeface="Tahoma" panose="020B0604030504040204" pitchFamily="34" charset="0"/>
+              </a:rPr>
+              <a:t>và</a:t>
+            </a:r>
+            <a:r>
+              <a:rPr lang="en-GB" sz="3200" dirty="0">
+                <a:latin typeface="Tahoma" panose="020B0604030504040204" pitchFamily="34" charset="0"/>
+                <a:ea typeface="Tahoma" panose="020B0604030504040204" pitchFamily="34" charset="0"/>
+                <a:cs typeface="Tahoma" panose="020B0604030504040204" pitchFamily="34" charset="0"/>
+              </a:rPr>
+              <a:t> </a:t>
+            </a:r>
+            <a:r>
+              <a:rPr lang="en-GB" sz="3200" dirty="0" err="1">
+                <a:latin typeface="Tahoma" panose="020B0604030504040204" pitchFamily="34" charset="0"/>
+                <a:ea typeface="Tahoma" panose="020B0604030504040204" pitchFamily="34" charset="0"/>
+                <a:cs typeface="Tahoma" panose="020B0604030504040204" pitchFamily="34" charset="0"/>
+              </a:rPr>
+              <a:t>một</a:t>
+            </a:r>
+            <a:r>
+              <a:rPr lang="en-GB" sz="3200" dirty="0">
+                <a:latin typeface="Tahoma" panose="020B0604030504040204" pitchFamily="34" charset="0"/>
+                <a:ea typeface="Tahoma" panose="020B0604030504040204" pitchFamily="34" charset="0"/>
+                <a:cs typeface="Tahoma" panose="020B0604030504040204" pitchFamily="34" charset="0"/>
+              </a:rPr>
+              <a:t> </a:t>
+            </a:r>
+            <a:r>
+              <a:rPr lang="en-GB" sz="3200" dirty="0" err="1">
+                <a:latin typeface="Tahoma" panose="020B0604030504040204" pitchFamily="34" charset="0"/>
+                <a:ea typeface="Tahoma" panose="020B0604030504040204" pitchFamily="34" charset="0"/>
+                <a:cs typeface="Tahoma" panose="020B0604030504040204" pitchFamily="34" charset="0"/>
+              </a:rPr>
+              <a:t>giá</a:t>
+            </a:r>
+            <a:r>
+              <a:rPr lang="en-GB" sz="3200" dirty="0">
+                <a:latin typeface="Tahoma" panose="020B0604030504040204" pitchFamily="34" charset="0"/>
+                <a:ea typeface="Tahoma" panose="020B0604030504040204" pitchFamily="34" charset="0"/>
+                <a:cs typeface="Tahoma" panose="020B0604030504040204" pitchFamily="34" charset="0"/>
+              </a:rPr>
+              <a:t> </a:t>
+            </a:r>
+            <a:r>
+              <a:rPr lang="en-GB" sz="3200" dirty="0" err="1">
+                <a:latin typeface="Tahoma" panose="020B0604030504040204" pitchFamily="34" charset="0"/>
+                <a:ea typeface="Tahoma" panose="020B0604030504040204" pitchFamily="34" charset="0"/>
+                <a:cs typeface="Tahoma" panose="020B0604030504040204" pitchFamily="34" charset="0"/>
+              </a:rPr>
+              <a:t>trị</a:t>
+            </a:r>
+            <a:r>
+              <a:rPr lang="en-GB" sz="3200" dirty="0">
+                <a:latin typeface="Tahoma" panose="020B0604030504040204" pitchFamily="34" charset="0"/>
+                <a:ea typeface="Tahoma" panose="020B0604030504040204" pitchFamily="34" charset="0"/>
+                <a:cs typeface="Tahoma" panose="020B0604030504040204" pitchFamily="34" charset="0"/>
+              </a:rPr>
+              <a:t> </a:t>
+            </a:r>
+            <a:r>
+              <a:rPr lang="en-GB" sz="3200" dirty="0" err="1">
+                <a:latin typeface="Tahoma" panose="020B0604030504040204" pitchFamily="34" charset="0"/>
+                <a:ea typeface="Tahoma" panose="020B0604030504040204" pitchFamily="34" charset="0"/>
+                <a:cs typeface="Tahoma" panose="020B0604030504040204" pitchFamily="34" charset="0"/>
+              </a:rPr>
+              <a:t>mục</a:t>
+            </a:r>
+            <a:r>
+              <a:rPr lang="en-GB" sz="3200" dirty="0">
+                <a:latin typeface="Tahoma" panose="020B0604030504040204" pitchFamily="34" charset="0"/>
+                <a:ea typeface="Tahoma" panose="020B0604030504040204" pitchFamily="34" charset="0"/>
+                <a:cs typeface="Tahoma" panose="020B0604030504040204" pitchFamily="34" charset="0"/>
+              </a:rPr>
+              <a:t> </a:t>
+            </a:r>
+            <a:r>
+              <a:rPr lang="en-GB" sz="3200" dirty="0" err="1">
+                <a:latin typeface="Tahoma" panose="020B0604030504040204" pitchFamily="34" charset="0"/>
+                <a:ea typeface="Tahoma" panose="020B0604030504040204" pitchFamily="34" charset="0"/>
+                <a:cs typeface="Tahoma" panose="020B0604030504040204" pitchFamily="34" charset="0"/>
+              </a:rPr>
+              <a:t>tiêu</a:t>
+            </a:r>
+            <a:r>
+              <a:rPr lang="en-GB" sz="3200" dirty="0">
+                <a:latin typeface="Tahoma" panose="020B0604030504040204" pitchFamily="34" charset="0"/>
+                <a:ea typeface="Tahoma" panose="020B0604030504040204" pitchFamily="34" charset="0"/>
+                <a:cs typeface="Tahoma" panose="020B0604030504040204" pitchFamily="34" charset="0"/>
+              </a:rPr>
+              <a:t> y. </a:t>
+            </a:r>
+          </a:p>
         </p:txBody>
       </p:sp>
       <p:sp>
@@ -4335,40 +4995,10 @@
           </a:p>
         </p:txBody>
       </p:sp>
-      <p:pic>
-        <p:nvPicPr>
-          <p:cNvPr id="6" name="Picture 5">
-            <a:extLst>
-              <a:ext uri="{FF2B5EF4-FFF2-40B4-BE49-F238E27FC236}">
-                <a16:creationId xmlns:a16="http://schemas.microsoft.com/office/drawing/2014/main" id="{A6C7C610-F1DB-410A-9FEE-F528A1D472A0}"/>
-              </a:ext>
-            </a:extLst>
-          </p:cNvPr>
-          <p:cNvPicPr>
-            <a:picLocks noChangeAspect="1"/>
-          </p:cNvPicPr>
-          <p:nvPr/>
-        </p:nvPicPr>
-        <p:blipFill>
-          <a:blip r:embed="rId2"/>
-          <a:stretch>
-            <a:fillRect/>
-          </a:stretch>
-        </p:blipFill>
-        <p:spPr>
-          <a:xfrm>
-            <a:off x="1352145" y="2246212"/>
-            <a:ext cx="9787342" cy="4611788"/>
-          </a:xfrm>
-          <a:prstGeom prst="rect">
-            <a:avLst/>
-          </a:prstGeom>
-        </p:spPr>
-      </p:pic>
     </p:spTree>
     <p:extLst>
       <p:ext uri="{BB962C8B-B14F-4D97-AF65-F5344CB8AC3E}">
-        <p14:creationId xmlns:p14="http://schemas.microsoft.com/office/powerpoint/2010/main" val="4218955025"/>
+        <p14:creationId xmlns:p14="http://schemas.microsoft.com/office/powerpoint/2010/main" val="3333022819"/>
       </p:ext>
     </p:extLst>
   </p:cSld>
@@ -4452,17 +5082,30 @@
                 <a:ea typeface="Tahoma" panose="020B0604030504040204" pitchFamily="34" charset="0"/>
                 <a:cs typeface="Tahoma" panose="020B0604030504040204" pitchFamily="34" charset="0"/>
               </a:rPr>
-              <a:t>Logistic Regression</a:t>
+              <a:t>MLP Classifier</a:t>
+            </a:r>
+          </a:p>
+          <a:p>
+            <a:pPr marL="0" indent="0">
+              <a:buNone/>
+            </a:pPr>
+            <a:r>
+              <a:rPr lang="en-GB" sz="3200" dirty="0">
+                <a:latin typeface="Tahoma" panose="020B0604030504040204" pitchFamily="34" charset="0"/>
+                <a:ea typeface="Tahoma" panose="020B0604030504040204" pitchFamily="34" charset="0"/>
+                <a:cs typeface="Tahoma" panose="020B0604030504040204" pitchFamily="34" charset="0"/>
+              </a:rPr>
+              <a:t>	</a:t>
             </a:r>
           </a:p>
         </p:txBody>
       </p:sp>
       <p:sp>
         <p:nvSpPr>
-          <p:cNvPr id="4" name="Slide Number Placeholder 3">
+          <p:cNvPr id="5" name="Slide Number Placeholder 4">
             <a:extLst>
               <a:ext uri="{FF2B5EF4-FFF2-40B4-BE49-F238E27FC236}">
-                <a16:creationId xmlns:a16="http://schemas.microsoft.com/office/drawing/2014/main" id="{A6A2CF8B-6222-4BDD-98FB-7B72D7D9707D}"/>
+                <a16:creationId xmlns:a16="http://schemas.microsoft.com/office/drawing/2014/main" id="{B5C3F52B-295B-42B4-8C13-B17EC134213E}"/>
               </a:ext>
             </a:extLst>
           </p:cNvPr>
@@ -4491,7 +5134,7 @@
           <p:cNvPr id="6" name="Picture 5">
             <a:extLst>
               <a:ext uri="{FF2B5EF4-FFF2-40B4-BE49-F238E27FC236}">
-                <a16:creationId xmlns:a16="http://schemas.microsoft.com/office/drawing/2014/main" id="{F2BFDC26-E718-4305-B6ED-DBCBAAA04D2A}"/>
+                <a16:creationId xmlns:a16="http://schemas.microsoft.com/office/drawing/2014/main" id="{A6C7C610-F1DB-410A-9FEE-F528A1D472A0}"/>
               </a:ext>
             </a:extLst>
           </p:cNvPr>
@@ -4508,8 +5151,8 @@
         </p:blipFill>
         <p:spPr>
           <a:xfrm>
-            <a:off x="1202379" y="2866232"/>
-            <a:ext cx="10001250" cy="2266950"/>
+            <a:off x="1352145" y="2246212"/>
+            <a:ext cx="9787342" cy="4611788"/>
           </a:xfrm>
           <a:prstGeom prst="rect">
             <a:avLst/>
@@ -4519,7 +5162,7 @@
     </p:spTree>
     <p:extLst>
       <p:ext uri="{BB962C8B-B14F-4D97-AF65-F5344CB8AC3E}">
-        <p14:creationId xmlns:p14="http://schemas.microsoft.com/office/powerpoint/2010/main" val="1759306614"/>
+        <p14:creationId xmlns:p14="http://schemas.microsoft.com/office/powerpoint/2010/main" val="4218955025"/>
       </p:ext>
     </p:extLst>
   </p:cSld>
@@ -4603,8 +5246,855 @@
                 <a:ea typeface="Tahoma" panose="020B0604030504040204" pitchFamily="34" charset="0"/>
                 <a:cs typeface="Tahoma" panose="020B0604030504040204" pitchFamily="34" charset="0"/>
               </a:rPr>
-              <a:t>Decision Tree</a:t>
-            </a:r>
+              <a:t>Logistic Regression</a:t>
+            </a:r>
+          </a:p>
+          <a:p>
+            <a:pPr marL="0" indent="0">
+              <a:buNone/>
+            </a:pPr>
+            <a:r>
+              <a:rPr lang="en-GB" sz="3200" dirty="0" err="1">
+                <a:latin typeface="Tahoma" panose="020B0604030504040204" pitchFamily="34" charset="0"/>
+                <a:ea typeface="Tahoma" panose="020B0604030504040204" pitchFamily="34" charset="0"/>
+                <a:cs typeface="Tahoma" panose="020B0604030504040204" pitchFamily="34" charset="0"/>
+              </a:rPr>
+              <a:t>Phương</a:t>
+            </a:r>
+            <a:r>
+              <a:rPr lang="en-GB" sz="3200" dirty="0">
+                <a:latin typeface="Tahoma" panose="020B0604030504040204" pitchFamily="34" charset="0"/>
+                <a:ea typeface="Tahoma" panose="020B0604030504040204" pitchFamily="34" charset="0"/>
+                <a:cs typeface="Tahoma" panose="020B0604030504040204" pitchFamily="34" charset="0"/>
+              </a:rPr>
+              <a:t> </a:t>
+            </a:r>
+            <a:r>
+              <a:rPr lang="en-GB" sz="3200" dirty="0" err="1">
+                <a:latin typeface="Tahoma" panose="020B0604030504040204" pitchFamily="34" charset="0"/>
+                <a:ea typeface="Tahoma" panose="020B0604030504040204" pitchFamily="34" charset="0"/>
+                <a:cs typeface="Tahoma" panose="020B0604030504040204" pitchFamily="34" charset="0"/>
+              </a:rPr>
+              <a:t>pháp</a:t>
+            </a:r>
+            <a:r>
+              <a:rPr lang="en-GB" sz="3200" dirty="0">
+                <a:latin typeface="Tahoma" panose="020B0604030504040204" pitchFamily="34" charset="0"/>
+                <a:ea typeface="Tahoma" panose="020B0604030504040204" pitchFamily="34" charset="0"/>
+                <a:cs typeface="Tahoma" panose="020B0604030504040204" pitchFamily="34" charset="0"/>
+              </a:rPr>
+              <a:t> </a:t>
+            </a:r>
+            <a:r>
+              <a:rPr lang="en-GB" sz="3200" dirty="0" err="1">
+                <a:latin typeface="Tahoma" panose="020B0604030504040204" pitchFamily="34" charset="0"/>
+                <a:ea typeface="Tahoma" panose="020B0604030504040204" pitchFamily="34" charset="0"/>
+                <a:cs typeface="Tahoma" panose="020B0604030504040204" pitchFamily="34" charset="0"/>
+              </a:rPr>
+              <a:t>hồi</a:t>
+            </a:r>
+            <a:r>
+              <a:rPr lang="en-GB" sz="3200" dirty="0">
+                <a:latin typeface="Tahoma" panose="020B0604030504040204" pitchFamily="34" charset="0"/>
+                <a:ea typeface="Tahoma" panose="020B0604030504040204" pitchFamily="34" charset="0"/>
+                <a:cs typeface="Tahoma" panose="020B0604030504040204" pitchFamily="34" charset="0"/>
+              </a:rPr>
+              <a:t> </a:t>
+            </a:r>
+            <a:r>
+              <a:rPr lang="en-GB" sz="3200" dirty="0" err="1">
+                <a:latin typeface="Tahoma" panose="020B0604030504040204" pitchFamily="34" charset="0"/>
+                <a:ea typeface="Tahoma" panose="020B0604030504040204" pitchFamily="34" charset="0"/>
+                <a:cs typeface="Tahoma" panose="020B0604030504040204" pitchFamily="34" charset="0"/>
+              </a:rPr>
+              <a:t>quy</a:t>
+            </a:r>
+            <a:r>
+              <a:rPr lang="en-GB" sz="3200" dirty="0">
+                <a:latin typeface="Tahoma" panose="020B0604030504040204" pitchFamily="34" charset="0"/>
+                <a:ea typeface="Tahoma" panose="020B0604030504040204" pitchFamily="34" charset="0"/>
+                <a:cs typeface="Tahoma" panose="020B0604030504040204" pitchFamily="34" charset="0"/>
+              </a:rPr>
+              <a:t> logistic </a:t>
+            </a:r>
+            <a:r>
+              <a:rPr lang="en-GB" sz="3200" dirty="0" err="1">
+                <a:latin typeface="Tahoma" panose="020B0604030504040204" pitchFamily="34" charset="0"/>
+                <a:ea typeface="Tahoma" panose="020B0604030504040204" pitchFamily="34" charset="0"/>
+                <a:cs typeface="Tahoma" panose="020B0604030504040204" pitchFamily="34" charset="0"/>
+              </a:rPr>
+              <a:t>là</a:t>
+            </a:r>
+            <a:r>
+              <a:rPr lang="en-GB" sz="3200" dirty="0">
+                <a:latin typeface="Tahoma" panose="020B0604030504040204" pitchFamily="34" charset="0"/>
+                <a:ea typeface="Tahoma" panose="020B0604030504040204" pitchFamily="34" charset="0"/>
+                <a:cs typeface="Tahoma" panose="020B0604030504040204" pitchFamily="34" charset="0"/>
+              </a:rPr>
+              <a:t> </a:t>
+            </a:r>
+            <a:r>
+              <a:rPr lang="en-GB" sz="3200" dirty="0" err="1">
+                <a:latin typeface="Tahoma" panose="020B0604030504040204" pitchFamily="34" charset="0"/>
+                <a:ea typeface="Tahoma" panose="020B0604030504040204" pitchFamily="34" charset="0"/>
+                <a:cs typeface="Tahoma" panose="020B0604030504040204" pitchFamily="34" charset="0"/>
+              </a:rPr>
+              <a:t>một</a:t>
+            </a:r>
+            <a:r>
+              <a:rPr lang="en-GB" sz="3200" dirty="0">
+                <a:latin typeface="Tahoma" panose="020B0604030504040204" pitchFamily="34" charset="0"/>
+                <a:ea typeface="Tahoma" panose="020B0604030504040204" pitchFamily="34" charset="0"/>
+                <a:cs typeface="Tahoma" panose="020B0604030504040204" pitchFamily="34" charset="0"/>
+              </a:rPr>
+              <a:t> </a:t>
+            </a:r>
+            <a:r>
+              <a:rPr lang="en-GB" sz="3200" dirty="0" err="1">
+                <a:latin typeface="Tahoma" panose="020B0604030504040204" pitchFamily="34" charset="0"/>
+                <a:ea typeface="Tahoma" panose="020B0604030504040204" pitchFamily="34" charset="0"/>
+                <a:cs typeface="Tahoma" panose="020B0604030504040204" pitchFamily="34" charset="0"/>
+              </a:rPr>
+              <a:t>mô</a:t>
+            </a:r>
+            <a:r>
+              <a:rPr lang="en-GB" sz="3200" dirty="0">
+                <a:latin typeface="Tahoma" panose="020B0604030504040204" pitchFamily="34" charset="0"/>
+                <a:ea typeface="Tahoma" panose="020B0604030504040204" pitchFamily="34" charset="0"/>
+                <a:cs typeface="Tahoma" panose="020B0604030504040204" pitchFamily="34" charset="0"/>
+              </a:rPr>
+              <a:t> </a:t>
+            </a:r>
+            <a:r>
+              <a:rPr lang="en-GB" sz="3200" dirty="0" err="1">
+                <a:latin typeface="Tahoma" panose="020B0604030504040204" pitchFamily="34" charset="0"/>
+                <a:ea typeface="Tahoma" panose="020B0604030504040204" pitchFamily="34" charset="0"/>
+                <a:cs typeface="Tahoma" panose="020B0604030504040204" pitchFamily="34" charset="0"/>
+              </a:rPr>
+              <a:t>hình</a:t>
+            </a:r>
+            <a:r>
+              <a:rPr lang="en-GB" sz="3200" dirty="0">
+                <a:latin typeface="Tahoma" panose="020B0604030504040204" pitchFamily="34" charset="0"/>
+                <a:ea typeface="Tahoma" panose="020B0604030504040204" pitchFamily="34" charset="0"/>
+                <a:cs typeface="Tahoma" panose="020B0604030504040204" pitchFamily="34" charset="0"/>
+              </a:rPr>
+              <a:t> </a:t>
+            </a:r>
+            <a:r>
+              <a:rPr lang="en-GB" sz="3200" dirty="0" err="1">
+                <a:latin typeface="Tahoma" panose="020B0604030504040204" pitchFamily="34" charset="0"/>
+                <a:ea typeface="Tahoma" panose="020B0604030504040204" pitchFamily="34" charset="0"/>
+                <a:cs typeface="Tahoma" panose="020B0604030504040204" pitchFamily="34" charset="0"/>
+              </a:rPr>
+              <a:t>hồi</a:t>
+            </a:r>
+            <a:r>
+              <a:rPr lang="en-GB" sz="3200" dirty="0">
+                <a:latin typeface="Tahoma" panose="020B0604030504040204" pitchFamily="34" charset="0"/>
+                <a:ea typeface="Tahoma" panose="020B0604030504040204" pitchFamily="34" charset="0"/>
+                <a:cs typeface="Tahoma" panose="020B0604030504040204" pitchFamily="34" charset="0"/>
+              </a:rPr>
+              <a:t> </a:t>
+            </a:r>
+            <a:r>
+              <a:rPr lang="en-GB" sz="3200" dirty="0" err="1">
+                <a:latin typeface="Tahoma" panose="020B0604030504040204" pitchFamily="34" charset="0"/>
+                <a:ea typeface="Tahoma" panose="020B0604030504040204" pitchFamily="34" charset="0"/>
+                <a:cs typeface="Tahoma" panose="020B0604030504040204" pitchFamily="34" charset="0"/>
+              </a:rPr>
+              <a:t>quy</a:t>
+            </a:r>
+            <a:r>
+              <a:rPr lang="en-GB" sz="3200" dirty="0">
+                <a:latin typeface="Tahoma" panose="020B0604030504040204" pitchFamily="34" charset="0"/>
+                <a:ea typeface="Tahoma" panose="020B0604030504040204" pitchFamily="34" charset="0"/>
+                <a:cs typeface="Tahoma" panose="020B0604030504040204" pitchFamily="34" charset="0"/>
+              </a:rPr>
+              <a:t> </a:t>
+            </a:r>
+            <a:r>
+              <a:rPr lang="en-GB" sz="3200" dirty="0" err="1">
+                <a:latin typeface="Tahoma" panose="020B0604030504040204" pitchFamily="34" charset="0"/>
+                <a:ea typeface="Tahoma" panose="020B0604030504040204" pitchFamily="34" charset="0"/>
+                <a:cs typeface="Tahoma" panose="020B0604030504040204" pitchFamily="34" charset="0"/>
+              </a:rPr>
+              <a:t>nhằm</a:t>
+            </a:r>
+            <a:r>
+              <a:rPr lang="en-GB" sz="3200" dirty="0">
+                <a:latin typeface="Tahoma" panose="020B0604030504040204" pitchFamily="34" charset="0"/>
+                <a:ea typeface="Tahoma" panose="020B0604030504040204" pitchFamily="34" charset="0"/>
+                <a:cs typeface="Tahoma" panose="020B0604030504040204" pitchFamily="34" charset="0"/>
+              </a:rPr>
+              <a:t> </a:t>
+            </a:r>
+            <a:r>
+              <a:rPr lang="en-GB" sz="3200" dirty="0" err="1">
+                <a:latin typeface="Tahoma" panose="020B0604030504040204" pitchFamily="34" charset="0"/>
+                <a:ea typeface="Tahoma" panose="020B0604030504040204" pitchFamily="34" charset="0"/>
+                <a:cs typeface="Tahoma" panose="020B0604030504040204" pitchFamily="34" charset="0"/>
+              </a:rPr>
+              <a:t>dự</a:t>
+            </a:r>
+            <a:r>
+              <a:rPr lang="en-GB" sz="3200" dirty="0">
+                <a:latin typeface="Tahoma" panose="020B0604030504040204" pitchFamily="34" charset="0"/>
+                <a:ea typeface="Tahoma" panose="020B0604030504040204" pitchFamily="34" charset="0"/>
+                <a:cs typeface="Tahoma" panose="020B0604030504040204" pitchFamily="34" charset="0"/>
+              </a:rPr>
+              <a:t> </a:t>
+            </a:r>
+            <a:r>
+              <a:rPr lang="en-GB" sz="3200" dirty="0" err="1">
+                <a:latin typeface="Tahoma" panose="020B0604030504040204" pitchFamily="34" charset="0"/>
+                <a:ea typeface="Tahoma" panose="020B0604030504040204" pitchFamily="34" charset="0"/>
+                <a:cs typeface="Tahoma" panose="020B0604030504040204" pitchFamily="34" charset="0"/>
+              </a:rPr>
+              <a:t>đoán</a:t>
+            </a:r>
+            <a:r>
+              <a:rPr lang="en-GB" sz="3200" dirty="0">
+                <a:latin typeface="Tahoma" panose="020B0604030504040204" pitchFamily="34" charset="0"/>
+                <a:ea typeface="Tahoma" panose="020B0604030504040204" pitchFamily="34" charset="0"/>
+                <a:cs typeface="Tahoma" panose="020B0604030504040204" pitchFamily="34" charset="0"/>
+              </a:rPr>
+              <a:t> </a:t>
+            </a:r>
+            <a:r>
+              <a:rPr lang="en-GB" sz="3200" dirty="0" err="1">
+                <a:latin typeface="Tahoma" panose="020B0604030504040204" pitchFamily="34" charset="0"/>
+                <a:ea typeface="Tahoma" panose="020B0604030504040204" pitchFamily="34" charset="0"/>
+                <a:cs typeface="Tahoma" panose="020B0604030504040204" pitchFamily="34" charset="0"/>
+              </a:rPr>
+              <a:t>giá</a:t>
+            </a:r>
+            <a:r>
+              <a:rPr lang="en-GB" sz="3200" dirty="0">
+                <a:latin typeface="Tahoma" panose="020B0604030504040204" pitchFamily="34" charset="0"/>
+                <a:ea typeface="Tahoma" panose="020B0604030504040204" pitchFamily="34" charset="0"/>
+                <a:cs typeface="Tahoma" panose="020B0604030504040204" pitchFamily="34" charset="0"/>
+              </a:rPr>
+              <a:t> </a:t>
+            </a:r>
+            <a:r>
+              <a:rPr lang="en-GB" sz="3200" dirty="0" err="1">
+                <a:latin typeface="Tahoma" panose="020B0604030504040204" pitchFamily="34" charset="0"/>
+                <a:ea typeface="Tahoma" panose="020B0604030504040204" pitchFamily="34" charset="0"/>
+                <a:cs typeface="Tahoma" panose="020B0604030504040204" pitchFamily="34" charset="0"/>
+              </a:rPr>
+              <a:t>trị</a:t>
+            </a:r>
+            <a:r>
+              <a:rPr lang="en-GB" sz="3200" dirty="0">
+                <a:latin typeface="Tahoma" panose="020B0604030504040204" pitchFamily="34" charset="0"/>
+                <a:ea typeface="Tahoma" panose="020B0604030504040204" pitchFamily="34" charset="0"/>
+                <a:cs typeface="Tahoma" panose="020B0604030504040204" pitchFamily="34" charset="0"/>
+              </a:rPr>
+              <a:t> </a:t>
+            </a:r>
+            <a:r>
+              <a:rPr lang="en-GB" sz="3200" dirty="0" err="1">
+                <a:latin typeface="Tahoma" panose="020B0604030504040204" pitchFamily="34" charset="0"/>
+                <a:ea typeface="Tahoma" panose="020B0604030504040204" pitchFamily="34" charset="0"/>
+                <a:cs typeface="Tahoma" panose="020B0604030504040204" pitchFamily="34" charset="0"/>
+              </a:rPr>
+              <a:t>đầu</a:t>
+            </a:r>
+            <a:r>
+              <a:rPr lang="en-GB" sz="3200" dirty="0">
+                <a:latin typeface="Tahoma" panose="020B0604030504040204" pitchFamily="34" charset="0"/>
+                <a:ea typeface="Tahoma" panose="020B0604030504040204" pitchFamily="34" charset="0"/>
+                <a:cs typeface="Tahoma" panose="020B0604030504040204" pitchFamily="34" charset="0"/>
+              </a:rPr>
+              <a:t> </a:t>
+            </a:r>
+            <a:r>
+              <a:rPr lang="en-GB" sz="3200" dirty="0" err="1">
+                <a:latin typeface="Tahoma" panose="020B0604030504040204" pitchFamily="34" charset="0"/>
+                <a:ea typeface="Tahoma" panose="020B0604030504040204" pitchFamily="34" charset="0"/>
+                <a:cs typeface="Tahoma" panose="020B0604030504040204" pitchFamily="34" charset="0"/>
+              </a:rPr>
+              <a:t>ra</a:t>
+            </a:r>
+            <a:r>
+              <a:rPr lang="en-GB" sz="3200" dirty="0">
+                <a:latin typeface="Tahoma" panose="020B0604030504040204" pitchFamily="34" charset="0"/>
+                <a:ea typeface="Tahoma" panose="020B0604030504040204" pitchFamily="34" charset="0"/>
+                <a:cs typeface="Tahoma" panose="020B0604030504040204" pitchFamily="34" charset="0"/>
+              </a:rPr>
+              <a:t> </a:t>
+            </a:r>
+            <a:r>
+              <a:rPr lang="en-GB" sz="3200" dirty="0" err="1">
+                <a:latin typeface="Tahoma" panose="020B0604030504040204" pitchFamily="34" charset="0"/>
+                <a:ea typeface="Tahoma" panose="020B0604030504040204" pitchFamily="34" charset="0"/>
+                <a:cs typeface="Tahoma" panose="020B0604030504040204" pitchFamily="34" charset="0"/>
+              </a:rPr>
+              <a:t>rời</a:t>
+            </a:r>
+            <a:r>
+              <a:rPr lang="en-GB" sz="3200" dirty="0">
+                <a:latin typeface="Tahoma" panose="020B0604030504040204" pitchFamily="34" charset="0"/>
+                <a:ea typeface="Tahoma" panose="020B0604030504040204" pitchFamily="34" charset="0"/>
+                <a:cs typeface="Tahoma" panose="020B0604030504040204" pitchFamily="34" charset="0"/>
+              </a:rPr>
+              <a:t> </a:t>
+            </a:r>
+            <a:r>
+              <a:rPr lang="en-GB" sz="3200" dirty="0" err="1">
+                <a:latin typeface="Tahoma" panose="020B0604030504040204" pitchFamily="34" charset="0"/>
+                <a:ea typeface="Tahoma" panose="020B0604030504040204" pitchFamily="34" charset="0"/>
+                <a:cs typeface="Tahoma" panose="020B0604030504040204" pitchFamily="34" charset="0"/>
+              </a:rPr>
+              <a:t>rạc</a:t>
+            </a:r>
+            <a:r>
+              <a:rPr lang="en-GB" sz="3200" dirty="0">
+                <a:latin typeface="Tahoma" panose="020B0604030504040204" pitchFamily="34" charset="0"/>
+                <a:ea typeface="Tahoma" panose="020B0604030504040204" pitchFamily="34" charset="0"/>
+                <a:cs typeface="Tahoma" panose="020B0604030504040204" pitchFamily="34" charset="0"/>
+              </a:rPr>
+              <a:t> (discrete target variable) y </a:t>
+            </a:r>
+            <a:r>
+              <a:rPr lang="en-GB" sz="3200" dirty="0" err="1">
+                <a:latin typeface="Tahoma" panose="020B0604030504040204" pitchFamily="34" charset="0"/>
+                <a:ea typeface="Tahoma" panose="020B0604030504040204" pitchFamily="34" charset="0"/>
+                <a:cs typeface="Tahoma" panose="020B0604030504040204" pitchFamily="34" charset="0"/>
+              </a:rPr>
+              <a:t>ứng</a:t>
+            </a:r>
+            <a:r>
+              <a:rPr lang="en-GB" sz="3200" dirty="0">
+                <a:latin typeface="Tahoma" panose="020B0604030504040204" pitchFamily="34" charset="0"/>
+                <a:ea typeface="Tahoma" panose="020B0604030504040204" pitchFamily="34" charset="0"/>
+                <a:cs typeface="Tahoma" panose="020B0604030504040204" pitchFamily="34" charset="0"/>
+              </a:rPr>
+              <a:t> </a:t>
+            </a:r>
+            <a:r>
+              <a:rPr lang="en-GB" sz="3200" dirty="0" err="1">
+                <a:latin typeface="Tahoma" panose="020B0604030504040204" pitchFamily="34" charset="0"/>
+                <a:ea typeface="Tahoma" panose="020B0604030504040204" pitchFamily="34" charset="0"/>
+                <a:cs typeface="Tahoma" panose="020B0604030504040204" pitchFamily="34" charset="0"/>
+              </a:rPr>
+              <a:t>với</a:t>
+            </a:r>
+            <a:r>
+              <a:rPr lang="en-GB" sz="3200" dirty="0">
+                <a:latin typeface="Tahoma" panose="020B0604030504040204" pitchFamily="34" charset="0"/>
+                <a:ea typeface="Tahoma" panose="020B0604030504040204" pitchFamily="34" charset="0"/>
+                <a:cs typeface="Tahoma" panose="020B0604030504040204" pitchFamily="34" charset="0"/>
+              </a:rPr>
+              <a:t> </a:t>
+            </a:r>
+            <a:r>
+              <a:rPr lang="en-GB" sz="3200" dirty="0" err="1">
+                <a:latin typeface="Tahoma" panose="020B0604030504040204" pitchFamily="34" charset="0"/>
+                <a:ea typeface="Tahoma" panose="020B0604030504040204" pitchFamily="34" charset="0"/>
+                <a:cs typeface="Tahoma" panose="020B0604030504040204" pitchFamily="34" charset="0"/>
+              </a:rPr>
+              <a:t>một</a:t>
+            </a:r>
+            <a:r>
+              <a:rPr lang="en-GB" sz="3200" dirty="0">
+                <a:latin typeface="Tahoma" panose="020B0604030504040204" pitchFamily="34" charset="0"/>
+                <a:ea typeface="Tahoma" panose="020B0604030504040204" pitchFamily="34" charset="0"/>
+                <a:cs typeface="Tahoma" panose="020B0604030504040204" pitchFamily="34" charset="0"/>
+              </a:rPr>
+              <a:t> </a:t>
+            </a:r>
+            <a:r>
+              <a:rPr lang="en-GB" sz="3200" dirty="0" err="1">
+                <a:latin typeface="Tahoma" panose="020B0604030504040204" pitchFamily="34" charset="0"/>
+                <a:ea typeface="Tahoma" panose="020B0604030504040204" pitchFamily="34" charset="0"/>
+                <a:cs typeface="Tahoma" panose="020B0604030504040204" pitchFamily="34" charset="0"/>
+              </a:rPr>
+              <a:t>véc-tơ</a:t>
+            </a:r>
+            <a:r>
+              <a:rPr lang="en-GB" sz="3200" dirty="0">
+                <a:latin typeface="Tahoma" panose="020B0604030504040204" pitchFamily="34" charset="0"/>
+                <a:ea typeface="Tahoma" panose="020B0604030504040204" pitchFamily="34" charset="0"/>
+                <a:cs typeface="Tahoma" panose="020B0604030504040204" pitchFamily="34" charset="0"/>
+              </a:rPr>
+              <a:t> </a:t>
+            </a:r>
+            <a:r>
+              <a:rPr lang="en-GB" sz="3200" dirty="0" err="1">
+                <a:latin typeface="Tahoma" panose="020B0604030504040204" pitchFamily="34" charset="0"/>
+                <a:ea typeface="Tahoma" panose="020B0604030504040204" pitchFamily="34" charset="0"/>
+                <a:cs typeface="Tahoma" panose="020B0604030504040204" pitchFamily="34" charset="0"/>
+              </a:rPr>
+              <a:t>đầu</a:t>
+            </a:r>
+            <a:r>
+              <a:rPr lang="en-GB" sz="3200" dirty="0">
+                <a:latin typeface="Tahoma" panose="020B0604030504040204" pitchFamily="34" charset="0"/>
+                <a:ea typeface="Tahoma" panose="020B0604030504040204" pitchFamily="34" charset="0"/>
+                <a:cs typeface="Tahoma" panose="020B0604030504040204" pitchFamily="34" charset="0"/>
+              </a:rPr>
+              <a:t> </a:t>
+            </a:r>
+            <a:r>
+              <a:rPr lang="en-GB" sz="3200" dirty="0" err="1">
+                <a:latin typeface="Tahoma" panose="020B0604030504040204" pitchFamily="34" charset="0"/>
+                <a:ea typeface="Tahoma" panose="020B0604030504040204" pitchFamily="34" charset="0"/>
+                <a:cs typeface="Tahoma" panose="020B0604030504040204" pitchFamily="34" charset="0"/>
+              </a:rPr>
+              <a:t>vào</a:t>
+            </a:r>
+            <a:r>
+              <a:rPr lang="en-GB" sz="3200" dirty="0">
+                <a:latin typeface="Tahoma" panose="020B0604030504040204" pitchFamily="34" charset="0"/>
+                <a:ea typeface="Tahoma" panose="020B0604030504040204" pitchFamily="34" charset="0"/>
+                <a:cs typeface="Tahoma" panose="020B0604030504040204" pitchFamily="34" charset="0"/>
+              </a:rPr>
+              <a:t> X. </a:t>
+            </a:r>
+            <a:r>
+              <a:rPr lang="en-GB" sz="3200" dirty="0" err="1">
+                <a:latin typeface="Tahoma" panose="020B0604030504040204" pitchFamily="34" charset="0"/>
+                <a:ea typeface="Tahoma" panose="020B0604030504040204" pitchFamily="34" charset="0"/>
+                <a:cs typeface="Tahoma" panose="020B0604030504040204" pitchFamily="34" charset="0"/>
+              </a:rPr>
+              <a:t>Việc</a:t>
+            </a:r>
+            <a:r>
+              <a:rPr lang="en-GB" sz="3200" dirty="0">
+                <a:latin typeface="Tahoma" panose="020B0604030504040204" pitchFamily="34" charset="0"/>
+                <a:ea typeface="Tahoma" panose="020B0604030504040204" pitchFamily="34" charset="0"/>
+                <a:cs typeface="Tahoma" panose="020B0604030504040204" pitchFamily="34" charset="0"/>
+              </a:rPr>
+              <a:t> </a:t>
+            </a:r>
+            <a:r>
+              <a:rPr lang="en-GB" sz="3200" dirty="0" err="1">
+                <a:latin typeface="Tahoma" panose="020B0604030504040204" pitchFamily="34" charset="0"/>
+                <a:ea typeface="Tahoma" panose="020B0604030504040204" pitchFamily="34" charset="0"/>
+                <a:cs typeface="Tahoma" panose="020B0604030504040204" pitchFamily="34" charset="0"/>
+              </a:rPr>
+              <a:t>này</a:t>
+            </a:r>
+            <a:r>
+              <a:rPr lang="en-GB" sz="3200" dirty="0">
+                <a:latin typeface="Tahoma" panose="020B0604030504040204" pitchFamily="34" charset="0"/>
+                <a:ea typeface="Tahoma" panose="020B0604030504040204" pitchFamily="34" charset="0"/>
+                <a:cs typeface="Tahoma" panose="020B0604030504040204" pitchFamily="34" charset="0"/>
+              </a:rPr>
+              <a:t> </a:t>
+            </a:r>
+            <a:r>
+              <a:rPr lang="en-GB" sz="3200" dirty="0" err="1">
+                <a:latin typeface="Tahoma" panose="020B0604030504040204" pitchFamily="34" charset="0"/>
+                <a:ea typeface="Tahoma" panose="020B0604030504040204" pitchFamily="34" charset="0"/>
+                <a:cs typeface="Tahoma" panose="020B0604030504040204" pitchFamily="34" charset="0"/>
+              </a:rPr>
+              <a:t>tương</a:t>
+            </a:r>
+            <a:r>
+              <a:rPr lang="en-GB" sz="3200" dirty="0">
+                <a:latin typeface="Tahoma" panose="020B0604030504040204" pitchFamily="34" charset="0"/>
+                <a:ea typeface="Tahoma" panose="020B0604030504040204" pitchFamily="34" charset="0"/>
+                <a:cs typeface="Tahoma" panose="020B0604030504040204" pitchFamily="34" charset="0"/>
+              </a:rPr>
+              <a:t> </a:t>
+            </a:r>
+            <a:r>
+              <a:rPr lang="en-GB" sz="3200" dirty="0" err="1">
+                <a:latin typeface="Tahoma" panose="020B0604030504040204" pitchFamily="34" charset="0"/>
+                <a:ea typeface="Tahoma" panose="020B0604030504040204" pitchFamily="34" charset="0"/>
+                <a:cs typeface="Tahoma" panose="020B0604030504040204" pitchFamily="34" charset="0"/>
+              </a:rPr>
+              <a:t>đương</a:t>
+            </a:r>
+            <a:r>
+              <a:rPr lang="en-GB" sz="3200" dirty="0">
+                <a:latin typeface="Tahoma" panose="020B0604030504040204" pitchFamily="34" charset="0"/>
+                <a:ea typeface="Tahoma" panose="020B0604030504040204" pitchFamily="34" charset="0"/>
+                <a:cs typeface="Tahoma" panose="020B0604030504040204" pitchFamily="34" charset="0"/>
+              </a:rPr>
+              <a:t> </a:t>
+            </a:r>
+            <a:r>
+              <a:rPr lang="en-GB" sz="3200" dirty="0" err="1">
+                <a:latin typeface="Tahoma" panose="020B0604030504040204" pitchFamily="34" charset="0"/>
+                <a:ea typeface="Tahoma" panose="020B0604030504040204" pitchFamily="34" charset="0"/>
+                <a:cs typeface="Tahoma" panose="020B0604030504040204" pitchFamily="34" charset="0"/>
+              </a:rPr>
+              <a:t>với</a:t>
+            </a:r>
+            <a:r>
+              <a:rPr lang="en-GB" sz="3200" dirty="0">
+                <a:latin typeface="Tahoma" panose="020B0604030504040204" pitchFamily="34" charset="0"/>
+                <a:ea typeface="Tahoma" panose="020B0604030504040204" pitchFamily="34" charset="0"/>
+                <a:cs typeface="Tahoma" panose="020B0604030504040204" pitchFamily="34" charset="0"/>
+              </a:rPr>
+              <a:t> </a:t>
+            </a:r>
+            <a:r>
+              <a:rPr lang="en-GB" sz="3200" dirty="0" err="1">
+                <a:latin typeface="Tahoma" panose="020B0604030504040204" pitchFamily="34" charset="0"/>
+                <a:ea typeface="Tahoma" panose="020B0604030504040204" pitchFamily="34" charset="0"/>
+                <a:cs typeface="Tahoma" panose="020B0604030504040204" pitchFamily="34" charset="0"/>
+              </a:rPr>
+              <a:t>chuyện</a:t>
+            </a:r>
+            <a:r>
+              <a:rPr lang="en-GB" sz="3200" dirty="0">
+                <a:latin typeface="Tahoma" panose="020B0604030504040204" pitchFamily="34" charset="0"/>
+                <a:ea typeface="Tahoma" panose="020B0604030504040204" pitchFamily="34" charset="0"/>
+                <a:cs typeface="Tahoma" panose="020B0604030504040204" pitchFamily="34" charset="0"/>
+              </a:rPr>
+              <a:t> </a:t>
+            </a:r>
+            <a:r>
+              <a:rPr lang="en-GB" sz="3200" dirty="0" err="1">
+                <a:latin typeface="Tahoma" panose="020B0604030504040204" pitchFamily="34" charset="0"/>
+                <a:ea typeface="Tahoma" panose="020B0604030504040204" pitchFamily="34" charset="0"/>
+                <a:cs typeface="Tahoma" panose="020B0604030504040204" pitchFamily="34" charset="0"/>
+              </a:rPr>
+              <a:t>phân</a:t>
+            </a:r>
+            <a:r>
+              <a:rPr lang="en-GB" sz="3200" dirty="0">
+                <a:latin typeface="Tahoma" panose="020B0604030504040204" pitchFamily="34" charset="0"/>
+                <a:ea typeface="Tahoma" panose="020B0604030504040204" pitchFamily="34" charset="0"/>
+                <a:cs typeface="Tahoma" panose="020B0604030504040204" pitchFamily="34" charset="0"/>
+              </a:rPr>
+              <a:t> </a:t>
+            </a:r>
+            <a:r>
+              <a:rPr lang="en-GB" sz="3200" dirty="0" err="1">
+                <a:latin typeface="Tahoma" panose="020B0604030504040204" pitchFamily="34" charset="0"/>
+                <a:ea typeface="Tahoma" panose="020B0604030504040204" pitchFamily="34" charset="0"/>
+                <a:cs typeface="Tahoma" panose="020B0604030504040204" pitchFamily="34" charset="0"/>
+              </a:rPr>
+              <a:t>loại</a:t>
+            </a:r>
+            <a:r>
+              <a:rPr lang="en-GB" sz="3200" dirty="0">
+                <a:latin typeface="Tahoma" panose="020B0604030504040204" pitchFamily="34" charset="0"/>
+                <a:ea typeface="Tahoma" panose="020B0604030504040204" pitchFamily="34" charset="0"/>
+                <a:cs typeface="Tahoma" panose="020B0604030504040204" pitchFamily="34" charset="0"/>
+              </a:rPr>
+              <a:t> </a:t>
+            </a:r>
+            <a:r>
+              <a:rPr lang="en-GB" sz="3200" dirty="0" err="1">
+                <a:latin typeface="Tahoma" panose="020B0604030504040204" pitchFamily="34" charset="0"/>
+                <a:ea typeface="Tahoma" panose="020B0604030504040204" pitchFamily="34" charset="0"/>
+                <a:cs typeface="Tahoma" panose="020B0604030504040204" pitchFamily="34" charset="0"/>
+              </a:rPr>
+              <a:t>các</a:t>
+            </a:r>
+            <a:r>
+              <a:rPr lang="en-GB" sz="3200" dirty="0">
+                <a:latin typeface="Tahoma" panose="020B0604030504040204" pitchFamily="34" charset="0"/>
+                <a:ea typeface="Tahoma" panose="020B0604030504040204" pitchFamily="34" charset="0"/>
+                <a:cs typeface="Tahoma" panose="020B0604030504040204" pitchFamily="34" charset="0"/>
+              </a:rPr>
+              <a:t> </a:t>
+            </a:r>
+            <a:r>
+              <a:rPr lang="en-GB" sz="3200" dirty="0" err="1">
+                <a:latin typeface="Tahoma" panose="020B0604030504040204" pitchFamily="34" charset="0"/>
+                <a:ea typeface="Tahoma" panose="020B0604030504040204" pitchFamily="34" charset="0"/>
+                <a:cs typeface="Tahoma" panose="020B0604030504040204" pitchFamily="34" charset="0"/>
+              </a:rPr>
+              <a:t>đầu</a:t>
+            </a:r>
+            <a:r>
+              <a:rPr lang="en-GB" sz="3200" dirty="0">
+                <a:latin typeface="Tahoma" panose="020B0604030504040204" pitchFamily="34" charset="0"/>
+                <a:ea typeface="Tahoma" panose="020B0604030504040204" pitchFamily="34" charset="0"/>
+                <a:cs typeface="Tahoma" panose="020B0604030504040204" pitchFamily="34" charset="0"/>
+              </a:rPr>
+              <a:t> </a:t>
+            </a:r>
+            <a:r>
+              <a:rPr lang="en-GB" sz="3200" dirty="0" err="1">
+                <a:latin typeface="Tahoma" panose="020B0604030504040204" pitchFamily="34" charset="0"/>
+                <a:ea typeface="Tahoma" panose="020B0604030504040204" pitchFamily="34" charset="0"/>
+                <a:cs typeface="Tahoma" panose="020B0604030504040204" pitchFamily="34" charset="0"/>
+              </a:rPr>
+              <a:t>vào</a:t>
+            </a:r>
+            <a:r>
+              <a:rPr lang="en-GB" sz="3200" dirty="0">
+                <a:latin typeface="Tahoma" panose="020B0604030504040204" pitchFamily="34" charset="0"/>
+                <a:ea typeface="Tahoma" panose="020B0604030504040204" pitchFamily="34" charset="0"/>
+                <a:cs typeface="Tahoma" panose="020B0604030504040204" pitchFamily="34" charset="0"/>
+              </a:rPr>
+              <a:t> X </a:t>
+            </a:r>
+            <a:r>
+              <a:rPr lang="en-GB" sz="3200" dirty="0" err="1">
+                <a:latin typeface="Tahoma" panose="020B0604030504040204" pitchFamily="34" charset="0"/>
+                <a:ea typeface="Tahoma" panose="020B0604030504040204" pitchFamily="34" charset="0"/>
+                <a:cs typeface="Tahoma" panose="020B0604030504040204" pitchFamily="34" charset="0"/>
+              </a:rPr>
+              <a:t>vào</a:t>
+            </a:r>
+            <a:r>
+              <a:rPr lang="en-GB" sz="3200" dirty="0">
+                <a:latin typeface="Tahoma" panose="020B0604030504040204" pitchFamily="34" charset="0"/>
+                <a:ea typeface="Tahoma" panose="020B0604030504040204" pitchFamily="34" charset="0"/>
+                <a:cs typeface="Tahoma" panose="020B0604030504040204" pitchFamily="34" charset="0"/>
+              </a:rPr>
+              <a:t> </a:t>
+            </a:r>
+            <a:r>
+              <a:rPr lang="en-GB" sz="3200" dirty="0" err="1">
+                <a:latin typeface="Tahoma" panose="020B0604030504040204" pitchFamily="34" charset="0"/>
+                <a:ea typeface="Tahoma" panose="020B0604030504040204" pitchFamily="34" charset="0"/>
+                <a:cs typeface="Tahoma" panose="020B0604030504040204" pitchFamily="34" charset="0"/>
+              </a:rPr>
+              <a:t>các</a:t>
+            </a:r>
+            <a:r>
+              <a:rPr lang="en-GB" sz="3200" dirty="0">
+                <a:latin typeface="Tahoma" panose="020B0604030504040204" pitchFamily="34" charset="0"/>
+                <a:ea typeface="Tahoma" panose="020B0604030504040204" pitchFamily="34" charset="0"/>
+                <a:cs typeface="Tahoma" panose="020B0604030504040204" pitchFamily="34" charset="0"/>
+              </a:rPr>
+              <a:t> </a:t>
+            </a:r>
+            <a:r>
+              <a:rPr lang="en-GB" sz="3200" dirty="0" err="1">
+                <a:latin typeface="Tahoma" panose="020B0604030504040204" pitchFamily="34" charset="0"/>
+                <a:ea typeface="Tahoma" panose="020B0604030504040204" pitchFamily="34" charset="0"/>
+                <a:cs typeface="Tahoma" panose="020B0604030504040204" pitchFamily="34" charset="0"/>
+              </a:rPr>
+              <a:t>lớp</a:t>
+            </a:r>
+            <a:r>
+              <a:rPr lang="en-GB" sz="3200" dirty="0">
+                <a:latin typeface="Tahoma" panose="020B0604030504040204" pitchFamily="34" charset="0"/>
+                <a:ea typeface="Tahoma" panose="020B0604030504040204" pitchFamily="34" charset="0"/>
+                <a:cs typeface="Tahoma" panose="020B0604030504040204" pitchFamily="34" charset="0"/>
+              </a:rPr>
+              <a:t> y </a:t>
+            </a:r>
+            <a:r>
+              <a:rPr lang="en-GB" sz="3200" dirty="0" err="1">
+                <a:latin typeface="Tahoma" panose="020B0604030504040204" pitchFamily="34" charset="0"/>
+                <a:ea typeface="Tahoma" panose="020B0604030504040204" pitchFamily="34" charset="0"/>
+                <a:cs typeface="Tahoma" panose="020B0604030504040204" pitchFamily="34" charset="0"/>
+              </a:rPr>
+              <a:t>tương</a:t>
+            </a:r>
+            <a:r>
+              <a:rPr lang="en-GB" sz="3200" dirty="0">
+                <a:latin typeface="Tahoma" panose="020B0604030504040204" pitchFamily="34" charset="0"/>
+                <a:ea typeface="Tahoma" panose="020B0604030504040204" pitchFamily="34" charset="0"/>
+                <a:cs typeface="Tahoma" panose="020B0604030504040204" pitchFamily="34" charset="0"/>
+              </a:rPr>
+              <a:t> </a:t>
+            </a:r>
+            <a:r>
+              <a:rPr lang="en-GB" sz="3200" dirty="0" err="1">
+                <a:latin typeface="Tahoma" panose="020B0604030504040204" pitchFamily="34" charset="0"/>
+                <a:ea typeface="Tahoma" panose="020B0604030504040204" pitchFamily="34" charset="0"/>
+                <a:cs typeface="Tahoma" panose="020B0604030504040204" pitchFamily="34" charset="0"/>
+              </a:rPr>
+              <a:t>ứng</a:t>
+            </a:r>
+            <a:r>
+              <a:rPr lang="en-GB" sz="3200" dirty="0">
+                <a:latin typeface="Tahoma" panose="020B0604030504040204" pitchFamily="34" charset="0"/>
+                <a:ea typeface="Tahoma" panose="020B0604030504040204" pitchFamily="34" charset="0"/>
+                <a:cs typeface="Tahoma" panose="020B0604030504040204" pitchFamily="34" charset="0"/>
+              </a:rPr>
+              <a:t>. </a:t>
+            </a:r>
+            <a:r>
+              <a:rPr lang="en-GB" sz="3200" dirty="0" err="1">
+                <a:latin typeface="Tahoma" panose="020B0604030504040204" pitchFamily="34" charset="0"/>
+                <a:ea typeface="Tahoma" panose="020B0604030504040204" pitchFamily="34" charset="0"/>
+                <a:cs typeface="Tahoma" panose="020B0604030504040204" pitchFamily="34" charset="0"/>
+              </a:rPr>
+              <a:t>Đầu</a:t>
+            </a:r>
+            <a:r>
+              <a:rPr lang="en-GB" sz="3200" dirty="0">
+                <a:latin typeface="Tahoma" panose="020B0604030504040204" pitchFamily="34" charset="0"/>
+                <a:ea typeface="Tahoma" panose="020B0604030504040204" pitchFamily="34" charset="0"/>
+                <a:cs typeface="Tahoma" panose="020B0604030504040204" pitchFamily="34" charset="0"/>
+              </a:rPr>
+              <a:t> </a:t>
+            </a:r>
+            <a:r>
+              <a:rPr lang="en-GB" sz="3200" dirty="0" err="1">
+                <a:latin typeface="Tahoma" panose="020B0604030504040204" pitchFamily="34" charset="0"/>
+                <a:ea typeface="Tahoma" panose="020B0604030504040204" pitchFamily="34" charset="0"/>
+                <a:cs typeface="Tahoma" panose="020B0604030504040204" pitchFamily="34" charset="0"/>
+              </a:rPr>
+              <a:t>ra</a:t>
+            </a:r>
+            <a:r>
+              <a:rPr lang="en-GB" sz="3200" dirty="0">
+                <a:latin typeface="Tahoma" panose="020B0604030504040204" pitchFamily="34" charset="0"/>
+                <a:ea typeface="Tahoma" panose="020B0604030504040204" pitchFamily="34" charset="0"/>
+                <a:cs typeface="Tahoma" panose="020B0604030504040204" pitchFamily="34" charset="0"/>
+              </a:rPr>
+              <a:t> </a:t>
+            </a:r>
+            <a:r>
+              <a:rPr lang="en-GB" sz="3200" dirty="0" err="1">
+                <a:latin typeface="Tahoma" panose="020B0604030504040204" pitchFamily="34" charset="0"/>
+                <a:ea typeface="Tahoma" panose="020B0604030504040204" pitchFamily="34" charset="0"/>
+                <a:cs typeface="Tahoma" panose="020B0604030504040204" pitchFamily="34" charset="0"/>
+              </a:rPr>
+              <a:t>có</a:t>
+            </a:r>
+            <a:r>
+              <a:rPr lang="en-GB" sz="3200" dirty="0">
+                <a:latin typeface="Tahoma" panose="020B0604030504040204" pitchFamily="34" charset="0"/>
+                <a:ea typeface="Tahoma" panose="020B0604030504040204" pitchFamily="34" charset="0"/>
+                <a:cs typeface="Tahoma" panose="020B0604030504040204" pitchFamily="34" charset="0"/>
+              </a:rPr>
+              <a:t> </a:t>
+            </a:r>
+            <a:r>
+              <a:rPr lang="en-GB" sz="3200" dirty="0" err="1">
+                <a:latin typeface="Tahoma" panose="020B0604030504040204" pitchFamily="34" charset="0"/>
+                <a:ea typeface="Tahoma" panose="020B0604030504040204" pitchFamily="34" charset="0"/>
+                <a:cs typeface="Tahoma" panose="020B0604030504040204" pitchFamily="34" charset="0"/>
+              </a:rPr>
+              <a:t>thể</a:t>
+            </a:r>
+            <a:r>
+              <a:rPr lang="en-GB" sz="3200" dirty="0">
+                <a:latin typeface="Tahoma" panose="020B0604030504040204" pitchFamily="34" charset="0"/>
+                <a:ea typeface="Tahoma" panose="020B0604030504040204" pitchFamily="34" charset="0"/>
+                <a:cs typeface="Tahoma" panose="020B0604030504040204" pitchFamily="34" charset="0"/>
+              </a:rPr>
+              <a:t> </a:t>
+            </a:r>
+            <a:r>
+              <a:rPr lang="en-GB" sz="3200" dirty="0" err="1">
+                <a:latin typeface="Tahoma" panose="020B0604030504040204" pitchFamily="34" charset="0"/>
+                <a:ea typeface="Tahoma" panose="020B0604030504040204" pitchFamily="34" charset="0"/>
+                <a:cs typeface="Tahoma" panose="020B0604030504040204" pitchFamily="34" charset="0"/>
+              </a:rPr>
+              <a:t>được</a:t>
+            </a:r>
+            <a:r>
+              <a:rPr lang="en-GB" sz="3200" dirty="0">
+                <a:latin typeface="Tahoma" panose="020B0604030504040204" pitchFamily="34" charset="0"/>
+                <a:ea typeface="Tahoma" panose="020B0604030504040204" pitchFamily="34" charset="0"/>
+                <a:cs typeface="Tahoma" panose="020B0604030504040204" pitchFamily="34" charset="0"/>
+              </a:rPr>
+              <a:t> </a:t>
+            </a:r>
+            <a:r>
+              <a:rPr lang="en-GB" sz="3200" dirty="0" err="1">
+                <a:latin typeface="Tahoma" panose="020B0604030504040204" pitchFamily="34" charset="0"/>
+                <a:ea typeface="Tahoma" panose="020B0604030504040204" pitchFamily="34" charset="0"/>
+                <a:cs typeface="Tahoma" panose="020B0604030504040204" pitchFamily="34" charset="0"/>
+              </a:rPr>
+              <a:t>thể</a:t>
+            </a:r>
+            <a:r>
+              <a:rPr lang="en-GB" sz="3200" dirty="0">
+                <a:latin typeface="Tahoma" panose="020B0604030504040204" pitchFamily="34" charset="0"/>
+                <a:ea typeface="Tahoma" panose="020B0604030504040204" pitchFamily="34" charset="0"/>
+                <a:cs typeface="Tahoma" panose="020B0604030504040204" pitchFamily="34" charset="0"/>
+              </a:rPr>
+              <a:t> </a:t>
+            </a:r>
+            <a:r>
+              <a:rPr lang="en-GB" sz="3200" dirty="0" err="1">
+                <a:latin typeface="Tahoma" panose="020B0604030504040204" pitchFamily="34" charset="0"/>
+                <a:ea typeface="Tahoma" panose="020B0604030504040204" pitchFamily="34" charset="0"/>
+                <a:cs typeface="Tahoma" panose="020B0604030504040204" pitchFamily="34" charset="0"/>
+              </a:rPr>
+              <a:t>hiện</a:t>
+            </a:r>
+            <a:r>
+              <a:rPr lang="en-GB" sz="3200" dirty="0">
+                <a:latin typeface="Tahoma" panose="020B0604030504040204" pitchFamily="34" charset="0"/>
+                <a:ea typeface="Tahoma" panose="020B0604030504040204" pitchFamily="34" charset="0"/>
+                <a:cs typeface="Tahoma" panose="020B0604030504040204" pitchFamily="34" charset="0"/>
+              </a:rPr>
+              <a:t> </a:t>
+            </a:r>
+            <a:r>
+              <a:rPr lang="en-GB" sz="3200" dirty="0" err="1">
+                <a:latin typeface="Tahoma" panose="020B0604030504040204" pitchFamily="34" charset="0"/>
+                <a:ea typeface="Tahoma" panose="020B0604030504040204" pitchFamily="34" charset="0"/>
+                <a:cs typeface="Tahoma" panose="020B0604030504040204" pitchFamily="34" charset="0"/>
+              </a:rPr>
+              <a:t>dưới</a:t>
+            </a:r>
+            <a:r>
+              <a:rPr lang="en-GB" sz="3200" dirty="0">
+                <a:latin typeface="Tahoma" panose="020B0604030504040204" pitchFamily="34" charset="0"/>
+                <a:ea typeface="Tahoma" panose="020B0604030504040204" pitchFamily="34" charset="0"/>
+                <a:cs typeface="Tahoma" panose="020B0604030504040204" pitchFamily="34" charset="0"/>
+              </a:rPr>
+              <a:t> </a:t>
+            </a:r>
+            <a:r>
+              <a:rPr lang="en-GB" sz="3200" dirty="0" err="1">
+                <a:latin typeface="Tahoma" panose="020B0604030504040204" pitchFamily="34" charset="0"/>
+                <a:ea typeface="Tahoma" panose="020B0604030504040204" pitchFamily="34" charset="0"/>
+                <a:cs typeface="Tahoma" panose="020B0604030504040204" pitchFamily="34" charset="0"/>
+              </a:rPr>
+              <a:t>dạng</a:t>
+            </a:r>
+            <a:r>
+              <a:rPr lang="en-GB" sz="3200" dirty="0">
+                <a:latin typeface="Tahoma" panose="020B0604030504040204" pitchFamily="34" charset="0"/>
+                <a:ea typeface="Tahoma" panose="020B0604030504040204" pitchFamily="34" charset="0"/>
+                <a:cs typeface="Tahoma" panose="020B0604030504040204" pitchFamily="34" charset="0"/>
+              </a:rPr>
+              <a:t> </a:t>
+            </a:r>
+            <a:r>
+              <a:rPr lang="en-GB" sz="3200" dirty="0" err="1">
+                <a:latin typeface="Tahoma" panose="020B0604030504040204" pitchFamily="34" charset="0"/>
+                <a:ea typeface="Tahoma" panose="020B0604030504040204" pitchFamily="34" charset="0"/>
+                <a:cs typeface="Tahoma" panose="020B0604030504040204" pitchFamily="34" charset="0"/>
+              </a:rPr>
+              <a:t>xác</a:t>
+            </a:r>
+            <a:r>
+              <a:rPr lang="en-GB" sz="3200" dirty="0">
+                <a:latin typeface="Tahoma" panose="020B0604030504040204" pitchFamily="34" charset="0"/>
+                <a:ea typeface="Tahoma" panose="020B0604030504040204" pitchFamily="34" charset="0"/>
+                <a:cs typeface="Tahoma" panose="020B0604030504040204" pitchFamily="34" charset="0"/>
+              </a:rPr>
+              <a:t> </a:t>
+            </a:r>
+            <a:r>
+              <a:rPr lang="en-GB" sz="3200" dirty="0" err="1">
+                <a:latin typeface="Tahoma" panose="020B0604030504040204" pitchFamily="34" charset="0"/>
+                <a:ea typeface="Tahoma" panose="020B0604030504040204" pitchFamily="34" charset="0"/>
+                <a:cs typeface="Tahoma" panose="020B0604030504040204" pitchFamily="34" charset="0"/>
+              </a:rPr>
+              <a:t>suất</a:t>
+            </a:r>
+            <a:r>
+              <a:rPr lang="en-GB" sz="3200" dirty="0">
+                <a:latin typeface="Tahoma" panose="020B0604030504040204" pitchFamily="34" charset="0"/>
+                <a:ea typeface="Tahoma" panose="020B0604030504040204" pitchFamily="34" charset="0"/>
+                <a:cs typeface="Tahoma" panose="020B0604030504040204" pitchFamily="34" charset="0"/>
+              </a:rPr>
+              <a:t> (probability).</a:t>
+            </a:r>
+          </a:p>
+          <a:p>
+            <a:pPr marL="0" indent="0">
+              <a:buNone/>
+            </a:pPr>
+            <a:endParaRPr lang="en-GB" sz="3200" dirty="0">
+              <a:latin typeface="Tahoma" panose="020B0604030504040204" pitchFamily="34" charset="0"/>
+              <a:ea typeface="Tahoma" panose="020B0604030504040204" pitchFamily="34" charset="0"/>
+              <a:cs typeface="Tahoma" panose="020B0604030504040204" pitchFamily="34" charset="0"/>
+            </a:endParaRPr>
           </a:p>
         </p:txBody>
       </p:sp>
@@ -4613,7 +6103,7 @@
           <p:cNvPr id="4" name="Slide Number Placeholder 3">
             <a:extLst>
               <a:ext uri="{FF2B5EF4-FFF2-40B4-BE49-F238E27FC236}">
-                <a16:creationId xmlns:a16="http://schemas.microsoft.com/office/drawing/2014/main" id="{7DE1C572-35DD-4576-925B-DC43294D656E}"/>
+                <a16:creationId xmlns:a16="http://schemas.microsoft.com/office/drawing/2014/main" id="{A6A2CF8B-6222-4BDD-98FB-7B72D7D9707D}"/>
               </a:ext>
             </a:extLst>
           </p:cNvPr>
@@ -4637,40 +6127,10 @@
           </a:p>
         </p:txBody>
       </p:sp>
-      <p:pic>
-        <p:nvPicPr>
-          <p:cNvPr id="7" name="Picture 6">
-            <a:extLst>
-              <a:ext uri="{FF2B5EF4-FFF2-40B4-BE49-F238E27FC236}">
-                <a16:creationId xmlns:a16="http://schemas.microsoft.com/office/drawing/2014/main" id="{B0957683-D582-4D39-A96C-D6600AF67FFF}"/>
-              </a:ext>
-            </a:extLst>
-          </p:cNvPr>
-          <p:cNvPicPr>
-            <a:picLocks noChangeAspect="1"/>
-          </p:cNvPicPr>
-          <p:nvPr/>
-        </p:nvPicPr>
-        <p:blipFill>
-          <a:blip r:embed="rId2"/>
-          <a:stretch>
-            <a:fillRect/>
-          </a:stretch>
-        </p:blipFill>
-        <p:spPr>
-          <a:xfrm>
-            <a:off x="1164481" y="2832876"/>
-            <a:ext cx="10096500" cy="2028825"/>
-          </a:xfrm>
-          <a:prstGeom prst="rect">
-            <a:avLst/>
-          </a:prstGeom>
-        </p:spPr>
-      </p:pic>
     </p:spTree>
     <p:extLst>
       <p:ext uri="{BB962C8B-B14F-4D97-AF65-F5344CB8AC3E}">
-        <p14:creationId xmlns:p14="http://schemas.microsoft.com/office/powerpoint/2010/main" val="651505526"/>
+        <p14:creationId xmlns:p14="http://schemas.microsoft.com/office/powerpoint/2010/main" val="431451977"/>
       </p:ext>
     </p:extLst>
   </p:cSld>
@@ -4754,17 +6214,17 @@
                 <a:ea typeface="Tahoma" panose="020B0604030504040204" pitchFamily="34" charset="0"/>
                 <a:cs typeface="Tahoma" panose="020B0604030504040204" pitchFamily="34" charset="0"/>
               </a:rPr>
-              <a:t>Random Forest</a:t>
+              <a:t>Logistic Regression</a:t>
             </a:r>
           </a:p>
         </p:txBody>
       </p:sp>
       <p:sp>
         <p:nvSpPr>
-          <p:cNvPr id="5" name="Slide Number Placeholder 4">
+          <p:cNvPr id="4" name="Slide Number Placeholder 3">
             <a:extLst>
               <a:ext uri="{FF2B5EF4-FFF2-40B4-BE49-F238E27FC236}">
-                <a16:creationId xmlns:a16="http://schemas.microsoft.com/office/drawing/2014/main" id="{07613489-4D56-4BEE-AD67-BC4350B4CC5C}"/>
+                <a16:creationId xmlns:a16="http://schemas.microsoft.com/office/drawing/2014/main" id="{A6A2CF8B-6222-4BDD-98FB-7B72D7D9707D}"/>
               </a:ext>
             </a:extLst>
           </p:cNvPr>
@@ -4793,7 +6253,7 @@
           <p:cNvPr id="6" name="Picture 5">
             <a:extLst>
               <a:ext uri="{FF2B5EF4-FFF2-40B4-BE49-F238E27FC236}">
-                <a16:creationId xmlns:a16="http://schemas.microsoft.com/office/drawing/2014/main" id="{6629B04B-5A3C-4A59-A3F4-3D124C4F0E36}"/>
+                <a16:creationId xmlns:a16="http://schemas.microsoft.com/office/drawing/2014/main" id="{F2BFDC26-E718-4305-B6ED-DBCBAAA04D2A}"/>
               </a:ext>
             </a:extLst>
           </p:cNvPr>
@@ -4810,8 +6270,8 @@
         </p:blipFill>
         <p:spPr>
           <a:xfrm>
-            <a:off x="1285875" y="2976664"/>
-            <a:ext cx="10067925" cy="2286000"/>
+            <a:off x="1202379" y="2866232"/>
+            <a:ext cx="10001250" cy="2266950"/>
           </a:xfrm>
           <a:prstGeom prst="rect">
             <a:avLst/>
@@ -4821,7 +6281,7 @@
     </p:spTree>
     <p:extLst>
       <p:ext uri="{BB962C8B-B14F-4D97-AF65-F5344CB8AC3E}">
-        <p14:creationId xmlns:p14="http://schemas.microsoft.com/office/powerpoint/2010/main" val="1379172860"/>
+        <p14:creationId xmlns:p14="http://schemas.microsoft.com/office/powerpoint/2010/main" val="1759306614"/>
       </p:ext>
     </p:extLst>
   </p:cSld>
@@ -4905,8 +6365,4021 @@
                 <a:ea typeface="Tahoma" panose="020B0604030504040204" pitchFamily="34" charset="0"/>
                 <a:cs typeface="Tahoma" panose="020B0604030504040204" pitchFamily="34" charset="0"/>
               </a:rPr>
+              <a:t>Decision Tree</a:t>
+            </a:r>
+          </a:p>
+          <a:p>
+            <a:pPr marL="0" indent="0">
+              <a:buNone/>
+            </a:pPr>
+            <a:r>
+              <a:rPr lang="en-GB" sz="3200" dirty="0" err="1">
+                <a:latin typeface="Tahoma" panose="020B0604030504040204" pitchFamily="34" charset="0"/>
+                <a:ea typeface="Tahoma" panose="020B0604030504040204" pitchFamily="34" charset="0"/>
+                <a:cs typeface="Tahoma" panose="020B0604030504040204" pitchFamily="34" charset="0"/>
+              </a:rPr>
+              <a:t>Cây</a:t>
+            </a:r>
+            <a:r>
+              <a:rPr lang="en-GB" sz="3200" dirty="0">
+                <a:latin typeface="Tahoma" panose="020B0604030504040204" pitchFamily="34" charset="0"/>
+                <a:ea typeface="Tahoma" panose="020B0604030504040204" pitchFamily="34" charset="0"/>
+                <a:cs typeface="Tahoma" panose="020B0604030504040204" pitchFamily="34" charset="0"/>
+              </a:rPr>
+              <a:t> </a:t>
+            </a:r>
+            <a:r>
+              <a:rPr lang="en-GB" sz="3200" dirty="0" err="1">
+                <a:latin typeface="Tahoma" panose="020B0604030504040204" pitchFamily="34" charset="0"/>
+                <a:ea typeface="Tahoma" panose="020B0604030504040204" pitchFamily="34" charset="0"/>
+                <a:cs typeface="Tahoma" panose="020B0604030504040204" pitchFamily="34" charset="0"/>
+              </a:rPr>
+              <a:t>quyết</a:t>
+            </a:r>
+            <a:r>
+              <a:rPr lang="en-GB" sz="3200" dirty="0">
+                <a:latin typeface="Tahoma" panose="020B0604030504040204" pitchFamily="34" charset="0"/>
+                <a:ea typeface="Tahoma" panose="020B0604030504040204" pitchFamily="34" charset="0"/>
+                <a:cs typeface="Tahoma" panose="020B0604030504040204" pitchFamily="34" charset="0"/>
+              </a:rPr>
+              <a:t> </a:t>
+            </a:r>
+            <a:r>
+              <a:rPr lang="en-GB" sz="3200" dirty="0" err="1">
+                <a:latin typeface="Tahoma" panose="020B0604030504040204" pitchFamily="34" charset="0"/>
+                <a:ea typeface="Tahoma" panose="020B0604030504040204" pitchFamily="34" charset="0"/>
+                <a:cs typeface="Tahoma" panose="020B0604030504040204" pitchFamily="34" charset="0"/>
+              </a:rPr>
+              <a:t>định</a:t>
+            </a:r>
+            <a:r>
+              <a:rPr lang="en-GB" sz="3200" dirty="0">
+                <a:latin typeface="Tahoma" panose="020B0604030504040204" pitchFamily="34" charset="0"/>
+                <a:ea typeface="Tahoma" panose="020B0604030504040204" pitchFamily="34" charset="0"/>
+                <a:cs typeface="Tahoma" panose="020B0604030504040204" pitchFamily="34" charset="0"/>
+              </a:rPr>
+              <a:t> (DTs) </a:t>
+            </a:r>
+            <a:r>
+              <a:rPr lang="en-GB" sz="3200" dirty="0" err="1">
+                <a:latin typeface="Tahoma" panose="020B0604030504040204" pitchFamily="34" charset="0"/>
+                <a:ea typeface="Tahoma" panose="020B0604030504040204" pitchFamily="34" charset="0"/>
+                <a:cs typeface="Tahoma" panose="020B0604030504040204" pitchFamily="34" charset="0"/>
+              </a:rPr>
+              <a:t>là</a:t>
+            </a:r>
+            <a:r>
+              <a:rPr lang="en-GB" sz="3200" dirty="0">
+                <a:latin typeface="Tahoma" panose="020B0604030504040204" pitchFamily="34" charset="0"/>
+                <a:ea typeface="Tahoma" panose="020B0604030504040204" pitchFamily="34" charset="0"/>
+                <a:cs typeface="Tahoma" panose="020B0604030504040204" pitchFamily="34" charset="0"/>
+              </a:rPr>
+              <a:t> </a:t>
+            </a:r>
+            <a:r>
+              <a:rPr lang="en-GB" sz="3200" dirty="0" err="1">
+                <a:latin typeface="Tahoma" panose="020B0604030504040204" pitchFamily="34" charset="0"/>
+                <a:ea typeface="Tahoma" panose="020B0604030504040204" pitchFamily="34" charset="0"/>
+                <a:cs typeface="Tahoma" panose="020B0604030504040204" pitchFamily="34" charset="0"/>
+              </a:rPr>
+              <a:t>một</a:t>
+            </a:r>
+            <a:r>
+              <a:rPr lang="en-GB" sz="3200" dirty="0">
+                <a:latin typeface="Tahoma" panose="020B0604030504040204" pitchFamily="34" charset="0"/>
+                <a:ea typeface="Tahoma" panose="020B0604030504040204" pitchFamily="34" charset="0"/>
+                <a:cs typeface="Tahoma" panose="020B0604030504040204" pitchFamily="34" charset="0"/>
+              </a:rPr>
+              <a:t> </a:t>
+            </a:r>
+            <a:r>
+              <a:rPr lang="en-GB" sz="3200" dirty="0" err="1">
+                <a:latin typeface="Tahoma" panose="020B0604030504040204" pitchFamily="34" charset="0"/>
+                <a:ea typeface="Tahoma" panose="020B0604030504040204" pitchFamily="34" charset="0"/>
+                <a:cs typeface="Tahoma" panose="020B0604030504040204" pitchFamily="34" charset="0"/>
+              </a:rPr>
+              <a:t>phương</a:t>
+            </a:r>
+            <a:r>
+              <a:rPr lang="en-GB" sz="3200" dirty="0">
+                <a:latin typeface="Tahoma" panose="020B0604030504040204" pitchFamily="34" charset="0"/>
+                <a:ea typeface="Tahoma" panose="020B0604030504040204" pitchFamily="34" charset="0"/>
+                <a:cs typeface="Tahoma" panose="020B0604030504040204" pitchFamily="34" charset="0"/>
+              </a:rPr>
+              <a:t> </a:t>
+            </a:r>
+            <a:r>
+              <a:rPr lang="en-GB" sz="3200" dirty="0" err="1">
+                <a:latin typeface="Tahoma" panose="020B0604030504040204" pitchFamily="34" charset="0"/>
+                <a:ea typeface="Tahoma" panose="020B0604030504040204" pitchFamily="34" charset="0"/>
+                <a:cs typeface="Tahoma" panose="020B0604030504040204" pitchFamily="34" charset="0"/>
+              </a:rPr>
+              <a:t>pháp</a:t>
+            </a:r>
+            <a:r>
+              <a:rPr lang="en-GB" sz="3200" dirty="0">
+                <a:latin typeface="Tahoma" panose="020B0604030504040204" pitchFamily="34" charset="0"/>
+                <a:ea typeface="Tahoma" panose="020B0604030504040204" pitchFamily="34" charset="0"/>
+                <a:cs typeface="Tahoma" panose="020B0604030504040204" pitchFamily="34" charset="0"/>
+              </a:rPr>
+              <a:t> </a:t>
+            </a:r>
+            <a:r>
+              <a:rPr lang="en-GB" sz="3200" dirty="0" err="1">
+                <a:latin typeface="Tahoma" panose="020B0604030504040204" pitchFamily="34" charset="0"/>
+                <a:ea typeface="Tahoma" panose="020B0604030504040204" pitchFamily="34" charset="0"/>
+                <a:cs typeface="Tahoma" panose="020B0604030504040204" pitchFamily="34" charset="0"/>
+              </a:rPr>
+              <a:t>học</a:t>
+            </a:r>
+            <a:r>
+              <a:rPr lang="en-GB" sz="3200" dirty="0">
+                <a:latin typeface="Tahoma" panose="020B0604030504040204" pitchFamily="34" charset="0"/>
+                <a:ea typeface="Tahoma" panose="020B0604030504040204" pitchFamily="34" charset="0"/>
+                <a:cs typeface="Tahoma" panose="020B0604030504040204" pitchFamily="34" charset="0"/>
+              </a:rPr>
+              <a:t> </a:t>
+            </a:r>
+            <a:r>
+              <a:rPr lang="en-GB" sz="3200" dirty="0" err="1">
+                <a:latin typeface="Tahoma" panose="020B0604030504040204" pitchFamily="34" charset="0"/>
+                <a:ea typeface="Tahoma" panose="020B0604030504040204" pitchFamily="34" charset="0"/>
+                <a:cs typeface="Tahoma" panose="020B0604030504040204" pitchFamily="34" charset="0"/>
+              </a:rPr>
+              <a:t>tập</a:t>
+            </a:r>
+            <a:r>
+              <a:rPr lang="en-GB" sz="3200" dirty="0">
+                <a:latin typeface="Tahoma" panose="020B0604030504040204" pitchFamily="34" charset="0"/>
+                <a:ea typeface="Tahoma" panose="020B0604030504040204" pitchFamily="34" charset="0"/>
+                <a:cs typeface="Tahoma" panose="020B0604030504040204" pitchFamily="34" charset="0"/>
+              </a:rPr>
+              <a:t> </a:t>
+            </a:r>
+            <a:r>
+              <a:rPr lang="en-GB" sz="3200" dirty="0" err="1">
+                <a:latin typeface="Tahoma" panose="020B0604030504040204" pitchFamily="34" charset="0"/>
+                <a:ea typeface="Tahoma" panose="020B0604030504040204" pitchFamily="34" charset="0"/>
+                <a:cs typeface="Tahoma" panose="020B0604030504040204" pitchFamily="34" charset="0"/>
+              </a:rPr>
+              <a:t>có</a:t>
+            </a:r>
+            <a:r>
+              <a:rPr lang="en-GB" sz="3200" dirty="0">
+                <a:latin typeface="Tahoma" panose="020B0604030504040204" pitchFamily="34" charset="0"/>
+                <a:ea typeface="Tahoma" panose="020B0604030504040204" pitchFamily="34" charset="0"/>
+                <a:cs typeface="Tahoma" panose="020B0604030504040204" pitchFamily="34" charset="0"/>
+              </a:rPr>
+              <a:t> </a:t>
+            </a:r>
+            <a:r>
+              <a:rPr lang="en-GB" sz="3200" dirty="0" err="1">
+                <a:latin typeface="Tahoma" panose="020B0604030504040204" pitchFamily="34" charset="0"/>
+                <a:ea typeface="Tahoma" panose="020B0604030504040204" pitchFamily="34" charset="0"/>
+                <a:cs typeface="Tahoma" panose="020B0604030504040204" pitchFamily="34" charset="0"/>
+              </a:rPr>
+              <a:t>giám</a:t>
+            </a:r>
+            <a:r>
+              <a:rPr lang="en-GB" sz="3200" dirty="0">
+                <a:latin typeface="Tahoma" panose="020B0604030504040204" pitchFamily="34" charset="0"/>
+                <a:ea typeface="Tahoma" panose="020B0604030504040204" pitchFamily="34" charset="0"/>
+                <a:cs typeface="Tahoma" panose="020B0604030504040204" pitchFamily="34" charset="0"/>
+              </a:rPr>
+              <a:t> </a:t>
+            </a:r>
+            <a:r>
+              <a:rPr lang="en-GB" sz="3200" dirty="0" err="1">
+                <a:latin typeface="Tahoma" panose="020B0604030504040204" pitchFamily="34" charset="0"/>
+                <a:ea typeface="Tahoma" panose="020B0604030504040204" pitchFamily="34" charset="0"/>
+                <a:cs typeface="Tahoma" panose="020B0604030504040204" pitchFamily="34" charset="0"/>
+              </a:rPr>
+              <a:t>sát</a:t>
+            </a:r>
+            <a:r>
+              <a:rPr lang="en-GB" sz="3200" dirty="0">
+                <a:latin typeface="Tahoma" panose="020B0604030504040204" pitchFamily="34" charset="0"/>
+                <a:ea typeface="Tahoma" panose="020B0604030504040204" pitchFamily="34" charset="0"/>
+                <a:cs typeface="Tahoma" panose="020B0604030504040204" pitchFamily="34" charset="0"/>
+              </a:rPr>
+              <a:t> </a:t>
+            </a:r>
+            <a:r>
+              <a:rPr lang="en-GB" sz="3200" dirty="0" err="1">
+                <a:latin typeface="Tahoma" panose="020B0604030504040204" pitchFamily="34" charset="0"/>
+                <a:ea typeface="Tahoma" panose="020B0604030504040204" pitchFamily="34" charset="0"/>
+                <a:cs typeface="Tahoma" panose="020B0604030504040204" pitchFamily="34" charset="0"/>
+              </a:rPr>
+              <a:t>không</a:t>
+            </a:r>
+            <a:r>
+              <a:rPr lang="en-GB" sz="3200" dirty="0">
+                <a:latin typeface="Tahoma" panose="020B0604030504040204" pitchFamily="34" charset="0"/>
+                <a:ea typeface="Tahoma" panose="020B0604030504040204" pitchFamily="34" charset="0"/>
+                <a:cs typeface="Tahoma" panose="020B0604030504040204" pitchFamily="34" charset="0"/>
+              </a:rPr>
+              <a:t> </a:t>
+            </a:r>
+            <a:r>
+              <a:rPr lang="en-GB" sz="3200" dirty="0" err="1">
+                <a:latin typeface="Tahoma" panose="020B0604030504040204" pitchFamily="34" charset="0"/>
+                <a:ea typeface="Tahoma" panose="020B0604030504040204" pitchFamily="34" charset="0"/>
+                <a:cs typeface="Tahoma" panose="020B0604030504040204" pitchFamily="34" charset="0"/>
+              </a:rPr>
+              <a:t>tham</a:t>
+            </a:r>
+            <a:r>
+              <a:rPr lang="en-GB" sz="3200" dirty="0">
+                <a:latin typeface="Tahoma" panose="020B0604030504040204" pitchFamily="34" charset="0"/>
+                <a:ea typeface="Tahoma" panose="020B0604030504040204" pitchFamily="34" charset="0"/>
+                <a:cs typeface="Tahoma" panose="020B0604030504040204" pitchFamily="34" charset="0"/>
+              </a:rPr>
+              <a:t> </a:t>
+            </a:r>
+            <a:r>
+              <a:rPr lang="en-GB" sz="3200" dirty="0" err="1">
+                <a:latin typeface="Tahoma" panose="020B0604030504040204" pitchFamily="34" charset="0"/>
+                <a:ea typeface="Tahoma" panose="020B0604030504040204" pitchFamily="34" charset="0"/>
+                <a:cs typeface="Tahoma" panose="020B0604030504040204" pitchFamily="34" charset="0"/>
+              </a:rPr>
+              <a:t>số</a:t>
+            </a:r>
+            <a:r>
+              <a:rPr lang="en-GB" sz="3200" dirty="0">
+                <a:latin typeface="Tahoma" panose="020B0604030504040204" pitchFamily="34" charset="0"/>
+                <a:ea typeface="Tahoma" panose="020B0604030504040204" pitchFamily="34" charset="0"/>
+                <a:cs typeface="Tahoma" panose="020B0604030504040204" pitchFamily="34" charset="0"/>
+              </a:rPr>
+              <a:t> </a:t>
+            </a:r>
+            <a:r>
+              <a:rPr lang="en-GB" sz="3200" dirty="0" err="1">
+                <a:latin typeface="Tahoma" panose="020B0604030504040204" pitchFamily="34" charset="0"/>
+                <a:ea typeface="Tahoma" panose="020B0604030504040204" pitchFamily="34" charset="0"/>
+                <a:cs typeface="Tahoma" panose="020B0604030504040204" pitchFamily="34" charset="0"/>
+              </a:rPr>
+              <a:t>được</a:t>
+            </a:r>
+            <a:r>
+              <a:rPr lang="en-GB" sz="3200" dirty="0">
+                <a:latin typeface="Tahoma" panose="020B0604030504040204" pitchFamily="34" charset="0"/>
+                <a:ea typeface="Tahoma" panose="020B0604030504040204" pitchFamily="34" charset="0"/>
+                <a:cs typeface="Tahoma" panose="020B0604030504040204" pitchFamily="34" charset="0"/>
+              </a:rPr>
+              <a:t> </a:t>
+            </a:r>
+            <a:r>
+              <a:rPr lang="en-GB" sz="3200" dirty="0" err="1">
+                <a:latin typeface="Tahoma" panose="020B0604030504040204" pitchFamily="34" charset="0"/>
+                <a:ea typeface="Tahoma" panose="020B0604030504040204" pitchFamily="34" charset="0"/>
+                <a:cs typeface="Tahoma" panose="020B0604030504040204" pitchFamily="34" charset="0"/>
+              </a:rPr>
+              <a:t>sử</a:t>
+            </a:r>
+            <a:r>
+              <a:rPr lang="en-GB" sz="3200" dirty="0">
+                <a:latin typeface="Tahoma" panose="020B0604030504040204" pitchFamily="34" charset="0"/>
+                <a:ea typeface="Tahoma" panose="020B0604030504040204" pitchFamily="34" charset="0"/>
+                <a:cs typeface="Tahoma" panose="020B0604030504040204" pitchFamily="34" charset="0"/>
+              </a:rPr>
+              <a:t> </a:t>
+            </a:r>
+            <a:r>
+              <a:rPr lang="en-GB" sz="3200" dirty="0" err="1">
+                <a:latin typeface="Tahoma" panose="020B0604030504040204" pitchFamily="34" charset="0"/>
+                <a:ea typeface="Tahoma" panose="020B0604030504040204" pitchFamily="34" charset="0"/>
+                <a:cs typeface="Tahoma" panose="020B0604030504040204" pitchFamily="34" charset="0"/>
+              </a:rPr>
+              <a:t>dụng</a:t>
+            </a:r>
+            <a:r>
+              <a:rPr lang="en-GB" sz="3200" dirty="0">
+                <a:latin typeface="Tahoma" panose="020B0604030504040204" pitchFamily="34" charset="0"/>
+                <a:ea typeface="Tahoma" panose="020B0604030504040204" pitchFamily="34" charset="0"/>
+                <a:cs typeface="Tahoma" panose="020B0604030504040204" pitchFamily="34" charset="0"/>
+              </a:rPr>
+              <a:t> </a:t>
+            </a:r>
+            <a:r>
+              <a:rPr lang="en-GB" sz="3200" dirty="0" err="1">
+                <a:latin typeface="Tahoma" panose="020B0604030504040204" pitchFamily="34" charset="0"/>
+                <a:ea typeface="Tahoma" panose="020B0604030504040204" pitchFamily="34" charset="0"/>
+                <a:cs typeface="Tahoma" panose="020B0604030504040204" pitchFamily="34" charset="0"/>
+              </a:rPr>
+              <a:t>để</a:t>
+            </a:r>
+            <a:r>
+              <a:rPr lang="en-GB" sz="3200" dirty="0">
+                <a:latin typeface="Tahoma" panose="020B0604030504040204" pitchFamily="34" charset="0"/>
+                <a:ea typeface="Tahoma" panose="020B0604030504040204" pitchFamily="34" charset="0"/>
+                <a:cs typeface="Tahoma" panose="020B0604030504040204" pitchFamily="34" charset="0"/>
+              </a:rPr>
+              <a:t> </a:t>
+            </a:r>
+            <a:r>
+              <a:rPr lang="en-GB" sz="3200" dirty="0" err="1">
+                <a:latin typeface="Tahoma" panose="020B0604030504040204" pitchFamily="34" charset="0"/>
+                <a:ea typeface="Tahoma" panose="020B0604030504040204" pitchFamily="34" charset="0"/>
+                <a:cs typeface="Tahoma" panose="020B0604030504040204" pitchFamily="34" charset="0"/>
+              </a:rPr>
+              <a:t>phân</a:t>
+            </a:r>
+            <a:r>
+              <a:rPr lang="en-GB" sz="3200" dirty="0">
+                <a:latin typeface="Tahoma" panose="020B0604030504040204" pitchFamily="34" charset="0"/>
+                <a:ea typeface="Tahoma" panose="020B0604030504040204" pitchFamily="34" charset="0"/>
+                <a:cs typeface="Tahoma" panose="020B0604030504040204" pitchFamily="34" charset="0"/>
+              </a:rPr>
+              <a:t> </a:t>
+            </a:r>
+            <a:r>
+              <a:rPr lang="en-GB" sz="3200" dirty="0" err="1">
+                <a:latin typeface="Tahoma" panose="020B0604030504040204" pitchFamily="34" charset="0"/>
+                <a:ea typeface="Tahoma" panose="020B0604030504040204" pitchFamily="34" charset="0"/>
+                <a:cs typeface="Tahoma" panose="020B0604030504040204" pitchFamily="34" charset="0"/>
+              </a:rPr>
+              <a:t>loại</a:t>
+            </a:r>
+            <a:r>
+              <a:rPr lang="en-GB" sz="3200" dirty="0">
+                <a:latin typeface="Tahoma" panose="020B0604030504040204" pitchFamily="34" charset="0"/>
+                <a:ea typeface="Tahoma" panose="020B0604030504040204" pitchFamily="34" charset="0"/>
+                <a:cs typeface="Tahoma" panose="020B0604030504040204" pitchFamily="34" charset="0"/>
+              </a:rPr>
+              <a:t> </a:t>
+            </a:r>
+            <a:r>
+              <a:rPr lang="en-GB" sz="3200" dirty="0" err="1">
+                <a:latin typeface="Tahoma" panose="020B0604030504040204" pitchFamily="34" charset="0"/>
+                <a:ea typeface="Tahoma" panose="020B0604030504040204" pitchFamily="34" charset="0"/>
+                <a:cs typeface="Tahoma" panose="020B0604030504040204" pitchFamily="34" charset="0"/>
+              </a:rPr>
+              <a:t>và</a:t>
+            </a:r>
+            <a:r>
+              <a:rPr lang="en-GB" sz="3200" dirty="0">
+                <a:latin typeface="Tahoma" panose="020B0604030504040204" pitchFamily="34" charset="0"/>
+                <a:ea typeface="Tahoma" panose="020B0604030504040204" pitchFamily="34" charset="0"/>
+                <a:cs typeface="Tahoma" panose="020B0604030504040204" pitchFamily="34" charset="0"/>
+              </a:rPr>
+              <a:t> </a:t>
+            </a:r>
+            <a:r>
+              <a:rPr lang="en-GB" sz="3200" dirty="0" err="1">
+                <a:latin typeface="Tahoma" panose="020B0604030504040204" pitchFamily="34" charset="0"/>
+                <a:ea typeface="Tahoma" panose="020B0604030504040204" pitchFamily="34" charset="0"/>
+                <a:cs typeface="Tahoma" panose="020B0604030504040204" pitchFamily="34" charset="0"/>
+              </a:rPr>
+              <a:t>hồi</a:t>
+            </a:r>
+            <a:r>
+              <a:rPr lang="en-GB" sz="3200" dirty="0">
+                <a:latin typeface="Tahoma" panose="020B0604030504040204" pitchFamily="34" charset="0"/>
+                <a:ea typeface="Tahoma" panose="020B0604030504040204" pitchFamily="34" charset="0"/>
+                <a:cs typeface="Tahoma" panose="020B0604030504040204" pitchFamily="34" charset="0"/>
+              </a:rPr>
+              <a:t> </a:t>
+            </a:r>
+            <a:r>
+              <a:rPr lang="en-GB" sz="3200" dirty="0" err="1">
+                <a:latin typeface="Tahoma" panose="020B0604030504040204" pitchFamily="34" charset="0"/>
+                <a:ea typeface="Tahoma" panose="020B0604030504040204" pitchFamily="34" charset="0"/>
+                <a:cs typeface="Tahoma" panose="020B0604030504040204" pitchFamily="34" charset="0"/>
+              </a:rPr>
+              <a:t>quy</a:t>
+            </a:r>
+            <a:r>
+              <a:rPr lang="en-GB" sz="3200" dirty="0">
+                <a:latin typeface="Tahoma" panose="020B0604030504040204" pitchFamily="34" charset="0"/>
+                <a:ea typeface="Tahoma" panose="020B0604030504040204" pitchFamily="34" charset="0"/>
+                <a:cs typeface="Tahoma" panose="020B0604030504040204" pitchFamily="34" charset="0"/>
+              </a:rPr>
+              <a:t>. </a:t>
+            </a:r>
+            <a:r>
+              <a:rPr lang="en-GB" sz="3200" dirty="0" err="1">
+                <a:latin typeface="Tahoma" panose="020B0604030504040204" pitchFamily="34" charset="0"/>
+                <a:ea typeface="Tahoma" panose="020B0604030504040204" pitchFamily="34" charset="0"/>
+                <a:cs typeface="Tahoma" panose="020B0604030504040204" pitchFamily="34" charset="0"/>
+              </a:rPr>
+              <a:t>Mục</a:t>
+            </a:r>
+            <a:r>
+              <a:rPr lang="en-GB" sz="3200" dirty="0">
+                <a:latin typeface="Tahoma" panose="020B0604030504040204" pitchFamily="34" charset="0"/>
+                <a:ea typeface="Tahoma" panose="020B0604030504040204" pitchFamily="34" charset="0"/>
+                <a:cs typeface="Tahoma" panose="020B0604030504040204" pitchFamily="34" charset="0"/>
+              </a:rPr>
+              <a:t> </a:t>
+            </a:r>
+            <a:r>
+              <a:rPr lang="en-GB" sz="3200" dirty="0" err="1">
+                <a:latin typeface="Tahoma" panose="020B0604030504040204" pitchFamily="34" charset="0"/>
+                <a:ea typeface="Tahoma" panose="020B0604030504040204" pitchFamily="34" charset="0"/>
+                <a:cs typeface="Tahoma" panose="020B0604030504040204" pitchFamily="34" charset="0"/>
+              </a:rPr>
+              <a:t>tiêu</a:t>
+            </a:r>
+            <a:r>
+              <a:rPr lang="en-GB" sz="3200" dirty="0">
+                <a:latin typeface="Tahoma" panose="020B0604030504040204" pitchFamily="34" charset="0"/>
+                <a:ea typeface="Tahoma" panose="020B0604030504040204" pitchFamily="34" charset="0"/>
+                <a:cs typeface="Tahoma" panose="020B0604030504040204" pitchFamily="34" charset="0"/>
+              </a:rPr>
+              <a:t> </a:t>
+            </a:r>
+            <a:r>
+              <a:rPr lang="en-GB" sz="3200" dirty="0" err="1">
+                <a:latin typeface="Tahoma" panose="020B0604030504040204" pitchFamily="34" charset="0"/>
+                <a:ea typeface="Tahoma" panose="020B0604030504040204" pitchFamily="34" charset="0"/>
+                <a:cs typeface="Tahoma" panose="020B0604030504040204" pitchFamily="34" charset="0"/>
+              </a:rPr>
+              <a:t>là</a:t>
+            </a:r>
+            <a:r>
+              <a:rPr lang="en-GB" sz="3200" dirty="0">
+                <a:latin typeface="Tahoma" panose="020B0604030504040204" pitchFamily="34" charset="0"/>
+                <a:ea typeface="Tahoma" panose="020B0604030504040204" pitchFamily="34" charset="0"/>
+                <a:cs typeface="Tahoma" panose="020B0604030504040204" pitchFamily="34" charset="0"/>
+              </a:rPr>
+              <a:t> </a:t>
+            </a:r>
+            <a:r>
+              <a:rPr lang="en-GB" sz="3200" dirty="0" err="1">
+                <a:latin typeface="Tahoma" panose="020B0604030504040204" pitchFamily="34" charset="0"/>
+                <a:ea typeface="Tahoma" panose="020B0604030504040204" pitchFamily="34" charset="0"/>
+                <a:cs typeface="Tahoma" panose="020B0604030504040204" pitchFamily="34" charset="0"/>
+              </a:rPr>
+              <a:t>tạo</a:t>
+            </a:r>
+            <a:r>
+              <a:rPr lang="en-GB" sz="3200" dirty="0">
+                <a:latin typeface="Tahoma" panose="020B0604030504040204" pitchFamily="34" charset="0"/>
+                <a:ea typeface="Tahoma" panose="020B0604030504040204" pitchFamily="34" charset="0"/>
+                <a:cs typeface="Tahoma" panose="020B0604030504040204" pitchFamily="34" charset="0"/>
+              </a:rPr>
+              <a:t> </a:t>
+            </a:r>
+            <a:r>
+              <a:rPr lang="en-GB" sz="3200" dirty="0" err="1">
+                <a:latin typeface="Tahoma" panose="020B0604030504040204" pitchFamily="34" charset="0"/>
+                <a:ea typeface="Tahoma" panose="020B0604030504040204" pitchFamily="34" charset="0"/>
+                <a:cs typeface="Tahoma" panose="020B0604030504040204" pitchFamily="34" charset="0"/>
+              </a:rPr>
+              <a:t>ra</a:t>
+            </a:r>
+            <a:r>
+              <a:rPr lang="en-GB" sz="3200" dirty="0">
+                <a:latin typeface="Tahoma" panose="020B0604030504040204" pitchFamily="34" charset="0"/>
+                <a:ea typeface="Tahoma" panose="020B0604030504040204" pitchFamily="34" charset="0"/>
+                <a:cs typeface="Tahoma" panose="020B0604030504040204" pitchFamily="34" charset="0"/>
+              </a:rPr>
+              <a:t> </a:t>
+            </a:r>
+            <a:r>
+              <a:rPr lang="en-GB" sz="3200" dirty="0" err="1">
+                <a:latin typeface="Tahoma" panose="020B0604030504040204" pitchFamily="34" charset="0"/>
+                <a:ea typeface="Tahoma" panose="020B0604030504040204" pitchFamily="34" charset="0"/>
+                <a:cs typeface="Tahoma" panose="020B0604030504040204" pitchFamily="34" charset="0"/>
+              </a:rPr>
+              <a:t>một</a:t>
+            </a:r>
+            <a:r>
+              <a:rPr lang="en-GB" sz="3200" dirty="0">
+                <a:latin typeface="Tahoma" panose="020B0604030504040204" pitchFamily="34" charset="0"/>
+                <a:ea typeface="Tahoma" panose="020B0604030504040204" pitchFamily="34" charset="0"/>
+                <a:cs typeface="Tahoma" panose="020B0604030504040204" pitchFamily="34" charset="0"/>
+              </a:rPr>
+              <a:t> </a:t>
+            </a:r>
+            <a:r>
+              <a:rPr lang="en-GB" sz="3200" dirty="0" err="1">
+                <a:latin typeface="Tahoma" panose="020B0604030504040204" pitchFamily="34" charset="0"/>
+                <a:ea typeface="Tahoma" panose="020B0604030504040204" pitchFamily="34" charset="0"/>
+                <a:cs typeface="Tahoma" panose="020B0604030504040204" pitchFamily="34" charset="0"/>
+              </a:rPr>
+              <a:t>mô</a:t>
+            </a:r>
+            <a:r>
+              <a:rPr lang="en-GB" sz="3200" dirty="0">
+                <a:latin typeface="Tahoma" panose="020B0604030504040204" pitchFamily="34" charset="0"/>
+                <a:ea typeface="Tahoma" panose="020B0604030504040204" pitchFamily="34" charset="0"/>
+                <a:cs typeface="Tahoma" panose="020B0604030504040204" pitchFamily="34" charset="0"/>
+              </a:rPr>
+              <a:t> </a:t>
+            </a:r>
+            <a:r>
+              <a:rPr lang="en-GB" sz="3200" dirty="0" err="1">
+                <a:latin typeface="Tahoma" panose="020B0604030504040204" pitchFamily="34" charset="0"/>
+                <a:ea typeface="Tahoma" panose="020B0604030504040204" pitchFamily="34" charset="0"/>
+                <a:cs typeface="Tahoma" panose="020B0604030504040204" pitchFamily="34" charset="0"/>
+              </a:rPr>
+              <a:t>hình</a:t>
+            </a:r>
+            <a:r>
+              <a:rPr lang="en-GB" sz="3200" dirty="0">
+                <a:latin typeface="Tahoma" panose="020B0604030504040204" pitchFamily="34" charset="0"/>
+                <a:ea typeface="Tahoma" panose="020B0604030504040204" pitchFamily="34" charset="0"/>
+                <a:cs typeface="Tahoma" panose="020B0604030504040204" pitchFamily="34" charset="0"/>
+              </a:rPr>
+              <a:t> </a:t>
+            </a:r>
+            <a:r>
+              <a:rPr lang="en-GB" sz="3200" dirty="0" err="1">
+                <a:latin typeface="Tahoma" panose="020B0604030504040204" pitchFamily="34" charset="0"/>
+                <a:ea typeface="Tahoma" panose="020B0604030504040204" pitchFamily="34" charset="0"/>
+                <a:cs typeface="Tahoma" panose="020B0604030504040204" pitchFamily="34" charset="0"/>
+              </a:rPr>
+              <a:t>dự</a:t>
+            </a:r>
+            <a:r>
+              <a:rPr lang="en-GB" sz="3200" dirty="0">
+                <a:latin typeface="Tahoma" panose="020B0604030504040204" pitchFamily="34" charset="0"/>
+                <a:ea typeface="Tahoma" panose="020B0604030504040204" pitchFamily="34" charset="0"/>
+                <a:cs typeface="Tahoma" panose="020B0604030504040204" pitchFamily="34" charset="0"/>
+              </a:rPr>
+              <a:t> </a:t>
+            </a:r>
+            <a:r>
+              <a:rPr lang="en-GB" sz="3200" dirty="0" err="1">
+                <a:latin typeface="Tahoma" panose="020B0604030504040204" pitchFamily="34" charset="0"/>
+                <a:ea typeface="Tahoma" panose="020B0604030504040204" pitchFamily="34" charset="0"/>
+                <a:cs typeface="Tahoma" panose="020B0604030504040204" pitchFamily="34" charset="0"/>
+              </a:rPr>
+              <a:t>đoán</a:t>
+            </a:r>
+            <a:r>
+              <a:rPr lang="en-GB" sz="3200" dirty="0">
+                <a:latin typeface="Tahoma" panose="020B0604030504040204" pitchFamily="34" charset="0"/>
+                <a:ea typeface="Tahoma" panose="020B0604030504040204" pitchFamily="34" charset="0"/>
+                <a:cs typeface="Tahoma" panose="020B0604030504040204" pitchFamily="34" charset="0"/>
+              </a:rPr>
+              <a:t> </a:t>
+            </a:r>
+            <a:r>
+              <a:rPr lang="en-GB" sz="3200" dirty="0" err="1">
+                <a:latin typeface="Tahoma" panose="020B0604030504040204" pitchFamily="34" charset="0"/>
+                <a:ea typeface="Tahoma" panose="020B0604030504040204" pitchFamily="34" charset="0"/>
+                <a:cs typeface="Tahoma" panose="020B0604030504040204" pitchFamily="34" charset="0"/>
+              </a:rPr>
+              <a:t>giá</a:t>
+            </a:r>
+            <a:r>
+              <a:rPr lang="en-GB" sz="3200" dirty="0">
+                <a:latin typeface="Tahoma" panose="020B0604030504040204" pitchFamily="34" charset="0"/>
+                <a:ea typeface="Tahoma" panose="020B0604030504040204" pitchFamily="34" charset="0"/>
+                <a:cs typeface="Tahoma" panose="020B0604030504040204" pitchFamily="34" charset="0"/>
+              </a:rPr>
+              <a:t> </a:t>
+            </a:r>
+            <a:r>
+              <a:rPr lang="en-GB" sz="3200" dirty="0" err="1">
+                <a:latin typeface="Tahoma" panose="020B0604030504040204" pitchFamily="34" charset="0"/>
+                <a:ea typeface="Tahoma" panose="020B0604030504040204" pitchFamily="34" charset="0"/>
+                <a:cs typeface="Tahoma" panose="020B0604030504040204" pitchFamily="34" charset="0"/>
+              </a:rPr>
+              <a:t>trị</a:t>
+            </a:r>
+            <a:r>
+              <a:rPr lang="en-GB" sz="3200" dirty="0">
+                <a:latin typeface="Tahoma" panose="020B0604030504040204" pitchFamily="34" charset="0"/>
+                <a:ea typeface="Tahoma" panose="020B0604030504040204" pitchFamily="34" charset="0"/>
+                <a:cs typeface="Tahoma" panose="020B0604030504040204" pitchFamily="34" charset="0"/>
+              </a:rPr>
+              <a:t> </a:t>
+            </a:r>
+            <a:r>
+              <a:rPr lang="en-GB" sz="3200" dirty="0" err="1">
+                <a:latin typeface="Tahoma" panose="020B0604030504040204" pitchFamily="34" charset="0"/>
+                <a:ea typeface="Tahoma" panose="020B0604030504040204" pitchFamily="34" charset="0"/>
+                <a:cs typeface="Tahoma" panose="020B0604030504040204" pitchFamily="34" charset="0"/>
+              </a:rPr>
+              <a:t>của</a:t>
+            </a:r>
+            <a:r>
+              <a:rPr lang="en-GB" sz="3200" dirty="0">
+                <a:latin typeface="Tahoma" panose="020B0604030504040204" pitchFamily="34" charset="0"/>
+                <a:ea typeface="Tahoma" panose="020B0604030504040204" pitchFamily="34" charset="0"/>
+                <a:cs typeface="Tahoma" panose="020B0604030504040204" pitchFamily="34" charset="0"/>
+              </a:rPr>
+              <a:t> </a:t>
+            </a:r>
+            <a:r>
+              <a:rPr lang="en-GB" sz="3200" dirty="0" err="1">
+                <a:latin typeface="Tahoma" panose="020B0604030504040204" pitchFamily="34" charset="0"/>
+                <a:ea typeface="Tahoma" panose="020B0604030504040204" pitchFamily="34" charset="0"/>
+                <a:cs typeface="Tahoma" panose="020B0604030504040204" pitchFamily="34" charset="0"/>
+              </a:rPr>
+              <a:t>biến</a:t>
+            </a:r>
+            <a:r>
+              <a:rPr lang="en-GB" sz="3200" dirty="0">
+                <a:latin typeface="Tahoma" panose="020B0604030504040204" pitchFamily="34" charset="0"/>
+                <a:ea typeface="Tahoma" panose="020B0604030504040204" pitchFamily="34" charset="0"/>
+                <a:cs typeface="Tahoma" panose="020B0604030504040204" pitchFamily="34" charset="0"/>
+              </a:rPr>
+              <a:t> </a:t>
+            </a:r>
+            <a:r>
+              <a:rPr lang="en-GB" sz="3200" dirty="0" err="1">
+                <a:latin typeface="Tahoma" panose="020B0604030504040204" pitchFamily="34" charset="0"/>
+                <a:ea typeface="Tahoma" panose="020B0604030504040204" pitchFamily="34" charset="0"/>
+                <a:cs typeface="Tahoma" panose="020B0604030504040204" pitchFamily="34" charset="0"/>
+              </a:rPr>
+              <a:t>mục</a:t>
+            </a:r>
+            <a:r>
+              <a:rPr lang="en-GB" sz="3200" dirty="0">
+                <a:latin typeface="Tahoma" panose="020B0604030504040204" pitchFamily="34" charset="0"/>
+                <a:ea typeface="Tahoma" panose="020B0604030504040204" pitchFamily="34" charset="0"/>
+                <a:cs typeface="Tahoma" panose="020B0604030504040204" pitchFamily="34" charset="0"/>
+              </a:rPr>
+              <a:t> </a:t>
+            </a:r>
+            <a:r>
+              <a:rPr lang="en-GB" sz="3200" dirty="0" err="1">
+                <a:latin typeface="Tahoma" panose="020B0604030504040204" pitchFamily="34" charset="0"/>
+                <a:ea typeface="Tahoma" panose="020B0604030504040204" pitchFamily="34" charset="0"/>
+                <a:cs typeface="Tahoma" panose="020B0604030504040204" pitchFamily="34" charset="0"/>
+              </a:rPr>
+              <a:t>tiêu</a:t>
+            </a:r>
+            <a:r>
+              <a:rPr lang="en-GB" sz="3200" dirty="0">
+                <a:latin typeface="Tahoma" panose="020B0604030504040204" pitchFamily="34" charset="0"/>
+                <a:ea typeface="Tahoma" panose="020B0604030504040204" pitchFamily="34" charset="0"/>
+                <a:cs typeface="Tahoma" panose="020B0604030504040204" pitchFamily="34" charset="0"/>
+              </a:rPr>
+              <a:t> </a:t>
+            </a:r>
+            <a:r>
+              <a:rPr lang="en-GB" sz="3200" dirty="0" err="1">
+                <a:latin typeface="Tahoma" panose="020B0604030504040204" pitchFamily="34" charset="0"/>
+                <a:ea typeface="Tahoma" panose="020B0604030504040204" pitchFamily="34" charset="0"/>
+                <a:cs typeface="Tahoma" panose="020B0604030504040204" pitchFamily="34" charset="0"/>
+              </a:rPr>
+              <a:t>bằng</a:t>
+            </a:r>
+            <a:r>
+              <a:rPr lang="en-GB" sz="3200" dirty="0">
+                <a:latin typeface="Tahoma" panose="020B0604030504040204" pitchFamily="34" charset="0"/>
+                <a:ea typeface="Tahoma" panose="020B0604030504040204" pitchFamily="34" charset="0"/>
+                <a:cs typeface="Tahoma" panose="020B0604030504040204" pitchFamily="34" charset="0"/>
+              </a:rPr>
+              <a:t> </a:t>
+            </a:r>
+            <a:r>
+              <a:rPr lang="en-GB" sz="3200" dirty="0" err="1">
+                <a:latin typeface="Tahoma" panose="020B0604030504040204" pitchFamily="34" charset="0"/>
+                <a:ea typeface="Tahoma" panose="020B0604030504040204" pitchFamily="34" charset="0"/>
+                <a:cs typeface="Tahoma" panose="020B0604030504040204" pitchFamily="34" charset="0"/>
+              </a:rPr>
+              <a:t>cách</a:t>
+            </a:r>
+            <a:r>
+              <a:rPr lang="en-GB" sz="3200" dirty="0">
+                <a:latin typeface="Tahoma" panose="020B0604030504040204" pitchFamily="34" charset="0"/>
+                <a:ea typeface="Tahoma" panose="020B0604030504040204" pitchFamily="34" charset="0"/>
+                <a:cs typeface="Tahoma" panose="020B0604030504040204" pitchFamily="34" charset="0"/>
+              </a:rPr>
+              <a:t> </a:t>
+            </a:r>
+            <a:r>
+              <a:rPr lang="en-GB" sz="3200" dirty="0" err="1">
+                <a:latin typeface="Tahoma" panose="020B0604030504040204" pitchFamily="34" charset="0"/>
+                <a:ea typeface="Tahoma" panose="020B0604030504040204" pitchFamily="34" charset="0"/>
+                <a:cs typeface="Tahoma" panose="020B0604030504040204" pitchFamily="34" charset="0"/>
+              </a:rPr>
+              <a:t>học</a:t>
+            </a:r>
+            <a:r>
+              <a:rPr lang="en-GB" sz="3200" dirty="0">
+                <a:latin typeface="Tahoma" panose="020B0604030504040204" pitchFamily="34" charset="0"/>
+                <a:ea typeface="Tahoma" panose="020B0604030504040204" pitchFamily="34" charset="0"/>
+                <a:cs typeface="Tahoma" panose="020B0604030504040204" pitchFamily="34" charset="0"/>
+              </a:rPr>
+              <a:t> </a:t>
+            </a:r>
+            <a:r>
+              <a:rPr lang="en-GB" sz="3200" dirty="0" err="1">
+                <a:latin typeface="Tahoma" panose="020B0604030504040204" pitchFamily="34" charset="0"/>
+                <a:ea typeface="Tahoma" panose="020B0604030504040204" pitchFamily="34" charset="0"/>
+                <a:cs typeface="Tahoma" panose="020B0604030504040204" pitchFamily="34" charset="0"/>
+              </a:rPr>
+              <a:t>các</a:t>
+            </a:r>
+            <a:r>
+              <a:rPr lang="en-GB" sz="3200" dirty="0">
+                <a:latin typeface="Tahoma" panose="020B0604030504040204" pitchFamily="34" charset="0"/>
+                <a:ea typeface="Tahoma" panose="020B0604030504040204" pitchFamily="34" charset="0"/>
+                <a:cs typeface="Tahoma" panose="020B0604030504040204" pitchFamily="34" charset="0"/>
+              </a:rPr>
+              <a:t> </a:t>
+            </a:r>
+            <a:r>
+              <a:rPr lang="en-GB" sz="3200" dirty="0" err="1">
+                <a:latin typeface="Tahoma" panose="020B0604030504040204" pitchFamily="34" charset="0"/>
+                <a:ea typeface="Tahoma" panose="020B0604030504040204" pitchFamily="34" charset="0"/>
+                <a:cs typeface="Tahoma" panose="020B0604030504040204" pitchFamily="34" charset="0"/>
+              </a:rPr>
+              <a:t>luật</a:t>
+            </a:r>
+            <a:r>
+              <a:rPr lang="en-GB" sz="3200" dirty="0">
+                <a:latin typeface="Tahoma" panose="020B0604030504040204" pitchFamily="34" charset="0"/>
+                <a:ea typeface="Tahoma" panose="020B0604030504040204" pitchFamily="34" charset="0"/>
+                <a:cs typeface="Tahoma" panose="020B0604030504040204" pitchFamily="34" charset="0"/>
+              </a:rPr>
+              <a:t> </a:t>
+            </a:r>
+            <a:r>
+              <a:rPr lang="en-GB" sz="3200" dirty="0" err="1">
+                <a:latin typeface="Tahoma" panose="020B0604030504040204" pitchFamily="34" charset="0"/>
+                <a:ea typeface="Tahoma" panose="020B0604030504040204" pitchFamily="34" charset="0"/>
+                <a:cs typeface="Tahoma" panose="020B0604030504040204" pitchFamily="34" charset="0"/>
+              </a:rPr>
+              <a:t>quyết</a:t>
+            </a:r>
+            <a:r>
+              <a:rPr lang="en-GB" sz="3200" dirty="0">
+                <a:latin typeface="Tahoma" panose="020B0604030504040204" pitchFamily="34" charset="0"/>
+                <a:ea typeface="Tahoma" panose="020B0604030504040204" pitchFamily="34" charset="0"/>
+                <a:cs typeface="Tahoma" panose="020B0604030504040204" pitchFamily="34" charset="0"/>
+              </a:rPr>
+              <a:t> </a:t>
+            </a:r>
+            <a:r>
+              <a:rPr lang="en-GB" sz="3200" dirty="0" err="1">
+                <a:latin typeface="Tahoma" panose="020B0604030504040204" pitchFamily="34" charset="0"/>
+                <a:ea typeface="Tahoma" panose="020B0604030504040204" pitchFamily="34" charset="0"/>
+                <a:cs typeface="Tahoma" panose="020B0604030504040204" pitchFamily="34" charset="0"/>
+              </a:rPr>
+              <a:t>định</a:t>
+            </a:r>
+            <a:r>
+              <a:rPr lang="en-GB" sz="3200" dirty="0">
+                <a:latin typeface="Tahoma" panose="020B0604030504040204" pitchFamily="34" charset="0"/>
+                <a:ea typeface="Tahoma" panose="020B0604030504040204" pitchFamily="34" charset="0"/>
+                <a:cs typeface="Tahoma" panose="020B0604030504040204" pitchFamily="34" charset="0"/>
+              </a:rPr>
+              <a:t> </a:t>
+            </a:r>
+            <a:r>
+              <a:rPr lang="en-GB" sz="3200" dirty="0" err="1">
+                <a:latin typeface="Tahoma" panose="020B0604030504040204" pitchFamily="34" charset="0"/>
+                <a:ea typeface="Tahoma" panose="020B0604030504040204" pitchFamily="34" charset="0"/>
+                <a:cs typeface="Tahoma" panose="020B0604030504040204" pitchFamily="34" charset="0"/>
+              </a:rPr>
+              <a:t>đơn</a:t>
+            </a:r>
+            <a:r>
+              <a:rPr lang="en-GB" sz="3200" dirty="0">
+                <a:latin typeface="Tahoma" panose="020B0604030504040204" pitchFamily="34" charset="0"/>
+                <a:ea typeface="Tahoma" panose="020B0604030504040204" pitchFamily="34" charset="0"/>
+                <a:cs typeface="Tahoma" panose="020B0604030504040204" pitchFamily="34" charset="0"/>
+              </a:rPr>
+              <a:t> </a:t>
+            </a:r>
+            <a:r>
+              <a:rPr lang="en-GB" sz="3200" dirty="0" err="1">
+                <a:latin typeface="Tahoma" panose="020B0604030504040204" pitchFamily="34" charset="0"/>
+                <a:ea typeface="Tahoma" panose="020B0604030504040204" pitchFamily="34" charset="0"/>
+                <a:cs typeface="Tahoma" panose="020B0604030504040204" pitchFamily="34" charset="0"/>
+              </a:rPr>
+              <a:t>giản</a:t>
+            </a:r>
+            <a:r>
+              <a:rPr lang="en-GB" sz="3200" dirty="0">
+                <a:latin typeface="Tahoma" panose="020B0604030504040204" pitchFamily="34" charset="0"/>
+                <a:ea typeface="Tahoma" panose="020B0604030504040204" pitchFamily="34" charset="0"/>
+                <a:cs typeface="Tahoma" panose="020B0604030504040204" pitchFamily="34" charset="0"/>
+              </a:rPr>
+              <a:t> </a:t>
+            </a:r>
+            <a:r>
+              <a:rPr lang="en-GB" sz="3200" dirty="0" err="1">
+                <a:latin typeface="Tahoma" panose="020B0604030504040204" pitchFamily="34" charset="0"/>
+                <a:ea typeface="Tahoma" panose="020B0604030504040204" pitchFamily="34" charset="0"/>
+                <a:cs typeface="Tahoma" panose="020B0604030504040204" pitchFamily="34" charset="0"/>
+              </a:rPr>
+              <a:t>được</a:t>
+            </a:r>
+            <a:r>
+              <a:rPr lang="en-GB" sz="3200" dirty="0">
+                <a:latin typeface="Tahoma" panose="020B0604030504040204" pitchFamily="34" charset="0"/>
+                <a:ea typeface="Tahoma" panose="020B0604030504040204" pitchFamily="34" charset="0"/>
+                <a:cs typeface="Tahoma" panose="020B0604030504040204" pitchFamily="34" charset="0"/>
+              </a:rPr>
+              <a:t> </a:t>
+            </a:r>
+            <a:r>
+              <a:rPr lang="en-GB" sz="3200" dirty="0" err="1">
+                <a:latin typeface="Tahoma" panose="020B0604030504040204" pitchFamily="34" charset="0"/>
+                <a:ea typeface="Tahoma" panose="020B0604030504040204" pitchFamily="34" charset="0"/>
+                <a:cs typeface="Tahoma" panose="020B0604030504040204" pitchFamily="34" charset="0"/>
+              </a:rPr>
+              <a:t>suy</a:t>
+            </a:r>
+            <a:r>
+              <a:rPr lang="en-GB" sz="3200" dirty="0">
+                <a:latin typeface="Tahoma" panose="020B0604030504040204" pitchFamily="34" charset="0"/>
+                <a:ea typeface="Tahoma" panose="020B0604030504040204" pitchFamily="34" charset="0"/>
+                <a:cs typeface="Tahoma" panose="020B0604030504040204" pitchFamily="34" charset="0"/>
+              </a:rPr>
+              <a:t> </a:t>
+            </a:r>
+            <a:r>
+              <a:rPr lang="en-GB" sz="3200" dirty="0" err="1">
+                <a:latin typeface="Tahoma" panose="020B0604030504040204" pitchFamily="34" charset="0"/>
+                <a:ea typeface="Tahoma" panose="020B0604030504040204" pitchFamily="34" charset="0"/>
+                <a:cs typeface="Tahoma" panose="020B0604030504040204" pitchFamily="34" charset="0"/>
+              </a:rPr>
+              <a:t>ra</a:t>
+            </a:r>
+            <a:r>
+              <a:rPr lang="en-GB" sz="3200" dirty="0">
+                <a:latin typeface="Tahoma" panose="020B0604030504040204" pitchFamily="34" charset="0"/>
+                <a:ea typeface="Tahoma" panose="020B0604030504040204" pitchFamily="34" charset="0"/>
+                <a:cs typeface="Tahoma" panose="020B0604030504040204" pitchFamily="34" charset="0"/>
+              </a:rPr>
+              <a:t> </a:t>
+            </a:r>
+            <a:r>
+              <a:rPr lang="en-GB" sz="3200" dirty="0" err="1">
+                <a:latin typeface="Tahoma" panose="020B0604030504040204" pitchFamily="34" charset="0"/>
+                <a:ea typeface="Tahoma" panose="020B0604030504040204" pitchFamily="34" charset="0"/>
+                <a:cs typeface="Tahoma" panose="020B0604030504040204" pitchFamily="34" charset="0"/>
+              </a:rPr>
+              <a:t>từ</a:t>
+            </a:r>
+            <a:r>
+              <a:rPr lang="en-GB" sz="3200" dirty="0">
+                <a:latin typeface="Tahoma" panose="020B0604030504040204" pitchFamily="34" charset="0"/>
+                <a:ea typeface="Tahoma" panose="020B0604030504040204" pitchFamily="34" charset="0"/>
+                <a:cs typeface="Tahoma" panose="020B0604030504040204" pitchFamily="34" charset="0"/>
+              </a:rPr>
+              <a:t> </a:t>
+            </a:r>
+            <a:r>
+              <a:rPr lang="en-GB" sz="3200" dirty="0" err="1">
+                <a:latin typeface="Tahoma" panose="020B0604030504040204" pitchFamily="34" charset="0"/>
+                <a:ea typeface="Tahoma" panose="020B0604030504040204" pitchFamily="34" charset="0"/>
+                <a:cs typeface="Tahoma" panose="020B0604030504040204" pitchFamily="34" charset="0"/>
+              </a:rPr>
+              <a:t>các</a:t>
+            </a:r>
+            <a:r>
+              <a:rPr lang="en-GB" sz="3200" dirty="0">
+                <a:latin typeface="Tahoma" panose="020B0604030504040204" pitchFamily="34" charset="0"/>
+                <a:ea typeface="Tahoma" panose="020B0604030504040204" pitchFamily="34" charset="0"/>
+                <a:cs typeface="Tahoma" panose="020B0604030504040204" pitchFamily="34" charset="0"/>
+              </a:rPr>
+              <a:t> features </a:t>
+            </a:r>
+            <a:r>
+              <a:rPr lang="en-GB" sz="3200" dirty="0" err="1">
+                <a:latin typeface="Tahoma" panose="020B0604030504040204" pitchFamily="34" charset="0"/>
+                <a:ea typeface="Tahoma" panose="020B0604030504040204" pitchFamily="34" charset="0"/>
+                <a:cs typeface="Tahoma" panose="020B0604030504040204" pitchFamily="34" charset="0"/>
+              </a:rPr>
+              <a:t>trong</a:t>
+            </a:r>
+            <a:r>
+              <a:rPr lang="en-GB" sz="3200" dirty="0">
+                <a:latin typeface="Tahoma" panose="020B0604030504040204" pitchFamily="34" charset="0"/>
+                <a:ea typeface="Tahoma" panose="020B0604030504040204" pitchFamily="34" charset="0"/>
+                <a:cs typeface="Tahoma" panose="020B0604030504040204" pitchFamily="34" charset="0"/>
+              </a:rPr>
+              <a:t> data.</a:t>
+            </a:r>
+          </a:p>
+          <a:p>
+            <a:pPr marL="0" indent="0">
+              <a:buNone/>
+            </a:pPr>
+            <a:endParaRPr lang="en-GB" sz="3200" dirty="0">
+              <a:latin typeface="Tahoma" panose="020B0604030504040204" pitchFamily="34" charset="0"/>
+              <a:ea typeface="Tahoma" panose="020B0604030504040204" pitchFamily="34" charset="0"/>
+              <a:cs typeface="Tahoma" panose="020B0604030504040204" pitchFamily="34" charset="0"/>
+            </a:endParaRPr>
+          </a:p>
+        </p:txBody>
+      </p:sp>
+      <p:sp>
+        <p:nvSpPr>
+          <p:cNvPr id="4" name="Slide Number Placeholder 3">
+            <a:extLst>
+              <a:ext uri="{FF2B5EF4-FFF2-40B4-BE49-F238E27FC236}">
+                <a16:creationId xmlns:a16="http://schemas.microsoft.com/office/drawing/2014/main" id="{7DE1C572-35DD-4576-925B-DC43294D656E}"/>
+              </a:ext>
+            </a:extLst>
+          </p:cNvPr>
+          <p:cNvSpPr>
+            <a:spLocks noGrp="1"/>
+          </p:cNvSpPr>
+          <p:nvPr>
+            <p:ph type="sldNum" sz="quarter" idx="12"/>
+          </p:nvPr>
+        </p:nvSpPr>
+        <p:spPr/>
+        <p:txBody>
+          <a:bodyPr/>
+          <a:lstStyle/>
+          <a:p>
+            <a:fld id="{C2A74E92-A1E9-4D96-8B19-9FA9AB19DBB5}" type="slidenum">
+              <a:rPr lang="en-GB" smtClean="0"/>
+              <a:t>14</a:t>
+            </a:fld>
+            <a:endParaRPr lang="en-GB"/>
+          </a:p>
+        </p:txBody>
+      </p:sp>
+    </p:spTree>
+    <p:extLst>
+      <p:ext uri="{BB962C8B-B14F-4D97-AF65-F5344CB8AC3E}">
+        <p14:creationId xmlns:p14="http://schemas.microsoft.com/office/powerpoint/2010/main" val="3316350110"/>
+      </p:ext>
+    </p:extLst>
+  </p:cSld>
+  <p:clrMapOvr>
+    <a:masterClrMapping/>
+  </p:clrMapOvr>
+</p:sld>
+</file>
+
+<file path=ppt/slides/slide15.xml><?xml version="1.0" encoding="utf-8"?>
+<p:sld xmlns:a="http://schemas.openxmlformats.org/drawingml/2006/main" xmlns:r="http://schemas.openxmlformats.org/officeDocument/2006/relationships" xmlns:p="http://schemas.openxmlformats.org/presentationml/2006/main">
+  <p:cSld>
+    <p:spTree>
+      <p:nvGrpSpPr>
+        <p:cNvPr id="1" name=""/>
+        <p:cNvGrpSpPr/>
+        <p:nvPr/>
+      </p:nvGrpSpPr>
+      <p:grpSpPr>
+        <a:xfrm>
+          <a:off x="0" y="0"/>
+          <a:ext cx="0" cy="0"/>
+          <a:chOff x="0" y="0"/>
+          <a:chExt cx="0" cy="0"/>
+        </a:xfrm>
+      </p:grpSpPr>
+      <p:sp>
+        <p:nvSpPr>
+          <p:cNvPr id="2" name="Title 1">
+            <a:extLst>
+              <a:ext uri="{FF2B5EF4-FFF2-40B4-BE49-F238E27FC236}">
+                <a16:creationId xmlns:a16="http://schemas.microsoft.com/office/drawing/2014/main" id="{5C790218-5ECE-40FB-93D7-7DACB2D2427C}"/>
+              </a:ext>
+            </a:extLst>
+          </p:cNvPr>
+          <p:cNvSpPr>
+            <a:spLocks noGrp="1"/>
+          </p:cNvSpPr>
+          <p:nvPr>
+            <p:ph type="title"/>
+          </p:nvPr>
+        </p:nvSpPr>
+        <p:spPr/>
+        <p:txBody>
+          <a:bodyPr/>
+          <a:lstStyle/>
+          <a:p>
+            <a:r>
+              <a:rPr lang="en-GB" b="1" dirty="0"/>
+              <a:t>HỌC – KIỂM THỬ VÀ KẾT QUẢ</a:t>
+            </a:r>
+          </a:p>
+        </p:txBody>
+      </p:sp>
+      <p:sp>
+        <p:nvSpPr>
+          <p:cNvPr id="3" name="Content Placeholder 2">
+            <a:extLst>
+              <a:ext uri="{FF2B5EF4-FFF2-40B4-BE49-F238E27FC236}">
+                <a16:creationId xmlns:a16="http://schemas.microsoft.com/office/drawing/2014/main" id="{99ADFB63-AEF0-4FE3-A95A-6E9809EB6963}"/>
+              </a:ext>
+            </a:extLst>
+          </p:cNvPr>
+          <p:cNvSpPr>
+            <a:spLocks noGrp="1"/>
+          </p:cNvSpPr>
+          <p:nvPr>
+            <p:ph idx="1"/>
+          </p:nvPr>
+        </p:nvSpPr>
+        <p:spPr/>
+        <p:txBody>
+          <a:bodyPr>
+            <a:normAutofit/>
+          </a:bodyPr>
+          <a:lstStyle/>
+          <a:p>
+            <a:r>
+              <a:rPr lang="en-GB" sz="3200" dirty="0">
+                <a:latin typeface="Tahoma" panose="020B0604030504040204" pitchFamily="34" charset="0"/>
+                <a:ea typeface="Tahoma" panose="020B0604030504040204" pitchFamily="34" charset="0"/>
+                <a:cs typeface="Tahoma" panose="020B0604030504040204" pitchFamily="34" charset="0"/>
+              </a:rPr>
+              <a:t>Decision Tree</a:t>
+            </a:r>
+          </a:p>
+        </p:txBody>
+      </p:sp>
+      <p:sp>
+        <p:nvSpPr>
+          <p:cNvPr id="4" name="Slide Number Placeholder 3">
+            <a:extLst>
+              <a:ext uri="{FF2B5EF4-FFF2-40B4-BE49-F238E27FC236}">
+                <a16:creationId xmlns:a16="http://schemas.microsoft.com/office/drawing/2014/main" id="{7DE1C572-35DD-4576-925B-DC43294D656E}"/>
+              </a:ext>
+            </a:extLst>
+          </p:cNvPr>
+          <p:cNvSpPr>
+            <a:spLocks noGrp="1"/>
+          </p:cNvSpPr>
+          <p:nvPr>
+            <p:ph type="sldNum" sz="quarter" idx="12"/>
+          </p:nvPr>
+        </p:nvSpPr>
+        <p:spPr/>
+        <p:txBody>
+          <a:bodyPr/>
+          <a:lstStyle/>
+          <a:p>
+            <a:fld id="{C2A74E92-A1E9-4D96-8B19-9FA9AB19DBB5}" type="slidenum">
+              <a:rPr lang="en-GB" smtClean="0"/>
+              <a:t>15</a:t>
+            </a:fld>
+            <a:endParaRPr lang="en-GB"/>
+          </a:p>
+        </p:txBody>
+      </p:sp>
+      <p:pic>
+        <p:nvPicPr>
+          <p:cNvPr id="7" name="Picture 6">
+            <a:extLst>
+              <a:ext uri="{FF2B5EF4-FFF2-40B4-BE49-F238E27FC236}">
+                <a16:creationId xmlns:a16="http://schemas.microsoft.com/office/drawing/2014/main" id="{B0957683-D582-4D39-A96C-D6600AF67FFF}"/>
+              </a:ext>
+            </a:extLst>
+          </p:cNvPr>
+          <p:cNvPicPr>
+            <a:picLocks noChangeAspect="1"/>
+          </p:cNvPicPr>
+          <p:nvPr/>
+        </p:nvPicPr>
+        <p:blipFill>
+          <a:blip r:embed="rId2"/>
+          <a:stretch>
+            <a:fillRect/>
+          </a:stretch>
+        </p:blipFill>
+        <p:spPr>
+          <a:xfrm>
+            <a:off x="1164481" y="2832876"/>
+            <a:ext cx="10096500" cy="2028825"/>
+          </a:xfrm>
+          <a:prstGeom prst="rect">
+            <a:avLst/>
+          </a:prstGeom>
+        </p:spPr>
+      </p:pic>
+    </p:spTree>
+    <p:extLst>
+      <p:ext uri="{BB962C8B-B14F-4D97-AF65-F5344CB8AC3E}">
+        <p14:creationId xmlns:p14="http://schemas.microsoft.com/office/powerpoint/2010/main" val="651505526"/>
+      </p:ext>
+    </p:extLst>
+  </p:cSld>
+  <p:clrMapOvr>
+    <a:masterClrMapping/>
+  </p:clrMapOvr>
+</p:sld>
+</file>
+
+<file path=ppt/slides/slide16.xml><?xml version="1.0" encoding="utf-8"?>
+<p:sld xmlns:a="http://schemas.openxmlformats.org/drawingml/2006/main" xmlns:r="http://schemas.openxmlformats.org/officeDocument/2006/relationships" xmlns:p="http://schemas.openxmlformats.org/presentationml/2006/main">
+  <p:cSld>
+    <p:spTree>
+      <p:nvGrpSpPr>
+        <p:cNvPr id="1" name=""/>
+        <p:cNvGrpSpPr/>
+        <p:nvPr/>
+      </p:nvGrpSpPr>
+      <p:grpSpPr>
+        <a:xfrm>
+          <a:off x="0" y="0"/>
+          <a:ext cx="0" cy="0"/>
+          <a:chOff x="0" y="0"/>
+          <a:chExt cx="0" cy="0"/>
+        </a:xfrm>
+      </p:grpSpPr>
+      <p:sp>
+        <p:nvSpPr>
+          <p:cNvPr id="2" name="Title 1">
+            <a:extLst>
+              <a:ext uri="{FF2B5EF4-FFF2-40B4-BE49-F238E27FC236}">
+                <a16:creationId xmlns:a16="http://schemas.microsoft.com/office/drawing/2014/main" id="{5C790218-5ECE-40FB-93D7-7DACB2D2427C}"/>
+              </a:ext>
+            </a:extLst>
+          </p:cNvPr>
+          <p:cNvSpPr>
+            <a:spLocks noGrp="1"/>
+          </p:cNvSpPr>
+          <p:nvPr>
+            <p:ph type="title"/>
+          </p:nvPr>
+        </p:nvSpPr>
+        <p:spPr/>
+        <p:txBody>
+          <a:bodyPr/>
+          <a:lstStyle/>
+          <a:p>
+            <a:r>
+              <a:rPr lang="en-GB" b="1" dirty="0"/>
+              <a:t>HỌC – KIỂM THỬ VÀ KẾT QUẢ</a:t>
+            </a:r>
+          </a:p>
+        </p:txBody>
+      </p:sp>
+      <p:sp>
+        <p:nvSpPr>
+          <p:cNvPr id="3" name="Content Placeholder 2">
+            <a:extLst>
+              <a:ext uri="{FF2B5EF4-FFF2-40B4-BE49-F238E27FC236}">
+                <a16:creationId xmlns:a16="http://schemas.microsoft.com/office/drawing/2014/main" id="{99ADFB63-AEF0-4FE3-A95A-6E9809EB6963}"/>
+              </a:ext>
+            </a:extLst>
+          </p:cNvPr>
+          <p:cNvSpPr>
+            <a:spLocks noGrp="1"/>
+          </p:cNvSpPr>
+          <p:nvPr>
+            <p:ph idx="1"/>
+          </p:nvPr>
+        </p:nvSpPr>
+        <p:spPr/>
+        <p:txBody>
+          <a:bodyPr>
+            <a:normAutofit/>
+          </a:bodyPr>
+          <a:lstStyle/>
+          <a:p>
+            <a:r>
+              <a:rPr lang="en-GB" sz="3200" dirty="0">
+                <a:latin typeface="Tahoma" panose="020B0604030504040204" pitchFamily="34" charset="0"/>
+                <a:ea typeface="Tahoma" panose="020B0604030504040204" pitchFamily="34" charset="0"/>
+                <a:cs typeface="Tahoma" panose="020B0604030504040204" pitchFamily="34" charset="0"/>
+              </a:rPr>
+              <a:t>Random Forest</a:t>
+            </a:r>
+          </a:p>
+          <a:p>
+            <a:pPr marL="0" indent="0">
+              <a:buNone/>
+            </a:pPr>
+            <a:r>
+              <a:rPr lang="en-GB" sz="3200" dirty="0">
+                <a:latin typeface="Tahoma" panose="020B0604030504040204" pitchFamily="34" charset="0"/>
+                <a:ea typeface="Tahoma" panose="020B0604030504040204" pitchFamily="34" charset="0"/>
+                <a:cs typeface="Tahoma" panose="020B0604030504040204" pitchFamily="34" charset="0"/>
+              </a:rPr>
+              <a:t>Random Forest </a:t>
+            </a:r>
+            <a:r>
+              <a:rPr lang="en-GB" sz="3200" dirty="0" err="1">
+                <a:latin typeface="Tahoma" panose="020B0604030504040204" pitchFamily="34" charset="0"/>
+                <a:ea typeface="Tahoma" panose="020B0604030504040204" pitchFamily="34" charset="0"/>
+                <a:cs typeface="Tahoma" panose="020B0604030504040204" pitchFamily="34" charset="0"/>
+              </a:rPr>
+              <a:t>là</a:t>
+            </a:r>
+            <a:r>
+              <a:rPr lang="en-GB" sz="3200" dirty="0">
+                <a:latin typeface="Tahoma" panose="020B0604030504040204" pitchFamily="34" charset="0"/>
+                <a:ea typeface="Tahoma" panose="020B0604030504040204" pitchFamily="34" charset="0"/>
+                <a:cs typeface="Tahoma" panose="020B0604030504040204" pitchFamily="34" charset="0"/>
+              </a:rPr>
+              <a:t> </a:t>
+            </a:r>
+            <a:r>
+              <a:rPr lang="en-GB" sz="3200" dirty="0" err="1">
+                <a:latin typeface="Tahoma" panose="020B0604030504040204" pitchFamily="34" charset="0"/>
+                <a:ea typeface="Tahoma" panose="020B0604030504040204" pitchFamily="34" charset="0"/>
+                <a:cs typeface="Tahoma" panose="020B0604030504040204" pitchFamily="34" charset="0"/>
+              </a:rPr>
+              <a:t>phương</a:t>
+            </a:r>
+            <a:r>
+              <a:rPr lang="en-GB" sz="3200" dirty="0">
+                <a:latin typeface="Tahoma" panose="020B0604030504040204" pitchFamily="34" charset="0"/>
+                <a:ea typeface="Tahoma" panose="020B0604030504040204" pitchFamily="34" charset="0"/>
+                <a:cs typeface="Tahoma" panose="020B0604030504040204" pitchFamily="34" charset="0"/>
+              </a:rPr>
+              <a:t> </a:t>
+            </a:r>
+            <a:r>
+              <a:rPr lang="en-GB" sz="3200" dirty="0" err="1">
+                <a:latin typeface="Tahoma" panose="020B0604030504040204" pitchFamily="34" charset="0"/>
+                <a:ea typeface="Tahoma" panose="020B0604030504040204" pitchFamily="34" charset="0"/>
+                <a:cs typeface="Tahoma" panose="020B0604030504040204" pitchFamily="34" charset="0"/>
+              </a:rPr>
+              <a:t>pháp</a:t>
+            </a:r>
+            <a:r>
+              <a:rPr lang="en-GB" sz="3200" dirty="0">
+                <a:latin typeface="Tahoma" panose="020B0604030504040204" pitchFamily="34" charset="0"/>
+                <a:ea typeface="Tahoma" panose="020B0604030504040204" pitchFamily="34" charset="0"/>
+                <a:cs typeface="Tahoma" panose="020B0604030504040204" pitchFamily="34" charset="0"/>
+              </a:rPr>
+              <a:t> </a:t>
+            </a:r>
+            <a:r>
+              <a:rPr lang="en-GB" sz="3200" dirty="0" err="1">
+                <a:latin typeface="Tahoma" panose="020B0604030504040204" pitchFamily="34" charset="0"/>
+                <a:ea typeface="Tahoma" panose="020B0604030504040204" pitchFamily="34" charset="0"/>
+                <a:cs typeface="Tahoma" panose="020B0604030504040204" pitchFamily="34" charset="0"/>
+              </a:rPr>
+              <a:t>xây</a:t>
+            </a:r>
+            <a:r>
+              <a:rPr lang="en-GB" sz="3200" dirty="0">
+                <a:latin typeface="Tahoma" panose="020B0604030504040204" pitchFamily="34" charset="0"/>
+                <a:ea typeface="Tahoma" panose="020B0604030504040204" pitchFamily="34" charset="0"/>
+                <a:cs typeface="Tahoma" panose="020B0604030504040204" pitchFamily="34" charset="0"/>
+              </a:rPr>
+              <a:t> </a:t>
+            </a:r>
+            <a:r>
+              <a:rPr lang="en-GB" sz="3200" dirty="0" err="1">
+                <a:latin typeface="Tahoma" panose="020B0604030504040204" pitchFamily="34" charset="0"/>
+                <a:ea typeface="Tahoma" panose="020B0604030504040204" pitchFamily="34" charset="0"/>
+                <a:cs typeface="Tahoma" panose="020B0604030504040204" pitchFamily="34" charset="0"/>
+              </a:rPr>
+              <a:t>dựng</a:t>
+            </a:r>
+            <a:r>
+              <a:rPr lang="en-GB" sz="3200" dirty="0">
+                <a:latin typeface="Tahoma" panose="020B0604030504040204" pitchFamily="34" charset="0"/>
+                <a:ea typeface="Tahoma" panose="020B0604030504040204" pitchFamily="34" charset="0"/>
+                <a:cs typeface="Tahoma" panose="020B0604030504040204" pitchFamily="34" charset="0"/>
+              </a:rPr>
+              <a:t> </a:t>
+            </a:r>
+            <a:r>
+              <a:rPr lang="en-GB" sz="3200" dirty="0" err="1">
+                <a:latin typeface="Tahoma" panose="020B0604030504040204" pitchFamily="34" charset="0"/>
+                <a:ea typeface="Tahoma" panose="020B0604030504040204" pitchFamily="34" charset="0"/>
+                <a:cs typeface="Tahoma" panose="020B0604030504040204" pitchFamily="34" charset="0"/>
+              </a:rPr>
+              <a:t>một</a:t>
+            </a:r>
+            <a:r>
+              <a:rPr lang="en-GB" sz="3200" dirty="0">
+                <a:latin typeface="Tahoma" panose="020B0604030504040204" pitchFamily="34" charset="0"/>
+                <a:ea typeface="Tahoma" panose="020B0604030504040204" pitchFamily="34" charset="0"/>
+                <a:cs typeface="Tahoma" panose="020B0604030504040204" pitchFamily="34" charset="0"/>
+              </a:rPr>
+              <a:t> </a:t>
+            </a:r>
+            <a:r>
+              <a:rPr lang="en-GB" sz="3200" dirty="0" err="1">
+                <a:latin typeface="Tahoma" panose="020B0604030504040204" pitchFamily="34" charset="0"/>
+                <a:ea typeface="Tahoma" panose="020B0604030504040204" pitchFamily="34" charset="0"/>
+                <a:cs typeface="Tahoma" panose="020B0604030504040204" pitchFamily="34" charset="0"/>
+              </a:rPr>
+              <a:t>tập</a:t>
+            </a:r>
+            <a:r>
+              <a:rPr lang="en-GB" sz="3200" dirty="0">
+                <a:latin typeface="Tahoma" panose="020B0604030504040204" pitchFamily="34" charset="0"/>
+                <a:ea typeface="Tahoma" panose="020B0604030504040204" pitchFamily="34" charset="0"/>
+                <a:cs typeface="Tahoma" panose="020B0604030504040204" pitchFamily="34" charset="0"/>
+              </a:rPr>
+              <a:t> </a:t>
+            </a:r>
+            <a:r>
+              <a:rPr lang="en-GB" sz="3200" dirty="0" err="1">
+                <a:latin typeface="Tahoma" panose="020B0604030504040204" pitchFamily="34" charset="0"/>
+                <a:ea typeface="Tahoma" panose="020B0604030504040204" pitchFamily="34" charset="0"/>
+                <a:cs typeface="Tahoma" panose="020B0604030504040204" pitchFamily="34" charset="0"/>
+              </a:rPr>
+              <a:t>hợp</a:t>
+            </a:r>
+            <a:r>
+              <a:rPr lang="en-GB" sz="3200" dirty="0">
+                <a:latin typeface="Tahoma" panose="020B0604030504040204" pitchFamily="34" charset="0"/>
+                <a:ea typeface="Tahoma" panose="020B0604030504040204" pitchFamily="34" charset="0"/>
+                <a:cs typeface="Tahoma" panose="020B0604030504040204" pitchFamily="34" charset="0"/>
+              </a:rPr>
+              <a:t> </a:t>
+            </a:r>
+            <a:r>
+              <a:rPr lang="en-GB" sz="3200" dirty="0" err="1">
+                <a:latin typeface="Tahoma" panose="020B0604030504040204" pitchFamily="34" charset="0"/>
+                <a:ea typeface="Tahoma" panose="020B0604030504040204" pitchFamily="34" charset="0"/>
+                <a:cs typeface="Tahoma" panose="020B0604030504040204" pitchFamily="34" charset="0"/>
+              </a:rPr>
+              <a:t>rất</a:t>
+            </a:r>
+            <a:r>
+              <a:rPr lang="en-GB" sz="3200" dirty="0">
+                <a:latin typeface="Tahoma" panose="020B0604030504040204" pitchFamily="34" charset="0"/>
+                <a:ea typeface="Tahoma" panose="020B0604030504040204" pitchFamily="34" charset="0"/>
+                <a:cs typeface="Tahoma" panose="020B0604030504040204" pitchFamily="34" charset="0"/>
+              </a:rPr>
+              <a:t> </a:t>
+            </a:r>
+            <a:r>
+              <a:rPr lang="en-GB" sz="3200" dirty="0" err="1">
+                <a:latin typeface="Tahoma" panose="020B0604030504040204" pitchFamily="34" charset="0"/>
+                <a:ea typeface="Tahoma" panose="020B0604030504040204" pitchFamily="34" charset="0"/>
+                <a:cs typeface="Tahoma" panose="020B0604030504040204" pitchFamily="34" charset="0"/>
+              </a:rPr>
+              <a:t>nhiều</a:t>
+            </a:r>
+            <a:r>
+              <a:rPr lang="en-GB" sz="3200" dirty="0">
+                <a:latin typeface="Tahoma" panose="020B0604030504040204" pitchFamily="34" charset="0"/>
+                <a:ea typeface="Tahoma" panose="020B0604030504040204" pitchFamily="34" charset="0"/>
+                <a:cs typeface="Tahoma" panose="020B0604030504040204" pitchFamily="34" charset="0"/>
+              </a:rPr>
+              <a:t> </a:t>
+            </a:r>
+            <a:r>
+              <a:rPr lang="en-GB" sz="3200" dirty="0" err="1">
+                <a:latin typeface="Tahoma" panose="020B0604030504040204" pitchFamily="34" charset="0"/>
+                <a:ea typeface="Tahoma" panose="020B0604030504040204" pitchFamily="34" charset="0"/>
+                <a:cs typeface="Tahoma" panose="020B0604030504040204" pitchFamily="34" charset="0"/>
+              </a:rPr>
+              <a:t>cây</a:t>
+            </a:r>
+            <a:r>
+              <a:rPr lang="en-GB" sz="3200" dirty="0">
+                <a:latin typeface="Tahoma" panose="020B0604030504040204" pitchFamily="34" charset="0"/>
+                <a:ea typeface="Tahoma" panose="020B0604030504040204" pitchFamily="34" charset="0"/>
+                <a:cs typeface="Tahoma" panose="020B0604030504040204" pitchFamily="34" charset="0"/>
+              </a:rPr>
+              <a:t> </a:t>
+            </a:r>
+            <a:r>
+              <a:rPr lang="en-GB" sz="3200" dirty="0" err="1">
+                <a:latin typeface="Tahoma" panose="020B0604030504040204" pitchFamily="34" charset="0"/>
+                <a:ea typeface="Tahoma" panose="020B0604030504040204" pitchFamily="34" charset="0"/>
+                <a:cs typeface="Tahoma" panose="020B0604030504040204" pitchFamily="34" charset="0"/>
+              </a:rPr>
+              <a:t>quyết</a:t>
+            </a:r>
+            <a:r>
+              <a:rPr lang="en-GB" sz="3200" dirty="0">
+                <a:latin typeface="Tahoma" panose="020B0604030504040204" pitchFamily="34" charset="0"/>
+                <a:ea typeface="Tahoma" panose="020B0604030504040204" pitchFamily="34" charset="0"/>
+                <a:cs typeface="Tahoma" panose="020B0604030504040204" pitchFamily="34" charset="0"/>
+              </a:rPr>
+              <a:t> </a:t>
+            </a:r>
+            <a:r>
+              <a:rPr lang="en-GB" sz="3200" dirty="0" err="1">
+                <a:latin typeface="Tahoma" panose="020B0604030504040204" pitchFamily="34" charset="0"/>
+                <a:ea typeface="Tahoma" panose="020B0604030504040204" pitchFamily="34" charset="0"/>
+                <a:cs typeface="Tahoma" panose="020B0604030504040204" pitchFamily="34" charset="0"/>
+              </a:rPr>
+              <a:t>định</a:t>
+            </a:r>
+            <a:r>
+              <a:rPr lang="en-GB" sz="3200" dirty="0">
+                <a:latin typeface="Tahoma" panose="020B0604030504040204" pitchFamily="34" charset="0"/>
+                <a:ea typeface="Tahoma" panose="020B0604030504040204" pitchFamily="34" charset="0"/>
+                <a:cs typeface="Tahoma" panose="020B0604030504040204" pitchFamily="34" charset="0"/>
+              </a:rPr>
+              <a:t>. </a:t>
+            </a:r>
+            <a:r>
+              <a:rPr lang="en-GB" sz="3200" dirty="0" err="1">
+                <a:latin typeface="Tahoma" panose="020B0604030504040204" pitchFamily="34" charset="0"/>
+                <a:ea typeface="Tahoma" panose="020B0604030504040204" pitchFamily="34" charset="0"/>
+                <a:cs typeface="Tahoma" panose="020B0604030504040204" pitchFamily="34" charset="0"/>
+              </a:rPr>
+              <a:t>Mỗi</a:t>
+            </a:r>
+            <a:r>
+              <a:rPr lang="en-GB" sz="3200" dirty="0">
+                <a:latin typeface="Tahoma" panose="020B0604030504040204" pitchFamily="34" charset="0"/>
+                <a:ea typeface="Tahoma" panose="020B0604030504040204" pitchFamily="34" charset="0"/>
+                <a:cs typeface="Tahoma" panose="020B0604030504040204" pitchFamily="34" charset="0"/>
+              </a:rPr>
+              <a:t> </a:t>
+            </a:r>
+            <a:r>
+              <a:rPr lang="en-GB" sz="3200" dirty="0" err="1">
+                <a:latin typeface="Tahoma" panose="020B0604030504040204" pitchFamily="34" charset="0"/>
+                <a:ea typeface="Tahoma" panose="020B0604030504040204" pitchFamily="34" charset="0"/>
+                <a:cs typeface="Tahoma" panose="020B0604030504040204" pitchFamily="34" charset="0"/>
+              </a:rPr>
+              <a:t>cây</a:t>
+            </a:r>
+            <a:r>
+              <a:rPr lang="en-GB" sz="3200" dirty="0">
+                <a:latin typeface="Tahoma" panose="020B0604030504040204" pitchFamily="34" charset="0"/>
+                <a:ea typeface="Tahoma" panose="020B0604030504040204" pitchFamily="34" charset="0"/>
+                <a:cs typeface="Tahoma" panose="020B0604030504040204" pitchFamily="34" charset="0"/>
+              </a:rPr>
+              <a:t> </a:t>
+            </a:r>
+            <a:r>
+              <a:rPr lang="en-GB" sz="3200" dirty="0" err="1">
+                <a:latin typeface="Tahoma" panose="020B0604030504040204" pitchFamily="34" charset="0"/>
+                <a:ea typeface="Tahoma" panose="020B0604030504040204" pitchFamily="34" charset="0"/>
+                <a:cs typeface="Tahoma" panose="020B0604030504040204" pitchFamily="34" charset="0"/>
+              </a:rPr>
+              <a:t>quyết</a:t>
+            </a:r>
+            <a:r>
+              <a:rPr lang="en-GB" sz="3200" dirty="0">
+                <a:latin typeface="Tahoma" panose="020B0604030504040204" pitchFamily="34" charset="0"/>
+                <a:ea typeface="Tahoma" panose="020B0604030504040204" pitchFamily="34" charset="0"/>
+                <a:cs typeface="Tahoma" panose="020B0604030504040204" pitchFamily="34" charset="0"/>
+              </a:rPr>
+              <a:t> </a:t>
+            </a:r>
+            <a:r>
+              <a:rPr lang="en-GB" sz="3200" dirty="0" err="1">
+                <a:latin typeface="Tahoma" panose="020B0604030504040204" pitchFamily="34" charset="0"/>
+                <a:ea typeface="Tahoma" panose="020B0604030504040204" pitchFamily="34" charset="0"/>
+                <a:cs typeface="Tahoma" panose="020B0604030504040204" pitchFamily="34" charset="0"/>
+              </a:rPr>
+              <a:t>định</a:t>
+            </a:r>
+            <a:r>
+              <a:rPr lang="en-GB" sz="3200" dirty="0">
+                <a:latin typeface="Tahoma" panose="020B0604030504040204" pitchFamily="34" charset="0"/>
+                <a:ea typeface="Tahoma" panose="020B0604030504040204" pitchFamily="34" charset="0"/>
+                <a:cs typeface="Tahoma" panose="020B0604030504040204" pitchFamily="34" charset="0"/>
+              </a:rPr>
+              <a:t> </a:t>
+            </a:r>
+            <a:r>
+              <a:rPr lang="en-GB" sz="3200" dirty="0" err="1">
+                <a:latin typeface="Tahoma" panose="020B0604030504040204" pitchFamily="34" charset="0"/>
+                <a:ea typeface="Tahoma" panose="020B0604030504040204" pitchFamily="34" charset="0"/>
+                <a:cs typeface="Tahoma" panose="020B0604030504040204" pitchFamily="34" charset="0"/>
+              </a:rPr>
+              <a:t>được</a:t>
+            </a:r>
+            <a:r>
+              <a:rPr lang="en-GB" sz="3200" dirty="0">
+                <a:latin typeface="Tahoma" panose="020B0604030504040204" pitchFamily="34" charset="0"/>
+                <a:ea typeface="Tahoma" panose="020B0604030504040204" pitchFamily="34" charset="0"/>
+                <a:cs typeface="Tahoma" panose="020B0604030504040204" pitchFamily="34" charset="0"/>
+              </a:rPr>
+              <a:t> </a:t>
+            </a:r>
+            <a:r>
+              <a:rPr lang="en-GB" sz="3200" dirty="0" err="1">
+                <a:latin typeface="Tahoma" panose="020B0604030504040204" pitchFamily="34" charset="0"/>
+                <a:ea typeface="Tahoma" panose="020B0604030504040204" pitchFamily="34" charset="0"/>
+                <a:cs typeface="Tahoma" panose="020B0604030504040204" pitchFamily="34" charset="0"/>
+              </a:rPr>
+              <a:t>tạo</a:t>
+            </a:r>
+            <a:r>
+              <a:rPr lang="en-GB" sz="3200" dirty="0">
+                <a:latin typeface="Tahoma" panose="020B0604030504040204" pitchFamily="34" charset="0"/>
+                <a:ea typeface="Tahoma" panose="020B0604030504040204" pitchFamily="34" charset="0"/>
+                <a:cs typeface="Tahoma" panose="020B0604030504040204" pitchFamily="34" charset="0"/>
+              </a:rPr>
+              <a:t> </a:t>
+            </a:r>
+            <a:r>
+              <a:rPr lang="en-GB" sz="3200" dirty="0" err="1">
+                <a:latin typeface="Tahoma" panose="020B0604030504040204" pitchFamily="34" charset="0"/>
+                <a:ea typeface="Tahoma" panose="020B0604030504040204" pitchFamily="34" charset="0"/>
+                <a:cs typeface="Tahoma" panose="020B0604030504040204" pitchFamily="34" charset="0"/>
+              </a:rPr>
+              <a:t>nên</a:t>
+            </a:r>
+            <a:r>
+              <a:rPr lang="en-GB" sz="3200" dirty="0">
+                <a:latin typeface="Tahoma" panose="020B0604030504040204" pitchFamily="34" charset="0"/>
+                <a:ea typeface="Tahoma" panose="020B0604030504040204" pitchFamily="34" charset="0"/>
+                <a:cs typeface="Tahoma" panose="020B0604030504040204" pitchFamily="34" charset="0"/>
+              </a:rPr>
+              <a:t> </a:t>
+            </a:r>
+            <a:r>
+              <a:rPr lang="en-GB" sz="3200" dirty="0" err="1">
+                <a:latin typeface="Tahoma" panose="020B0604030504040204" pitchFamily="34" charset="0"/>
+                <a:ea typeface="Tahoma" panose="020B0604030504040204" pitchFamily="34" charset="0"/>
+                <a:cs typeface="Tahoma" panose="020B0604030504040204" pitchFamily="34" charset="0"/>
+              </a:rPr>
+              <a:t>ngẫu</a:t>
+            </a:r>
+            <a:r>
+              <a:rPr lang="en-GB" sz="3200" dirty="0">
+                <a:latin typeface="Tahoma" panose="020B0604030504040204" pitchFamily="34" charset="0"/>
+                <a:ea typeface="Tahoma" panose="020B0604030504040204" pitchFamily="34" charset="0"/>
+                <a:cs typeface="Tahoma" panose="020B0604030504040204" pitchFamily="34" charset="0"/>
+              </a:rPr>
+              <a:t> </a:t>
+            </a:r>
+            <a:r>
+              <a:rPr lang="en-GB" sz="3200" dirty="0" err="1">
+                <a:latin typeface="Tahoma" panose="020B0604030504040204" pitchFamily="34" charset="0"/>
+                <a:ea typeface="Tahoma" panose="020B0604030504040204" pitchFamily="34" charset="0"/>
+                <a:cs typeface="Tahoma" panose="020B0604030504040204" pitchFamily="34" charset="0"/>
+              </a:rPr>
+              <a:t>nhiên</a:t>
+            </a:r>
+            <a:r>
+              <a:rPr lang="en-GB" sz="3200" dirty="0">
+                <a:latin typeface="Tahoma" panose="020B0604030504040204" pitchFamily="34" charset="0"/>
+                <a:ea typeface="Tahoma" panose="020B0604030504040204" pitchFamily="34" charset="0"/>
+                <a:cs typeface="Tahoma" panose="020B0604030504040204" pitchFamily="34" charset="0"/>
+              </a:rPr>
+              <a:t> </a:t>
+            </a:r>
+            <a:r>
+              <a:rPr lang="en-GB" sz="3200" dirty="0" err="1">
+                <a:latin typeface="Tahoma" panose="020B0604030504040204" pitchFamily="34" charset="0"/>
+                <a:ea typeface="Tahoma" panose="020B0604030504040204" pitchFamily="34" charset="0"/>
+                <a:cs typeface="Tahoma" panose="020B0604030504040204" pitchFamily="34" charset="0"/>
+              </a:rPr>
+              <a:t>từ</a:t>
+            </a:r>
+            <a:r>
+              <a:rPr lang="en-GB" sz="3200" dirty="0">
+                <a:latin typeface="Tahoma" panose="020B0604030504040204" pitchFamily="34" charset="0"/>
+                <a:ea typeface="Tahoma" panose="020B0604030504040204" pitchFamily="34" charset="0"/>
+                <a:cs typeface="Tahoma" panose="020B0604030504040204" pitchFamily="34" charset="0"/>
+              </a:rPr>
+              <a:t> </a:t>
+            </a:r>
+            <a:r>
+              <a:rPr lang="en-GB" sz="3200" dirty="0" err="1">
+                <a:latin typeface="Tahoma" panose="020B0604030504040204" pitchFamily="34" charset="0"/>
+                <a:ea typeface="Tahoma" panose="020B0604030504040204" pitchFamily="34" charset="0"/>
+                <a:cs typeface="Tahoma" panose="020B0604030504040204" pitchFamily="34" charset="0"/>
+              </a:rPr>
+              <a:t>việc</a:t>
+            </a:r>
+            <a:r>
+              <a:rPr lang="en-GB" sz="3200" dirty="0">
+                <a:latin typeface="Tahoma" panose="020B0604030504040204" pitchFamily="34" charset="0"/>
+                <a:ea typeface="Tahoma" panose="020B0604030504040204" pitchFamily="34" charset="0"/>
+                <a:cs typeface="Tahoma" panose="020B0604030504040204" pitchFamily="34" charset="0"/>
+              </a:rPr>
+              <a:t> </a:t>
+            </a:r>
+            <a:r>
+              <a:rPr lang="en-GB" sz="3200" dirty="0" err="1">
+                <a:latin typeface="Tahoma" panose="020B0604030504040204" pitchFamily="34" charset="0"/>
+                <a:ea typeface="Tahoma" panose="020B0604030504040204" pitchFamily="34" charset="0"/>
+                <a:cs typeface="Tahoma" panose="020B0604030504040204" pitchFamily="34" charset="0"/>
+              </a:rPr>
+              <a:t>tái</a:t>
+            </a:r>
+            <a:r>
+              <a:rPr lang="en-GB" sz="3200" dirty="0">
+                <a:latin typeface="Tahoma" panose="020B0604030504040204" pitchFamily="34" charset="0"/>
+                <a:ea typeface="Tahoma" panose="020B0604030504040204" pitchFamily="34" charset="0"/>
+                <a:cs typeface="Tahoma" panose="020B0604030504040204" pitchFamily="34" charset="0"/>
+              </a:rPr>
+              <a:t> </a:t>
+            </a:r>
+            <a:r>
+              <a:rPr lang="en-GB" sz="3200" dirty="0" err="1">
+                <a:latin typeface="Tahoma" panose="020B0604030504040204" pitchFamily="34" charset="0"/>
+                <a:ea typeface="Tahoma" panose="020B0604030504040204" pitchFamily="34" charset="0"/>
+                <a:cs typeface="Tahoma" panose="020B0604030504040204" pitchFamily="34" charset="0"/>
+              </a:rPr>
+              <a:t>chọn</a:t>
+            </a:r>
+            <a:r>
+              <a:rPr lang="en-GB" sz="3200" dirty="0">
+                <a:latin typeface="Tahoma" panose="020B0604030504040204" pitchFamily="34" charset="0"/>
+                <a:ea typeface="Tahoma" panose="020B0604030504040204" pitchFamily="34" charset="0"/>
+                <a:cs typeface="Tahoma" panose="020B0604030504040204" pitchFamily="34" charset="0"/>
+              </a:rPr>
+              <a:t> </a:t>
+            </a:r>
+            <a:r>
+              <a:rPr lang="en-GB" sz="3200" dirty="0" err="1">
+                <a:latin typeface="Tahoma" panose="020B0604030504040204" pitchFamily="34" charset="0"/>
+                <a:ea typeface="Tahoma" panose="020B0604030504040204" pitchFamily="34" charset="0"/>
+                <a:cs typeface="Tahoma" panose="020B0604030504040204" pitchFamily="34" charset="0"/>
+              </a:rPr>
+              <a:t>mẫu</a:t>
+            </a:r>
+            <a:r>
+              <a:rPr lang="en-GB" sz="3200" dirty="0">
+                <a:latin typeface="Tahoma" panose="020B0604030504040204" pitchFamily="34" charset="0"/>
+                <a:ea typeface="Tahoma" panose="020B0604030504040204" pitchFamily="34" charset="0"/>
+                <a:cs typeface="Tahoma" panose="020B0604030504040204" pitchFamily="34" charset="0"/>
+              </a:rPr>
+              <a:t> (</a:t>
+            </a:r>
+            <a:r>
+              <a:rPr lang="en-GB" sz="3200" dirty="0" err="1">
+                <a:latin typeface="Tahoma" panose="020B0604030504040204" pitchFamily="34" charset="0"/>
+                <a:ea typeface="Tahoma" panose="020B0604030504040204" pitchFamily="34" charset="0"/>
+                <a:cs typeface="Tahoma" panose="020B0604030504040204" pitchFamily="34" charset="0"/>
+              </a:rPr>
+              <a:t>chọn</a:t>
+            </a:r>
+            <a:r>
+              <a:rPr lang="en-GB" sz="3200" dirty="0">
+                <a:latin typeface="Tahoma" panose="020B0604030504040204" pitchFamily="34" charset="0"/>
+                <a:ea typeface="Tahoma" panose="020B0604030504040204" pitchFamily="34" charset="0"/>
+                <a:cs typeface="Tahoma" panose="020B0604030504040204" pitchFamily="34" charset="0"/>
+              </a:rPr>
+              <a:t> random 1 </a:t>
+            </a:r>
+            <a:r>
+              <a:rPr lang="en-GB" sz="3200" dirty="0" err="1">
+                <a:latin typeface="Tahoma" panose="020B0604030504040204" pitchFamily="34" charset="0"/>
+                <a:ea typeface="Tahoma" panose="020B0604030504040204" pitchFamily="34" charset="0"/>
+                <a:cs typeface="Tahoma" panose="020B0604030504040204" pitchFamily="34" charset="0"/>
+              </a:rPr>
+              <a:t>phần</a:t>
+            </a:r>
+            <a:r>
+              <a:rPr lang="en-GB" sz="3200" dirty="0">
+                <a:latin typeface="Tahoma" panose="020B0604030504040204" pitchFamily="34" charset="0"/>
+                <a:ea typeface="Tahoma" panose="020B0604030504040204" pitchFamily="34" charset="0"/>
+                <a:cs typeface="Tahoma" panose="020B0604030504040204" pitchFamily="34" charset="0"/>
+              </a:rPr>
+              <a:t> </a:t>
+            </a:r>
+            <a:r>
+              <a:rPr lang="en-GB" sz="3200" dirty="0" err="1">
+                <a:latin typeface="Tahoma" panose="020B0604030504040204" pitchFamily="34" charset="0"/>
+                <a:ea typeface="Tahoma" panose="020B0604030504040204" pitchFamily="34" charset="0"/>
+                <a:cs typeface="Tahoma" panose="020B0604030504040204" pitchFamily="34" charset="0"/>
+              </a:rPr>
+              <a:t>của</a:t>
+            </a:r>
+            <a:r>
+              <a:rPr lang="en-GB" sz="3200" dirty="0">
+                <a:latin typeface="Tahoma" panose="020B0604030504040204" pitchFamily="34" charset="0"/>
+                <a:ea typeface="Tahoma" panose="020B0604030504040204" pitchFamily="34" charset="0"/>
+                <a:cs typeface="Tahoma" panose="020B0604030504040204" pitchFamily="34" charset="0"/>
+              </a:rPr>
+              <a:t> data </a:t>
+            </a:r>
+            <a:r>
+              <a:rPr lang="en-GB" sz="3200" dirty="0" err="1">
+                <a:latin typeface="Tahoma" panose="020B0604030504040204" pitchFamily="34" charset="0"/>
+                <a:ea typeface="Tahoma" panose="020B0604030504040204" pitchFamily="34" charset="0"/>
+                <a:cs typeface="Tahoma" panose="020B0604030504040204" pitchFamily="34" charset="0"/>
+              </a:rPr>
+              <a:t>để</a:t>
+            </a:r>
+            <a:r>
+              <a:rPr lang="en-GB" sz="3200" dirty="0">
+                <a:latin typeface="Tahoma" panose="020B0604030504040204" pitchFamily="34" charset="0"/>
+                <a:ea typeface="Tahoma" panose="020B0604030504040204" pitchFamily="34" charset="0"/>
+                <a:cs typeface="Tahoma" panose="020B0604030504040204" pitchFamily="34" charset="0"/>
+              </a:rPr>
+              <a:t> </a:t>
+            </a:r>
+            <a:r>
+              <a:rPr lang="en-GB" sz="3200" dirty="0" err="1">
+                <a:latin typeface="Tahoma" panose="020B0604030504040204" pitchFamily="34" charset="0"/>
+                <a:ea typeface="Tahoma" panose="020B0604030504040204" pitchFamily="34" charset="0"/>
+                <a:cs typeface="Tahoma" panose="020B0604030504040204" pitchFamily="34" charset="0"/>
+              </a:rPr>
+              <a:t>xây</a:t>
+            </a:r>
+            <a:r>
+              <a:rPr lang="en-GB" sz="3200" dirty="0">
+                <a:latin typeface="Tahoma" panose="020B0604030504040204" pitchFamily="34" charset="0"/>
+                <a:ea typeface="Tahoma" panose="020B0604030504040204" pitchFamily="34" charset="0"/>
+                <a:cs typeface="Tahoma" panose="020B0604030504040204" pitchFamily="34" charset="0"/>
+              </a:rPr>
+              <a:t> </a:t>
+            </a:r>
+            <a:r>
+              <a:rPr lang="en-GB" sz="3200" dirty="0" err="1">
+                <a:latin typeface="Tahoma" panose="020B0604030504040204" pitchFamily="34" charset="0"/>
+                <a:ea typeface="Tahoma" panose="020B0604030504040204" pitchFamily="34" charset="0"/>
+                <a:cs typeface="Tahoma" panose="020B0604030504040204" pitchFamily="34" charset="0"/>
+              </a:rPr>
+              <a:t>dựng</a:t>
+            </a:r>
+            <a:r>
+              <a:rPr lang="en-GB" sz="3200" dirty="0">
+                <a:latin typeface="Tahoma" panose="020B0604030504040204" pitchFamily="34" charset="0"/>
+                <a:ea typeface="Tahoma" panose="020B0604030504040204" pitchFamily="34" charset="0"/>
+                <a:cs typeface="Tahoma" panose="020B0604030504040204" pitchFamily="34" charset="0"/>
+              </a:rPr>
+              <a:t>) </a:t>
+            </a:r>
+            <a:r>
+              <a:rPr lang="en-GB" sz="3200" dirty="0" err="1">
+                <a:latin typeface="Tahoma" panose="020B0604030504040204" pitchFamily="34" charset="0"/>
+                <a:ea typeface="Tahoma" panose="020B0604030504040204" pitchFamily="34" charset="0"/>
+                <a:cs typeface="Tahoma" panose="020B0604030504040204" pitchFamily="34" charset="0"/>
+              </a:rPr>
+              <a:t>và</a:t>
+            </a:r>
+            <a:r>
+              <a:rPr lang="en-GB" sz="3200" dirty="0">
+                <a:latin typeface="Tahoma" panose="020B0604030504040204" pitchFamily="34" charset="0"/>
+                <a:ea typeface="Tahoma" panose="020B0604030504040204" pitchFamily="34" charset="0"/>
+                <a:cs typeface="Tahoma" panose="020B0604030504040204" pitchFamily="34" charset="0"/>
+              </a:rPr>
+              <a:t> random </a:t>
+            </a:r>
+            <a:r>
+              <a:rPr lang="en-GB" sz="3200" dirty="0" err="1">
+                <a:latin typeface="Tahoma" panose="020B0604030504040204" pitchFamily="34" charset="0"/>
+                <a:ea typeface="Tahoma" panose="020B0604030504040204" pitchFamily="34" charset="0"/>
+                <a:cs typeface="Tahoma" panose="020B0604030504040204" pitchFamily="34" charset="0"/>
+              </a:rPr>
+              <a:t>các</a:t>
+            </a:r>
+            <a:r>
+              <a:rPr lang="en-GB" sz="3200" dirty="0">
+                <a:latin typeface="Tahoma" panose="020B0604030504040204" pitchFamily="34" charset="0"/>
+                <a:ea typeface="Tahoma" panose="020B0604030504040204" pitchFamily="34" charset="0"/>
+                <a:cs typeface="Tahoma" panose="020B0604030504040204" pitchFamily="34" charset="0"/>
+              </a:rPr>
+              <a:t> </a:t>
+            </a:r>
+            <a:r>
+              <a:rPr lang="en-GB" sz="3200" dirty="0" err="1">
+                <a:latin typeface="Tahoma" panose="020B0604030504040204" pitchFamily="34" charset="0"/>
+                <a:ea typeface="Tahoma" panose="020B0604030504040204" pitchFamily="34" charset="0"/>
+                <a:cs typeface="Tahoma" panose="020B0604030504040204" pitchFamily="34" charset="0"/>
+              </a:rPr>
+              <a:t>biến</a:t>
+            </a:r>
+            <a:r>
+              <a:rPr lang="en-GB" sz="3200" dirty="0">
+                <a:latin typeface="Tahoma" panose="020B0604030504040204" pitchFamily="34" charset="0"/>
+                <a:ea typeface="Tahoma" panose="020B0604030504040204" pitchFamily="34" charset="0"/>
+                <a:cs typeface="Tahoma" panose="020B0604030504040204" pitchFamily="34" charset="0"/>
+              </a:rPr>
+              <a:t> </a:t>
+            </a:r>
+            <a:r>
+              <a:rPr lang="en-GB" sz="3200" dirty="0" err="1">
+                <a:latin typeface="Tahoma" panose="020B0604030504040204" pitchFamily="34" charset="0"/>
+                <a:ea typeface="Tahoma" panose="020B0604030504040204" pitchFamily="34" charset="0"/>
+                <a:cs typeface="Tahoma" panose="020B0604030504040204" pitchFamily="34" charset="0"/>
+              </a:rPr>
+              <a:t>từ</a:t>
+            </a:r>
+            <a:r>
+              <a:rPr lang="en-GB" sz="3200" dirty="0">
+                <a:latin typeface="Tahoma" panose="020B0604030504040204" pitchFamily="34" charset="0"/>
+                <a:ea typeface="Tahoma" panose="020B0604030504040204" pitchFamily="34" charset="0"/>
+                <a:cs typeface="Tahoma" panose="020B0604030504040204" pitchFamily="34" charset="0"/>
+              </a:rPr>
+              <a:t> </a:t>
+            </a:r>
+            <a:r>
+              <a:rPr lang="en-GB" sz="3200" dirty="0" err="1">
+                <a:latin typeface="Tahoma" panose="020B0604030504040204" pitchFamily="34" charset="0"/>
+                <a:ea typeface="Tahoma" panose="020B0604030504040204" pitchFamily="34" charset="0"/>
+                <a:cs typeface="Tahoma" panose="020B0604030504040204" pitchFamily="34" charset="0"/>
+              </a:rPr>
+              <a:t>toàn</a:t>
+            </a:r>
+            <a:r>
+              <a:rPr lang="en-GB" sz="3200" dirty="0">
+                <a:latin typeface="Tahoma" panose="020B0604030504040204" pitchFamily="34" charset="0"/>
+                <a:ea typeface="Tahoma" panose="020B0604030504040204" pitchFamily="34" charset="0"/>
+                <a:cs typeface="Tahoma" panose="020B0604030504040204" pitchFamily="34" charset="0"/>
+              </a:rPr>
+              <a:t> </a:t>
+            </a:r>
+            <a:r>
+              <a:rPr lang="en-GB" sz="3200" dirty="0" err="1">
+                <a:latin typeface="Tahoma" panose="020B0604030504040204" pitchFamily="34" charset="0"/>
+                <a:ea typeface="Tahoma" panose="020B0604030504040204" pitchFamily="34" charset="0"/>
+                <a:cs typeface="Tahoma" panose="020B0604030504040204" pitchFamily="34" charset="0"/>
+              </a:rPr>
+              <a:t>bộ</a:t>
+            </a:r>
+            <a:r>
+              <a:rPr lang="en-GB" sz="3200" dirty="0">
+                <a:latin typeface="Tahoma" panose="020B0604030504040204" pitchFamily="34" charset="0"/>
+                <a:ea typeface="Tahoma" panose="020B0604030504040204" pitchFamily="34" charset="0"/>
+                <a:cs typeface="Tahoma" panose="020B0604030504040204" pitchFamily="34" charset="0"/>
+              </a:rPr>
+              <a:t> </a:t>
+            </a:r>
+            <a:r>
+              <a:rPr lang="en-GB" sz="3200" dirty="0" err="1">
+                <a:latin typeface="Tahoma" panose="020B0604030504040204" pitchFamily="34" charset="0"/>
+                <a:ea typeface="Tahoma" panose="020B0604030504040204" pitchFamily="34" charset="0"/>
+                <a:cs typeface="Tahoma" panose="020B0604030504040204" pitchFamily="34" charset="0"/>
+              </a:rPr>
+              <a:t>các</a:t>
+            </a:r>
+            <a:r>
+              <a:rPr lang="en-GB" sz="3200" dirty="0">
+                <a:latin typeface="Tahoma" panose="020B0604030504040204" pitchFamily="34" charset="0"/>
+                <a:ea typeface="Tahoma" panose="020B0604030504040204" pitchFamily="34" charset="0"/>
+                <a:cs typeface="Tahoma" panose="020B0604030504040204" pitchFamily="34" charset="0"/>
+              </a:rPr>
+              <a:t> </a:t>
+            </a:r>
+            <a:r>
+              <a:rPr lang="en-GB" sz="3200" dirty="0" err="1">
+                <a:latin typeface="Tahoma" panose="020B0604030504040204" pitchFamily="34" charset="0"/>
+                <a:ea typeface="Tahoma" panose="020B0604030504040204" pitchFamily="34" charset="0"/>
+                <a:cs typeface="Tahoma" panose="020B0604030504040204" pitchFamily="34" charset="0"/>
+              </a:rPr>
+              <a:t>biến</a:t>
+            </a:r>
+            <a:r>
+              <a:rPr lang="en-GB" sz="3200" dirty="0">
+                <a:latin typeface="Tahoma" panose="020B0604030504040204" pitchFamily="34" charset="0"/>
+                <a:ea typeface="Tahoma" panose="020B0604030504040204" pitchFamily="34" charset="0"/>
+                <a:cs typeface="Tahoma" panose="020B0604030504040204" pitchFamily="34" charset="0"/>
+              </a:rPr>
+              <a:t> </a:t>
+            </a:r>
+            <a:r>
+              <a:rPr lang="en-GB" sz="3200" dirty="0" err="1">
+                <a:latin typeface="Tahoma" panose="020B0604030504040204" pitchFamily="34" charset="0"/>
+                <a:ea typeface="Tahoma" panose="020B0604030504040204" pitchFamily="34" charset="0"/>
+                <a:cs typeface="Tahoma" panose="020B0604030504040204" pitchFamily="34" charset="0"/>
+              </a:rPr>
+              <a:t>trong</a:t>
+            </a:r>
+            <a:r>
+              <a:rPr lang="en-GB" sz="3200" dirty="0">
+                <a:latin typeface="Tahoma" panose="020B0604030504040204" pitchFamily="34" charset="0"/>
+                <a:ea typeface="Tahoma" panose="020B0604030504040204" pitchFamily="34" charset="0"/>
+                <a:cs typeface="Tahoma" panose="020B0604030504040204" pitchFamily="34" charset="0"/>
+              </a:rPr>
+              <a:t> </a:t>
+            </a:r>
+            <a:r>
+              <a:rPr lang="en-GB" sz="3200" dirty="0" err="1">
+                <a:latin typeface="Tahoma" panose="020B0604030504040204" pitchFamily="34" charset="0"/>
+                <a:ea typeface="Tahoma" panose="020B0604030504040204" pitchFamily="34" charset="0"/>
+                <a:cs typeface="Tahoma" panose="020B0604030504040204" pitchFamily="34" charset="0"/>
+              </a:rPr>
+              <a:t>trong</a:t>
+            </a:r>
+            <a:r>
+              <a:rPr lang="en-GB" sz="3200" dirty="0">
+                <a:latin typeface="Tahoma" panose="020B0604030504040204" pitchFamily="34" charset="0"/>
+                <a:ea typeface="Tahoma" panose="020B0604030504040204" pitchFamily="34" charset="0"/>
+                <a:cs typeface="Tahoma" panose="020B0604030504040204" pitchFamily="34" charset="0"/>
+              </a:rPr>
+              <a:t> data. Random Forest </a:t>
+            </a:r>
+            <a:r>
+              <a:rPr lang="en-GB" sz="3200" dirty="0" err="1">
+                <a:latin typeface="Tahoma" panose="020B0604030504040204" pitchFamily="34" charset="0"/>
+                <a:ea typeface="Tahoma" panose="020B0604030504040204" pitchFamily="34" charset="0"/>
+                <a:cs typeface="Tahoma" panose="020B0604030504040204" pitchFamily="34" charset="0"/>
+              </a:rPr>
+              <a:t>sử</a:t>
+            </a:r>
+            <a:r>
+              <a:rPr lang="en-GB" sz="3200" dirty="0">
+                <a:latin typeface="Tahoma" panose="020B0604030504040204" pitchFamily="34" charset="0"/>
+                <a:ea typeface="Tahoma" panose="020B0604030504040204" pitchFamily="34" charset="0"/>
+                <a:cs typeface="Tahoma" panose="020B0604030504040204" pitchFamily="34" charset="0"/>
+              </a:rPr>
+              <a:t> </a:t>
+            </a:r>
+            <a:r>
+              <a:rPr lang="en-GB" sz="3200" dirty="0" err="1">
+                <a:latin typeface="Tahoma" panose="020B0604030504040204" pitchFamily="34" charset="0"/>
+                <a:ea typeface="Tahoma" panose="020B0604030504040204" pitchFamily="34" charset="0"/>
+                <a:cs typeface="Tahoma" panose="020B0604030504040204" pitchFamily="34" charset="0"/>
+              </a:rPr>
+              <a:t>dụng</a:t>
+            </a:r>
+            <a:r>
+              <a:rPr lang="en-GB" sz="3200" dirty="0">
+                <a:latin typeface="Tahoma" panose="020B0604030504040204" pitchFamily="34" charset="0"/>
+                <a:ea typeface="Tahoma" panose="020B0604030504040204" pitchFamily="34" charset="0"/>
+                <a:cs typeface="Tahoma" panose="020B0604030504040204" pitchFamily="34" charset="0"/>
+              </a:rPr>
+              <a:t> </a:t>
+            </a:r>
+            <a:r>
+              <a:rPr lang="en-GB" sz="3200" dirty="0" err="1">
+                <a:latin typeface="Tahoma" panose="020B0604030504040204" pitchFamily="34" charset="0"/>
+                <a:ea typeface="Tahoma" panose="020B0604030504040204" pitchFamily="34" charset="0"/>
+                <a:cs typeface="Tahoma" panose="020B0604030504040204" pitchFamily="34" charset="0"/>
+              </a:rPr>
+              <a:t>phương</a:t>
+            </a:r>
+            <a:r>
+              <a:rPr lang="en-GB" sz="3200" dirty="0">
+                <a:latin typeface="Tahoma" panose="020B0604030504040204" pitchFamily="34" charset="0"/>
+                <a:ea typeface="Tahoma" panose="020B0604030504040204" pitchFamily="34" charset="0"/>
+                <a:cs typeface="Tahoma" panose="020B0604030504040204" pitchFamily="34" charset="0"/>
+              </a:rPr>
+              <a:t> </a:t>
+            </a:r>
+            <a:r>
+              <a:rPr lang="en-GB" sz="3200" dirty="0" err="1">
+                <a:latin typeface="Tahoma" panose="020B0604030504040204" pitchFamily="34" charset="0"/>
+                <a:ea typeface="Tahoma" panose="020B0604030504040204" pitchFamily="34" charset="0"/>
+                <a:cs typeface="Tahoma" panose="020B0604030504040204" pitchFamily="34" charset="0"/>
+              </a:rPr>
+              <a:t>pháp</a:t>
+            </a:r>
+            <a:r>
+              <a:rPr lang="en-GB" sz="3200" dirty="0">
+                <a:latin typeface="Tahoma" panose="020B0604030504040204" pitchFamily="34" charset="0"/>
+                <a:ea typeface="Tahoma" panose="020B0604030504040204" pitchFamily="34" charset="0"/>
+                <a:cs typeface="Tahoma" panose="020B0604030504040204" pitchFamily="34" charset="0"/>
+              </a:rPr>
+              <a:t> voting </a:t>
+            </a:r>
+            <a:r>
+              <a:rPr lang="en-GB" sz="3200" dirty="0" err="1">
+                <a:latin typeface="Tahoma" panose="020B0604030504040204" pitchFamily="34" charset="0"/>
+                <a:ea typeface="Tahoma" panose="020B0604030504040204" pitchFamily="34" charset="0"/>
+                <a:cs typeface="Tahoma" panose="020B0604030504040204" pitchFamily="34" charset="0"/>
+              </a:rPr>
+              <a:t>để</a:t>
+            </a:r>
+            <a:r>
+              <a:rPr lang="en-GB" sz="3200" dirty="0">
+                <a:latin typeface="Tahoma" panose="020B0604030504040204" pitchFamily="34" charset="0"/>
+                <a:ea typeface="Tahoma" panose="020B0604030504040204" pitchFamily="34" charset="0"/>
+                <a:cs typeface="Tahoma" panose="020B0604030504040204" pitchFamily="34" charset="0"/>
+              </a:rPr>
+              <a:t> </a:t>
+            </a:r>
+            <a:r>
+              <a:rPr lang="en-GB" sz="3200" dirty="0" err="1">
+                <a:latin typeface="Tahoma" panose="020B0604030504040204" pitchFamily="34" charset="0"/>
+                <a:ea typeface="Tahoma" panose="020B0604030504040204" pitchFamily="34" charset="0"/>
+                <a:cs typeface="Tahoma" panose="020B0604030504040204" pitchFamily="34" charset="0"/>
+              </a:rPr>
+              <a:t>đưa</a:t>
+            </a:r>
+            <a:r>
+              <a:rPr lang="en-GB" sz="3200" dirty="0">
+                <a:latin typeface="Tahoma" panose="020B0604030504040204" pitchFamily="34" charset="0"/>
+                <a:ea typeface="Tahoma" panose="020B0604030504040204" pitchFamily="34" charset="0"/>
+                <a:cs typeface="Tahoma" panose="020B0604030504040204" pitchFamily="34" charset="0"/>
+              </a:rPr>
+              <a:t> </a:t>
+            </a:r>
+            <a:r>
+              <a:rPr lang="en-GB" sz="3200" dirty="0" err="1">
+                <a:latin typeface="Tahoma" panose="020B0604030504040204" pitchFamily="34" charset="0"/>
+                <a:ea typeface="Tahoma" panose="020B0604030504040204" pitchFamily="34" charset="0"/>
+                <a:cs typeface="Tahoma" panose="020B0604030504040204" pitchFamily="34" charset="0"/>
+              </a:rPr>
+              <a:t>ra</a:t>
+            </a:r>
+            <a:r>
+              <a:rPr lang="en-GB" sz="3200" dirty="0">
+                <a:latin typeface="Tahoma" panose="020B0604030504040204" pitchFamily="34" charset="0"/>
+                <a:ea typeface="Tahoma" panose="020B0604030504040204" pitchFamily="34" charset="0"/>
+                <a:cs typeface="Tahoma" panose="020B0604030504040204" pitchFamily="34" charset="0"/>
+              </a:rPr>
+              <a:t> </a:t>
+            </a:r>
+            <a:r>
+              <a:rPr lang="en-GB" sz="3200" dirty="0" err="1">
+                <a:latin typeface="Tahoma" panose="020B0604030504040204" pitchFamily="34" charset="0"/>
+                <a:ea typeface="Tahoma" panose="020B0604030504040204" pitchFamily="34" charset="0"/>
+                <a:cs typeface="Tahoma" panose="020B0604030504040204" pitchFamily="34" charset="0"/>
+              </a:rPr>
+              <a:t>quyết</a:t>
+            </a:r>
+            <a:r>
+              <a:rPr lang="en-GB" sz="3200" dirty="0">
+                <a:latin typeface="Tahoma" panose="020B0604030504040204" pitchFamily="34" charset="0"/>
+                <a:ea typeface="Tahoma" panose="020B0604030504040204" pitchFamily="34" charset="0"/>
+                <a:cs typeface="Tahoma" panose="020B0604030504040204" pitchFamily="34" charset="0"/>
+              </a:rPr>
+              <a:t> </a:t>
+            </a:r>
+            <a:r>
+              <a:rPr lang="en-GB" sz="3200" dirty="0" err="1">
+                <a:latin typeface="Tahoma" panose="020B0604030504040204" pitchFamily="34" charset="0"/>
+                <a:ea typeface="Tahoma" panose="020B0604030504040204" pitchFamily="34" charset="0"/>
+                <a:cs typeface="Tahoma" panose="020B0604030504040204" pitchFamily="34" charset="0"/>
+              </a:rPr>
+              <a:t>định</a:t>
+            </a:r>
+            <a:r>
+              <a:rPr lang="en-GB" sz="3200" dirty="0">
+                <a:latin typeface="Tahoma" panose="020B0604030504040204" pitchFamily="34" charset="0"/>
+                <a:ea typeface="Tahoma" panose="020B0604030504040204" pitchFamily="34" charset="0"/>
+                <a:cs typeface="Tahoma" panose="020B0604030504040204" pitchFamily="34" charset="0"/>
+              </a:rPr>
+              <a:t> </a:t>
+            </a:r>
+            <a:r>
+              <a:rPr lang="en-GB" sz="3200" dirty="0" err="1">
+                <a:latin typeface="Tahoma" panose="020B0604030504040204" pitchFamily="34" charset="0"/>
+                <a:ea typeface="Tahoma" panose="020B0604030504040204" pitchFamily="34" charset="0"/>
+                <a:cs typeface="Tahoma" panose="020B0604030504040204" pitchFamily="34" charset="0"/>
+              </a:rPr>
+              <a:t>về</a:t>
+            </a:r>
+            <a:r>
+              <a:rPr lang="en-GB" sz="3200" dirty="0">
+                <a:latin typeface="Tahoma" panose="020B0604030504040204" pitchFamily="34" charset="0"/>
+                <a:ea typeface="Tahoma" panose="020B0604030504040204" pitchFamily="34" charset="0"/>
+                <a:cs typeface="Tahoma" panose="020B0604030504040204" pitchFamily="34" charset="0"/>
+              </a:rPr>
+              <a:t> </a:t>
+            </a:r>
+            <a:r>
+              <a:rPr lang="en-GB" sz="3200" dirty="0" err="1">
+                <a:latin typeface="Tahoma" panose="020B0604030504040204" pitchFamily="34" charset="0"/>
+                <a:ea typeface="Tahoma" panose="020B0604030504040204" pitchFamily="34" charset="0"/>
+                <a:cs typeface="Tahoma" panose="020B0604030504040204" pitchFamily="34" charset="0"/>
+              </a:rPr>
+              <a:t>biến</a:t>
+            </a:r>
+            <a:r>
+              <a:rPr lang="en-GB" sz="3200" dirty="0">
+                <a:latin typeface="Tahoma" panose="020B0604030504040204" pitchFamily="34" charset="0"/>
+                <a:ea typeface="Tahoma" panose="020B0604030504040204" pitchFamily="34" charset="0"/>
+                <a:cs typeface="Tahoma" panose="020B0604030504040204" pitchFamily="34" charset="0"/>
+              </a:rPr>
+              <a:t> target </a:t>
+            </a:r>
+            <a:r>
+              <a:rPr lang="en-GB" sz="3200" dirty="0" err="1">
+                <a:latin typeface="Tahoma" panose="020B0604030504040204" pitchFamily="34" charset="0"/>
+                <a:ea typeface="Tahoma" panose="020B0604030504040204" pitchFamily="34" charset="0"/>
+                <a:cs typeface="Tahoma" panose="020B0604030504040204" pitchFamily="34" charset="0"/>
+              </a:rPr>
+              <a:t>cần</a:t>
+            </a:r>
+            <a:r>
+              <a:rPr lang="en-GB" sz="3200" dirty="0">
+                <a:latin typeface="Tahoma" panose="020B0604030504040204" pitchFamily="34" charset="0"/>
+                <a:ea typeface="Tahoma" panose="020B0604030504040204" pitchFamily="34" charset="0"/>
+                <a:cs typeface="Tahoma" panose="020B0604030504040204" pitchFamily="34" charset="0"/>
+              </a:rPr>
+              <a:t> </a:t>
+            </a:r>
+            <a:r>
+              <a:rPr lang="en-GB" sz="3200" dirty="0" err="1">
+                <a:latin typeface="Tahoma" panose="020B0604030504040204" pitchFamily="34" charset="0"/>
+                <a:ea typeface="Tahoma" panose="020B0604030504040204" pitchFamily="34" charset="0"/>
+                <a:cs typeface="Tahoma" panose="020B0604030504040204" pitchFamily="34" charset="0"/>
+              </a:rPr>
+              <a:t>được</a:t>
+            </a:r>
+            <a:r>
+              <a:rPr lang="en-GB" sz="3200" dirty="0">
+                <a:latin typeface="Tahoma" panose="020B0604030504040204" pitchFamily="34" charset="0"/>
+                <a:ea typeface="Tahoma" panose="020B0604030504040204" pitchFamily="34" charset="0"/>
+                <a:cs typeface="Tahoma" panose="020B0604030504040204" pitchFamily="34" charset="0"/>
+              </a:rPr>
+              <a:t> </a:t>
+            </a:r>
+            <a:r>
+              <a:rPr lang="en-GB" sz="3200" dirty="0" err="1">
+                <a:latin typeface="Tahoma" panose="020B0604030504040204" pitchFamily="34" charset="0"/>
+                <a:ea typeface="Tahoma" panose="020B0604030504040204" pitchFamily="34" charset="0"/>
+                <a:cs typeface="Tahoma" panose="020B0604030504040204" pitchFamily="34" charset="0"/>
+              </a:rPr>
+              <a:t>dự</a:t>
+            </a:r>
+            <a:r>
+              <a:rPr lang="en-GB" sz="3200" dirty="0">
+                <a:latin typeface="Tahoma" panose="020B0604030504040204" pitchFamily="34" charset="0"/>
+                <a:ea typeface="Tahoma" panose="020B0604030504040204" pitchFamily="34" charset="0"/>
+                <a:cs typeface="Tahoma" panose="020B0604030504040204" pitchFamily="34" charset="0"/>
+              </a:rPr>
+              <a:t> </a:t>
+            </a:r>
+            <a:r>
+              <a:rPr lang="en-GB" sz="3200" dirty="0" err="1">
+                <a:latin typeface="Tahoma" panose="020B0604030504040204" pitchFamily="34" charset="0"/>
+                <a:ea typeface="Tahoma" panose="020B0604030504040204" pitchFamily="34" charset="0"/>
+                <a:cs typeface="Tahoma" panose="020B0604030504040204" pitchFamily="34" charset="0"/>
+              </a:rPr>
+              <a:t>báo</a:t>
+            </a:r>
+            <a:r>
+              <a:rPr lang="en-GB" sz="3200" dirty="0">
+                <a:latin typeface="Tahoma" panose="020B0604030504040204" pitchFamily="34" charset="0"/>
+                <a:ea typeface="Tahoma" panose="020B0604030504040204" pitchFamily="34" charset="0"/>
+                <a:cs typeface="Tahoma" panose="020B0604030504040204" pitchFamily="34" charset="0"/>
+              </a:rPr>
+              <a:t>. </a:t>
+            </a:r>
+            <a:r>
+              <a:rPr lang="en-GB" sz="3200" dirty="0" err="1">
+                <a:latin typeface="Tahoma" panose="020B0604030504040204" pitchFamily="34" charset="0"/>
+                <a:ea typeface="Tahoma" panose="020B0604030504040204" pitchFamily="34" charset="0"/>
+                <a:cs typeface="Tahoma" panose="020B0604030504040204" pitchFamily="34" charset="0"/>
+              </a:rPr>
+              <a:t>Câu</a:t>
+            </a:r>
+            <a:r>
+              <a:rPr lang="en-GB" sz="3200" dirty="0">
+                <a:latin typeface="Tahoma" panose="020B0604030504040204" pitchFamily="34" charset="0"/>
+                <a:ea typeface="Tahoma" panose="020B0604030504040204" pitchFamily="34" charset="0"/>
+                <a:cs typeface="Tahoma" panose="020B0604030504040204" pitchFamily="34" charset="0"/>
+              </a:rPr>
+              <a:t> </a:t>
+            </a:r>
+            <a:r>
+              <a:rPr lang="en-GB" sz="3200" dirty="0" err="1">
+                <a:latin typeface="Tahoma" panose="020B0604030504040204" pitchFamily="34" charset="0"/>
+                <a:ea typeface="Tahoma" panose="020B0604030504040204" pitchFamily="34" charset="0"/>
+                <a:cs typeface="Tahoma" panose="020B0604030504040204" pitchFamily="34" charset="0"/>
+              </a:rPr>
+              <a:t>trả</a:t>
+            </a:r>
+            <a:r>
+              <a:rPr lang="en-GB" sz="3200" dirty="0">
+                <a:latin typeface="Tahoma" panose="020B0604030504040204" pitchFamily="34" charset="0"/>
+                <a:ea typeface="Tahoma" panose="020B0604030504040204" pitchFamily="34" charset="0"/>
+                <a:cs typeface="Tahoma" panose="020B0604030504040204" pitchFamily="34" charset="0"/>
+              </a:rPr>
+              <a:t> </a:t>
+            </a:r>
+            <a:r>
+              <a:rPr lang="en-GB" sz="3200" dirty="0" err="1">
+                <a:latin typeface="Tahoma" panose="020B0604030504040204" pitchFamily="34" charset="0"/>
+                <a:ea typeface="Tahoma" panose="020B0604030504040204" pitchFamily="34" charset="0"/>
+                <a:cs typeface="Tahoma" panose="020B0604030504040204" pitchFamily="34" charset="0"/>
+              </a:rPr>
+              <a:t>lời</a:t>
+            </a:r>
+            <a:r>
+              <a:rPr lang="en-GB" sz="3200" dirty="0">
+                <a:latin typeface="Tahoma" panose="020B0604030504040204" pitchFamily="34" charset="0"/>
+                <a:ea typeface="Tahoma" panose="020B0604030504040204" pitchFamily="34" charset="0"/>
+                <a:cs typeface="Tahoma" panose="020B0604030504040204" pitchFamily="34" charset="0"/>
+              </a:rPr>
+              <a:t> </a:t>
+            </a:r>
+            <a:r>
+              <a:rPr lang="en-GB" sz="3200" dirty="0" err="1">
+                <a:latin typeface="Tahoma" panose="020B0604030504040204" pitchFamily="34" charset="0"/>
+                <a:ea typeface="Tahoma" panose="020B0604030504040204" pitchFamily="34" charset="0"/>
+                <a:cs typeface="Tahoma" panose="020B0604030504040204" pitchFamily="34" charset="0"/>
+              </a:rPr>
+              <a:t>nhận</a:t>
+            </a:r>
+            <a:r>
+              <a:rPr lang="en-GB" sz="3200" dirty="0">
+                <a:latin typeface="Tahoma" panose="020B0604030504040204" pitchFamily="34" charset="0"/>
+                <a:ea typeface="Tahoma" panose="020B0604030504040204" pitchFamily="34" charset="0"/>
+                <a:cs typeface="Tahoma" panose="020B0604030504040204" pitchFamily="34" charset="0"/>
+              </a:rPr>
+              <a:t> </a:t>
+            </a:r>
+            <a:r>
+              <a:rPr lang="en-GB" sz="3200" dirty="0" err="1">
+                <a:latin typeface="Tahoma" panose="020B0604030504040204" pitchFamily="34" charset="0"/>
+                <a:ea typeface="Tahoma" panose="020B0604030504040204" pitchFamily="34" charset="0"/>
+                <a:cs typeface="Tahoma" panose="020B0604030504040204" pitchFamily="34" charset="0"/>
+              </a:rPr>
+              <a:t>được</a:t>
+            </a:r>
+            <a:r>
+              <a:rPr lang="en-GB" sz="3200" dirty="0">
+                <a:latin typeface="Tahoma" panose="020B0604030504040204" pitchFamily="34" charset="0"/>
+                <a:ea typeface="Tahoma" panose="020B0604030504040204" pitchFamily="34" charset="0"/>
+                <a:cs typeface="Tahoma" panose="020B0604030504040204" pitchFamily="34" charset="0"/>
+              </a:rPr>
+              <a:t> </a:t>
+            </a:r>
+            <a:r>
+              <a:rPr lang="en-GB" sz="3200" dirty="0" err="1">
+                <a:latin typeface="Tahoma" panose="020B0604030504040204" pitchFamily="34" charset="0"/>
+                <a:ea typeface="Tahoma" panose="020B0604030504040204" pitchFamily="34" charset="0"/>
+                <a:cs typeface="Tahoma" panose="020B0604030504040204" pitchFamily="34" charset="0"/>
+              </a:rPr>
+              <a:t>nhiều</a:t>
+            </a:r>
+            <a:r>
+              <a:rPr lang="en-GB" sz="3200" dirty="0">
+                <a:latin typeface="Tahoma" panose="020B0604030504040204" pitchFamily="34" charset="0"/>
+                <a:ea typeface="Tahoma" panose="020B0604030504040204" pitchFamily="34" charset="0"/>
+                <a:cs typeface="Tahoma" panose="020B0604030504040204" pitchFamily="34" charset="0"/>
+              </a:rPr>
+              <a:t> </a:t>
+            </a:r>
+            <a:r>
+              <a:rPr lang="en-GB" sz="3200" dirty="0" err="1">
+                <a:latin typeface="Tahoma" panose="020B0604030504040204" pitchFamily="34" charset="0"/>
+                <a:ea typeface="Tahoma" panose="020B0604030504040204" pitchFamily="34" charset="0"/>
+                <a:cs typeface="Tahoma" panose="020B0604030504040204" pitchFamily="34" charset="0"/>
+              </a:rPr>
+              <a:t>bầu</a:t>
+            </a:r>
+            <a:r>
+              <a:rPr lang="en-GB" sz="3200" dirty="0">
+                <a:latin typeface="Tahoma" panose="020B0604030504040204" pitchFamily="34" charset="0"/>
+                <a:ea typeface="Tahoma" panose="020B0604030504040204" pitchFamily="34" charset="0"/>
+                <a:cs typeface="Tahoma" panose="020B0604030504040204" pitchFamily="34" charset="0"/>
+              </a:rPr>
+              <a:t> </a:t>
+            </a:r>
+            <a:r>
+              <a:rPr lang="en-GB" sz="3200" dirty="0" err="1">
+                <a:latin typeface="Tahoma" panose="020B0604030504040204" pitchFamily="34" charset="0"/>
+                <a:ea typeface="Tahoma" panose="020B0604030504040204" pitchFamily="34" charset="0"/>
+                <a:cs typeface="Tahoma" panose="020B0604030504040204" pitchFamily="34" charset="0"/>
+              </a:rPr>
+              <a:t>chọn</a:t>
+            </a:r>
+            <a:r>
+              <a:rPr lang="en-GB" sz="3200" dirty="0">
+                <a:latin typeface="Tahoma" panose="020B0604030504040204" pitchFamily="34" charset="0"/>
+                <a:ea typeface="Tahoma" panose="020B0604030504040204" pitchFamily="34" charset="0"/>
+                <a:cs typeface="Tahoma" panose="020B0604030504040204" pitchFamily="34" charset="0"/>
+              </a:rPr>
+              <a:t> </a:t>
+            </a:r>
+            <a:r>
+              <a:rPr lang="en-GB" sz="3200" dirty="0" err="1">
+                <a:latin typeface="Tahoma" panose="020B0604030504040204" pitchFamily="34" charset="0"/>
+                <a:ea typeface="Tahoma" panose="020B0604030504040204" pitchFamily="34" charset="0"/>
+                <a:cs typeface="Tahoma" panose="020B0604030504040204" pitchFamily="34" charset="0"/>
+              </a:rPr>
+              <a:t>nhất</a:t>
+            </a:r>
+            <a:r>
+              <a:rPr lang="en-GB" sz="3200" dirty="0">
+                <a:latin typeface="Tahoma" panose="020B0604030504040204" pitchFamily="34" charset="0"/>
+                <a:ea typeface="Tahoma" panose="020B0604030504040204" pitchFamily="34" charset="0"/>
+                <a:cs typeface="Tahoma" panose="020B0604030504040204" pitchFamily="34" charset="0"/>
+              </a:rPr>
+              <a:t> </a:t>
+            </a:r>
+            <a:r>
+              <a:rPr lang="en-GB" sz="3200" dirty="0" err="1">
+                <a:latin typeface="Tahoma" panose="020B0604030504040204" pitchFamily="34" charset="0"/>
+                <a:ea typeface="Tahoma" panose="020B0604030504040204" pitchFamily="34" charset="0"/>
+                <a:cs typeface="Tahoma" panose="020B0604030504040204" pitchFamily="34" charset="0"/>
+              </a:rPr>
+              <a:t>từ</a:t>
+            </a:r>
+            <a:r>
+              <a:rPr lang="en-GB" sz="3200" dirty="0">
+                <a:latin typeface="Tahoma" panose="020B0604030504040204" pitchFamily="34" charset="0"/>
+                <a:ea typeface="Tahoma" panose="020B0604030504040204" pitchFamily="34" charset="0"/>
+                <a:cs typeface="Tahoma" panose="020B0604030504040204" pitchFamily="34" charset="0"/>
+              </a:rPr>
+              <a:t> </a:t>
+            </a:r>
+            <a:r>
+              <a:rPr lang="en-GB" sz="3200" dirty="0" err="1">
+                <a:latin typeface="Tahoma" panose="020B0604030504040204" pitchFamily="34" charset="0"/>
+                <a:ea typeface="Tahoma" panose="020B0604030504040204" pitchFamily="34" charset="0"/>
+                <a:cs typeface="Tahoma" panose="020B0604030504040204" pitchFamily="34" charset="0"/>
+              </a:rPr>
+              <a:t>các</a:t>
+            </a:r>
+            <a:r>
+              <a:rPr lang="en-GB" sz="3200" dirty="0">
+                <a:latin typeface="Tahoma" panose="020B0604030504040204" pitchFamily="34" charset="0"/>
+                <a:ea typeface="Tahoma" panose="020B0604030504040204" pitchFamily="34" charset="0"/>
+                <a:cs typeface="Tahoma" panose="020B0604030504040204" pitchFamily="34" charset="0"/>
+              </a:rPr>
+              <a:t> </a:t>
+            </a:r>
+            <a:r>
+              <a:rPr lang="en-GB" sz="3200" dirty="0" err="1">
+                <a:latin typeface="Tahoma" panose="020B0604030504040204" pitchFamily="34" charset="0"/>
+                <a:ea typeface="Tahoma" panose="020B0604030504040204" pitchFamily="34" charset="0"/>
+                <a:cs typeface="Tahoma" panose="020B0604030504040204" pitchFamily="34" charset="0"/>
+              </a:rPr>
+              <a:t>cây</a:t>
+            </a:r>
+            <a:r>
+              <a:rPr lang="en-GB" sz="3200" dirty="0">
+                <a:latin typeface="Tahoma" panose="020B0604030504040204" pitchFamily="34" charset="0"/>
+                <a:ea typeface="Tahoma" panose="020B0604030504040204" pitchFamily="34" charset="0"/>
+                <a:cs typeface="Tahoma" panose="020B0604030504040204" pitchFamily="34" charset="0"/>
+              </a:rPr>
+              <a:t> </a:t>
+            </a:r>
+            <a:r>
+              <a:rPr lang="en-GB" sz="3200" dirty="0" err="1">
+                <a:latin typeface="Tahoma" panose="020B0604030504040204" pitchFamily="34" charset="0"/>
+                <a:ea typeface="Tahoma" panose="020B0604030504040204" pitchFamily="34" charset="0"/>
+                <a:cs typeface="Tahoma" panose="020B0604030504040204" pitchFamily="34" charset="0"/>
+              </a:rPr>
+              <a:t>quyết</a:t>
+            </a:r>
+            <a:r>
+              <a:rPr lang="en-GB" sz="3200" dirty="0">
+                <a:latin typeface="Tahoma" panose="020B0604030504040204" pitchFamily="34" charset="0"/>
+                <a:ea typeface="Tahoma" panose="020B0604030504040204" pitchFamily="34" charset="0"/>
+                <a:cs typeface="Tahoma" panose="020B0604030504040204" pitchFamily="34" charset="0"/>
+              </a:rPr>
+              <a:t> </a:t>
+            </a:r>
+            <a:r>
+              <a:rPr lang="en-GB" sz="3200" dirty="0" err="1">
+                <a:latin typeface="Tahoma" panose="020B0604030504040204" pitchFamily="34" charset="0"/>
+                <a:ea typeface="Tahoma" panose="020B0604030504040204" pitchFamily="34" charset="0"/>
+                <a:cs typeface="Tahoma" panose="020B0604030504040204" pitchFamily="34" charset="0"/>
+              </a:rPr>
+              <a:t>định</a:t>
+            </a:r>
+            <a:r>
+              <a:rPr lang="en-GB" sz="3200" dirty="0">
+                <a:latin typeface="Tahoma" panose="020B0604030504040204" pitchFamily="34" charset="0"/>
+                <a:ea typeface="Tahoma" panose="020B0604030504040204" pitchFamily="34" charset="0"/>
+                <a:cs typeface="Tahoma" panose="020B0604030504040204" pitchFamily="34" charset="0"/>
+              </a:rPr>
+              <a:t> </a:t>
+            </a:r>
+            <a:r>
+              <a:rPr lang="en-GB" sz="3200" dirty="0" err="1">
+                <a:latin typeface="Tahoma" panose="020B0604030504040204" pitchFamily="34" charset="0"/>
+                <a:ea typeface="Tahoma" panose="020B0604030504040204" pitchFamily="34" charset="0"/>
+                <a:cs typeface="Tahoma" panose="020B0604030504040204" pitchFamily="34" charset="0"/>
+              </a:rPr>
+              <a:t>sẽ</a:t>
+            </a:r>
+            <a:r>
+              <a:rPr lang="en-GB" sz="3200" dirty="0">
+                <a:latin typeface="Tahoma" panose="020B0604030504040204" pitchFamily="34" charset="0"/>
+                <a:ea typeface="Tahoma" panose="020B0604030504040204" pitchFamily="34" charset="0"/>
+                <a:cs typeface="Tahoma" panose="020B0604030504040204" pitchFamily="34" charset="0"/>
+              </a:rPr>
+              <a:t> </a:t>
+            </a:r>
+            <a:r>
+              <a:rPr lang="en-GB" sz="3200" dirty="0" err="1">
+                <a:latin typeface="Tahoma" panose="020B0604030504040204" pitchFamily="34" charset="0"/>
+                <a:ea typeface="Tahoma" panose="020B0604030504040204" pitchFamily="34" charset="0"/>
+                <a:cs typeface="Tahoma" panose="020B0604030504040204" pitchFamily="34" charset="0"/>
+              </a:rPr>
+              <a:t>được</a:t>
+            </a:r>
+            <a:r>
+              <a:rPr lang="en-GB" sz="3200" dirty="0">
+                <a:latin typeface="Tahoma" panose="020B0604030504040204" pitchFamily="34" charset="0"/>
+                <a:ea typeface="Tahoma" panose="020B0604030504040204" pitchFamily="34" charset="0"/>
+                <a:cs typeface="Tahoma" panose="020B0604030504040204" pitchFamily="34" charset="0"/>
+              </a:rPr>
+              <a:t> </a:t>
+            </a:r>
+            <a:r>
+              <a:rPr lang="en-GB" sz="3200" dirty="0" err="1">
+                <a:latin typeface="Tahoma" panose="020B0604030504040204" pitchFamily="34" charset="0"/>
+                <a:ea typeface="Tahoma" panose="020B0604030504040204" pitchFamily="34" charset="0"/>
+                <a:cs typeface="Tahoma" panose="020B0604030504040204" pitchFamily="34" charset="0"/>
+              </a:rPr>
+              <a:t>lựa</a:t>
+            </a:r>
+            <a:r>
+              <a:rPr lang="en-GB" sz="3200" dirty="0">
+                <a:latin typeface="Tahoma" panose="020B0604030504040204" pitchFamily="34" charset="0"/>
+                <a:ea typeface="Tahoma" panose="020B0604030504040204" pitchFamily="34" charset="0"/>
+                <a:cs typeface="Tahoma" panose="020B0604030504040204" pitchFamily="34" charset="0"/>
+              </a:rPr>
+              <a:t> </a:t>
+            </a:r>
+            <a:r>
+              <a:rPr lang="en-GB" sz="3200" dirty="0" err="1">
+                <a:latin typeface="Tahoma" panose="020B0604030504040204" pitchFamily="34" charset="0"/>
+                <a:ea typeface="Tahoma" panose="020B0604030504040204" pitchFamily="34" charset="0"/>
+                <a:cs typeface="Tahoma" panose="020B0604030504040204" pitchFamily="34" charset="0"/>
+              </a:rPr>
+              <a:t>chọn</a:t>
+            </a:r>
+            <a:r>
+              <a:rPr lang="en-GB" sz="3200" dirty="0">
+                <a:latin typeface="Tahoma" panose="020B0604030504040204" pitchFamily="34" charset="0"/>
+                <a:ea typeface="Tahoma" panose="020B0604030504040204" pitchFamily="34" charset="0"/>
+                <a:cs typeface="Tahoma" panose="020B0604030504040204" pitchFamily="34" charset="0"/>
+              </a:rPr>
+              <a:t>.</a:t>
+            </a:r>
+          </a:p>
+          <a:p>
+            <a:pPr marL="0" indent="0">
+              <a:buNone/>
+            </a:pPr>
+            <a:endParaRPr lang="en-GB" sz="3200" dirty="0">
+              <a:latin typeface="Tahoma" panose="020B0604030504040204" pitchFamily="34" charset="0"/>
+              <a:ea typeface="Tahoma" panose="020B0604030504040204" pitchFamily="34" charset="0"/>
+              <a:cs typeface="Tahoma" panose="020B0604030504040204" pitchFamily="34" charset="0"/>
+            </a:endParaRPr>
+          </a:p>
+        </p:txBody>
+      </p:sp>
+      <p:sp>
+        <p:nvSpPr>
+          <p:cNvPr id="5" name="Slide Number Placeholder 4">
+            <a:extLst>
+              <a:ext uri="{FF2B5EF4-FFF2-40B4-BE49-F238E27FC236}">
+                <a16:creationId xmlns:a16="http://schemas.microsoft.com/office/drawing/2014/main" id="{07613489-4D56-4BEE-AD67-BC4350B4CC5C}"/>
+              </a:ext>
+            </a:extLst>
+          </p:cNvPr>
+          <p:cNvSpPr>
+            <a:spLocks noGrp="1"/>
+          </p:cNvSpPr>
+          <p:nvPr>
+            <p:ph type="sldNum" sz="quarter" idx="12"/>
+          </p:nvPr>
+        </p:nvSpPr>
+        <p:spPr/>
+        <p:txBody>
+          <a:bodyPr/>
+          <a:lstStyle/>
+          <a:p>
+            <a:fld id="{C2A74E92-A1E9-4D96-8B19-9FA9AB19DBB5}" type="slidenum">
+              <a:rPr lang="en-GB" smtClean="0"/>
+              <a:t>16</a:t>
+            </a:fld>
+            <a:endParaRPr lang="en-GB"/>
+          </a:p>
+        </p:txBody>
+      </p:sp>
+    </p:spTree>
+    <p:extLst>
+      <p:ext uri="{BB962C8B-B14F-4D97-AF65-F5344CB8AC3E}">
+        <p14:creationId xmlns:p14="http://schemas.microsoft.com/office/powerpoint/2010/main" val="1510879729"/>
+      </p:ext>
+    </p:extLst>
+  </p:cSld>
+  <p:clrMapOvr>
+    <a:masterClrMapping/>
+  </p:clrMapOvr>
+</p:sld>
+</file>
+
+<file path=ppt/slides/slide17.xml><?xml version="1.0" encoding="utf-8"?>
+<p:sld xmlns:a="http://schemas.openxmlformats.org/drawingml/2006/main" xmlns:r="http://schemas.openxmlformats.org/officeDocument/2006/relationships" xmlns:p="http://schemas.openxmlformats.org/presentationml/2006/main">
+  <p:cSld>
+    <p:spTree>
+      <p:nvGrpSpPr>
+        <p:cNvPr id="1" name=""/>
+        <p:cNvGrpSpPr/>
+        <p:nvPr/>
+      </p:nvGrpSpPr>
+      <p:grpSpPr>
+        <a:xfrm>
+          <a:off x="0" y="0"/>
+          <a:ext cx="0" cy="0"/>
+          <a:chOff x="0" y="0"/>
+          <a:chExt cx="0" cy="0"/>
+        </a:xfrm>
+      </p:grpSpPr>
+      <p:sp>
+        <p:nvSpPr>
+          <p:cNvPr id="2" name="Title 1">
+            <a:extLst>
+              <a:ext uri="{FF2B5EF4-FFF2-40B4-BE49-F238E27FC236}">
+                <a16:creationId xmlns:a16="http://schemas.microsoft.com/office/drawing/2014/main" id="{5C790218-5ECE-40FB-93D7-7DACB2D2427C}"/>
+              </a:ext>
+            </a:extLst>
+          </p:cNvPr>
+          <p:cNvSpPr>
+            <a:spLocks noGrp="1"/>
+          </p:cNvSpPr>
+          <p:nvPr>
+            <p:ph type="title"/>
+          </p:nvPr>
+        </p:nvSpPr>
+        <p:spPr/>
+        <p:txBody>
+          <a:bodyPr/>
+          <a:lstStyle/>
+          <a:p>
+            <a:r>
+              <a:rPr lang="en-GB" b="1" dirty="0"/>
+              <a:t>HỌC – KIỂM THỬ VÀ KẾT QUẢ</a:t>
+            </a:r>
+          </a:p>
+        </p:txBody>
+      </p:sp>
+      <p:sp>
+        <p:nvSpPr>
+          <p:cNvPr id="3" name="Content Placeholder 2">
+            <a:extLst>
+              <a:ext uri="{FF2B5EF4-FFF2-40B4-BE49-F238E27FC236}">
+                <a16:creationId xmlns:a16="http://schemas.microsoft.com/office/drawing/2014/main" id="{99ADFB63-AEF0-4FE3-A95A-6E9809EB6963}"/>
+              </a:ext>
+            </a:extLst>
+          </p:cNvPr>
+          <p:cNvSpPr>
+            <a:spLocks noGrp="1"/>
+          </p:cNvSpPr>
+          <p:nvPr>
+            <p:ph idx="1"/>
+          </p:nvPr>
+        </p:nvSpPr>
+        <p:spPr/>
+        <p:txBody>
+          <a:bodyPr>
+            <a:normAutofit/>
+          </a:bodyPr>
+          <a:lstStyle/>
+          <a:p>
+            <a:r>
+              <a:rPr lang="en-GB" sz="3200" dirty="0">
+                <a:latin typeface="Tahoma" panose="020B0604030504040204" pitchFamily="34" charset="0"/>
+                <a:ea typeface="Tahoma" panose="020B0604030504040204" pitchFamily="34" charset="0"/>
+                <a:cs typeface="Tahoma" panose="020B0604030504040204" pitchFamily="34" charset="0"/>
+              </a:rPr>
+              <a:t>Random Forest</a:t>
+            </a:r>
+          </a:p>
+        </p:txBody>
+      </p:sp>
+      <p:sp>
+        <p:nvSpPr>
+          <p:cNvPr id="5" name="Slide Number Placeholder 4">
+            <a:extLst>
+              <a:ext uri="{FF2B5EF4-FFF2-40B4-BE49-F238E27FC236}">
+                <a16:creationId xmlns:a16="http://schemas.microsoft.com/office/drawing/2014/main" id="{07613489-4D56-4BEE-AD67-BC4350B4CC5C}"/>
+              </a:ext>
+            </a:extLst>
+          </p:cNvPr>
+          <p:cNvSpPr>
+            <a:spLocks noGrp="1"/>
+          </p:cNvSpPr>
+          <p:nvPr>
+            <p:ph type="sldNum" sz="quarter" idx="12"/>
+          </p:nvPr>
+        </p:nvSpPr>
+        <p:spPr/>
+        <p:txBody>
+          <a:bodyPr/>
+          <a:lstStyle/>
+          <a:p>
+            <a:fld id="{C2A74E92-A1E9-4D96-8B19-9FA9AB19DBB5}" type="slidenum">
+              <a:rPr lang="en-GB" smtClean="0"/>
+              <a:t>17</a:t>
+            </a:fld>
+            <a:endParaRPr lang="en-GB"/>
+          </a:p>
+        </p:txBody>
+      </p:sp>
+      <p:pic>
+        <p:nvPicPr>
+          <p:cNvPr id="6" name="Picture 5">
+            <a:extLst>
+              <a:ext uri="{FF2B5EF4-FFF2-40B4-BE49-F238E27FC236}">
+                <a16:creationId xmlns:a16="http://schemas.microsoft.com/office/drawing/2014/main" id="{6629B04B-5A3C-4A59-A3F4-3D124C4F0E36}"/>
+              </a:ext>
+            </a:extLst>
+          </p:cNvPr>
+          <p:cNvPicPr>
+            <a:picLocks noChangeAspect="1"/>
+          </p:cNvPicPr>
+          <p:nvPr/>
+        </p:nvPicPr>
+        <p:blipFill>
+          <a:blip r:embed="rId2"/>
+          <a:stretch>
+            <a:fillRect/>
+          </a:stretch>
+        </p:blipFill>
+        <p:spPr>
+          <a:xfrm>
+            <a:off x="1285875" y="2976664"/>
+            <a:ext cx="10067925" cy="2286000"/>
+          </a:xfrm>
+          <a:prstGeom prst="rect">
+            <a:avLst/>
+          </a:prstGeom>
+        </p:spPr>
+      </p:pic>
+    </p:spTree>
+    <p:extLst>
+      <p:ext uri="{BB962C8B-B14F-4D97-AF65-F5344CB8AC3E}">
+        <p14:creationId xmlns:p14="http://schemas.microsoft.com/office/powerpoint/2010/main" val="1379172860"/>
+      </p:ext>
+    </p:extLst>
+  </p:cSld>
+  <p:clrMapOvr>
+    <a:masterClrMapping/>
+  </p:clrMapOvr>
+</p:sld>
+</file>
+
+<file path=ppt/slides/slide18.xml><?xml version="1.0" encoding="utf-8"?>
+<p:sld xmlns:a="http://schemas.openxmlformats.org/drawingml/2006/main" xmlns:r="http://schemas.openxmlformats.org/officeDocument/2006/relationships" xmlns:p="http://schemas.openxmlformats.org/presentationml/2006/main">
+  <p:cSld>
+    <p:spTree>
+      <p:nvGrpSpPr>
+        <p:cNvPr id="1" name=""/>
+        <p:cNvGrpSpPr/>
+        <p:nvPr/>
+      </p:nvGrpSpPr>
+      <p:grpSpPr>
+        <a:xfrm>
+          <a:off x="0" y="0"/>
+          <a:ext cx="0" cy="0"/>
+          <a:chOff x="0" y="0"/>
+          <a:chExt cx="0" cy="0"/>
+        </a:xfrm>
+      </p:grpSpPr>
+      <p:sp>
+        <p:nvSpPr>
+          <p:cNvPr id="2" name="Title 1">
+            <a:extLst>
+              <a:ext uri="{FF2B5EF4-FFF2-40B4-BE49-F238E27FC236}">
+                <a16:creationId xmlns:a16="http://schemas.microsoft.com/office/drawing/2014/main" id="{5C790218-5ECE-40FB-93D7-7DACB2D2427C}"/>
+              </a:ext>
+            </a:extLst>
+          </p:cNvPr>
+          <p:cNvSpPr>
+            <a:spLocks noGrp="1"/>
+          </p:cNvSpPr>
+          <p:nvPr>
+            <p:ph type="title"/>
+          </p:nvPr>
+        </p:nvSpPr>
+        <p:spPr/>
+        <p:txBody>
+          <a:bodyPr/>
+          <a:lstStyle/>
+          <a:p>
+            <a:r>
+              <a:rPr lang="en-GB" b="1" dirty="0"/>
+              <a:t>HỌC – KIỂM THỬ VÀ KẾT QUẢ</a:t>
+            </a:r>
+          </a:p>
+        </p:txBody>
+      </p:sp>
+      <p:sp>
+        <p:nvSpPr>
+          <p:cNvPr id="3" name="Content Placeholder 2">
+            <a:extLst>
+              <a:ext uri="{FF2B5EF4-FFF2-40B4-BE49-F238E27FC236}">
+                <a16:creationId xmlns:a16="http://schemas.microsoft.com/office/drawing/2014/main" id="{99ADFB63-AEF0-4FE3-A95A-6E9809EB6963}"/>
+              </a:ext>
+            </a:extLst>
+          </p:cNvPr>
+          <p:cNvSpPr>
+            <a:spLocks noGrp="1"/>
+          </p:cNvSpPr>
+          <p:nvPr>
+            <p:ph idx="1"/>
+          </p:nvPr>
+        </p:nvSpPr>
+        <p:spPr/>
+        <p:txBody>
+          <a:bodyPr>
+            <a:normAutofit/>
+          </a:bodyPr>
+          <a:lstStyle/>
+          <a:p>
+            <a:r>
+              <a:rPr lang="en-GB" sz="3200" dirty="0">
+                <a:latin typeface="Tahoma" panose="020B0604030504040204" pitchFamily="34" charset="0"/>
+                <a:ea typeface="Tahoma" panose="020B0604030504040204" pitchFamily="34" charset="0"/>
+                <a:cs typeface="Tahoma" panose="020B0604030504040204" pitchFamily="34" charset="0"/>
+              </a:rPr>
               <a:t>KNN</a:t>
             </a:r>
+          </a:p>
+          <a:p>
+            <a:pPr marL="0" indent="0">
+              <a:buNone/>
+            </a:pPr>
+            <a:r>
+              <a:rPr lang="en-GB" sz="3200" dirty="0">
+                <a:latin typeface="Tahoma" panose="020B0604030504040204" pitchFamily="34" charset="0"/>
+                <a:ea typeface="Tahoma" panose="020B0604030504040204" pitchFamily="34" charset="0"/>
+                <a:cs typeface="Tahoma" panose="020B0604030504040204" pitchFamily="34" charset="0"/>
+              </a:rPr>
+              <a:t>KNN </a:t>
+            </a:r>
+            <a:r>
+              <a:rPr lang="en-GB" sz="3200" dirty="0" err="1">
+                <a:latin typeface="Tahoma" panose="020B0604030504040204" pitchFamily="34" charset="0"/>
+                <a:ea typeface="Tahoma" panose="020B0604030504040204" pitchFamily="34" charset="0"/>
+                <a:cs typeface="Tahoma" panose="020B0604030504040204" pitchFamily="34" charset="0"/>
+              </a:rPr>
+              <a:t>là</a:t>
+            </a:r>
+            <a:r>
+              <a:rPr lang="en-GB" sz="3200" dirty="0">
+                <a:latin typeface="Tahoma" panose="020B0604030504040204" pitchFamily="34" charset="0"/>
+                <a:ea typeface="Tahoma" panose="020B0604030504040204" pitchFamily="34" charset="0"/>
+                <a:cs typeface="Tahoma" panose="020B0604030504040204" pitchFamily="34" charset="0"/>
+              </a:rPr>
+              <a:t> </a:t>
+            </a:r>
+            <a:r>
+              <a:rPr lang="en-GB" sz="3200" dirty="0" err="1">
+                <a:latin typeface="Tahoma" panose="020B0604030504040204" pitchFamily="34" charset="0"/>
+                <a:ea typeface="Tahoma" panose="020B0604030504040204" pitchFamily="34" charset="0"/>
+                <a:cs typeface="Tahoma" panose="020B0604030504040204" pitchFamily="34" charset="0"/>
+              </a:rPr>
+              <a:t>thuật</a:t>
+            </a:r>
+            <a:r>
+              <a:rPr lang="en-GB" sz="3200" dirty="0">
+                <a:latin typeface="Tahoma" panose="020B0604030504040204" pitchFamily="34" charset="0"/>
+                <a:ea typeface="Tahoma" panose="020B0604030504040204" pitchFamily="34" charset="0"/>
+                <a:cs typeface="Tahoma" panose="020B0604030504040204" pitchFamily="34" charset="0"/>
+              </a:rPr>
+              <a:t> </a:t>
+            </a:r>
+            <a:r>
+              <a:rPr lang="en-GB" sz="3200" dirty="0" err="1">
+                <a:latin typeface="Tahoma" panose="020B0604030504040204" pitchFamily="34" charset="0"/>
+                <a:ea typeface="Tahoma" panose="020B0604030504040204" pitchFamily="34" charset="0"/>
+                <a:cs typeface="Tahoma" panose="020B0604030504040204" pitchFamily="34" charset="0"/>
+              </a:rPr>
+              <a:t>toán</a:t>
+            </a:r>
+            <a:r>
+              <a:rPr lang="en-GB" sz="3200" dirty="0">
+                <a:latin typeface="Tahoma" panose="020B0604030504040204" pitchFamily="34" charset="0"/>
+                <a:ea typeface="Tahoma" panose="020B0604030504040204" pitchFamily="34" charset="0"/>
+                <a:cs typeface="Tahoma" panose="020B0604030504040204" pitchFamily="34" charset="0"/>
+              </a:rPr>
+              <a:t> </a:t>
+            </a:r>
+            <a:r>
+              <a:rPr lang="en-GB" sz="3200" dirty="0" err="1">
+                <a:latin typeface="Tahoma" panose="020B0604030504040204" pitchFamily="34" charset="0"/>
+                <a:ea typeface="Tahoma" panose="020B0604030504040204" pitchFamily="34" charset="0"/>
+                <a:cs typeface="Tahoma" panose="020B0604030504040204" pitchFamily="34" charset="0"/>
+              </a:rPr>
+              <a:t>phân</a:t>
+            </a:r>
+            <a:r>
+              <a:rPr lang="en-GB" sz="3200" dirty="0">
+                <a:latin typeface="Tahoma" panose="020B0604030504040204" pitchFamily="34" charset="0"/>
+                <a:ea typeface="Tahoma" panose="020B0604030504040204" pitchFamily="34" charset="0"/>
+                <a:cs typeface="Tahoma" panose="020B0604030504040204" pitchFamily="34" charset="0"/>
+              </a:rPr>
+              <a:t> </a:t>
+            </a:r>
+            <a:r>
+              <a:rPr lang="en-GB" sz="3200" dirty="0" err="1">
+                <a:latin typeface="Tahoma" panose="020B0604030504040204" pitchFamily="34" charset="0"/>
+                <a:ea typeface="Tahoma" panose="020B0604030504040204" pitchFamily="34" charset="0"/>
+                <a:cs typeface="Tahoma" panose="020B0604030504040204" pitchFamily="34" charset="0"/>
+              </a:rPr>
+              <a:t>loại</a:t>
+            </a:r>
+            <a:r>
+              <a:rPr lang="en-GB" sz="3200" dirty="0">
+                <a:latin typeface="Tahoma" panose="020B0604030504040204" pitchFamily="34" charset="0"/>
+                <a:ea typeface="Tahoma" panose="020B0604030504040204" pitchFamily="34" charset="0"/>
+                <a:cs typeface="Tahoma" panose="020B0604030504040204" pitchFamily="34" charset="0"/>
+              </a:rPr>
+              <a:t> </a:t>
+            </a:r>
+            <a:r>
+              <a:rPr lang="en-GB" sz="3200" dirty="0" err="1">
+                <a:latin typeface="Tahoma" panose="020B0604030504040204" pitchFamily="34" charset="0"/>
+                <a:ea typeface="Tahoma" panose="020B0604030504040204" pitchFamily="34" charset="0"/>
+                <a:cs typeface="Tahoma" panose="020B0604030504040204" pitchFamily="34" charset="0"/>
+              </a:rPr>
+              <a:t>đơn</a:t>
+            </a:r>
+            <a:r>
+              <a:rPr lang="en-GB" sz="3200" dirty="0">
+                <a:latin typeface="Tahoma" panose="020B0604030504040204" pitchFamily="34" charset="0"/>
+                <a:ea typeface="Tahoma" panose="020B0604030504040204" pitchFamily="34" charset="0"/>
+                <a:cs typeface="Tahoma" panose="020B0604030504040204" pitchFamily="34" charset="0"/>
+              </a:rPr>
+              <a:t> </a:t>
+            </a:r>
+            <a:r>
+              <a:rPr lang="en-GB" sz="3200" dirty="0" err="1">
+                <a:latin typeface="Tahoma" panose="020B0604030504040204" pitchFamily="34" charset="0"/>
+                <a:ea typeface="Tahoma" panose="020B0604030504040204" pitchFamily="34" charset="0"/>
+                <a:cs typeface="Tahoma" panose="020B0604030504040204" pitchFamily="34" charset="0"/>
+              </a:rPr>
+              <a:t>giản</a:t>
+            </a:r>
+            <a:r>
+              <a:rPr lang="en-GB" sz="3200" dirty="0">
+                <a:latin typeface="Tahoma" panose="020B0604030504040204" pitchFamily="34" charset="0"/>
+                <a:ea typeface="Tahoma" panose="020B0604030504040204" pitchFamily="34" charset="0"/>
+                <a:cs typeface="Tahoma" panose="020B0604030504040204" pitchFamily="34" charset="0"/>
+              </a:rPr>
+              <a:t> </a:t>
+            </a:r>
+            <a:r>
+              <a:rPr lang="en-GB" sz="3200" dirty="0" err="1">
+                <a:latin typeface="Tahoma" panose="020B0604030504040204" pitchFamily="34" charset="0"/>
+                <a:ea typeface="Tahoma" panose="020B0604030504040204" pitchFamily="34" charset="0"/>
+                <a:cs typeface="Tahoma" panose="020B0604030504040204" pitchFamily="34" charset="0"/>
+              </a:rPr>
+              <a:t>nhất</a:t>
+            </a:r>
+            <a:r>
+              <a:rPr lang="en-GB" sz="3200" dirty="0">
+                <a:latin typeface="Tahoma" panose="020B0604030504040204" pitchFamily="34" charset="0"/>
+                <a:ea typeface="Tahoma" panose="020B0604030504040204" pitchFamily="34" charset="0"/>
+                <a:cs typeface="Tahoma" panose="020B0604030504040204" pitchFamily="34" charset="0"/>
+              </a:rPr>
+              <a:t>. </a:t>
+            </a:r>
+            <a:r>
+              <a:rPr lang="en-GB" sz="3200" dirty="0" err="1">
+                <a:latin typeface="Tahoma" panose="020B0604030504040204" pitchFamily="34" charset="0"/>
+                <a:ea typeface="Tahoma" panose="020B0604030504040204" pitchFamily="34" charset="0"/>
+                <a:cs typeface="Tahoma" panose="020B0604030504040204" pitchFamily="34" charset="0"/>
+              </a:rPr>
+              <a:t>Thuật</a:t>
+            </a:r>
+            <a:r>
+              <a:rPr lang="en-GB" sz="3200" dirty="0">
+                <a:latin typeface="Tahoma" panose="020B0604030504040204" pitchFamily="34" charset="0"/>
+                <a:ea typeface="Tahoma" panose="020B0604030504040204" pitchFamily="34" charset="0"/>
+                <a:cs typeface="Tahoma" panose="020B0604030504040204" pitchFamily="34" charset="0"/>
+              </a:rPr>
+              <a:t> </a:t>
+            </a:r>
+            <a:r>
+              <a:rPr lang="en-GB" sz="3200" dirty="0" err="1">
+                <a:latin typeface="Tahoma" panose="020B0604030504040204" pitchFamily="34" charset="0"/>
+                <a:ea typeface="Tahoma" panose="020B0604030504040204" pitchFamily="34" charset="0"/>
+                <a:cs typeface="Tahoma" panose="020B0604030504040204" pitchFamily="34" charset="0"/>
+              </a:rPr>
+              <a:t>toán</a:t>
+            </a:r>
+            <a:r>
+              <a:rPr lang="en-GB" sz="3200" dirty="0">
+                <a:latin typeface="Tahoma" panose="020B0604030504040204" pitchFamily="34" charset="0"/>
+                <a:ea typeface="Tahoma" panose="020B0604030504040204" pitchFamily="34" charset="0"/>
+                <a:cs typeface="Tahoma" panose="020B0604030504040204" pitchFamily="34" charset="0"/>
+              </a:rPr>
+              <a:t> </a:t>
+            </a:r>
+            <a:r>
+              <a:rPr lang="en-GB" sz="3200" dirty="0" err="1">
+                <a:latin typeface="Tahoma" panose="020B0604030504040204" pitchFamily="34" charset="0"/>
+                <a:ea typeface="Tahoma" panose="020B0604030504040204" pitchFamily="34" charset="0"/>
+                <a:cs typeface="Tahoma" panose="020B0604030504040204" pitchFamily="34" charset="0"/>
+              </a:rPr>
+              <a:t>phân</a:t>
+            </a:r>
+            <a:r>
+              <a:rPr lang="en-GB" sz="3200" dirty="0">
+                <a:latin typeface="Tahoma" panose="020B0604030504040204" pitchFamily="34" charset="0"/>
+                <a:ea typeface="Tahoma" panose="020B0604030504040204" pitchFamily="34" charset="0"/>
+                <a:cs typeface="Tahoma" panose="020B0604030504040204" pitchFamily="34" charset="0"/>
+              </a:rPr>
+              <a:t> </a:t>
+            </a:r>
+            <a:r>
+              <a:rPr lang="en-GB" sz="3200" dirty="0" err="1">
+                <a:latin typeface="Tahoma" panose="020B0604030504040204" pitchFamily="34" charset="0"/>
+                <a:ea typeface="Tahoma" panose="020B0604030504040204" pitchFamily="34" charset="0"/>
+                <a:cs typeface="Tahoma" panose="020B0604030504040204" pitchFamily="34" charset="0"/>
+              </a:rPr>
+              <a:t>loại</a:t>
+            </a:r>
+            <a:r>
+              <a:rPr lang="en-GB" sz="3200" dirty="0">
+                <a:latin typeface="Tahoma" panose="020B0604030504040204" pitchFamily="34" charset="0"/>
+                <a:ea typeface="Tahoma" panose="020B0604030504040204" pitchFamily="34" charset="0"/>
+                <a:cs typeface="Tahoma" panose="020B0604030504040204" pitchFamily="34" charset="0"/>
+              </a:rPr>
+              <a:t> </a:t>
+            </a:r>
+            <a:r>
+              <a:rPr lang="en-GB" sz="3200" dirty="0" err="1">
+                <a:latin typeface="Tahoma" panose="020B0604030504040204" pitchFamily="34" charset="0"/>
+                <a:ea typeface="Tahoma" panose="020B0604030504040204" pitchFamily="34" charset="0"/>
+                <a:cs typeface="Tahoma" panose="020B0604030504040204" pitchFamily="34" charset="0"/>
+              </a:rPr>
+              <a:t>này</a:t>
+            </a:r>
+            <a:r>
+              <a:rPr lang="en-GB" sz="3200" dirty="0">
+                <a:latin typeface="Tahoma" panose="020B0604030504040204" pitchFamily="34" charset="0"/>
+                <a:ea typeface="Tahoma" panose="020B0604030504040204" pitchFamily="34" charset="0"/>
+                <a:cs typeface="Tahoma" panose="020B0604030504040204" pitchFamily="34" charset="0"/>
+              </a:rPr>
+              <a:t> </a:t>
+            </a:r>
+            <a:r>
+              <a:rPr lang="en-GB" sz="3200" dirty="0" err="1">
+                <a:latin typeface="Tahoma" panose="020B0604030504040204" pitchFamily="34" charset="0"/>
+                <a:ea typeface="Tahoma" panose="020B0604030504040204" pitchFamily="34" charset="0"/>
+                <a:cs typeface="Tahoma" panose="020B0604030504040204" pitchFamily="34" charset="0"/>
+              </a:rPr>
+              <a:t>không</a:t>
+            </a:r>
+            <a:r>
+              <a:rPr lang="en-GB" sz="3200" dirty="0">
+                <a:latin typeface="Tahoma" panose="020B0604030504040204" pitchFamily="34" charset="0"/>
+                <a:ea typeface="Tahoma" panose="020B0604030504040204" pitchFamily="34" charset="0"/>
+                <a:cs typeface="Tahoma" panose="020B0604030504040204" pitchFamily="34" charset="0"/>
+              </a:rPr>
+              <a:t> </a:t>
+            </a:r>
+            <a:r>
+              <a:rPr lang="en-GB" sz="3200" dirty="0" err="1">
+                <a:latin typeface="Tahoma" panose="020B0604030504040204" pitchFamily="34" charset="0"/>
+                <a:ea typeface="Tahoma" panose="020B0604030504040204" pitchFamily="34" charset="0"/>
+                <a:cs typeface="Tahoma" panose="020B0604030504040204" pitchFamily="34" charset="0"/>
+              </a:rPr>
+              <a:t>phụ</a:t>
+            </a:r>
+            <a:r>
+              <a:rPr lang="en-GB" sz="3200" dirty="0">
+                <a:latin typeface="Tahoma" panose="020B0604030504040204" pitchFamily="34" charset="0"/>
+                <a:ea typeface="Tahoma" panose="020B0604030504040204" pitchFamily="34" charset="0"/>
+                <a:cs typeface="Tahoma" panose="020B0604030504040204" pitchFamily="34" charset="0"/>
+              </a:rPr>
+              <a:t> </a:t>
+            </a:r>
+            <a:r>
+              <a:rPr lang="en-GB" sz="3200" dirty="0" err="1">
+                <a:latin typeface="Tahoma" panose="020B0604030504040204" pitchFamily="34" charset="0"/>
+                <a:ea typeface="Tahoma" panose="020B0604030504040204" pitchFamily="34" charset="0"/>
+                <a:cs typeface="Tahoma" panose="020B0604030504040204" pitchFamily="34" charset="0"/>
+              </a:rPr>
+              <a:t>thuộc</a:t>
+            </a:r>
+            <a:r>
+              <a:rPr lang="en-GB" sz="3200" dirty="0">
+                <a:latin typeface="Tahoma" panose="020B0604030504040204" pitchFamily="34" charset="0"/>
+                <a:ea typeface="Tahoma" panose="020B0604030504040204" pitchFamily="34" charset="0"/>
+                <a:cs typeface="Tahoma" panose="020B0604030504040204" pitchFamily="34" charset="0"/>
+              </a:rPr>
+              <a:t> </a:t>
+            </a:r>
+            <a:r>
+              <a:rPr lang="en-GB" sz="3200" dirty="0" err="1">
+                <a:latin typeface="Tahoma" panose="020B0604030504040204" pitchFamily="34" charset="0"/>
+                <a:ea typeface="Tahoma" panose="020B0604030504040204" pitchFamily="34" charset="0"/>
+                <a:cs typeface="Tahoma" panose="020B0604030504040204" pitchFamily="34" charset="0"/>
+              </a:rPr>
+              <a:t>vào</a:t>
+            </a:r>
+            <a:r>
+              <a:rPr lang="en-GB" sz="3200" dirty="0">
+                <a:latin typeface="Tahoma" panose="020B0604030504040204" pitchFamily="34" charset="0"/>
+                <a:ea typeface="Tahoma" panose="020B0604030504040204" pitchFamily="34" charset="0"/>
+                <a:cs typeface="Tahoma" panose="020B0604030504040204" pitchFamily="34" charset="0"/>
+              </a:rPr>
+              <a:t> </a:t>
+            </a:r>
+            <a:r>
+              <a:rPr lang="en-GB" sz="3200" dirty="0" err="1">
+                <a:latin typeface="Tahoma" panose="020B0604030504040204" pitchFamily="34" charset="0"/>
+                <a:ea typeface="Tahoma" panose="020B0604030504040204" pitchFamily="34" charset="0"/>
+                <a:cs typeface="Tahoma" panose="020B0604030504040204" pitchFamily="34" charset="0"/>
+              </a:rPr>
+              <a:t>cấu</a:t>
+            </a:r>
+            <a:r>
+              <a:rPr lang="en-GB" sz="3200" dirty="0">
+                <a:latin typeface="Tahoma" panose="020B0604030504040204" pitchFamily="34" charset="0"/>
+                <a:ea typeface="Tahoma" panose="020B0604030504040204" pitchFamily="34" charset="0"/>
+                <a:cs typeface="Tahoma" panose="020B0604030504040204" pitchFamily="34" charset="0"/>
+              </a:rPr>
+              <a:t> </a:t>
+            </a:r>
+            <a:r>
+              <a:rPr lang="en-GB" sz="3200" dirty="0" err="1">
+                <a:latin typeface="Tahoma" panose="020B0604030504040204" pitchFamily="34" charset="0"/>
+                <a:ea typeface="Tahoma" panose="020B0604030504040204" pitchFamily="34" charset="0"/>
+                <a:cs typeface="Tahoma" panose="020B0604030504040204" pitchFamily="34" charset="0"/>
+              </a:rPr>
+              <a:t>trúc</a:t>
+            </a:r>
+            <a:r>
+              <a:rPr lang="en-GB" sz="3200" dirty="0">
+                <a:latin typeface="Tahoma" panose="020B0604030504040204" pitchFamily="34" charset="0"/>
+                <a:ea typeface="Tahoma" panose="020B0604030504040204" pitchFamily="34" charset="0"/>
+                <a:cs typeface="Tahoma" panose="020B0604030504040204" pitchFamily="34" charset="0"/>
+              </a:rPr>
+              <a:t> </a:t>
+            </a:r>
+            <a:r>
+              <a:rPr lang="en-GB" sz="3200" dirty="0" err="1">
+                <a:latin typeface="Tahoma" panose="020B0604030504040204" pitchFamily="34" charset="0"/>
+                <a:ea typeface="Tahoma" panose="020B0604030504040204" pitchFamily="34" charset="0"/>
+                <a:cs typeface="Tahoma" panose="020B0604030504040204" pitchFamily="34" charset="0"/>
+              </a:rPr>
+              <a:t>của</a:t>
+            </a:r>
+            <a:r>
+              <a:rPr lang="en-GB" sz="3200" dirty="0">
+                <a:latin typeface="Tahoma" panose="020B0604030504040204" pitchFamily="34" charset="0"/>
+                <a:ea typeface="Tahoma" panose="020B0604030504040204" pitchFamily="34" charset="0"/>
+                <a:cs typeface="Tahoma" panose="020B0604030504040204" pitchFamily="34" charset="0"/>
+              </a:rPr>
+              <a:t> </a:t>
+            </a:r>
+            <a:r>
+              <a:rPr lang="en-GB" sz="3200" dirty="0" err="1">
+                <a:latin typeface="Tahoma" panose="020B0604030504040204" pitchFamily="34" charset="0"/>
+                <a:ea typeface="Tahoma" panose="020B0604030504040204" pitchFamily="34" charset="0"/>
+                <a:cs typeface="Tahoma" panose="020B0604030504040204" pitchFamily="34" charset="0"/>
+              </a:rPr>
+              <a:t>dữ</a:t>
+            </a:r>
+            <a:r>
+              <a:rPr lang="en-GB" sz="3200" dirty="0">
+                <a:latin typeface="Tahoma" panose="020B0604030504040204" pitchFamily="34" charset="0"/>
+                <a:ea typeface="Tahoma" panose="020B0604030504040204" pitchFamily="34" charset="0"/>
+                <a:cs typeface="Tahoma" panose="020B0604030504040204" pitchFamily="34" charset="0"/>
+              </a:rPr>
+              <a:t> </a:t>
+            </a:r>
+            <a:r>
+              <a:rPr lang="en-GB" sz="3200" dirty="0" err="1">
+                <a:latin typeface="Tahoma" panose="020B0604030504040204" pitchFamily="34" charset="0"/>
+                <a:ea typeface="Tahoma" panose="020B0604030504040204" pitchFamily="34" charset="0"/>
+                <a:cs typeface="Tahoma" panose="020B0604030504040204" pitchFamily="34" charset="0"/>
+              </a:rPr>
+              <a:t>liệu</a:t>
+            </a:r>
+            <a:r>
+              <a:rPr lang="en-GB" sz="3200" dirty="0">
+                <a:latin typeface="Tahoma" panose="020B0604030504040204" pitchFamily="34" charset="0"/>
+                <a:ea typeface="Tahoma" panose="020B0604030504040204" pitchFamily="34" charset="0"/>
+                <a:cs typeface="Tahoma" panose="020B0604030504040204" pitchFamily="34" charset="0"/>
+              </a:rPr>
+              <a:t>. </a:t>
+            </a:r>
+            <a:r>
+              <a:rPr lang="en-GB" sz="3200" dirty="0" err="1">
+                <a:latin typeface="Tahoma" panose="020B0604030504040204" pitchFamily="34" charset="0"/>
+                <a:ea typeface="Tahoma" panose="020B0604030504040204" pitchFamily="34" charset="0"/>
+                <a:cs typeface="Tahoma" panose="020B0604030504040204" pitchFamily="34" charset="0"/>
+              </a:rPr>
+              <a:t>Khi</a:t>
+            </a:r>
+            <a:r>
+              <a:rPr lang="en-GB" sz="3200" dirty="0">
+                <a:latin typeface="Tahoma" panose="020B0604030504040204" pitchFamily="34" charset="0"/>
+                <a:ea typeface="Tahoma" panose="020B0604030504040204" pitchFamily="34" charset="0"/>
+                <a:cs typeface="Tahoma" panose="020B0604030504040204" pitchFamily="34" charset="0"/>
+              </a:rPr>
+              <a:t> </a:t>
+            </a:r>
+            <a:r>
+              <a:rPr lang="en-GB" sz="3200" dirty="0" err="1">
+                <a:latin typeface="Tahoma" panose="020B0604030504040204" pitchFamily="34" charset="0"/>
+                <a:ea typeface="Tahoma" panose="020B0604030504040204" pitchFamily="34" charset="0"/>
+                <a:cs typeface="Tahoma" panose="020B0604030504040204" pitchFamily="34" charset="0"/>
+              </a:rPr>
+              <a:t>đưa</a:t>
+            </a:r>
+            <a:r>
+              <a:rPr lang="en-GB" sz="3200" dirty="0">
+                <a:latin typeface="Tahoma" panose="020B0604030504040204" pitchFamily="34" charset="0"/>
+                <a:ea typeface="Tahoma" panose="020B0604030504040204" pitchFamily="34" charset="0"/>
+                <a:cs typeface="Tahoma" panose="020B0604030504040204" pitchFamily="34" charset="0"/>
+              </a:rPr>
+              <a:t> </a:t>
+            </a:r>
+            <a:r>
+              <a:rPr lang="en-GB" sz="3200" dirty="0" err="1">
+                <a:latin typeface="Tahoma" panose="020B0604030504040204" pitchFamily="34" charset="0"/>
+                <a:ea typeface="Tahoma" panose="020B0604030504040204" pitchFamily="34" charset="0"/>
+                <a:cs typeface="Tahoma" panose="020B0604030504040204" pitchFamily="34" charset="0"/>
+              </a:rPr>
+              <a:t>một</a:t>
+            </a:r>
+            <a:r>
+              <a:rPr lang="en-GB" sz="3200" dirty="0">
+                <a:latin typeface="Tahoma" panose="020B0604030504040204" pitchFamily="34" charset="0"/>
+                <a:ea typeface="Tahoma" panose="020B0604030504040204" pitchFamily="34" charset="0"/>
+                <a:cs typeface="Tahoma" panose="020B0604030504040204" pitchFamily="34" charset="0"/>
+              </a:rPr>
+              <a:t> </a:t>
+            </a:r>
+            <a:r>
+              <a:rPr lang="en-GB" sz="3200" dirty="0" err="1">
+                <a:latin typeface="Tahoma" panose="020B0604030504040204" pitchFamily="34" charset="0"/>
+                <a:ea typeface="Tahoma" panose="020B0604030504040204" pitchFamily="34" charset="0"/>
+                <a:cs typeface="Tahoma" panose="020B0604030504040204" pitchFamily="34" charset="0"/>
+              </a:rPr>
+              <a:t>dữ</a:t>
+            </a:r>
+            <a:r>
+              <a:rPr lang="en-GB" sz="3200" dirty="0">
+                <a:latin typeface="Tahoma" panose="020B0604030504040204" pitchFamily="34" charset="0"/>
+                <a:ea typeface="Tahoma" panose="020B0604030504040204" pitchFamily="34" charset="0"/>
+                <a:cs typeface="Tahoma" panose="020B0604030504040204" pitchFamily="34" charset="0"/>
+              </a:rPr>
+              <a:t> </a:t>
+            </a:r>
+            <a:r>
+              <a:rPr lang="en-GB" sz="3200" dirty="0" err="1">
+                <a:latin typeface="Tahoma" panose="020B0604030504040204" pitchFamily="34" charset="0"/>
+                <a:ea typeface="Tahoma" panose="020B0604030504040204" pitchFamily="34" charset="0"/>
+                <a:cs typeface="Tahoma" panose="020B0604030504040204" pitchFamily="34" charset="0"/>
+              </a:rPr>
+              <a:t>liệu</a:t>
+            </a:r>
+            <a:r>
+              <a:rPr lang="en-GB" sz="3200" dirty="0">
+                <a:latin typeface="Tahoma" panose="020B0604030504040204" pitchFamily="34" charset="0"/>
+                <a:ea typeface="Tahoma" panose="020B0604030504040204" pitchFamily="34" charset="0"/>
+                <a:cs typeface="Tahoma" panose="020B0604030504040204" pitchFamily="34" charset="0"/>
+              </a:rPr>
+              <a:t> </a:t>
+            </a:r>
+            <a:r>
+              <a:rPr lang="en-GB" sz="3200" dirty="0" err="1">
+                <a:latin typeface="Tahoma" panose="020B0604030504040204" pitchFamily="34" charset="0"/>
+                <a:ea typeface="Tahoma" panose="020B0604030504040204" pitchFamily="34" charset="0"/>
+                <a:cs typeface="Tahoma" panose="020B0604030504040204" pitchFamily="34" charset="0"/>
+              </a:rPr>
+              <a:t>mới</a:t>
+            </a:r>
+            <a:r>
+              <a:rPr lang="en-GB" sz="3200" dirty="0">
+                <a:latin typeface="Tahoma" panose="020B0604030504040204" pitchFamily="34" charset="0"/>
+                <a:ea typeface="Tahoma" panose="020B0604030504040204" pitchFamily="34" charset="0"/>
+                <a:cs typeface="Tahoma" panose="020B0604030504040204" pitchFamily="34" charset="0"/>
+              </a:rPr>
+              <a:t> </a:t>
+            </a:r>
+            <a:r>
+              <a:rPr lang="en-GB" sz="3200" dirty="0" err="1">
+                <a:latin typeface="Tahoma" panose="020B0604030504040204" pitchFamily="34" charset="0"/>
+                <a:ea typeface="Tahoma" panose="020B0604030504040204" pitchFamily="34" charset="0"/>
+                <a:cs typeface="Tahoma" panose="020B0604030504040204" pitchFamily="34" charset="0"/>
+              </a:rPr>
+              <a:t>vào</a:t>
+            </a:r>
+            <a:r>
+              <a:rPr lang="en-GB" sz="3200" dirty="0">
+                <a:latin typeface="Tahoma" panose="020B0604030504040204" pitchFamily="34" charset="0"/>
+                <a:ea typeface="Tahoma" panose="020B0604030504040204" pitchFamily="34" charset="0"/>
+                <a:cs typeface="Tahoma" panose="020B0604030504040204" pitchFamily="34" charset="0"/>
+              </a:rPr>
+              <a:t>, k </a:t>
+            </a:r>
+            <a:r>
+              <a:rPr lang="en-GB" sz="3200" dirty="0" err="1">
+                <a:latin typeface="Tahoma" panose="020B0604030504040204" pitchFamily="34" charset="0"/>
+                <a:ea typeface="Tahoma" panose="020B0604030504040204" pitchFamily="34" charset="0"/>
+                <a:cs typeface="Tahoma" panose="020B0604030504040204" pitchFamily="34" charset="0"/>
+              </a:rPr>
+              <a:t>hàng</a:t>
+            </a:r>
+            <a:r>
+              <a:rPr lang="en-GB" sz="3200" dirty="0">
+                <a:latin typeface="Tahoma" panose="020B0604030504040204" pitchFamily="34" charset="0"/>
+                <a:ea typeface="Tahoma" panose="020B0604030504040204" pitchFamily="34" charset="0"/>
+                <a:cs typeface="Tahoma" panose="020B0604030504040204" pitchFamily="34" charset="0"/>
+              </a:rPr>
+              <a:t> </a:t>
+            </a:r>
+            <a:r>
+              <a:rPr lang="en-GB" sz="3200" dirty="0" err="1">
+                <a:latin typeface="Tahoma" panose="020B0604030504040204" pitchFamily="34" charset="0"/>
+                <a:ea typeface="Tahoma" panose="020B0604030504040204" pitchFamily="34" charset="0"/>
+                <a:cs typeface="Tahoma" panose="020B0604030504040204" pitchFamily="34" charset="0"/>
+              </a:rPr>
+              <a:t>xóm</a:t>
+            </a:r>
+            <a:r>
+              <a:rPr lang="en-GB" sz="3200" dirty="0">
+                <a:latin typeface="Tahoma" panose="020B0604030504040204" pitchFamily="34" charset="0"/>
+                <a:ea typeface="Tahoma" panose="020B0604030504040204" pitchFamily="34" charset="0"/>
+                <a:cs typeface="Tahoma" panose="020B0604030504040204" pitchFamily="34" charset="0"/>
+              </a:rPr>
+              <a:t> </a:t>
+            </a:r>
+            <a:r>
+              <a:rPr lang="en-GB" sz="3200" dirty="0" err="1">
+                <a:latin typeface="Tahoma" panose="020B0604030504040204" pitchFamily="34" charset="0"/>
+                <a:ea typeface="Tahoma" panose="020B0604030504040204" pitchFamily="34" charset="0"/>
+                <a:cs typeface="Tahoma" panose="020B0604030504040204" pitchFamily="34" charset="0"/>
+              </a:rPr>
+              <a:t>gần</a:t>
+            </a:r>
+            <a:r>
+              <a:rPr lang="en-GB" sz="3200" dirty="0">
+                <a:latin typeface="Tahoma" panose="020B0604030504040204" pitchFamily="34" charset="0"/>
+                <a:ea typeface="Tahoma" panose="020B0604030504040204" pitchFamily="34" charset="0"/>
+                <a:cs typeface="Tahoma" panose="020B0604030504040204" pitchFamily="34" charset="0"/>
+              </a:rPr>
+              <a:t> </a:t>
+            </a:r>
+            <a:r>
+              <a:rPr lang="en-GB" sz="3200" dirty="0" err="1">
+                <a:latin typeface="Tahoma" panose="020B0604030504040204" pitchFamily="34" charset="0"/>
+                <a:ea typeface="Tahoma" panose="020B0604030504040204" pitchFamily="34" charset="0"/>
+                <a:cs typeface="Tahoma" panose="020B0604030504040204" pitchFamily="34" charset="0"/>
+              </a:rPr>
+              <a:t>nhất</a:t>
+            </a:r>
+            <a:r>
+              <a:rPr lang="en-GB" sz="3200" dirty="0">
+                <a:latin typeface="Tahoma" panose="020B0604030504040204" pitchFamily="34" charset="0"/>
+                <a:ea typeface="Tahoma" panose="020B0604030504040204" pitchFamily="34" charset="0"/>
+                <a:cs typeface="Tahoma" panose="020B0604030504040204" pitchFamily="34" charset="0"/>
+              </a:rPr>
+              <a:t> </a:t>
+            </a:r>
+            <a:r>
+              <a:rPr lang="en-GB" sz="3200" dirty="0" err="1">
+                <a:latin typeface="Tahoma" panose="020B0604030504040204" pitchFamily="34" charset="0"/>
+                <a:ea typeface="Tahoma" panose="020B0604030504040204" pitchFamily="34" charset="0"/>
+                <a:cs typeface="Tahoma" panose="020B0604030504040204" pitchFamily="34" charset="0"/>
+              </a:rPr>
+              <a:t>của</a:t>
+            </a:r>
+            <a:r>
+              <a:rPr lang="en-GB" sz="3200" dirty="0">
+                <a:latin typeface="Tahoma" panose="020B0604030504040204" pitchFamily="34" charset="0"/>
+                <a:ea typeface="Tahoma" panose="020B0604030504040204" pitchFamily="34" charset="0"/>
+                <a:cs typeface="Tahoma" panose="020B0604030504040204" pitchFamily="34" charset="0"/>
+              </a:rPr>
+              <a:t> </a:t>
+            </a:r>
+            <a:r>
+              <a:rPr lang="en-GB" sz="3200" dirty="0" err="1">
+                <a:latin typeface="Tahoma" panose="020B0604030504040204" pitchFamily="34" charset="0"/>
+                <a:ea typeface="Tahoma" panose="020B0604030504040204" pitchFamily="34" charset="0"/>
+                <a:cs typeface="Tahoma" panose="020B0604030504040204" pitchFamily="34" charset="0"/>
+              </a:rPr>
+              <a:t>nó</a:t>
+            </a:r>
+            <a:r>
+              <a:rPr lang="en-GB" sz="3200" dirty="0">
+                <a:latin typeface="Tahoma" panose="020B0604030504040204" pitchFamily="34" charset="0"/>
+                <a:ea typeface="Tahoma" panose="020B0604030504040204" pitchFamily="34" charset="0"/>
+                <a:cs typeface="Tahoma" panose="020B0604030504040204" pitchFamily="34" charset="0"/>
+              </a:rPr>
+              <a:t> (k nearest </a:t>
+            </a:r>
+            <a:r>
+              <a:rPr lang="en-GB" sz="3200" dirty="0" err="1">
+                <a:latin typeface="Tahoma" panose="020B0604030504040204" pitchFamily="34" charset="0"/>
+                <a:ea typeface="Tahoma" panose="020B0604030504040204" pitchFamily="34" charset="0"/>
+                <a:cs typeface="Tahoma" panose="020B0604030504040204" pitchFamily="34" charset="0"/>
+              </a:rPr>
+              <a:t>neighbors</a:t>
+            </a:r>
+            <a:r>
+              <a:rPr lang="en-GB" sz="3200" dirty="0">
+                <a:latin typeface="Tahoma" panose="020B0604030504040204" pitchFamily="34" charset="0"/>
+                <a:ea typeface="Tahoma" panose="020B0604030504040204" pitchFamily="34" charset="0"/>
+                <a:cs typeface="Tahoma" panose="020B0604030504040204" pitchFamily="34" charset="0"/>
+              </a:rPr>
+              <a:t>) </a:t>
+            </a:r>
+            <a:r>
+              <a:rPr lang="en-GB" sz="3200" dirty="0" err="1">
+                <a:latin typeface="Tahoma" panose="020B0604030504040204" pitchFamily="34" charset="0"/>
+                <a:ea typeface="Tahoma" panose="020B0604030504040204" pitchFamily="34" charset="0"/>
+                <a:cs typeface="Tahoma" panose="020B0604030504040204" pitchFamily="34" charset="0"/>
+              </a:rPr>
+              <a:t>từ</a:t>
+            </a:r>
+            <a:r>
+              <a:rPr lang="en-GB" sz="3200" dirty="0">
+                <a:latin typeface="Tahoma" panose="020B0604030504040204" pitchFamily="34" charset="0"/>
+                <a:ea typeface="Tahoma" panose="020B0604030504040204" pitchFamily="34" charset="0"/>
+                <a:cs typeface="Tahoma" panose="020B0604030504040204" pitchFamily="34" charset="0"/>
+              </a:rPr>
+              <a:t> </a:t>
+            </a:r>
+            <a:r>
+              <a:rPr lang="en-GB" sz="3200" dirty="0" err="1">
+                <a:latin typeface="Tahoma" panose="020B0604030504040204" pitchFamily="34" charset="0"/>
+                <a:ea typeface="Tahoma" panose="020B0604030504040204" pitchFamily="34" charset="0"/>
+                <a:cs typeface="Tahoma" panose="020B0604030504040204" pitchFamily="34" charset="0"/>
+              </a:rPr>
+              <a:t>dữ</a:t>
+            </a:r>
+            <a:r>
+              <a:rPr lang="en-GB" sz="3200" dirty="0">
+                <a:latin typeface="Tahoma" panose="020B0604030504040204" pitchFamily="34" charset="0"/>
+                <a:ea typeface="Tahoma" panose="020B0604030504040204" pitchFamily="34" charset="0"/>
+                <a:cs typeface="Tahoma" panose="020B0604030504040204" pitchFamily="34" charset="0"/>
+              </a:rPr>
+              <a:t> </a:t>
+            </a:r>
+            <a:r>
+              <a:rPr lang="en-GB" sz="3200" dirty="0" err="1">
+                <a:latin typeface="Tahoma" panose="020B0604030504040204" pitchFamily="34" charset="0"/>
+                <a:ea typeface="Tahoma" panose="020B0604030504040204" pitchFamily="34" charset="0"/>
+                <a:cs typeface="Tahoma" panose="020B0604030504040204" pitchFamily="34" charset="0"/>
+              </a:rPr>
+              <a:t>liệu</a:t>
+            </a:r>
+            <a:r>
+              <a:rPr lang="en-GB" sz="3200" dirty="0">
+                <a:latin typeface="Tahoma" panose="020B0604030504040204" pitchFamily="34" charset="0"/>
+                <a:ea typeface="Tahoma" panose="020B0604030504040204" pitchFamily="34" charset="0"/>
+                <a:cs typeface="Tahoma" panose="020B0604030504040204" pitchFamily="34" charset="0"/>
+              </a:rPr>
+              <a:t> </a:t>
+            </a:r>
+            <a:r>
+              <a:rPr lang="en-GB" sz="3200" dirty="0" err="1">
+                <a:latin typeface="Tahoma" panose="020B0604030504040204" pitchFamily="34" charset="0"/>
+                <a:ea typeface="Tahoma" panose="020B0604030504040204" pitchFamily="34" charset="0"/>
+                <a:cs typeface="Tahoma" panose="020B0604030504040204" pitchFamily="34" charset="0"/>
+              </a:rPr>
+              <a:t>đào</a:t>
+            </a:r>
+            <a:r>
+              <a:rPr lang="en-GB" sz="3200" dirty="0">
+                <a:latin typeface="Tahoma" panose="020B0604030504040204" pitchFamily="34" charset="0"/>
+                <a:ea typeface="Tahoma" panose="020B0604030504040204" pitchFamily="34" charset="0"/>
+                <a:cs typeface="Tahoma" panose="020B0604030504040204" pitchFamily="34" charset="0"/>
+              </a:rPr>
+              <a:t> </a:t>
+            </a:r>
+            <a:r>
+              <a:rPr lang="en-GB" sz="3200" dirty="0" err="1">
+                <a:latin typeface="Tahoma" panose="020B0604030504040204" pitchFamily="34" charset="0"/>
+                <a:ea typeface="Tahoma" panose="020B0604030504040204" pitchFamily="34" charset="0"/>
+                <a:cs typeface="Tahoma" panose="020B0604030504040204" pitchFamily="34" charset="0"/>
+              </a:rPr>
+              <a:t>tạo</a:t>
+            </a:r>
+            <a:r>
+              <a:rPr lang="en-GB" sz="3200" dirty="0">
+                <a:latin typeface="Tahoma" panose="020B0604030504040204" pitchFamily="34" charset="0"/>
+                <a:ea typeface="Tahoma" panose="020B0604030504040204" pitchFamily="34" charset="0"/>
+                <a:cs typeface="Tahoma" panose="020B0604030504040204" pitchFamily="34" charset="0"/>
+              </a:rPr>
+              <a:t> </a:t>
+            </a:r>
+            <a:r>
+              <a:rPr lang="en-GB" sz="3200" dirty="0" err="1">
+                <a:latin typeface="Tahoma" panose="020B0604030504040204" pitchFamily="34" charset="0"/>
+                <a:ea typeface="Tahoma" panose="020B0604030504040204" pitchFamily="34" charset="0"/>
+                <a:cs typeface="Tahoma" panose="020B0604030504040204" pitchFamily="34" charset="0"/>
+              </a:rPr>
+              <a:t>được</a:t>
+            </a:r>
+            <a:r>
+              <a:rPr lang="en-GB" sz="3200" dirty="0">
+                <a:latin typeface="Tahoma" panose="020B0604030504040204" pitchFamily="34" charset="0"/>
+                <a:ea typeface="Tahoma" panose="020B0604030504040204" pitchFamily="34" charset="0"/>
+                <a:cs typeface="Tahoma" panose="020B0604030504040204" pitchFamily="34" charset="0"/>
+              </a:rPr>
+              <a:t> </a:t>
+            </a:r>
+            <a:r>
+              <a:rPr lang="en-GB" sz="3200" dirty="0" err="1">
+                <a:latin typeface="Tahoma" panose="020B0604030504040204" pitchFamily="34" charset="0"/>
+                <a:ea typeface="Tahoma" panose="020B0604030504040204" pitchFamily="34" charset="0"/>
+                <a:cs typeface="Tahoma" panose="020B0604030504040204" pitchFamily="34" charset="0"/>
+              </a:rPr>
+              <a:t>kiểm</a:t>
+            </a:r>
+            <a:r>
+              <a:rPr lang="en-GB" sz="3200" dirty="0">
+                <a:latin typeface="Tahoma" panose="020B0604030504040204" pitchFamily="34" charset="0"/>
+                <a:ea typeface="Tahoma" panose="020B0604030504040204" pitchFamily="34" charset="0"/>
+                <a:cs typeface="Tahoma" panose="020B0604030504040204" pitchFamily="34" charset="0"/>
+              </a:rPr>
+              <a:t> </a:t>
+            </a:r>
+            <a:r>
+              <a:rPr lang="en-GB" sz="3200" dirty="0" err="1">
+                <a:latin typeface="Tahoma" panose="020B0604030504040204" pitchFamily="34" charset="0"/>
+                <a:ea typeface="Tahoma" panose="020B0604030504040204" pitchFamily="34" charset="0"/>
+                <a:cs typeface="Tahoma" panose="020B0604030504040204" pitchFamily="34" charset="0"/>
+              </a:rPr>
+              <a:t>tra</a:t>
+            </a:r>
+            <a:r>
+              <a:rPr lang="en-GB" sz="3200" dirty="0">
+                <a:latin typeface="Tahoma" panose="020B0604030504040204" pitchFamily="34" charset="0"/>
+                <a:ea typeface="Tahoma" panose="020B0604030504040204" pitchFamily="34" charset="0"/>
+                <a:cs typeface="Tahoma" panose="020B0604030504040204" pitchFamily="34" charset="0"/>
+              </a:rPr>
+              <a:t>. </a:t>
+            </a:r>
+            <a:r>
+              <a:rPr lang="en-GB" sz="3200" dirty="0" err="1">
+                <a:latin typeface="Tahoma" panose="020B0604030504040204" pitchFamily="34" charset="0"/>
+                <a:ea typeface="Tahoma" panose="020B0604030504040204" pitchFamily="34" charset="0"/>
+                <a:cs typeface="Tahoma" panose="020B0604030504040204" pitchFamily="34" charset="0"/>
+              </a:rPr>
+              <a:t>Khoảng</a:t>
+            </a:r>
+            <a:r>
+              <a:rPr lang="en-GB" sz="3200" dirty="0">
+                <a:latin typeface="Tahoma" panose="020B0604030504040204" pitchFamily="34" charset="0"/>
+                <a:ea typeface="Tahoma" panose="020B0604030504040204" pitchFamily="34" charset="0"/>
+                <a:cs typeface="Tahoma" panose="020B0604030504040204" pitchFamily="34" charset="0"/>
+              </a:rPr>
+              <a:t> </a:t>
+            </a:r>
+            <a:r>
+              <a:rPr lang="en-GB" sz="3200" dirty="0" err="1">
+                <a:latin typeface="Tahoma" panose="020B0604030504040204" pitchFamily="34" charset="0"/>
+                <a:ea typeface="Tahoma" panose="020B0604030504040204" pitchFamily="34" charset="0"/>
+                <a:cs typeface="Tahoma" panose="020B0604030504040204" pitchFamily="34" charset="0"/>
+              </a:rPr>
+              <a:t>cách</a:t>
+            </a:r>
+            <a:r>
+              <a:rPr lang="en-GB" sz="3200" dirty="0">
+                <a:latin typeface="Tahoma" panose="020B0604030504040204" pitchFamily="34" charset="0"/>
+                <a:ea typeface="Tahoma" panose="020B0604030504040204" pitchFamily="34" charset="0"/>
+                <a:cs typeface="Tahoma" panose="020B0604030504040204" pitchFamily="34" charset="0"/>
+              </a:rPr>
+              <a:t> </a:t>
+            </a:r>
+            <a:r>
+              <a:rPr lang="en-GB" sz="3200" dirty="0" err="1">
+                <a:latin typeface="Tahoma" panose="020B0604030504040204" pitchFamily="34" charset="0"/>
+                <a:ea typeface="Tahoma" panose="020B0604030504040204" pitchFamily="34" charset="0"/>
+                <a:cs typeface="Tahoma" panose="020B0604030504040204" pitchFamily="34" charset="0"/>
+              </a:rPr>
+              <a:t>giữa</a:t>
+            </a:r>
+            <a:r>
+              <a:rPr lang="en-GB" sz="3200" dirty="0">
+                <a:latin typeface="Tahoma" panose="020B0604030504040204" pitchFamily="34" charset="0"/>
+                <a:ea typeface="Tahoma" panose="020B0604030504040204" pitchFamily="34" charset="0"/>
+                <a:cs typeface="Tahoma" panose="020B0604030504040204" pitchFamily="34" charset="0"/>
+              </a:rPr>
+              <a:t> </a:t>
+            </a:r>
+            <a:r>
+              <a:rPr lang="en-GB" sz="3200" dirty="0" err="1">
+                <a:latin typeface="Tahoma" panose="020B0604030504040204" pitchFamily="34" charset="0"/>
+                <a:ea typeface="Tahoma" panose="020B0604030504040204" pitchFamily="34" charset="0"/>
+                <a:cs typeface="Tahoma" panose="020B0604030504040204" pitchFamily="34" charset="0"/>
+              </a:rPr>
+              <a:t>hai</a:t>
+            </a:r>
+            <a:r>
+              <a:rPr lang="en-GB" sz="3200" dirty="0">
+                <a:latin typeface="Tahoma" panose="020B0604030504040204" pitchFamily="34" charset="0"/>
+                <a:ea typeface="Tahoma" panose="020B0604030504040204" pitchFamily="34" charset="0"/>
+                <a:cs typeface="Tahoma" panose="020B0604030504040204" pitchFamily="34" charset="0"/>
+              </a:rPr>
+              <a:t> </a:t>
+            </a:r>
+            <a:r>
+              <a:rPr lang="en-GB" sz="3200" dirty="0" err="1">
+                <a:latin typeface="Tahoma" panose="020B0604030504040204" pitchFamily="34" charset="0"/>
+                <a:ea typeface="Tahoma" panose="020B0604030504040204" pitchFamily="34" charset="0"/>
+                <a:cs typeface="Tahoma" panose="020B0604030504040204" pitchFamily="34" charset="0"/>
+              </a:rPr>
+              <a:t>ví</a:t>
+            </a:r>
+            <a:r>
+              <a:rPr lang="en-GB" sz="3200" dirty="0">
+                <a:latin typeface="Tahoma" panose="020B0604030504040204" pitchFamily="34" charset="0"/>
+                <a:ea typeface="Tahoma" panose="020B0604030504040204" pitchFamily="34" charset="0"/>
+                <a:cs typeface="Tahoma" panose="020B0604030504040204" pitchFamily="34" charset="0"/>
+              </a:rPr>
+              <a:t> </a:t>
+            </a:r>
+            <a:r>
+              <a:rPr lang="en-GB" sz="3200" dirty="0" err="1">
+                <a:latin typeface="Tahoma" panose="020B0604030504040204" pitchFamily="34" charset="0"/>
+                <a:ea typeface="Tahoma" panose="020B0604030504040204" pitchFamily="34" charset="0"/>
+                <a:cs typeface="Tahoma" panose="020B0604030504040204" pitchFamily="34" charset="0"/>
+              </a:rPr>
+              <a:t>dụ</a:t>
+            </a:r>
+            <a:r>
+              <a:rPr lang="en-GB" sz="3200" dirty="0">
+                <a:latin typeface="Tahoma" panose="020B0604030504040204" pitchFamily="34" charset="0"/>
+                <a:ea typeface="Tahoma" panose="020B0604030504040204" pitchFamily="34" charset="0"/>
+                <a:cs typeface="Tahoma" panose="020B0604030504040204" pitchFamily="34" charset="0"/>
+              </a:rPr>
+              <a:t> </a:t>
+            </a:r>
+            <a:r>
+              <a:rPr lang="en-GB" sz="3200" dirty="0" err="1">
+                <a:latin typeface="Tahoma" panose="020B0604030504040204" pitchFamily="34" charset="0"/>
+                <a:ea typeface="Tahoma" panose="020B0604030504040204" pitchFamily="34" charset="0"/>
+                <a:cs typeface="Tahoma" panose="020B0604030504040204" pitchFamily="34" charset="0"/>
+              </a:rPr>
+              <a:t>có</a:t>
+            </a:r>
+            <a:r>
+              <a:rPr lang="en-GB" sz="3200" dirty="0">
+                <a:latin typeface="Tahoma" panose="020B0604030504040204" pitchFamily="34" charset="0"/>
+                <a:ea typeface="Tahoma" panose="020B0604030504040204" pitchFamily="34" charset="0"/>
+                <a:cs typeface="Tahoma" panose="020B0604030504040204" pitchFamily="34" charset="0"/>
+              </a:rPr>
+              <a:t> </a:t>
+            </a:r>
+            <a:r>
+              <a:rPr lang="en-GB" sz="3200" dirty="0" err="1">
+                <a:latin typeface="Tahoma" panose="020B0604030504040204" pitchFamily="34" charset="0"/>
+                <a:ea typeface="Tahoma" panose="020B0604030504040204" pitchFamily="34" charset="0"/>
+                <a:cs typeface="Tahoma" panose="020B0604030504040204" pitchFamily="34" charset="0"/>
+              </a:rPr>
+              <a:t>thể</a:t>
+            </a:r>
+            <a:r>
+              <a:rPr lang="en-GB" sz="3200" dirty="0">
+                <a:latin typeface="Tahoma" panose="020B0604030504040204" pitchFamily="34" charset="0"/>
+                <a:ea typeface="Tahoma" panose="020B0604030504040204" pitchFamily="34" charset="0"/>
+                <a:cs typeface="Tahoma" panose="020B0604030504040204" pitchFamily="34" charset="0"/>
+              </a:rPr>
+              <a:t> </a:t>
+            </a:r>
+            <a:r>
+              <a:rPr lang="en-GB" sz="3200" dirty="0" err="1">
+                <a:latin typeface="Tahoma" panose="020B0604030504040204" pitchFamily="34" charset="0"/>
+                <a:ea typeface="Tahoma" panose="020B0604030504040204" pitchFamily="34" charset="0"/>
+                <a:cs typeface="Tahoma" panose="020B0604030504040204" pitchFamily="34" charset="0"/>
+              </a:rPr>
+              <a:t>là</a:t>
+            </a:r>
+            <a:r>
+              <a:rPr lang="en-GB" sz="3200" dirty="0">
+                <a:latin typeface="Tahoma" panose="020B0604030504040204" pitchFamily="34" charset="0"/>
+                <a:ea typeface="Tahoma" panose="020B0604030504040204" pitchFamily="34" charset="0"/>
+                <a:cs typeface="Tahoma" panose="020B0604030504040204" pitchFamily="34" charset="0"/>
+              </a:rPr>
+              <a:t> </a:t>
+            </a:r>
+            <a:r>
+              <a:rPr lang="en-GB" sz="3200" dirty="0" err="1">
+                <a:latin typeface="Tahoma" panose="020B0604030504040204" pitchFamily="34" charset="0"/>
+                <a:ea typeface="Tahoma" panose="020B0604030504040204" pitchFamily="34" charset="0"/>
+                <a:cs typeface="Tahoma" panose="020B0604030504040204" pitchFamily="34" charset="0"/>
+              </a:rPr>
+              <a:t>khoảng</a:t>
+            </a:r>
+            <a:r>
+              <a:rPr lang="en-GB" sz="3200" dirty="0">
+                <a:latin typeface="Tahoma" panose="020B0604030504040204" pitchFamily="34" charset="0"/>
+                <a:ea typeface="Tahoma" panose="020B0604030504040204" pitchFamily="34" charset="0"/>
+                <a:cs typeface="Tahoma" panose="020B0604030504040204" pitchFamily="34" charset="0"/>
+              </a:rPr>
+              <a:t> </a:t>
+            </a:r>
+            <a:r>
+              <a:rPr lang="en-GB" sz="3200" dirty="0" err="1">
+                <a:latin typeface="Tahoma" panose="020B0604030504040204" pitchFamily="34" charset="0"/>
+                <a:ea typeface="Tahoma" panose="020B0604030504040204" pitchFamily="34" charset="0"/>
+                <a:cs typeface="Tahoma" panose="020B0604030504040204" pitchFamily="34" charset="0"/>
+              </a:rPr>
+              <a:t>cách</a:t>
+            </a:r>
+            <a:r>
+              <a:rPr lang="en-GB" sz="3200" dirty="0">
+                <a:latin typeface="Tahoma" panose="020B0604030504040204" pitchFamily="34" charset="0"/>
+                <a:ea typeface="Tahoma" panose="020B0604030504040204" pitchFamily="34" charset="0"/>
+                <a:cs typeface="Tahoma" panose="020B0604030504040204" pitchFamily="34" charset="0"/>
+              </a:rPr>
+              <a:t> </a:t>
+            </a:r>
+            <a:r>
+              <a:rPr lang="en-GB" sz="3200" dirty="0" err="1">
+                <a:latin typeface="Tahoma" panose="020B0604030504040204" pitchFamily="34" charset="0"/>
+                <a:ea typeface="Tahoma" panose="020B0604030504040204" pitchFamily="34" charset="0"/>
+                <a:cs typeface="Tahoma" panose="020B0604030504040204" pitchFamily="34" charset="0"/>
+              </a:rPr>
+              <a:t>euclide</a:t>
+            </a:r>
+            <a:r>
+              <a:rPr lang="en-GB" sz="3200" dirty="0">
+                <a:latin typeface="Tahoma" panose="020B0604030504040204" pitchFamily="34" charset="0"/>
+                <a:ea typeface="Tahoma" panose="020B0604030504040204" pitchFamily="34" charset="0"/>
+                <a:cs typeface="Tahoma" panose="020B0604030504040204" pitchFamily="34" charset="0"/>
+              </a:rPr>
+              <a:t> </a:t>
+            </a:r>
+            <a:r>
+              <a:rPr lang="en-GB" sz="3200" dirty="0" err="1">
+                <a:latin typeface="Tahoma" panose="020B0604030504040204" pitchFamily="34" charset="0"/>
+                <a:ea typeface="Tahoma" panose="020B0604030504040204" pitchFamily="34" charset="0"/>
+                <a:cs typeface="Tahoma" panose="020B0604030504040204" pitchFamily="34" charset="0"/>
+              </a:rPr>
+              <a:t>giữa</a:t>
+            </a:r>
+            <a:r>
+              <a:rPr lang="en-GB" sz="3200" dirty="0">
+                <a:latin typeface="Tahoma" panose="020B0604030504040204" pitchFamily="34" charset="0"/>
+                <a:ea typeface="Tahoma" panose="020B0604030504040204" pitchFamily="34" charset="0"/>
+                <a:cs typeface="Tahoma" panose="020B0604030504040204" pitchFamily="34" charset="0"/>
+              </a:rPr>
+              <a:t> </a:t>
+            </a:r>
+            <a:r>
+              <a:rPr lang="en-GB" sz="3200" dirty="0" err="1">
+                <a:latin typeface="Tahoma" panose="020B0604030504040204" pitchFamily="34" charset="0"/>
+                <a:ea typeface="Tahoma" panose="020B0604030504040204" pitchFamily="34" charset="0"/>
+                <a:cs typeface="Tahoma" panose="020B0604030504040204" pitchFamily="34" charset="0"/>
+              </a:rPr>
+              <a:t>các</a:t>
+            </a:r>
+            <a:r>
+              <a:rPr lang="en-GB" sz="3200" dirty="0">
+                <a:latin typeface="Tahoma" panose="020B0604030504040204" pitchFamily="34" charset="0"/>
+                <a:ea typeface="Tahoma" panose="020B0604030504040204" pitchFamily="34" charset="0"/>
+                <a:cs typeface="Tahoma" panose="020B0604030504040204" pitchFamily="34" charset="0"/>
+              </a:rPr>
+              <a:t> </a:t>
+            </a:r>
+            <a:r>
+              <a:rPr lang="en-GB" sz="3200" dirty="0" err="1">
+                <a:latin typeface="Tahoma" panose="020B0604030504040204" pitchFamily="34" charset="0"/>
+                <a:ea typeface="Tahoma" panose="020B0604030504040204" pitchFamily="34" charset="0"/>
+                <a:cs typeface="Tahoma" panose="020B0604030504040204" pitchFamily="34" charset="0"/>
+              </a:rPr>
+              <a:t>vectơ</a:t>
+            </a:r>
+            <a:r>
+              <a:rPr lang="en-GB" sz="3200" dirty="0">
+                <a:latin typeface="Tahoma" panose="020B0604030504040204" pitchFamily="34" charset="0"/>
+                <a:ea typeface="Tahoma" panose="020B0604030504040204" pitchFamily="34" charset="0"/>
+                <a:cs typeface="Tahoma" panose="020B0604030504040204" pitchFamily="34" charset="0"/>
+              </a:rPr>
+              <a:t> </a:t>
+            </a:r>
+            <a:r>
+              <a:rPr lang="en-GB" sz="3200" dirty="0" err="1">
+                <a:latin typeface="Tahoma" panose="020B0604030504040204" pitchFamily="34" charset="0"/>
+                <a:ea typeface="Tahoma" panose="020B0604030504040204" pitchFamily="34" charset="0"/>
+                <a:cs typeface="Tahoma" panose="020B0604030504040204" pitchFamily="34" charset="0"/>
+              </a:rPr>
+              <a:t>đặc</a:t>
+            </a:r>
+            <a:r>
+              <a:rPr lang="en-GB" sz="3200" dirty="0">
+                <a:latin typeface="Tahoma" panose="020B0604030504040204" pitchFamily="34" charset="0"/>
+                <a:ea typeface="Tahoma" panose="020B0604030504040204" pitchFamily="34" charset="0"/>
+                <a:cs typeface="Tahoma" panose="020B0604030504040204" pitchFamily="34" charset="0"/>
+              </a:rPr>
+              <a:t> </a:t>
+            </a:r>
+            <a:r>
+              <a:rPr lang="en-GB" sz="3200" dirty="0" err="1">
+                <a:latin typeface="Tahoma" panose="020B0604030504040204" pitchFamily="34" charset="0"/>
+                <a:ea typeface="Tahoma" panose="020B0604030504040204" pitchFamily="34" charset="0"/>
+                <a:cs typeface="Tahoma" panose="020B0604030504040204" pitchFamily="34" charset="0"/>
+              </a:rPr>
+              <a:t>trưng</a:t>
+            </a:r>
+            <a:r>
+              <a:rPr lang="en-GB" sz="3200" dirty="0">
+                <a:latin typeface="Tahoma" panose="020B0604030504040204" pitchFamily="34" charset="0"/>
+                <a:ea typeface="Tahoma" panose="020B0604030504040204" pitchFamily="34" charset="0"/>
+                <a:cs typeface="Tahoma" panose="020B0604030504040204" pitchFamily="34" charset="0"/>
+              </a:rPr>
+              <a:t> </a:t>
+            </a:r>
+            <a:r>
+              <a:rPr lang="en-GB" sz="3200" dirty="0" err="1">
+                <a:latin typeface="Tahoma" panose="020B0604030504040204" pitchFamily="34" charset="0"/>
+                <a:ea typeface="Tahoma" panose="020B0604030504040204" pitchFamily="34" charset="0"/>
+                <a:cs typeface="Tahoma" panose="020B0604030504040204" pitchFamily="34" charset="0"/>
+              </a:rPr>
+              <a:t>của</a:t>
+            </a:r>
+            <a:r>
+              <a:rPr lang="en-GB" sz="3200" dirty="0">
+                <a:latin typeface="Tahoma" panose="020B0604030504040204" pitchFamily="34" charset="0"/>
+                <a:ea typeface="Tahoma" panose="020B0604030504040204" pitchFamily="34" charset="0"/>
+                <a:cs typeface="Tahoma" panose="020B0604030504040204" pitchFamily="34" charset="0"/>
+              </a:rPr>
+              <a:t> </a:t>
+            </a:r>
+            <a:r>
+              <a:rPr lang="en-GB" sz="3200" dirty="0" err="1">
+                <a:latin typeface="Tahoma" panose="020B0604030504040204" pitchFamily="34" charset="0"/>
+                <a:ea typeface="Tahoma" panose="020B0604030504040204" pitchFamily="34" charset="0"/>
+                <a:cs typeface="Tahoma" panose="020B0604030504040204" pitchFamily="34" charset="0"/>
+              </a:rPr>
+              <a:t>chúng</a:t>
+            </a:r>
+            <a:r>
+              <a:rPr lang="en-GB" sz="3200" dirty="0">
+                <a:latin typeface="Tahoma" panose="020B0604030504040204" pitchFamily="34" charset="0"/>
+                <a:ea typeface="Tahoma" panose="020B0604030504040204" pitchFamily="34" charset="0"/>
+                <a:cs typeface="Tahoma" panose="020B0604030504040204" pitchFamily="34" charset="0"/>
+              </a:rPr>
+              <a:t>. </a:t>
+            </a:r>
+            <a:r>
+              <a:rPr lang="en-GB" sz="3200" dirty="0" err="1">
+                <a:latin typeface="Tahoma" panose="020B0604030504040204" pitchFamily="34" charset="0"/>
+                <a:ea typeface="Tahoma" panose="020B0604030504040204" pitchFamily="34" charset="0"/>
+                <a:cs typeface="Tahoma" panose="020B0604030504040204" pitchFamily="34" charset="0"/>
+              </a:rPr>
+              <a:t>Lớp</a:t>
+            </a:r>
+            <a:r>
+              <a:rPr lang="en-GB" sz="3200" dirty="0">
+                <a:latin typeface="Tahoma" panose="020B0604030504040204" pitchFamily="34" charset="0"/>
+                <a:ea typeface="Tahoma" panose="020B0604030504040204" pitchFamily="34" charset="0"/>
+                <a:cs typeface="Tahoma" panose="020B0604030504040204" pitchFamily="34" charset="0"/>
+              </a:rPr>
+              <a:t> </a:t>
+            </a:r>
+            <a:r>
+              <a:rPr lang="en-GB" sz="3200" dirty="0" err="1">
+                <a:latin typeface="Tahoma" panose="020B0604030504040204" pitchFamily="34" charset="0"/>
+                <a:ea typeface="Tahoma" panose="020B0604030504040204" pitchFamily="34" charset="0"/>
+                <a:cs typeface="Tahoma" panose="020B0604030504040204" pitchFamily="34" charset="0"/>
+              </a:rPr>
+              <a:t>chiếm</a:t>
+            </a:r>
+            <a:r>
+              <a:rPr lang="en-GB" sz="3200" dirty="0">
+                <a:latin typeface="Tahoma" panose="020B0604030504040204" pitchFamily="34" charset="0"/>
+                <a:ea typeface="Tahoma" panose="020B0604030504040204" pitchFamily="34" charset="0"/>
+                <a:cs typeface="Tahoma" panose="020B0604030504040204" pitchFamily="34" charset="0"/>
+              </a:rPr>
+              <a:t> </a:t>
+            </a:r>
+            <a:r>
+              <a:rPr lang="en-GB" sz="3200" dirty="0" err="1">
+                <a:latin typeface="Tahoma" panose="020B0604030504040204" pitchFamily="34" charset="0"/>
+                <a:ea typeface="Tahoma" panose="020B0604030504040204" pitchFamily="34" charset="0"/>
+                <a:cs typeface="Tahoma" panose="020B0604030504040204" pitchFamily="34" charset="0"/>
+              </a:rPr>
+              <a:t>đa</a:t>
+            </a:r>
+            <a:r>
+              <a:rPr lang="en-GB" sz="3200" dirty="0">
+                <a:latin typeface="Tahoma" panose="020B0604030504040204" pitchFamily="34" charset="0"/>
+                <a:ea typeface="Tahoma" panose="020B0604030504040204" pitchFamily="34" charset="0"/>
+                <a:cs typeface="Tahoma" panose="020B0604030504040204" pitchFamily="34" charset="0"/>
+              </a:rPr>
+              <a:t> </a:t>
+            </a:r>
+            <a:r>
+              <a:rPr lang="en-GB" sz="3200" dirty="0" err="1">
+                <a:latin typeface="Tahoma" panose="020B0604030504040204" pitchFamily="34" charset="0"/>
+                <a:ea typeface="Tahoma" panose="020B0604030504040204" pitchFamily="34" charset="0"/>
+                <a:cs typeface="Tahoma" panose="020B0604030504040204" pitchFamily="34" charset="0"/>
+              </a:rPr>
+              <a:t>số</a:t>
+            </a:r>
+            <a:r>
+              <a:rPr lang="en-GB" sz="3200" dirty="0">
+                <a:latin typeface="Tahoma" panose="020B0604030504040204" pitchFamily="34" charset="0"/>
+                <a:ea typeface="Tahoma" panose="020B0604030504040204" pitchFamily="34" charset="0"/>
+                <a:cs typeface="Tahoma" panose="020B0604030504040204" pitchFamily="34" charset="0"/>
+              </a:rPr>
+              <a:t> </a:t>
+            </a:r>
+            <a:r>
+              <a:rPr lang="en-GB" sz="3200" dirty="0" err="1">
+                <a:latin typeface="Tahoma" panose="020B0604030504040204" pitchFamily="34" charset="0"/>
+                <a:ea typeface="Tahoma" panose="020B0604030504040204" pitchFamily="34" charset="0"/>
+                <a:cs typeface="Tahoma" panose="020B0604030504040204" pitchFamily="34" charset="0"/>
+              </a:rPr>
+              <a:t>trong</a:t>
+            </a:r>
+            <a:r>
+              <a:rPr lang="en-GB" sz="3200" dirty="0">
+                <a:latin typeface="Tahoma" panose="020B0604030504040204" pitchFamily="34" charset="0"/>
+                <a:ea typeface="Tahoma" panose="020B0604030504040204" pitchFamily="34" charset="0"/>
+                <a:cs typeface="Tahoma" panose="020B0604030504040204" pitchFamily="34" charset="0"/>
+              </a:rPr>
+              <a:t> </a:t>
+            </a:r>
+            <a:r>
+              <a:rPr lang="en-GB" sz="3200" dirty="0" err="1">
+                <a:latin typeface="Tahoma" panose="020B0604030504040204" pitchFamily="34" charset="0"/>
+                <a:ea typeface="Tahoma" panose="020B0604030504040204" pitchFamily="34" charset="0"/>
+                <a:cs typeface="Tahoma" panose="020B0604030504040204" pitchFamily="34" charset="0"/>
+              </a:rPr>
+              <a:t>số</a:t>
+            </a:r>
+            <a:r>
+              <a:rPr lang="en-GB" sz="3200" dirty="0">
+                <a:latin typeface="Tahoma" panose="020B0604030504040204" pitchFamily="34" charset="0"/>
+                <a:ea typeface="Tahoma" panose="020B0604030504040204" pitchFamily="34" charset="0"/>
+                <a:cs typeface="Tahoma" panose="020B0604030504040204" pitchFamily="34" charset="0"/>
+              </a:rPr>
+              <a:t> k </a:t>
+            </a:r>
+            <a:r>
+              <a:rPr lang="en-GB" sz="3200" dirty="0" err="1">
+                <a:latin typeface="Tahoma" panose="020B0604030504040204" pitchFamily="34" charset="0"/>
+                <a:ea typeface="Tahoma" panose="020B0604030504040204" pitchFamily="34" charset="0"/>
+                <a:cs typeface="Tahoma" panose="020B0604030504040204" pitchFamily="34" charset="0"/>
+              </a:rPr>
+              <a:t>hàng</a:t>
+            </a:r>
+            <a:r>
+              <a:rPr lang="en-GB" sz="3200" dirty="0">
+                <a:latin typeface="Tahoma" panose="020B0604030504040204" pitchFamily="34" charset="0"/>
+                <a:ea typeface="Tahoma" panose="020B0604030504040204" pitchFamily="34" charset="0"/>
+                <a:cs typeface="Tahoma" panose="020B0604030504040204" pitchFamily="34" charset="0"/>
+              </a:rPr>
+              <a:t> </a:t>
+            </a:r>
+            <a:r>
+              <a:rPr lang="en-GB" sz="3200" dirty="0" err="1">
+                <a:latin typeface="Tahoma" panose="020B0604030504040204" pitchFamily="34" charset="0"/>
+                <a:ea typeface="Tahoma" panose="020B0604030504040204" pitchFamily="34" charset="0"/>
+                <a:cs typeface="Tahoma" panose="020B0604030504040204" pitchFamily="34" charset="0"/>
+              </a:rPr>
+              <a:t>xóm</a:t>
+            </a:r>
+            <a:r>
+              <a:rPr lang="en-GB" sz="3200" dirty="0">
+                <a:latin typeface="Tahoma" panose="020B0604030504040204" pitchFamily="34" charset="0"/>
+                <a:ea typeface="Tahoma" panose="020B0604030504040204" pitchFamily="34" charset="0"/>
+                <a:cs typeface="Tahoma" panose="020B0604030504040204" pitchFamily="34" charset="0"/>
+              </a:rPr>
+              <a:t> </a:t>
+            </a:r>
+            <a:r>
+              <a:rPr lang="en-GB" sz="3200" dirty="0" err="1">
+                <a:latin typeface="Tahoma" panose="020B0604030504040204" pitchFamily="34" charset="0"/>
+                <a:ea typeface="Tahoma" panose="020B0604030504040204" pitchFamily="34" charset="0"/>
+                <a:cs typeface="Tahoma" panose="020B0604030504040204" pitchFamily="34" charset="0"/>
+              </a:rPr>
+              <a:t>gần</a:t>
+            </a:r>
+            <a:r>
+              <a:rPr lang="en-GB" sz="3200" dirty="0">
+                <a:latin typeface="Tahoma" panose="020B0604030504040204" pitchFamily="34" charset="0"/>
+                <a:ea typeface="Tahoma" panose="020B0604030504040204" pitchFamily="34" charset="0"/>
+                <a:cs typeface="Tahoma" panose="020B0604030504040204" pitchFamily="34" charset="0"/>
+              </a:rPr>
+              <a:t> </a:t>
+            </a:r>
+            <a:r>
+              <a:rPr lang="en-GB" sz="3200" dirty="0" err="1">
+                <a:latin typeface="Tahoma" panose="020B0604030504040204" pitchFamily="34" charset="0"/>
+                <a:ea typeface="Tahoma" panose="020B0604030504040204" pitchFamily="34" charset="0"/>
+                <a:cs typeface="Tahoma" panose="020B0604030504040204" pitchFamily="34" charset="0"/>
+              </a:rPr>
+              <a:t>nhất</a:t>
+            </a:r>
+            <a:r>
+              <a:rPr lang="en-GB" sz="3200" dirty="0">
+                <a:latin typeface="Tahoma" panose="020B0604030504040204" pitchFamily="34" charset="0"/>
+                <a:ea typeface="Tahoma" panose="020B0604030504040204" pitchFamily="34" charset="0"/>
+                <a:cs typeface="Tahoma" panose="020B0604030504040204" pitchFamily="34" charset="0"/>
+              </a:rPr>
+              <a:t> </a:t>
+            </a:r>
+            <a:r>
+              <a:rPr lang="en-GB" sz="3200" dirty="0" err="1">
+                <a:latin typeface="Tahoma" panose="020B0604030504040204" pitchFamily="34" charset="0"/>
+                <a:ea typeface="Tahoma" panose="020B0604030504040204" pitchFamily="34" charset="0"/>
+                <a:cs typeface="Tahoma" panose="020B0604030504040204" pitchFamily="34" charset="0"/>
+              </a:rPr>
+              <a:t>được</a:t>
+            </a:r>
+            <a:r>
+              <a:rPr lang="en-GB" sz="3200" dirty="0">
+                <a:latin typeface="Tahoma" panose="020B0604030504040204" pitchFamily="34" charset="0"/>
+                <a:ea typeface="Tahoma" panose="020B0604030504040204" pitchFamily="34" charset="0"/>
+                <a:cs typeface="Tahoma" panose="020B0604030504040204" pitchFamily="34" charset="0"/>
+              </a:rPr>
+              <a:t> </a:t>
+            </a:r>
+            <a:r>
+              <a:rPr lang="en-GB" sz="3200" dirty="0" err="1">
+                <a:latin typeface="Tahoma" panose="020B0604030504040204" pitchFamily="34" charset="0"/>
+                <a:ea typeface="Tahoma" panose="020B0604030504040204" pitchFamily="34" charset="0"/>
+                <a:cs typeface="Tahoma" panose="020B0604030504040204" pitchFamily="34" charset="0"/>
+              </a:rPr>
+              <a:t>coi</a:t>
+            </a:r>
+            <a:r>
+              <a:rPr lang="en-GB" sz="3200" dirty="0">
+                <a:latin typeface="Tahoma" panose="020B0604030504040204" pitchFamily="34" charset="0"/>
+                <a:ea typeface="Tahoma" panose="020B0604030504040204" pitchFamily="34" charset="0"/>
+                <a:cs typeface="Tahoma" panose="020B0604030504040204" pitchFamily="34" charset="0"/>
+              </a:rPr>
+              <a:t> </a:t>
+            </a:r>
+            <a:r>
+              <a:rPr lang="en-GB" sz="3200" dirty="0" err="1">
+                <a:latin typeface="Tahoma" panose="020B0604030504040204" pitchFamily="34" charset="0"/>
+                <a:ea typeface="Tahoma" panose="020B0604030504040204" pitchFamily="34" charset="0"/>
+                <a:cs typeface="Tahoma" panose="020B0604030504040204" pitchFamily="34" charset="0"/>
+              </a:rPr>
+              <a:t>là</a:t>
+            </a:r>
+            <a:r>
+              <a:rPr lang="en-GB" sz="3200" dirty="0">
+                <a:latin typeface="Tahoma" panose="020B0604030504040204" pitchFamily="34" charset="0"/>
+                <a:ea typeface="Tahoma" panose="020B0604030504040204" pitchFamily="34" charset="0"/>
+                <a:cs typeface="Tahoma" panose="020B0604030504040204" pitchFamily="34" charset="0"/>
+              </a:rPr>
+              <a:t> </a:t>
+            </a:r>
+            <a:r>
+              <a:rPr lang="en-GB" sz="3200" dirty="0" err="1">
+                <a:latin typeface="Tahoma" panose="020B0604030504040204" pitchFamily="34" charset="0"/>
+                <a:ea typeface="Tahoma" panose="020B0604030504040204" pitchFamily="34" charset="0"/>
+                <a:cs typeface="Tahoma" panose="020B0604030504040204" pitchFamily="34" charset="0"/>
+              </a:rPr>
+              <a:t>lớp</a:t>
+            </a:r>
+            <a:r>
+              <a:rPr lang="en-GB" sz="3200" dirty="0">
+                <a:latin typeface="Tahoma" panose="020B0604030504040204" pitchFamily="34" charset="0"/>
+                <a:ea typeface="Tahoma" panose="020B0604030504040204" pitchFamily="34" charset="0"/>
+                <a:cs typeface="Tahoma" panose="020B0604030504040204" pitchFamily="34" charset="0"/>
+              </a:rPr>
+              <a:t> </a:t>
+            </a:r>
+            <a:r>
+              <a:rPr lang="en-GB" sz="3200" dirty="0" err="1">
+                <a:latin typeface="Tahoma" panose="020B0604030504040204" pitchFamily="34" charset="0"/>
+                <a:ea typeface="Tahoma" panose="020B0604030504040204" pitchFamily="34" charset="0"/>
+                <a:cs typeface="Tahoma" panose="020B0604030504040204" pitchFamily="34" charset="0"/>
+              </a:rPr>
+              <a:t>cho</a:t>
+            </a:r>
+            <a:r>
+              <a:rPr lang="en-GB" sz="3200" dirty="0">
+                <a:latin typeface="Tahoma" panose="020B0604030504040204" pitchFamily="34" charset="0"/>
+                <a:ea typeface="Tahoma" panose="020B0604030504040204" pitchFamily="34" charset="0"/>
+                <a:cs typeface="Tahoma" panose="020B0604030504040204" pitchFamily="34" charset="0"/>
+              </a:rPr>
+              <a:t> </a:t>
+            </a:r>
+            <a:r>
+              <a:rPr lang="en-GB" sz="3200" dirty="0" err="1">
+                <a:latin typeface="Tahoma" panose="020B0604030504040204" pitchFamily="34" charset="0"/>
+                <a:ea typeface="Tahoma" panose="020B0604030504040204" pitchFamily="34" charset="0"/>
+                <a:cs typeface="Tahoma" panose="020B0604030504040204" pitchFamily="34" charset="0"/>
+              </a:rPr>
+              <a:t>dữ</a:t>
+            </a:r>
+            <a:r>
+              <a:rPr lang="en-GB" sz="3200" dirty="0">
+                <a:latin typeface="Tahoma" panose="020B0604030504040204" pitchFamily="34" charset="0"/>
+                <a:ea typeface="Tahoma" panose="020B0604030504040204" pitchFamily="34" charset="0"/>
+                <a:cs typeface="Tahoma" panose="020B0604030504040204" pitchFamily="34" charset="0"/>
+              </a:rPr>
+              <a:t> </a:t>
+            </a:r>
+            <a:r>
+              <a:rPr lang="en-GB" sz="3200" dirty="0" err="1">
+                <a:latin typeface="Tahoma" panose="020B0604030504040204" pitchFamily="34" charset="0"/>
+                <a:ea typeface="Tahoma" panose="020B0604030504040204" pitchFamily="34" charset="0"/>
+                <a:cs typeface="Tahoma" panose="020B0604030504040204" pitchFamily="34" charset="0"/>
+              </a:rPr>
+              <a:t>liệu</a:t>
+            </a:r>
+            <a:r>
+              <a:rPr lang="en-GB" sz="3200" dirty="0">
+                <a:latin typeface="Tahoma" panose="020B0604030504040204" pitchFamily="34" charset="0"/>
+                <a:ea typeface="Tahoma" panose="020B0604030504040204" pitchFamily="34" charset="0"/>
+                <a:cs typeface="Tahoma" panose="020B0604030504040204" pitchFamily="34" charset="0"/>
+              </a:rPr>
+              <a:t> </a:t>
+            </a:r>
+            <a:r>
+              <a:rPr lang="en-GB" sz="3200" dirty="0" err="1">
+                <a:latin typeface="Tahoma" panose="020B0604030504040204" pitchFamily="34" charset="0"/>
+                <a:ea typeface="Tahoma" panose="020B0604030504040204" pitchFamily="34" charset="0"/>
+                <a:cs typeface="Tahoma" panose="020B0604030504040204" pitchFamily="34" charset="0"/>
+              </a:rPr>
+              <a:t>mới</a:t>
+            </a:r>
+            <a:r>
+              <a:rPr lang="en-GB" sz="3200" dirty="0">
+                <a:latin typeface="Tahoma" panose="020B0604030504040204" pitchFamily="34" charset="0"/>
+                <a:ea typeface="Tahoma" panose="020B0604030504040204" pitchFamily="34" charset="0"/>
+                <a:cs typeface="Tahoma" panose="020B0604030504040204" pitchFamily="34" charset="0"/>
+              </a:rPr>
+              <a:t> </a:t>
+            </a:r>
+            <a:r>
+              <a:rPr lang="en-GB" sz="3200" dirty="0" err="1">
+                <a:latin typeface="Tahoma" panose="020B0604030504040204" pitchFamily="34" charset="0"/>
+                <a:ea typeface="Tahoma" panose="020B0604030504040204" pitchFamily="34" charset="0"/>
+                <a:cs typeface="Tahoma" panose="020B0604030504040204" pitchFamily="34" charset="0"/>
+              </a:rPr>
+              <a:t>đó</a:t>
+            </a:r>
+            <a:r>
+              <a:rPr lang="en-GB" sz="3200" dirty="0">
+                <a:latin typeface="Tahoma" panose="020B0604030504040204" pitchFamily="34" charset="0"/>
+                <a:ea typeface="Tahoma" panose="020B0604030504040204" pitchFamily="34" charset="0"/>
+                <a:cs typeface="Tahoma" panose="020B0604030504040204" pitchFamily="34" charset="0"/>
+              </a:rPr>
+              <a:t>.</a:t>
+            </a:r>
+          </a:p>
+          <a:p>
+            <a:pPr marL="0" indent="0">
+              <a:buNone/>
+            </a:pPr>
+            <a:endParaRPr lang="en-GB" sz="3200" dirty="0">
+              <a:latin typeface="Tahoma" panose="020B0604030504040204" pitchFamily="34" charset="0"/>
+              <a:ea typeface="Tahoma" panose="020B0604030504040204" pitchFamily="34" charset="0"/>
+              <a:cs typeface="Tahoma" panose="020B0604030504040204" pitchFamily="34" charset="0"/>
+            </a:endParaRPr>
           </a:p>
         </p:txBody>
       </p:sp>
@@ -4933,7 +10406,128 @@
           <a:p>
             <a:fld id="{C2A74E92-A1E9-4D96-8B19-9FA9AB19DBB5}" type="slidenum">
               <a:rPr lang="en-GB" smtClean="0"/>
-              <a:t>14</a:t>
+              <a:t>18</a:t>
+            </a:fld>
+            <a:endParaRPr lang="en-GB"/>
+          </a:p>
+        </p:txBody>
+      </p:sp>
+    </p:spTree>
+    <p:extLst>
+      <p:ext uri="{BB962C8B-B14F-4D97-AF65-F5344CB8AC3E}">
+        <p14:creationId xmlns:p14="http://schemas.microsoft.com/office/powerpoint/2010/main" val="433576665"/>
+      </p:ext>
+    </p:extLst>
+  </p:cSld>
+  <p:clrMapOvr>
+    <a:masterClrMapping/>
+  </p:clrMapOvr>
+</p:sld>
+</file>
+
+<file path=ppt/slides/slide19.xml><?xml version="1.0" encoding="utf-8"?>
+<p:sld xmlns:a="http://schemas.openxmlformats.org/drawingml/2006/main" xmlns:r="http://schemas.openxmlformats.org/officeDocument/2006/relationships" xmlns:p="http://schemas.openxmlformats.org/presentationml/2006/main">
+  <p:cSld>
+    <p:spTree>
+      <p:nvGrpSpPr>
+        <p:cNvPr id="1" name=""/>
+        <p:cNvGrpSpPr/>
+        <p:nvPr/>
+      </p:nvGrpSpPr>
+      <p:grpSpPr>
+        <a:xfrm>
+          <a:off x="0" y="0"/>
+          <a:ext cx="0" cy="0"/>
+          <a:chOff x="0" y="0"/>
+          <a:chExt cx="0" cy="0"/>
+        </a:xfrm>
+      </p:grpSpPr>
+      <p:sp>
+        <p:nvSpPr>
+          <p:cNvPr id="2" name="Title 1">
+            <a:extLst>
+              <a:ext uri="{FF2B5EF4-FFF2-40B4-BE49-F238E27FC236}">
+                <a16:creationId xmlns:a16="http://schemas.microsoft.com/office/drawing/2014/main" id="{5C790218-5ECE-40FB-93D7-7DACB2D2427C}"/>
+              </a:ext>
+            </a:extLst>
+          </p:cNvPr>
+          <p:cNvSpPr>
+            <a:spLocks noGrp="1"/>
+          </p:cNvSpPr>
+          <p:nvPr>
+            <p:ph type="title"/>
+          </p:nvPr>
+        </p:nvSpPr>
+        <p:spPr/>
+        <p:txBody>
+          <a:bodyPr/>
+          <a:lstStyle/>
+          <a:p>
+            <a:r>
+              <a:rPr lang="en-GB" b="1" dirty="0"/>
+              <a:t>HỌC – KIỂM THỬ VÀ KẾT QUẢ</a:t>
+            </a:r>
+          </a:p>
+        </p:txBody>
+      </p:sp>
+      <p:sp>
+        <p:nvSpPr>
+          <p:cNvPr id="3" name="Content Placeholder 2">
+            <a:extLst>
+              <a:ext uri="{FF2B5EF4-FFF2-40B4-BE49-F238E27FC236}">
+                <a16:creationId xmlns:a16="http://schemas.microsoft.com/office/drawing/2014/main" id="{99ADFB63-AEF0-4FE3-A95A-6E9809EB6963}"/>
+              </a:ext>
+            </a:extLst>
+          </p:cNvPr>
+          <p:cNvSpPr>
+            <a:spLocks noGrp="1"/>
+          </p:cNvSpPr>
+          <p:nvPr>
+            <p:ph idx="1"/>
+          </p:nvPr>
+        </p:nvSpPr>
+        <p:spPr/>
+        <p:txBody>
+          <a:bodyPr>
+            <a:normAutofit/>
+          </a:bodyPr>
+          <a:lstStyle/>
+          <a:p>
+            <a:r>
+              <a:rPr lang="en-GB" sz="3200" dirty="0">
+                <a:latin typeface="Tahoma" panose="020B0604030504040204" pitchFamily="34" charset="0"/>
+                <a:ea typeface="Tahoma" panose="020B0604030504040204" pitchFamily="34" charset="0"/>
+                <a:cs typeface="Tahoma" panose="020B0604030504040204" pitchFamily="34" charset="0"/>
+              </a:rPr>
+              <a:t>KNN</a:t>
+            </a:r>
+          </a:p>
+        </p:txBody>
+      </p:sp>
+      <p:sp>
+        <p:nvSpPr>
+          <p:cNvPr id="4" name="Slide Number Placeholder 3">
+            <a:extLst>
+              <a:ext uri="{FF2B5EF4-FFF2-40B4-BE49-F238E27FC236}">
+                <a16:creationId xmlns:a16="http://schemas.microsoft.com/office/drawing/2014/main" id="{2F317875-4D16-45AF-9A42-2FF4BF9EF0A4}"/>
+              </a:ext>
+            </a:extLst>
+          </p:cNvPr>
+          <p:cNvSpPr>
+            <a:spLocks noGrp="1"/>
+          </p:cNvSpPr>
+          <p:nvPr>
+            <p:ph type="sldNum" sz="quarter" idx="12"/>
+          </p:nvPr>
+        </p:nvSpPr>
+        <p:spPr/>
+        <p:txBody>
+          <a:bodyPr/>
+          <a:lstStyle/>
+          <a:p>
+            <a:fld id="{C2A74E92-A1E9-4D96-8B19-9FA9AB19DBB5}" type="slidenum">
+              <a:rPr lang="en-GB" smtClean="0"/>
+              <a:t>19</a:t>
             </a:fld>
             <a:endParaRPr lang="en-GB"/>
           </a:p>
@@ -4972,7 +10566,7 @@
     </p:spTree>
     <p:extLst>
       <p:ext uri="{BB962C8B-B14F-4D97-AF65-F5344CB8AC3E}">
-        <p14:creationId xmlns:p14="http://schemas.microsoft.com/office/powerpoint/2010/main" val="433576665"/>
+        <p14:creationId xmlns:p14="http://schemas.microsoft.com/office/powerpoint/2010/main" val="2322998370"/>
       </p:ext>
     </p:extLst>
   </p:cSld>
@@ -4982,7 +10576,787 @@
 </p:sld>
 </file>
 
-<file path=ppt/slides/slide15.xml><?xml version="1.0" encoding="utf-8"?>
+<file path=ppt/slides/slide2.xml><?xml version="1.0" encoding="utf-8"?>
+<p:sld xmlns:a="http://schemas.openxmlformats.org/drawingml/2006/main" xmlns:r="http://schemas.openxmlformats.org/officeDocument/2006/relationships" xmlns:p="http://schemas.openxmlformats.org/presentationml/2006/main">
+  <p:cSld>
+    <p:spTree>
+      <p:nvGrpSpPr>
+        <p:cNvPr id="1" name=""/>
+        <p:cNvGrpSpPr/>
+        <p:nvPr/>
+      </p:nvGrpSpPr>
+      <p:grpSpPr>
+        <a:xfrm>
+          <a:off x="0" y="0"/>
+          <a:ext cx="0" cy="0"/>
+          <a:chOff x="0" y="0"/>
+          <a:chExt cx="0" cy="0"/>
+        </a:xfrm>
+      </p:grpSpPr>
+      <p:sp>
+        <p:nvSpPr>
+          <p:cNvPr id="2" name="Title 1">
+            <a:extLst>
+              <a:ext uri="{FF2B5EF4-FFF2-40B4-BE49-F238E27FC236}">
+                <a16:creationId xmlns:a16="http://schemas.microsoft.com/office/drawing/2014/main" id="{AEA87D58-7025-473A-93EB-6F76A6DFF1C8}"/>
+              </a:ext>
+            </a:extLst>
+          </p:cNvPr>
+          <p:cNvSpPr>
+            <a:spLocks noGrp="1"/>
+          </p:cNvSpPr>
+          <p:nvPr>
+            <p:ph type="title"/>
+          </p:nvPr>
+        </p:nvSpPr>
+        <p:spPr/>
+        <p:txBody>
+          <a:bodyPr/>
+          <a:lstStyle/>
+          <a:p>
+            <a:r>
+              <a:rPr lang="en-US" b="1" dirty="0" err="1"/>
+              <a:t>Nội</a:t>
+            </a:r>
+            <a:r>
+              <a:rPr lang="en-US" b="1" dirty="0"/>
+              <a:t> dung </a:t>
+            </a:r>
+            <a:r>
+              <a:rPr lang="en-US" b="1" dirty="0" err="1"/>
+              <a:t>thay</a:t>
+            </a:r>
+            <a:r>
+              <a:rPr lang="en-US" b="1" dirty="0"/>
+              <a:t> </a:t>
+            </a:r>
+            <a:r>
+              <a:rPr lang="en-US" b="1" dirty="0" err="1"/>
+              <a:t>đổi</a:t>
+            </a:r>
+            <a:endParaRPr lang="en-US" b="1" dirty="0"/>
+          </a:p>
+        </p:txBody>
+      </p:sp>
+      <p:sp>
+        <p:nvSpPr>
+          <p:cNvPr id="3" name="Content Placeholder 2">
+            <a:extLst>
+              <a:ext uri="{FF2B5EF4-FFF2-40B4-BE49-F238E27FC236}">
+                <a16:creationId xmlns:a16="http://schemas.microsoft.com/office/drawing/2014/main" id="{6B0E0CF2-2F65-4163-BBD9-906674C7AF00}"/>
+              </a:ext>
+            </a:extLst>
+          </p:cNvPr>
+          <p:cNvSpPr>
+            <a:spLocks noGrp="1"/>
+          </p:cNvSpPr>
+          <p:nvPr>
+            <p:ph idx="1"/>
+          </p:nvPr>
+        </p:nvSpPr>
+        <p:spPr/>
+        <p:txBody>
+          <a:bodyPr>
+            <a:normAutofit/>
+          </a:bodyPr>
+          <a:lstStyle/>
+          <a:p>
+            <a:r>
+              <a:rPr lang="en-US" sz="3200" dirty="0">
+                <a:latin typeface="Tahoma" panose="020B0604030504040204" pitchFamily="34" charset="0"/>
+                <a:ea typeface="Tahoma" panose="020B0604030504040204" pitchFamily="34" charset="0"/>
+                <a:cs typeface="Tahoma" panose="020B0604030504040204" pitchFamily="34" charset="0"/>
+              </a:rPr>
+              <a:t>Ở file </a:t>
+            </a:r>
+            <a:r>
+              <a:rPr lang="en-US" sz="3200" dirty="0" err="1">
+                <a:latin typeface="Tahoma" panose="020B0604030504040204" pitchFamily="34" charset="0"/>
+                <a:ea typeface="Tahoma" panose="020B0604030504040204" pitchFamily="34" charset="0"/>
+                <a:cs typeface="Tahoma" panose="020B0604030504040204" pitchFamily="34" charset="0"/>
+              </a:rPr>
+              <a:t>chạy</a:t>
+            </a:r>
+            <a:r>
+              <a:rPr lang="en-US" sz="3200" dirty="0">
+                <a:latin typeface="Tahoma" panose="020B0604030504040204" pitchFamily="34" charset="0"/>
+                <a:ea typeface="Tahoma" panose="020B0604030504040204" pitchFamily="34" charset="0"/>
+                <a:cs typeface="Tahoma" panose="020B0604030504040204" pitchFamily="34" charset="0"/>
+              </a:rPr>
+              <a:t> train </a:t>
+            </a:r>
+            <a:r>
+              <a:rPr lang="en-US" sz="3200" dirty="0" err="1">
+                <a:latin typeface="Tahoma" panose="020B0604030504040204" pitchFamily="34" charset="0"/>
+                <a:ea typeface="Tahoma" panose="020B0604030504040204" pitchFamily="34" charset="0"/>
+                <a:cs typeface="Tahoma" panose="020B0604030504040204" pitchFamily="34" charset="0"/>
+              </a:rPr>
+              <a:t>và</a:t>
+            </a:r>
+            <a:r>
+              <a:rPr lang="en-US" sz="3200" dirty="0">
+                <a:latin typeface="Tahoma" panose="020B0604030504040204" pitchFamily="34" charset="0"/>
+                <a:ea typeface="Tahoma" panose="020B0604030504040204" pitchFamily="34" charset="0"/>
+                <a:cs typeface="Tahoma" panose="020B0604030504040204" pitchFamily="34" charset="0"/>
+              </a:rPr>
+              <a:t> test, chia </a:t>
+            </a:r>
+            <a:r>
+              <a:rPr lang="en-US" sz="3200" dirty="0" err="1">
+                <a:latin typeface="Tahoma" panose="020B0604030504040204" pitchFamily="34" charset="0"/>
+                <a:ea typeface="Tahoma" panose="020B0604030504040204" pitchFamily="34" charset="0"/>
+                <a:cs typeface="Tahoma" panose="020B0604030504040204" pitchFamily="34" charset="0"/>
+              </a:rPr>
+              <a:t>tập</a:t>
+            </a:r>
+            <a:r>
+              <a:rPr lang="en-US" sz="3200" dirty="0">
+                <a:latin typeface="Tahoma" panose="020B0604030504040204" pitchFamily="34" charset="0"/>
+                <a:ea typeface="Tahoma" panose="020B0604030504040204" pitchFamily="34" charset="0"/>
+                <a:cs typeface="Tahoma" panose="020B0604030504040204" pitchFamily="34" charset="0"/>
+              </a:rPr>
+              <a:t> dataset </a:t>
+            </a:r>
+            <a:r>
+              <a:rPr lang="en-US" sz="3200" dirty="0" err="1">
+                <a:latin typeface="Tahoma" panose="020B0604030504040204" pitchFamily="34" charset="0"/>
+                <a:ea typeface="Tahoma" panose="020B0604030504040204" pitchFamily="34" charset="0"/>
+                <a:cs typeface="Tahoma" panose="020B0604030504040204" pitchFamily="34" charset="0"/>
+              </a:rPr>
+              <a:t>thành</a:t>
+            </a:r>
+            <a:r>
+              <a:rPr lang="en-US" sz="3200" dirty="0">
+                <a:latin typeface="Tahoma" panose="020B0604030504040204" pitchFamily="34" charset="0"/>
+                <a:ea typeface="Tahoma" panose="020B0604030504040204" pitchFamily="34" charset="0"/>
+                <a:cs typeface="Tahoma" panose="020B0604030504040204" pitchFamily="34" charset="0"/>
+              </a:rPr>
+              <a:t> 3 </a:t>
+            </a:r>
+            <a:r>
+              <a:rPr lang="en-US" sz="3200" dirty="0" err="1">
+                <a:latin typeface="Tahoma" panose="020B0604030504040204" pitchFamily="34" charset="0"/>
+                <a:ea typeface="Tahoma" panose="020B0604030504040204" pitchFamily="34" charset="0"/>
+                <a:cs typeface="Tahoma" panose="020B0604030504040204" pitchFamily="34" charset="0"/>
+              </a:rPr>
+              <a:t>tập</a:t>
+            </a:r>
+            <a:r>
+              <a:rPr lang="en-US" sz="3200" dirty="0">
+                <a:latin typeface="Tahoma" panose="020B0604030504040204" pitchFamily="34" charset="0"/>
+                <a:ea typeface="Tahoma" panose="020B0604030504040204" pitchFamily="34" charset="0"/>
+                <a:cs typeface="Tahoma" panose="020B0604030504040204" pitchFamily="34" charset="0"/>
+              </a:rPr>
+              <a:t> train/validation/test </a:t>
+            </a:r>
+            <a:r>
+              <a:rPr lang="en-US" sz="3200" dirty="0" err="1">
+                <a:latin typeface="Tahoma" panose="020B0604030504040204" pitchFamily="34" charset="0"/>
+                <a:ea typeface="Tahoma" panose="020B0604030504040204" pitchFamily="34" charset="0"/>
+                <a:cs typeface="Tahoma" panose="020B0604030504040204" pitchFamily="34" charset="0"/>
+              </a:rPr>
+              <a:t>theo</a:t>
+            </a:r>
+            <a:r>
+              <a:rPr lang="en-US" sz="3200" dirty="0">
+                <a:latin typeface="Tahoma" panose="020B0604030504040204" pitchFamily="34" charset="0"/>
+                <a:ea typeface="Tahoma" panose="020B0604030504040204" pitchFamily="34" charset="0"/>
+                <a:cs typeface="Tahoma" panose="020B0604030504040204" pitchFamily="34" charset="0"/>
+              </a:rPr>
+              <a:t> </a:t>
+            </a:r>
+            <a:r>
+              <a:rPr lang="en-US" sz="3200" dirty="0" err="1">
+                <a:latin typeface="Tahoma" panose="020B0604030504040204" pitchFamily="34" charset="0"/>
+                <a:ea typeface="Tahoma" panose="020B0604030504040204" pitchFamily="34" charset="0"/>
+                <a:cs typeface="Tahoma" panose="020B0604030504040204" pitchFamily="34" charset="0"/>
+              </a:rPr>
+              <a:t>tỉ</a:t>
+            </a:r>
+            <a:r>
+              <a:rPr lang="en-US" sz="3200" dirty="0">
+                <a:latin typeface="Tahoma" panose="020B0604030504040204" pitchFamily="34" charset="0"/>
+                <a:ea typeface="Tahoma" panose="020B0604030504040204" pitchFamily="34" charset="0"/>
+                <a:cs typeface="Tahoma" panose="020B0604030504040204" pitchFamily="34" charset="0"/>
+              </a:rPr>
+              <a:t> </a:t>
+            </a:r>
+            <a:r>
+              <a:rPr lang="en-US" sz="3200" dirty="0" err="1">
+                <a:latin typeface="Tahoma" panose="020B0604030504040204" pitchFamily="34" charset="0"/>
+                <a:ea typeface="Tahoma" panose="020B0604030504040204" pitchFamily="34" charset="0"/>
+                <a:cs typeface="Tahoma" panose="020B0604030504040204" pitchFamily="34" charset="0"/>
+              </a:rPr>
+              <a:t>lệ</a:t>
+            </a:r>
+            <a:r>
+              <a:rPr lang="en-US" sz="3200" dirty="0">
+                <a:latin typeface="Tahoma" panose="020B0604030504040204" pitchFamily="34" charset="0"/>
+                <a:ea typeface="Tahoma" panose="020B0604030504040204" pitchFamily="34" charset="0"/>
+                <a:cs typeface="Tahoma" panose="020B0604030504040204" pitchFamily="34" charset="0"/>
+              </a:rPr>
+              <a:t> </a:t>
+            </a:r>
+            <a:r>
+              <a:rPr lang="en-US" sz="3200" dirty="0" err="1">
+                <a:latin typeface="Tahoma" panose="020B0604030504040204" pitchFamily="34" charset="0"/>
+                <a:ea typeface="Tahoma" panose="020B0604030504040204" pitchFamily="34" charset="0"/>
+                <a:cs typeface="Tahoma" panose="020B0604030504040204" pitchFamily="34" charset="0"/>
+              </a:rPr>
+              <a:t>là</a:t>
+            </a:r>
+            <a:r>
+              <a:rPr lang="en-US" sz="3200" dirty="0">
+                <a:latin typeface="Tahoma" panose="020B0604030504040204" pitchFamily="34" charset="0"/>
+                <a:ea typeface="Tahoma" panose="020B0604030504040204" pitchFamily="34" charset="0"/>
+                <a:cs typeface="Tahoma" panose="020B0604030504040204" pitchFamily="34" charset="0"/>
+              </a:rPr>
+              <a:t> 6:2:2 </a:t>
+            </a:r>
+            <a:r>
+              <a:rPr lang="en-US" sz="3200" dirty="0" err="1">
+                <a:latin typeface="Tahoma" panose="020B0604030504040204" pitchFamily="34" charset="0"/>
+                <a:ea typeface="Tahoma" panose="020B0604030504040204" pitchFamily="34" charset="0"/>
+                <a:cs typeface="Tahoma" panose="020B0604030504040204" pitchFamily="34" charset="0"/>
+              </a:rPr>
+              <a:t>trên</a:t>
+            </a:r>
+            <a:r>
+              <a:rPr lang="en-US" sz="3200" dirty="0">
+                <a:latin typeface="Tahoma" panose="020B0604030504040204" pitchFamily="34" charset="0"/>
+                <a:ea typeface="Tahoma" panose="020B0604030504040204" pitchFamily="34" charset="0"/>
+                <a:cs typeface="Tahoma" panose="020B0604030504040204" pitchFamily="34" charset="0"/>
+              </a:rPr>
+              <a:t> </a:t>
+            </a:r>
+            <a:r>
+              <a:rPr lang="en-US" sz="3200" dirty="0" err="1">
+                <a:latin typeface="Tahoma" panose="020B0604030504040204" pitchFamily="34" charset="0"/>
+                <a:ea typeface="Tahoma" panose="020B0604030504040204" pitchFamily="34" charset="0"/>
+                <a:cs typeface="Tahoma" panose="020B0604030504040204" pitchFamily="34" charset="0"/>
+              </a:rPr>
+              <a:t>toàn</a:t>
+            </a:r>
+            <a:r>
+              <a:rPr lang="en-US" sz="3200" dirty="0">
+                <a:latin typeface="Tahoma" panose="020B0604030504040204" pitchFamily="34" charset="0"/>
+                <a:ea typeface="Tahoma" panose="020B0604030504040204" pitchFamily="34" charset="0"/>
+                <a:cs typeface="Tahoma" panose="020B0604030504040204" pitchFamily="34" charset="0"/>
+              </a:rPr>
+              <a:t> </a:t>
+            </a:r>
+            <a:r>
+              <a:rPr lang="en-US" sz="3200" dirty="0" err="1">
+                <a:latin typeface="Tahoma" panose="020B0604030504040204" pitchFamily="34" charset="0"/>
+                <a:ea typeface="Tahoma" panose="020B0604030504040204" pitchFamily="34" charset="0"/>
+                <a:cs typeface="Tahoma" panose="020B0604030504040204" pitchFamily="34" charset="0"/>
+              </a:rPr>
+              <a:t>bộ</a:t>
+            </a:r>
+            <a:r>
+              <a:rPr lang="en-US" sz="3200" dirty="0">
+                <a:latin typeface="Tahoma" panose="020B0604030504040204" pitchFamily="34" charset="0"/>
+                <a:ea typeface="Tahoma" panose="020B0604030504040204" pitchFamily="34" charset="0"/>
+                <a:cs typeface="Tahoma" panose="020B0604030504040204" pitchFamily="34" charset="0"/>
+              </a:rPr>
+              <a:t> dataset, </a:t>
+            </a:r>
+            <a:r>
+              <a:rPr lang="en-US" sz="3200" dirty="0" err="1">
+                <a:latin typeface="Tahoma" panose="020B0604030504040204" pitchFamily="34" charset="0"/>
+                <a:ea typeface="Tahoma" panose="020B0604030504040204" pitchFamily="34" charset="0"/>
+                <a:cs typeface="Tahoma" panose="020B0604030504040204" pitchFamily="34" charset="0"/>
+              </a:rPr>
+              <a:t>thay</a:t>
+            </a:r>
+            <a:r>
+              <a:rPr lang="en-US" sz="3200" dirty="0">
+                <a:latin typeface="Tahoma" panose="020B0604030504040204" pitchFamily="34" charset="0"/>
+                <a:ea typeface="Tahoma" panose="020B0604030504040204" pitchFamily="34" charset="0"/>
+                <a:cs typeface="Tahoma" panose="020B0604030504040204" pitchFamily="34" charset="0"/>
+              </a:rPr>
+              <a:t> </a:t>
+            </a:r>
+            <a:r>
+              <a:rPr lang="en-US" sz="3200" dirty="0" err="1">
+                <a:latin typeface="Tahoma" panose="020B0604030504040204" pitchFamily="34" charset="0"/>
+                <a:ea typeface="Tahoma" panose="020B0604030504040204" pitchFamily="34" charset="0"/>
+                <a:cs typeface="Tahoma" panose="020B0604030504040204" pitchFamily="34" charset="0"/>
+              </a:rPr>
+              <a:t>vì</a:t>
+            </a:r>
+            <a:r>
+              <a:rPr lang="en-US" sz="3200" dirty="0">
+                <a:latin typeface="Tahoma" panose="020B0604030504040204" pitchFamily="34" charset="0"/>
+                <a:ea typeface="Tahoma" panose="020B0604030504040204" pitchFamily="34" charset="0"/>
+                <a:cs typeface="Tahoma" panose="020B0604030504040204" pitchFamily="34" charset="0"/>
+              </a:rPr>
+              <a:t> </a:t>
+            </a:r>
+            <a:r>
+              <a:rPr lang="en-US" sz="3200" dirty="0" err="1">
+                <a:latin typeface="Tahoma" panose="020B0604030504040204" pitchFamily="34" charset="0"/>
+                <a:ea typeface="Tahoma" panose="020B0604030504040204" pitchFamily="34" charset="0"/>
+                <a:cs typeface="Tahoma" panose="020B0604030504040204" pitchFamily="34" charset="0"/>
+              </a:rPr>
+              <a:t>chỉ</a:t>
+            </a:r>
+            <a:r>
+              <a:rPr lang="en-US" sz="3200" dirty="0">
+                <a:latin typeface="Tahoma" panose="020B0604030504040204" pitchFamily="34" charset="0"/>
+                <a:ea typeface="Tahoma" panose="020B0604030504040204" pitchFamily="34" charset="0"/>
+                <a:cs typeface="Tahoma" panose="020B0604030504040204" pitchFamily="34" charset="0"/>
+              </a:rPr>
+              <a:t> chia 2 </a:t>
+            </a:r>
+            <a:r>
+              <a:rPr lang="en-US" sz="3200" dirty="0" err="1">
+                <a:latin typeface="Tahoma" panose="020B0604030504040204" pitchFamily="34" charset="0"/>
+                <a:ea typeface="Tahoma" panose="020B0604030504040204" pitchFamily="34" charset="0"/>
+                <a:cs typeface="Tahoma" panose="020B0604030504040204" pitchFamily="34" charset="0"/>
+              </a:rPr>
+              <a:t>tập</a:t>
+            </a:r>
+            <a:r>
+              <a:rPr lang="en-US" sz="3200" dirty="0">
+                <a:latin typeface="Tahoma" panose="020B0604030504040204" pitchFamily="34" charset="0"/>
+                <a:ea typeface="Tahoma" panose="020B0604030504040204" pitchFamily="34" charset="0"/>
+                <a:cs typeface="Tahoma" panose="020B0604030504040204" pitchFamily="34" charset="0"/>
+              </a:rPr>
+              <a:t> train/test </a:t>
+            </a:r>
+            <a:r>
+              <a:rPr lang="en-US" sz="3200" dirty="0" err="1">
+                <a:latin typeface="Tahoma" panose="020B0604030504040204" pitchFamily="34" charset="0"/>
+                <a:ea typeface="Tahoma" panose="020B0604030504040204" pitchFamily="34" charset="0"/>
+                <a:cs typeface="Tahoma" panose="020B0604030504040204" pitchFamily="34" charset="0"/>
+              </a:rPr>
+              <a:t>với</a:t>
+            </a:r>
+            <a:r>
+              <a:rPr lang="en-US" sz="3200" dirty="0">
+                <a:latin typeface="Tahoma" panose="020B0604030504040204" pitchFamily="34" charset="0"/>
+                <a:ea typeface="Tahoma" panose="020B0604030504040204" pitchFamily="34" charset="0"/>
+                <a:cs typeface="Tahoma" panose="020B0604030504040204" pitchFamily="34" charset="0"/>
+              </a:rPr>
+              <a:t> </a:t>
+            </a:r>
+            <a:r>
+              <a:rPr lang="en-US" sz="3200" dirty="0" err="1">
+                <a:latin typeface="Tahoma" panose="020B0604030504040204" pitchFamily="34" charset="0"/>
+                <a:ea typeface="Tahoma" panose="020B0604030504040204" pitchFamily="34" charset="0"/>
+                <a:cs typeface="Tahoma" panose="020B0604030504040204" pitchFamily="34" charset="0"/>
+              </a:rPr>
+              <a:t>tỉ</a:t>
+            </a:r>
+            <a:r>
+              <a:rPr lang="en-US" sz="3200" dirty="0">
+                <a:latin typeface="Tahoma" panose="020B0604030504040204" pitchFamily="34" charset="0"/>
+                <a:ea typeface="Tahoma" panose="020B0604030504040204" pitchFamily="34" charset="0"/>
+                <a:cs typeface="Tahoma" panose="020B0604030504040204" pitchFamily="34" charset="0"/>
+              </a:rPr>
+              <a:t> </a:t>
+            </a:r>
+            <a:r>
+              <a:rPr lang="en-US" sz="3200" dirty="0" err="1">
+                <a:latin typeface="Tahoma" panose="020B0604030504040204" pitchFamily="34" charset="0"/>
+                <a:ea typeface="Tahoma" panose="020B0604030504040204" pitchFamily="34" charset="0"/>
+                <a:cs typeface="Tahoma" panose="020B0604030504040204" pitchFamily="34" charset="0"/>
+              </a:rPr>
+              <a:t>lệ</a:t>
+            </a:r>
+            <a:r>
+              <a:rPr lang="en-US" sz="3200" dirty="0">
+                <a:latin typeface="Tahoma" panose="020B0604030504040204" pitchFamily="34" charset="0"/>
+                <a:ea typeface="Tahoma" panose="020B0604030504040204" pitchFamily="34" charset="0"/>
+                <a:cs typeface="Tahoma" panose="020B0604030504040204" pitchFamily="34" charset="0"/>
+              </a:rPr>
+              <a:t> 8/2.</a:t>
+            </a:r>
+          </a:p>
+          <a:p>
+            <a:r>
+              <a:rPr lang="en-US" sz="3200" dirty="0" err="1">
+                <a:latin typeface="Tahoma" panose="020B0604030504040204" pitchFamily="34" charset="0"/>
+                <a:ea typeface="Tahoma" panose="020B0604030504040204" pitchFamily="34" charset="0"/>
+                <a:cs typeface="Tahoma" panose="020B0604030504040204" pitchFamily="34" charset="0"/>
+              </a:rPr>
+              <a:t>Thêm</a:t>
+            </a:r>
+            <a:r>
+              <a:rPr lang="en-US" sz="3200" dirty="0">
+                <a:latin typeface="Tahoma" panose="020B0604030504040204" pitchFamily="34" charset="0"/>
+                <a:ea typeface="Tahoma" panose="020B0604030504040204" pitchFamily="34" charset="0"/>
+                <a:cs typeface="Tahoma" panose="020B0604030504040204" pitchFamily="34" charset="0"/>
+              </a:rPr>
+              <a:t> </a:t>
+            </a:r>
+            <a:r>
+              <a:rPr lang="en-US" sz="3200" dirty="0" err="1">
+                <a:latin typeface="Tahoma" panose="020B0604030504040204" pitchFamily="34" charset="0"/>
+                <a:ea typeface="Tahoma" panose="020B0604030504040204" pitchFamily="34" charset="0"/>
+                <a:cs typeface="Tahoma" panose="020B0604030504040204" pitchFamily="34" charset="0"/>
+              </a:rPr>
+              <a:t>vào</a:t>
+            </a:r>
+            <a:r>
+              <a:rPr lang="en-US" sz="3200" dirty="0">
+                <a:latin typeface="Tahoma" panose="020B0604030504040204" pitchFamily="34" charset="0"/>
+                <a:ea typeface="Tahoma" panose="020B0604030504040204" pitchFamily="34" charset="0"/>
+                <a:cs typeface="Tahoma" panose="020B0604030504040204" pitchFamily="34" charset="0"/>
+              </a:rPr>
+              <a:t> </a:t>
+            </a:r>
+            <a:r>
+              <a:rPr lang="en-US" sz="3200" dirty="0" err="1">
+                <a:latin typeface="Tahoma" panose="020B0604030504040204" pitchFamily="34" charset="0"/>
+                <a:ea typeface="Tahoma" panose="020B0604030504040204" pitchFamily="34" charset="0"/>
+                <a:cs typeface="Tahoma" panose="020B0604030504040204" pitchFamily="34" charset="0"/>
+              </a:rPr>
+              <a:t>mô</a:t>
+            </a:r>
+            <a:r>
+              <a:rPr lang="en-US" sz="3200" dirty="0">
+                <a:latin typeface="Tahoma" panose="020B0604030504040204" pitchFamily="34" charset="0"/>
+                <a:ea typeface="Tahoma" panose="020B0604030504040204" pitchFamily="34" charset="0"/>
+                <a:cs typeface="Tahoma" panose="020B0604030504040204" pitchFamily="34" charset="0"/>
+              </a:rPr>
+              <a:t> </a:t>
+            </a:r>
+            <a:r>
+              <a:rPr lang="en-US" sz="3200" dirty="0" err="1">
+                <a:latin typeface="Tahoma" panose="020B0604030504040204" pitchFamily="34" charset="0"/>
+                <a:ea typeface="Tahoma" panose="020B0604030504040204" pitchFamily="34" charset="0"/>
+                <a:cs typeface="Tahoma" panose="020B0604030504040204" pitchFamily="34" charset="0"/>
+              </a:rPr>
+              <a:t>tả</a:t>
+            </a:r>
+            <a:r>
+              <a:rPr lang="en-US" sz="3200" dirty="0">
+                <a:latin typeface="Tahoma" panose="020B0604030504040204" pitchFamily="34" charset="0"/>
+                <a:ea typeface="Tahoma" panose="020B0604030504040204" pitchFamily="34" charset="0"/>
+                <a:cs typeface="Tahoma" panose="020B0604030504040204" pitchFamily="34" charset="0"/>
+              </a:rPr>
+              <a:t> </a:t>
+            </a:r>
+            <a:r>
+              <a:rPr lang="en-US" sz="3200" dirty="0" err="1">
+                <a:latin typeface="Tahoma" panose="020B0604030504040204" pitchFamily="34" charset="0"/>
+                <a:ea typeface="Tahoma" panose="020B0604030504040204" pitchFamily="34" charset="0"/>
+                <a:cs typeface="Tahoma" panose="020B0604030504040204" pitchFamily="34" charset="0"/>
+              </a:rPr>
+              <a:t>thuật</a:t>
+            </a:r>
+            <a:r>
+              <a:rPr lang="en-US" sz="3200" dirty="0">
+                <a:latin typeface="Tahoma" panose="020B0604030504040204" pitchFamily="34" charset="0"/>
+                <a:ea typeface="Tahoma" panose="020B0604030504040204" pitchFamily="34" charset="0"/>
+                <a:cs typeface="Tahoma" panose="020B0604030504040204" pitchFamily="34" charset="0"/>
+              </a:rPr>
+              <a:t> </a:t>
+            </a:r>
+            <a:r>
+              <a:rPr lang="en-US" sz="3200" dirty="0" err="1">
+                <a:latin typeface="Tahoma" panose="020B0604030504040204" pitchFamily="34" charset="0"/>
+                <a:ea typeface="Tahoma" panose="020B0604030504040204" pitchFamily="34" charset="0"/>
+                <a:cs typeface="Tahoma" panose="020B0604030504040204" pitchFamily="34" charset="0"/>
+              </a:rPr>
+              <a:t>toán</a:t>
+            </a:r>
+            <a:r>
+              <a:rPr lang="en-US" sz="3200" dirty="0">
+                <a:latin typeface="Tahoma" panose="020B0604030504040204" pitchFamily="34" charset="0"/>
+                <a:ea typeface="Tahoma" panose="020B0604030504040204" pitchFamily="34" charset="0"/>
+                <a:cs typeface="Tahoma" panose="020B0604030504040204" pitchFamily="34" charset="0"/>
+              </a:rPr>
+              <a:t> </a:t>
+            </a:r>
+            <a:r>
+              <a:rPr lang="en-US" sz="3200" dirty="0" err="1">
+                <a:latin typeface="Tahoma" panose="020B0604030504040204" pitchFamily="34" charset="0"/>
+                <a:ea typeface="Tahoma" panose="020B0604030504040204" pitchFamily="34" charset="0"/>
+                <a:cs typeface="Tahoma" panose="020B0604030504040204" pitchFamily="34" charset="0"/>
+              </a:rPr>
+              <a:t>và</a:t>
+            </a:r>
+            <a:r>
+              <a:rPr lang="en-US" sz="3200" dirty="0">
+                <a:latin typeface="Tahoma" panose="020B0604030504040204" pitchFamily="34" charset="0"/>
+                <a:ea typeface="Tahoma" panose="020B0604030504040204" pitchFamily="34" charset="0"/>
+                <a:cs typeface="Tahoma" panose="020B0604030504040204" pitchFamily="34" charset="0"/>
+              </a:rPr>
+              <a:t> </a:t>
+            </a:r>
+            <a:r>
+              <a:rPr lang="en-US" sz="3200" dirty="0" err="1">
+                <a:latin typeface="Tahoma" panose="020B0604030504040204" pitchFamily="34" charset="0"/>
+                <a:ea typeface="Tahoma" panose="020B0604030504040204" pitchFamily="34" charset="0"/>
+                <a:cs typeface="Tahoma" panose="020B0604030504040204" pitchFamily="34" charset="0"/>
+              </a:rPr>
+              <a:t>lí</a:t>
+            </a:r>
+            <a:r>
+              <a:rPr lang="en-US" sz="3200" dirty="0">
+                <a:latin typeface="Tahoma" panose="020B0604030504040204" pitchFamily="34" charset="0"/>
+                <a:ea typeface="Tahoma" panose="020B0604030504040204" pitchFamily="34" charset="0"/>
+                <a:cs typeface="Tahoma" panose="020B0604030504040204" pitchFamily="34" charset="0"/>
+              </a:rPr>
+              <a:t> do </a:t>
+            </a:r>
+            <a:r>
+              <a:rPr lang="en-US" sz="3200" dirty="0" err="1">
+                <a:latin typeface="Tahoma" panose="020B0604030504040204" pitchFamily="34" charset="0"/>
+                <a:ea typeface="Tahoma" panose="020B0604030504040204" pitchFamily="34" charset="0"/>
+                <a:cs typeface="Tahoma" panose="020B0604030504040204" pitchFamily="34" charset="0"/>
+              </a:rPr>
+              <a:t>lựa</a:t>
+            </a:r>
+            <a:r>
+              <a:rPr lang="en-US" sz="3200" dirty="0">
+                <a:latin typeface="Tahoma" panose="020B0604030504040204" pitchFamily="34" charset="0"/>
+                <a:ea typeface="Tahoma" panose="020B0604030504040204" pitchFamily="34" charset="0"/>
+                <a:cs typeface="Tahoma" panose="020B0604030504040204" pitchFamily="34" charset="0"/>
+              </a:rPr>
+              <a:t> </a:t>
+            </a:r>
+            <a:r>
+              <a:rPr lang="en-US" sz="3200" dirty="0" err="1">
+                <a:latin typeface="Tahoma" panose="020B0604030504040204" pitchFamily="34" charset="0"/>
+                <a:ea typeface="Tahoma" panose="020B0604030504040204" pitchFamily="34" charset="0"/>
+                <a:cs typeface="Tahoma" panose="020B0604030504040204" pitchFamily="34" charset="0"/>
+              </a:rPr>
+              <a:t>chọn</a:t>
+            </a:r>
+            <a:r>
+              <a:rPr lang="en-US" sz="3200" dirty="0">
+                <a:latin typeface="Tahoma" panose="020B0604030504040204" pitchFamily="34" charset="0"/>
+                <a:ea typeface="Tahoma" panose="020B0604030504040204" pitchFamily="34" charset="0"/>
+                <a:cs typeface="Tahoma" panose="020B0604030504040204" pitchFamily="34" charset="0"/>
+              </a:rPr>
+              <a:t> </a:t>
+            </a:r>
+            <a:r>
+              <a:rPr lang="en-US" sz="3200" dirty="0" err="1">
+                <a:latin typeface="Tahoma" panose="020B0604030504040204" pitchFamily="34" charset="0"/>
+                <a:ea typeface="Tahoma" panose="020B0604030504040204" pitchFamily="34" charset="0"/>
+                <a:cs typeface="Tahoma" panose="020B0604030504040204" pitchFamily="34" charset="0"/>
+              </a:rPr>
+              <a:t>thuật</a:t>
+            </a:r>
+            <a:r>
+              <a:rPr lang="en-US" sz="3200" dirty="0">
+                <a:latin typeface="Tahoma" panose="020B0604030504040204" pitchFamily="34" charset="0"/>
+                <a:ea typeface="Tahoma" panose="020B0604030504040204" pitchFamily="34" charset="0"/>
+                <a:cs typeface="Tahoma" panose="020B0604030504040204" pitchFamily="34" charset="0"/>
+              </a:rPr>
+              <a:t> </a:t>
+            </a:r>
+            <a:r>
+              <a:rPr lang="en-US" sz="3200" dirty="0" err="1">
+                <a:latin typeface="Tahoma" panose="020B0604030504040204" pitchFamily="34" charset="0"/>
+                <a:ea typeface="Tahoma" panose="020B0604030504040204" pitchFamily="34" charset="0"/>
+                <a:cs typeface="Tahoma" panose="020B0604030504040204" pitchFamily="34" charset="0"/>
+              </a:rPr>
+              <a:t>toán</a:t>
+            </a:r>
+            <a:r>
+              <a:rPr lang="en-US" sz="3200" dirty="0">
+                <a:latin typeface="Tahoma" panose="020B0604030504040204" pitchFamily="34" charset="0"/>
+                <a:ea typeface="Tahoma" panose="020B0604030504040204" pitchFamily="34" charset="0"/>
+                <a:cs typeface="Tahoma" panose="020B0604030504040204" pitchFamily="34" charset="0"/>
+              </a:rPr>
+              <a:t> Random Forest </a:t>
+            </a:r>
+            <a:r>
+              <a:rPr lang="en-US" sz="3200" dirty="0" err="1">
+                <a:latin typeface="Tahoma" panose="020B0604030504040204" pitchFamily="34" charset="0"/>
+                <a:ea typeface="Tahoma" panose="020B0604030504040204" pitchFamily="34" charset="0"/>
+                <a:cs typeface="Tahoma" panose="020B0604030504040204" pitchFamily="34" charset="0"/>
+              </a:rPr>
+              <a:t>làm</a:t>
+            </a:r>
+            <a:r>
+              <a:rPr lang="en-US" sz="3200" dirty="0">
+                <a:latin typeface="Tahoma" panose="020B0604030504040204" pitchFamily="34" charset="0"/>
+                <a:ea typeface="Tahoma" panose="020B0604030504040204" pitchFamily="34" charset="0"/>
+                <a:cs typeface="Tahoma" panose="020B0604030504040204" pitchFamily="34" charset="0"/>
+              </a:rPr>
+              <a:t> </a:t>
+            </a:r>
+            <a:r>
+              <a:rPr lang="en-US" sz="3200" dirty="0" err="1">
+                <a:latin typeface="Tahoma" panose="020B0604030504040204" pitchFamily="34" charset="0"/>
+                <a:ea typeface="Tahoma" panose="020B0604030504040204" pitchFamily="34" charset="0"/>
+                <a:cs typeface="Tahoma" panose="020B0604030504040204" pitchFamily="34" charset="0"/>
+              </a:rPr>
+              <a:t>thuật</a:t>
+            </a:r>
+            <a:r>
+              <a:rPr lang="en-US" sz="3200" dirty="0">
+                <a:latin typeface="Tahoma" panose="020B0604030504040204" pitchFamily="34" charset="0"/>
+                <a:ea typeface="Tahoma" panose="020B0604030504040204" pitchFamily="34" charset="0"/>
+                <a:cs typeface="Tahoma" panose="020B0604030504040204" pitchFamily="34" charset="0"/>
+              </a:rPr>
+              <a:t> </a:t>
+            </a:r>
+            <a:r>
+              <a:rPr lang="en-US" sz="3200" dirty="0" err="1">
+                <a:latin typeface="Tahoma" panose="020B0604030504040204" pitchFamily="34" charset="0"/>
+                <a:ea typeface="Tahoma" panose="020B0604030504040204" pitchFamily="34" charset="0"/>
+                <a:cs typeface="Tahoma" panose="020B0604030504040204" pitchFamily="34" charset="0"/>
+              </a:rPr>
+              <a:t>toán</a:t>
+            </a:r>
+            <a:r>
+              <a:rPr lang="en-US" sz="3200" dirty="0">
+                <a:latin typeface="Tahoma" panose="020B0604030504040204" pitchFamily="34" charset="0"/>
+                <a:ea typeface="Tahoma" panose="020B0604030504040204" pitchFamily="34" charset="0"/>
+                <a:cs typeface="Tahoma" panose="020B0604030504040204" pitchFamily="34" charset="0"/>
+              </a:rPr>
+              <a:t> </a:t>
+            </a:r>
+            <a:r>
+              <a:rPr lang="en-US" sz="3200" dirty="0" err="1">
+                <a:latin typeface="Tahoma" panose="020B0604030504040204" pitchFamily="34" charset="0"/>
+                <a:ea typeface="Tahoma" panose="020B0604030504040204" pitchFamily="34" charset="0"/>
+                <a:cs typeface="Tahoma" panose="020B0604030504040204" pitchFamily="34" charset="0"/>
+              </a:rPr>
+              <a:t>cuối</a:t>
+            </a:r>
+            <a:r>
+              <a:rPr lang="en-US" sz="3200" dirty="0">
+                <a:latin typeface="Tahoma" panose="020B0604030504040204" pitchFamily="34" charset="0"/>
+                <a:ea typeface="Tahoma" panose="020B0604030504040204" pitchFamily="34" charset="0"/>
+                <a:cs typeface="Tahoma" panose="020B0604030504040204" pitchFamily="34" charset="0"/>
+              </a:rPr>
+              <a:t> </a:t>
+            </a:r>
+            <a:r>
+              <a:rPr lang="en-US" sz="3200" dirty="0" err="1">
+                <a:latin typeface="Tahoma" panose="020B0604030504040204" pitchFamily="34" charset="0"/>
+                <a:ea typeface="Tahoma" panose="020B0604030504040204" pitchFamily="34" charset="0"/>
+                <a:cs typeface="Tahoma" panose="020B0604030504040204" pitchFamily="34" charset="0"/>
+              </a:rPr>
+              <a:t>cùng</a:t>
+            </a:r>
+            <a:r>
+              <a:rPr lang="en-US" sz="3200" dirty="0">
+                <a:latin typeface="Tahoma" panose="020B0604030504040204" pitchFamily="34" charset="0"/>
+                <a:ea typeface="Tahoma" panose="020B0604030504040204" pitchFamily="34" charset="0"/>
+                <a:cs typeface="Tahoma" panose="020B0604030504040204" pitchFamily="34" charset="0"/>
+              </a:rPr>
+              <a:t> </a:t>
+            </a:r>
+            <a:r>
+              <a:rPr lang="en-US" sz="3200" dirty="0" err="1">
+                <a:latin typeface="Tahoma" panose="020B0604030504040204" pitchFamily="34" charset="0"/>
+                <a:ea typeface="Tahoma" panose="020B0604030504040204" pitchFamily="34" charset="0"/>
+                <a:cs typeface="Tahoma" panose="020B0604030504040204" pitchFamily="34" charset="0"/>
+              </a:rPr>
+              <a:t>để</a:t>
+            </a:r>
+            <a:r>
+              <a:rPr lang="en-US" sz="3200" dirty="0">
+                <a:latin typeface="Tahoma" panose="020B0604030504040204" pitchFamily="34" charset="0"/>
+                <a:ea typeface="Tahoma" panose="020B0604030504040204" pitchFamily="34" charset="0"/>
+                <a:cs typeface="Tahoma" panose="020B0604030504040204" pitchFamily="34" charset="0"/>
+              </a:rPr>
+              <a:t> </a:t>
+            </a:r>
+            <a:r>
+              <a:rPr lang="en-US" sz="3200" dirty="0" err="1">
+                <a:latin typeface="Tahoma" panose="020B0604030504040204" pitchFamily="34" charset="0"/>
+                <a:ea typeface="Tahoma" panose="020B0604030504040204" pitchFamily="34" charset="0"/>
+                <a:cs typeface="Tahoma" panose="020B0604030504040204" pitchFamily="34" charset="0"/>
+              </a:rPr>
+              <a:t>chạy</a:t>
+            </a:r>
+            <a:r>
+              <a:rPr lang="en-US" sz="3200" dirty="0">
+                <a:latin typeface="Tahoma" panose="020B0604030504040204" pitchFamily="34" charset="0"/>
+                <a:ea typeface="Tahoma" panose="020B0604030504040204" pitchFamily="34" charset="0"/>
+                <a:cs typeface="Tahoma" panose="020B0604030504040204" pitchFamily="34" charset="0"/>
+              </a:rPr>
+              <a:t> </a:t>
+            </a:r>
+            <a:r>
+              <a:rPr lang="en-US" sz="3200" dirty="0" err="1">
+                <a:latin typeface="Tahoma" panose="020B0604030504040204" pitchFamily="34" charset="0"/>
+                <a:ea typeface="Tahoma" panose="020B0604030504040204" pitchFamily="34" charset="0"/>
+                <a:cs typeface="Tahoma" panose="020B0604030504040204" pitchFamily="34" charset="0"/>
+              </a:rPr>
+              <a:t>trên</a:t>
+            </a:r>
+            <a:r>
+              <a:rPr lang="en-US" sz="3200" dirty="0">
+                <a:latin typeface="Tahoma" panose="020B0604030504040204" pitchFamily="34" charset="0"/>
+                <a:ea typeface="Tahoma" panose="020B0604030504040204" pitchFamily="34" charset="0"/>
+                <a:cs typeface="Tahoma" panose="020B0604030504040204" pitchFamily="34" charset="0"/>
+              </a:rPr>
+              <a:t> </a:t>
+            </a:r>
+            <a:r>
+              <a:rPr lang="en-US" sz="3200" dirty="0" err="1">
+                <a:latin typeface="Tahoma" panose="020B0604030504040204" pitchFamily="34" charset="0"/>
+                <a:ea typeface="Tahoma" panose="020B0604030504040204" pitchFamily="34" charset="0"/>
+                <a:cs typeface="Tahoma" panose="020B0604030504040204" pitchFamily="34" charset="0"/>
+              </a:rPr>
+              <a:t>tập</a:t>
+            </a:r>
+            <a:r>
+              <a:rPr lang="en-US" sz="3200" dirty="0">
+                <a:latin typeface="Tahoma" panose="020B0604030504040204" pitchFamily="34" charset="0"/>
+                <a:ea typeface="Tahoma" panose="020B0604030504040204" pitchFamily="34" charset="0"/>
+                <a:cs typeface="Tahoma" panose="020B0604030504040204" pitchFamily="34" charset="0"/>
+              </a:rPr>
+              <a:t> test</a:t>
+            </a:r>
+          </a:p>
+        </p:txBody>
+      </p:sp>
+      <p:sp>
+        <p:nvSpPr>
+          <p:cNvPr id="4" name="Slide Number Placeholder 3">
+            <a:extLst>
+              <a:ext uri="{FF2B5EF4-FFF2-40B4-BE49-F238E27FC236}">
+                <a16:creationId xmlns:a16="http://schemas.microsoft.com/office/drawing/2014/main" id="{8B824261-230A-4E52-AEDB-59D0C45C14C7}"/>
+              </a:ext>
+            </a:extLst>
+          </p:cNvPr>
+          <p:cNvSpPr>
+            <a:spLocks noGrp="1"/>
+          </p:cNvSpPr>
+          <p:nvPr>
+            <p:ph type="sldNum" sz="quarter" idx="12"/>
+          </p:nvPr>
+        </p:nvSpPr>
+        <p:spPr/>
+        <p:txBody>
+          <a:bodyPr/>
+          <a:lstStyle/>
+          <a:p>
+            <a:fld id="{C2A74E92-A1E9-4D96-8B19-9FA9AB19DBB5}" type="slidenum">
+              <a:rPr lang="en-GB" smtClean="0"/>
+              <a:t>2</a:t>
+            </a:fld>
+            <a:endParaRPr lang="en-GB"/>
+          </a:p>
+        </p:txBody>
+      </p:sp>
+    </p:spTree>
+    <p:extLst>
+      <p:ext uri="{BB962C8B-B14F-4D97-AF65-F5344CB8AC3E}">
+        <p14:creationId xmlns:p14="http://schemas.microsoft.com/office/powerpoint/2010/main" val="3235173033"/>
+      </p:ext>
+    </p:extLst>
+  </p:cSld>
+  <p:clrMapOvr>
+    <a:masterClrMapping/>
+  </p:clrMapOvr>
+</p:sld>
+</file>
+
+<file path=ppt/slides/slide20.xml><?xml version="1.0" encoding="utf-8"?>
 <p:sld xmlns:a="http://schemas.openxmlformats.org/drawingml/2006/main" xmlns:r="http://schemas.openxmlformats.org/officeDocument/2006/relationships" xmlns:p="http://schemas.openxmlformats.org/presentationml/2006/main">
   <p:cSld>
     <p:spTree>
@@ -5679,7 +12053,7 @@
           <a:p>
             <a:fld id="{C2A74E92-A1E9-4D96-8B19-9FA9AB19DBB5}" type="slidenum">
               <a:rPr lang="en-GB" smtClean="0"/>
-              <a:t>15</a:t>
+              <a:t>20</a:t>
             </a:fld>
             <a:endParaRPr lang="en-GB"/>
           </a:p>
@@ -5698,7 +12072,7 @@
 </p:sld>
 </file>
 
-<file path=ppt/slides/slide16.xml><?xml version="1.0" encoding="utf-8"?>
+<file path=ppt/slides/slide21.xml><?xml version="1.0" encoding="utf-8"?>
 <p:sld xmlns:a="http://schemas.openxmlformats.org/drawingml/2006/main" xmlns:r="http://schemas.openxmlformats.org/officeDocument/2006/relationships" xmlns:p="http://schemas.openxmlformats.org/presentationml/2006/main">
   <p:cSld>
     <p:spTree>
@@ -5868,23 +12242,7 @@
                 <a:ea typeface="Tahoma" panose="020B0604030504040204" pitchFamily="34" charset="0"/>
                 <a:cs typeface="Tahoma" panose="020B0604030504040204" pitchFamily="34" charset="0"/>
               </a:rPr>
-              <a:t>n </a:t>
-            </a:r>
-            <a:r>
-              <a:rPr lang="en-GB" sz="3200" dirty="0" err="1">
-                <a:latin typeface="Tahoma" panose="020B0604030504040204" pitchFamily="34" charset="0"/>
-                <a:ea typeface="Tahoma" panose="020B0604030504040204" pitchFamily="34" charset="0"/>
-                <a:cs typeface="Tahoma" panose="020B0604030504040204" pitchFamily="34" charset="0"/>
-              </a:rPr>
-              <a:t>gini</a:t>
-            </a:r>
-            <a:r>
-              <a:rPr lang="en-GB" sz="3200" dirty="0">
-                <a:latin typeface="Tahoma" panose="020B0604030504040204" pitchFamily="34" charset="0"/>
-                <a:ea typeface="Tahoma" panose="020B0604030504040204" pitchFamily="34" charset="0"/>
-                <a:cs typeface="Tahoma" panose="020B0604030504040204" pitchFamily="34" charset="0"/>
-              </a:rPr>
-              <a:t>.</a:t>
+              <a:t>n.</a:t>
             </a:r>
           </a:p>
           <a:p>
@@ -6400,7 +12758,7 @@
           <a:p>
             <a:fld id="{C2A74E92-A1E9-4D96-8B19-9FA9AB19DBB5}" type="slidenum">
               <a:rPr lang="en-GB" smtClean="0"/>
-              <a:t>16</a:t>
+              <a:t>21</a:t>
             </a:fld>
             <a:endParaRPr lang="en-GB"/>
           </a:p>
@@ -6419,7 +12777,7 @@
 </p:sld>
 </file>
 
-<file path=ppt/slides/slide17.xml><?xml version="1.0" encoding="utf-8"?>
+<file path=ppt/slides/slide22.xml><?xml version="1.0" encoding="utf-8"?>
 <p:sld xmlns:a="http://schemas.openxmlformats.org/drawingml/2006/main" xmlns:r="http://schemas.openxmlformats.org/officeDocument/2006/relationships" xmlns:p="http://schemas.openxmlformats.org/presentationml/2006/main">
   <p:cSld>
     <p:spTree>
@@ -6487,7 +12845,7 @@
           <a:p>
             <a:fld id="{C2A74E92-A1E9-4D96-8B19-9FA9AB19DBB5}" type="slidenum">
               <a:rPr lang="en-GB" smtClean="0"/>
-              <a:t>17</a:t>
+              <a:t>22</a:t>
             </a:fld>
             <a:endParaRPr lang="en-GB"/>
           </a:p>
@@ -6566,7 +12924,1586 @@
 </p:sld>
 </file>
 
-<file path=ppt/slides/slide18.xml><?xml version="1.0" encoding="utf-8"?>
+<file path=ppt/slides/slide23.xml><?xml version="1.0" encoding="utf-8"?>
+<p:sld xmlns:a="http://schemas.openxmlformats.org/drawingml/2006/main" xmlns:r="http://schemas.openxmlformats.org/officeDocument/2006/relationships" xmlns:p="http://schemas.openxmlformats.org/presentationml/2006/main">
+  <p:cSld>
+    <p:spTree>
+      <p:nvGrpSpPr>
+        <p:cNvPr id="1" name=""/>
+        <p:cNvGrpSpPr/>
+        <p:nvPr/>
+      </p:nvGrpSpPr>
+      <p:grpSpPr>
+        <a:xfrm>
+          <a:off x="0" y="0"/>
+          <a:ext cx="0" cy="0"/>
+          <a:chOff x="0" y="0"/>
+          <a:chExt cx="0" cy="0"/>
+        </a:xfrm>
+      </p:grpSpPr>
+      <p:sp>
+        <p:nvSpPr>
+          <p:cNvPr id="2" name="Title 1">
+            <a:extLst>
+              <a:ext uri="{FF2B5EF4-FFF2-40B4-BE49-F238E27FC236}">
+                <a16:creationId xmlns:a16="http://schemas.microsoft.com/office/drawing/2014/main" id="{1D93F1A6-3F6E-4AAE-87E7-4A5E17E10228}"/>
+              </a:ext>
+            </a:extLst>
+          </p:cNvPr>
+          <p:cNvSpPr>
+            <a:spLocks noGrp="1"/>
+          </p:cNvSpPr>
+          <p:nvPr>
+            <p:ph type="title"/>
+          </p:nvPr>
+        </p:nvSpPr>
+        <p:spPr/>
+        <p:txBody>
+          <a:bodyPr/>
+          <a:lstStyle/>
+          <a:p>
+            <a:r>
+              <a:rPr lang="en-GB" b="1" dirty="0"/>
+              <a:t>HỌC – KIỂM THỬ VÀ KẾT QUẢ</a:t>
+            </a:r>
+          </a:p>
+        </p:txBody>
+      </p:sp>
+      <p:sp>
+        <p:nvSpPr>
+          <p:cNvPr id="4" name="Content Placeholder 3">
+            <a:extLst>
+              <a:ext uri="{FF2B5EF4-FFF2-40B4-BE49-F238E27FC236}">
+                <a16:creationId xmlns:a16="http://schemas.microsoft.com/office/drawing/2014/main" id="{DF1FF6C7-5442-4C21-93CD-C0DE7B7B9C18}"/>
+              </a:ext>
+            </a:extLst>
+          </p:cNvPr>
+          <p:cNvSpPr>
+            <a:spLocks noGrp="1"/>
+          </p:cNvSpPr>
+          <p:nvPr>
+            <p:ph idx="1"/>
+          </p:nvPr>
+        </p:nvSpPr>
+        <p:spPr/>
+        <p:txBody>
+          <a:bodyPr>
+            <a:noAutofit/>
+          </a:bodyPr>
+          <a:lstStyle/>
+          <a:p>
+            <a:pPr marL="0" indent="0">
+              <a:buNone/>
+            </a:pPr>
+            <a:r>
+              <a:rPr lang="en-GB" sz="3200" dirty="0" err="1">
+                <a:latin typeface="Tahoma" panose="020B0604030504040204" pitchFamily="34" charset="0"/>
+                <a:ea typeface="Tahoma" panose="020B0604030504040204" pitchFamily="34" charset="0"/>
+                <a:cs typeface="Tahoma" panose="020B0604030504040204" pitchFamily="34" charset="0"/>
+              </a:rPr>
+              <a:t>Lý</a:t>
+            </a:r>
+            <a:r>
+              <a:rPr lang="en-GB" sz="3200" dirty="0">
+                <a:latin typeface="Tahoma" panose="020B0604030504040204" pitchFamily="34" charset="0"/>
+                <a:ea typeface="Tahoma" panose="020B0604030504040204" pitchFamily="34" charset="0"/>
+                <a:cs typeface="Tahoma" panose="020B0604030504040204" pitchFamily="34" charset="0"/>
+              </a:rPr>
+              <a:t> do </a:t>
+            </a:r>
+            <a:r>
+              <a:rPr lang="en-GB" sz="3200" dirty="0" err="1">
+                <a:latin typeface="Tahoma" panose="020B0604030504040204" pitchFamily="34" charset="0"/>
+                <a:ea typeface="Tahoma" panose="020B0604030504040204" pitchFamily="34" charset="0"/>
+                <a:cs typeface="Tahoma" panose="020B0604030504040204" pitchFamily="34" charset="0"/>
+              </a:rPr>
+              <a:t>chọn</a:t>
+            </a:r>
+            <a:r>
+              <a:rPr lang="en-GB" sz="3200" dirty="0">
+                <a:latin typeface="Tahoma" panose="020B0604030504040204" pitchFamily="34" charset="0"/>
+                <a:ea typeface="Tahoma" panose="020B0604030504040204" pitchFamily="34" charset="0"/>
+                <a:cs typeface="Tahoma" panose="020B0604030504040204" pitchFamily="34" charset="0"/>
+              </a:rPr>
+              <a:t> Random Forest:</a:t>
+            </a:r>
+          </a:p>
+          <a:p>
+            <a:pPr lvl="0"/>
+            <a:r>
+              <a:rPr lang="en-GB" sz="3200" i="1" dirty="0" err="1">
+                <a:latin typeface="Tahoma" panose="020B0604030504040204" pitchFamily="34" charset="0"/>
+                <a:ea typeface="Tahoma" panose="020B0604030504040204" pitchFamily="34" charset="0"/>
+                <a:cs typeface="Tahoma" panose="020B0604030504040204" pitchFamily="34" charset="0"/>
+              </a:rPr>
+              <a:t>Với</a:t>
+            </a:r>
+            <a:r>
+              <a:rPr lang="en-GB" sz="3200" i="1" dirty="0">
+                <a:latin typeface="Tahoma" panose="020B0604030504040204" pitchFamily="34" charset="0"/>
+                <a:ea typeface="Tahoma" panose="020B0604030504040204" pitchFamily="34" charset="0"/>
+                <a:cs typeface="Tahoma" panose="020B0604030504040204" pitchFamily="34" charset="0"/>
+              </a:rPr>
+              <a:t> Logistic Regression</a:t>
+            </a:r>
+            <a:endParaRPr lang="en-GB" sz="3200" dirty="0">
+              <a:latin typeface="Tahoma" panose="020B0604030504040204" pitchFamily="34" charset="0"/>
+              <a:ea typeface="Tahoma" panose="020B0604030504040204" pitchFamily="34" charset="0"/>
+              <a:cs typeface="Tahoma" panose="020B0604030504040204" pitchFamily="34" charset="0"/>
+            </a:endParaRPr>
+          </a:p>
+          <a:p>
+            <a:pPr marL="0" indent="0">
+              <a:buNone/>
+            </a:pPr>
+            <a:r>
+              <a:rPr lang="en-GB" sz="3200" dirty="0" err="1">
+                <a:latin typeface="Tahoma" panose="020B0604030504040204" pitchFamily="34" charset="0"/>
+                <a:ea typeface="Tahoma" panose="020B0604030504040204" pitchFamily="34" charset="0"/>
+                <a:cs typeface="Tahoma" panose="020B0604030504040204" pitchFamily="34" charset="0"/>
+              </a:rPr>
+              <a:t>Đối</a:t>
+            </a:r>
+            <a:r>
+              <a:rPr lang="en-GB" sz="3200" dirty="0">
+                <a:latin typeface="Tahoma" panose="020B0604030504040204" pitchFamily="34" charset="0"/>
+                <a:ea typeface="Tahoma" panose="020B0604030504040204" pitchFamily="34" charset="0"/>
+                <a:cs typeface="Tahoma" panose="020B0604030504040204" pitchFamily="34" charset="0"/>
+              </a:rPr>
+              <a:t> </a:t>
+            </a:r>
+            <a:r>
+              <a:rPr lang="en-GB" sz="3200" dirty="0" err="1">
+                <a:latin typeface="Tahoma" panose="020B0604030504040204" pitchFamily="34" charset="0"/>
+                <a:ea typeface="Tahoma" panose="020B0604030504040204" pitchFamily="34" charset="0"/>
+                <a:cs typeface="Tahoma" panose="020B0604030504040204" pitchFamily="34" charset="0"/>
+              </a:rPr>
+              <a:t>với</a:t>
+            </a:r>
+            <a:r>
+              <a:rPr lang="en-GB" sz="3200" dirty="0">
+                <a:latin typeface="Tahoma" panose="020B0604030504040204" pitchFamily="34" charset="0"/>
+                <a:ea typeface="Tahoma" panose="020B0604030504040204" pitchFamily="34" charset="0"/>
+                <a:cs typeface="Tahoma" panose="020B0604030504040204" pitchFamily="34" charset="0"/>
+              </a:rPr>
+              <a:t> </a:t>
+            </a:r>
+            <a:r>
+              <a:rPr lang="en-GB" sz="3200" dirty="0" err="1">
+                <a:latin typeface="Tahoma" panose="020B0604030504040204" pitchFamily="34" charset="0"/>
+                <a:ea typeface="Tahoma" panose="020B0604030504040204" pitchFamily="34" charset="0"/>
+                <a:cs typeface="Tahoma" panose="020B0604030504040204" pitchFamily="34" charset="0"/>
+              </a:rPr>
+              <a:t>bộ</a:t>
+            </a:r>
+            <a:r>
+              <a:rPr lang="en-GB" sz="3200" dirty="0">
+                <a:latin typeface="Tahoma" panose="020B0604030504040204" pitchFamily="34" charset="0"/>
+                <a:ea typeface="Tahoma" panose="020B0604030504040204" pitchFamily="34" charset="0"/>
+                <a:cs typeface="Tahoma" panose="020B0604030504040204" pitchFamily="34" charset="0"/>
+              </a:rPr>
+              <a:t> </a:t>
+            </a:r>
+            <a:r>
+              <a:rPr lang="en-GB" sz="3200" dirty="0" err="1">
+                <a:latin typeface="Tahoma" panose="020B0604030504040204" pitchFamily="34" charset="0"/>
+                <a:ea typeface="Tahoma" panose="020B0604030504040204" pitchFamily="34" charset="0"/>
+                <a:cs typeface="Tahoma" panose="020B0604030504040204" pitchFamily="34" charset="0"/>
+              </a:rPr>
+              <a:t>dữ</a:t>
+            </a:r>
+            <a:r>
+              <a:rPr lang="en-GB" sz="3200" dirty="0">
+                <a:latin typeface="Tahoma" panose="020B0604030504040204" pitchFamily="34" charset="0"/>
+                <a:ea typeface="Tahoma" panose="020B0604030504040204" pitchFamily="34" charset="0"/>
+                <a:cs typeface="Tahoma" panose="020B0604030504040204" pitchFamily="34" charset="0"/>
+              </a:rPr>
+              <a:t> </a:t>
+            </a:r>
+            <a:r>
+              <a:rPr lang="en-GB" sz="3200" dirty="0" err="1">
+                <a:latin typeface="Tahoma" panose="020B0604030504040204" pitchFamily="34" charset="0"/>
+                <a:ea typeface="Tahoma" panose="020B0604030504040204" pitchFamily="34" charset="0"/>
+                <a:cs typeface="Tahoma" panose="020B0604030504040204" pitchFamily="34" charset="0"/>
+              </a:rPr>
+              <a:t>liệu</a:t>
+            </a:r>
+            <a:r>
+              <a:rPr lang="en-GB" sz="3200" dirty="0">
+                <a:latin typeface="Tahoma" panose="020B0604030504040204" pitchFamily="34" charset="0"/>
+                <a:ea typeface="Tahoma" panose="020B0604030504040204" pitchFamily="34" charset="0"/>
+                <a:cs typeface="Tahoma" panose="020B0604030504040204" pitchFamily="34" charset="0"/>
+              </a:rPr>
+              <a:t> </a:t>
+            </a:r>
+            <a:r>
+              <a:rPr lang="en-GB" sz="3200" dirty="0" err="1">
+                <a:latin typeface="Tahoma" panose="020B0604030504040204" pitchFamily="34" charset="0"/>
+                <a:ea typeface="Tahoma" panose="020B0604030504040204" pitchFamily="34" charset="0"/>
+                <a:cs typeface="Tahoma" panose="020B0604030504040204" pitchFamily="34" charset="0"/>
+              </a:rPr>
+              <a:t>mất</a:t>
+            </a:r>
+            <a:r>
+              <a:rPr lang="en-GB" sz="3200" dirty="0">
+                <a:latin typeface="Tahoma" panose="020B0604030504040204" pitchFamily="34" charset="0"/>
+                <a:ea typeface="Tahoma" panose="020B0604030504040204" pitchFamily="34" charset="0"/>
+                <a:cs typeface="Tahoma" panose="020B0604030504040204" pitchFamily="34" charset="0"/>
+              </a:rPr>
+              <a:t> </a:t>
+            </a:r>
+            <a:r>
+              <a:rPr lang="en-GB" sz="3200" dirty="0" err="1">
+                <a:latin typeface="Tahoma" panose="020B0604030504040204" pitchFamily="34" charset="0"/>
+                <a:ea typeface="Tahoma" panose="020B0604030504040204" pitchFamily="34" charset="0"/>
+                <a:cs typeface="Tahoma" panose="020B0604030504040204" pitchFamily="34" charset="0"/>
+              </a:rPr>
+              <a:t>cân</a:t>
+            </a:r>
+            <a:r>
+              <a:rPr lang="en-GB" sz="3200" dirty="0">
+                <a:latin typeface="Tahoma" panose="020B0604030504040204" pitchFamily="34" charset="0"/>
+                <a:ea typeface="Tahoma" panose="020B0604030504040204" pitchFamily="34" charset="0"/>
+                <a:cs typeface="Tahoma" panose="020B0604030504040204" pitchFamily="34" charset="0"/>
+              </a:rPr>
+              <a:t> </a:t>
+            </a:r>
+            <a:r>
+              <a:rPr lang="en-GB" sz="3200" dirty="0" err="1">
+                <a:latin typeface="Tahoma" panose="020B0604030504040204" pitchFamily="34" charset="0"/>
+                <a:ea typeface="Tahoma" panose="020B0604030504040204" pitchFamily="34" charset="0"/>
+                <a:cs typeface="Tahoma" panose="020B0604030504040204" pitchFamily="34" charset="0"/>
+              </a:rPr>
+              <a:t>bằng</a:t>
+            </a:r>
+            <a:r>
+              <a:rPr lang="en-GB" sz="3200" dirty="0">
+                <a:latin typeface="Tahoma" panose="020B0604030504040204" pitchFamily="34" charset="0"/>
+                <a:ea typeface="Tahoma" panose="020B0604030504040204" pitchFamily="34" charset="0"/>
+                <a:cs typeface="Tahoma" panose="020B0604030504040204" pitchFamily="34" charset="0"/>
+              </a:rPr>
+              <a:t> </a:t>
+            </a:r>
+            <a:r>
+              <a:rPr lang="en-GB" sz="3200" dirty="0" err="1">
+                <a:latin typeface="Tahoma" panose="020B0604030504040204" pitchFamily="34" charset="0"/>
+                <a:ea typeface="Tahoma" panose="020B0604030504040204" pitchFamily="34" charset="0"/>
+                <a:cs typeface="Tahoma" panose="020B0604030504040204" pitchFamily="34" charset="0"/>
+              </a:rPr>
+              <a:t>như</a:t>
+            </a:r>
+            <a:r>
+              <a:rPr lang="en-GB" sz="3200" dirty="0">
+                <a:latin typeface="Tahoma" panose="020B0604030504040204" pitchFamily="34" charset="0"/>
+                <a:ea typeface="Tahoma" panose="020B0604030504040204" pitchFamily="34" charset="0"/>
+                <a:cs typeface="Tahoma" panose="020B0604030504040204" pitchFamily="34" charset="0"/>
+              </a:rPr>
+              <a:t> </a:t>
+            </a:r>
+            <a:r>
+              <a:rPr lang="en-GB" sz="3200" dirty="0" err="1">
+                <a:latin typeface="Tahoma" panose="020B0604030504040204" pitchFamily="34" charset="0"/>
+                <a:ea typeface="Tahoma" panose="020B0604030504040204" pitchFamily="34" charset="0"/>
+                <a:cs typeface="Tahoma" panose="020B0604030504040204" pitchFamily="34" charset="0"/>
+              </a:rPr>
+              <a:t>chúng</a:t>
+            </a:r>
+            <a:r>
+              <a:rPr lang="en-GB" sz="3200" dirty="0">
+                <a:latin typeface="Tahoma" panose="020B0604030504040204" pitchFamily="34" charset="0"/>
+                <a:ea typeface="Tahoma" panose="020B0604030504040204" pitchFamily="34" charset="0"/>
+                <a:cs typeface="Tahoma" panose="020B0604030504040204" pitchFamily="34" charset="0"/>
+              </a:rPr>
+              <a:t> ta </a:t>
+            </a:r>
+            <a:r>
+              <a:rPr lang="en-GB" sz="3200" dirty="0" err="1">
+                <a:latin typeface="Tahoma" panose="020B0604030504040204" pitchFamily="34" charset="0"/>
+                <a:ea typeface="Tahoma" panose="020B0604030504040204" pitchFamily="34" charset="0"/>
+                <a:cs typeface="Tahoma" panose="020B0604030504040204" pitchFamily="34" charset="0"/>
+              </a:rPr>
+              <a:t>đang</a:t>
+            </a:r>
+            <a:r>
+              <a:rPr lang="en-GB" sz="3200" dirty="0">
+                <a:latin typeface="Tahoma" panose="020B0604030504040204" pitchFamily="34" charset="0"/>
+                <a:ea typeface="Tahoma" panose="020B0604030504040204" pitchFamily="34" charset="0"/>
+                <a:cs typeface="Tahoma" panose="020B0604030504040204" pitchFamily="34" charset="0"/>
+              </a:rPr>
+              <a:t> </a:t>
+            </a:r>
+            <a:r>
+              <a:rPr lang="en-GB" sz="3200" dirty="0" err="1">
+                <a:latin typeface="Tahoma" panose="020B0604030504040204" pitchFamily="34" charset="0"/>
+                <a:ea typeface="Tahoma" panose="020B0604030504040204" pitchFamily="34" charset="0"/>
+                <a:cs typeface="Tahoma" panose="020B0604030504040204" pitchFamily="34" charset="0"/>
+              </a:rPr>
+              <a:t>xét</a:t>
+            </a:r>
+            <a:r>
+              <a:rPr lang="en-GB" sz="3200" dirty="0">
+                <a:latin typeface="Tahoma" panose="020B0604030504040204" pitchFamily="34" charset="0"/>
+                <a:ea typeface="Tahoma" panose="020B0604030504040204" pitchFamily="34" charset="0"/>
+                <a:cs typeface="Tahoma" panose="020B0604030504040204" pitchFamily="34" charset="0"/>
+              </a:rPr>
+              <a:t>, Random Forest </a:t>
+            </a:r>
+            <a:r>
+              <a:rPr lang="en-GB" sz="3200" dirty="0" err="1">
+                <a:latin typeface="Tahoma" panose="020B0604030504040204" pitchFamily="34" charset="0"/>
+                <a:ea typeface="Tahoma" panose="020B0604030504040204" pitchFamily="34" charset="0"/>
+                <a:cs typeface="Tahoma" panose="020B0604030504040204" pitchFamily="34" charset="0"/>
+              </a:rPr>
+              <a:t>có</a:t>
+            </a:r>
+            <a:r>
+              <a:rPr lang="en-GB" sz="3200" dirty="0">
+                <a:latin typeface="Tahoma" panose="020B0604030504040204" pitchFamily="34" charset="0"/>
+                <a:ea typeface="Tahoma" panose="020B0604030504040204" pitchFamily="34" charset="0"/>
+                <a:cs typeface="Tahoma" panose="020B0604030504040204" pitchFamily="34" charset="0"/>
+              </a:rPr>
+              <a:t> </a:t>
+            </a:r>
+            <a:r>
+              <a:rPr lang="en-GB" sz="3200" dirty="0" err="1">
+                <a:latin typeface="Tahoma" panose="020B0604030504040204" pitchFamily="34" charset="0"/>
+                <a:ea typeface="Tahoma" panose="020B0604030504040204" pitchFamily="34" charset="0"/>
+                <a:cs typeface="Tahoma" panose="020B0604030504040204" pitchFamily="34" charset="0"/>
+              </a:rPr>
+              <a:t>thể</a:t>
+            </a:r>
+            <a:r>
+              <a:rPr lang="en-GB" sz="3200" dirty="0">
+                <a:latin typeface="Tahoma" panose="020B0604030504040204" pitchFamily="34" charset="0"/>
+                <a:ea typeface="Tahoma" panose="020B0604030504040204" pitchFamily="34" charset="0"/>
+                <a:cs typeface="Tahoma" panose="020B0604030504040204" pitchFamily="34" charset="0"/>
+              </a:rPr>
+              <a:t> </a:t>
+            </a:r>
+            <a:r>
+              <a:rPr lang="en-GB" sz="3200" dirty="0" err="1">
+                <a:latin typeface="Tahoma" panose="020B0604030504040204" pitchFamily="34" charset="0"/>
+                <a:ea typeface="Tahoma" panose="020B0604030504040204" pitchFamily="34" charset="0"/>
+                <a:cs typeface="Tahoma" panose="020B0604030504040204" pitchFamily="34" charset="0"/>
+              </a:rPr>
+              <a:t>là</a:t>
+            </a:r>
+            <a:r>
+              <a:rPr lang="en-GB" sz="3200" dirty="0">
+                <a:latin typeface="Tahoma" panose="020B0604030504040204" pitchFamily="34" charset="0"/>
+                <a:ea typeface="Tahoma" panose="020B0604030504040204" pitchFamily="34" charset="0"/>
+                <a:cs typeface="Tahoma" panose="020B0604030504040204" pitchFamily="34" charset="0"/>
+              </a:rPr>
+              <a:t> </a:t>
+            </a:r>
+            <a:r>
+              <a:rPr lang="en-GB" sz="3200" dirty="0" err="1">
+                <a:latin typeface="Tahoma" panose="020B0604030504040204" pitchFamily="34" charset="0"/>
+                <a:ea typeface="Tahoma" panose="020B0604030504040204" pitchFamily="34" charset="0"/>
+                <a:cs typeface="Tahoma" panose="020B0604030504040204" pitchFamily="34" charset="0"/>
+              </a:rPr>
+              <a:t>lựa</a:t>
+            </a:r>
+            <a:r>
+              <a:rPr lang="en-GB" sz="3200" dirty="0">
+                <a:latin typeface="Tahoma" panose="020B0604030504040204" pitchFamily="34" charset="0"/>
+                <a:ea typeface="Tahoma" panose="020B0604030504040204" pitchFamily="34" charset="0"/>
+                <a:cs typeface="Tahoma" panose="020B0604030504040204" pitchFamily="34" charset="0"/>
+              </a:rPr>
+              <a:t> </a:t>
+            </a:r>
+            <a:r>
+              <a:rPr lang="en-GB" sz="3200" dirty="0" err="1">
+                <a:latin typeface="Tahoma" panose="020B0604030504040204" pitchFamily="34" charset="0"/>
+                <a:ea typeface="Tahoma" panose="020B0604030504040204" pitchFamily="34" charset="0"/>
+                <a:cs typeface="Tahoma" panose="020B0604030504040204" pitchFamily="34" charset="0"/>
+              </a:rPr>
+              <a:t>chọn</a:t>
+            </a:r>
+            <a:r>
+              <a:rPr lang="en-GB" sz="3200" dirty="0">
+                <a:latin typeface="Tahoma" panose="020B0604030504040204" pitchFamily="34" charset="0"/>
+                <a:ea typeface="Tahoma" panose="020B0604030504040204" pitchFamily="34" charset="0"/>
+                <a:cs typeface="Tahoma" panose="020B0604030504040204" pitchFamily="34" charset="0"/>
+              </a:rPr>
+              <a:t> </a:t>
+            </a:r>
+            <a:r>
+              <a:rPr lang="en-GB" sz="3200" dirty="0" err="1">
+                <a:latin typeface="Tahoma" panose="020B0604030504040204" pitchFamily="34" charset="0"/>
+                <a:ea typeface="Tahoma" panose="020B0604030504040204" pitchFamily="34" charset="0"/>
+                <a:cs typeface="Tahoma" panose="020B0604030504040204" pitchFamily="34" charset="0"/>
+              </a:rPr>
+              <a:t>tốt</a:t>
+            </a:r>
+            <a:r>
+              <a:rPr lang="en-GB" sz="3200" dirty="0">
+                <a:latin typeface="Tahoma" panose="020B0604030504040204" pitchFamily="34" charset="0"/>
+                <a:ea typeface="Tahoma" panose="020B0604030504040204" pitchFamily="34" charset="0"/>
+                <a:cs typeface="Tahoma" panose="020B0604030504040204" pitchFamily="34" charset="0"/>
+              </a:rPr>
+              <a:t> </a:t>
+            </a:r>
+            <a:r>
+              <a:rPr lang="en-GB" sz="3200" dirty="0" err="1">
+                <a:latin typeface="Tahoma" panose="020B0604030504040204" pitchFamily="34" charset="0"/>
+                <a:ea typeface="Tahoma" panose="020B0604030504040204" pitchFamily="34" charset="0"/>
+                <a:cs typeface="Tahoma" panose="020B0604030504040204" pitchFamily="34" charset="0"/>
+              </a:rPr>
+              <a:t>hơn</a:t>
+            </a:r>
+            <a:r>
+              <a:rPr lang="en-GB" sz="3200" dirty="0">
+                <a:latin typeface="Tahoma" panose="020B0604030504040204" pitchFamily="34" charset="0"/>
+                <a:ea typeface="Tahoma" panose="020B0604030504040204" pitchFamily="34" charset="0"/>
+                <a:cs typeface="Tahoma" panose="020B0604030504040204" pitchFamily="34" charset="0"/>
+              </a:rPr>
+              <a:t>.</a:t>
+            </a:r>
+          </a:p>
+          <a:p>
+            <a:pPr lvl="0"/>
+            <a:r>
+              <a:rPr lang="en-GB" sz="3200" i="1" dirty="0" err="1">
+                <a:latin typeface="Tahoma" panose="020B0604030504040204" pitchFamily="34" charset="0"/>
+                <a:ea typeface="Tahoma" panose="020B0604030504040204" pitchFamily="34" charset="0"/>
+                <a:cs typeface="Tahoma" panose="020B0604030504040204" pitchFamily="34" charset="0"/>
+              </a:rPr>
+              <a:t>Với</a:t>
+            </a:r>
+            <a:r>
+              <a:rPr lang="en-GB" sz="3200" i="1" dirty="0">
+                <a:latin typeface="Tahoma" panose="020B0604030504040204" pitchFamily="34" charset="0"/>
+                <a:ea typeface="Tahoma" panose="020B0604030504040204" pitchFamily="34" charset="0"/>
+                <a:cs typeface="Tahoma" panose="020B0604030504040204" pitchFamily="34" charset="0"/>
+              </a:rPr>
+              <a:t> Decision Tree</a:t>
+            </a:r>
+            <a:endParaRPr lang="en-GB" sz="3200" dirty="0">
+              <a:latin typeface="Tahoma" panose="020B0604030504040204" pitchFamily="34" charset="0"/>
+              <a:ea typeface="Tahoma" panose="020B0604030504040204" pitchFamily="34" charset="0"/>
+              <a:cs typeface="Tahoma" panose="020B0604030504040204" pitchFamily="34" charset="0"/>
+            </a:endParaRPr>
+          </a:p>
+          <a:p>
+            <a:pPr marL="0" indent="0">
+              <a:buNone/>
+            </a:pPr>
+            <a:r>
+              <a:rPr lang="en-GB" sz="3200" dirty="0">
+                <a:latin typeface="Tahoma" panose="020B0604030504040204" pitchFamily="34" charset="0"/>
+                <a:ea typeface="Tahoma" panose="020B0604030504040204" pitchFamily="34" charset="0"/>
+                <a:cs typeface="Tahoma" panose="020B0604030504040204" pitchFamily="34" charset="0"/>
+              </a:rPr>
+              <a:t>Do Random Forest </a:t>
+            </a:r>
+            <a:r>
+              <a:rPr lang="en-GB" sz="3200" dirty="0" err="1">
+                <a:latin typeface="Tahoma" panose="020B0604030504040204" pitchFamily="34" charset="0"/>
+                <a:ea typeface="Tahoma" panose="020B0604030504040204" pitchFamily="34" charset="0"/>
+                <a:cs typeface="Tahoma" panose="020B0604030504040204" pitchFamily="34" charset="0"/>
+              </a:rPr>
+              <a:t>xây</a:t>
+            </a:r>
+            <a:r>
+              <a:rPr lang="en-GB" sz="3200" dirty="0">
+                <a:latin typeface="Tahoma" panose="020B0604030504040204" pitchFamily="34" charset="0"/>
+                <a:ea typeface="Tahoma" panose="020B0604030504040204" pitchFamily="34" charset="0"/>
+                <a:cs typeface="Tahoma" panose="020B0604030504040204" pitchFamily="34" charset="0"/>
+              </a:rPr>
+              <a:t> </a:t>
+            </a:r>
+            <a:r>
+              <a:rPr lang="en-GB" sz="3200" dirty="0" err="1">
+                <a:latin typeface="Tahoma" panose="020B0604030504040204" pitchFamily="34" charset="0"/>
+                <a:ea typeface="Tahoma" panose="020B0604030504040204" pitchFamily="34" charset="0"/>
+                <a:cs typeface="Tahoma" panose="020B0604030504040204" pitchFamily="34" charset="0"/>
+              </a:rPr>
+              <a:t>dựng</a:t>
+            </a:r>
+            <a:r>
+              <a:rPr lang="en-GB" sz="3200" dirty="0">
+                <a:latin typeface="Tahoma" panose="020B0604030504040204" pitchFamily="34" charset="0"/>
+                <a:ea typeface="Tahoma" panose="020B0604030504040204" pitchFamily="34" charset="0"/>
+                <a:cs typeface="Tahoma" panose="020B0604030504040204" pitchFamily="34" charset="0"/>
+              </a:rPr>
+              <a:t> </a:t>
+            </a:r>
+            <a:r>
+              <a:rPr lang="en-GB" sz="3200" dirty="0" err="1">
+                <a:latin typeface="Tahoma" panose="020B0604030504040204" pitchFamily="34" charset="0"/>
+                <a:ea typeface="Tahoma" panose="020B0604030504040204" pitchFamily="34" charset="0"/>
+                <a:cs typeface="Tahoma" panose="020B0604030504040204" pitchFamily="34" charset="0"/>
+              </a:rPr>
+              <a:t>nhiều</a:t>
+            </a:r>
+            <a:r>
+              <a:rPr lang="en-GB" sz="3200" dirty="0">
+                <a:latin typeface="Tahoma" panose="020B0604030504040204" pitchFamily="34" charset="0"/>
+                <a:ea typeface="Tahoma" panose="020B0604030504040204" pitchFamily="34" charset="0"/>
+                <a:cs typeface="Tahoma" panose="020B0604030504040204" pitchFamily="34" charset="0"/>
+              </a:rPr>
+              <a:t> </a:t>
+            </a:r>
+            <a:r>
+              <a:rPr lang="en-GB" sz="3200" dirty="0" err="1">
+                <a:latin typeface="Tahoma" panose="020B0604030504040204" pitchFamily="34" charset="0"/>
+                <a:ea typeface="Tahoma" panose="020B0604030504040204" pitchFamily="34" charset="0"/>
+                <a:cs typeface="Tahoma" panose="020B0604030504040204" pitchFamily="34" charset="0"/>
+              </a:rPr>
+              <a:t>cây</a:t>
+            </a:r>
+            <a:r>
+              <a:rPr lang="en-GB" sz="3200" dirty="0">
+                <a:latin typeface="Tahoma" panose="020B0604030504040204" pitchFamily="34" charset="0"/>
+                <a:ea typeface="Tahoma" panose="020B0604030504040204" pitchFamily="34" charset="0"/>
+                <a:cs typeface="Tahoma" panose="020B0604030504040204" pitchFamily="34" charset="0"/>
+              </a:rPr>
+              <a:t> </a:t>
+            </a:r>
+            <a:r>
+              <a:rPr lang="en-GB" sz="3200" dirty="0" err="1">
+                <a:latin typeface="Tahoma" panose="020B0604030504040204" pitchFamily="34" charset="0"/>
+                <a:ea typeface="Tahoma" panose="020B0604030504040204" pitchFamily="34" charset="0"/>
+                <a:cs typeface="Tahoma" panose="020B0604030504040204" pitchFamily="34" charset="0"/>
+              </a:rPr>
+              <a:t>quyết</a:t>
+            </a:r>
+            <a:r>
+              <a:rPr lang="en-GB" sz="3200" dirty="0">
+                <a:latin typeface="Tahoma" panose="020B0604030504040204" pitchFamily="34" charset="0"/>
+                <a:ea typeface="Tahoma" panose="020B0604030504040204" pitchFamily="34" charset="0"/>
+                <a:cs typeface="Tahoma" panose="020B0604030504040204" pitchFamily="34" charset="0"/>
+              </a:rPr>
+              <a:t> </a:t>
+            </a:r>
+            <a:r>
+              <a:rPr lang="en-GB" sz="3200" dirty="0" err="1">
+                <a:latin typeface="Tahoma" panose="020B0604030504040204" pitchFamily="34" charset="0"/>
+                <a:ea typeface="Tahoma" panose="020B0604030504040204" pitchFamily="34" charset="0"/>
+                <a:cs typeface="Tahoma" panose="020B0604030504040204" pitchFamily="34" charset="0"/>
+              </a:rPr>
+              <a:t>định</a:t>
+            </a:r>
+            <a:r>
+              <a:rPr lang="en-GB" sz="3200" dirty="0">
+                <a:latin typeface="Tahoma" panose="020B0604030504040204" pitchFamily="34" charset="0"/>
+                <a:ea typeface="Tahoma" panose="020B0604030504040204" pitchFamily="34" charset="0"/>
+                <a:cs typeface="Tahoma" panose="020B0604030504040204" pitchFamily="34" charset="0"/>
+              </a:rPr>
+              <a:t> </a:t>
+            </a:r>
+            <a:r>
+              <a:rPr lang="en-GB" sz="3200" dirty="0" err="1">
+                <a:latin typeface="Tahoma" panose="020B0604030504040204" pitchFamily="34" charset="0"/>
+                <a:ea typeface="Tahoma" panose="020B0604030504040204" pitchFamily="34" charset="0"/>
+                <a:cs typeface="Tahoma" panose="020B0604030504040204" pitchFamily="34" charset="0"/>
+              </a:rPr>
+              <a:t>khác</a:t>
+            </a:r>
+            <a:r>
+              <a:rPr lang="en-GB" sz="3200" dirty="0">
+                <a:latin typeface="Tahoma" panose="020B0604030504040204" pitchFamily="34" charset="0"/>
+                <a:ea typeface="Tahoma" panose="020B0604030504040204" pitchFamily="34" charset="0"/>
+                <a:cs typeface="Tahoma" panose="020B0604030504040204" pitchFamily="34" charset="0"/>
+              </a:rPr>
+              <a:t> </a:t>
+            </a:r>
+            <a:r>
+              <a:rPr lang="en-GB" sz="3200" dirty="0" err="1">
+                <a:latin typeface="Tahoma" panose="020B0604030504040204" pitchFamily="34" charset="0"/>
+                <a:ea typeface="Tahoma" panose="020B0604030504040204" pitchFamily="34" charset="0"/>
+                <a:cs typeface="Tahoma" panose="020B0604030504040204" pitchFamily="34" charset="0"/>
+              </a:rPr>
+              <a:t>nhau</a:t>
+            </a:r>
+            <a:r>
+              <a:rPr lang="en-GB" sz="3200" dirty="0">
+                <a:latin typeface="Tahoma" panose="020B0604030504040204" pitchFamily="34" charset="0"/>
+                <a:ea typeface="Tahoma" panose="020B0604030504040204" pitchFamily="34" charset="0"/>
+                <a:cs typeface="Tahoma" panose="020B0604030504040204" pitchFamily="34" charset="0"/>
+              </a:rPr>
+              <a:t> </a:t>
+            </a:r>
+            <a:r>
+              <a:rPr lang="en-GB" sz="3200" dirty="0" err="1">
+                <a:latin typeface="Tahoma" panose="020B0604030504040204" pitchFamily="34" charset="0"/>
+                <a:ea typeface="Tahoma" panose="020B0604030504040204" pitchFamily="34" charset="0"/>
+                <a:cs typeface="Tahoma" panose="020B0604030504040204" pitchFamily="34" charset="0"/>
+              </a:rPr>
+              <a:t>và</a:t>
+            </a:r>
+            <a:r>
+              <a:rPr lang="en-GB" sz="3200" dirty="0">
+                <a:latin typeface="Tahoma" panose="020B0604030504040204" pitchFamily="34" charset="0"/>
+                <a:ea typeface="Tahoma" panose="020B0604030504040204" pitchFamily="34" charset="0"/>
+                <a:cs typeface="Tahoma" panose="020B0604030504040204" pitchFamily="34" charset="0"/>
+              </a:rPr>
+              <a:t> </a:t>
+            </a:r>
+            <a:r>
+              <a:rPr lang="en-GB" sz="3200" dirty="0" err="1">
+                <a:latin typeface="Tahoma" panose="020B0604030504040204" pitchFamily="34" charset="0"/>
+                <a:ea typeface="Tahoma" panose="020B0604030504040204" pitchFamily="34" charset="0"/>
+                <a:cs typeface="Tahoma" panose="020B0604030504040204" pitchFamily="34" charset="0"/>
+              </a:rPr>
+              <a:t>thực</a:t>
+            </a:r>
+            <a:r>
+              <a:rPr lang="en-GB" sz="3200" dirty="0">
+                <a:latin typeface="Tahoma" panose="020B0604030504040204" pitchFamily="34" charset="0"/>
+                <a:ea typeface="Tahoma" panose="020B0604030504040204" pitchFamily="34" charset="0"/>
+                <a:cs typeface="Tahoma" panose="020B0604030504040204" pitchFamily="34" charset="0"/>
+              </a:rPr>
+              <a:t> </a:t>
+            </a:r>
+            <a:r>
+              <a:rPr lang="en-GB" sz="3200" dirty="0" err="1">
+                <a:latin typeface="Tahoma" panose="020B0604030504040204" pitchFamily="34" charset="0"/>
+                <a:ea typeface="Tahoma" panose="020B0604030504040204" pitchFamily="34" charset="0"/>
+                <a:cs typeface="Tahoma" panose="020B0604030504040204" pitchFamily="34" charset="0"/>
+              </a:rPr>
+              <a:t>hiện</a:t>
+            </a:r>
+            <a:r>
+              <a:rPr lang="en-GB" sz="3200" dirty="0">
+                <a:latin typeface="Tahoma" panose="020B0604030504040204" pitchFamily="34" charset="0"/>
+                <a:ea typeface="Tahoma" panose="020B0604030504040204" pitchFamily="34" charset="0"/>
+                <a:cs typeface="Tahoma" panose="020B0604030504040204" pitchFamily="34" charset="0"/>
+              </a:rPr>
+              <a:t> voting (</a:t>
+            </a:r>
+            <a:r>
+              <a:rPr lang="en-GB" sz="3200" dirty="0" err="1">
+                <a:latin typeface="Tahoma" panose="020B0604030504040204" pitchFamily="34" charset="0"/>
+                <a:ea typeface="Tahoma" panose="020B0604030504040204" pitchFamily="34" charset="0"/>
+                <a:cs typeface="Tahoma" panose="020B0604030504040204" pitchFamily="34" charset="0"/>
+              </a:rPr>
+              <a:t>độ</a:t>
+            </a:r>
+            <a:r>
+              <a:rPr lang="en-GB" sz="3200" dirty="0">
+                <a:latin typeface="Tahoma" panose="020B0604030504040204" pitchFamily="34" charset="0"/>
+                <a:ea typeface="Tahoma" panose="020B0604030504040204" pitchFamily="34" charset="0"/>
+                <a:cs typeface="Tahoma" panose="020B0604030504040204" pitchFamily="34" charset="0"/>
+              </a:rPr>
+              <a:t> bao </a:t>
+            </a:r>
+            <a:r>
+              <a:rPr lang="en-GB" sz="3200" dirty="0" err="1">
+                <a:latin typeface="Tahoma" panose="020B0604030504040204" pitchFamily="34" charset="0"/>
+                <a:ea typeface="Tahoma" panose="020B0604030504040204" pitchFamily="34" charset="0"/>
+                <a:cs typeface="Tahoma" panose="020B0604030504040204" pitchFamily="34" charset="0"/>
+              </a:rPr>
+              <a:t>quát</a:t>
+            </a:r>
+            <a:r>
+              <a:rPr lang="en-GB" sz="3200" dirty="0">
+                <a:latin typeface="Tahoma" panose="020B0604030504040204" pitchFamily="34" charset="0"/>
+                <a:ea typeface="Tahoma" panose="020B0604030504040204" pitchFamily="34" charset="0"/>
+                <a:cs typeface="Tahoma" panose="020B0604030504040204" pitchFamily="34" charset="0"/>
+              </a:rPr>
+              <a:t> </a:t>
+            </a:r>
+            <a:r>
+              <a:rPr lang="en-GB" sz="3200" dirty="0" err="1">
+                <a:latin typeface="Tahoma" panose="020B0604030504040204" pitchFamily="34" charset="0"/>
+                <a:ea typeface="Tahoma" panose="020B0604030504040204" pitchFamily="34" charset="0"/>
+                <a:cs typeface="Tahoma" panose="020B0604030504040204" pitchFamily="34" charset="0"/>
+              </a:rPr>
+              <a:t>cho</a:t>
+            </a:r>
+            <a:r>
+              <a:rPr lang="en-GB" sz="3200" dirty="0">
+                <a:latin typeface="Tahoma" panose="020B0604030504040204" pitchFamily="34" charset="0"/>
+                <a:ea typeface="Tahoma" panose="020B0604030504040204" pitchFamily="34" charset="0"/>
+                <a:cs typeface="Tahoma" panose="020B0604030504040204" pitchFamily="34" charset="0"/>
+              </a:rPr>
+              <a:t> </a:t>
+            </a:r>
+            <a:r>
+              <a:rPr lang="en-GB" sz="3200" dirty="0" err="1">
+                <a:latin typeface="Tahoma" panose="020B0604030504040204" pitchFamily="34" charset="0"/>
+                <a:ea typeface="Tahoma" panose="020B0604030504040204" pitchFamily="34" charset="0"/>
+                <a:cs typeface="Tahoma" panose="020B0604030504040204" pitchFamily="34" charset="0"/>
+              </a:rPr>
+              <a:t>nhiều</a:t>
+            </a:r>
+            <a:r>
+              <a:rPr lang="en-GB" sz="3200" dirty="0">
+                <a:latin typeface="Tahoma" panose="020B0604030504040204" pitchFamily="34" charset="0"/>
+                <a:ea typeface="Tahoma" panose="020B0604030504040204" pitchFamily="34" charset="0"/>
+                <a:cs typeface="Tahoma" panose="020B0604030504040204" pitchFamily="34" charset="0"/>
+              </a:rPr>
+              <a:t> </a:t>
+            </a:r>
+            <a:r>
+              <a:rPr lang="en-GB" sz="3200" dirty="0" err="1">
+                <a:latin typeface="Tahoma" panose="020B0604030504040204" pitchFamily="34" charset="0"/>
+                <a:ea typeface="Tahoma" panose="020B0604030504040204" pitchFamily="34" charset="0"/>
+                <a:cs typeface="Tahoma" panose="020B0604030504040204" pitchFamily="34" charset="0"/>
+              </a:rPr>
+              <a:t>trường</a:t>
+            </a:r>
+            <a:r>
+              <a:rPr lang="en-GB" sz="3200" dirty="0">
+                <a:latin typeface="Tahoma" panose="020B0604030504040204" pitchFamily="34" charset="0"/>
+                <a:ea typeface="Tahoma" panose="020B0604030504040204" pitchFamily="34" charset="0"/>
+                <a:cs typeface="Tahoma" panose="020B0604030504040204" pitchFamily="34" charset="0"/>
+              </a:rPr>
+              <a:t> </a:t>
+            </a:r>
+            <a:r>
+              <a:rPr lang="en-GB" sz="3200" dirty="0" err="1">
+                <a:latin typeface="Tahoma" panose="020B0604030504040204" pitchFamily="34" charset="0"/>
+                <a:ea typeface="Tahoma" panose="020B0604030504040204" pitchFamily="34" charset="0"/>
+                <a:cs typeface="Tahoma" panose="020B0604030504040204" pitchFamily="34" charset="0"/>
+              </a:rPr>
+              <a:t>hợp</a:t>
+            </a:r>
+            <a:r>
+              <a:rPr lang="en-GB" sz="3200" dirty="0">
+                <a:latin typeface="Tahoma" panose="020B0604030504040204" pitchFamily="34" charset="0"/>
+                <a:ea typeface="Tahoma" panose="020B0604030504040204" pitchFamily="34" charset="0"/>
+                <a:cs typeface="Tahoma" panose="020B0604030504040204" pitchFamily="34" charset="0"/>
+              </a:rPr>
+              <a:t> </a:t>
+            </a:r>
+            <a:r>
+              <a:rPr lang="en-GB" sz="3200" dirty="0" err="1">
+                <a:latin typeface="Tahoma" panose="020B0604030504040204" pitchFamily="34" charset="0"/>
+                <a:ea typeface="Tahoma" panose="020B0604030504040204" pitchFamily="34" charset="0"/>
+                <a:cs typeface="Tahoma" panose="020B0604030504040204" pitchFamily="34" charset="0"/>
+              </a:rPr>
+              <a:t>sẽ</a:t>
+            </a:r>
+            <a:r>
+              <a:rPr lang="en-GB" sz="3200" dirty="0">
+                <a:latin typeface="Tahoma" panose="020B0604030504040204" pitchFamily="34" charset="0"/>
+                <a:ea typeface="Tahoma" panose="020B0604030504040204" pitchFamily="34" charset="0"/>
+                <a:cs typeface="Tahoma" panose="020B0604030504040204" pitchFamily="34" charset="0"/>
+              </a:rPr>
+              <a:t> </a:t>
+            </a:r>
+            <a:r>
+              <a:rPr lang="en-GB" sz="3200" dirty="0" err="1">
+                <a:latin typeface="Tahoma" panose="020B0604030504040204" pitchFamily="34" charset="0"/>
+                <a:ea typeface="Tahoma" panose="020B0604030504040204" pitchFamily="34" charset="0"/>
+                <a:cs typeface="Tahoma" panose="020B0604030504040204" pitchFamily="34" charset="0"/>
+              </a:rPr>
+              <a:t>cao</a:t>
+            </a:r>
+            <a:r>
+              <a:rPr lang="en-GB" sz="3200" dirty="0">
+                <a:latin typeface="Tahoma" panose="020B0604030504040204" pitchFamily="34" charset="0"/>
+                <a:ea typeface="Tahoma" panose="020B0604030504040204" pitchFamily="34" charset="0"/>
+                <a:cs typeface="Tahoma" panose="020B0604030504040204" pitchFamily="34" charset="0"/>
+              </a:rPr>
+              <a:t> </a:t>
+            </a:r>
+            <a:r>
+              <a:rPr lang="en-GB" sz="3200" dirty="0" err="1">
+                <a:latin typeface="Tahoma" panose="020B0604030504040204" pitchFamily="34" charset="0"/>
+                <a:ea typeface="Tahoma" panose="020B0604030504040204" pitchFamily="34" charset="0"/>
+                <a:cs typeface="Tahoma" panose="020B0604030504040204" pitchFamily="34" charset="0"/>
+              </a:rPr>
+              <a:t>hơn</a:t>
+            </a:r>
+            <a:r>
+              <a:rPr lang="en-GB" sz="3200" dirty="0">
+                <a:latin typeface="Tahoma" panose="020B0604030504040204" pitchFamily="34" charset="0"/>
+                <a:ea typeface="Tahoma" panose="020B0604030504040204" pitchFamily="34" charset="0"/>
+                <a:cs typeface="Tahoma" panose="020B0604030504040204" pitchFamily="34" charset="0"/>
+              </a:rPr>
+              <a:t>) </a:t>
+            </a:r>
+            <a:r>
+              <a:rPr lang="en-GB" sz="3200" dirty="0" err="1">
+                <a:latin typeface="Tahoma" panose="020B0604030504040204" pitchFamily="34" charset="0"/>
+                <a:ea typeface="Tahoma" panose="020B0604030504040204" pitchFamily="34" charset="0"/>
+                <a:cs typeface="Tahoma" panose="020B0604030504040204" pitchFamily="34" charset="0"/>
+              </a:rPr>
+              <a:t>nên</a:t>
+            </a:r>
+            <a:r>
+              <a:rPr lang="en-GB" sz="3200" dirty="0">
+                <a:latin typeface="Tahoma" panose="020B0604030504040204" pitchFamily="34" charset="0"/>
+                <a:ea typeface="Tahoma" panose="020B0604030504040204" pitchFamily="34" charset="0"/>
+                <a:cs typeface="Tahoma" panose="020B0604030504040204" pitchFamily="34" charset="0"/>
+              </a:rPr>
+              <a:t> Random Forest </a:t>
+            </a:r>
+            <a:r>
+              <a:rPr lang="en-GB" sz="3200" dirty="0" err="1">
+                <a:latin typeface="Tahoma" panose="020B0604030504040204" pitchFamily="34" charset="0"/>
+                <a:ea typeface="Tahoma" panose="020B0604030504040204" pitchFamily="34" charset="0"/>
+                <a:cs typeface="Tahoma" panose="020B0604030504040204" pitchFamily="34" charset="0"/>
+              </a:rPr>
+              <a:t>ít</a:t>
+            </a:r>
+            <a:r>
+              <a:rPr lang="en-GB" sz="3200" dirty="0">
+                <a:latin typeface="Tahoma" panose="020B0604030504040204" pitchFamily="34" charset="0"/>
+                <a:ea typeface="Tahoma" panose="020B0604030504040204" pitchFamily="34" charset="0"/>
+                <a:cs typeface="Tahoma" panose="020B0604030504040204" pitchFamily="34" charset="0"/>
+              </a:rPr>
+              <a:t> </a:t>
+            </a:r>
+            <a:r>
+              <a:rPr lang="en-GB" sz="3200" dirty="0" err="1">
+                <a:latin typeface="Tahoma" panose="020B0604030504040204" pitchFamily="34" charset="0"/>
+                <a:ea typeface="Tahoma" panose="020B0604030504040204" pitchFamily="34" charset="0"/>
+                <a:cs typeface="Tahoma" panose="020B0604030504040204" pitchFamily="34" charset="0"/>
+              </a:rPr>
+              <a:t>bị</a:t>
+            </a:r>
+            <a:r>
+              <a:rPr lang="en-GB" sz="3200" dirty="0">
+                <a:latin typeface="Tahoma" panose="020B0604030504040204" pitchFamily="34" charset="0"/>
+                <a:ea typeface="Tahoma" panose="020B0604030504040204" pitchFamily="34" charset="0"/>
+                <a:cs typeface="Tahoma" panose="020B0604030504040204" pitchFamily="34" charset="0"/>
+              </a:rPr>
+              <a:t> overfitting </a:t>
+            </a:r>
+            <a:r>
+              <a:rPr lang="en-GB" sz="3200" dirty="0" err="1">
+                <a:latin typeface="Tahoma" panose="020B0604030504040204" pitchFamily="34" charset="0"/>
+                <a:ea typeface="Tahoma" panose="020B0604030504040204" pitchFamily="34" charset="0"/>
+                <a:cs typeface="Tahoma" panose="020B0604030504040204" pitchFamily="34" charset="0"/>
+              </a:rPr>
+              <a:t>hơn</a:t>
+            </a:r>
+            <a:r>
+              <a:rPr lang="en-GB" sz="3200" dirty="0">
+                <a:latin typeface="Tahoma" panose="020B0604030504040204" pitchFamily="34" charset="0"/>
+                <a:ea typeface="Tahoma" panose="020B0604030504040204" pitchFamily="34" charset="0"/>
+                <a:cs typeface="Tahoma" panose="020B0604030504040204" pitchFamily="34" charset="0"/>
+              </a:rPr>
+              <a:t> Decision Tree (</a:t>
+            </a:r>
+            <a:r>
+              <a:rPr lang="en-GB" sz="3200" dirty="0" err="1">
+                <a:latin typeface="Tahoma" panose="020B0604030504040204" pitchFamily="34" charset="0"/>
+                <a:ea typeface="Tahoma" panose="020B0604030504040204" pitchFamily="34" charset="0"/>
+                <a:cs typeface="Tahoma" panose="020B0604030504040204" pitchFamily="34" charset="0"/>
+              </a:rPr>
+              <a:t>cây</a:t>
+            </a:r>
+            <a:r>
+              <a:rPr lang="en-GB" sz="3200" dirty="0">
+                <a:latin typeface="Tahoma" panose="020B0604030504040204" pitchFamily="34" charset="0"/>
+                <a:ea typeface="Tahoma" panose="020B0604030504040204" pitchFamily="34" charset="0"/>
+                <a:cs typeface="Tahoma" panose="020B0604030504040204" pitchFamily="34" charset="0"/>
+              </a:rPr>
+              <a:t> </a:t>
+            </a:r>
+            <a:r>
+              <a:rPr lang="en-GB" sz="3200" dirty="0" err="1">
+                <a:latin typeface="Tahoma" panose="020B0604030504040204" pitchFamily="34" charset="0"/>
+                <a:ea typeface="Tahoma" panose="020B0604030504040204" pitchFamily="34" charset="0"/>
+                <a:cs typeface="Tahoma" panose="020B0604030504040204" pitchFamily="34" charset="0"/>
+              </a:rPr>
+              <a:t>quyết</a:t>
+            </a:r>
+            <a:r>
+              <a:rPr lang="en-GB" sz="3200" dirty="0">
+                <a:latin typeface="Tahoma" panose="020B0604030504040204" pitchFamily="34" charset="0"/>
+                <a:ea typeface="Tahoma" panose="020B0604030504040204" pitchFamily="34" charset="0"/>
+                <a:cs typeface="Tahoma" panose="020B0604030504040204" pitchFamily="34" charset="0"/>
+              </a:rPr>
+              <a:t> </a:t>
+            </a:r>
+            <a:r>
+              <a:rPr lang="en-GB" sz="3200" dirty="0" err="1">
+                <a:latin typeface="Tahoma" panose="020B0604030504040204" pitchFamily="34" charset="0"/>
+                <a:ea typeface="Tahoma" panose="020B0604030504040204" pitchFamily="34" charset="0"/>
+                <a:cs typeface="Tahoma" panose="020B0604030504040204" pitchFamily="34" charset="0"/>
+              </a:rPr>
+              <a:t>định</a:t>
+            </a:r>
+            <a:r>
+              <a:rPr lang="en-GB" sz="3200" dirty="0">
+                <a:latin typeface="Tahoma" panose="020B0604030504040204" pitchFamily="34" charset="0"/>
+                <a:ea typeface="Tahoma" panose="020B0604030504040204" pitchFamily="34" charset="0"/>
+                <a:cs typeface="Tahoma" panose="020B0604030504040204" pitchFamily="34" charset="0"/>
+              </a:rPr>
+              <a:t>) </a:t>
+            </a:r>
+            <a:r>
+              <a:rPr lang="en-GB" sz="3200" dirty="0" err="1">
+                <a:latin typeface="Tahoma" panose="020B0604030504040204" pitchFamily="34" charset="0"/>
+                <a:ea typeface="Tahoma" panose="020B0604030504040204" pitchFamily="34" charset="0"/>
+                <a:cs typeface="Tahoma" panose="020B0604030504040204" pitchFamily="34" charset="0"/>
+              </a:rPr>
+              <a:t>cho</a:t>
+            </a:r>
+            <a:r>
+              <a:rPr lang="en-GB" sz="3200" dirty="0">
+                <a:latin typeface="Tahoma" panose="020B0604030504040204" pitchFamily="34" charset="0"/>
+                <a:ea typeface="Tahoma" panose="020B0604030504040204" pitchFamily="34" charset="0"/>
+                <a:cs typeface="Tahoma" panose="020B0604030504040204" pitchFamily="34" charset="0"/>
+              </a:rPr>
+              <a:t> </a:t>
+            </a:r>
+            <a:r>
+              <a:rPr lang="en-GB" sz="3200" dirty="0" err="1">
+                <a:latin typeface="Tahoma" panose="020B0604030504040204" pitchFamily="34" charset="0"/>
+                <a:ea typeface="Tahoma" panose="020B0604030504040204" pitchFamily="34" charset="0"/>
+                <a:cs typeface="Tahoma" panose="020B0604030504040204" pitchFamily="34" charset="0"/>
+              </a:rPr>
+              <a:t>một</a:t>
+            </a:r>
+            <a:r>
+              <a:rPr lang="en-GB" sz="3200" dirty="0">
+                <a:latin typeface="Tahoma" panose="020B0604030504040204" pitchFamily="34" charset="0"/>
+                <a:ea typeface="Tahoma" panose="020B0604030504040204" pitchFamily="34" charset="0"/>
+                <a:cs typeface="Tahoma" panose="020B0604030504040204" pitchFamily="34" charset="0"/>
+              </a:rPr>
+              <a:t> </a:t>
+            </a:r>
+            <a:r>
+              <a:rPr lang="en-GB" sz="3200" dirty="0" err="1">
+                <a:latin typeface="Tahoma" panose="020B0604030504040204" pitchFamily="34" charset="0"/>
+                <a:ea typeface="Tahoma" panose="020B0604030504040204" pitchFamily="34" charset="0"/>
+                <a:cs typeface="Tahoma" panose="020B0604030504040204" pitchFamily="34" charset="0"/>
+              </a:rPr>
+              <a:t>tập</a:t>
+            </a:r>
+            <a:r>
+              <a:rPr lang="en-GB" sz="3200" dirty="0">
+                <a:latin typeface="Tahoma" panose="020B0604030504040204" pitchFamily="34" charset="0"/>
+                <a:ea typeface="Tahoma" panose="020B0604030504040204" pitchFamily="34" charset="0"/>
+                <a:cs typeface="Tahoma" panose="020B0604030504040204" pitchFamily="34" charset="0"/>
+              </a:rPr>
+              <a:t> </a:t>
+            </a:r>
+            <a:r>
+              <a:rPr lang="en-GB" sz="3200" dirty="0" err="1">
+                <a:latin typeface="Tahoma" panose="020B0604030504040204" pitchFamily="34" charset="0"/>
+                <a:ea typeface="Tahoma" panose="020B0604030504040204" pitchFamily="34" charset="0"/>
+                <a:cs typeface="Tahoma" panose="020B0604030504040204" pitchFamily="34" charset="0"/>
+              </a:rPr>
+              <a:t>dữ</a:t>
+            </a:r>
+            <a:r>
+              <a:rPr lang="en-GB" sz="3200" dirty="0">
+                <a:latin typeface="Tahoma" panose="020B0604030504040204" pitchFamily="34" charset="0"/>
+                <a:ea typeface="Tahoma" panose="020B0604030504040204" pitchFamily="34" charset="0"/>
+                <a:cs typeface="Tahoma" panose="020B0604030504040204" pitchFamily="34" charset="0"/>
+              </a:rPr>
+              <a:t> </a:t>
+            </a:r>
+            <a:r>
+              <a:rPr lang="en-GB" sz="3200" dirty="0" err="1">
+                <a:latin typeface="Tahoma" panose="020B0604030504040204" pitchFamily="34" charset="0"/>
+                <a:ea typeface="Tahoma" panose="020B0604030504040204" pitchFamily="34" charset="0"/>
+                <a:cs typeface="Tahoma" panose="020B0604030504040204" pitchFamily="34" charset="0"/>
+              </a:rPr>
+              <a:t>liệu</a:t>
+            </a:r>
+            <a:r>
+              <a:rPr lang="en-GB" sz="3200" dirty="0">
+                <a:latin typeface="Tahoma" panose="020B0604030504040204" pitchFamily="34" charset="0"/>
+                <a:ea typeface="Tahoma" panose="020B0604030504040204" pitchFamily="34" charset="0"/>
+                <a:cs typeface="Tahoma" panose="020B0604030504040204" pitchFamily="34" charset="0"/>
+              </a:rPr>
+              <a:t> </a:t>
+            </a:r>
+            <a:r>
+              <a:rPr lang="en-GB" sz="3200" dirty="0" err="1">
+                <a:latin typeface="Tahoma" panose="020B0604030504040204" pitchFamily="34" charset="0"/>
+                <a:ea typeface="Tahoma" panose="020B0604030504040204" pitchFamily="34" charset="0"/>
+                <a:cs typeface="Tahoma" panose="020B0604030504040204" pitchFamily="34" charset="0"/>
+              </a:rPr>
+              <a:t>cụ</a:t>
+            </a:r>
+            <a:r>
+              <a:rPr lang="en-GB" sz="3200" dirty="0">
+                <a:latin typeface="Tahoma" panose="020B0604030504040204" pitchFamily="34" charset="0"/>
+                <a:ea typeface="Tahoma" panose="020B0604030504040204" pitchFamily="34" charset="0"/>
+                <a:cs typeface="Tahoma" panose="020B0604030504040204" pitchFamily="34" charset="0"/>
+              </a:rPr>
+              <a:t> </a:t>
+            </a:r>
+            <a:r>
+              <a:rPr lang="en-GB" sz="3200" dirty="0" err="1">
+                <a:latin typeface="Tahoma" panose="020B0604030504040204" pitchFamily="34" charset="0"/>
+                <a:ea typeface="Tahoma" panose="020B0604030504040204" pitchFamily="34" charset="0"/>
+                <a:cs typeface="Tahoma" panose="020B0604030504040204" pitchFamily="34" charset="0"/>
+              </a:rPr>
+              <a:t>thể</a:t>
+            </a:r>
+            <a:r>
+              <a:rPr lang="en-GB" sz="3200" dirty="0">
+                <a:latin typeface="Tahoma" panose="020B0604030504040204" pitchFamily="34" charset="0"/>
+                <a:ea typeface="Tahoma" panose="020B0604030504040204" pitchFamily="34" charset="0"/>
+                <a:cs typeface="Tahoma" panose="020B0604030504040204" pitchFamily="34" charset="0"/>
+              </a:rPr>
+              <a:t>.</a:t>
+            </a:r>
+          </a:p>
+          <a:p>
+            <a:pPr marL="0" indent="0">
+              <a:buNone/>
+            </a:pPr>
+            <a:endParaRPr lang="en-GB" sz="3200" dirty="0">
+              <a:latin typeface="Tahoma" panose="020B0604030504040204" pitchFamily="34" charset="0"/>
+              <a:ea typeface="Tahoma" panose="020B0604030504040204" pitchFamily="34" charset="0"/>
+              <a:cs typeface="Tahoma" panose="020B0604030504040204" pitchFamily="34" charset="0"/>
+            </a:endParaRPr>
+          </a:p>
+        </p:txBody>
+      </p:sp>
+      <p:sp>
+        <p:nvSpPr>
+          <p:cNvPr id="3" name="Slide Number Placeholder 2">
+            <a:extLst>
+              <a:ext uri="{FF2B5EF4-FFF2-40B4-BE49-F238E27FC236}">
+                <a16:creationId xmlns:a16="http://schemas.microsoft.com/office/drawing/2014/main" id="{F3CCCA9D-FD58-4B08-8D27-1D15436AB67D}"/>
+              </a:ext>
+            </a:extLst>
+          </p:cNvPr>
+          <p:cNvSpPr>
+            <a:spLocks noGrp="1"/>
+          </p:cNvSpPr>
+          <p:nvPr>
+            <p:ph type="sldNum" sz="quarter" idx="12"/>
+          </p:nvPr>
+        </p:nvSpPr>
+        <p:spPr/>
+        <p:txBody>
+          <a:bodyPr/>
+          <a:lstStyle/>
+          <a:p>
+            <a:fld id="{C2A74E92-A1E9-4D96-8B19-9FA9AB19DBB5}" type="slidenum">
+              <a:rPr lang="en-GB" smtClean="0"/>
+              <a:t>23</a:t>
+            </a:fld>
+            <a:endParaRPr lang="en-GB"/>
+          </a:p>
+        </p:txBody>
+      </p:sp>
+    </p:spTree>
+    <p:extLst>
+      <p:ext uri="{BB962C8B-B14F-4D97-AF65-F5344CB8AC3E}">
+        <p14:creationId xmlns:p14="http://schemas.microsoft.com/office/powerpoint/2010/main" val="709660317"/>
+      </p:ext>
+    </p:extLst>
+  </p:cSld>
+  <p:clrMapOvr>
+    <a:masterClrMapping/>
+  </p:clrMapOvr>
+</p:sld>
+</file>
+
+<file path=ppt/slides/slide24.xml><?xml version="1.0" encoding="utf-8"?>
+<p:sld xmlns:a="http://schemas.openxmlformats.org/drawingml/2006/main" xmlns:r="http://schemas.openxmlformats.org/officeDocument/2006/relationships" xmlns:p="http://schemas.openxmlformats.org/presentationml/2006/main">
+  <p:cSld>
+    <p:spTree>
+      <p:nvGrpSpPr>
+        <p:cNvPr id="1" name=""/>
+        <p:cNvGrpSpPr/>
+        <p:nvPr/>
+      </p:nvGrpSpPr>
+      <p:grpSpPr>
+        <a:xfrm>
+          <a:off x="0" y="0"/>
+          <a:ext cx="0" cy="0"/>
+          <a:chOff x="0" y="0"/>
+          <a:chExt cx="0" cy="0"/>
+        </a:xfrm>
+      </p:grpSpPr>
+      <p:sp>
+        <p:nvSpPr>
+          <p:cNvPr id="2" name="Title 1">
+            <a:extLst>
+              <a:ext uri="{FF2B5EF4-FFF2-40B4-BE49-F238E27FC236}">
+                <a16:creationId xmlns:a16="http://schemas.microsoft.com/office/drawing/2014/main" id="{1D93F1A6-3F6E-4AAE-87E7-4A5E17E10228}"/>
+              </a:ext>
+            </a:extLst>
+          </p:cNvPr>
+          <p:cNvSpPr>
+            <a:spLocks noGrp="1"/>
+          </p:cNvSpPr>
+          <p:nvPr>
+            <p:ph type="title"/>
+          </p:nvPr>
+        </p:nvSpPr>
+        <p:spPr/>
+        <p:txBody>
+          <a:bodyPr/>
+          <a:lstStyle/>
+          <a:p>
+            <a:r>
+              <a:rPr lang="en-GB" b="1" dirty="0"/>
+              <a:t>HỌC – KIỂM THỬ VÀ KẾT QUẢ</a:t>
+            </a:r>
+          </a:p>
+        </p:txBody>
+      </p:sp>
+      <p:sp>
+        <p:nvSpPr>
+          <p:cNvPr id="4" name="Content Placeholder 3">
+            <a:extLst>
+              <a:ext uri="{FF2B5EF4-FFF2-40B4-BE49-F238E27FC236}">
+                <a16:creationId xmlns:a16="http://schemas.microsoft.com/office/drawing/2014/main" id="{DF1FF6C7-5442-4C21-93CD-C0DE7B7B9C18}"/>
+              </a:ext>
+            </a:extLst>
+          </p:cNvPr>
+          <p:cNvSpPr>
+            <a:spLocks noGrp="1"/>
+          </p:cNvSpPr>
+          <p:nvPr>
+            <p:ph idx="1"/>
+          </p:nvPr>
+        </p:nvSpPr>
+        <p:spPr/>
+        <p:txBody>
+          <a:bodyPr>
+            <a:normAutofit/>
+          </a:bodyPr>
+          <a:lstStyle/>
+          <a:p>
+            <a:pPr marL="0" indent="0">
+              <a:buNone/>
+            </a:pPr>
+            <a:r>
+              <a:rPr lang="en-GB" sz="3200" dirty="0" err="1">
+                <a:latin typeface="Tahoma" panose="020B0604030504040204" pitchFamily="34" charset="0"/>
+                <a:ea typeface="Tahoma" panose="020B0604030504040204" pitchFamily="34" charset="0"/>
+                <a:cs typeface="Tahoma" panose="020B0604030504040204" pitchFamily="34" charset="0"/>
+              </a:rPr>
+              <a:t>Lý</a:t>
+            </a:r>
+            <a:r>
+              <a:rPr lang="en-GB" sz="3200" dirty="0">
+                <a:latin typeface="Tahoma" panose="020B0604030504040204" pitchFamily="34" charset="0"/>
+                <a:ea typeface="Tahoma" panose="020B0604030504040204" pitchFamily="34" charset="0"/>
+                <a:cs typeface="Tahoma" panose="020B0604030504040204" pitchFamily="34" charset="0"/>
+              </a:rPr>
+              <a:t> do </a:t>
+            </a:r>
+            <a:r>
+              <a:rPr lang="en-GB" sz="3200" dirty="0" err="1">
+                <a:latin typeface="Tahoma" panose="020B0604030504040204" pitchFamily="34" charset="0"/>
+                <a:ea typeface="Tahoma" panose="020B0604030504040204" pitchFamily="34" charset="0"/>
+                <a:cs typeface="Tahoma" panose="020B0604030504040204" pitchFamily="34" charset="0"/>
+              </a:rPr>
+              <a:t>chọn</a:t>
+            </a:r>
+            <a:r>
+              <a:rPr lang="en-GB" sz="3200" dirty="0">
+                <a:latin typeface="Tahoma" panose="020B0604030504040204" pitchFamily="34" charset="0"/>
+                <a:ea typeface="Tahoma" panose="020B0604030504040204" pitchFamily="34" charset="0"/>
+                <a:cs typeface="Tahoma" panose="020B0604030504040204" pitchFamily="34" charset="0"/>
+              </a:rPr>
+              <a:t> Random Forest: </a:t>
+            </a:r>
+          </a:p>
+          <a:p>
+            <a:pPr lvl="0"/>
+            <a:r>
+              <a:rPr lang="en-GB" sz="3200" i="1" dirty="0" err="1">
+                <a:latin typeface="Tahoma" panose="020B0604030504040204" pitchFamily="34" charset="0"/>
+                <a:ea typeface="Tahoma" panose="020B0604030504040204" pitchFamily="34" charset="0"/>
+                <a:cs typeface="Tahoma" panose="020B0604030504040204" pitchFamily="34" charset="0"/>
+              </a:rPr>
+              <a:t>Với</a:t>
+            </a:r>
+            <a:r>
+              <a:rPr lang="en-GB" sz="3200" i="1" dirty="0">
+                <a:latin typeface="Tahoma" panose="020B0604030504040204" pitchFamily="34" charset="0"/>
+                <a:ea typeface="Tahoma" panose="020B0604030504040204" pitchFamily="34" charset="0"/>
+                <a:cs typeface="Tahoma" panose="020B0604030504040204" pitchFamily="34" charset="0"/>
+              </a:rPr>
+              <a:t> KNN:</a:t>
+            </a:r>
+            <a:endParaRPr lang="en-GB" sz="3200" dirty="0">
+              <a:latin typeface="Tahoma" panose="020B0604030504040204" pitchFamily="34" charset="0"/>
+              <a:ea typeface="Tahoma" panose="020B0604030504040204" pitchFamily="34" charset="0"/>
+              <a:cs typeface="Tahoma" panose="020B0604030504040204" pitchFamily="34" charset="0"/>
+            </a:endParaRPr>
+          </a:p>
+          <a:p>
+            <a:pPr marL="0" indent="0">
+              <a:buNone/>
+            </a:pPr>
+            <a:r>
+              <a:rPr lang="en-GB" sz="3200" dirty="0" err="1">
+                <a:latin typeface="Tahoma" panose="020B0604030504040204" pitchFamily="34" charset="0"/>
+                <a:ea typeface="Tahoma" panose="020B0604030504040204" pitchFamily="34" charset="0"/>
+                <a:cs typeface="Tahoma" panose="020B0604030504040204" pitchFamily="34" charset="0"/>
+              </a:rPr>
+              <a:t>Độ</a:t>
+            </a:r>
+            <a:r>
+              <a:rPr lang="en-GB" sz="3200" dirty="0">
+                <a:latin typeface="Tahoma" panose="020B0604030504040204" pitchFamily="34" charset="0"/>
+                <a:ea typeface="Tahoma" panose="020B0604030504040204" pitchFamily="34" charset="0"/>
+                <a:cs typeface="Tahoma" panose="020B0604030504040204" pitchFamily="34" charset="0"/>
+              </a:rPr>
+              <a:t> </a:t>
+            </a:r>
+            <a:r>
+              <a:rPr lang="en-GB" sz="3200" dirty="0" err="1">
+                <a:latin typeface="Tahoma" panose="020B0604030504040204" pitchFamily="34" charset="0"/>
+                <a:ea typeface="Tahoma" panose="020B0604030504040204" pitchFamily="34" charset="0"/>
+                <a:cs typeface="Tahoma" panose="020B0604030504040204" pitchFamily="34" charset="0"/>
+              </a:rPr>
+              <a:t>tổng</a:t>
+            </a:r>
+            <a:r>
+              <a:rPr lang="en-GB" sz="3200" dirty="0">
+                <a:latin typeface="Tahoma" panose="020B0604030504040204" pitchFamily="34" charset="0"/>
+                <a:ea typeface="Tahoma" panose="020B0604030504040204" pitchFamily="34" charset="0"/>
+                <a:cs typeface="Tahoma" panose="020B0604030504040204" pitchFamily="34" charset="0"/>
+              </a:rPr>
+              <a:t> </a:t>
+            </a:r>
+            <a:r>
+              <a:rPr lang="en-GB" sz="3200" dirty="0" err="1">
+                <a:latin typeface="Tahoma" panose="020B0604030504040204" pitchFamily="34" charset="0"/>
+                <a:ea typeface="Tahoma" panose="020B0604030504040204" pitchFamily="34" charset="0"/>
+                <a:cs typeface="Tahoma" panose="020B0604030504040204" pitchFamily="34" charset="0"/>
+              </a:rPr>
+              <a:t>quát</a:t>
+            </a:r>
+            <a:r>
+              <a:rPr lang="en-GB" sz="3200" dirty="0">
+                <a:latin typeface="Tahoma" panose="020B0604030504040204" pitchFamily="34" charset="0"/>
+                <a:ea typeface="Tahoma" panose="020B0604030504040204" pitchFamily="34" charset="0"/>
+                <a:cs typeface="Tahoma" panose="020B0604030504040204" pitchFamily="34" charset="0"/>
+              </a:rPr>
+              <a:t> </a:t>
+            </a:r>
+            <a:r>
+              <a:rPr lang="en-GB" sz="3200" dirty="0" err="1">
+                <a:latin typeface="Tahoma" panose="020B0604030504040204" pitchFamily="34" charset="0"/>
+                <a:ea typeface="Tahoma" panose="020B0604030504040204" pitchFamily="34" charset="0"/>
+                <a:cs typeface="Tahoma" panose="020B0604030504040204" pitchFamily="34" charset="0"/>
+              </a:rPr>
+              <a:t>trên</a:t>
+            </a:r>
+            <a:r>
+              <a:rPr lang="en-GB" sz="3200" dirty="0">
+                <a:latin typeface="Tahoma" panose="020B0604030504040204" pitchFamily="34" charset="0"/>
+                <a:ea typeface="Tahoma" panose="020B0604030504040204" pitchFamily="34" charset="0"/>
+                <a:cs typeface="Tahoma" panose="020B0604030504040204" pitchFamily="34" charset="0"/>
+              </a:rPr>
+              <a:t> </a:t>
+            </a:r>
+            <a:r>
+              <a:rPr lang="en-GB" sz="3200" dirty="0" err="1">
+                <a:latin typeface="Tahoma" panose="020B0604030504040204" pitchFamily="34" charset="0"/>
+                <a:ea typeface="Tahoma" panose="020B0604030504040204" pitchFamily="34" charset="0"/>
+                <a:cs typeface="Tahoma" panose="020B0604030504040204" pitchFamily="34" charset="0"/>
+              </a:rPr>
+              <a:t>toàn</a:t>
+            </a:r>
+            <a:r>
+              <a:rPr lang="en-GB" sz="3200" dirty="0">
+                <a:latin typeface="Tahoma" panose="020B0604030504040204" pitchFamily="34" charset="0"/>
+                <a:ea typeface="Tahoma" panose="020B0604030504040204" pitchFamily="34" charset="0"/>
+                <a:cs typeface="Tahoma" panose="020B0604030504040204" pitchFamily="34" charset="0"/>
+              </a:rPr>
+              <a:t> </a:t>
+            </a:r>
+            <a:r>
+              <a:rPr lang="en-GB" sz="3200" dirty="0" err="1">
+                <a:latin typeface="Tahoma" panose="020B0604030504040204" pitchFamily="34" charset="0"/>
+                <a:ea typeface="Tahoma" panose="020B0604030504040204" pitchFamily="34" charset="0"/>
+                <a:cs typeface="Tahoma" panose="020B0604030504040204" pitchFamily="34" charset="0"/>
+              </a:rPr>
+              <a:t>bộ</a:t>
+            </a:r>
+            <a:r>
+              <a:rPr lang="en-GB" sz="3200" dirty="0">
+                <a:latin typeface="Tahoma" panose="020B0604030504040204" pitchFamily="34" charset="0"/>
+                <a:ea typeface="Tahoma" panose="020B0604030504040204" pitchFamily="34" charset="0"/>
+                <a:cs typeface="Tahoma" panose="020B0604030504040204" pitchFamily="34" charset="0"/>
+              </a:rPr>
+              <a:t> </a:t>
+            </a:r>
+            <a:r>
+              <a:rPr lang="en-GB" sz="3200" dirty="0" err="1">
+                <a:latin typeface="Tahoma" panose="020B0604030504040204" pitchFamily="34" charset="0"/>
+                <a:ea typeface="Tahoma" panose="020B0604030504040204" pitchFamily="34" charset="0"/>
+                <a:cs typeface="Tahoma" panose="020B0604030504040204" pitchFamily="34" charset="0"/>
+              </a:rPr>
+              <a:t>dữ</a:t>
+            </a:r>
+            <a:r>
+              <a:rPr lang="en-GB" sz="3200" dirty="0">
+                <a:latin typeface="Tahoma" panose="020B0604030504040204" pitchFamily="34" charset="0"/>
+                <a:ea typeface="Tahoma" panose="020B0604030504040204" pitchFamily="34" charset="0"/>
+                <a:cs typeface="Tahoma" panose="020B0604030504040204" pitchFamily="34" charset="0"/>
+              </a:rPr>
+              <a:t> </a:t>
+            </a:r>
+            <a:r>
+              <a:rPr lang="en-GB" sz="3200" dirty="0" err="1">
+                <a:latin typeface="Tahoma" panose="020B0604030504040204" pitchFamily="34" charset="0"/>
+                <a:ea typeface="Tahoma" panose="020B0604030504040204" pitchFamily="34" charset="0"/>
+                <a:cs typeface="Tahoma" panose="020B0604030504040204" pitchFamily="34" charset="0"/>
+              </a:rPr>
+              <a:t>liệu</a:t>
+            </a:r>
+            <a:r>
+              <a:rPr lang="en-GB" sz="3200" dirty="0">
+                <a:latin typeface="Tahoma" panose="020B0604030504040204" pitchFamily="34" charset="0"/>
+                <a:ea typeface="Tahoma" panose="020B0604030504040204" pitchFamily="34" charset="0"/>
+                <a:cs typeface="Tahoma" panose="020B0604030504040204" pitchFamily="34" charset="0"/>
+              </a:rPr>
+              <a:t> </a:t>
+            </a:r>
+            <a:r>
+              <a:rPr lang="en-GB" sz="3200" dirty="0" err="1">
+                <a:latin typeface="Tahoma" panose="020B0604030504040204" pitchFamily="34" charset="0"/>
+                <a:ea typeface="Tahoma" panose="020B0604030504040204" pitchFamily="34" charset="0"/>
+                <a:cs typeface="Tahoma" panose="020B0604030504040204" pitchFamily="34" charset="0"/>
+              </a:rPr>
+              <a:t>của</a:t>
+            </a:r>
+            <a:r>
+              <a:rPr lang="en-GB" sz="3200" dirty="0">
+                <a:latin typeface="Tahoma" panose="020B0604030504040204" pitchFamily="34" charset="0"/>
+                <a:ea typeface="Tahoma" panose="020B0604030504040204" pitchFamily="34" charset="0"/>
+                <a:cs typeface="Tahoma" panose="020B0604030504040204" pitchFamily="34" charset="0"/>
+              </a:rPr>
+              <a:t> Random Forest </a:t>
+            </a:r>
+            <a:r>
+              <a:rPr lang="en-GB" sz="3200" dirty="0" err="1">
+                <a:latin typeface="Tahoma" panose="020B0604030504040204" pitchFamily="34" charset="0"/>
+                <a:ea typeface="Tahoma" panose="020B0604030504040204" pitchFamily="34" charset="0"/>
+                <a:cs typeface="Tahoma" panose="020B0604030504040204" pitchFamily="34" charset="0"/>
+              </a:rPr>
+              <a:t>sẽ</a:t>
+            </a:r>
+            <a:r>
+              <a:rPr lang="en-GB" sz="3200" dirty="0">
+                <a:latin typeface="Tahoma" panose="020B0604030504040204" pitchFamily="34" charset="0"/>
+                <a:ea typeface="Tahoma" panose="020B0604030504040204" pitchFamily="34" charset="0"/>
+                <a:cs typeface="Tahoma" panose="020B0604030504040204" pitchFamily="34" charset="0"/>
+              </a:rPr>
+              <a:t> </a:t>
+            </a:r>
+            <a:r>
+              <a:rPr lang="en-GB" sz="3200" dirty="0" err="1">
+                <a:latin typeface="Tahoma" panose="020B0604030504040204" pitchFamily="34" charset="0"/>
+                <a:ea typeface="Tahoma" panose="020B0604030504040204" pitchFamily="34" charset="0"/>
+                <a:cs typeface="Tahoma" panose="020B0604030504040204" pitchFamily="34" charset="0"/>
+              </a:rPr>
+              <a:t>tốt</a:t>
+            </a:r>
+            <a:r>
+              <a:rPr lang="en-GB" sz="3200" dirty="0">
+                <a:latin typeface="Tahoma" panose="020B0604030504040204" pitchFamily="34" charset="0"/>
+                <a:ea typeface="Tahoma" panose="020B0604030504040204" pitchFamily="34" charset="0"/>
+                <a:cs typeface="Tahoma" panose="020B0604030504040204" pitchFamily="34" charset="0"/>
+              </a:rPr>
+              <a:t> </a:t>
+            </a:r>
+            <a:r>
+              <a:rPr lang="en-GB" sz="3200" dirty="0" err="1">
+                <a:latin typeface="Tahoma" panose="020B0604030504040204" pitchFamily="34" charset="0"/>
+                <a:ea typeface="Tahoma" panose="020B0604030504040204" pitchFamily="34" charset="0"/>
+                <a:cs typeface="Tahoma" panose="020B0604030504040204" pitchFamily="34" charset="0"/>
+              </a:rPr>
+              <a:t>hơn</a:t>
+            </a:r>
+            <a:r>
+              <a:rPr lang="en-GB" sz="3200" dirty="0">
+                <a:latin typeface="Tahoma" panose="020B0604030504040204" pitchFamily="34" charset="0"/>
+                <a:ea typeface="Tahoma" panose="020B0604030504040204" pitchFamily="34" charset="0"/>
+                <a:cs typeface="Tahoma" panose="020B0604030504040204" pitchFamily="34" charset="0"/>
+              </a:rPr>
+              <a:t> </a:t>
+            </a:r>
+            <a:r>
+              <a:rPr lang="en-GB" sz="3200" dirty="0" err="1">
+                <a:latin typeface="Tahoma" panose="020B0604030504040204" pitchFamily="34" charset="0"/>
+                <a:ea typeface="Tahoma" panose="020B0604030504040204" pitchFamily="34" charset="0"/>
+                <a:cs typeface="Tahoma" panose="020B0604030504040204" pitchFamily="34" charset="0"/>
+              </a:rPr>
+              <a:t>nhiều</a:t>
+            </a:r>
+            <a:r>
+              <a:rPr lang="en-GB" sz="3200" dirty="0">
+                <a:latin typeface="Tahoma" panose="020B0604030504040204" pitchFamily="34" charset="0"/>
+                <a:ea typeface="Tahoma" panose="020B0604030504040204" pitchFamily="34" charset="0"/>
+                <a:cs typeface="Tahoma" panose="020B0604030504040204" pitchFamily="34" charset="0"/>
+              </a:rPr>
+              <a:t> so </a:t>
+            </a:r>
+            <a:r>
+              <a:rPr lang="en-GB" sz="3200" dirty="0" err="1">
+                <a:latin typeface="Tahoma" panose="020B0604030504040204" pitchFamily="34" charset="0"/>
+                <a:ea typeface="Tahoma" panose="020B0604030504040204" pitchFamily="34" charset="0"/>
+                <a:cs typeface="Tahoma" panose="020B0604030504040204" pitchFamily="34" charset="0"/>
+              </a:rPr>
+              <a:t>với</a:t>
+            </a:r>
+            <a:r>
+              <a:rPr lang="en-GB" sz="3200" dirty="0">
+                <a:latin typeface="Tahoma" panose="020B0604030504040204" pitchFamily="34" charset="0"/>
+                <a:ea typeface="Tahoma" panose="020B0604030504040204" pitchFamily="34" charset="0"/>
+                <a:cs typeface="Tahoma" panose="020B0604030504040204" pitchFamily="34" charset="0"/>
+              </a:rPr>
+              <a:t> KNN do KNN </a:t>
+            </a:r>
+            <a:r>
+              <a:rPr lang="en-GB" sz="3200" dirty="0" err="1">
+                <a:latin typeface="Tahoma" panose="020B0604030504040204" pitchFamily="34" charset="0"/>
+                <a:ea typeface="Tahoma" panose="020B0604030504040204" pitchFamily="34" charset="0"/>
+                <a:cs typeface="Tahoma" panose="020B0604030504040204" pitchFamily="34" charset="0"/>
+              </a:rPr>
+              <a:t>chỉ</a:t>
+            </a:r>
+            <a:r>
+              <a:rPr lang="en-GB" sz="3200" dirty="0">
+                <a:latin typeface="Tahoma" panose="020B0604030504040204" pitchFamily="34" charset="0"/>
+                <a:ea typeface="Tahoma" panose="020B0604030504040204" pitchFamily="34" charset="0"/>
+                <a:cs typeface="Tahoma" panose="020B0604030504040204" pitchFamily="34" charset="0"/>
+              </a:rPr>
+              <a:t> </a:t>
+            </a:r>
+            <a:r>
+              <a:rPr lang="en-GB" sz="3200" dirty="0" err="1">
+                <a:latin typeface="Tahoma" panose="020B0604030504040204" pitchFamily="34" charset="0"/>
+                <a:ea typeface="Tahoma" panose="020B0604030504040204" pitchFamily="34" charset="0"/>
+                <a:cs typeface="Tahoma" panose="020B0604030504040204" pitchFamily="34" charset="0"/>
+              </a:rPr>
+              <a:t>xét</a:t>
+            </a:r>
+            <a:r>
+              <a:rPr lang="en-GB" sz="3200" dirty="0">
+                <a:latin typeface="Tahoma" panose="020B0604030504040204" pitchFamily="34" charset="0"/>
+                <a:ea typeface="Tahoma" panose="020B0604030504040204" pitchFamily="34" charset="0"/>
+                <a:cs typeface="Tahoma" panose="020B0604030504040204" pitchFamily="34" charset="0"/>
+              </a:rPr>
+              <a:t> </a:t>
+            </a:r>
+            <a:r>
+              <a:rPr lang="en-GB" sz="3200" dirty="0" err="1">
+                <a:latin typeface="Tahoma" panose="020B0604030504040204" pitchFamily="34" charset="0"/>
+                <a:ea typeface="Tahoma" panose="020B0604030504040204" pitchFamily="34" charset="0"/>
+                <a:cs typeface="Tahoma" panose="020B0604030504040204" pitchFamily="34" charset="0"/>
+              </a:rPr>
+              <a:t>trên</a:t>
+            </a:r>
+            <a:r>
+              <a:rPr lang="en-GB" sz="3200" dirty="0">
+                <a:latin typeface="Tahoma" panose="020B0604030504040204" pitchFamily="34" charset="0"/>
+                <a:ea typeface="Tahoma" panose="020B0604030504040204" pitchFamily="34" charset="0"/>
+                <a:cs typeface="Tahoma" panose="020B0604030504040204" pitchFamily="34" charset="0"/>
+              </a:rPr>
+              <a:t> n </a:t>
+            </a:r>
+            <a:r>
+              <a:rPr lang="en-GB" sz="3200" dirty="0" err="1">
+                <a:latin typeface="Tahoma" panose="020B0604030504040204" pitchFamily="34" charset="0"/>
+                <a:ea typeface="Tahoma" panose="020B0604030504040204" pitchFamily="34" charset="0"/>
+                <a:cs typeface="Tahoma" panose="020B0604030504040204" pitchFamily="34" charset="0"/>
+              </a:rPr>
+              <a:t>điểm</a:t>
+            </a:r>
+            <a:r>
+              <a:rPr lang="en-GB" sz="3200" dirty="0">
+                <a:latin typeface="Tahoma" panose="020B0604030504040204" pitchFamily="34" charset="0"/>
+                <a:ea typeface="Tahoma" panose="020B0604030504040204" pitchFamily="34" charset="0"/>
+                <a:cs typeface="Tahoma" panose="020B0604030504040204" pitchFamily="34" charset="0"/>
+              </a:rPr>
+              <a:t> </a:t>
+            </a:r>
+            <a:r>
+              <a:rPr lang="en-GB" sz="3200" dirty="0" err="1">
+                <a:latin typeface="Tahoma" panose="020B0604030504040204" pitchFamily="34" charset="0"/>
+                <a:ea typeface="Tahoma" panose="020B0604030504040204" pitchFamily="34" charset="0"/>
+                <a:cs typeface="Tahoma" panose="020B0604030504040204" pitchFamily="34" charset="0"/>
+              </a:rPr>
+              <a:t>gần</a:t>
+            </a:r>
+            <a:r>
+              <a:rPr lang="en-GB" sz="3200" dirty="0">
+                <a:latin typeface="Tahoma" panose="020B0604030504040204" pitchFamily="34" charset="0"/>
+                <a:ea typeface="Tahoma" panose="020B0604030504040204" pitchFamily="34" charset="0"/>
+                <a:cs typeface="Tahoma" panose="020B0604030504040204" pitchFamily="34" charset="0"/>
+              </a:rPr>
+              <a:t> </a:t>
+            </a:r>
+            <a:r>
+              <a:rPr lang="en-GB" sz="3200" dirty="0" err="1">
+                <a:latin typeface="Tahoma" panose="020B0604030504040204" pitchFamily="34" charset="0"/>
+                <a:ea typeface="Tahoma" panose="020B0604030504040204" pitchFamily="34" charset="0"/>
+                <a:cs typeface="Tahoma" panose="020B0604030504040204" pitchFamily="34" charset="0"/>
+              </a:rPr>
+              <a:t>nhất</a:t>
+            </a:r>
+            <a:r>
+              <a:rPr lang="en-GB" sz="3200" dirty="0">
+                <a:latin typeface="Tahoma" panose="020B0604030504040204" pitchFamily="34" charset="0"/>
+                <a:ea typeface="Tahoma" panose="020B0604030504040204" pitchFamily="34" charset="0"/>
+                <a:cs typeface="Tahoma" panose="020B0604030504040204" pitchFamily="34" charset="0"/>
+              </a:rPr>
+              <a:t>.</a:t>
+            </a:r>
+          </a:p>
+          <a:p>
+            <a:pPr marL="0" indent="0">
+              <a:buNone/>
+            </a:pPr>
+            <a:endParaRPr lang="en-GB" sz="3200" dirty="0">
+              <a:latin typeface="Tahoma" panose="020B0604030504040204" pitchFamily="34" charset="0"/>
+              <a:ea typeface="Tahoma" panose="020B0604030504040204" pitchFamily="34" charset="0"/>
+              <a:cs typeface="Tahoma" panose="020B0604030504040204" pitchFamily="34" charset="0"/>
+            </a:endParaRPr>
+          </a:p>
+        </p:txBody>
+      </p:sp>
+      <p:sp>
+        <p:nvSpPr>
+          <p:cNvPr id="3" name="Slide Number Placeholder 2">
+            <a:extLst>
+              <a:ext uri="{FF2B5EF4-FFF2-40B4-BE49-F238E27FC236}">
+                <a16:creationId xmlns:a16="http://schemas.microsoft.com/office/drawing/2014/main" id="{F3CCCA9D-FD58-4B08-8D27-1D15436AB67D}"/>
+              </a:ext>
+            </a:extLst>
+          </p:cNvPr>
+          <p:cNvSpPr>
+            <a:spLocks noGrp="1"/>
+          </p:cNvSpPr>
+          <p:nvPr>
+            <p:ph type="sldNum" sz="quarter" idx="12"/>
+          </p:nvPr>
+        </p:nvSpPr>
+        <p:spPr/>
+        <p:txBody>
+          <a:bodyPr/>
+          <a:lstStyle/>
+          <a:p>
+            <a:fld id="{C2A74E92-A1E9-4D96-8B19-9FA9AB19DBB5}" type="slidenum">
+              <a:rPr lang="en-GB" smtClean="0"/>
+              <a:t>24</a:t>
+            </a:fld>
+            <a:endParaRPr lang="en-GB"/>
+          </a:p>
+        </p:txBody>
+      </p:sp>
+    </p:spTree>
+    <p:extLst>
+      <p:ext uri="{BB962C8B-B14F-4D97-AF65-F5344CB8AC3E}">
+        <p14:creationId xmlns:p14="http://schemas.microsoft.com/office/powerpoint/2010/main" val="1802824129"/>
+      </p:ext>
+    </p:extLst>
+  </p:cSld>
+  <p:clrMapOvr>
+    <a:masterClrMapping/>
+  </p:clrMapOvr>
+</p:sld>
+</file>
+
+<file path=ppt/slides/slide25.xml><?xml version="1.0" encoding="utf-8"?>
 <p:sld xmlns:a="http://schemas.openxmlformats.org/drawingml/2006/main" xmlns:r="http://schemas.openxmlformats.org/officeDocument/2006/relationships" xmlns:p="http://schemas.openxmlformats.org/presentationml/2006/main">
   <p:cSld>
     <p:spTree>
@@ -7590,7 +15527,7 @@
           <a:p>
             <a:fld id="{C2A74E92-A1E9-4D96-8B19-9FA9AB19DBB5}" type="slidenum">
               <a:rPr lang="en-GB" smtClean="0"/>
-              <a:t>18</a:t>
+              <a:t>25</a:t>
             </a:fld>
             <a:endParaRPr lang="en-GB"/>
           </a:p>
@@ -7609,7 +15546,7 @@
 </p:sld>
 </file>
 
-<file path=ppt/slides/slide19.xml><?xml version="1.0" encoding="utf-8"?>
+<file path=ppt/slides/slide26.xml><?xml version="1.0" encoding="utf-8"?>
 <p:sld xmlns:a="http://schemas.openxmlformats.org/drawingml/2006/main" xmlns:r="http://schemas.openxmlformats.org/officeDocument/2006/relationships" xmlns:p="http://schemas.openxmlformats.org/presentationml/2006/main">
   <p:cSld>
     <p:spTree>
@@ -8470,7 +16407,7 @@
           <a:p>
             <a:fld id="{C2A74E92-A1E9-4D96-8B19-9FA9AB19DBB5}" type="slidenum">
               <a:rPr lang="en-GB" smtClean="0"/>
-              <a:t>19</a:t>
+              <a:t>26</a:t>
             </a:fld>
             <a:endParaRPr lang="en-GB"/>
           </a:p>
@@ -8489,787 +16426,7 @@
 </p:sld>
 </file>
 
-<file path=ppt/slides/slide2.xml><?xml version="1.0" encoding="utf-8"?>
-<p:sld xmlns:a="http://schemas.openxmlformats.org/drawingml/2006/main" xmlns:r="http://schemas.openxmlformats.org/officeDocument/2006/relationships" xmlns:p="http://schemas.openxmlformats.org/presentationml/2006/main">
-  <p:cSld>
-    <p:spTree>
-      <p:nvGrpSpPr>
-        <p:cNvPr id="1" name=""/>
-        <p:cNvGrpSpPr/>
-        <p:nvPr/>
-      </p:nvGrpSpPr>
-      <p:grpSpPr>
-        <a:xfrm>
-          <a:off x="0" y="0"/>
-          <a:ext cx="0" cy="0"/>
-          <a:chOff x="0" y="0"/>
-          <a:chExt cx="0" cy="0"/>
-        </a:xfrm>
-      </p:grpSpPr>
-      <p:sp>
-        <p:nvSpPr>
-          <p:cNvPr id="2" name="Title 1">
-            <a:extLst>
-              <a:ext uri="{FF2B5EF4-FFF2-40B4-BE49-F238E27FC236}">
-                <a16:creationId xmlns:a16="http://schemas.microsoft.com/office/drawing/2014/main" id="{AEA87D58-7025-473A-93EB-6F76A6DFF1C8}"/>
-              </a:ext>
-            </a:extLst>
-          </p:cNvPr>
-          <p:cNvSpPr>
-            <a:spLocks noGrp="1"/>
-          </p:cNvSpPr>
-          <p:nvPr>
-            <p:ph type="title"/>
-          </p:nvPr>
-        </p:nvSpPr>
-        <p:spPr/>
-        <p:txBody>
-          <a:bodyPr/>
-          <a:lstStyle/>
-          <a:p>
-            <a:r>
-              <a:rPr lang="en-US" b="1" dirty="0" err="1"/>
-              <a:t>Nội</a:t>
-            </a:r>
-            <a:r>
-              <a:rPr lang="en-US" b="1" dirty="0"/>
-              <a:t> dung </a:t>
-            </a:r>
-            <a:r>
-              <a:rPr lang="en-US" b="1" dirty="0" err="1"/>
-              <a:t>thay</a:t>
-            </a:r>
-            <a:r>
-              <a:rPr lang="en-US" b="1" dirty="0"/>
-              <a:t> </a:t>
-            </a:r>
-            <a:r>
-              <a:rPr lang="en-US" b="1" dirty="0" err="1"/>
-              <a:t>đổi</a:t>
-            </a:r>
-            <a:endParaRPr lang="en-US" b="1" dirty="0"/>
-          </a:p>
-        </p:txBody>
-      </p:sp>
-      <p:sp>
-        <p:nvSpPr>
-          <p:cNvPr id="3" name="Content Placeholder 2">
-            <a:extLst>
-              <a:ext uri="{FF2B5EF4-FFF2-40B4-BE49-F238E27FC236}">
-                <a16:creationId xmlns:a16="http://schemas.microsoft.com/office/drawing/2014/main" id="{6B0E0CF2-2F65-4163-BBD9-906674C7AF00}"/>
-              </a:ext>
-            </a:extLst>
-          </p:cNvPr>
-          <p:cNvSpPr>
-            <a:spLocks noGrp="1"/>
-          </p:cNvSpPr>
-          <p:nvPr>
-            <p:ph idx="1"/>
-          </p:nvPr>
-        </p:nvSpPr>
-        <p:spPr/>
-        <p:txBody>
-          <a:bodyPr>
-            <a:normAutofit/>
-          </a:bodyPr>
-          <a:lstStyle/>
-          <a:p>
-            <a:r>
-              <a:rPr lang="en-US" sz="3200" dirty="0">
-                <a:latin typeface="Tahoma" panose="020B0604030504040204" pitchFamily="34" charset="0"/>
-                <a:ea typeface="Tahoma" panose="020B0604030504040204" pitchFamily="34" charset="0"/>
-                <a:cs typeface="Tahoma" panose="020B0604030504040204" pitchFamily="34" charset="0"/>
-              </a:rPr>
-              <a:t>Ở file </a:t>
-            </a:r>
-            <a:r>
-              <a:rPr lang="en-US" sz="3200" dirty="0" err="1">
-                <a:latin typeface="Tahoma" panose="020B0604030504040204" pitchFamily="34" charset="0"/>
-                <a:ea typeface="Tahoma" panose="020B0604030504040204" pitchFamily="34" charset="0"/>
-                <a:cs typeface="Tahoma" panose="020B0604030504040204" pitchFamily="34" charset="0"/>
-              </a:rPr>
-              <a:t>chạy</a:t>
-            </a:r>
-            <a:r>
-              <a:rPr lang="en-US" sz="3200" dirty="0">
-                <a:latin typeface="Tahoma" panose="020B0604030504040204" pitchFamily="34" charset="0"/>
-                <a:ea typeface="Tahoma" panose="020B0604030504040204" pitchFamily="34" charset="0"/>
-                <a:cs typeface="Tahoma" panose="020B0604030504040204" pitchFamily="34" charset="0"/>
-              </a:rPr>
-              <a:t> train </a:t>
-            </a:r>
-            <a:r>
-              <a:rPr lang="en-US" sz="3200" dirty="0" err="1">
-                <a:latin typeface="Tahoma" panose="020B0604030504040204" pitchFamily="34" charset="0"/>
-                <a:ea typeface="Tahoma" panose="020B0604030504040204" pitchFamily="34" charset="0"/>
-                <a:cs typeface="Tahoma" panose="020B0604030504040204" pitchFamily="34" charset="0"/>
-              </a:rPr>
-              <a:t>và</a:t>
-            </a:r>
-            <a:r>
-              <a:rPr lang="en-US" sz="3200" dirty="0">
-                <a:latin typeface="Tahoma" panose="020B0604030504040204" pitchFamily="34" charset="0"/>
-                <a:ea typeface="Tahoma" panose="020B0604030504040204" pitchFamily="34" charset="0"/>
-                <a:cs typeface="Tahoma" panose="020B0604030504040204" pitchFamily="34" charset="0"/>
-              </a:rPr>
-              <a:t> test, chia </a:t>
-            </a:r>
-            <a:r>
-              <a:rPr lang="en-US" sz="3200" dirty="0" err="1">
-                <a:latin typeface="Tahoma" panose="020B0604030504040204" pitchFamily="34" charset="0"/>
-                <a:ea typeface="Tahoma" panose="020B0604030504040204" pitchFamily="34" charset="0"/>
-                <a:cs typeface="Tahoma" panose="020B0604030504040204" pitchFamily="34" charset="0"/>
-              </a:rPr>
-              <a:t>tập</a:t>
-            </a:r>
-            <a:r>
-              <a:rPr lang="en-US" sz="3200" dirty="0">
-                <a:latin typeface="Tahoma" panose="020B0604030504040204" pitchFamily="34" charset="0"/>
-                <a:ea typeface="Tahoma" panose="020B0604030504040204" pitchFamily="34" charset="0"/>
-                <a:cs typeface="Tahoma" panose="020B0604030504040204" pitchFamily="34" charset="0"/>
-              </a:rPr>
-              <a:t> dataset </a:t>
-            </a:r>
-            <a:r>
-              <a:rPr lang="en-US" sz="3200" dirty="0" err="1">
-                <a:latin typeface="Tahoma" panose="020B0604030504040204" pitchFamily="34" charset="0"/>
-                <a:ea typeface="Tahoma" panose="020B0604030504040204" pitchFamily="34" charset="0"/>
-                <a:cs typeface="Tahoma" panose="020B0604030504040204" pitchFamily="34" charset="0"/>
-              </a:rPr>
-              <a:t>thành</a:t>
-            </a:r>
-            <a:r>
-              <a:rPr lang="en-US" sz="3200" dirty="0">
-                <a:latin typeface="Tahoma" panose="020B0604030504040204" pitchFamily="34" charset="0"/>
-                <a:ea typeface="Tahoma" panose="020B0604030504040204" pitchFamily="34" charset="0"/>
-                <a:cs typeface="Tahoma" panose="020B0604030504040204" pitchFamily="34" charset="0"/>
-              </a:rPr>
-              <a:t> 3 </a:t>
-            </a:r>
-            <a:r>
-              <a:rPr lang="en-US" sz="3200" dirty="0" err="1">
-                <a:latin typeface="Tahoma" panose="020B0604030504040204" pitchFamily="34" charset="0"/>
-                <a:ea typeface="Tahoma" panose="020B0604030504040204" pitchFamily="34" charset="0"/>
-                <a:cs typeface="Tahoma" panose="020B0604030504040204" pitchFamily="34" charset="0"/>
-              </a:rPr>
-              <a:t>tập</a:t>
-            </a:r>
-            <a:r>
-              <a:rPr lang="en-US" sz="3200" dirty="0">
-                <a:latin typeface="Tahoma" panose="020B0604030504040204" pitchFamily="34" charset="0"/>
-                <a:ea typeface="Tahoma" panose="020B0604030504040204" pitchFamily="34" charset="0"/>
-                <a:cs typeface="Tahoma" panose="020B0604030504040204" pitchFamily="34" charset="0"/>
-              </a:rPr>
-              <a:t> train/validation/test </a:t>
-            </a:r>
-            <a:r>
-              <a:rPr lang="en-US" sz="3200" dirty="0" err="1">
-                <a:latin typeface="Tahoma" panose="020B0604030504040204" pitchFamily="34" charset="0"/>
-                <a:ea typeface="Tahoma" panose="020B0604030504040204" pitchFamily="34" charset="0"/>
-                <a:cs typeface="Tahoma" panose="020B0604030504040204" pitchFamily="34" charset="0"/>
-              </a:rPr>
-              <a:t>theo</a:t>
-            </a:r>
-            <a:r>
-              <a:rPr lang="en-US" sz="3200" dirty="0">
-                <a:latin typeface="Tahoma" panose="020B0604030504040204" pitchFamily="34" charset="0"/>
-                <a:ea typeface="Tahoma" panose="020B0604030504040204" pitchFamily="34" charset="0"/>
-                <a:cs typeface="Tahoma" panose="020B0604030504040204" pitchFamily="34" charset="0"/>
-              </a:rPr>
-              <a:t> </a:t>
-            </a:r>
-            <a:r>
-              <a:rPr lang="en-US" sz="3200" dirty="0" err="1">
-                <a:latin typeface="Tahoma" panose="020B0604030504040204" pitchFamily="34" charset="0"/>
-                <a:ea typeface="Tahoma" panose="020B0604030504040204" pitchFamily="34" charset="0"/>
-                <a:cs typeface="Tahoma" panose="020B0604030504040204" pitchFamily="34" charset="0"/>
-              </a:rPr>
-              <a:t>tỉ</a:t>
-            </a:r>
-            <a:r>
-              <a:rPr lang="en-US" sz="3200" dirty="0">
-                <a:latin typeface="Tahoma" panose="020B0604030504040204" pitchFamily="34" charset="0"/>
-                <a:ea typeface="Tahoma" panose="020B0604030504040204" pitchFamily="34" charset="0"/>
-                <a:cs typeface="Tahoma" panose="020B0604030504040204" pitchFamily="34" charset="0"/>
-              </a:rPr>
-              <a:t> </a:t>
-            </a:r>
-            <a:r>
-              <a:rPr lang="en-US" sz="3200" dirty="0" err="1">
-                <a:latin typeface="Tahoma" panose="020B0604030504040204" pitchFamily="34" charset="0"/>
-                <a:ea typeface="Tahoma" panose="020B0604030504040204" pitchFamily="34" charset="0"/>
-                <a:cs typeface="Tahoma" panose="020B0604030504040204" pitchFamily="34" charset="0"/>
-              </a:rPr>
-              <a:t>lệ</a:t>
-            </a:r>
-            <a:r>
-              <a:rPr lang="en-US" sz="3200" dirty="0">
-                <a:latin typeface="Tahoma" panose="020B0604030504040204" pitchFamily="34" charset="0"/>
-                <a:ea typeface="Tahoma" panose="020B0604030504040204" pitchFamily="34" charset="0"/>
-                <a:cs typeface="Tahoma" panose="020B0604030504040204" pitchFamily="34" charset="0"/>
-              </a:rPr>
-              <a:t> </a:t>
-            </a:r>
-            <a:r>
-              <a:rPr lang="en-US" sz="3200" dirty="0" err="1">
-                <a:latin typeface="Tahoma" panose="020B0604030504040204" pitchFamily="34" charset="0"/>
-                <a:ea typeface="Tahoma" panose="020B0604030504040204" pitchFamily="34" charset="0"/>
-                <a:cs typeface="Tahoma" panose="020B0604030504040204" pitchFamily="34" charset="0"/>
-              </a:rPr>
-              <a:t>là</a:t>
-            </a:r>
-            <a:r>
-              <a:rPr lang="en-US" sz="3200" dirty="0">
-                <a:latin typeface="Tahoma" panose="020B0604030504040204" pitchFamily="34" charset="0"/>
-                <a:ea typeface="Tahoma" panose="020B0604030504040204" pitchFamily="34" charset="0"/>
-                <a:cs typeface="Tahoma" panose="020B0604030504040204" pitchFamily="34" charset="0"/>
-              </a:rPr>
-              <a:t> 6:2:2 </a:t>
-            </a:r>
-            <a:r>
-              <a:rPr lang="en-US" sz="3200" dirty="0" err="1">
-                <a:latin typeface="Tahoma" panose="020B0604030504040204" pitchFamily="34" charset="0"/>
-                <a:ea typeface="Tahoma" panose="020B0604030504040204" pitchFamily="34" charset="0"/>
-                <a:cs typeface="Tahoma" panose="020B0604030504040204" pitchFamily="34" charset="0"/>
-              </a:rPr>
-              <a:t>trên</a:t>
-            </a:r>
-            <a:r>
-              <a:rPr lang="en-US" sz="3200" dirty="0">
-                <a:latin typeface="Tahoma" panose="020B0604030504040204" pitchFamily="34" charset="0"/>
-                <a:ea typeface="Tahoma" panose="020B0604030504040204" pitchFamily="34" charset="0"/>
-                <a:cs typeface="Tahoma" panose="020B0604030504040204" pitchFamily="34" charset="0"/>
-              </a:rPr>
-              <a:t> </a:t>
-            </a:r>
-            <a:r>
-              <a:rPr lang="en-US" sz="3200" dirty="0" err="1">
-                <a:latin typeface="Tahoma" panose="020B0604030504040204" pitchFamily="34" charset="0"/>
-                <a:ea typeface="Tahoma" panose="020B0604030504040204" pitchFamily="34" charset="0"/>
-                <a:cs typeface="Tahoma" panose="020B0604030504040204" pitchFamily="34" charset="0"/>
-              </a:rPr>
-              <a:t>toàn</a:t>
-            </a:r>
-            <a:r>
-              <a:rPr lang="en-US" sz="3200" dirty="0">
-                <a:latin typeface="Tahoma" panose="020B0604030504040204" pitchFamily="34" charset="0"/>
-                <a:ea typeface="Tahoma" panose="020B0604030504040204" pitchFamily="34" charset="0"/>
-                <a:cs typeface="Tahoma" panose="020B0604030504040204" pitchFamily="34" charset="0"/>
-              </a:rPr>
-              <a:t> </a:t>
-            </a:r>
-            <a:r>
-              <a:rPr lang="en-US" sz="3200" dirty="0" err="1">
-                <a:latin typeface="Tahoma" panose="020B0604030504040204" pitchFamily="34" charset="0"/>
-                <a:ea typeface="Tahoma" panose="020B0604030504040204" pitchFamily="34" charset="0"/>
-                <a:cs typeface="Tahoma" panose="020B0604030504040204" pitchFamily="34" charset="0"/>
-              </a:rPr>
-              <a:t>bộ</a:t>
-            </a:r>
-            <a:r>
-              <a:rPr lang="en-US" sz="3200" dirty="0">
-                <a:latin typeface="Tahoma" panose="020B0604030504040204" pitchFamily="34" charset="0"/>
-                <a:ea typeface="Tahoma" panose="020B0604030504040204" pitchFamily="34" charset="0"/>
-                <a:cs typeface="Tahoma" panose="020B0604030504040204" pitchFamily="34" charset="0"/>
-              </a:rPr>
-              <a:t> dataset, </a:t>
-            </a:r>
-            <a:r>
-              <a:rPr lang="en-US" sz="3200" dirty="0" err="1">
-                <a:latin typeface="Tahoma" panose="020B0604030504040204" pitchFamily="34" charset="0"/>
-                <a:ea typeface="Tahoma" panose="020B0604030504040204" pitchFamily="34" charset="0"/>
-                <a:cs typeface="Tahoma" panose="020B0604030504040204" pitchFamily="34" charset="0"/>
-              </a:rPr>
-              <a:t>thay</a:t>
-            </a:r>
-            <a:r>
-              <a:rPr lang="en-US" sz="3200" dirty="0">
-                <a:latin typeface="Tahoma" panose="020B0604030504040204" pitchFamily="34" charset="0"/>
-                <a:ea typeface="Tahoma" panose="020B0604030504040204" pitchFamily="34" charset="0"/>
-                <a:cs typeface="Tahoma" panose="020B0604030504040204" pitchFamily="34" charset="0"/>
-              </a:rPr>
-              <a:t> </a:t>
-            </a:r>
-            <a:r>
-              <a:rPr lang="en-US" sz="3200" dirty="0" err="1">
-                <a:latin typeface="Tahoma" panose="020B0604030504040204" pitchFamily="34" charset="0"/>
-                <a:ea typeface="Tahoma" panose="020B0604030504040204" pitchFamily="34" charset="0"/>
-                <a:cs typeface="Tahoma" panose="020B0604030504040204" pitchFamily="34" charset="0"/>
-              </a:rPr>
-              <a:t>vì</a:t>
-            </a:r>
-            <a:r>
-              <a:rPr lang="en-US" sz="3200" dirty="0">
-                <a:latin typeface="Tahoma" panose="020B0604030504040204" pitchFamily="34" charset="0"/>
-                <a:ea typeface="Tahoma" panose="020B0604030504040204" pitchFamily="34" charset="0"/>
-                <a:cs typeface="Tahoma" panose="020B0604030504040204" pitchFamily="34" charset="0"/>
-              </a:rPr>
-              <a:t> </a:t>
-            </a:r>
-            <a:r>
-              <a:rPr lang="en-US" sz="3200" dirty="0" err="1">
-                <a:latin typeface="Tahoma" panose="020B0604030504040204" pitchFamily="34" charset="0"/>
-                <a:ea typeface="Tahoma" panose="020B0604030504040204" pitchFamily="34" charset="0"/>
-                <a:cs typeface="Tahoma" panose="020B0604030504040204" pitchFamily="34" charset="0"/>
-              </a:rPr>
-              <a:t>chỉ</a:t>
-            </a:r>
-            <a:r>
-              <a:rPr lang="en-US" sz="3200" dirty="0">
-                <a:latin typeface="Tahoma" panose="020B0604030504040204" pitchFamily="34" charset="0"/>
-                <a:ea typeface="Tahoma" panose="020B0604030504040204" pitchFamily="34" charset="0"/>
-                <a:cs typeface="Tahoma" panose="020B0604030504040204" pitchFamily="34" charset="0"/>
-              </a:rPr>
-              <a:t> chia 2 </a:t>
-            </a:r>
-            <a:r>
-              <a:rPr lang="en-US" sz="3200" dirty="0" err="1">
-                <a:latin typeface="Tahoma" panose="020B0604030504040204" pitchFamily="34" charset="0"/>
-                <a:ea typeface="Tahoma" panose="020B0604030504040204" pitchFamily="34" charset="0"/>
-                <a:cs typeface="Tahoma" panose="020B0604030504040204" pitchFamily="34" charset="0"/>
-              </a:rPr>
-              <a:t>tập</a:t>
-            </a:r>
-            <a:r>
-              <a:rPr lang="en-US" sz="3200" dirty="0">
-                <a:latin typeface="Tahoma" panose="020B0604030504040204" pitchFamily="34" charset="0"/>
-                <a:ea typeface="Tahoma" panose="020B0604030504040204" pitchFamily="34" charset="0"/>
-                <a:cs typeface="Tahoma" panose="020B0604030504040204" pitchFamily="34" charset="0"/>
-              </a:rPr>
-              <a:t> train/test </a:t>
-            </a:r>
-            <a:r>
-              <a:rPr lang="en-US" sz="3200" dirty="0" err="1">
-                <a:latin typeface="Tahoma" panose="020B0604030504040204" pitchFamily="34" charset="0"/>
-                <a:ea typeface="Tahoma" panose="020B0604030504040204" pitchFamily="34" charset="0"/>
-                <a:cs typeface="Tahoma" panose="020B0604030504040204" pitchFamily="34" charset="0"/>
-              </a:rPr>
-              <a:t>với</a:t>
-            </a:r>
-            <a:r>
-              <a:rPr lang="en-US" sz="3200" dirty="0">
-                <a:latin typeface="Tahoma" panose="020B0604030504040204" pitchFamily="34" charset="0"/>
-                <a:ea typeface="Tahoma" panose="020B0604030504040204" pitchFamily="34" charset="0"/>
-                <a:cs typeface="Tahoma" panose="020B0604030504040204" pitchFamily="34" charset="0"/>
-              </a:rPr>
-              <a:t> </a:t>
-            </a:r>
-            <a:r>
-              <a:rPr lang="en-US" sz="3200" dirty="0" err="1">
-                <a:latin typeface="Tahoma" panose="020B0604030504040204" pitchFamily="34" charset="0"/>
-                <a:ea typeface="Tahoma" panose="020B0604030504040204" pitchFamily="34" charset="0"/>
-                <a:cs typeface="Tahoma" panose="020B0604030504040204" pitchFamily="34" charset="0"/>
-              </a:rPr>
-              <a:t>tỉ</a:t>
-            </a:r>
-            <a:r>
-              <a:rPr lang="en-US" sz="3200" dirty="0">
-                <a:latin typeface="Tahoma" panose="020B0604030504040204" pitchFamily="34" charset="0"/>
-                <a:ea typeface="Tahoma" panose="020B0604030504040204" pitchFamily="34" charset="0"/>
-                <a:cs typeface="Tahoma" panose="020B0604030504040204" pitchFamily="34" charset="0"/>
-              </a:rPr>
-              <a:t> </a:t>
-            </a:r>
-            <a:r>
-              <a:rPr lang="en-US" sz="3200" dirty="0" err="1">
-                <a:latin typeface="Tahoma" panose="020B0604030504040204" pitchFamily="34" charset="0"/>
-                <a:ea typeface="Tahoma" panose="020B0604030504040204" pitchFamily="34" charset="0"/>
-                <a:cs typeface="Tahoma" panose="020B0604030504040204" pitchFamily="34" charset="0"/>
-              </a:rPr>
-              <a:t>lệ</a:t>
-            </a:r>
-            <a:r>
-              <a:rPr lang="en-US" sz="3200" dirty="0">
-                <a:latin typeface="Tahoma" panose="020B0604030504040204" pitchFamily="34" charset="0"/>
-                <a:ea typeface="Tahoma" panose="020B0604030504040204" pitchFamily="34" charset="0"/>
-                <a:cs typeface="Tahoma" panose="020B0604030504040204" pitchFamily="34" charset="0"/>
-              </a:rPr>
-              <a:t> 8/2.</a:t>
-            </a:r>
-          </a:p>
-          <a:p>
-            <a:r>
-              <a:rPr lang="en-US" sz="3200" dirty="0" err="1">
-                <a:latin typeface="Tahoma" panose="020B0604030504040204" pitchFamily="34" charset="0"/>
-                <a:ea typeface="Tahoma" panose="020B0604030504040204" pitchFamily="34" charset="0"/>
-                <a:cs typeface="Tahoma" panose="020B0604030504040204" pitchFamily="34" charset="0"/>
-              </a:rPr>
-              <a:t>Thêm</a:t>
-            </a:r>
-            <a:r>
-              <a:rPr lang="en-US" sz="3200" dirty="0">
-                <a:latin typeface="Tahoma" panose="020B0604030504040204" pitchFamily="34" charset="0"/>
-                <a:ea typeface="Tahoma" panose="020B0604030504040204" pitchFamily="34" charset="0"/>
-                <a:cs typeface="Tahoma" panose="020B0604030504040204" pitchFamily="34" charset="0"/>
-              </a:rPr>
-              <a:t> </a:t>
-            </a:r>
-            <a:r>
-              <a:rPr lang="en-US" sz="3200" dirty="0" err="1">
-                <a:latin typeface="Tahoma" panose="020B0604030504040204" pitchFamily="34" charset="0"/>
-                <a:ea typeface="Tahoma" panose="020B0604030504040204" pitchFamily="34" charset="0"/>
-                <a:cs typeface="Tahoma" panose="020B0604030504040204" pitchFamily="34" charset="0"/>
-              </a:rPr>
-              <a:t>vào</a:t>
-            </a:r>
-            <a:r>
-              <a:rPr lang="en-US" sz="3200" dirty="0">
-                <a:latin typeface="Tahoma" panose="020B0604030504040204" pitchFamily="34" charset="0"/>
-                <a:ea typeface="Tahoma" panose="020B0604030504040204" pitchFamily="34" charset="0"/>
-                <a:cs typeface="Tahoma" panose="020B0604030504040204" pitchFamily="34" charset="0"/>
-              </a:rPr>
-              <a:t> </a:t>
-            </a:r>
-            <a:r>
-              <a:rPr lang="en-US" sz="3200" dirty="0" err="1">
-                <a:latin typeface="Tahoma" panose="020B0604030504040204" pitchFamily="34" charset="0"/>
-                <a:ea typeface="Tahoma" panose="020B0604030504040204" pitchFamily="34" charset="0"/>
-                <a:cs typeface="Tahoma" panose="020B0604030504040204" pitchFamily="34" charset="0"/>
-              </a:rPr>
-              <a:t>mô</a:t>
-            </a:r>
-            <a:r>
-              <a:rPr lang="en-US" sz="3200" dirty="0">
-                <a:latin typeface="Tahoma" panose="020B0604030504040204" pitchFamily="34" charset="0"/>
-                <a:ea typeface="Tahoma" panose="020B0604030504040204" pitchFamily="34" charset="0"/>
-                <a:cs typeface="Tahoma" panose="020B0604030504040204" pitchFamily="34" charset="0"/>
-              </a:rPr>
-              <a:t> </a:t>
-            </a:r>
-            <a:r>
-              <a:rPr lang="en-US" sz="3200" dirty="0" err="1">
-                <a:latin typeface="Tahoma" panose="020B0604030504040204" pitchFamily="34" charset="0"/>
-                <a:ea typeface="Tahoma" panose="020B0604030504040204" pitchFamily="34" charset="0"/>
-                <a:cs typeface="Tahoma" panose="020B0604030504040204" pitchFamily="34" charset="0"/>
-              </a:rPr>
-              <a:t>tả</a:t>
-            </a:r>
-            <a:r>
-              <a:rPr lang="en-US" sz="3200" dirty="0">
-                <a:latin typeface="Tahoma" panose="020B0604030504040204" pitchFamily="34" charset="0"/>
-                <a:ea typeface="Tahoma" panose="020B0604030504040204" pitchFamily="34" charset="0"/>
-                <a:cs typeface="Tahoma" panose="020B0604030504040204" pitchFamily="34" charset="0"/>
-              </a:rPr>
-              <a:t> </a:t>
-            </a:r>
-            <a:r>
-              <a:rPr lang="en-US" sz="3200" dirty="0" err="1">
-                <a:latin typeface="Tahoma" panose="020B0604030504040204" pitchFamily="34" charset="0"/>
-                <a:ea typeface="Tahoma" panose="020B0604030504040204" pitchFamily="34" charset="0"/>
-                <a:cs typeface="Tahoma" panose="020B0604030504040204" pitchFamily="34" charset="0"/>
-              </a:rPr>
-              <a:t>thuật</a:t>
-            </a:r>
-            <a:r>
-              <a:rPr lang="en-US" sz="3200" dirty="0">
-                <a:latin typeface="Tahoma" panose="020B0604030504040204" pitchFamily="34" charset="0"/>
-                <a:ea typeface="Tahoma" panose="020B0604030504040204" pitchFamily="34" charset="0"/>
-                <a:cs typeface="Tahoma" panose="020B0604030504040204" pitchFamily="34" charset="0"/>
-              </a:rPr>
-              <a:t> </a:t>
-            </a:r>
-            <a:r>
-              <a:rPr lang="en-US" sz="3200" dirty="0" err="1">
-                <a:latin typeface="Tahoma" panose="020B0604030504040204" pitchFamily="34" charset="0"/>
-                <a:ea typeface="Tahoma" panose="020B0604030504040204" pitchFamily="34" charset="0"/>
-                <a:cs typeface="Tahoma" panose="020B0604030504040204" pitchFamily="34" charset="0"/>
-              </a:rPr>
-              <a:t>toán</a:t>
-            </a:r>
-            <a:r>
-              <a:rPr lang="en-US" sz="3200" dirty="0">
-                <a:latin typeface="Tahoma" panose="020B0604030504040204" pitchFamily="34" charset="0"/>
-                <a:ea typeface="Tahoma" panose="020B0604030504040204" pitchFamily="34" charset="0"/>
-                <a:cs typeface="Tahoma" panose="020B0604030504040204" pitchFamily="34" charset="0"/>
-              </a:rPr>
-              <a:t> </a:t>
-            </a:r>
-            <a:r>
-              <a:rPr lang="en-US" sz="3200" dirty="0" err="1">
-                <a:latin typeface="Tahoma" panose="020B0604030504040204" pitchFamily="34" charset="0"/>
-                <a:ea typeface="Tahoma" panose="020B0604030504040204" pitchFamily="34" charset="0"/>
-                <a:cs typeface="Tahoma" panose="020B0604030504040204" pitchFamily="34" charset="0"/>
-              </a:rPr>
-              <a:t>và</a:t>
-            </a:r>
-            <a:r>
-              <a:rPr lang="en-US" sz="3200" dirty="0">
-                <a:latin typeface="Tahoma" panose="020B0604030504040204" pitchFamily="34" charset="0"/>
-                <a:ea typeface="Tahoma" panose="020B0604030504040204" pitchFamily="34" charset="0"/>
-                <a:cs typeface="Tahoma" panose="020B0604030504040204" pitchFamily="34" charset="0"/>
-              </a:rPr>
-              <a:t> </a:t>
-            </a:r>
-            <a:r>
-              <a:rPr lang="en-US" sz="3200" dirty="0" err="1">
-                <a:latin typeface="Tahoma" panose="020B0604030504040204" pitchFamily="34" charset="0"/>
-                <a:ea typeface="Tahoma" panose="020B0604030504040204" pitchFamily="34" charset="0"/>
-                <a:cs typeface="Tahoma" panose="020B0604030504040204" pitchFamily="34" charset="0"/>
-              </a:rPr>
-              <a:t>lí</a:t>
-            </a:r>
-            <a:r>
-              <a:rPr lang="en-US" sz="3200" dirty="0">
-                <a:latin typeface="Tahoma" panose="020B0604030504040204" pitchFamily="34" charset="0"/>
-                <a:ea typeface="Tahoma" panose="020B0604030504040204" pitchFamily="34" charset="0"/>
-                <a:cs typeface="Tahoma" panose="020B0604030504040204" pitchFamily="34" charset="0"/>
-              </a:rPr>
-              <a:t> do </a:t>
-            </a:r>
-            <a:r>
-              <a:rPr lang="en-US" sz="3200" dirty="0" err="1">
-                <a:latin typeface="Tahoma" panose="020B0604030504040204" pitchFamily="34" charset="0"/>
-                <a:ea typeface="Tahoma" panose="020B0604030504040204" pitchFamily="34" charset="0"/>
-                <a:cs typeface="Tahoma" panose="020B0604030504040204" pitchFamily="34" charset="0"/>
-              </a:rPr>
-              <a:t>lựa</a:t>
-            </a:r>
-            <a:r>
-              <a:rPr lang="en-US" sz="3200" dirty="0">
-                <a:latin typeface="Tahoma" panose="020B0604030504040204" pitchFamily="34" charset="0"/>
-                <a:ea typeface="Tahoma" panose="020B0604030504040204" pitchFamily="34" charset="0"/>
-                <a:cs typeface="Tahoma" panose="020B0604030504040204" pitchFamily="34" charset="0"/>
-              </a:rPr>
-              <a:t> </a:t>
-            </a:r>
-            <a:r>
-              <a:rPr lang="en-US" sz="3200" dirty="0" err="1">
-                <a:latin typeface="Tahoma" panose="020B0604030504040204" pitchFamily="34" charset="0"/>
-                <a:ea typeface="Tahoma" panose="020B0604030504040204" pitchFamily="34" charset="0"/>
-                <a:cs typeface="Tahoma" panose="020B0604030504040204" pitchFamily="34" charset="0"/>
-              </a:rPr>
-              <a:t>chọn</a:t>
-            </a:r>
-            <a:r>
-              <a:rPr lang="en-US" sz="3200" dirty="0">
-                <a:latin typeface="Tahoma" panose="020B0604030504040204" pitchFamily="34" charset="0"/>
-                <a:ea typeface="Tahoma" panose="020B0604030504040204" pitchFamily="34" charset="0"/>
-                <a:cs typeface="Tahoma" panose="020B0604030504040204" pitchFamily="34" charset="0"/>
-              </a:rPr>
-              <a:t> </a:t>
-            </a:r>
-            <a:r>
-              <a:rPr lang="en-US" sz="3200" dirty="0" err="1">
-                <a:latin typeface="Tahoma" panose="020B0604030504040204" pitchFamily="34" charset="0"/>
-                <a:ea typeface="Tahoma" panose="020B0604030504040204" pitchFamily="34" charset="0"/>
-                <a:cs typeface="Tahoma" panose="020B0604030504040204" pitchFamily="34" charset="0"/>
-              </a:rPr>
-              <a:t>thuật</a:t>
-            </a:r>
-            <a:r>
-              <a:rPr lang="en-US" sz="3200" dirty="0">
-                <a:latin typeface="Tahoma" panose="020B0604030504040204" pitchFamily="34" charset="0"/>
-                <a:ea typeface="Tahoma" panose="020B0604030504040204" pitchFamily="34" charset="0"/>
-                <a:cs typeface="Tahoma" panose="020B0604030504040204" pitchFamily="34" charset="0"/>
-              </a:rPr>
-              <a:t> </a:t>
-            </a:r>
-            <a:r>
-              <a:rPr lang="en-US" sz="3200" dirty="0" err="1">
-                <a:latin typeface="Tahoma" panose="020B0604030504040204" pitchFamily="34" charset="0"/>
-                <a:ea typeface="Tahoma" panose="020B0604030504040204" pitchFamily="34" charset="0"/>
-                <a:cs typeface="Tahoma" panose="020B0604030504040204" pitchFamily="34" charset="0"/>
-              </a:rPr>
-              <a:t>toán</a:t>
-            </a:r>
-            <a:r>
-              <a:rPr lang="en-US" sz="3200" dirty="0">
-                <a:latin typeface="Tahoma" panose="020B0604030504040204" pitchFamily="34" charset="0"/>
-                <a:ea typeface="Tahoma" panose="020B0604030504040204" pitchFamily="34" charset="0"/>
-                <a:cs typeface="Tahoma" panose="020B0604030504040204" pitchFamily="34" charset="0"/>
-              </a:rPr>
-              <a:t> Random Forest </a:t>
-            </a:r>
-            <a:r>
-              <a:rPr lang="en-US" sz="3200" dirty="0" err="1">
-                <a:latin typeface="Tahoma" panose="020B0604030504040204" pitchFamily="34" charset="0"/>
-                <a:ea typeface="Tahoma" panose="020B0604030504040204" pitchFamily="34" charset="0"/>
-                <a:cs typeface="Tahoma" panose="020B0604030504040204" pitchFamily="34" charset="0"/>
-              </a:rPr>
-              <a:t>làm</a:t>
-            </a:r>
-            <a:r>
-              <a:rPr lang="en-US" sz="3200" dirty="0">
-                <a:latin typeface="Tahoma" panose="020B0604030504040204" pitchFamily="34" charset="0"/>
-                <a:ea typeface="Tahoma" panose="020B0604030504040204" pitchFamily="34" charset="0"/>
-                <a:cs typeface="Tahoma" panose="020B0604030504040204" pitchFamily="34" charset="0"/>
-              </a:rPr>
-              <a:t> </a:t>
-            </a:r>
-            <a:r>
-              <a:rPr lang="en-US" sz="3200" dirty="0" err="1">
-                <a:latin typeface="Tahoma" panose="020B0604030504040204" pitchFamily="34" charset="0"/>
-                <a:ea typeface="Tahoma" panose="020B0604030504040204" pitchFamily="34" charset="0"/>
-                <a:cs typeface="Tahoma" panose="020B0604030504040204" pitchFamily="34" charset="0"/>
-              </a:rPr>
-              <a:t>thuật</a:t>
-            </a:r>
-            <a:r>
-              <a:rPr lang="en-US" sz="3200" dirty="0">
-                <a:latin typeface="Tahoma" panose="020B0604030504040204" pitchFamily="34" charset="0"/>
-                <a:ea typeface="Tahoma" panose="020B0604030504040204" pitchFamily="34" charset="0"/>
-                <a:cs typeface="Tahoma" panose="020B0604030504040204" pitchFamily="34" charset="0"/>
-              </a:rPr>
-              <a:t> </a:t>
-            </a:r>
-            <a:r>
-              <a:rPr lang="en-US" sz="3200" dirty="0" err="1">
-                <a:latin typeface="Tahoma" panose="020B0604030504040204" pitchFamily="34" charset="0"/>
-                <a:ea typeface="Tahoma" panose="020B0604030504040204" pitchFamily="34" charset="0"/>
-                <a:cs typeface="Tahoma" panose="020B0604030504040204" pitchFamily="34" charset="0"/>
-              </a:rPr>
-              <a:t>toán</a:t>
-            </a:r>
-            <a:r>
-              <a:rPr lang="en-US" sz="3200" dirty="0">
-                <a:latin typeface="Tahoma" panose="020B0604030504040204" pitchFamily="34" charset="0"/>
-                <a:ea typeface="Tahoma" panose="020B0604030504040204" pitchFamily="34" charset="0"/>
-                <a:cs typeface="Tahoma" panose="020B0604030504040204" pitchFamily="34" charset="0"/>
-              </a:rPr>
-              <a:t> </a:t>
-            </a:r>
-            <a:r>
-              <a:rPr lang="en-US" sz="3200" dirty="0" err="1">
-                <a:latin typeface="Tahoma" panose="020B0604030504040204" pitchFamily="34" charset="0"/>
-                <a:ea typeface="Tahoma" panose="020B0604030504040204" pitchFamily="34" charset="0"/>
-                <a:cs typeface="Tahoma" panose="020B0604030504040204" pitchFamily="34" charset="0"/>
-              </a:rPr>
-              <a:t>cuối</a:t>
-            </a:r>
-            <a:r>
-              <a:rPr lang="en-US" sz="3200" dirty="0">
-                <a:latin typeface="Tahoma" panose="020B0604030504040204" pitchFamily="34" charset="0"/>
-                <a:ea typeface="Tahoma" panose="020B0604030504040204" pitchFamily="34" charset="0"/>
-                <a:cs typeface="Tahoma" panose="020B0604030504040204" pitchFamily="34" charset="0"/>
-              </a:rPr>
-              <a:t> </a:t>
-            </a:r>
-            <a:r>
-              <a:rPr lang="en-US" sz="3200" dirty="0" err="1">
-                <a:latin typeface="Tahoma" panose="020B0604030504040204" pitchFamily="34" charset="0"/>
-                <a:ea typeface="Tahoma" panose="020B0604030504040204" pitchFamily="34" charset="0"/>
-                <a:cs typeface="Tahoma" panose="020B0604030504040204" pitchFamily="34" charset="0"/>
-              </a:rPr>
-              <a:t>cùng</a:t>
-            </a:r>
-            <a:r>
-              <a:rPr lang="en-US" sz="3200" dirty="0">
-                <a:latin typeface="Tahoma" panose="020B0604030504040204" pitchFamily="34" charset="0"/>
-                <a:ea typeface="Tahoma" panose="020B0604030504040204" pitchFamily="34" charset="0"/>
-                <a:cs typeface="Tahoma" panose="020B0604030504040204" pitchFamily="34" charset="0"/>
-              </a:rPr>
-              <a:t> </a:t>
-            </a:r>
-            <a:r>
-              <a:rPr lang="en-US" sz="3200" dirty="0" err="1">
-                <a:latin typeface="Tahoma" panose="020B0604030504040204" pitchFamily="34" charset="0"/>
-                <a:ea typeface="Tahoma" panose="020B0604030504040204" pitchFamily="34" charset="0"/>
-                <a:cs typeface="Tahoma" panose="020B0604030504040204" pitchFamily="34" charset="0"/>
-              </a:rPr>
-              <a:t>để</a:t>
-            </a:r>
-            <a:r>
-              <a:rPr lang="en-US" sz="3200" dirty="0">
-                <a:latin typeface="Tahoma" panose="020B0604030504040204" pitchFamily="34" charset="0"/>
-                <a:ea typeface="Tahoma" panose="020B0604030504040204" pitchFamily="34" charset="0"/>
-                <a:cs typeface="Tahoma" panose="020B0604030504040204" pitchFamily="34" charset="0"/>
-              </a:rPr>
-              <a:t> </a:t>
-            </a:r>
-            <a:r>
-              <a:rPr lang="en-US" sz="3200" dirty="0" err="1">
-                <a:latin typeface="Tahoma" panose="020B0604030504040204" pitchFamily="34" charset="0"/>
-                <a:ea typeface="Tahoma" panose="020B0604030504040204" pitchFamily="34" charset="0"/>
-                <a:cs typeface="Tahoma" panose="020B0604030504040204" pitchFamily="34" charset="0"/>
-              </a:rPr>
-              <a:t>chạy</a:t>
-            </a:r>
-            <a:r>
-              <a:rPr lang="en-US" sz="3200" dirty="0">
-                <a:latin typeface="Tahoma" panose="020B0604030504040204" pitchFamily="34" charset="0"/>
-                <a:ea typeface="Tahoma" panose="020B0604030504040204" pitchFamily="34" charset="0"/>
-                <a:cs typeface="Tahoma" panose="020B0604030504040204" pitchFamily="34" charset="0"/>
-              </a:rPr>
-              <a:t> </a:t>
-            </a:r>
-            <a:r>
-              <a:rPr lang="en-US" sz="3200" dirty="0" err="1">
-                <a:latin typeface="Tahoma" panose="020B0604030504040204" pitchFamily="34" charset="0"/>
-                <a:ea typeface="Tahoma" panose="020B0604030504040204" pitchFamily="34" charset="0"/>
-                <a:cs typeface="Tahoma" panose="020B0604030504040204" pitchFamily="34" charset="0"/>
-              </a:rPr>
-              <a:t>trên</a:t>
-            </a:r>
-            <a:r>
-              <a:rPr lang="en-US" sz="3200" dirty="0">
-                <a:latin typeface="Tahoma" panose="020B0604030504040204" pitchFamily="34" charset="0"/>
-                <a:ea typeface="Tahoma" panose="020B0604030504040204" pitchFamily="34" charset="0"/>
-                <a:cs typeface="Tahoma" panose="020B0604030504040204" pitchFamily="34" charset="0"/>
-              </a:rPr>
-              <a:t> </a:t>
-            </a:r>
-            <a:r>
-              <a:rPr lang="en-US" sz="3200" dirty="0" err="1">
-                <a:latin typeface="Tahoma" panose="020B0604030504040204" pitchFamily="34" charset="0"/>
-                <a:ea typeface="Tahoma" panose="020B0604030504040204" pitchFamily="34" charset="0"/>
-                <a:cs typeface="Tahoma" panose="020B0604030504040204" pitchFamily="34" charset="0"/>
-              </a:rPr>
-              <a:t>tập</a:t>
-            </a:r>
-            <a:r>
-              <a:rPr lang="en-US" sz="3200" dirty="0">
-                <a:latin typeface="Tahoma" panose="020B0604030504040204" pitchFamily="34" charset="0"/>
-                <a:ea typeface="Tahoma" panose="020B0604030504040204" pitchFamily="34" charset="0"/>
-                <a:cs typeface="Tahoma" panose="020B0604030504040204" pitchFamily="34" charset="0"/>
-              </a:rPr>
-              <a:t> test</a:t>
-            </a:r>
-          </a:p>
-        </p:txBody>
-      </p:sp>
-      <p:sp>
-        <p:nvSpPr>
-          <p:cNvPr id="4" name="Slide Number Placeholder 3">
-            <a:extLst>
-              <a:ext uri="{FF2B5EF4-FFF2-40B4-BE49-F238E27FC236}">
-                <a16:creationId xmlns:a16="http://schemas.microsoft.com/office/drawing/2014/main" id="{8B824261-230A-4E52-AEDB-59D0C45C14C7}"/>
-              </a:ext>
-            </a:extLst>
-          </p:cNvPr>
-          <p:cNvSpPr>
-            <a:spLocks noGrp="1"/>
-          </p:cNvSpPr>
-          <p:nvPr>
-            <p:ph type="sldNum" sz="quarter" idx="12"/>
-          </p:nvPr>
-        </p:nvSpPr>
-        <p:spPr/>
-        <p:txBody>
-          <a:bodyPr/>
-          <a:lstStyle/>
-          <a:p>
-            <a:fld id="{C2A74E92-A1E9-4D96-8B19-9FA9AB19DBB5}" type="slidenum">
-              <a:rPr lang="en-GB" smtClean="0"/>
-              <a:t>2</a:t>
-            </a:fld>
-            <a:endParaRPr lang="en-GB"/>
-          </a:p>
-        </p:txBody>
-      </p:sp>
-    </p:spTree>
-    <p:extLst>
-      <p:ext uri="{BB962C8B-B14F-4D97-AF65-F5344CB8AC3E}">
-        <p14:creationId xmlns:p14="http://schemas.microsoft.com/office/powerpoint/2010/main" val="3235173033"/>
-      </p:ext>
-    </p:extLst>
-  </p:cSld>
-  <p:clrMapOvr>
-    <a:masterClrMapping/>
-  </p:clrMapOvr>
-</p:sld>
-</file>
-
-<file path=ppt/slides/slide20.xml><?xml version="1.0" encoding="utf-8"?>
+<file path=ppt/slides/slide27.xml><?xml version="1.0" encoding="utf-8"?>
 <p:sld xmlns:a="http://schemas.openxmlformats.org/drawingml/2006/main" xmlns:r="http://schemas.openxmlformats.org/officeDocument/2006/relationships" xmlns:p="http://schemas.openxmlformats.org/presentationml/2006/main">
   <p:cSld>
     <p:spTree>
@@ -9822,7 +16979,7 @@
           <a:p>
             <a:fld id="{C2A74E92-A1E9-4D96-8B19-9FA9AB19DBB5}" type="slidenum">
               <a:rPr lang="en-GB" smtClean="0"/>
-              <a:t>20</a:t>
+              <a:t>27</a:t>
             </a:fld>
             <a:endParaRPr lang="en-GB"/>
           </a:p>
@@ -9841,7 +16998,7 @@
 </p:sld>
 </file>
 
-<file path=ppt/slides/slide21.xml><?xml version="1.0" encoding="utf-8"?>
+<file path=ppt/slides/slide28.xml><?xml version="1.0" encoding="utf-8"?>
 <p:sld xmlns:a="http://schemas.openxmlformats.org/drawingml/2006/main" xmlns:r="http://schemas.openxmlformats.org/officeDocument/2006/relationships" xmlns:p="http://schemas.openxmlformats.org/presentationml/2006/main">
   <p:cSld>
     <p:spTree>
@@ -9952,7 +17109,7 @@
           <a:p>
             <a:fld id="{C2A74E92-A1E9-4D96-8B19-9FA9AB19DBB5}" type="slidenum">
               <a:rPr lang="en-GB" smtClean="0"/>
-              <a:t>21</a:t>
+              <a:t>28</a:t>
             </a:fld>
             <a:endParaRPr lang="en-GB"/>
           </a:p>
